--- a/SolutionArchitecture.pptx
+++ b/SolutionArchitecture.pptx
@@ -104,6 +104,11 @@
       </a:defRPr>
     </a:lvl9pPr>
   </p:defaultTextStyle>
+  <p:extLst>
+    <p:ext uri="{EFAFB233-063F-42B5-8137-9DF3F51BA10A}">
+      <p15:sldGuideLst xmlns:p15="http://schemas.microsoft.com/office/powerpoint/2012/main"/>
+    </p:ext>
+  </p:extLst>
 </p:presentation>
 </file>
 
@@ -3335,15 +3340,25 @@
         </p:nvSpPr>
         <p:spPr>
           <a:xfrm>
-            <a:off x="7626101" y="4648200"/>
+            <a:off x="9887776" y="4645222"/>
             <a:ext cx="1895939" cy="1169101"/>
           </a:xfrm>
           <a:prstGeom prst="rect">
             <a:avLst/>
           </a:prstGeom>
           <a:solidFill>
-            <a:schemeClr val="bg1"/>
+            <a:schemeClr val="accent4">
+              <a:lumMod val="20000"/>
+              <a:lumOff val="80000"/>
+            </a:schemeClr>
           </a:solidFill>
+          <a:effectLst>
+            <a:outerShdw blurRad="50800" dist="38100" dir="2700000" algn="tl" rotWithShape="0">
+              <a:prstClr val="black">
+                <a:alpha val="40000"/>
+              </a:prstClr>
+            </a:outerShdw>
+          </a:effectLst>
         </p:spPr>
         <p:style>
           <a:lnRef idx="2">
@@ -3394,8 +3409,8 @@
         </p:nvSpPr>
         <p:spPr>
           <a:xfrm>
-            <a:off x="4798504" y="2824247"/>
-            <a:ext cx="5794058" cy="1519153"/>
+            <a:off x="5798612" y="2667000"/>
+            <a:ext cx="5364764" cy="1519153"/>
           </a:xfrm>
           <a:prstGeom prst="roundRect">
             <a:avLst>
@@ -3424,13 +3439,18 @@
           <a:p>
             <a:pPr algn="ctr"/>
             <a:r>
-              <a:rPr lang="en-US" sz="1600" b="1" dirty="0">
+              <a:rPr lang="en-US" sz="1600" b="1" dirty="0" err="1">
                 <a:latin typeface="Calibri" panose="020F0502020204030204" pitchFamily="34" charset="0"/>
                 <a:ea typeface="Calibri" panose="020F0502020204030204" pitchFamily="34" charset="0"/>
                 <a:cs typeface="Calibri" panose="020F0502020204030204" pitchFamily="34" charset="0"/>
               </a:rPr>
-              <a:t>Infrastructure as Code (IAC)</a:t>
-            </a:r>
+              <a:t>IaC</a:t>
+            </a:r>
+            <a:endParaRPr lang="en-US" sz="1600" b="1" dirty="0">
+              <a:latin typeface="Calibri" panose="020F0502020204030204" pitchFamily="34" charset="0"/>
+              <a:ea typeface="Calibri" panose="020F0502020204030204" pitchFamily="34" charset="0"/>
+              <a:cs typeface="Calibri" panose="020F0502020204030204" pitchFamily="34" charset="0"/>
+            </a:endParaRPr>
           </a:p>
         </p:txBody>
       </p:sp>
@@ -3455,8 +3475,18 @@
             <a:avLst/>
           </a:prstGeom>
           <a:solidFill>
-            <a:schemeClr val="bg1"/>
+            <a:schemeClr val="accent4">
+              <a:lumMod val="20000"/>
+              <a:lumOff val="80000"/>
+            </a:schemeClr>
           </a:solidFill>
+          <a:effectLst>
+            <a:outerShdw blurRad="50800" dist="38100" dir="2700000" algn="tl" rotWithShape="0">
+              <a:prstClr val="black">
+                <a:alpha val="40000"/>
+              </a:prstClr>
+            </a:outerShdw>
+          </a:effectLst>
         </p:spPr>
         <p:style>
           <a:lnRef idx="2">
@@ -3569,7 +3599,7 @@
         </p:blipFill>
         <p:spPr bwMode="auto">
           <a:xfrm>
-            <a:off x="4798504" y="1668732"/>
+            <a:off x="4914223" y="1668732"/>
             <a:ext cx="533400" cy="533400"/>
           </a:xfrm>
           <a:prstGeom prst="rect">
@@ -3601,7 +3631,7 @@
         </p:nvSpPr>
         <p:spPr>
           <a:xfrm>
-            <a:off x="4628048" y="1167071"/>
+            <a:off x="4743767" y="1167071"/>
             <a:ext cx="907542" cy="523220"/>
           </a:xfrm>
           <a:prstGeom prst="rect">
@@ -3656,7 +3686,7 @@
         </p:blipFill>
         <p:spPr bwMode="auto">
           <a:xfrm>
-            <a:off x="3591496" y="1650799"/>
+            <a:off x="3707215" y="1650799"/>
             <a:ext cx="576072" cy="576072"/>
           </a:xfrm>
           <a:prstGeom prst="rect">
@@ -3688,7 +3718,7 @@
         </p:nvSpPr>
         <p:spPr>
           <a:xfrm>
-            <a:off x="3438662" y="1185207"/>
+            <a:off x="3554381" y="1185207"/>
             <a:ext cx="907542" cy="523220"/>
           </a:xfrm>
           <a:prstGeom prst="rect">
@@ -3743,7 +3773,7 @@
         </p:blipFill>
         <p:spPr bwMode="auto">
           <a:xfrm>
-            <a:off x="2420112" y="1697307"/>
+            <a:off x="2432685" y="1697307"/>
             <a:ext cx="475488" cy="475488"/>
           </a:xfrm>
           <a:prstGeom prst="rect">
@@ -3775,8 +3805,8 @@
         </p:nvSpPr>
         <p:spPr>
           <a:xfrm>
-            <a:off x="2204085" y="1167071"/>
-            <a:ext cx="907542" cy="523220"/>
+            <a:off x="2270723" y="1380365"/>
+            <a:ext cx="907542" cy="307777"/>
           </a:xfrm>
           <a:prstGeom prst="rect">
             <a:avLst/>
@@ -3799,17 +3829,6 @@
               <a:t>VS Code</a:t>
             </a:r>
           </a:p>
-          <a:p>
-            <a:pPr algn="ctr"/>
-            <a:r>
-              <a:rPr lang="en-US" sz="1400" dirty="0">
-                <a:latin typeface="Calibri" panose="020F0502020204030204" pitchFamily="34" charset="0"/>
-                <a:ea typeface="Calibri" panose="020F0502020204030204" pitchFamily="34" charset="0"/>
-                <a:cs typeface="Calibri" panose="020F0502020204030204" pitchFamily="34" charset="0"/>
-              </a:rPr>
-              <a:t>IDE</a:t>
-            </a:r>
-          </a:p>
         </p:txBody>
       </p:sp>
       <p:cxnSp>
@@ -3829,7 +3848,7 @@
         </p:nvCxnSpPr>
         <p:spPr>
           <a:xfrm>
-            <a:off x="1848231" y="1935051"/>
+            <a:off x="1860804" y="1935051"/>
             <a:ext cx="571881" cy="0"/>
           </a:xfrm>
           <a:prstGeom prst="straightConnector1">
@@ -3872,8 +3891,8 @@
         </p:nvCxnSpPr>
         <p:spPr>
           <a:xfrm>
-            <a:off x="2895600" y="1935051"/>
-            <a:ext cx="695896" cy="3784"/>
+            <a:off x="2908173" y="1935051"/>
+            <a:ext cx="799042" cy="3784"/>
           </a:xfrm>
           <a:prstGeom prst="straightConnector1">
             <a:avLst/>
@@ -3915,7 +3934,7 @@
         </p:nvCxnSpPr>
         <p:spPr>
           <a:xfrm flipV="1">
-            <a:off x="4167568" y="1935432"/>
+            <a:off x="4283287" y="1935432"/>
             <a:ext cx="630936" cy="3403"/>
           </a:xfrm>
           <a:prstGeom prst="straightConnector1">
@@ -3954,7 +3973,7 @@
           </p:cNvPicPr>
           <p:nvPr/>
         </p:nvPicPr>
-        <p:blipFill>
+        <p:blipFill rotWithShape="1">
           <a:blip r:embed="rId6">
             <a:extLst>
               <a:ext uri="{28A0092B-C50C-407E-A947-70E740481C1C}">
@@ -3962,15 +3981,13 @@
               </a:ext>
             </a:extLst>
           </a:blip>
-          <a:srcRect/>
-          <a:stretch>
-            <a:fillRect/>
-          </a:stretch>
+          <a:srcRect b="18487"/>
+          <a:stretch/>
         </p:blipFill>
         <p:spPr bwMode="auto">
           <a:xfrm>
-            <a:off x="5895593" y="1557835"/>
-            <a:ext cx="754432" cy="754432"/>
+            <a:off x="5898444" y="1628338"/>
+            <a:ext cx="754432" cy="614960"/>
           </a:xfrm>
           <a:prstGeom prst="rect">
             <a:avLst/>
@@ -4004,9 +4021,9 @@
           <p:nvPr/>
         </p:nvCxnSpPr>
         <p:spPr>
-          <a:xfrm flipV="1">
-            <a:off x="5331904" y="1935051"/>
-            <a:ext cx="563689" cy="381"/>
+          <a:xfrm>
+            <a:off x="5447623" y="1935432"/>
+            <a:ext cx="450821" cy="386"/>
           </a:xfrm>
           <a:prstGeom prst="straightConnector1">
             <a:avLst/>
@@ -4044,7 +4061,7 @@
         </p:nvSpPr>
         <p:spPr>
           <a:xfrm>
-            <a:off x="5742483" y="1220927"/>
+            <a:off x="5764181" y="1220927"/>
             <a:ext cx="907542" cy="523220"/>
           </a:xfrm>
           <a:prstGeom prst="rect">
@@ -4083,10 +4100,10 @@
       </p:sp>
       <p:pic>
         <p:nvPicPr>
-          <p:cNvPr id="1036" name="Picture 12" descr="Amazon ECR | AWS Compute">
-            <a:extLst>
-              <a:ext uri="{FF2B5EF4-FFF2-40B4-BE49-F238E27FC236}">
-                <a16:creationId xmlns:a16="http://schemas.microsoft.com/office/drawing/2014/main" id="{BF3CD309-1E68-641B-7A1A-D0982D1C69D6}"/>
+          <p:cNvPr id="1038" name="Picture 14" descr="terraform&quot; Icon - Download for free – Iconduck">
+            <a:extLst>
+              <a:ext uri="{FF2B5EF4-FFF2-40B4-BE49-F238E27FC236}">
+                <a16:creationId xmlns:a16="http://schemas.microsoft.com/office/drawing/2014/main" id="{5CC8CA65-62F7-16DF-CA8E-729786397C75}"/>
               </a:ext>
             </a:extLst>
           </p:cNvPr>
@@ -4110,8 +4127,8 @@
         </p:blipFill>
         <p:spPr bwMode="auto">
           <a:xfrm>
-            <a:off x="7433454" y="1685437"/>
-            <a:ext cx="534162" cy="534162"/>
+            <a:off x="4533713" y="3087674"/>
+            <a:ext cx="600395" cy="682016"/>
           </a:xfrm>
           <a:prstGeom prst="rect">
             <a:avLst/>
@@ -4128,106 +4145,12 @@
           </a:extLst>
         </p:spPr>
       </p:pic>
-      <p:cxnSp>
-        <p:nvCxnSpPr>
-          <p:cNvPr id="29" name="Straight Arrow Connector 28">
-            <a:extLst>
-              <a:ext uri="{FF2B5EF4-FFF2-40B4-BE49-F238E27FC236}">
-                <a16:creationId xmlns:a16="http://schemas.microsoft.com/office/drawing/2014/main" id="{189B1ADF-5309-A09B-5F1E-B4360A3142CE}"/>
-              </a:ext>
-            </a:extLst>
-          </p:cNvPr>
-          <p:cNvCxnSpPr>
-            <a:cxnSpLocks/>
-            <a:stCxn id="1034" idx="3"/>
-            <a:endCxn id="1036" idx="1"/>
-          </p:cNvCxnSpPr>
-          <p:nvPr/>
-        </p:nvCxnSpPr>
-        <p:spPr>
-          <a:xfrm>
-            <a:off x="6650025" y="1935051"/>
-            <a:ext cx="783429" cy="17467"/>
-          </a:xfrm>
-          <a:prstGeom prst="straightConnector1">
-            <a:avLst/>
-          </a:prstGeom>
-          <a:ln>
-            <a:tailEnd type="triangle"/>
-          </a:ln>
-        </p:spPr>
-        <p:style>
-          <a:lnRef idx="2">
-            <a:schemeClr val="accent1"/>
-          </a:lnRef>
-          <a:fillRef idx="0">
-            <a:schemeClr val="accent1"/>
-          </a:fillRef>
-          <a:effectRef idx="1">
-            <a:schemeClr val="accent1"/>
-          </a:effectRef>
-          <a:fontRef idx="minor">
-            <a:schemeClr val="tx1"/>
-          </a:fontRef>
-        </p:style>
-      </p:cxnSp>
-      <p:sp>
-        <p:nvSpPr>
-          <p:cNvPr id="33" name="TextBox 32">
-            <a:extLst>
-              <a:ext uri="{FF2B5EF4-FFF2-40B4-BE49-F238E27FC236}">
-                <a16:creationId xmlns:a16="http://schemas.microsoft.com/office/drawing/2014/main" id="{14AABD2C-B364-5395-D2ED-2AB31237BB61}"/>
-              </a:ext>
-            </a:extLst>
-          </p:cNvPr>
-          <p:cNvSpPr txBox="1"/>
-          <p:nvPr/>
-        </p:nvSpPr>
-        <p:spPr>
-          <a:xfrm>
-            <a:off x="7264235" y="1171337"/>
-            <a:ext cx="907542" cy="523220"/>
-          </a:xfrm>
-          <a:prstGeom prst="rect">
-            <a:avLst/>
-          </a:prstGeom>
-          <a:noFill/>
-        </p:spPr>
-        <p:txBody>
-          <a:bodyPr wrap="square" rtlCol="0">
-            <a:spAutoFit/>
-          </a:bodyPr>
-          <a:lstStyle/>
-          <a:p>
-            <a:pPr algn="ctr"/>
-            <a:r>
-              <a:rPr lang="en-US" sz="1400" dirty="0">
-                <a:latin typeface="Calibri" panose="020F0502020204030204" pitchFamily="34" charset="0"/>
-                <a:ea typeface="Calibri" panose="020F0502020204030204" pitchFamily="34" charset="0"/>
-                <a:cs typeface="Calibri" panose="020F0502020204030204" pitchFamily="34" charset="0"/>
-              </a:rPr>
-              <a:t>ECR</a:t>
-            </a:r>
-          </a:p>
-          <a:p>
-            <a:pPr algn="ctr"/>
-            <a:r>
-              <a:rPr lang="en-US" sz="1400" dirty="0">
-                <a:latin typeface="Calibri" panose="020F0502020204030204" pitchFamily="34" charset="0"/>
-                <a:ea typeface="Calibri" panose="020F0502020204030204" pitchFamily="34" charset="0"/>
-                <a:cs typeface="Calibri" panose="020F0502020204030204" pitchFamily="34" charset="0"/>
-              </a:rPr>
-              <a:t>Image</a:t>
-            </a:r>
-          </a:p>
-        </p:txBody>
-      </p:sp>
       <p:pic>
         <p:nvPicPr>
-          <p:cNvPr id="1038" name="Picture 14" descr="terraform&quot; Icon - Download for free – Iconduck">
-            <a:extLst>
-              <a:ext uri="{FF2B5EF4-FFF2-40B4-BE49-F238E27FC236}">
-                <a16:creationId xmlns:a16="http://schemas.microsoft.com/office/drawing/2014/main" id="{5CC8CA65-62F7-16DF-CA8E-729786397C75}"/>
+          <p:cNvPr id="1040" name="Picture 16" descr="Playwright icon - Free Download PNG &amp; SVG | Streamline">
+            <a:extLst>
+              <a:ext uri="{FF2B5EF4-FFF2-40B4-BE49-F238E27FC236}">
+                <a16:creationId xmlns:a16="http://schemas.microsoft.com/office/drawing/2014/main" id="{0E0BD699-002E-169C-8197-0AA77DBDB3E1}"/>
               </a:ext>
             </a:extLst>
           </p:cNvPr>
@@ -4251,8 +4174,8 @@
         </p:blipFill>
         <p:spPr bwMode="auto">
           <a:xfrm>
-            <a:off x="3533606" y="3244921"/>
-            <a:ext cx="600395" cy="682016"/>
+            <a:off x="821137" y="2344508"/>
+            <a:ext cx="682016" cy="682016"/>
           </a:xfrm>
           <a:prstGeom prst="rect">
             <a:avLst/>
@@ -4269,12 +4192,92 @@
           </a:extLst>
         </p:spPr>
       </p:pic>
+      <p:sp>
+        <p:nvSpPr>
+          <p:cNvPr id="36" name="TextBox 35">
+            <a:extLst>
+              <a:ext uri="{FF2B5EF4-FFF2-40B4-BE49-F238E27FC236}">
+                <a16:creationId xmlns:a16="http://schemas.microsoft.com/office/drawing/2014/main" id="{EFA5496C-FF0C-FEEB-A77F-81EBBA8785F8}"/>
+              </a:ext>
+            </a:extLst>
+          </p:cNvPr>
+          <p:cNvSpPr txBox="1"/>
+          <p:nvPr/>
+        </p:nvSpPr>
+        <p:spPr>
+          <a:xfrm>
+            <a:off x="657430" y="2932215"/>
+            <a:ext cx="1009430" cy="307777"/>
+          </a:xfrm>
+          <a:prstGeom prst="rect">
+            <a:avLst/>
+          </a:prstGeom>
+          <a:noFill/>
+        </p:spPr>
+        <p:txBody>
+          <a:bodyPr wrap="square" rtlCol="0">
+            <a:spAutoFit/>
+          </a:bodyPr>
+          <a:lstStyle/>
+          <a:p>
+            <a:pPr algn="ctr"/>
+            <a:r>
+              <a:rPr lang="en-US" sz="1400" dirty="0">
+                <a:latin typeface="Calibri" panose="020F0502020204030204" pitchFamily="34" charset="0"/>
+                <a:ea typeface="Calibri" panose="020F0502020204030204" pitchFamily="34" charset="0"/>
+                <a:cs typeface="Calibri" panose="020F0502020204030204" pitchFamily="34" charset="0"/>
+              </a:rPr>
+              <a:t>Playwright</a:t>
+            </a:r>
+          </a:p>
+        </p:txBody>
+      </p:sp>
+      <p:sp>
+        <p:nvSpPr>
+          <p:cNvPr id="37" name="TextBox 36">
+            <a:extLst>
+              <a:ext uri="{FF2B5EF4-FFF2-40B4-BE49-F238E27FC236}">
+                <a16:creationId xmlns:a16="http://schemas.microsoft.com/office/drawing/2014/main" id="{96B7F055-FC1D-A079-FF00-54B9EA6554A6}"/>
+              </a:ext>
+            </a:extLst>
+          </p:cNvPr>
+          <p:cNvSpPr txBox="1"/>
+          <p:nvPr/>
+        </p:nvSpPr>
+        <p:spPr>
+          <a:xfrm>
+            <a:off x="657430" y="2115522"/>
+            <a:ext cx="1009430" cy="307777"/>
+          </a:xfrm>
+          <a:prstGeom prst="rect">
+            <a:avLst/>
+          </a:prstGeom>
+          <a:noFill/>
+        </p:spPr>
+        <p:txBody>
+          <a:bodyPr wrap="square" rtlCol="0">
+            <a:spAutoFit/>
+          </a:bodyPr>
+          <a:lstStyle/>
+          <a:p>
+            <a:pPr algn="ctr"/>
+            <a:r>
+              <a:rPr lang="en-US" sz="1400" dirty="0">
+                <a:latin typeface="Calibri" panose="020F0502020204030204" pitchFamily="34" charset="0"/>
+                <a:ea typeface="Calibri" panose="020F0502020204030204" pitchFamily="34" charset="0"/>
+                <a:cs typeface="Calibri" panose="020F0502020204030204" pitchFamily="34" charset="0"/>
+              </a:rPr>
+              <a:t>Python</a:t>
+            </a:r>
+          </a:p>
+        </p:txBody>
+      </p:sp>
       <p:pic>
         <p:nvPicPr>
-          <p:cNvPr id="1040" name="Picture 16" descr="Playwright icon - Free Download PNG &amp; SVG | Streamline">
-            <a:extLst>
-              <a:ext uri="{FF2B5EF4-FFF2-40B4-BE49-F238E27FC236}">
-                <a16:creationId xmlns:a16="http://schemas.microsoft.com/office/drawing/2014/main" id="{0E0BD699-002E-169C-8197-0AA77DBDB3E1}"/>
+          <p:cNvPr id="1042" name="Picture 18" descr="GitHub Actions SVG and transparent PNG icons | TechIcons">
+            <a:extLst>
+              <a:ext uri="{FF2B5EF4-FFF2-40B4-BE49-F238E27FC236}">
+                <a16:creationId xmlns:a16="http://schemas.microsoft.com/office/drawing/2014/main" id="{F0AB6D14-A7DA-224C-8BDF-126A49D477F5}"/>
               </a:ext>
             </a:extLst>
           </p:cNvPr>
@@ -4298,8 +4301,8 @@
         </p:blipFill>
         <p:spPr bwMode="auto">
           <a:xfrm>
-            <a:off x="821137" y="2344508"/>
-            <a:ext cx="682016" cy="682016"/>
+            <a:off x="911372" y="3614398"/>
+            <a:ext cx="517805" cy="517805"/>
           </a:xfrm>
           <a:prstGeom prst="rect">
             <a:avLst/>
@@ -4318,10 +4321,10 @@
       </p:pic>
       <p:sp>
         <p:nvSpPr>
-          <p:cNvPr id="36" name="TextBox 35">
-            <a:extLst>
-              <a:ext uri="{FF2B5EF4-FFF2-40B4-BE49-F238E27FC236}">
-                <a16:creationId xmlns:a16="http://schemas.microsoft.com/office/drawing/2014/main" id="{EFA5496C-FF0C-FEEB-A77F-81EBBA8785F8}"/>
+          <p:cNvPr id="39" name="TextBox 38">
+            <a:extLst>
+              <a:ext uri="{FF2B5EF4-FFF2-40B4-BE49-F238E27FC236}">
+                <a16:creationId xmlns:a16="http://schemas.microsoft.com/office/drawing/2014/main" id="{A7842FB3-7F63-E19D-0132-8B9C4FEB3782}"/>
               </a:ext>
             </a:extLst>
           </p:cNvPr>
@@ -4330,8 +4333,8 @@
         </p:nvSpPr>
         <p:spPr>
           <a:xfrm>
-            <a:off x="657430" y="2932215"/>
-            <a:ext cx="1009430" cy="307777"/>
+            <a:off x="665559" y="4153799"/>
+            <a:ext cx="1009430" cy="523220"/>
           </a:xfrm>
           <a:prstGeom prst="rect">
             <a:avLst/>
@@ -4351,57 +4354,17 @@
                 <a:ea typeface="Calibri" panose="020F0502020204030204" pitchFamily="34" charset="0"/>
                 <a:cs typeface="Calibri" panose="020F0502020204030204" pitchFamily="34" charset="0"/>
               </a:rPr>
-              <a:t>Playwright</a:t>
-            </a:r>
-          </a:p>
-        </p:txBody>
-      </p:sp>
-      <p:sp>
-        <p:nvSpPr>
-          <p:cNvPr id="37" name="TextBox 36">
-            <a:extLst>
-              <a:ext uri="{FF2B5EF4-FFF2-40B4-BE49-F238E27FC236}">
-                <a16:creationId xmlns:a16="http://schemas.microsoft.com/office/drawing/2014/main" id="{96B7F055-FC1D-A079-FF00-54B9EA6554A6}"/>
-              </a:ext>
-            </a:extLst>
-          </p:cNvPr>
-          <p:cNvSpPr txBox="1"/>
-          <p:nvPr/>
-        </p:nvSpPr>
-        <p:spPr>
-          <a:xfrm>
-            <a:off x="657430" y="2115522"/>
-            <a:ext cx="1009430" cy="307777"/>
-          </a:xfrm>
-          <a:prstGeom prst="rect">
-            <a:avLst/>
-          </a:prstGeom>
-          <a:noFill/>
-        </p:spPr>
-        <p:txBody>
-          <a:bodyPr wrap="square" rtlCol="0">
-            <a:spAutoFit/>
-          </a:bodyPr>
-          <a:lstStyle/>
-          <a:p>
-            <a:pPr algn="ctr"/>
-            <a:r>
-              <a:rPr lang="en-US" sz="1400" dirty="0">
-                <a:latin typeface="Calibri" panose="020F0502020204030204" pitchFamily="34" charset="0"/>
-                <a:ea typeface="Calibri" panose="020F0502020204030204" pitchFamily="34" charset="0"/>
-                <a:cs typeface="Calibri" panose="020F0502020204030204" pitchFamily="34" charset="0"/>
-              </a:rPr>
-              <a:t>Python</a:t>
+              <a:t>GitHub Workflow</a:t>
             </a:r>
           </a:p>
         </p:txBody>
       </p:sp>
       <p:pic>
         <p:nvPicPr>
-          <p:cNvPr id="1042" name="Picture 18" descr="GitHub Actions SVG and transparent PNG icons | TechIcons">
-            <a:extLst>
-              <a:ext uri="{FF2B5EF4-FFF2-40B4-BE49-F238E27FC236}">
-                <a16:creationId xmlns:a16="http://schemas.microsoft.com/office/drawing/2014/main" id="{F0AB6D14-A7DA-224C-8BDF-126A49D477F5}"/>
+          <p:cNvPr id="1044" name="Picture 20" descr="Auth0&quot; Icon - Download for free – Iconduck">
+            <a:extLst>
+              <a:ext uri="{FF2B5EF4-FFF2-40B4-BE49-F238E27FC236}">
+                <a16:creationId xmlns:a16="http://schemas.microsoft.com/office/drawing/2014/main" id="{0D04FA19-5FDD-C8D9-C547-EBFE8FEB3C00}"/>
               </a:ext>
             </a:extLst>
           </p:cNvPr>
@@ -4425,8 +4388,8 @@
         </p:blipFill>
         <p:spPr bwMode="auto">
           <a:xfrm>
-            <a:off x="911372" y="3614398"/>
-            <a:ext cx="517805" cy="517805"/>
+            <a:off x="4516659" y="4919166"/>
+            <a:ext cx="545253" cy="609600"/>
           </a:xfrm>
           <a:prstGeom prst="rect">
             <a:avLst/>
@@ -4443,12 +4406,55 @@
           </a:extLst>
         </p:spPr>
       </p:pic>
-      <p:sp>
-        <p:nvSpPr>
-          <p:cNvPr id="39" name="TextBox 38">
-            <a:extLst>
-              <a:ext uri="{FF2B5EF4-FFF2-40B4-BE49-F238E27FC236}">
-                <a16:creationId xmlns:a16="http://schemas.microsoft.com/office/drawing/2014/main" id="{A7842FB3-7F63-E19D-0132-8B9C4FEB3782}"/>
+      <p:cxnSp>
+        <p:nvCxnSpPr>
+          <p:cNvPr id="40" name="Straight Arrow Connector 39">
+            <a:extLst>
+              <a:ext uri="{FF2B5EF4-FFF2-40B4-BE49-F238E27FC236}">
+                <a16:creationId xmlns:a16="http://schemas.microsoft.com/office/drawing/2014/main" id="{07FC32E8-7872-D3C2-AB4E-62C4964953BE}"/>
+              </a:ext>
+            </a:extLst>
+          </p:cNvPr>
+          <p:cNvCxnSpPr>
+            <a:cxnSpLocks/>
+            <a:stCxn id="1056" idx="3"/>
+            <a:endCxn id="1044" idx="1"/>
+          </p:cNvCxnSpPr>
+          <p:nvPr/>
+        </p:nvCxnSpPr>
+        <p:spPr>
+          <a:xfrm>
+            <a:off x="3002815" y="4450177"/>
+            <a:ext cx="1513844" cy="773789"/>
+          </a:xfrm>
+          <a:prstGeom prst="straightConnector1">
+            <a:avLst/>
+          </a:prstGeom>
+          <a:ln>
+            <a:tailEnd type="triangle"/>
+          </a:ln>
+        </p:spPr>
+        <p:style>
+          <a:lnRef idx="2">
+            <a:schemeClr val="accent1"/>
+          </a:lnRef>
+          <a:fillRef idx="0">
+            <a:schemeClr val="accent1"/>
+          </a:fillRef>
+          <a:effectRef idx="1">
+            <a:schemeClr val="accent1"/>
+          </a:effectRef>
+          <a:fontRef idx="minor">
+            <a:schemeClr val="tx1"/>
+          </a:fontRef>
+        </p:style>
+      </p:cxnSp>
+      <p:sp>
+        <p:nvSpPr>
+          <p:cNvPr id="43" name="TextBox 42">
+            <a:extLst>
+              <a:ext uri="{FF2B5EF4-FFF2-40B4-BE49-F238E27FC236}">
+                <a16:creationId xmlns:a16="http://schemas.microsoft.com/office/drawing/2014/main" id="{03558389-AFFC-C272-23BC-D7C892BC93A7}"/>
               </a:ext>
             </a:extLst>
           </p:cNvPr>
@@ -4457,8 +4463,8 @@
         </p:nvSpPr>
         <p:spPr>
           <a:xfrm>
-            <a:off x="665559" y="4153799"/>
-            <a:ext cx="1009430" cy="523220"/>
+            <a:off x="4446180" y="4666901"/>
+            <a:ext cx="756780" cy="307777"/>
           </a:xfrm>
           <a:prstGeom prst="rect">
             <a:avLst/>
@@ -4478,17 +4484,17 @@
                 <a:ea typeface="Calibri" panose="020F0502020204030204" pitchFamily="34" charset="0"/>
                 <a:cs typeface="Calibri" panose="020F0502020204030204" pitchFamily="34" charset="0"/>
               </a:rPr>
-              <a:t>GitHub Workflow</a:t>
+              <a:t>Auth0</a:t>
             </a:r>
           </a:p>
         </p:txBody>
       </p:sp>
       <p:pic>
         <p:nvPicPr>
-          <p:cNvPr id="1044" name="Picture 20" descr="Auth0&quot; Icon - Download for free – Iconduck">
-            <a:extLst>
-              <a:ext uri="{FF2B5EF4-FFF2-40B4-BE49-F238E27FC236}">
-                <a16:creationId xmlns:a16="http://schemas.microsoft.com/office/drawing/2014/main" id="{0D04FA19-5FDD-C8D9-C547-EBFE8FEB3C00}"/>
+          <p:cNvPr id="1046" name="Picture 22" descr="Twilio SendGrid Logo">
+            <a:extLst>
+              <a:ext uri="{FF2B5EF4-FFF2-40B4-BE49-F238E27FC236}">
+                <a16:creationId xmlns:a16="http://schemas.microsoft.com/office/drawing/2014/main" id="{E5D06890-C51D-017E-2672-61F72F88BB6D}"/>
               </a:ext>
             </a:extLst>
           </p:cNvPr>
@@ -4512,8 +4518,8 @@
         </p:blipFill>
         <p:spPr bwMode="auto">
           <a:xfrm>
-            <a:off x="3516552" y="4919166"/>
-            <a:ext cx="545253" cy="609600"/>
+            <a:off x="4489440" y="5833274"/>
+            <a:ext cx="572472" cy="572472"/>
           </a:xfrm>
           <a:prstGeom prst="rect">
             <a:avLst/>
@@ -4532,24 +4538,24 @@
       </p:pic>
       <p:cxnSp>
         <p:nvCxnSpPr>
-          <p:cNvPr id="40" name="Straight Arrow Connector 39">
-            <a:extLst>
-              <a:ext uri="{FF2B5EF4-FFF2-40B4-BE49-F238E27FC236}">
-                <a16:creationId xmlns:a16="http://schemas.microsoft.com/office/drawing/2014/main" id="{07FC32E8-7872-D3C2-AB4E-62C4964953BE}"/>
+          <p:cNvPr id="44" name="Straight Arrow Connector 43">
+            <a:extLst>
+              <a:ext uri="{FF2B5EF4-FFF2-40B4-BE49-F238E27FC236}">
+                <a16:creationId xmlns:a16="http://schemas.microsoft.com/office/drawing/2014/main" id="{348B408E-001D-F05D-EBB0-9216E843B68E}"/>
               </a:ext>
             </a:extLst>
           </p:cNvPr>
           <p:cNvCxnSpPr>
             <a:cxnSpLocks/>
-            <a:stCxn id="1056" idx="3"/>
-            <a:endCxn id="1044" idx="1"/>
+            <a:stCxn id="1044" idx="2"/>
+            <a:endCxn id="1046" idx="0"/>
           </p:cNvCxnSpPr>
           <p:nvPr/>
         </p:nvCxnSpPr>
         <p:spPr>
-          <a:xfrm>
-            <a:off x="2990242" y="4450177"/>
-            <a:ext cx="526310" cy="773789"/>
+          <a:xfrm flipH="1">
+            <a:off x="4775676" y="5528766"/>
+            <a:ext cx="13610" cy="304508"/>
           </a:xfrm>
           <a:prstGeom prst="straightConnector1">
             <a:avLst/>
@@ -4575,10 +4581,10 @@
       </p:cxnSp>
       <p:sp>
         <p:nvSpPr>
-          <p:cNvPr id="43" name="TextBox 42">
-            <a:extLst>
-              <a:ext uri="{FF2B5EF4-FFF2-40B4-BE49-F238E27FC236}">
-                <a16:creationId xmlns:a16="http://schemas.microsoft.com/office/drawing/2014/main" id="{03558389-AFFC-C272-23BC-D7C892BC93A7}"/>
+          <p:cNvPr id="48" name="TextBox 47">
+            <a:extLst>
+              <a:ext uri="{FF2B5EF4-FFF2-40B4-BE49-F238E27FC236}">
+                <a16:creationId xmlns:a16="http://schemas.microsoft.com/office/drawing/2014/main" id="{0A617A33-B284-9CD1-7D73-892FDCB281C5}"/>
               </a:ext>
             </a:extLst>
           </p:cNvPr>
@@ -4587,8 +4593,8 @@
         </p:nvSpPr>
         <p:spPr>
           <a:xfrm>
-            <a:off x="3391683" y="4563901"/>
-            <a:ext cx="756780" cy="307777"/>
+            <a:off x="4195442" y="6386530"/>
+            <a:ext cx="1009430" cy="307777"/>
           </a:xfrm>
           <a:prstGeom prst="rect">
             <a:avLst/>
@@ -4608,17 +4614,17 @@
                 <a:ea typeface="Calibri" panose="020F0502020204030204" pitchFamily="34" charset="0"/>
                 <a:cs typeface="Calibri" panose="020F0502020204030204" pitchFamily="34" charset="0"/>
               </a:rPr>
-              <a:t>Auth0</a:t>
+              <a:t>SendGrid</a:t>
             </a:r>
           </a:p>
         </p:txBody>
       </p:sp>
       <p:pic>
         <p:nvPicPr>
-          <p:cNvPr id="1046" name="Picture 22" descr="Twilio SendGrid Logo">
-            <a:extLst>
-              <a:ext uri="{FF2B5EF4-FFF2-40B4-BE49-F238E27FC236}">
-                <a16:creationId xmlns:a16="http://schemas.microsoft.com/office/drawing/2014/main" id="{E5D06890-C51D-017E-2672-61F72F88BB6D}"/>
+          <p:cNvPr id="1048" name="Picture 24" descr="Email Icon Blue transparent PNG - StickPNG">
+            <a:extLst>
+              <a:ext uri="{FF2B5EF4-FFF2-40B4-BE49-F238E27FC236}">
+                <a16:creationId xmlns:a16="http://schemas.microsoft.com/office/drawing/2014/main" id="{CBA05949-38D8-2256-66E6-6555EE5A016B}"/>
               </a:ext>
             </a:extLst>
           </p:cNvPr>
@@ -4642,8 +4648,8 @@
         </p:blipFill>
         <p:spPr bwMode="auto">
           <a:xfrm>
-            <a:off x="3489333" y="5833274"/>
-            <a:ext cx="572472" cy="572472"/>
+            <a:off x="6103891" y="5860607"/>
+            <a:ext cx="517805" cy="517805"/>
           </a:xfrm>
           <a:prstGeom prst="rect">
             <a:avLst/>
@@ -4662,24 +4668,24 @@
       </p:pic>
       <p:cxnSp>
         <p:nvCxnSpPr>
-          <p:cNvPr id="44" name="Straight Arrow Connector 43">
-            <a:extLst>
-              <a:ext uri="{FF2B5EF4-FFF2-40B4-BE49-F238E27FC236}">
-                <a16:creationId xmlns:a16="http://schemas.microsoft.com/office/drawing/2014/main" id="{348B408E-001D-F05D-EBB0-9216E843B68E}"/>
+          <p:cNvPr id="49" name="Straight Arrow Connector 48">
+            <a:extLst>
+              <a:ext uri="{FF2B5EF4-FFF2-40B4-BE49-F238E27FC236}">
+                <a16:creationId xmlns:a16="http://schemas.microsoft.com/office/drawing/2014/main" id="{CFD14797-80EE-DCC4-B370-3B9E2A0E83ED}"/>
               </a:ext>
             </a:extLst>
           </p:cNvPr>
           <p:cNvCxnSpPr>
             <a:cxnSpLocks/>
-            <a:stCxn id="1044" idx="2"/>
-            <a:endCxn id="1046" idx="0"/>
+            <a:stCxn id="1046" idx="3"/>
+            <a:endCxn id="1048" idx="1"/>
           </p:cNvCxnSpPr>
           <p:nvPr/>
         </p:nvCxnSpPr>
         <p:spPr>
-          <a:xfrm flipH="1">
-            <a:off x="3775569" y="5528766"/>
-            <a:ext cx="13610" cy="304508"/>
+          <a:xfrm>
+            <a:off x="5061912" y="6119510"/>
+            <a:ext cx="1041979" cy="0"/>
           </a:xfrm>
           <a:prstGeom prst="straightConnector1">
             <a:avLst/>
@@ -4703,52 +4709,12 @@
           </a:fontRef>
         </p:style>
       </p:cxnSp>
-      <p:sp>
-        <p:nvSpPr>
-          <p:cNvPr id="48" name="TextBox 47">
-            <a:extLst>
-              <a:ext uri="{FF2B5EF4-FFF2-40B4-BE49-F238E27FC236}">
-                <a16:creationId xmlns:a16="http://schemas.microsoft.com/office/drawing/2014/main" id="{0A617A33-B284-9CD1-7D73-892FDCB281C5}"/>
-              </a:ext>
-            </a:extLst>
-          </p:cNvPr>
-          <p:cNvSpPr txBox="1"/>
-          <p:nvPr/>
-        </p:nvSpPr>
-        <p:spPr>
-          <a:xfrm>
-            <a:off x="3195335" y="6386530"/>
-            <a:ext cx="1009430" cy="307777"/>
-          </a:xfrm>
-          <a:prstGeom prst="rect">
-            <a:avLst/>
-          </a:prstGeom>
-          <a:noFill/>
-        </p:spPr>
-        <p:txBody>
-          <a:bodyPr wrap="square" rtlCol="0">
-            <a:spAutoFit/>
-          </a:bodyPr>
-          <a:lstStyle/>
-          <a:p>
-            <a:pPr algn="ctr"/>
-            <a:r>
-              <a:rPr lang="en-US" sz="1400" dirty="0">
-                <a:latin typeface="Calibri" panose="020F0502020204030204" pitchFamily="34" charset="0"/>
-                <a:ea typeface="Calibri" panose="020F0502020204030204" pitchFamily="34" charset="0"/>
-                <a:cs typeface="Calibri" panose="020F0502020204030204" pitchFamily="34" charset="0"/>
-              </a:rPr>
-              <a:t>SendGrid</a:t>
-            </a:r>
-          </a:p>
-        </p:txBody>
-      </p:sp>
       <p:pic>
         <p:nvPicPr>
-          <p:cNvPr id="1048" name="Picture 24" descr="Email Icon Blue transparent PNG - StickPNG">
-            <a:extLst>
-              <a:ext uri="{FF2B5EF4-FFF2-40B4-BE49-F238E27FC236}">
-                <a16:creationId xmlns:a16="http://schemas.microsoft.com/office/drawing/2014/main" id="{CBA05949-38D8-2256-66E6-6555EE5A016B}"/>
+          <p:cNvPr id="1050" name="Picture 26" descr="End-user | Definition">
+            <a:extLst>
+              <a:ext uri="{FF2B5EF4-FFF2-40B4-BE49-F238E27FC236}">
+                <a16:creationId xmlns:a16="http://schemas.microsoft.com/office/drawing/2014/main" id="{0F86FC8B-4A28-8241-4D17-E361290CAD48}"/>
               </a:ext>
             </a:extLst>
           </p:cNvPr>
@@ -4772,8 +4738,8 @@
         </p:blipFill>
         <p:spPr bwMode="auto">
           <a:xfrm>
-            <a:off x="4798504" y="5860607"/>
-            <a:ext cx="517805" cy="517805"/>
+            <a:off x="6185502" y="4995602"/>
+            <a:ext cx="354581" cy="468342"/>
           </a:xfrm>
           <a:prstGeom prst="rect">
             <a:avLst/>
@@ -4792,24 +4758,24 @@
       </p:pic>
       <p:cxnSp>
         <p:nvCxnSpPr>
-          <p:cNvPr id="49" name="Straight Arrow Connector 48">
-            <a:extLst>
-              <a:ext uri="{FF2B5EF4-FFF2-40B4-BE49-F238E27FC236}">
-                <a16:creationId xmlns:a16="http://schemas.microsoft.com/office/drawing/2014/main" id="{CFD14797-80EE-DCC4-B370-3B9E2A0E83ED}"/>
+          <p:cNvPr id="53" name="Straight Arrow Connector 52">
+            <a:extLst>
+              <a:ext uri="{FF2B5EF4-FFF2-40B4-BE49-F238E27FC236}">
+                <a16:creationId xmlns:a16="http://schemas.microsoft.com/office/drawing/2014/main" id="{469BFDCC-C167-A878-9E98-BC92B869633B}"/>
               </a:ext>
             </a:extLst>
           </p:cNvPr>
           <p:cNvCxnSpPr>
             <a:cxnSpLocks/>
-            <a:stCxn id="1046" idx="3"/>
-            <a:endCxn id="1048" idx="1"/>
+            <a:stCxn id="1048" idx="0"/>
+            <a:endCxn id="1050" idx="2"/>
           </p:cNvCxnSpPr>
           <p:nvPr/>
         </p:nvCxnSpPr>
         <p:spPr>
-          <a:xfrm>
-            <a:off x="4061805" y="6119510"/>
-            <a:ext cx="736699" cy="0"/>
+          <a:xfrm flipH="1" flipV="1">
+            <a:off x="6362793" y="5463944"/>
+            <a:ext cx="1" cy="396663"/>
           </a:xfrm>
           <a:prstGeom prst="straightConnector1">
             <a:avLst/>
@@ -4833,12 +4799,52 @@
           </a:fontRef>
         </p:style>
       </p:cxnSp>
+      <p:sp>
+        <p:nvSpPr>
+          <p:cNvPr id="57" name="TextBox 56">
+            <a:extLst>
+              <a:ext uri="{FF2B5EF4-FFF2-40B4-BE49-F238E27FC236}">
+                <a16:creationId xmlns:a16="http://schemas.microsoft.com/office/drawing/2014/main" id="{E91DA162-5227-C815-0AED-446160566AC1}"/>
+              </a:ext>
+            </a:extLst>
+          </p:cNvPr>
+          <p:cNvSpPr txBox="1"/>
+          <p:nvPr/>
+        </p:nvSpPr>
+        <p:spPr>
+          <a:xfrm>
+            <a:off x="5858077" y="4699465"/>
+            <a:ext cx="1009430" cy="307777"/>
+          </a:xfrm>
+          <a:prstGeom prst="rect">
+            <a:avLst/>
+          </a:prstGeom>
+          <a:noFill/>
+        </p:spPr>
+        <p:txBody>
+          <a:bodyPr wrap="square" rtlCol="0">
+            <a:spAutoFit/>
+          </a:bodyPr>
+          <a:lstStyle/>
+          <a:p>
+            <a:pPr algn="ctr"/>
+            <a:r>
+              <a:rPr lang="en-US" sz="1400" dirty="0">
+                <a:latin typeface="Calibri" panose="020F0502020204030204" pitchFamily="34" charset="0"/>
+                <a:ea typeface="Calibri" panose="020F0502020204030204" pitchFamily="34" charset="0"/>
+                <a:cs typeface="Calibri" panose="020F0502020204030204" pitchFamily="34" charset="0"/>
+              </a:rPr>
+              <a:t>End User</a:t>
+            </a:r>
+          </a:p>
+        </p:txBody>
+      </p:sp>
       <p:pic>
         <p:nvPicPr>
-          <p:cNvPr id="1050" name="Picture 26" descr="End-user | Definition">
-            <a:extLst>
-              <a:ext uri="{FF2B5EF4-FFF2-40B4-BE49-F238E27FC236}">
-                <a16:creationId xmlns:a16="http://schemas.microsoft.com/office/drawing/2014/main" id="{0F86FC8B-4A28-8241-4D17-E361290CAD48}"/>
+          <p:cNvPr id="1052" name="Picture 28" descr="Cloudflare SVG and transparent PNG icons | TechIcons">
+            <a:extLst>
+              <a:ext uri="{FF2B5EF4-FFF2-40B4-BE49-F238E27FC236}">
+                <a16:creationId xmlns:a16="http://schemas.microsoft.com/office/drawing/2014/main" id="{5A3F2F3A-AB1E-44C3-A9E0-7872CDB7AF09}"/>
               </a:ext>
             </a:extLst>
           </p:cNvPr>
@@ -4847,7 +4853,7 @@
           </p:cNvPicPr>
           <p:nvPr/>
         </p:nvPicPr>
-        <p:blipFill>
+        <p:blipFill rotWithShape="1">
           <a:blip r:embed="rId14">
             <a:extLst>
               <a:ext uri="{28A0092B-C50C-407E-A947-70E740481C1C}">
@@ -4855,15 +4861,13 @@
               </a:ext>
             </a:extLst>
           </a:blip>
-          <a:srcRect/>
-          <a:stretch>
-            <a:fillRect/>
-          </a:stretch>
+          <a:srcRect t="23480" b="22055"/>
+          <a:stretch/>
         </p:blipFill>
         <p:spPr bwMode="auto">
           <a:xfrm>
-            <a:off x="4880115" y="4995602"/>
-            <a:ext cx="354581" cy="468342"/>
+            <a:off x="2455347" y="5851245"/>
+            <a:ext cx="1009652" cy="549905"/>
           </a:xfrm>
           <a:prstGeom prst="rect">
             <a:avLst/>
@@ -4880,26 +4884,66 @@
           </a:extLst>
         </p:spPr>
       </p:pic>
+      <p:sp>
+        <p:nvSpPr>
+          <p:cNvPr id="58" name="TextBox 57">
+            <a:extLst>
+              <a:ext uri="{FF2B5EF4-FFF2-40B4-BE49-F238E27FC236}">
+                <a16:creationId xmlns:a16="http://schemas.microsoft.com/office/drawing/2014/main" id="{9CD8DA83-A52B-67C3-CF4D-D7292100392A}"/>
+              </a:ext>
+            </a:extLst>
+          </p:cNvPr>
+          <p:cNvSpPr txBox="1"/>
+          <p:nvPr/>
+        </p:nvSpPr>
+        <p:spPr>
+          <a:xfrm>
+            <a:off x="2438400" y="6304930"/>
+            <a:ext cx="1009430" cy="307777"/>
+          </a:xfrm>
+          <a:prstGeom prst="rect">
+            <a:avLst/>
+          </a:prstGeom>
+          <a:noFill/>
+        </p:spPr>
+        <p:txBody>
+          <a:bodyPr wrap="square" rtlCol="0">
+            <a:spAutoFit/>
+          </a:bodyPr>
+          <a:lstStyle/>
+          <a:p>
+            <a:pPr algn="ctr"/>
+            <a:r>
+              <a:rPr lang="en-US" sz="1400" dirty="0">
+                <a:latin typeface="Calibri" panose="020F0502020204030204" pitchFamily="34" charset="0"/>
+                <a:ea typeface="Calibri" panose="020F0502020204030204" pitchFamily="34" charset="0"/>
+                <a:cs typeface="Calibri" panose="020F0502020204030204" pitchFamily="34" charset="0"/>
+              </a:rPr>
+              <a:t>Cloudflare</a:t>
+            </a:r>
+          </a:p>
+        </p:txBody>
+      </p:sp>
       <p:cxnSp>
         <p:nvCxnSpPr>
-          <p:cNvPr id="53" name="Straight Arrow Connector 52">
-            <a:extLst>
-              <a:ext uri="{FF2B5EF4-FFF2-40B4-BE49-F238E27FC236}">
-                <a16:creationId xmlns:a16="http://schemas.microsoft.com/office/drawing/2014/main" id="{469BFDCC-C167-A878-9E98-BC92B869633B}"/>
+          <p:cNvPr id="59" name="Straight Arrow Connector 58">
+            <a:extLst>
+              <a:ext uri="{FF2B5EF4-FFF2-40B4-BE49-F238E27FC236}">
+                <a16:creationId xmlns:a16="http://schemas.microsoft.com/office/drawing/2014/main" id="{80D4E4B7-CEFD-1BBD-34D7-A0FD062A4D57}"/>
               </a:ext>
             </a:extLst>
           </p:cNvPr>
           <p:cNvCxnSpPr>
             <a:cxnSpLocks/>
-            <a:stCxn id="1048" idx="0"/>
-            <a:endCxn id="1050" idx="2"/>
+            <a:stCxn id="1052" idx="3"/>
+            <a:endCxn id="1046" idx="1"/>
           </p:cNvCxnSpPr>
           <p:nvPr/>
         </p:nvCxnSpPr>
         <p:spPr>
-          <a:xfrm flipH="1" flipV="1">
-            <a:off x="5057406" y="5463944"/>
-            <a:ext cx="1" cy="396663"/>
+          <a:xfrm flipV="1">
+            <a:off x="3464999" y="6119510"/>
+            <a:ext cx="1024441" cy="6688"/>
           </a:xfrm>
           <a:prstGeom prst="straightConnector1">
             <a:avLst/>
@@ -4923,52 +4967,12 @@
           </a:fontRef>
         </p:style>
       </p:cxnSp>
-      <p:sp>
-        <p:nvSpPr>
-          <p:cNvPr id="57" name="TextBox 56">
-            <a:extLst>
-              <a:ext uri="{FF2B5EF4-FFF2-40B4-BE49-F238E27FC236}">
-                <a16:creationId xmlns:a16="http://schemas.microsoft.com/office/drawing/2014/main" id="{E91DA162-5227-C815-0AED-446160566AC1}"/>
-              </a:ext>
-            </a:extLst>
-          </p:cNvPr>
-          <p:cNvSpPr txBox="1"/>
-          <p:nvPr/>
-        </p:nvSpPr>
-        <p:spPr>
-          <a:xfrm>
-            <a:off x="4552690" y="4699465"/>
-            <a:ext cx="1009430" cy="307777"/>
-          </a:xfrm>
-          <a:prstGeom prst="rect">
-            <a:avLst/>
-          </a:prstGeom>
-          <a:noFill/>
-        </p:spPr>
-        <p:txBody>
-          <a:bodyPr wrap="square" rtlCol="0">
-            <a:spAutoFit/>
-          </a:bodyPr>
-          <a:lstStyle/>
-          <a:p>
-            <a:pPr algn="ctr"/>
-            <a:r>
-              <a:rPr lang="en-US" sz="1400" dirty="0">
-                <a:latin typeface="Calibri" panose="020F0502020204030204" pitchFamily="34" charset="0"/>
-                <a:ea typeface="Calibri" panose="020F0502020204030204" pitchFamily="34" charset="0"/>
-                <a:cs typeface="Calibri" panose="020F0502020204030204" pitchFamily="34" charset="0"/>
-              </a:rPr>
-              <a:t>End User</a:t>
-            </a:r>
-          </a:p>
-        </p:txBody>
-      </p:sp>
       <p:pic>
         <p:nvPicPr>
-          <p:cNvPr id="1052" name="Picture 28" descr="Cloudflare SVG and transparent PNG icons | TechIcons">
-            <a:extLst>
-              <a:ext uri="{FF2B5EF4-FFF2-40B4-BE49-F238E27FC236}">
-                <a16:creationId xmlns:a16="http://schemas.microsoft.com/office/drawing/2014/main" id="{5A3F2F3A-AB1E-44C3-A9E0-7872CDB7AF09}"/>
+          <p:cNvPr id="1054" name="Picture 30" descr="Terraform Generic color lineal-color icon | Freepik">
+            <a:extLst>
+              <a:ext uri="{FF2B5EF4-FFF2-40B4-BE49-F238E27FC236}">
+                <a16:creationId xmlns:a16="http://schemas.microsoft.com/office/drawing/2014/main" id="{6E7C5707-4501-A291-6932-FE1833A77E3E}"/>
               </a:ext>
             </a:extLst>
           </p:cNvPr>
@@ -4977,7 +4981,7 @@
           </p:cNvPicPr>
           <p:nvPr/>
         </p:nvPicPr>
-        <p:blipFill rotWithShape="1">
+        <p:blipFill>
           <a:blip r:embed="rId15">
             <a:extLst>
               <a:ext uri="{28A0092B-C50C-407E-A947-70E740481C1C}">
@@ -4985,13 +4989,15 @@
               </a:ext>
             </a:extLst>
           </a:blip>
-          <a:srcRect t="23480" b="22055"/>
-          <a:stretch/>
+          <a:srcRect/>
+          <a:stretch>
+            <a:fillRect/>
+          </a:stretch>
         </p:blipFill>
         <p:spPr bwMode="auto">
           <a:xfrm>
-            <a:off x="2016957" y="5851245"/>
-            <a:ext cx="1009652" cy="549905"/>
+            <a:off x="872280" y="4774445"/>
+            <a:ext cx="689499" cy="689499"/>
           </a:xfrm>
           <a:prstGeom prst="rect">
             <a:avLst/>
@@ -5010,10 +5016,10 @@
       </p:pic>
       <p:sp>
         <p:nvSpPr>
-          <p:cNvPr id="58" name="TextBox 57">
-            <a:extLst>
-              <a:ext uri="{FF2B5EF4-FFF2-40B4-BE49-F238E27FC236}">
-                <a16:creationId xmlns:a16="http://schemas.microsoft.com/office/drawing/2014/main" id="{9CD8DA83-A52B-67C3-CF4D-D7292100392A}"/>
+          <p:cNvPr id="63" name="TextBox 62">
+            <a:extLst>
+              <a:ext uri="{FF2B5EF4-FFF2-40B4-BE49-F238E27FC236}">
+                <a16:creationId xmlns:a16="http://schemas.microsoft.com/office/drawing/2014/main" id="{9B4D3861-000D-77D2-A1DD-C066FC3BA9EB}"/>
               </a:ext>
             </a:extLst>
           </p:cNvPr>
@@ -5022,8 +5028,8 @@
         </p:nvSpPr>
         <p:spPr>
           <a:xfrm>
-            <a:off x="2000010" y="6304930"/>
-            <a:ext cx="1009430" cy="307777"/>
+            <a:off x="665559" y="5310055"/>
+            <a:ext cx="1009430" cy="523220"/>
           </a:xfrm>
           <a:prstGeom prst="rect">
             <a:avLst/>
@@ -5043,60 +5049,28 @@
                 <a:ea typeface="Calibri" panose="020F0502020204030204" pitchFamily="34" charset="0"/>
                 <a:cs typeface="Calibri" panose="020F0502020204030204" pitchFamily="34" charset="0"/>
               </a:rPr>
-              <a:t>Cloudflare</a:t>
-            </a:r>
-          </a:p>
-        </p:txBody>
-      </p:sp>
-      <p:cxnSp>
-        <p:nvCxnSpPr>
-          <p:cNvPr id="59" name="Straight Arrow Connector 58">
-            <a:extLst>
-              <a:ext uri="{FF2B5EF4-FFF2-40B4-BE49-F238E27FC236}">
-                <a16:creationId xmlns:a16="http://schemas.microsoft.com/office/drawing/2014/main" id="{80D4E4B7-CEFD-1BBD-34D7-A0FD062A4D57}"/>
-              </a:ext>
-            </a:extLst>
-          </p:cNvPr>
-          <p:cNvCxnSpPr>
-            <a:cxnSpLocks/>
-            <a:stCxn id="1052" idx="3"/>
-            <a:endCxn id="1046" idx="1"/>
-          </p:cNvCxnSpPr>
-          <p:nvPr/>
-        </p:nvCxnSpPr>
-        <p:spPr>
-          <a:xfrm flipV="1">
-            <a:off x="3026609" y="6119510"/>
-            <a:ext cx="462724" cy="6688"/>
-          </a:xfrm>
-          <a:prstGeom prst="straightConnector1">
-            <a:avLst/>
-          </a:prstGeom>
-          <a:ln>
-            <a:tailEnd type="triangle"/>
-          </a:ln>
-        </p:spPr>
-        <p:style>
-          <a:lnRef idx="2">
-            <a:schemeClr val="accent1"/>
-          </a:lnRef>
-          <a:fillRef idx="0">
-            <a:schemeClr val="accent1"/>
-          </a:fillRef>
-          <a:effectRef idx="1">
-            <a:schemeClr val="accent1"/>
-          </a:effectRef>
-          <a:fontRef idx="minor">
-            <a:schemeClr val="tx1"/>
-          </a:fontRef>
-        </p:style>
-      </p:cxnSp>
+              <a:t>Terraform</a:t>
+            </a:r>
+          </a:p>
+          <a:p>
+            <a:pPr algn="ctr"/>
+            <a:r>
+              <a:rPr lang="en-US" sz="1400" dirty="0">
+                <a:latin typeface="Calibri" panose="020F0502020204030204" pitchFamily="34" charset="0"/>
+                <a:ea typeface="Calibri" panose="020F0502020204030204" pitchFamily="34" charset="0"/>
+                <a:cs typeface="Calibri" panose="020F0502020204030204" pitchFamily="34" charset="0"/>
+              </a:rPr>
+              <a:t>Script</a:t>
+            </a:r>
+          </a:p>
+        </p:txBody>
+      </p:sp>
       <p:pic>
         <p:nvPicPr>
-          <p:cNvPr id="1054" name="Picture 30" descr="Terraform Generic color lineal-color icon | Freepik">
-            <a:extLst>
-              <a:ext uri="{FF2B5EF4-FFF2-40B4-BE49-F238E27FC236}">
-                <a16:creationId xmlns:a16="http://schemas.microsoft.com/office/drawing/2014/main" id="{6E7C5707-4501-A291-6932-FE1833A77E3E}"/>
+          <p:cNvPr id="1056" name="Picture 32">
+            <a:extLst>
+              <a:ext uri="{FF2B5EF4-FFF2-40B4-BE49-F238E27FC236}">
+                <a16:creationId xmlns:a16="http://schemas.microsoft.com/office/drawing/2014/main" id="{C719067A-A43E-204C-E676-F5AA951BC9FD}"/>
               </a:ext>
             </a:extLst>
           </p:cNvPr>
@@ -5120,8 +5094,8 @@
         </p:blipFill>
         <p:spPr bwMode="auto">
           <a:xfrm>
-            <a:off x="872280" y="4774445"/>
-            <a:ext cx="689499" cy="689499"/>
+            <a:off x="2319029" y="4108284"/>
+            <a:ext cx="683786" cy="683786"/>
           </a:xfrm>
           <a:prstGeom prst="rect">
             <a:avLst/>
@@ -5138,12 +5112,48 @@
           </a:extLst>
         </p:spPr>
       </p:pic>
-      <p:sp>
-        <p:nvSpPr>
-          <p:cNvPr id="63" name="TextBox 62">
-            <a:extLst>
-              <a:ext uri="{FF2B5EF4-FFF2-40B4-BE49-F238E27FC236}">
-                <a16:creationId xmlns:a16="http://schemas.microsoft.com/office/drawing/2014/main" id="{9B4D3861-000D-77D2-A1DD-C066FC3BA9EB}"/>
+      <p:cxnSp>
+        <p:nvCxnSpPr>
+          <p:cNvPr id="1025" name="Straight Connector 1024">
+            <a:extLst>
+              <a:ext uri="{FF2B5EF4-FFF2-40B4-BE49-F238E27FC236}">
+                <a16:creationId xmlns:a16="http://schemas.microsoft.com/office/drawing/2014/main" id="{F66A32E0-DBA3-FDB7-4D42-0DEFB49CA37F}"/>
+              </a:ext>
+            </a:extLst>
+          </p:cNvPr>
+          <p:cNvCxnSpPr/>
+          <p:nvPr/>
+        </p:nvCxnSpPr>
+        <p:spPr>
+          <a:xfrm>
+            <a:off x="476060" y="3308639"/>
+            <a:ext cx="1372171" cy="0"/>
+          </a:xfrm>
+          <a:prstGeom prst="line">
+            <a:avLst/>
+          </a:prstGeom>
+        </p:spPr>
+        <p:style>
+          <a:lnRef idx="2">
+            <a:schemeClr val="accent1"/>
+          </a:lnRef>
+          <a:fillRef idx="0">
+            <a:schemeClr val="accent1"/>
+          </a:fillRef>
+          <a:effectRef idx="1">
+            <a:schemeClr val="accent1"/>
+          </a:effectRef>
+          <a:fontRef idx="minor">
+            <a:schemeClr val="tx1"/>
+          </a:fontRef>
+        </p:style>
+      </p:cxnSp>
+      <p:sp>
+        <p:nvSpPr>
+          <p:cNvPr id="1027" name="TextBox 1026">
+            <a:extLst>
+              <a:ext uri="{FF2B5EF4-FFF2-40B4-BE49-F238E27FC236}">
+                <a16:creationId xmlns:a16="http://schemas.microsoft.com/office/drawing/2014/main" id="{875664C3-BA4F-E134-8A6B-0C82306A02B8}"/>
               </a:ext>
             </a:extLst>
           </p:cNvPr>
@@ -5152,8 +5162,145 @@
         </p:nvSpPr>
         <p:spPr>
           <a:xfrm>
-            <a:off x="665559" y="5310055"/>
-            <a:ext cx="1009430" cy="523220"/>
+            <a:off x="2216658" y="4677019"/>
+            <a:ext cx="907542" cy="523220"/>
+          </a:xfrm>
+          <a:prstGeom prst="rect">
+            <a:avLst/>
+          </a:prstGeom>
+          <a:noFill/>
+        </p:spPr>
+        <p:txBody>
+          <a:bodyPr wrap="square" rtlCol="0">
+            <a:spAutoFit/>
+          </a:bodyPr>
+          <a:lstStyle/>
+          <a:p>
+            <a:pPr algn="ctr"/>
+            <a:r>
+              <a:rPr lang="en-US" sz="1400" dirty="0">
+                <a:latin typeface="Calibri" panose="020F0502020204030204" pitchFamily="34" charset="0"/>
+                <a:ea typeface="Calibri" panose="020F0502020204030204" pitchFamily="34" charset="0"/>
+                <a:cs typeface="Calibri" panose="020F0502020204030204" pitchFamily="34" charset="0"/>
+              </a:rPr>
+              <a:t>Power</a:t>
+            </a:r>
+          </a:p>
+          <a:p>
+            <a:pPr algn="ctr"/>
+            <a:r>
+              <a:rPr lang="en-US" sz="1400" dirty="0">
+                <a:latin typeface="Calibri" panose="020F0502020204030204" pitchFamily="34" charset="0"/>
+                <a:ea typeface="Calibri" panose="020F0502020204030204" pitchFamily="34" charset="0"/>
+                <a:cs typeface="Calibri" panose="020F0502020204030204" pitchFamily="34" charset="0"/>
+              </a:rPr>
+              <a:t>Shell</a:t>
+            </a:r>
+          </a:p>
+        </p:txBody>
+      </p:sp>
+      <p:cxnSp>
+        <p:nvCxnSpPr>
+          <p:cNvPr id="1029" name="Straight Arrow Connector 1028">
+            <a:extLst>
+              <a:ext uri="{FF2B5EF4-FFF2-40B4-BE49-F238E27FC236}">
+                <a16:creationId xmlns:a16="http://schemas.microsoft.com/office/drawing/2014/main" id="{8223D2E7-6D3D-DAA8-0516-634BE9191A80}"/>
+              </a:ext>
+            </a:extLst>
+          </p:cNvPr>
+          <p:cNvCxnSpPr>
+            <a:cxnSpLocks/>
+            <a:stCxn id="1032" idx="2"/>
+            <a:endCxn id="1056" idx="0"/>
+          </p:cNvCxnSpPr>
+          <p:nvPr/>
+        </p:nvCxnSpPr>
+        <p:spPr>
+          <a:xfrm flipH="1">
+            <a:off x="2660922" y="2172795"/>
+            <a:ext cx="9507" cy="1935489"/>
+          </a:xfrm>
+          <a:prstGeom prst="straightConnector1">
+            <a:avLst/>
+          </a:prstGeom>
+          <a:ln>
+            <a:tailEnd type="triangle"/>
+          </a:ln>
+        </p:spPr>
+        <p:style>
+          <a:lnRef idx="2">
+            <a:schemeClr val="accent1"/>
+          </a:lnRef>
+          <a:fillRef idx="0">
+            <a:schemeClr val="accent1"/>
+          </a:fillRef>
+          <a:effectRef idx="1">
+            <a:schemeClr val="accent1"/>
+          </a:effectRef>
+          <a:fontRef idx="minor">
+            <a:schemeClr val="tx1"/>
+          </a:fontRef>
+        </p:style>
+      </p:cxnSp>
+      <p:cxnSp>
+        <p:nvCxnSpPr>
+          <p:cNvPr id="1047" name="Straight Arrow Connector 1046">
+            <a:extLst>
+              <a:ext uri="{FF2B5EF4-FFF2-40B4-BE49-F238E27FC236}">
+                <a16:creationId xmlns:a16="http://schemas.microsoft.com/office/drawing/2014/main" id="{640D9D03-2B5C-5DEC-EE91-6D870C422BDA}"/>
+              </a:ext>
+            </a:extLst>
+          </p:cNvPr>
+          <p:cNvCxnSpPr>
+            <a:cxnSpLocks/>
+            <a:stCxn id="1056" idx="3"/>
+            <a:endCxn id="1038" idx="1"/>
+          </p:cNvCxnSpPr>
+          <p:nvPr/>
+        </p:nvCxnSpPr>
+        <p:spPr>
+          <a:xfrm flipV="1">
+            <a:off x="3002815" y="3428682"/>
+            <a:ext cx="1530898" cy="1021495"/>
+          </a:xfrm>
+          <a:prstGeom prst="straightConnector1">
+            <a:avLst/>
+          </a:prstGeom>
+          <a:ln>
+            <a:tailEnd type="triangle"/>
+          </a:ln>
+        </p:spPr>
+        <p:style>
+          <a:lnRef idx="2">
+            <a:schemeClr val="accent1"/>
+          </a:lnRef>
+          <a:fillRef idx="0">
+            <a:schemeClr val="accent1"/>
+          </a:fillRef>
+          <a:effectRef idx="1">
+            <a:schemeClr val="accent1"/>
+          </a:effectRef>
+          <a:fontRef idx="minor">
+            <a:schemeClr val="tx1"/>
+          </a:fontRef>
+        </p:style>
+      </p:cxnSp>
+      <p:sp>
+        <p:nvSpPr>
+          <p:cNvPr id="1058" name="TextBox 1057">
+            <a:extLst>
+              <a:ext uri="{FF2B5EF4-FFF2-40B4-BE49-F238E27FC236}">
+                <a16:creationId xmlns:a16="http://schemas.microsoft.com/office/drawing/2014/main" id="{28B36C56-EA83-23C0-7FEC-FF76E98069F1}"/>
+              </a:ext>
+            </a:extLst>
+          </p:cNvPr>
+          <p:cNvSpPr txBox="1"/>
+          <p:nvPr/>
+        </p:nvSpPr>
+        <p:spPr>
+          <a:xfrm>
+            <a:off x="4322466" y="2800318"/>
+            <a:ext cx="1009430" cy="307777"/>
           </a:xfrm>
           <a:prstGeom prst="rect">
             <a:avLst/>
@@ -5176,25 +5323,57 @@
               <a:t>Terraform</a:t>
             </a:r>
           </a:p>
-          <a:p>
-            <a:pPr algn="ctr"/>
-            <a:r>
-              <a:rPr lang="en-US" sz="1400" dirty="0">
-                <a:latin typeface="Calibri" panose="020F0502020204030204" pitchFamily="34" charset="0"/>
-                <a:ea typeface="Calibri" panose="020F0502020204030204" pitchFamily="34" charset="0"/>
-                <a:cs typeface="Calibri" panose="020F0502020204030204" pitchFamily="34" charset="0"/>
-              </a:rPr>
-              <a:t>Script</a:t>
-            </a:r>
-          </a:p>
-        </p:txBody>
-      </p:sp>
+        </p:txBody>
+      </p:sp>
+      <p:cxnSp>
+        <p:nvCxnSpPr>
+          <p:cNvPr id="1059" name="Straight Arrow Connector 1058">
+            <a:extLst>
+              <a:ext uri="{FF2B5EF4-FFF2-40B4-BE49-F238E27FC236}">
+                <a16:creationId xmlns:a16="http://schemas.microsoft.com/office/drawing/2014/main" id="{0C85B7E7-F35F-560A-DC4F-2CA61190A912}"/>
+              </a:ext>
+            </a:extLst>
+          </p:cNvPr>
+          <p:cNvCxnSpPr>
+            <a:cxnSpLocks/>
+            <a:stCxn id="1038" idx="3"/>
+            <a:endCxn id="1062" idx="1"/>
+          </p:cNvCxnSpPr>
+          <p:nvPr/>
+        </p:nvCxnSpPr>
+        <p:spPr>
+          <a:xfrm flipV="1">
+            <a:off x="5134108" y="3426577"/>
+            <a:ext cx="664504" cy="2105"/>
+          </a:xfrm>
+          <a:prstGeom prst="straightConnector1">
+            <a:avLst/>
+          </a:prstGeom>
+          <a:ln>
+            <a:tailEnd type="triangle"/>
+          </a:ln>
+        </p:spPr>
+        <p:style>
+          <a:lnRef idx="2">
+            <a:schemeClr val="accent1"/>
+          </a:lnRef>
+          <a:fillRef idx="0">
+            <a:schemeClr val="accent1"/>
+          </a:fillRef>
+          <a:effectRef idx="1">
+            <a:schemeClr val="accent1"/>
+          </a:effectRef>
+          <a:fontRef idx="minor">
+            <a:schemeClr val="tx1"/>
+          </a:fontRef>
+        </p:style>
+      </p:cxnSp>
       <p:pic>
         <p:nvPicPr>
-          <p:cNvPr id="1056" name="Picture 32">
-            <a:extLst>
-              <a:ext uri="{FF2B5EF4-FFF2-40B4-BE49-F238E27FC236}">
-                <a16:creationId xmlns:a16="http://schemas.microsoft.com/office/drawing/2014/main" id="{C719067A-A43E-204C-E676-F5AA951BC9FD}"/>
+          <p:cNvPr id="1064" name="Picture 34" descr="S3 Bucket with Objects | AWS Storage">
+            <a:extLst>
+              <a:ext uri="{FF2B5EF4-FFF2-40B4-BE49-F238E27FC236}">
+                <a16:creationId xmlns:a16="http://schemas.microsoft.com/office/drawing/2014/main" id="{A5A4A68B-8011-4642-F2BC-15481AE36249}"/>
               </a:ext>
             </a:extLst>
           </p:cNvPr>
@@ -5218,8 +5397,8 @@
         </p:blipFill>
         <p:spPr bwMode="auto">
           <a:xfrm>
-            <a:off x="2306456" y="4108284"/>
-            <a:ext cx="683786" cy="683786"/>
+            <a:off x="7713445" y="3186574"/>
+            <a:ext cx="572109" cy="572109"/>
           </a:xfrm>
           <a:prstGeom prst="rect">
             <a:avLst/>
@@ -5236,48 +5415,12 @@
           </a:extLst>
         </p:spPr>
       </p:pic>
-      <p:cxnSp>
-        <p:nvCxnSpPr>
-          <p:cNvPr id="1025" name="Straight Connector 1024">
-            <a:extLst>
-              <a:ext uri="{FF2B5EF4-FFF2-40B4-BE49-F238E27FC236}">
-                <a16:creationId xmlns:a16="http://schemas.microsoft.com/office/drawing/2014/main" id="{F66A32E0-DBA3-FDB7-4D42-0DEFB49CA37F}"/>
-              </a:ext>
-            </a:extLst>
-          </p:cNvPr>
-          <p:cNvCxnSpPr/>
-          <p:nvPr/>
-        </p:nvCxnSpPr>
-        <p:spPr>
-          <a:xfrm>
-            <a:off x="476060" y="3308639"/>
-            <a:ext cx="1372171" cy="0"/>
-          </a:xfrm>
-          <a:prstGeom prst="line">
-            <a:avLst/>
-          </a:prstGeom>
-        </p:spPr>
-        <p:style>
-          <a:lnRef idx="2">
-            <a:schemeClr val="accent1"/>
-          </a:lnRef>
-          <a:fillRef idx="0">
-            <a:schemeClr val="accent1"/>
-          </a:fillRef>
-          <a:effectRef idx="1">
-            <a:schemeClr val="accent1"/>
-          </a:effectRef>
-          <a:fontRef idx="minor">
-            <a:schemeClr val="tx1"/>
-          </a:fontRef>
-        </p:style>
-      </p:cxnSp>
-      <p:sp>
-        <p:nvSpPr>
-          <p:cNvPr id="1027" name="TextBox 1026">
-            <a:extLst>
-              <a:ext uri="{FF2B5EF4-FFF2-40B4-BE49-F238E27FC236}">
-                <a16:creationId xmlns:a16="http://schemas.microsoft.com/office/drawing/2014/main" id="{875664C3-BA4F-E134-8A6B-0C82306A02B8}"/>
+      <p:sp>
+        <p:nvSpPr>
+          <p:cNvPr id="1065" name="TextBox 1064">
+            <a:extLst>
+              <a:ext uri="{FF2B5EF4-FFF2-40B4-BE49-F238E27FC236}">
+                <a16:creationId xmlns:a16="http://schemas.microsoft.com/office/drawing/2014/main" id="{342520CE-ED39-0C9D-DFDF-5365D256DCE4}"/>
               </a:ext>
             </a:extLst>
           </p:cNvPr>
@@ -5286,8 +5429,8 @@
         </p:nvSpPr>
         <p:spPr>
           <a:xfrm>
-            <a:off x="2204085" y="4677019"/>
-            <a:ext cx="907542" cy="523220"/>
+            <a:off x="7805077" y="3712612"/>
+            <a:ext cx="418236" cy="307777"/>
           </a:xfrm>
           <a:prstGeom prst="rect">
             <a:avLst/>
@@ -5307,197 +5450,17 @@
                 <a:ea typeface="Calibri" panose="020F0502020204030204" pitchFamily="34" charset="0"/>
                 <a:cs typeface="Calibri" panose="020F0502020204030204" pitchFamily="34" charset="0"/>
               </a:rPr>
-              <a:t>Power</a:t>
-            </a:r>
-          </a:p>
-          <a:p>
-            <a:pPr algn="ctr"/>
-            <a:r>
-              <a:rPr lang="en-US" sz="1400" dirty="0">
-                <a:latin typeface="Calibri" panose="020F0502020204030204" pitchFamily="34" charset="0"/>
-                <a:ea typeface="Calibri" panose="020F0502020204030204" pitchFamily="34" charset="0"/>
-                <a:cs typeface="Calibri" panose="020F0502020204030204" pitchFamily="34" charset="0"/>
-              </a:rPr>
-              <a:t>Shell</a:t>
-            </a:r>
-          </a:p>
-        </p:txBody>
-      </p:sp>
-      <p:cxnSp>
-        <p:nvCxnSpPr>
-          <p:cNvPr id="1029" name="Straight Arrow Connector 1028">
-            <a:extLst>
-              <a:ext uri="{FF2B5EF4-FFF2-40B4-BE49-F238E27FC236}">
-                <a16:creationId xmlns:a16="http://schemas.microsoft.com/office/drawing/2014/main" id="{8223D2E7-6D3D-DAA8-0516-634BE9191A80}"/>
-              </a:ext>
-            </a:extLst>
-          </p:cNvPr>
-          <p:cNvCxnSpPr>
-            <a:cxnSpLocks/>
-            <a:stCxn id="1032" idx="2"/>
-            <a:endCxn id="1056" idx="0"/>
-          </p:cNvCxnSpPr>
-          <p:nvPr/>
-        </p:nvCxnSpPr>
-        <p:spPr>
-          <a:xfrm flipH="1">
-            <a:off x="2648349" y="2172795"/>
-            <a:ext cx="9507" cy="1935489"/>
-          </a:xfrm>
-          <a:prstGeom prst="straightConnector1">
-            <a:avLst/>
-          </a:prstGeom>
-          <a:ln>
-            <a:tailEnd type="triangle"/>
-          </a:ln>
-        </p:spPr>
-        <p:style>
-          <a:lnRef idx="2">
-            <a:schemeClr val="accent1"/>
-          </a:lnRef>
-          <a:fillRef idx="0">
-            <a:schemeClr val="accent1"/>
-          </a:fillRef>
-          <a:effectRef idx="1">
-            <a:schemeClr val="accent1"/>
-          </a:effectRef>
-          <a:fontRef idx="minor">
-            <a:schemeClr val="tx1"/>
-          </a:fontRef>
-        </p:style>
-      </p:cxnSp>
-      <p:cxnSp>
-        <p:nvCxnSpPr>
-          <p:cNvPr id="1047" name="Straight Arrow Connector 1046">
-            <a:extLst>
-              <a:ext uri="{FF2B5EF4-FFF2-40B4-BE49-F238E27FC236}">
-                <a16:creationId xmlns:a16="http://schemas.microsoft.com/office/drawing/2014/main" id="{640D9D03-2B5C-5DEC-EE91-6D870C422BDA}"/>
-              </a:ext>
-            </a:extLst>
-          </p:cNvPr>
-          <p:cNvCxnSpPr>
-            <a:cxnSpLocks/>
-            <a:stCxn id="1056" idx="3"/>
-            <a:endCxn id="1038" idx="1"/>
-          </p:cNvCxnSpPr>
-          <p:nvPr/>
-        </p:nvCxnSpPr>
-        <p:spPr>
-          <a:xfrm flipV="1">
-            <a:off x="2990242" y="3585929"/>
-            <a:ext cx="543364" cy="864248"/>
-          </a:xfrm>
-          <a:prstGeom prst="straightConnector1">
-            <a:avLst/>
-          </a:prstGeom>
-          <a:ln>
-            <a:tailEnd type="triangle"/>
-          </a:ln>
-        </p:spPr>
-        <p:style>
-          <a:lnRef idx="2">
-            <a:schemeClr val="accent1"/>
-          </a:lnRef>
-          <a:fillRef idx="0">
-            <a:schemeClr val="accent1"/>
-          </a:fillRef>
-          <a:effectRef idx="1">
-            <a:schemeClr val="accent1"/>
-          </a:effectRef>
-          <a:fontRef idx="minor">
-            <a:schemeClr val="tx1"/>
-          </a:fontRef>
-        </p:style>
-      </p:cxnSp>
-      <p:sp>
-        <p:nvSpPr>
-          <p:cNvPr id="1058" name="TextBox 1057">
-            <a:extLst>
-              <a:ext uri="{FF2B5EF4-FFF2-40B4-BE49-F238E27FC236}">
-                <a16:creationId xmlns:a16="http://schemas.microsoft.com/office/drawing/2014/main" id="{28B36C56-EA83-23C0-7FEC-FF76E98069F1}"/>
-              </a:ext>
-            </a:extLst>
-          </p:cNvPr>
-          <p:cNvSpPr txBox="1"/>
-          <p:nvPr/>
-        </p:nvSpPr>
-        <p:spPr>
-          <a:xfrm>
-            <a:off x="3322359" y="2957565"/>
-            <a:ext cx="1009430" cy="307777"/>
-          </a:xfrm>
-          <a:prstGeom prst="rect">
-            <a:avLst/>
-          </a:prstGeom>
-          <a:noFill/>
-        </p:spPr>
-        <p:txBody>
-          <a:bodyPr wrap="square" rtlCol="0">
-            <a:spAutoFit/>
-          </a:bodyPr>
-          <a:lstStyle/>
-          <a:p>
-            <a:pPr algn="ctr"/>
-            <a:r>
-              <a:rPr lang="en-US" sz="1400" dirty="0">
-                <a:latin typeface="Calibri" panose="020F0502020204030204" pitchFamily="34" charset="0"/>
-                <a:ea typeface="Calibri" panose="020F0502020204030204" pitchFamily="34" charset="0"/>
-                <a:cs typeface="Calibri" panose="020F0502020204030204" pitchFamily="34" charset="0"/>
-              </a:rPr>
-              <a:t>Terraform</a:t>
-            </a:r>
-          </a:p>
-        </p:txBody>
-      </p:sp>
-      <p:cxnSp>
-        <p:nvCxnSpPr>
-          <p:cNvPr id="1059" name="Straight Arrow Connector 1058">
-            <a:extLst>
-              <a:ext uri="{FF2B5EF4-FFF2-40B4-BE49-F238E27FC236}">
-                <a16:creationId xmlns:a16="http://schemas.microsoft.com/office/drawing/2014/main" id="{0C85B7E7-F35F-560A-DC4F-2CA61190A912}"/>
-              </a:ext>
-            </a:extLst>
-          </p:cNvPr>
-          <p:cNvCxnSpPr>
-            <a:cxnSpLocks/>
-            <a:stCxn id="1038" idx="3"/>
-            <a:endCxn id="1062" idx="1"/>
-          </p:cNvCxnSpPr>
-          <p:nvPr/>
-        </p:nvCxnSpPr>
-        <p:spPr>
-          <a:xfrm flipV="1">
-            <a:off x="4134001" y="3583824"/>
-            <a:ext cx="664503" cy="2105"/>
-          </a:xfrm>
-          <a:prstGeom prst="straightConnector1">
-            <a:avLst/>
-          </a:prstGeom>
-          <a:ln>
-            <a:tailEnd type="triangle"/>
-          </a:ln>
-        </p:spPr>
-        <p:style>
-          <a:lnRef idx="2">
-            <a:schemeClr val="accent1"/>
-          </a:lnRef>
-          <a:fillRef idx="0">
-            <a:schemeClr val="accent1"/>
-          </a:fillRef>
-          <a:effectRef idx="1">
-            <a:schemeClr val="accent1"/>
-          </a:effectRef>
-          <a:fontRef idx="minor">
-            <a:schemeClr val="tx1"/>
-          </a:fontRef>
-        </p:style>
-      </p:cxnSp>
+              <a:t>S3</a:t>
+            </a:r>
+          </a:p>
+        </p:txBody>
+      </p:sp>
       <p:pic>
         <p:nvPicPr>
-          <p:cNvPr id="1064" name="Picture 34" descr="S3 Bucket with Objects | AWS Storage">
-            <a:extLst>
-              <a:ext uri="{FF2B5EF4-FFF2-40B4-BE49-F238E27FC236}">
-                <a16:creationId xmlns:a16="http://schemas.microsoft.com/office/drawing/2014/main" id="{A5A4A68B-8011-4642-F2BC-15481AE36249}"/>
+          <p:cNvPr id="1066" name="Picture 36" descr="5 New Features in AWS Fargate Version 1.4 | Logicata">
+            <a:extLst>
+              <a:ext uri="{FF2B5EF4-FFF2-40B4-BE49-F238E27FC236}">
+                <a16:creationId xmlns:a16="http://schemas.microsoft.com/office/drawing/2014/main" id="{91F03A5F-AEBE-7725-00D8-332651B9CEA6}"/>
               </a:ext>
             </a:extLst>
           </p:cNvPr>
@@ -5521,8 +5484,8 @@
         </p:blipFill>
         <p:spPr bwMode="auto">
           <a:xfrm>
-            <a:off x="5962438" y="3369270"/>
-            <a:ext cx="572109" cy="572109"/>
+            <a:off x="6831616" y="3200290"/>
+            <a:ext cx="532391" cy="532391"/>
           </a:xfrm>
           <a:prstGeom prst="rect">
             <a:avLst/>
@@ -5541,10 +5504,10 @@
       </p:pic>
       <p:sp>
         <p:nvSpPr>
-          <p:cNvPr id="1065" name="TextBox 1064">
-            <a:extLst>
-              <a:ext uri="{FF2B5EF4-FFF2-40B4-BE49-F238E27FC236}">
-                <a16:creationId xmlns:a16="http://schemas.microsoft.com/office/drawing/2014/main" id="{342520CE-ED39-0C9D-DFDF-5365D256DCE4}"/>
+          <p:cNvPr id="1067" name="TextBox 1066">
+            <a:extLst>
+              <a:ext uri="{FF2B5EF4-FFF2-40B4-BE49-F238E27FC236}">
+                <a16:creationId xmlns:a16="http://schemas.microsoft.com/office/drawing/2014/main" id="{5BA1E7F6-046C-11AD-6215-9EC01E14C1D2}"/>
               </a:ext>
             </a:extLst>
           </p:cNvPr>
@@ -5553,8 +5516,8 @@
         </p:nvSpPr>
         <p:spPr>
           <a:xfrm>
-            <a:off x="6033556" y="3926937"/>
-            <a:ext cx="418236" cy="307777"/>
+            <a:off x="6492432" y="3725993"/>
+            <a:ext cx="1238748" cy="307777"/>
           </a:xfrm>
           <a:prstGeom prst="rect">
             <a:avLst/>
@@ -5574,17 +5537,17 @@
                 <a:ea typeface="Calibri" panose="020F0502020204030204" pitchFamily="34" charset="0"/>
                 <a:cs typeface="Calibri" panose="020F0502020204030204" pitchFamily="34" charset="0"/>
               </a:rPr>
-              <a:t>S3</a:t>
+              <a:t>ECS Fargate</a:t>
             </a:r>
           </a:p>
         </p:txBody>
       </p:sp>
       <p:pic>
         <p:nvPicPr>
-          <p:cNvPr id="1066" name="Picture 36" descr="5 New Features in AWS Fargate Version 1.4 | Logicata">
-            <a:extLst>
-              <a:ext uri="{FF2B5EF4-FFF2-40B4-BE49-F238E27FC236}">
-                <a16:creationId xmlns:a16="http://schemas.microsoft.com/office/drawing/2014/main" id="{91F03A5F-AEBE-7725-00D8-332651B9CEA6}"/>
+          <p:cNvPr id="1068" name="Picture 38" descr="AWS CloudWatch Logs">
+            <a:extLst>
+              <a:ext uri="{FF2B5EF4-FFF2-40B4-BE49-F238E27FC236}">
+                <a16:creationId xmlns:a16="http://schemas.microsoft.com/office/drawing/2014/main" id="{DD6F94E4-68A2-2931-22E1-F009F72290BC}"/>
               </a:ext>
             </a:extLst>
           </p:cNvPr>
@@ -5608,7 +5571,7 @@
         </p:blipFill>
         <p:spPr bwMode="auto">
           <a:xfrm>
-            <a:off x="5089457" y="3369270"/>
+            <a:off x="9710759" y="3178658"/>
             <a:ext cx="532391" cy="532391"/>
           </a:xfrm>
           <a:prstGeom prst="rect">
@@ -5628,10 +5591,10 @@
       </p:pic>
       <p:sp>
         <p:nvSpPr>
-          <p:cNvPr id="1067" name="TextBox 1066">
-            <a:extLst>
-              <a:ext uri="{FF2B5EF4-FFF2-40B4-BE49-F238E27FC236}">
-                <a16:creationId xmlns:a16="http://schemas.microsoft.com/office/drawing/2014/main" id="{5BA1E7F6-046C-11AD-6215-9EC01E14C1D2}"/>
+          <p:cNvPr id="1069" name="TextBox 1068">
+            <a:extLst>
+              <a:ext uri="{FF2B5EF4-FFF2-40B4-BE49-F238E27FC236}">
+                <a16:creationId xmlns:a16="http://schemas.microsoft.com/office/drawing/2014/main" id="{E49CA972-1D65-1B94-3DAD-6572F6E65EDF}"/>
               </a:ext>
             </a:extLst>
           </p:cNvPr>
@@ -5640,7 +5603,7 @@
         </p:nvSpPr>
         <p:spPr>
           <a:xfrm>
-            <a:off x="4750273" y="3894973"/>
+            <a:off x="9357580" y="3698466"/>
             <a:ext cx="1238748" cy="307777"/>
           </a:xfrm>
           <a:prstGeom prst="rect">
@@ -5661,17 +5624,17 @@
                 <a:ea typeface="Calibri" panose="020F0502020204030204" pitchFamily="34" charset="0"/>
                 <a:cs typeface="Calibri" panose="020F0502020204030204" pitchFamily="34" charset="0"/>
               </a:rPr>
-              <a:t>ECS Fargate</a:t>
+              <a:t>CloudWatch</a:t>
             </a:r>
           </a:p>
         </p:txBody>
       </p:sp>
       <p:pic>
         <p:nvPicPr>
-          <p:cNvPr id="1068" name="Picture 38" descr="AWS CloudWatch Logs">
-            <a:extLst>
-              <a:ext uri="{FF2B5EF4-FFF2-40B4-BE49-F238E27FC236}">
-                <a16:creationId xmlns:a16="http://schemas.microsoft.com/office/drawing/2014/main" id="{DD6F94E4-68A2-2931-22E1-F009F72290BC}"/>
+          <p:cNvPr id="1070" name="Picture 12" descr="Amazon ECR | AWS Compute">
+            <a:extLst>
+              <a:ext uri="{FF2B5EF4-FFF2-40B4-BE49-F238E27FC236}">
+                <a16:creationId xmlns:a16="http://schemas.microsoft.com/office/drawing/2014/main" id="{A859DE0B-A0FA-C1DE-3F64-105B6F55486A}"/>
               </a:ext>
             </a:extLst>
           </p:cNvPr>
@@ -5695,8 +5658,8 @@
         </p:blipFill>
         <p:spPr bwMode="auto">
           <a:xfrm>
-            <a:off x="6939138" y="3369270"/>
-            <a:ext cx="532391" cy="532391"/>
+            <a:off x="5998457" y="3191260"/>
+            <a:ext cx="543520" cy="543520"/>
           </a:xfrm>
           <a:prstGeom prst="rect">
             <a:avLst/>
@@ -5715,10 +5678,10 @@
       </p:pic>
       <p:sp>
         <p:nvSpPr>
-          <p:cNvPr id="1069" name="TextBox 1068">
-            <a:extLst>
-              <a:ext uri="{FF2B5EF4-FFF2-40B4-BE49-F238E27FC236}">
-                <a16:creationId xmlns:a16="http://schemas.microsoft.com/office/drawing/2014/main" id="{E49CA972-1D65-1B94-3DAD-6572F6E65EDF}"/>
+          <p:cNvPr id="1071" name="TextBox 1070">
+            <a:extLst>
+              <a:ext uri="{FF2B5EF4-FFF2-40B4-BE49-F238E27FC236}">
+                <a16:creationId xmlns:a16="http://schemas.microsoft.com/office/drawing/2014/main" id="{8A655825-CEB7-4CD8-6121-6FBCFFBD6AED}"/>
               </a:ext>
             </a:extLst>
           </p:cNvPr>
@@ -5727,94 +5690,7 @@
         </p:nvSpPr>
         <p:spPr>
           <a:xfrm>
-            <a:off x="6585959" y="3889078"/>
-            <a:ext cx="1238748" cy="307777"/>
-          </a:xfrm>
-          <a:prstGeom prst="rect">
-            <a:avLst/>
-          </a:prstGeom>
-          <a:noFill/>
-        </p:spPr>
-        <p:txBody>
-          <a:bodyPr wrap="square" rtlCol="0">
-            <a:spAutoFit/>
-          </a:bodyPr>
-          <a:lstStyle/>
-          <a:p>
-            <a:pPr algn="ctr"/>
-            <a:r>
-              <a:rPr lang="en-US" sz="1400" dirty="0">
-                <a:latin typeface="Calibri" panose="020F0502020204030204" pitchFamily="34" charset="0"/>
-                <a:ea typeface="Calibri" panose="020F0502020204030204" pitchFamily="34" charset="0"/>
-                <a:cs typeface="Calibri" panose="020F0502020204030204" pitchFamily="34" charset="0"/>
-              </a:rPr>
-              <a:t>CloudWatch</a:t>
-            </a:r>
-          </a:p>
-        </p:txBody>
-      </p:sp>
-      <p:pic>
-        <p:nvPicPr>
-          <p:cNvPr id="1070" name="Picture 12" descr="Amazon ECR | AWS Compute">
-            <a:extLst>
-              <a:ext uri="{FF2B5EF4-FFF2-40B4-BE49-F238E27FC236}">
-                <a16:creationId xmlns:a16="http://schemas.microsoft.com/office/drawing/2014/main" id="{A859DE0B-A0FA-C1DE-3F64-105B6F55486A}"/>
-              </a:ext>
-            </a:extLst>
-          </p:cNvPr>
-          <p:cNvPicPr>
-            <a:picLocks noChangeAspect="1" noChangeArrowheads="1"/>
-          </p:cNvPicPr>
-          <p:nvPr/>
-        </p:nvPicPr>
-        <p:blipFill>
-          <a:blip r:embed="rId7">
-            <a:extLst>
-              <a:ext uri="{28A0092B-C50C-407E-A947-70E740481C1C}">
-                <a14:useLocalDpi xmlns:a14="http://schemas.microsoft.com/office/drawing/2010/main" val="0"/>
-              </a:ext>
-            </a:extLst>
-          </a:blip>
-          <a:srcRect/>
-          <a:stretch>
-            <a:fillRect/>
-          </a:stretch>
-        </p:blipFill>
-        <p:spPr bwMode="auto">
-          <a:xfrm>
-            <a:off x="7937334" y="3348507"/>
-            <a:ext cx="543520" cy="543520"/>
-          </a:xfrm>
-          <a:prstGeom prst="rect">
-            <a:avLst/>
-          </a:prstGeom>
-          <a:noFill/>
-          <a:extLst>
-            <a:ext uri="{909E8E84-426E-40DD-AFC4-6F175D3DCCD1}">
-              <a14:hiddenFill xmlns:a14="http://schemas.microsoft.com/office/drawing/2010/main">
-                <a:solidFill>
-                  <a:srgbClr val="FFFFFF"/>
-                </a:solidFill>
-              </a14:hiddenFill>
-            </a:ext>
-          </a:extLst>
-        </p:spPr>
-      </p:pic>
-      <p:sp>
-        <p:nvSpPr>
-          <p:cNvPr id="1071" name="TextBox 1070">
-            <a:extLst>
-              <a:ext uri="{FF2B5EF4-FFF2-40B4-BE49-F238E27FC236}">
-                <a16:creationId xmlns:a16="http://schemas.microsoft.com/office/drawing/2014/main" id="{8A655825-CEB7-4CD8-6121-6FBCFFBD6AED}"/>
-              </a:ext>
-            </a:extLst>
-          </p:cNvPr>
-          <p:cNvSpPr txBox="1"/>
-          <p:nvPr/>
-        </p:nvSpPr>
-        <p:spPr>
-          <a:xfrm>
-            <a:off x="7937334" y="3867185"/>
+            <a:off x="5994306" y="3730888"/>
             <a:ext cx="543520" cy="307777"/>
           </a:xfrm>
           <a:prstGeom prst="rect">
@@ -5861,7 +5737,7 @@
         </p:blipFill>
         <p:spPr>
           <a:xfrm>
-            <a:off x="8870467" y="3354174"/>
+            <a:off x="8762603" y="3169440"/>
             <a:ext cx="483659" cy="510656"/>
           </a:xfrm>
           <a:prstGeom prst="rect">
@@ -5883,7 +5759,7 @@
         </p:nvSpPr>
         <p:spPr>
           <a:xfrm>
-            <a:off x="8549311" y="3869608"/>
+            <a:off x="8441447" y="3684874"/>
             <a:ext cx="1124066" cy="307777"/>
           </a:xfrm>
           <a:prstGeom prst="rect">
@@ -5923,7 +5799,7 @@
         </p:nvSpPr>
         <p:spPr>
           <a:xfrm>
-            <a:off x="4705520" y="6359463"/>
+            <a:off x="6010907" y="6359463"/>
             <a:ext cx="719368" cy="307777"/>
           </a:xfrm>
           <a:prstGeom prst="rect">
@@ -5967,8 +5843,8 @@
         </p:nvCxnSpPr>
         <p:spPr>
           <a:xfrm flipH="1" flipV="1">
-            <a:off x="4061805" y="5223966"/>
-            <a:ext cx="818310" cy="5807"/>
+            <a:off x="5061912" y="5223966"/>
+            <a:ext cx="1123590" cy="5807"/>
           </a:xfrm>
           <a:prstGeom prst="straightConnector1">
             <a:avLst/>
@@ -6006,7 +5882,7 @@
         </p:nvGrpSpPr>
         <p:grpSpPr>
           <a:xfrm>
-            <a:off x="8669088" y="4935361"/>
+            <a:off x="10930763" y="4932383"/>
             <a:ext cx="685038" cy="782983"/>
             <a:chOff x="10592562" y="765594"/>
             <a:chExt cx="685038" cy="782983"/>
@@ -6114,7 +5990,7 @@
         </p:nvGrpSpPr>
         <p:grpSpPr>
           <a:xfrm>
-            <a:off x="10877746" y="2810618"/>
+            <a:off x="8023766" y="1136748"/>
             <a:ext cx="979714" cy="1065384"/>
             <a:chOff x="8650522" y="4178692"/>
             <a:chExt cx="979714" cy="1065384"/>
@@ -6220,7 +6096,7 @@
         </p:blipFill>
         <p:spPr bwMode="auto">
           <a:xfrm>
-            <a:off x="9868432" y="3363392"/>
+            <a:off x="10641585" y="3200290"/>
             <a:ext cx="302540" cy="577987"/>
           </a:xfrm>
           <a:prstGeom prst="rect">
@@ -6252,7 +6128,7 @@
         </p:nvSpPr>
         <p:spPr>
           <a:xfrm>
-            <a:off x="9741834" y="3889078"/>
+            <a:off x="10514987" y="3725976"/>
             <a:ext cx="543520" cy="307777"/>
           </a:xfrm>
           <a:prstGeom prst="rect">
@@ -6307,7 +6183,7 @@
         </p:blipFill>
         <p:spPr bwMode="auto">
           <a:xfrm>
-            <a:off x="6033556" y="4957174"/>
+            <a:off x="7803012" y="4940704"/>
             <a:ext cx="440320" cy="529266"/>
           </a:xfrm>
           <a:prstGeom prst="rect">
@@ -6339,7 +6215,7 @@
         </p:nvSpPr>
         <p:spPr>
           <a:xfrm>
-            <a:off x="5702907" y="5528766"/>
+            <a:off x="7472363" y="5512296"/>
             <a:ext cx="1085684" cy="307777"/>
           </a:xfrm>
           <a:prstGeom prst="rect">
@@ -6379,7 +6255,7 @@
         </p:nvGrpSpPr>
         <p:grpSpPr>
           <a:xfrm>
-            <a:off x="7809158" y="4912931"/>
+            <a:off x="10070833" y="4909953"/>
             <a:ext cx="685038" cy="849837"/>
             <a:chOff x="10571369" y="1827248"/>
             <a:chExt cx="685038" cy="849837"/>
@@ -6491,8 +6367,8 @@
         </p:nvCxnSpPr>
         <p:spPr>
           <a:xfrm flipV="1">
-            <a:off x="5234696" y="5221807"/>
-            <a:ext cx="798860" cy="7966"/>
+            <a:off x="6540083" y="5205337"/>
+            <a:ext cx="1262929" cy="24436"/>
           </a:xfrm>
           <a:prstGeom prst="straightConnector1">
             <a:avLst/>
@@ -6528,15 +6404,15 @@
           </p:cNvPr>
           <p:cNvCxnSpPr>
             <a:cxnSpLocks/>
-            <a:stCxn id="1116" idx="1"/>
+            <a:stCxn id="46" idx="1"/>
             <a:endCxn id="1113" idx="3"/>
           </p:cNvCxnSpPr>
           <p:nvPr/>
         </p:nvCxnSpPr>
         <p:spPr>
           <a:xfrm flipH="1">
-            <a:off x="6473876" y="5201205"/>
-            <a:ext cx="1389527" cy="20602"/>
+            <a:off x="8243332" y="5205337"/>
+            <a:ext cx="537249" cy="0"/>
           </a:xfrm>
           <a:prstGeom prst="straightConnector1">
             <a:avLst/>
@@ -6571,15 +6447,15 @@
           </p:cNvPr>
           <p:cNvCxnSpPr>
             <a:cxnSpLocks/>
-            <a:stCxn id="1036" idx="2"/>
-            <a:endCxn id="1062" idx="0"/>
+            <a:stCxn id="1034" idx="2"/>
+            <a:endCxn id="1070" idx="0"/>
           </p:cNvCxnSpPr>
           <p:nvPr/>
         </p:nvCxnSpPr>
         <p:spPr>
           <a:xfrm flipH="1">
-            <a:off x="7695533" y="2219599"/>
-            <a:ext cx="5002" cy="604648"/>
+            <a:off x="6270217" y="2243298"/>
+            <a:ext cx="5443" cy="947962"/>
           </a:xfrm>
           <a:prstGeom prst="straightConnector1">
             <a:avLst/>
@@ -6621,8 +6497,8 @@
         </p:nvCxnSpPr>
         <p:spPr>
           <a:xfrm>
-            <a:off x="6242674" y="4234714"/>
-            <a:ext cx="11042" cy="722460"/>
+            <a:off x="8014195" y="4020389"/>
+            <a:ext cx="8977" cy="920315"/>
           </a:xfrm>
           <a:prstGeom prst="straightConnector1">
             <a:avLst/>
@@ -6657,15 +6533,15 @@
           </p:cNvPr>
           <p:cNvCxnSpPr>
             <a:cxnSpLocks/>
-            <a:stCxn id="1082" idx="1"/>
-            <a:endCxn id="1062" idx="3"/>
+            <a:stCxn id="1082" idx="2"/>
+            <a:endCxn id="1062" idx="0"/>
           </p:cNvCxnSpPr>
           <p:nvPr/>
         </p:nvCxnSpPr>
         <p:spPr>
-          <a:xfrm flipH="1" flipV="1">
-            <a:off x="10592562" y="3583824"/>
-            <a:ext cx="469146" cy="15319"/>
+          <a:xfrm flipH="1">
+            <a:off x="8480994" y="2202132"/>
+            <a:ext cx="3594" cy="464868"/>
           </a:xfrm>
           <a:prstGeom prst="straightConnector1">
             <a:avLst/>
@@ -6745,8 +6621,343 @@
         </p:nvCxnSpPr>
         <p:spPr>
           <a:xfrm>
-            <a:off x="1848231" y="4450177"/>
+            <a:off x="1860804" y="4450177"/>
             <a:ext cx="458225" cy="0"/>
+          </a:xfrm>
+          <a:prstGeom prst="straightConnector1">
+            <a:avLst/>
+          </a:prstGeom>
+          <a:ln>
+            <a:tailEnd type="triangle"/>
+          </a:ln>
+        </p:spPr>
+        <p:style>
+          <a:lnRef idx="2">
+            <a:schemeClr val="accent1"/>
+          </a:lnRef>
+          <a:fillRef idx="0">
+            <a:schemeClr val="accent1"/>
+          </a:fillRef>
+          <a:effectRef idx="1">
+            <a:schemeClr val="accent1"/>
+          </a:effectRef>
+          <a:fontRef idx="minor">
+            <a:schemeClr val="tx1"/>
+          </a:fontRef>
+        </p:style>
+      </p:cxnSp>
+      <p:sp>
+        <p:nvSpPr>
+          <p:cNvPr id="5" name="Rectangle: Rounded Corners 4">
+            <a:extLst>
+              <a:ext uri="{FF2B5EF4-FFF2-40B4-BE49-F238E27FC236}">
+                <a16:creationId xmlns:a16="http://schemas.microsoft.com/office/drawing/2014/main" id="{C05D0CD4-DB14-E3B0-45F6-A761F03AAE0B}"/>
+              </a:ext>
+            </a:extLst>
+          </p:cNvPr>
+          <p:cNvSpPr/>
+          <p:nvPr/>
+        </p:nvSpPr>
+        <p:spPr>
+          <a:xfrm>
+            <a:off x="3505200" y="838200"/>
+            <a:ext cx="3331882" cy="1519153"/>
+          </a:xfrm>
+          <a:prstGeom prst="roundRect">
+            <a:avLst>
+              <a:gd name="adj" fmla="val 9409"/>
+            </a:avLst>
+          </a:prstGeom>
+          <a:noFill/>
+        </p:spPr>
+        <p:style>
+          <a:lnRef idx="2">
+            <a:schemeClr val="accent1"/>
+          </a:lnRef>
+          <a:fillRef idx="1">
+            <a:schemeClr val="lt1"/>
+          </a:fillRef>
+          <a:effectRef idx="0">
+            <a:schemeClr val="accent1"/>
+          </a:effectRef>
+          <a:fontRef idx="minor">
+            <a:schemeClr val="dk1"/>
+          </a:fontRef>
+        </p:style>
+        <p:txBody>
+          <a:bodyPr rtlCol="0" anchor="t"/>
+          <a:lstStyle/>
+          <a:p>
+            <a:pPr algn="ctr"/>
+            <a:r>
+              <a:rPr lang="en-US" sz="1600" b="1" dirty="0">
+                <a:latin typeface="Calibri" panose="020F0502020204030204" pitchFamily="34" charset="0"/>
+                <a:ea typeface="Calibri" panose="020F0502020204030204" pitchFamily="34" charset="0"/>
+                <a:cs typeface="Calibri" panose="020F0502020204030204" pitchFamily="34" charset="0"/>
+              </a:rPr>
+              <a:t>Continuous Integration</a:t>
+            </a:r>
+          </a:p>
+        </p:txBody>
+      </p:sp>
+      <p:sp>
+        <p:nvSpPr>
+          <p:cNvPr id="30" name="Rectangle: Rounded Corners 29">
+            <a:extLst>
+              <a:ext uri="{FF2B5EF4-FFF2-40B4-BE49-F238E27FC236}">
+                <a16:creationId xmlns:a16="http://schemas.microsoft.com/office/drawing/2014/main" id="{02AD8ADB-14CD-711A-6C9F-6B3A01E84F77}"/>
+              </a:ext>
+            </a:extLst>
+          </p:cNvPr>
+          <p:cNvSpPr/>
+          <p:nvPr/>
+        </p:nvSpPr>
+        <p:spPr>
+          <a:xfrm>
+            <a:off x="3984892" y="4427364"/>
+            <a:ext cx="3127484" cy="2327684"/>
+          </a:xfrm>
+          <a:prstGeom prst="roundRect">
+            <a:avLst>
+              <a:gd name="adj" fmla="val 3124"/>
+            </a:avLst>
+          </a:prstGeom>
+          <a:noFill/>
+        </p:spPr>
+        <p:style>
+          <a:lnRef idx="2">
+            <a:schemeClr val="accent1"/>
+          </a:lnRef>
+          <a:fillRef idx="1">
+            <a:schemeClr val="lt1"/>
+          </a:fillRef>
+          <a:effectRef idx="0">
+            <a:schemeClr val="accent1"/>
+          </a:effectRef>
+          <a:fontRef idx="minor">
+            <a:schemeClr val="dk1"/>
+          </a:fontRef>
+        </p:style>
+        <p:txBody>
+          <a:bodyPr rtlCol="0" anchor="t"/>
+          <a:lstStyle/>
+          <a:p>
+            <a:pPr algn="ctr"/>
+            <a:r>
+              <a:rPr lang="en-US" sz="1600" b="1" dirty="0">
+                <a:latin typeface="Calibri" panose="020F0502020204030204" pitchFamily="34" charset="0"/>
+                <a:ea typeface="Calibri" panose="020F0502020204030204" pitchFamily="34" charset="0"/>
+                <a:cs typeface="Calibri" panose="020F0502020204030204" pitchFamily="34" charset="0"/>
+              </a:rPr>
+              <a:t>User Management</a:t>
+            </a:r>
+          </a:p>
+        </p:txBody>
+      </p:sp>
+      <p:cxnSp>
+        <p:nvCxnSpPr>
+          <p:cNvPr id="32" name="Straight Arrow Connector 31">
+            <a:extLst>
+              <a:ext uri="{FF2B5EF4-FFF2-40B4-BE49-F238E27FC236}">
+                <a16:creationId xmlns:a16="http://schemas.microsoft.com/office/drawing/2014/main" id="{51B7A95B-81D7-073F-B7BE-B7D766A0FEA2}"/>
+              </a:ext>
+            </a:extLst>
+          </p:cNvPr>
+          <p:cNvCxnSpPr>
+            <a:cxnSpLocks/>
+            <a:stCxn id="1070" idx="3"/>
+            <a:endCxn id="1066" idx="1"/>
+          </p:cNvCxnSpPr>
+          <p:nvPr/>
+        </p:nvCxnSpPr>
+        <p:spPr>
+          <a:xfrm>
+            <a:off x="6541977" y="3463020"/>
+            <a:ext cx="289639" cy="3466"/>
+          </a:xfrm>
+          <a:prstGeom prst="straightConnector1">
+            <a:avLst/>
+          </a:prstGeom>
+          <a:ln>
+            <a:tailEnd type="triangle"/>
+          </a:ln>
+        </p:spPr>
+        <p:style>
+          <a:lnRef idx="2">
+            <a:schemeClr val="accent1"/>
+          </a:lnRef>
+          <a:fillRef idx="0">
+            <a:schemeClr val="accent1"/>
+          </a:fillRef>
+          <a:effectRef idx="1">
+            <a:schemeClr val="accent1"/>
+          </a:effectRef>
+          <a:fontRef idx="minor">
+            <a:schemeClr val="tx1"/>
+          </a:fontRef>
+        </p:style>
+      </p:cxnSp>
+      <p:cxnSp>
+        <p:nvCxnSpPr>
+          <p:cNvPr id="38" name="Straight Arrow Connector 37">
+            <a:extLst>
+              <a:ext uri="{FF2B5EF4-FFF2-40B4-BE49-F238E27FC236}">
+                <a16:creationId xmlns:a16="http://schemas.microsoft.com/office/drawing/2014/main" id="{E857AD5D-E6CC-CEA9-6D9A-21975AFE97F6}"/>
+              </a:ext>
+            </a:extLst>
+          </p:cNvPr>
+          <p:cNvCxnSpPr>
+            <a:cxnSpLocks/>
+            <a:stCxn id="1066" idx="3"/>
+            <a:endCxn id="1064" idx="1"/>
+          </p:cNvCxnSpPr>
+          <p:nvPr/>
+        </p:nvCxnSpPr>
+        <p:spPr>
+          <a:xfrm>
+            <a:off x="7364007" y="3466486"/>
+            <a:ext cx="349438" cy="6143"/>
+          </a:xfrm>
+          <a:prstGeom prst="straightConnector1">
+            <a:avLst/>
+          </a:prstGeom>
+          <a:ln>
+            <a:tailEnd type="triangle"/>
+          </a:ln>
+        </p:spPr>
+        <p:style>
+          <a:lnRef idx="2">
+            <a:schemeClr val="accent1"/>
+          </a:lnRef>
+          <a:fillRef idx="0">
+            <a:schemeClr val="accent1"/>
+          </a:fillRef>
+          <a:effectRef idx="1">
+            <a:schemeClr val="accent1"/>
+          </a:effectRef>
+          <a:fontRef idx="minor">
+            <a:schemeClr val="tx1"/>
+          </a:fontRef>
+        </p:style>
+      </p:cxnSp>
+      <p:pic>
+        <p:nvPicPr>
+          <p:cNvPr id="46" name="Picture 32">
+            <a:extLst>
+              <a:ext uri="{FF2B5EF4-FFF2-40B4-BE49-F238E27FC236}">
+                <a16:creationId xmlns:a16="http://schemas.microsoft.com/office/drawing/2014/main" id="{5297EF34-E4E6-8BE4-49E1-55F84701D07C}"/>
+              </a:ext>
+            </a:extLst>
+          </p:cNvPr>
+          <p:cNvPicPr>
+            <a:picLocks noChangeAspect="1" noChangeArrowheads="1"/>
+          </p:cNvPicPr>
+          <p:nvPr/>
+        </p:nvPicPr>
+        <p:blipFill>
+          <a:blip r:embed="rId16">
+            <a:extLst>
+              <a:ext uri="{28A0092B-C50C-407E-A947-70E740481C1C}">
+                <a14:useLocalDpi xmlns:a14="http://schemas.microsoft.com/office/drawing/2010/main" val="0"/>
+              </a:ext>
+            </a:extLst>
+          </a:blip>
+          <a:srcRect/>
+          <a:stretch>
+            <a:fillRect/>
+          </a:stretch>
+        </p:blipFill>
+        <p:spPr bwMode="auto">
+          <a:xfrm>
+            <a:off x="8780581" y="4863444"/>
+            <a:ext cx="683786" cy="683786"/>
+          </a:xfrm>
+          <a:prstGeom prst="rect">
+            <a:avLst/>
+          </a:prstGeom>
+          <a:noFill/>
+          <a:extLst>
+            <a:ext uri="{909E8E84-426E-40DD-AFC4-6F175D3DCCD1}">
+              <a14:hiddenFill xmlns:a14="http://schemas.microsoft.com/office/drawing/2010/main">
+                <a:solidFill>
+                  <a:srgbClr val="FFFFFF"/>
+                </a:solidFill>
+              </a14:hiddenFill>
+            </a:ext>
+          </a:extLst>
+        </p:spPr>
+      </p:pic>
+      <p:sp>
+        <p:nvSpPr>
+          <p:cNvPr id="47" name="TextBox 46">
+            <a:extLst>
+              <a:ext uri="{FF2B5EF4-FFF2-40B4-BE49-F238E27FC236}">
+                <a16:creationId xmlns:a16="http://schemas.microsoft.com/office/drawing/2014/main" id="{FECB2264-BC7C-88CE-4950-82AB3238D503}"/>
+              </a:ext>
+            </a:extLst>
+          </p:cNvPr>
+          <p:cNvSpPr txBox="1"/>
+          <p:nvPr/>
+        </p:nvSpPr>
+        <p:spPr>
+          <a:xfrm>
+            <a:off x="8678210" y="5432179"/>
+            <a:ext cx="907542" cy="523220"/>
+          </a:xfrm>
+          <a:prstGeom prst="rect">
+            <a:avLst/>
+          </a:prstGeom>
+          <a:noFill/>
+        </p:spPr>
+        <p:txBody>
+          <a:bodyPr wrap="square" rtlCol="0">
+            <a:spAutoFit/>
+          </a:bodyPr>
+          <a:lstStyle/>
+          <a:p>
+            <a:pPr algn="ctr"/>
+            <a:r>
+              <a:rPr lang="en-US" sz="1400" dirty="0">
+                <a:latin typeface="Calibri" panose="020F0502020204030204" pitchFamily="34" charset="0"/>
+                <a:ea typeface="Calibri" panose="020F0502020204030204" pitchFamily="34" charset="0"/>
+                <a:cs typeface="Calibri" panose="020F0502020204030204" pitchFamily="34" charset="0"/>
+              </a:rPr>
+              <a:t>Power</a:t>
+            </a:r>
+          </a:p>
+          <a:p>
+            <a:pPr algn="ctr"/>
+            <a:r>
+              <a:rPr lang="en-US" sz="1400" dirty="0">
+                <a:latin typeface="Calibri" panose="020F0502020204030204" pitchFamily="34" charset="0"/>
+                <a:ea typeface="Calibri" panose="020F0502020204030204" pitchFamily="34" charset="0"/>
+                <a:cs typeface="Calibri" panose="020F0502020204030204" pitchFamily="34" charset="0"/>
+              </a:rPr>
+              <a:t>Shell</a:t>
+            </a:r>
+          </a:p>
+        </p:txBody>
+      </p:sp>
+      <p:cxnSp>
+        <p:nvCxnSpPr>
+          <p:cNvPr id="51" name="Straight Arrow Connector 50">
+            <a:extLst>
+              <a:ext uri="{FF2B5EF4-FFF2-40B4-BE49-F238E27FC236}">
+                <a16:creationId xmlns:a16="http://schemas.microsoft.com/office/drawing/2014/main" id="{CE8C71A4-1848-F92C-C302-206B06A10C75}"/>
+              </a:ext>
+            </a:extLst>
+          </p:cNvPr>
+          <p:cNvCxnSpPr>
+            <a:cxnSpLocks/>
+            <a:stCxn id="1116" idx="1"/>
+            <a:endCxn id="46" idx="3"/>
+          </p:cNvCxnSpPr>
+          <p:nvPr/>
+        </p:nvCxnSpPr>
+        <p:spPr>
+          <a:xfrm flipH="1">
+            <a:off x="9464367" y="5198227"/>
+            <a:ext cx="660711" cy="7110"/>
           </a:xfrm>
           <a:prstGeom prst="straightConnector1">
             <a:avLst/>

--- a/SolutionArchitecture.pptx
+++ b/SolutionArchitecture.pptx
@@ -259,7 +259,7 @@
           <a:p>
             <a:fld id="{BAD81560-E736-4A3E-98FC-5A2607D45314}" type="datetimeFigureOut">
               <a:rPr lang="en-US" smtClean="0"/>
-              <a:t>4/1/2025</a:t>
+              <a:t>4/2/2025</a:t>
             </a:fld>
             <a:endParaRPr lang="en-US"/>
           </a:p>
@@ -457,7 +457,7 @@
           <a:p>
             <a:fld id="{BAD81560-E736-4A3E-98FC-5A2607D45314}" type="datetimeFigureOut">
               <a:rPr lang="en-US" smtClean="0"/>
-              <a:t>4/1/2025</a:t>
+              <a:t>4/2/2025</a:t>
             </a:fld>
             <a:endParaRPr lang="en-US"/>
           </a:p>
@@ -665,7 +665,7 @@
           <a:p>
             <a:fld id="{BAD81560-E736-4A3E-98FC-5A2607D45314}" type="datetimeFigureOut">
               <a:rPr lang="en-US" smtClean="0"/>
-              <a:t>4/1/2025</a:t>
+              <a:t>4/2/2025</a:t>
             </a:fld>
             <a:endParaRPr lang="en-US"/>
           </a:p>
@@ -863,7 +863,7 @@
           <a:p>
             <a:fld id="{BAD81560-E736-4A3E-98FC-5A2607D45314}" type="datetimeFigureOut">
               <a:rPr lang="en-US" smtClean="0"/>
-              <a:t>4/1/2025</a:t>
+              <a:t>4/2/2025</a:t>
             </a:fld>
             <a:endParaRPr lang="en-US"/>
           </a:p>
@@ -1138,7 +1138,7 @@
           <a:p>
             <a:fld id="{BAD81560-E736-4A3E-98FC-5A2607D45314}" type="datetimeFigureOut">
               <a:rPr lang="en-US" smtClean="0"/>
-              <a:t>4/1/2025</a:t>
+              <a:t>4/2/2025</a:t>
             </a:fld>
             <a:endParaRPr lang="en-US"/>
           </a:p>
@@ -1403,7 +1403,7 @@
           <a:p>
             <a:fld id="{BAD81560-E736-4A3E-98FC-5A2607D45314}" type="datetimeFigureOut">
               <a:rPr lang="en-US" smtClean="0"/>
-              <a:t>4/1/2025</a:t>
+              <a:t>4/2/2025</a:t>
             </a:fld>
             <a:endParaRPr lang="en-US"/>
           </a:p>
@@ -1815,7 +1815,7 @@
           <a:p>
             <a:fld id="{BAD81560-E736-4A3E-98FC-5A2607D45314}" type="datetimeFigureOut">
               <a:rPr lang="en-US" smtClean="0"/>
-              <a:t>4/1/2025</a:t>
+              <a:t>4/2/2025</a:t>
             </a:fld>
             <a:endParaRPr lang="en-US"/>
           </a:p>
@@ -1956,7 +1956,7 @@
           <a:p>
             <a:fld id="{BAD81560-E736-4A3E-98FC-5A2607D45314}" type="datetimeFigureOut">
               <a:rPr lang="en-US" smtClean="0"/>
-              <a:t>4/1/2025</a:t>
+              <a:t>4/2/2025</a:t>
             </a:fld>
             <a:endParaRPr lang="en-US"/>
           </a:p>
@@ -2069,7 +2069,7 @@
           <a:p>
             <a:fld id="{BAD81560-E736-4A3E-98FC-5A2607D45314}" type="datetimeFigureOut">
               <a:rPr lang="en-US" smtClean="0"/>
-              <a:t>4/1/2025</a:t>
+              <a:t>4/2/2025</a:t>
             </a:fld>
             <a:endParaRPr lang="en-US"/>
           </a:p>
@@ -2380,7 +2380,7 @@
           <a:p>
             <a:fld id="{BAD81560-E736-4A3E-98FC-5A2607D45314}" type="datetimeFigureOut">
               <a:rPr lang="en-US" smtClean="0"/>
-              <a:t>4/1/2025</a:t>
+              <a:t>4/2/2025</a:t>
             </a:fld>
             <a:endParaRPr lang="en-US"/>
           </a:p>
@@ -2668,7 +2668,7 @@
           <a:p>
             <a:fld id="{BAD81560-E736-4A3E-98FC-5A2607D45314}" type="datetimeFigureOut">
               <a:rPr lang="en-US" smtClean="0"/>
-              <a:t>4/1/2025</a:t>
+              <a:t>4/2/2025</a:t>
             </a:fld>
             <a:endParaRPr lang="en-US"/>
           </a:p>
@@ -2909,7 +2909,7 @@
           <a:p>
             <a:fld id="{BAD81560-E736-4A3E-98FC-5A2607D45314}" type="datetimeFigureOut">
               <a:rPr lang="en-US" smtClean="0"/>
-              <a:t>4/1/2025</a:t>
+              <a:t>4/2/2025</a:t>
             </a:fld>
             <a:endParaRPr lang="en-US"/>
           </a:p>
@@ -6963,6 +6963,49 @@
             <a:avLst/>
           </a:prstGeom>
           <a:ln>
+            <a:tailEnd type="triangle"/>
+          </a:ln>
+        </p:spPr>
+        <p:style>
+          <a:lnRef idx="2">
+            <a:schemeClr val="accent1"/>
+          </a:lnRef>
+          <a:fillRef idx="0">
+            <a:schemeClr val="accent1"/>
+          </a:fillRef>
+          <a:effectRef idx="1">
+            <a:schemeClr val="accent1"/>
+          </a:effectRef>
+          <a:fontRef idx="minor">
+            <a:schemeClr val="tx1"/>
+          </a:fontRef>
+        </p:style>
+      </p:cxnSp>
+      <p:cxnSp>
+        <p:nvCxnSpPr>
+          <p:cNvPr id="2" name="Straight Arrow Connector 1">
+            <a:extLst>
+              <a:ext uri="{FF2B5EF4-FFF2-40B4-BE49-F238E27FC236}">
+                <a16:creationId xmlns:a16="http://schemas.microsoft.com/office/drawing/2014/main" id="{9E080E3A-6903-0A09-D550-6A796242293E}"/>
+              </a:ext>
+            </a:extLst>
+          </p:cNvPr>
+          <p:cNvCxnSpPr>
+            <a:cxnSpLocks/>
+            <a:stCxn id="1114" idx="2"/>
+          </p:cNvCxnSpPr>
+          <p:nvPr/>
+        </p:nvCxnSpPr>
+        <p:spPr>
+          <a:xfrm rot="5400000">
+            <a:off x="7294096" y="5638354"/>
+            <a:ext cx="539390" cy="902829"/>
+          </a:xfrm>
+          <a:prstGeom prst="bentConnector2">
+            <a:avLst/>
+          </a:prstGeom>
+          <a:ln>
+            <a:headEnd type="triangle"/>
             <a:tailEnd type="triangle"/>
           </a:ln>
         </p:spPr>

--- a/SolutionArchitecture.pptx
+++ b/SolutionArchitecture.pptx
@@ -6,6 +6,7 @@
   </p:sldMasterIdLst>
   <p:sldIdLst>
     <p:sldId id="256" r:id="rId2"/>
+    <p:sldId id="257" r:id="rId3"/>
   </p:sldIdLst>
   <p:sldSz cx="12192000" cy="6858000"/>
   <p:notesSz cx="6858000" cy="9144000"/>
@@ -259,7 +260,7 @@
           <a:p>
             <a:fld id="{BAD81560-E736-4A3E-98FC-5A2607D45314}" type="datetimeFigureOut">
               <a:rPr lang="en-US" smtClean="0"/>
-              <a:t>4/2/2025</a:t>
+              <a:t>5/7/2025</a:t>
             </a:fld>
             <a:endParaRPr lang="en-US"/>
           </a:p>
@@ -457,7 +458,7 @@
           <a:p>
             <a:fld id="{BAD81560-E736-4A3E-98FC-5A2607D45314}" type="datetimeFigureOut">
               <a:rPr lang="en-US" smtClean="0"/>
-              <a:t>4/2/2025</a:t>
+              <a:t>5/7/2025</a:t>
             </a:fld>
             <a:endParaRPr lang="en-US"/>
           </a:p>
@@ -665,7 +666,7 @@
           <a:p>
             <a:fld id="{BAD81560-E736-4A3E-98FC-5A2607D45314}" type="datetimeFigureOut">
               <a:rPr lang="en-US" smtClean="0"/>
-              <a:t>4/2/2025</a:t>
+              <a:t>5/7/2025</a:t>
             </a:fld>
             <a:endParaRPr lang="en-US"/>
           </a:p>
@@ -863,7 +864,7 @@
           <a:p>
             <a:fld id="{BAD81560-E736-4A3E-98FC-5A2607D45314}" type="datetimeFigureOut">
               <a:rPr lang="en-US" smtClean="0"/>
-              <a:t>4/2/2025</a:t>
+              <a:t>5/7/2025</a:t>
             </a:fld>
             <a:endParaRPr lang="en-US"/>
           </a:p>
@@ -1138,7 +1139,7 @@
           <a:p>
             <a:fld id="{BAD81560-E736-4A3E-98FC-5A2607D45314}" type="datetimeFigureOut">
               <a:rPr lang="en-US" smtClean="0"/>
-              <a:t>4/2/2025</a:t>
+              <a:t>5/7/2025</a:t>
             </a:fld>
             <a:endParaRPr lang="en-US"/>
           </a:p>
@@ -1403,7 +1404,7 @@
           <a:p>
             <a:fld id="{BAD81560-E736-4A3E-98FC-5A2607D45314}" type="datetimeFigureOut">
               <a:rPr lang="en-US" smtClean="0"/>
-              <a:t>4/2/2025</a:t>
+              <a:t>5/7/2025</a:t>
             </a:fld>
             <a:endParaRPr lang="en-US"/>
           </a:p>
@@ -1815,7 +1816,7 @@
           <a:p>
             <a:fld id="{BAD81560-E736-4A3E-98FC-5A2607D45314}" type="datetimeFigureOut">
               <a:rPr lang="en-US" smtClean="0"/>
-              <a:t>4/2/2025</a:t>
+              <a:t>5/7/2025</a:t>
             </a:fld>
             <a:endParaRPr lang="en-US"/>
           </a:p>
@@ -1956,7 +1957,7 @@
           <a:p>
             <a:fld id="{BAD81560-E736-4A3E-98FC-5A2607D45314}" type="datetimeFigureOut">
               <a:rPr lang="en-US" smtClean="0"/>
-              <a:t>4/2/2025</a:t>
+              <a:t>5/7/2025</a:t>
             </a:fld>
             <a:endParaRPr lang="en-US"/>
           </a:p>
@@ -2069,7 +2070,7 @@
           <a:p>
             <a:fld id="{BAD81560-E736-4A3E-98FC-5A2607D45314}" type="datetimeFigureOut">
               <a:rPr lang="en-US" smtClean="0"/>
-              <a:t>4/2/2025</a:t>
+              <a:t>5/7/2025</a:t>
             </a:fld>
             <a:endParaRPr lang="en-US"/>
           </a:p>
@@ -2380,7 +2381,7 @@
           <a:p>
             <a:fld id="{BAD81560-E736-4A3E-98FC-5A2607D45314}" type="datetimeFigureOut">
               <a:rPr lang="en-US" smtClean="0"/>
-              <a:t>4/2/2025</a:t>
+              <a:t>5/7/2025</a:t>
             </a:fld>
             <a:endParaRPr lang="en-US"/>
           </a:p>
@@ -2668,7 +2669,7 @@
           <a:p>
             <a:fld id="{BAD81560-E736-4A3E-98FC-5A2607D45314}" type="datetimeFigureOut">
               <a:rPr lang="en-US" smtClean="0"/>
-              <a:t>4/2/2025</a:t>
+              <a:t>5/7/2025</a:t>
             </a:fld>
             <a:endParaRPr lang="en-US"/>
           </a:p>
@@ -2909,7 +2910,7 @@
           <a:p>
             <a:fld id="{BAD81560-E736-4A3E-98FC-5A2607D45314}" type="datetimeFigureOut">
               <a:rPr lang="en-US" smtClean="0"/>
-              <a:t>4/2/2025</a:t>
+              <a:t>5/7/2025</a:t>
             </a:fld>
             <a:endParaRPr lang="en-US"/>
           </a:p>
@@ -7028,6 +7029,2866 @@
     <p:extLst>
       <p:ext uri="{BB962C8B-B14F-4D97-AF65-F5344CB8AC3E}">
         <p14:creationId xmlns:p14="http://schemas.microsoft.com/office/powerpoint/2010/main" val="1863836544"/>
+      </p:ext>
+    </p:extLst>
+  </p:cSld>
+  <p:clrMapOvr>
+    <a:masterClrMapping/>
+  </p:clrMapOvr>
+</p:sld>
+</file>
+
+<file path=ppt/slides/slide2.xml><?xml version="1.0" encoding="utf-8"?>
+<p:sld xmlns:a="http://schemas.openxmlformats.org/drawingml/2006/main" xmlns:r="http://schemas.openxmlformats.org/officeDocument/2006/relationships" xmlns:p="http://schemas.openxmlformats.org/presentationml/2006/main">
+  <p:cSld>
+    <p:spTree>
+      <p:nvGrpSpPr>
+        <p:cNvPr id="1" name="">
+          <a:extLst>
+            <a:ext uri="{FF2B5EF4-FFF2-40B4-BE49-F238E27FC236}">
+              <a16:creationId xmlns:a16="http://schemas.microsoft.com/office/drawing/2014/main" id="{DCED9538-5132-3C41-E1C9-E51CA0C71654}"/>
+            </a:ext>
+          </a:extLst>
+        </p:cNvPr>
+        <p:cNvGrpSpPr/>
+        <p:nvPr/>
+      </p:nvGrpSpPr>
+      <p:grpSpPr>
+        <a:xfrm>
+          <a:off x="0" y="0"/>
+          <a:ext cx="0" cy="0"/>
+          <a:chOff x="0" y="0"/>
+          <a:chExt cx="0" cy="0"/>
+        </a:xfrm>
+      </p:grpSpPr>
+      <p:pic>
+        <p:nvPicPr>
+          <p:cNvPr id="1026" name="Picture 2" descr="Python Programming Language icon SVG Vector &amp; PNG Free Download | UXWing">
+            <a:extLst>
+              <a:ext uri="{FF2B5EF4-FFF2-40B4-BE49-F238E27FC236}">
+                <a16:creationId xmlns:a16="http://schemas.microsoft.com/office/drawing/2014/main" id="{1CE46F1D-049E-7362-5F6E-8698F1A2E375}"/>
+              </a:ext>
+            </a:extLst>
+          </p:cNvPr>
+          <p:cNvPicPr>
+            <a:picLocks noChangeAspect="1" noChangeArrowheads="1"/>
+          </p:cNvPicPr>
+          <p:nvPr/>
+        </p:nvPicPr>
+        <p:blipFill>
+          <a:blip r:embed="rId2">
+            <a:extLst>
+              <a:ext uri="{28A0092B-C50C-407E-A947-70E740481C1C}">
+                <a14:useLocalDpi xmlns:a14="http://schemas.microsoft.com/office/drawing/2010/main" val="0"/>
+              </a:ext>
+            </a:extLst>
+          </a:blip>
+          <a:srcRect/>
+          <a:stretch>
+            <a:fillRect/>
+          </a:stretch>
+        </p:blipFill>
+        <p:spPr bwMode="auto">
+          <a:xfrm>
+            <a:off x="609600" y="1279176"/>
+            <a:ext cx="352751" cy="380346"/>
+          </a:xfrm>
+          <a:prstGeom prst="rect">
+            <a:avLst/>
+          </a:prstGeom>
+          <a:noFill/>
+          <a:extLst>
+            <a:ext uri="{909E8E84-426E-40DD-AFC4-6F175D3DCCD1}">
+              <a14:hiddenFill xmlns:a14="http://schemas.microsoft.com/office/drawing/2010/main">
+                <a:solidFill>
+                  <a:srgbClr val="FFFFFF"/>
+                </a:solidFill>
+              </a14:hiddenFill>
+            </a:ext>
+          </a:extLst>
+        </p:spPr>
+      </p:pic>
+      <p:pic>
+        <p:nvPicPr>
+          <p:cNvPr id="1028" name="Picture 4" descr="gaction (Branding Logo For Github Actions) · GitHub">
+            <a:extLst>
+              <a:ext uri="{FF2B5EF4-FFF2-40B4-BE49-F238E27FC236}">
+                <a16:creationId xmlns:a16="http://schemas.microsoft.com/office/drawing/2014/main" id="{75D5BD41-0E53-642C-E5A9-25FCC94E973F}"/>
+              </a:ext>
+            </a:extLst>
+          </p:cNvPr>
+          <p:cNvPicPr>
+            <a:picLocks noChangeAspect="1" noChangeArrowheads="1"/>
+          </p:cNvPicPr>
+          <p:nvPr/>
+        </p:nvPicPr>
+        <p:blipFill>
+          <a:blip r:embed="rId3">
+            <a:extLst>
+              <a:ext uri="{28A0092B-C50C-407E-A947-70E740481C1C}">
+                <a14:useLocalDpi xmlns:a14="http://schemas.microsoft.com/office/drawing/2010/main" val="0"/>
+              </a:ext>
+            </a:extLst>
+          </a:blip>
+          <a:srcRect/>
+          <a:stretch>
+            <a:fillRect/>
+          </a:stretch>
+        </p:blipFill>
+        <p:spPr bwMode="auto">
+          <a:xfrm>
+            <a:off x="9772766" y="1277125"/>
+            <a:ext cx="352312" cy="380346"/>
+          </a:xfrm>
+          <a:prstGeom prst="rect">
+            <a:avLst/>
+          </a:prstGeom>
+          <a:noFill/>
+          <a:extLst>
+            <a:ext uri="{909E8E84-426E-40DD-AFC4-6F175D3DCCD1}">
+              <a14:hiddenFill xmlns:a14="http://schemas.microsoft.com/office/drawing/2010/main">
+                <a:solidFill>
+                  <a:srgbClr val="FFFFFF"/>
+                </a:solidFill>
+              </a14:hiddenFill>
+            </a:ext>
+          </a:extLst>
+        </p:spPr>
+      </p:pic>
+      <p:sp>
+        <p:nvSpPr>
+          <p:cNvPr id="9" name="TextBox 8">
+            <a:extLst>
+              <a:ext uri="{FF2B5EF4-FFF2-40B4-BE49-F238E27FC236}">
+                <a16:creationId xmlns:a16="http://schemas.microsoft.com/office/drawing/2014/main" id="{DB18C347-C4D7-FA14-5D89-B0BA89299321}"/>
+              </a:ext>
+            </a:extLst>
+          </p:cNvPr>
+          <p:cNvSpPr txBox="1"/>
+          <p:nvPr/>
+        </p:nvSpPr>
+        <p:spPr>
+          <a:xfrm>
+            <a:off x="9696445" y="1630325"/>
+            <a:ext cx="534281" cy="400110"/>
+          </a:xfrm>
+          <a:prstGeom prst="rect">
+            <a:avLst/>
+          </a:prstGeom>
+          <a:noFill/>
+        </p:spPr>
+        <p:txBody>
+          <a:bodyPr wrap="square" lIns="0" rIns="0" rtlCol="0">
+            <a:spAutoFit/>
+          </a:bodyPr>
+          <a:lstStyle>
+            <a:defPPr>
+              <a:defRPr lang="en-US"/>
+            </a:defPPr>
+            <a:lvl1pPr algn="ctr">
+              <a:defRPr sz="1000">
+                <a:latin typeface="Calibri" panose="020F0502020204030204" pitchFamily="34" charset="0"/>
+                <a:ea typeface="Calibri" panose="020F0502020204030204" pitchFamily="34" charset="0"/>
+                <a:cs typeface="Calibri" panose="020F0502020204030204" pitchFamily="34" charset="0"/>
+              </a:defRPr>
+            </a:lvl1pPr>
+          </a:lstStyle>
+          <a:p>
+            <a:r>
+              <a:rPr lang="en-US" dirty="0"/>
+              <a:t>GitHub Actions</a:t>
+            </a:r>
+          </a:p>
+        </p:txBody>
+      </p:sp>
+      <p:pic>
+        <p:nvPicPr>
+          <p:cNvPr id="1030" name="Picture 6" descr="Github Logo - Free social media icons">
+            <a:extLst>
+              <a:ext uri="{FF2B5EF4-FFF2-40B4-BE49-F238E27FC236}">
+                <a16:creationId xmlns:a16="http://schemas.microsoft.com/office/drawing/2014/main" id="{11508580-6F14-97A9-921D-975F5292FE81}"/>
+              </a:ext>
+            </a:extLst>
+          </p:cNvPr>
+          <p:cNvPicPr>
+            <a:picLocks noChangeAspect="1" noChangeArrowheads="1"/>
+          </p:cNvPicPr>
+          <p:nvPr/>
+        </p:nvPicPr>
+        <p:blipFill>
+          <a:blip r:embed="rId4">
+            <a:extLst>
+              <a:ext uri="{28A0092B-C50C-407E-A947-70E740481C1C}">
+                <a14:useLocalDpi xmlns:a14="http://schemas.microsoft.com/office/drawing/2010/main" val="0"/>
+              </a:ext>
+            </a:extLst>
+          </a:blip>
+          <a:srcRect/>
+          <a:stretch>
+            <a:fillRect/>
+          </a:stretch>
+        </p:blipFill>
+        <p:spPr bwMode="auto">
+          <a:xfrm>
+            <a:off x="7018871" y="1277125"/>
+            <a:ext cx="352751" cy="380497"/>
+          </a:xfrm>
+          <a:prstGeom prst="rect">
+            <a:avLst/>
+          </a:prstGeom>
+          <a:noFill/>
+          <a:extLst>
+            <a:ext uri="{909E8E84-426E-40DD-AFC4-6F175D3DCCD1}">
+              <a14:hiddenFill xmlns:a14="http://schemas.microsoft.com/office/drawing/2010/main">
+                <a:solidFill>
+                  <a:srgbClr val="FFFFFF"/>
+                </a:solidFill>
+              </a14:hiddenFill>
+            </a:ext>
+          </a:extLst>
+        </p:spPr>
+      </p:pic>
+      <p:sp>
+        <p:nvSpPr>
+          <p:cNvPr id="11" name="TextBox 10">
+            <a:extLst>
+              <a:ext uri="{FF2B5EF4-FFF2-40B4-BE49-F238E27FC236}">
+                <a16:creationId xmlns:a16="http://schemas.microsoft.com/office/drawing/2014/main" id="{78723CFA-8C50-F835-0C0D-FCAFBF299D10}"/>
+              </a:ext>
+            </a:extLst>
+          </p:cNvPr>
+          <p:cNvSpPr txBox="1"/>
+          <p:nvPr/>
+        </p:nvSpPr>
+        <p:spPr>
+          <a:xfrm>
+            <a:off x="6880048" y="1593058"/>
+            <a:ext cx="666599" cy="246221"/>
+          </a:xfrm>
+          <a:prstGeom prst="rect">
+            <a:avLst/>
+          </a:prstGeom>
+          <a:noFill/>
+        </p:spPr>
+        <p:txBody>
+          <a:bodyPr wrap="square" lIns="0" rIns="0" rtlCol="0">
+            <a:spAutoFit/>
+          </a:bodyPr>
+          <a:lstStyle>
+            <a:defPPr>
+              <a:defRPr lang="en-US"/>
+            </a:defPPr>
+            <a:lvl1pPr algn="ctr">
+              <a:defRPr sz="1000">
+                <a:latin typeface="Calibri" panose="020F0502020204030204" pitchFamily="34" charset="0"/>
+                <a:ea typeface="Calibri" panose="020F0502020204030204" pitchFamily="34" charset="0"/>
+                <a:cs typeface="Calibri" panose="020F0502020204030204" pitchFamily="34" charset="0"/>
+              </a:defRPr>
+            </a:lvl1pPr>
+          </a:lstStyle>
+          <a:p>
+            <a:r>
+              <a:rPr lang="en-US" dirty="0"/>
+              <a:t>GitHub Repo</a:t>
+            </a:r>
+          </a:p>
+        </p:txBody>
+      </p:sp>
+      <p:pic>
+        <p:nvPicPr>
+          <p:cNvPr id="1032" name="Picture 8">
+            <a:extLst>
+              <a:ext uri="{FF2B5EF4-FFF2-40B4-BE49-F238E27FC236}">
+                <a16:creationId xmlns:a16="http://schemas.microsoft.com/office/drawing/2014/main" id="{74089EAB-16DC-49B9-5B4D-A60D3989B704}"/>
+              </a:ext>
+            </a:extLst>
+          </p:cNvPr>
+          <p:cNvPicPr>
+            <a:picLocks noChangeAspect="1" noChangeArrowheads="1"/>
+          </p:cNvPicPr>
+          <p:nvPr/>
+        </p:nvPicPr>
+        <p:blipFill>
+          <a:blip r:embed="rId5">
+            <a:extLst>
+              <a:ext uri="{28A0092B-C50C-407E-A947-70E740481C1C}">
+                <a14:useLocalDpi xmlns:a14="http://schemas.microsoft.com/office/drawing/2010/main" val="0"/>
+              </a:ext>
+            </a:extLst>
+          </a:blip>
+          <a:srcRect/>
+          <a:stretch>
+            <a:fillRect/>
+          </a:stretch>
+        </p:blipFill>
+        <p:spPr bwMode="auto">
+          <a:xfrm>
+            <a:off x="1250281" y="1279176"/>
+            <a:ext cx="352067" cy="380346"/>
+          </a:xfrm>
+          <a:prstGeom prst="rect">
+            <a:avLst/>
+          </a:prstGeom>
+          <a:noFill/>
+          <a:extLst>
+            <a:ext uri="{909E8E84-426E-40DD-AFC4-6F175D3DCCD1}">
+              <a14:hiddenFill xmlns:a14="http://schemas.microsoft.com/office/drawing/2010/main">
+                <a:solidFill>
+                  <a:srgbClr val="FFFFFF"/>
+                </a:solidFill>
+              </a14:hiddenFill>
+            </a:ext>
+          </a:extLst>
+        </p:spPr>
+      </p:pic>
+      <p:sp>
+        <p:nvSpPr>
+          <p:cNvPr id="12" name="TextBox 11">
+            <a:extLst>
+              <a:ext uri="{FF2B5EF4-FFF2-40B4-BE49-F238E27FC236}">
+                <a16:creationId xmlns:a16="http://schemas.microsoft.com/office/drawing/2014/main" id="{E2EAFA67-CBBE-7647-6B77-0AF427E25832}"/>
+              </a:ext>
+            </a:extLst>
+          </p:cNvPr>
+          <p:cNvSpPr txBox="1"/>
+          <p:nvPr/>
+        </p:nvSpPr>
+        <p:spPr>
+          <a:xfrm>
+            <a:off x="1232710" y="1589049"/>
+            <a:ext cx="450473" cy="246221"/>
+          </a:xfrm>
+          <a:prstGeom prst="rect">
+            <a:avLst/>
+          </a:prstGeom>
+          <a:noFill/>
+        </p:spPr>
+        <p:txBody>
+          <a:bodyPr wrap="square" lIns="0" rIns="0" rtlCol="0">
+            <a:spAutoFit/>
+          </a:bodyPr>
+          <a:lstStyle>
+            <a:defPPr>
+              <a:defRPr lang="en-US"/>
+            </a:defPPr>
+            <a:lvl1pPr algn="ctr">
+              <a:defRPr sz="1000">
+                <a:latin typeface="Calibri" panose="020F0502020204030204" pitchFamily="34" charset="0"/>
+                <a:ea typeface="Calibri" panose="020F0502020204030204" pitchFamily="34" charset="0"/>
+                <a:cs typeface="Calibri" panose="020F0502020204030204" pitchFamily="34" charset="0"/>
+              </a:defRPr>
+            </a:lvl1pPr>
+          </a:lstStyle>
+          <a:p>
+            <a:r>
+              <a:rPr lang="en-US" dirty="0"/>
+              <a:t>VS Code</a:t>
+            </a:r>
+          </a:p>
+        </p:txBody>
+      </p:sp>
+      <p:pic>
+        <p:nvPicPr>
+          <p:cNvPr id="1034" name="Picture 10" descr="Docker, logo, logos icon - Free download on Iconfinder">
+            <a:extLst>
+              <a:ext uri="{FF2B5EF4-FFF2-40B4-BE49-F238E27FC236}">
+                <a16:creationId xmlns:a16="http://schemas.microsoft.com/office/drawing/2014/main" id="{EFAE52B6-4518-295E-A332-B53EEA736233}"/>
+              </a:ext>
+            </a:extLst>
+          </p:cNvPr>
+          <p:cNvPicPr>
+            <a:picLocks noChangeAspect="1" noChangeArrowheads="1"/>
+          </p:cNvPicPr>
+          <p:nvPr/>
+        </p:nvPicPr>
+        <p:blipFill rotWithShape="1">
+          <a:blip r:embed="rId6">
+            <a:extLst>
+              <a:ext uri="{28A0092B-C50C-407E-A947-70E740481C1C}">
+                <a14:useLocalDpi xmlns:a14="http://schemas.microsoft.com/office/drawing/2010/main" val="0"/>
+              </a:ext>
+            </a:extLst>
+          </a:blip>
+          <a:srcRect b="18487"/>
+          <a:stretch/>
+        </p:blipFill>
+        <p:spPr bwMode="auto">
+          <a:xfrm>
+            <a:off x="10529596" y="1220310"/>
+            <a:ext cx="352751" cy="380346"/>
+          </a:xfrm>
+          <a:prstGeom prst="rect">
+            <a:avLst/>
+          </a:prstGeom>
+          <a:noFill/>
+          <a:extLst>
+            <a:ext uri="{909E8E84-426E-40DD-AFC4-6F175D3DCCD1}">
+              <a14:hiddenFill xmlns:a14="http://schemas.microsoft.com/office/drawing/2010/main">
+                <a:solidFill>
+                  <a:srgbClr val="FFFFFF"/>
+                </a:solidFill>
+              </a14:hiddenFill>
+            </a:ext>
+          </a:extLst>
+        </p:spPr>
+      </p:pic>
+      <p:sp>
+        <p:nvSpPr>
+          <p:cNvPr id="28" name="TextBox 27">
+            <a:extLst>
+              <a:ext uri="{FF2B5EF4-FFF2-40B4-BE49-F238E27FC236}">
+                <a16:creationId xmlns:a16="http://schemas.microsoft.com/office/drawing/2014/main" id="{F163803C-C95A-A853-F304-E1A38372D05C}"/>
+              </a:ext>
+            </a:extLst>
+          </p:cNvPr>
+          <p:cNvSpPr txBox="1"/>
+          <p:nvPr/>
+        </p:nvSpPr>
+        <p:spPr>
+          <a:xfrm>
+            <a:off x="10439389" y="1589048"/>
+            <a:ext cx="534281" cy="400110"/>
+          </a:xfrm>
+          <a:prstGeom prst="rect">
+            <a:avLst/>
+          </a:prstGeom>
+          <a:noFill/>
+        </p:spPr>
+        <p:txBody>
+          <a:bodyPr wrap="square" lIns="0" rIns="0" rtlCol="0">
+            <a:spAutoFit/>
+          </a:bodyPr>
+          <a:lstStyle>
+            <a:defPPr>
+              <a:defRPr lang="en-US"/>
+            </a:defPPr>
+            <a:lvl1pPr algn="ctr">
+              <a:defRPr sz="1000">
+                <a:latin typeface="Calibri" panose="020F0502020204030204" pitchFamily="34" charset="0"/>
+                <a:ea typeface="Calibri" panose="020F0502020204030204" pitchFamily="34" charset="0"/>
+                <a:cs typeface="Calibri" panose="020F0502020204030204" pitchFamily="34" charset="0"/>
+              </a:defRPr>
+            </a:lvl1pPr>
+          </a:lstStyle>
+          <a:p>
+            <a:r>
+              <a:rPr lang="en-US" dirty="0"/>
+              <a:t>Docker</a:t>
+            </a:r>
+          </a:p>
+          <a:p>
+            <a:r>
+              <a:rPr lang="en-US" dirty="0"/>
+              <a:t>Build</a:t>
+            </a:r>
+          </a:p>
+        </p:txBody>
+      </p:sp>
+      <p:pic>
+        <p:nvPicPr>
+          <p:cNvPr id="1038" name="Picture 14" descr="terraform&quot; Icon - Download for free – Iconduck">
+            <a:extLst>
+              <a:ext uri="{FF2B5EF4-FFF2-40B4-BE49-F238E27FC236}">
+                <a16:creationId xmlns:a16="http://schemas.microsoft.com/office/drawing/2014/main" id="{FB992BEA-AF8E-5130-BA23-B7F3633C4758}"/>
+              </a:ext>
+            </a:extLst>
+          </p:cNvPr>
+          <p:cNvPicPr>
+            <a:picLocks noChangeAspect="1" noChangeArrowheads="1"/>
+          </p:cNvPicPr>
+          <p:nvPr/>
+        </p:nvPicPr>
+        <p:blipFill>
+          <a:blip r:embed="rId7">
+            <a:extLst>
+              <a:ext uri="{28A0092B-C50C-407E-A947-70E740481C1C}">
+                <a14:useLocalDpi xmlns:a14="http://schemas.microsoft.com/office/drawing/2010/main" val="0"/>
+              </a:ext>
+            </a:extLst>
+          </a:blip>
+          <a:srcRect/>
+          <a:stretch>
+            <a:fillRect/>
+          </a:stretch>
+        </p:blipFill>
+        <p:spPr bwMode="auto">
+          <a:xfrm>
+            <a:off x="1972421" y="1279176"/>
+            <a:ext cx="352751" cy="376244"/>
+          </a:xfrm>
+          <a:prstGeom prst="rect">
+            <a:avLst/>
+          </a:prstGeom>
+          <a:noFill/>
+          <a:extLst>
+            <a:ext uri="{909E8E84-426E-40DD-AFC4-6F175D3DCCD1}">
+              <a14:hiddenFill xmlns:a14="http://schemas.microsoft.com/office/drawing/2010/main">
+                <a:solidFill>
+                  <a:srgbClr val="FFFFFF"/>
+                </a:solidFill>
+              </a14:hiddenFill>
+            </a:ext>
+          </a:extLst>
+        </p:spPr>
+      </p:pic>
+      <p:pic>
+        <p:nvPicPr>
+          <p:cNvPr id="1040" name="Picture 16" descr="Playwright icon - Free Download PNG &amp; SVG | Streamline">
+            <a:extLst>
+              <a:ext uri="{FF2B5EF4-FFF2-40B4-BE49-F238E27FC236}">
+                <a16:creationId xmlns:a16="http://schemas.microsoft.com/office/drawing/2014/main" id="{CB0DB4A2-6DFC-8CB5-727C-3657155113D8}"/>
+              </a:ext>
+            </a:extLst>
+          </p:cNvPr>
+          <p:cNvPicPr>
+            <a:picLocks noChangeAspect="1" noChangeArrowheads="1"/>
+          </p:cNvPicPr>
+          <p:nvPr/>
+        </p:nvPicPr>
+        <p:blipFill>
+          <a:blip r:embed="rId8">
+            <a:extLst>
+              <a:ext uri="{28A0092B-C50C-407E-A947-70E740481C1C}">
+                <a14:useLocalDpi xmlns:a14="http://schemas.microsoft.com/office/drawing/2010/main" val="0"/>
+              </a:ext>
+            </a:extLst>
+          </a:blip>
+          <a:srcRect/>
+          <a:stretch>
+            <a:fillRect/>
+          </a:stretch>
+        </p:blipFill>
+        <p:spPr bwMode="auto">
+          <a:xfrm>
+            <a:off x="8288682" y="1277125"/>
+            <a:ext cx="352751" cy="380346"/>
+          </a:xfrm>
+          <a:prstGeom prst="rect">
+            <a:avLst/>
+          </a:prstGeom>
+          <a:noFill/>
+          <a:extLst>
+            <a:ext uri="{909E8E84-426E-40DD-AFC4-6F175D3DCCD1}">
+              <a14:hiddenFill xmlns:a14="http://schemas.microsoft.com/office/drawing/2010/main">
+                <a:solidFill>
+                  <a:srgbClr val="FFFFFF"/>
+                </a:solidFill>
+              </a14:hiddenFill>
+            </a:ext>
+          </a:extLst>
+        </p:spPr>
+      </p:pic>
+      <p:sp>
+        <p:nvSpPr>
+          <p:cNvPr id="36" name="TextBox 35">
+            <a:extLst>
+              <a:ext uri="{FF2B5EF4-FFF2-40B4-BE49-F238E27FC236}">
+                <a16:creationId xmlns:a16="http://schemas.microsoft.com/office/drawing/2014/main" id="{825E0026-5169-2F34-C128-68DE7C887F96}"/>
+              </a:ext>
+            </a:extLst>
+          </p:cNvPr>
+          <p:cNvSpPr txBox="1"/>
+          <p:nvPr/>
+        </p:nvSpPr>
+        <p:spPr>
+          <a:xfrm>
+            <a:off x="8167079" y="1539999"/>
+            <a:ext cx="595955" cy="246221"/>
+          </a:xfrm>
+          <a:prstGeom prst="rect">
+            <a:avLst/>
+          </a:prstGeom>
+          <a:noFill/>
+        </p:spPr>
+        <p:txBody>
+          <a:bodyPr wrap="square" lIns="0" rIns="0" rtlCol="0">
+            <a:spAutoFit/>
+          </a:bodyPr>
+          <a:lstStyle>
+            <a:defPPr>
+              <a:defRPr lang="en-US"/>
+            </a:defPPr>
+            <a:lvl1pPr algn="ctr">
+              <a:defRPr sz="1000">
+                <a:latin typeface="Calibri" panose="020F0502020204030204" pitchFamily="34" charset="0"/>
+                <a:ea typeface="Calibri" panose="020F0502020204030204" pitchFamily="34" charset="0"/>
+                <a:cs typeface="Calibri" panose="020F0502020204030204" pitchFamily="34" charset="0"/>
+              </a:defRPr>
+            </a:lvl1pPr>
+          </a:lstStyle>
+          <a:p>
+            <a:r>
+              <a:rPr lang="en-US" dirty="0"/>
+              <a:t>Playwright</a:t>
+            </a:r>
+          </a:p>
+        </p:txBody>
+      </p:sp>
+      <p:sp>
+        <p:nvSpPr>
+          <p:cNvPr id="37" name="TextBox 36">
+            <a:extLst>
+              <a:ext uri="{FF2B5EF4-FFF2-40B4-BE49-F238E27FC236}">
+                <a16:creationId xmlns:a16="http://schemas.microsoft.com/office/drawing/2014/main" id="{6F39930B-E3E9-74DD-FA55-C211610BE3BB}"/>
+              </a:ext>
+            </a:extLst>
+          </p:cNvPr>
+          <p:cNvSpPr txBox="1"/>
+          <p:nvPr/>
+        </p:nvSpPr>
+        <p:spPr>
+          <a:xfrm>
+            <a:off x="541862" y="1589050"/>
+            <a:ext cx="488225" cy="246221"/>
+          </a:xfrm>
+          <a:prstGeom prst="rect">
+            <a:avLst/>
+          </a:prstGeom>
+          <a:noFill/>
+        </p:spPr>
+        <p:txBody>
+          <a:bodyPr wrap="square" lIns="0" rIns="0" rtlCol="0">
+            <a:spAutoFit/>
+          </a:bodyPr>
+          <a:lstStyle/>
+          <a:p>
+            <a:pPr algn="ctr"/>
+            <a:r>
+              <a:rPr lang="en-US" sz="1000" dirty="0">
+                <a:latin typeface="Calibri" panose="020F0502020204030204" pitchFamily="34" charset="0"/>
+                <a:ea typeface="Calibri" panose="020F0502020204030204" pitchFamily="34" charset="0"/>
+                <a:cs typeface="Calibri" panose="020F0502020204030204" pitchFamily="34" charset="0"/>
+              </a:rPr>
+              <a:t>Python</a:t>
+            </a:r>
+          </a:p>
+        </p:txBody>
+      </p:sp>
+      <p:pic>
+        <p:nvPicPr>
+          <p:cNvPr id="1042" name="Picture 18" descr="GitHub Actions SVG and transparent PNG icons | TechIcons">
+            <a:extLst>
+              <a:ext uri="{FF2B5EF4-FFF2-40B4-BE49-F238E27FC236}">
+                <a16:creationId xmlns:a16="http://schemas.microsoft.com/office/drawing/2014/main" id="{459C6454-92B6-2A68-69C0-33B638418A7C}"/>
+              </a:ext>
+            </a:extLst>
+          </p:cNvPr>
+          <p:cNvPicPr>
+            <a:picLocks noChangeAspect="1" noChangeArrowheads="1"/>
+          </p:cNvPicPr>
+          <p:nvPr/>
+        </p:nvPicPr>
+        <p:blipFill>
+          <a:blip r:embed="rId9">
+            <a:extLst>
+              <a:ext uri="{28A0092B-C50C-407E-A947-70E740481C1C}">
+                <a14:useLocalDpi xmlns:a14="http://schemas.microsoft.com/office/drawing/2010/main" val="0"/>
+              </a:ext>
+            </a:extLst>
+          </a:blip>
+          <a:srcRect/>
+          <a:stretch>
+            <a:fillRect/>
+          </a:stretch>
+        </p:blipFill>
+        <p:spPr bwMode="auto">
+          <a:xfrm>
+            <a:off x="8973776" y="1326923"/>
+            <a:ext cx="352751" cy="380346"/>
+          </a:xfrm>
+          <a:prstGeom prst="rect">
+            <a:avLst/>
+          </a:prstGeom>
+          <a:noFill/>
+          <a:extLst>
+            <a:ext uri="{909E8E84-426E-40DD-AFC4-6F175D3DCCD1}">
+              <a14:hiddenFill xmlns:a14="http://schemas.microsoft.com/office/drawing/2010/main">
+                <a:solidFill>
+                  <a:srgbClr val="FFFFFF"/>
+                </a:solidFill>
+              </a14:hiddenFill>
+            </a:ext>
+          </a:extLst>
+        </p:spPr>
+      </p:pic>
+      <p:sp>
+        <p:nvSpPr>
+          <p:cNvPr id="39" name="TextBox 38">
+            <a:extLst>
+              <a:ext uri="{FF2B5EF4-FFF2-40B4-BE49-F238E27FC236}">
+                <a16:creationId xmlns:a16="http://schemas.microsoft.com/office/drawing/2014/main" id="{A3DF5376-215F-BF2B-B974-ED694F8ED020}"/>
+              </a:ext>
+            </a:extLst>
+          </p:cNvPr>
+          <p:cNvSpPr txBox="1"/>
+          <p:nvPr/>
+        </p:nvSpPr>
+        <p:spPr>
+          <a:xfrm>
+            <a:off x="8870320" y="1630325"/>
+            <a:ext cx="617462" cy="400110"/>
+          </a:xfrm>
+          <a:prstGeom prst="rect">
+            <a:avLst/>
+          </a:prstGeom>
+          <a:noFill/>
+        </p:spPr>
+        <p:txBody>
+          <a:bodyPr wrap="square" lIns="0" rIns="0" rtlCol="0">
+            <a:spAutoFit/>
+          </a:bodyPr>
+          <a:lstStyle>
+            <a:defPPr>
+              <a:defRPr lang="en-US"/>
+            </a:defPPr>
+            <a:lvl1pPr algn="ctr">
+              <a:defRPr sz="1000">
+                <a:latin typeface="Calibri" panose="020F0502020204030204" pitchFamily="34" charset="0"/>
+                <a:ea typeface="Calibri" panose="020F0502020204030204" pitchFamily="34" charset="0"/>
+                <a:cs typeface="Calibri" panose="020F0502020204030204" pitchFamily="34" charset="0"/>
+              </a:defRPr>
+            </a:lvl1pPr>
+          </a:lstStyle>
+          <a:p>
+            <a:r>
+              <a:rPr lang="en-US" dirty="0"/>
+              <a:t>GitHub Workflow</a:t>
+            </a:r>
+          </a:p>
+        </p:txBody>
+      </p:sp>
+      <p:pic>
+        <p:nvPicPr>
+          <p:cNvPr id="1044" name="Picture 20" descr="Auth0&quot; Icon - Download for free – Iconduck">
+            <a:extLst>
+              <a:ext uri="{FF2B5EF4-FFF2-40B4-BE49-F238E27FC236}">
+                <a16:creationId xmlns:a16="http://schemas.microsoft.com/office/drawing/2014/main" id="{EB9C5265-C121-2934-552F-01EFBE2F1F0A}"/>
+              </a:ext>
+            </a:extLst>
+          </p:cNvPr>
+          <p:cNvPicPr>
+            <a:picLocks noChangeAspect="1" noChangeArrowheads="1"/>
+          </p:cNvPicPr>
+          <p:nvPr/>
+        </p:nvPicPr>
+        <p:blipFill>
+          <a:blip r:embed="rId10">
+            <a:extLst>
+              <a:ext uri="{28A0092B-C50C-407E-A947-70E740481C1C}">
+                <a14:useLocalDpi xmlns:a14="http://schemas.microsoft.com/office/drawing/2010/main" val="0"/>
+              </a:ext>
+            </a:extLst>
+          </a:blip>
+          <a:srcRect/>
+          <a:stretch>
+            <a:fillRect/>
+          </a:stretch>
+        </p:blipFill>
+        <p:spPr bwMode="auto">
+          <a:xfrm>
+            <a:off x="609600" y="2637478"/>
+            <a:ext cx="352751" cy="380346"/>
+          </a:xfrm>
+          <a:prstGeom prst="rect">
+            <a:avLst/>
+          </a:prstGeom>
+          <a:noFill/>
+          <a:extLst>
+            <a:ext uri="{909E8E84-426E-40DD-AFC4-6F175D3DCCD1}">
+              <a14:hiddenFill xmlns:a14="http://schemas.microsoft.com/office/drawing/2010/main">
+                <a:solidFill>
+                  <a:srgbClr val="FFFFFF"/>
+                </a:solidFill>
+              </a14:hiddenFill>
+            </a:ext>
+          </a:extLst>
+        </p:spPr>
+      </p:pic>
+      <p:sp>
+        <p:nvSpPr>
+          <p:cNvPr id="43" name="TextBox 42">
+            <a:extLst>
+              <a:ext uri="{FF2B5EF4-FFF2-40B4-BE49-F238E27FC236}">
+                <a16:creationId xmlns:a16="http://schemas.microsoft.com/office/drawing/2014/main" id="{89F6630A-0778-9411-4D69-E4875D9F92E9}"/>
+              </a:ext>
+            </a:extLst>
+          </p:cNvPr>
+          <p:cNvSpPr txBox="1"/>
+          <p:nvPr/>
+        </p:nvSpPr>
+        <p:spPr>
+          <a:xfrm>
+            <a:off x="553695" y="3006985"/>
+            <a:ext cx="476392" cy="246221"/>
+          </a:xfrm>
+          <a:prstGeom prst="rect">
+            <a:avLst/>
+          </a:prstGeom>
+          <a:noFill/>
+        </p:spPr>
+        <p:txBody>
+          <a:bodyPr wrap="square" lIns="0" rIns="0" rtlCol="0">
+            <a:spAutoFit/>
+          </a:bodyPr>
+          <a:lstStyle>
+            <a:defPPr>
+              <a:defRPr lang="en-US"/>
+            </a:defPPr>
+            <a:lvl1pPr algn="ctr">
+              <a:defRPr sz="1000">
+                <a:latin typeface="Calibri" panose="020F0502020204030204" pitchFamily="34" charset="0"/>
+                <a:ea typeface="Calibri" panose="020F0502020204030204" pitchFamily="34" charset="0"/>
+                <a:cs typeface="Calibri" panose="020F0502020204030204" pitchFamily="34" charset="0"/>
+              </a:defRPr>
+            </a:lvl1pPr>
+          </a:lstStyle>
+          <a:p>
+            <a:r>
+              <a:rPr lang="en-US" dirty="0"/>
+              <a:t>Auth0</a:t>
+            </a:r>
+          </a:p>
+        </p:txBody>
+      </p:sp>
+      <p:pic>
+        <p:nvPicPr>
+          <p:cNvPr id="1046" name="Picture 22" descr="Twilio SendGrid Logo">
+            <a:extLst>
+              <a:ext uri="{FF2B5EF4-FFF2-40B4-BE49-F238E27FC236}">
+                <a16:creationId xmlns:a16="http://schemas.microsoft.com/office/drawing/2014/main" id="{77D0292E-1735-FD2B-60AF-9277DD7263B2}"/>
+              </a:ext>
+            </a:extLst>
+          </p:cNvPr>
+          <p:cNvPicPr>
+            <a:picLocks noChangeAspect="1" noChangeArrowheads="1"/>
+          </p:cNvPicPr>
+          <p:nvPr/>
+        </p:nvPicPr>
+        <p:blipFill>
+          <a:blip r:embed="rId11">
+            <a:extLst>
+              <a:ext uri="{28A0092B-C50C-407E-A947-70E740481C1C}">
+                <a14:useLocalDpi xmlns:a14="http://schemas.microsoft.com/office/drawing/2010/main" val="0"/>
+              </a:ext>
+            </a:extLst>
+          </a:blip>
+          <a:srcRect/>
+          <a:stretch>
+            <a:fillRect/>
+          </a:stretch>
+        </p:blipFill>
+        <p:spPr bwMode="auto">
+          <a:xfrm>
+            <a:off x="1281570" y="2637478"/>
+            <a:ext cx="352751" cy="366539"/>
+          </a:xfrm>
+          <a:prstGeom prst="rect">
+            <a:avLst/>
+          </a:prstGeom>
+          <a:noFill/>
+          <a:extLst>
+            <a:ext uri="{909E8E84-426E-40DD-AFC4-6F175D3DCCD1}">
+              <a14:hiddenFill xmlns:a14="http://schemas.microsoft.com/office/drawing/2010/main">
+                <a:solidFill>
+                  <a:srgbClr val="FFFFFF"/>
+                </a:solidFill>
+              </a14:hiddenFill>
+            </a:ext>
+          </a:extLst>
+        </p:spPr>
+      </p:pic>
+      <p:sp>
+        <p:nvSpPr>
+          <p:cNvPr id="48" name="TextBox 47">
+            <a:extLst>
+              <a:ext uri="{FF2B5EF4-FFF2-40B4-BE49-F238E27FC236}">
+                <a16:creationId xmlns:a16="http://schemas.microsoft.com/office/drawing/2014/main" id="{69A0EB29-8AD0-2ACD-A0D4-03979A0051C4}"/>
+              </a:ext>
+            </a:extLst>
+          </p:cNvPr>
+          <p:cNvSpPr txBox="1"/>
+          <p:nvPr/>
+        </p:nvSpPr>
+        <p:spPr>
+          <a:xfrm>
+            <a:off x="1161835" y="3004017"/>
+            <a:ext cx="528958" cy="246221"/>
+          </a:xfrm>
+          <a:prstGeom prst="rect">
+            <a:avLst/>
+          </a:prstGeom>
+          <a:noFill/>
+        </p:spPr>
+        <p:txBody>
+          <a:bodyPr wrap="square" lIns="0" rIns="0" rtlCol="0">
+            <a:spAutoFit/>
+          </a:bodyPr>
+          <a:lstStyle>
+            <a:defPPr>
+              <a:defRPr lang="en-US"/>
+            </a:defPPr>
+            <a:lvl1pPr algn="ctr">
+              <a:defRPr sz="1000">
+                <a:latin typeface="Calibri" panose="020F0502020204030204" pitchFamily="34" charset="0"/>
+                <a:ea typeface="Calibri" panose="020F0502020204030204" pitchFamily="34" charset="0"/>
+                <a:cs typeface="Calibri" panose="020F0502020204030204" pitchFamily="34" charset="0"/>
+              </a:defRPr>
+            </a:lvl1pPr>
+          </a:lstStyle>
+          <a:p>
+            <a:r>
+              <a:rPr lang="en-US" dirty="0"/>
+              <a:t>SendGrid</a:t>
+            </a:r>
+          </a:p>
+        </p:txBody>
+      </p:sp>
+      <p:pic>
+        <p:nvPicPr>
+          <p:cNvPr id="1048" name="Picture 24" descr="Email Icon Blue transparent PNG - StickPNG">
+            <a:extLst>
+              <a:ext uri="{FF2B5EF4-FFF2-40B4-BE49-F238E27FC236}">
+                <a16:creationId xmlns:a16="http://schemas.microsoft.com/office/drawing/2014/main" id="{42367507-96B2-E8AA-8E82-39D22E47D946}"/>
+              </a:ext>
+            </a:extLst>
+          </p:cNvPr>
+          <p:cNvPicPr>
+            <a:picLocks noChangeAspect="1" noChangeArrowheads="1"/>
+          </p:cNvPicPr>
+          <p:nvPr/>
+        </p:nvPicPr>
+        <p:blipFill>
+          <a:blip r:embed="rId12">
+            <a:extLst>
+              <a:ext uri="{28A0092B-C50C-407E-A947-70E740481C1C}">
+                <a14:useLocalDpi xmlns:a14="http://schemas.microsoft.com/office/drawing/2010/main" val="0"/>
+              </a:ext>
+            </a:extLst>
+          </a:blip>
+          <a:srcRect/>
+          <a:stretch>
+            <a:fillRect/>
+          </a:stretch>
+        </p:blipFill>
+        <p:spPr bwMode="auto">
+          <a:xfrm>
+            <a:off x="3373719" y="2630574"/>
+            <a:ext cx="352751" cy="380346"/>
+          </a:xfrm>
+          <a:prstGeom prst="rect">
+            <a:avLst/>
+          </a:prstGeom>
+          <a:noFill/>
+          <a:extLst>
+            <a:ext uri="{909E8E84-426E-40DD-AFC4-6F175D3DCCD1}">
+              <a14:hiddenFill xmlns:a14="http://schemas.microsoft.com/office/drawing/2010/main">
+                <a:solidFill>
+                  <a:srgbClr val="FFFFFF"/>
+                </a:solidFill>
+              </a14:hiddenFill>
+            </a:ext>
+          </a:extLst>
+        </p:spPr>
+      </p:pic>
+      <p:pic>
+        <p:nvPicPr>
+          <p:cNvPr id="1050" name="Picture 26" descr="End-user | Definition">
+            <a:extLst>
+              <a:ext uri="{FF2B5EF4-FFF2-40B4-BE49-F238E27FC236}">
+                <a16:creationId xmlns:a16="http://schemas.microsoft.com/office/drawing/2014/main" id="{65596FA5-56AA-240B-7D82-E55B598CA769}"/>
+              </a:ext>
+            </a:extLst>
+          </p:cNvPr>
+          <p:cNvPicPr>
+            <a:picLocks noChangeAspect="1" noChangeArrowheads="1"/>
+          </p:cNvPicPr>
+          <p:nvPr/>
+        </p:nvPicPr>
+        <p:blipFill>
+          <a:blip r:embed="rId13">
+            <a:extLst>
+              <a:ext uri="{28A0092B-C50C-407E-A947-70E740481C1C}">
+                <a14:useLocalDpi xmlns:a14="http://schemas.microsoft.com/office/drawing/2010/main" val="0"/>
+              </a:ext>
+            </a:extLst>
+          </a:blip>
+          <a:srcRect/>
+          <a:stretch>
+            <a:fillRect/>
+          </a:stretch>
+        </p:blipFill>
+        <p:spPr bwMode="auto">
+          <a:xfrm>
+            <a:off x="2066751" y="2637478"/>
+            <a:ext cx="256850" cy="385217"/>
+          </a:xfrm>
+          <a:prstGeom prst="rect">
+            <a:avLst/>
+          </a:prstGeom>
+          <a:noFill/>
+          <a:extLst>
+            <a:ext uri="{909E8E84-426E-40DD-AFC4-6F175D3DCCD1}">
+              <a14:hiddenFill xmlns:a14="http://schemas.microsoft.com/office/drawing/2010/main">
+                <a:solidFill>
+                  <a:srgbClr val="FFFFFF"/>
+                </a:solidFill>
+              </a14:hiddenFill>
+            </a:ext>
+          </a:extLst>
+        </p:spPr>
+      </p:pic>
+      <p:sp>
+        <p:nvSpPr>
+          <p:cNvPr id="57" name="TextBox 56">
+            <a:extLst>
+              <a:ext uri="{FF2B5EF4-FFF2-40B4-BE49-F238E27FC236}">
+                <a16:creationId xmlns:a16="http://schemas.microsoft.com/office/drawing/2014/main" id="{057AAF6D-CE67-826D-5DE2-0DCA799E22C7}"/>
+              </a:ext>
+            </a:extLst>
+          </p:cNvPr>
+          <p:cNvSpPr txBox="1"/>
+          <p:nvPr/>
+        </p:nvSpPr>
+        <p:spPr>
+          <a:xfrm>
+            <a:off x="1901262" y="3017824"/>
+            <a:ext cx="587827" cy="246221"/>
+          </a:xfrm>
+          <a:prstGeom prst="rect">
+            <a:avLst/>
+          </a:prstGeom>
+          <a:noFill/>
+        </p:spPr>
+        <p:txBody>
+          <a:bodyPr wrap="square" lIns="0" rIns="0" rtlCol="0">
+            <a:spAutoFit/>
+          </a:bodyPr>
+          <a:lstStyle>
+            <a:defPPr>
+              <a:defRPr lang="en-US"/>
+            </a:defPPr>
+            <a:lvl1pPr algn="ctr">
+              <a:defRPr sz="1000">
+                <a:latin typeface="Calibri" panose="020F0502020204030204" pitchFamily="34" charset="0"/>
+                <a:ea typeface="Calibri" panose="020F0502020204030204" pitchFamily="34" charset="0"/>
+                <a:cs typeface="Calibri" panose="020F0502020204030204" pitchFamily="34" charset="0"/>
+              </a:defRPr>
+            </a:lvl1pPr>
+          </a:lstStyle>
+          <a:p>
+            <a:r>
+              <a:rPr lang="en-US" dirty="0"/>
+              <a:t>End User</a:t>
+            </a:r>
+          </a:p>
+        </p:txBody>
+      </p:sp>
+      <p:pic>
+        <p:nvPicPr>
+          <p:cNvPr id="1052" name="Picture 28" descr="Cloudflare SVG and transparent PNG icons | TechIcons">
+            <a:extLst>
+              <a:ext uri="{FF2B5EF4-FFF2-40B4-BE49-F238E27FC236}">
+                <a16:creationId xmlns:a16="http://schemas.microsoft.com/office/drawing/2014/main" id="{34C03D85-4EB1-BFED-E12B-6C991EC1DA8A}"/>
+              </a:ext>
+            </a:extLst>
+          </p:cNvPr>
+          <p:cNvPicPr>
+            <a:picLocks noChangeAspect="1" noChangeArrowheads="1"/>
+          </p:cNvPicPr>
+          <p:nvPr/>
+        </p:nvPicPr>
+        <p:blipFill rotWithShape="1">
+          <a:blip r:embed="rId14">
+            <a:extLst>
+              <a:ext uri="{28A0092B-C50C-407E-A947-70E740481C1C}">
+                <a14:useLocalDpi xmlns:a14="http://schemas.microsoft.com/office/drawing/2010/main" val="0"/>
+              </a:ext>
+            </a:extLst>
+          </a:blip>
+          <a:srcRect t="23480" b="22055"/>
+          <a:stretch/>
+        </p:blipFill>
+        <p:spPr bwMode="auto">
+          <a:xfrm>
+            <a:off x="10054350" y="2683304"/>
+            <a:ext cx="352751" cy="261078"/>
+          </a:xfrm>
+          <a:prstGeom prst="rect">
+            <a:avLst/>
+          </a:prstGeom>
+          <a:noFill/>
+          <a:extLst>
+            <a:ext uri="{909E8E84-426E-40DD-AFC4-6F175D3DCCD1}">
+              <a14:hiddenFill xmlns:a14="http://schemas.microsoft.com/office/drawing/2010/main">
+                <a:solidFill>
+                  <a:srgbClr val="FFFFFF"/>
+                </a:solidFill>
+              </a14:hiddenFill>
+            </a:ext>
+          </a:extLst>
+        </p:spPr>
+      </p:pic>
+      <p:pic>
+        <p:nvPicPr>
+          <p:cNvPr id="1056" name="Picture 32">
+            <a:extLst>
+              <a:ext uri="{FF2B5EF4-FFF2-40B4-BE49-F238E27FC236}">
+                <a16:creationId xmlns:a16="http://schemas.microsoft.com/office/drawing/2014/main" id="{CCC38B1D-D02B-4A8D-66C9-D726A9607515}"/>
+              </a:ext>
+            </a:extLst>
+          </p:cNvPr>
+          <p:cNvPicPr>
+            <a:picLocks noChangeAspect="1" noChangeArrowheads="1"/>
+          </p:cNvPicPr>
+          <p:nvPr/>
+        </p:nvPicPr>
+        <p:blipFill>
+          <a:blip r:embed="rId15">
+            <a:extLst>
+              <a:ext uri="{28A0092B-C50C-407E-A947-70E740481C1C}">
+                <a14:useLocalDpi xmlns:a14="http://schemas.microsoft.com/office/drawing/2010/main" val="0"/>
+              </a:ext>
+            </a:extLst>
+          </a:blip>
+          <a:srcRect/>
+          <a:stretch>
+            <a:fillRect/>
+          </a:stretch>
+        </p:blipFill>
+        <p:spPr bwMode="auto">
+          <a:xfrm>
+            <a:off x="9318090" y="2637478"/>
+            <a:ext cx="352750" cy="380346"/>
+          </a:xfrm>
+          <a:prstGeom prst="rect">
+            <a:avLst/>
+          </a:prstGeom>
+          <a:noFill/>
+          <a:extLst>
+            <a:ext uri="{909E8E84-426E-40DD-AFC4-6F175D3DCCD1}">
+              <a14:hiddenFill xmlns:a14="http://schemas.microsoft.com/office/drawing/2010/main">
+                <a:solidFill>
+                  <a:srgbClr val="FFFFFF"/>
+                </a:solidFill>
+              </a14:hiddenFill>
+            </a:ext>
+          </a:extLst>
+        </p:spPr>
+      </p:pic>
+      <p:sp>
+        <p:nvSpPr>
+          <p:cNvPr id="1027" name="TextBox 1026">
+            <a:extLst>
+              <a:ext uri="{FF2B5EF4-FFF2-40B4-BE49-F238E27FC236}">
+                <a16:creationId xmlns:a16="http://schemas.microsoft.com/office/drawing/2014/main" id="{A09B0747-3223-656F-95B7-F69055998C05}"/>
+              </a:ext>
+            </a:extLst>
+          </p:cNvPr>
+          <p:cNvSpPr txBox="1"/>
+          <p:nvPr/>
+        </p:nvSpPr>
+        <p:spPr>
+          <a:xfrm>
+            <a:off x="9257914" y="2988775"/>
+            <a:ext cx="459736" cy="400110"/>
+          </a:xfrm>
+          <a:prstGeom prst="rect">
+            <a:avLst/>
+          </a:prstGeom>
+          <a:noFill/>
+        </p:spPr>
+        <p:txBody>
+          <a:bodyPr wrap="square" lIns="0" rIns="0" rtlCol="0">
+            <a:spAutoFit/>
+          </a:bodyPr>
+          <a:lstStyle>
+            <a:defPPr>
+              <a:defRPr lang="en-US"/>
+            </a:defPPr>
+            <a:lvl1pPr algn="ctr">
+              <a:defRPr sz="1000">
+                <a:latin typeface="Calibri" panose="020F0502020204030204" pitchFamily="34" charset="0"/>
+                <a:ea typeface="Calibri" panose="020F0502020204030204" pitchFamily="34" charset="0"/>
+                <a:cs typeface="Calibri" panose="020F0502020204030204" pitchFamily="34" charset="0"/>
+              </a:defRPr>
+            </a:lvl1pPr>
+          </a:lstStyle>
+          <a:p>
+            <a:r>
+              <a:rPr lang="en-US" dirty="0"/>
+              <a:t>Power</a:t>
+            </a:r>
+          </a:p>
+          <a:p>
+            <a:r>
+              <a:rPr lang="en-US" dirty="0"/>
+              <a:t>Shell</a:t>
+            </a:r>
+          </a:p>
+        </p:txBody>
+      </p:sp>
+      <p:sp>
+        <p:nvSpPr>
+          <p:cNvPr id="1058" name="TextBox 1057">
+            <a:extLst>
+              <a:ext uri="{FF2B5EF4-FFF2-40B4-BE49-F238E27FC236}">
+                <a16:creationId xmlns:a16="http://schemas.microsoft.com/office/drawing/2014/main" id="{8AD90DA6-F900-62C8-282E-E08A9CBA293C}"/>
+              </a:ext>
+            </a:extLst>
+          </p:cNvPr>
+          <p:cNvSpPr txBox="1"/>
+          <p:nvPr/>
+        </p:nvSpPr>
+        <p:spPr>
+          <a:xfrm>
+            <a:off x="1770406" y="1589048"/>
+            <a:ext cx="756780" cy="246221"/>
+          </a:xfrm>
+          <a:prstGeom prst="rect">
+            <a:avLst/>
+          </a:prstGeom>
+          <a:noFill/>
+        </p:spPr>
+        <p:txBody>
+          <a:bodyPr wrap="square" lIns="0" rIns="0" rtlCol="0">
+            <a:spAutoFit/>
+          </a:bodyPr>
+          <a:lstStyle>
+            <a:defPPr>
+              <a:defRPr lang="en-US"/>
+            </a:defPPr>
+            <a:lvl1pPr algn="ctr">
+              <a:defRPr sz="1000">
+                <a:latin typeface="Calibri" panose="020F0502020204030204" pitchFamily="34" charset="0"/>
+                <a:ea typeface="Calibri" panose="020F0502020204030204" pitchFamily="34" charset="0"/>
+                <a:cs typeface="Calibri" panose="020F0502020204030204" pitchFamily="34" charset="0"/>
+              </a:defRPr>
+            </a:lvl1pPr>
+          </a:lstStyle>
+          <a:p>
+            <a:r>
+              <a:rPr lang="en-US" dirty="0"/>
+              <a:t>Terraform</a:t>
+            </a:r>
+          </a:p>
+        </p:txBody>
+      </p:sp>
+      <p:pic>
+        <p:nvPicPr>
+          <p:cNvPr id="1064" name="Picture 34" descr="S3 Bucket with Objects | AWS Storage">
+            <a:extLst>
+              <a:ext uri="{FF2B5EF4-FFF2-40B4-BE49-F238E27FC236}">
+                <a16:creationId xmlns:a16="http://schemas.microsoft.com/office/drawing/2014/main" id="{CBE95590-C19F-882C-B79E-05A0C24E2B1D}"/>
+              </a:ext>
+            </a:extLst>
+          </p:cNvPr>
+          <p:cNvPicPr>
+            <a:picLocks noChangeAspect="1" noChangeArrowheads="1"/>
+          </p:cNvPicPr>
+          <p:nvPr/>
+        </p:nvPicPr>
+        <p:blipFill>
+          <a:blip r:embed="rId16">
+            <a:extLst>
+              <a:ext uri="{28A0092B-C50C-407E-A947-70E740481C1C}">
+                <a14:useLocalDpi xmlns:a14="http://schemas.microsoft.com/office/drawing/2010/main" val="0"/>
+              </a:ext>
+            </a:extLst>
+          </a:blip>
+          <a:srcRect/>
+          <a:stretch>
+            <a:fillRect/>
+          </a:stretch>
+        </p:blipFill>
+        <p:spPr bwMode="auto">
+          <a:xfrm>
+            <a:off x="4854282" y="1269160"/>
+            <a:ext cx="352751" cy="380346"/>
+          </a:xfrm>
+          <a:prstGeom prst="rect">
+            <a:avLst/>
+          </a:prstGeom>
+          <a:noFill/>
+          <a:extLst>
+            <a:ext uri="{909E8E84-426E-40DD-AFC4-6F175D3DCCD1}">
+              <a14:hiddenFill xmlns:a14="http://schemas.microsoft.com/office/drawing/2010/main">
+                <a:solidFill>
+                  <a:srgbClr val="FFFFFF"/>
+                </a:solidFill>
+              </a14:hiddenFill>
+            </a:ext>
+          </a:extLst>
+        </p:spPr>
+      </p:pic>
+      <p:sp>
+        <p:nvSpPr>
+          <p:cNvPr id="1065" name="TextBox 1064">
+            <a:extLst>
+              <a:ext uri="{FF2B5EF4-FFF2-40B4-BE49-F238E27FC236}">
+                <a16:creationId xmlns:a16="http://schemas.microsoft.com/office/drawing/2014/main" id="{4DFC4C1F-A953-8115-D8F8-625D820464AE}"/>
+              </a:ext>
+            </a:extLst>
+          </p:cNvPr>
+          <p:cNvSpPr txBox="1"/>
+          <p:nvPr/>
+        </p:nvSpPr>
+        <p:spPr>
+          <a:xfrm>
+            <a:off x="4886273" y="1584159"/>
+            <a:ext cx="288767" cy="246221"/>
+          </a:xfrm>
+          <a:prstGeom prst="rect">
+            <a:avLst/>
+          </a:prstGeom>
+          <a:noFill/>
+        </p:spPr>
+        <p:txBody>
+          <a:bodyPr wrap="square" lIns="0" rIns="0" rtlCol="0">
+            <a:spAutoFit/>
+          </a:bodyPr>
+          <a:lstStyle>
+            <a:defPPr>
+              <a:defRPr lang="en-US"/>
+            </a:defPPr>
+            <a:lvl1pPr algn="ctr">
+              <a:defRPr sz="1000">
+                <a:latin typeface="Calibri" panose="020F0502020204030204" pitchFamily="34" charset="0"/>
+                <a:ea typeface="Calibri" panose="020F0502020204030204" pitchFamily="34" charset="0"/>
+                <a:cs typeface="Calibri" panose="020F0502020204030204" pitchFamily="34" charset="0"/>
+              </a:defRPr>
+            </a:lvl1pPr>
+          </a:lstStyle>
+          <a:p>
+            <a:r>
+              <a:rPr lang="en-US" dirty="0"/>
+              <a:t>S3</a:t>
+            </a:r>
+          </a:p>
+        </p:txBody>
+      </p:sp>
+      <p:pic>
+        <p:nvPicPr>
+          <p:cNvPr id="1066" name="Picture 36" descr="5 New Features in AWS Fargate Version 1.4 | Logicata">
+            <a:extLst>
+              <a:ext uri="{FF2B5EF4-FFF2-40B4-BE49-F238E27FC236}">
+                <a16:creationId xmlns:a16="http://schemas.microsoft.com/office/drawing/2014/main" id="{9C1BA5F8-0B9E-1A86-E4D1-CA2CC38F9ADA}"/>
+              </a:ext>
+            </a:extLst>
+          </p:cNvPr>
+          <p:cNvPicPr>
+            <a:picLocks noChangeAspect="1" noChangeArrowheads="1"/>
+          </p:cNvPicPr>
+          <p:nvPr/>
+        </p:nvPicPr>
+        <p:blipFill>
+          <a:blip r:embed="rId17">
+            <a:extLst>
+              <a:ext uri="{28A0092B-C50C-407E-A947-70E740481C1C}">
+                <a14:useLocalDpi xmlns:a14="http://schemas.microsoft.com/office/drawing/2010/main" val="0"/>
+              </a:ext>
+            </a:extLst>
+          </a:blip>
+          <a:srcRect/>
+          <a:stretch>
+            <a:fillRect/>
+          </a:stretch>
+        </p:blipFill>
+        <p:spPr bwMode="auto">
+          <a:xfrm>
+            <a:off x="4026996" y="1275074"/>
+            <a:ext cx="352751" cy="380346"/>
+          </a:xfrm>
+          <a:prstGeom prst="rect">
+            <a:avLst/>
+          </a:prstGeom>
+          <a:noFill/>
+          <a:extLst>
+            <a:ext uri="{909E8E84-426E-40DD-AFC4-6F175D3DCCD1}">
+              <a14:hiddenFill xmlns:a14="http://schemas.microsoft.com/office/drawing/2010/main">
+                <a:solidFill>
+                  <a:srgbClr val="FFFFFF"/>
+                </a:solidFill>
+              </a14:hiddenFill>
+            </a:ext>
+          </a:extLst>
+        </p:spPr>
+      </p:pic>
+      <p:sp>
+        <p:nvSpPr>
+          <p:cNvPr id="1067" name="TextBox 1066">
+            <a:extLst>
+              <a:ext uri="{FF2B5EF4-FFF2-40B4-BE49-F238E27FC236}">
+                <a16:creationId xmlns:a16="http://schemas.microsoft.com/office/drawing/2014/main" id="{ACEE9E57-9C65-E848-B931-DE6377F6C7B3}"/>
+              </a:ext>
+            </a:extLst>
+          </p:cNvPr>
+          <p:cNvSpPr txBox="1"/>
+          <p:nvPr/>
+        </p:nvSpPr>
+        <p:spPr>
+          <a:xfrm>
+            <a:off x="3840875" y="1649506"/>
+            <a:ext cx="724991" cy="246221"/>
+          </a:xfrm>
+          <a:prstGeom prst="rect">
+            <a:avLst/>
+          </a:prstGeom>
+          <a:noFill/>
+        </p:spPr>
+        <p:txBody>
+          <a:bodyPr wrap="square" lIns="0" rIns="0" rtlCol="0">
+            <a:spAutoFit/>
+          </a:bodyPr>
+          <a:lstStyle>
+            <a:defPPr>
+              <a:defRPr lang="en-US"/>
+            </a:defPPr>
+            <a:lvl1pPr algn="ctr">
+              <a:defRPr sz="1000">
+                <a:latin typeface="Calibri" panose="020F0502020204030204" pitchFamily="34" charset="0"/>
+                <a:ea typeface="Calibri" panose="020F0502020204030204" pitchFamily="34" charset="0"/>
+                <a:cs typeface="Calibri" panose="020F0502020204030204" pitchFamily="34" charset="0"/>
+              </a:defRPr>
+            </a:lvl1pPr>
+          </a:lstStyle>
+          <a:p>
+            <a:r>
+              <a:rPr lang="en-US" dirty="0"/>
+              <a:t>ECS Fargate</a:t>
+            </a:r>
+          </a:p>
+        </p:txBody>
+      </p:sp>
+      <p:pic>
+        <p:nvPicPr>
+          <p:cNvPr id="1068" name="Picture 38" descr="AWS CloudWatch Logs">
+            <a:extLst>
+              <a:ext uri="{FF2B5EF4-FFF2-40B4-BE49-F238E27FC236}">
+                <a16:creationId xmlns:a16="http://schemas.microsoft.com/office/drawing/2014/main" id="{DBA2C1E4-66B4-3B35-196B-2DE353929411}"/>
+              </a:ext>
+            </a:extLst>
+          </p:cNvPr>
+          <p:cNvPicPr>
+            <a:picLocks noChangeAspect="1" noChangeArrowheads="1"/>
+          </p:cNvPicPr>
+          <p:nvPr/>
+        </p:nvPicPr>
+        <p:blipFill>
+          <a:blip r:embed="rId18">
+            <a:extLst>
+              <a:ext uri="{28A0092B-C50C-407E-A947-70E740481C1C}">
+                <a14:useLocalDpi xmlns:a14="http://schemas.microsoft.com/office/drawing/2010/main" val="0"/>
+              </a:ext>
+            </a:extLst>
+          </a:blip>
+          <a:srcRect/>
+          <a:stretch>
+            <a:fillRect/>
+          </a:stretch>
+        </p:blipFill>
+        <p:spPr bwMode="auto">
+          <a:xfrm>
+            <a:off x="6254048" y="1277125"/>
+            <a:ext cx="351646" cy="380346"/>
+          </a:xfrm>
+          <a:prstGeom prst="rect">
+            <a:avLst/>
+          </a:prstGeom>
+          <a:noFill/>
+          <a:extLst>
+            <a:ext uri="{909E8E84-426E-40DD-AFC4-6F175D3DCCD1}">
+              <a14:hiddenFill xmlns:a14="http://schemas.microsoft.com/office/drawing/2010/main">
+                <a:solidFill>
+                  <a:srgbClr val="FFFFFF"/>
+                </a:solidFill>
+              </a14:hiddenFill>
+            </a:ext>
+          </a:extLst>
+        </p:spPr>
+      </p:pic>
+      <p:sp>
+        <p:nvSpPr>
+          <p:cNvPr id="1069" name="TextBox 1068">
+            <a:extLst>
+              <a:ext uri="{FF2B5EF4-FFF2-40B4-BE49-F238E27FC236}">
+                <a16:creationId xmlns:a16="http://schemas.microsoft.com/office/drawing/2014/main" id="{3BC36A3F-BB76-C81D-4253-189ED9B67340}"/>
+              </a:ext>
+            </a:extLst>
+          </p:cNvPr>
+          <p:cNvSpPr txBox="1"/>
+          <p:nvPr/>
+        </p:nvSpPr>
+        <p:spPr>
+          <a:xfrm>
+            <a:off x="6084755" y="1593057"/>
+            <a:ext cx="685038" cy="246221"/>
+          </a:xfrm>
+          <a:prstGeom prst="rect">
+            <a:avLst/>
+          </a:prstGeom>
+          <a:noFill/>
+        </p:spPr>
+        <p:txBody>
+          <a:bodyPr wrap="square" lIns="0" rIns="0" rtlCol="0">
+            <a:spAutoFit/>
+          </a:bodyPr>
+          <a:lstStyle>
+            <a:defPPr>
+              <a:defRPr lang="en-US"/>
+            </a:defPPr>
+            <a:lvl1pPr algn="ctr">
+              <a:defRPr sz="1000">
+                <a:latin typeface="Calibri" panose="020F0502020204030204" pitchFamily="34" charset="0"/>
+                <a:ea typeface="Calibri" panose="020F0502020204030204" pitchFamily="34" charset="0"/>
+                <a:cs typeface="Calibri" panose="020F0502020204030204" pitchFamily="34" charset="0"/>
+              </a:defRPr>
+            </a:lvl1pPr>
+          </a:lstStyle>
+          <a:p>
+            <a:r>
+              <a:rPr lang="en-US" dirty="0"/>
+              <a:t>CloudWatch</a:t>
+            </a:r>
+          </a:p>
+        </p:txBody>
+      </p:sp>
+      <p:pic>
+        <p:nvPicPr>
+          <p:cNvPr id="1070" name="Picture 12" descr="Amazon ECR | AWS Compute">
+            <a:extLst>
+              <a:ext uri="{FF2B5EF4-FFF2-40B4-BE49-F238E27FC236}">
+                <a16:creationId xmlns:a16="http://schemas.microsoft.com/office/drawing/2014/main" id="{E30E0ED3-C791-CEC1-E22D-EA92E9F2B37A}"/>
+              </a:ext>
+            </a:extLst>
+          </p:cNvPr>
+          <p:cNvPicPr>
+            <a:picLocks noChangeAspect="1" noChangeArrowheads="1"/>
+          </p:cNvPicPr>
+          <p:nvPr/>
+        </p:nvPicPr>
+        <p:blipFill>
+          <a:blip r:embed="rId19">
+            <a:extLst>
+              <a:ext uri="{28A0092B-C50C-407E-A947-70E740481C1C}">
+                <a14:useLocalDpi xmlns:a14="http://schemas.microsoft.com/office/drawing/2010/main" val="0"/>
+              </a:ext>
+            </a:extLst>
+          </a:blip>
+          <a:srcRect/>
+          <a:stretch>
+            <a:fillRect/>
+          </a:stretch>
+        </p:blipFill>
+        <p:spPr bwMode="auto">
+          <a:xfrm>
+            <a:off x="3361610" y="1275074"/>
+            <a:ext cx="376970" cy="380346"/>
+          </a:xfrm>
+          <a:prstGeom prst="rect">
+            <a:avLst/>
+          </a:prstGeom>
+          <a:noFill/>
+          <a:extLst>
+            <a:ext uri="{909E8E84-426E-40DD-AFC4-6F175D3DCCD1}">
+              <a14:hiddenFill xmlns:a14="http://schemas.microsoft.com/office/drawing/2010/main">
+                <a:solidFill>
+                  <a:srgbClr val="FFFFFF"/>
+                </a:solidFill>
+              </a14:hiddenFill>
+            </a:ext>
+          </a:extLst>
+        </p:spPr>
+      </p:pic>
+      <p:sp>
+        <p:nvSpPr>
+          <p:cNvPr id="1071" name="TextBox 1070">
+            <a:extLst>
+              <a:ext uri="{FF2B5EF4-FFF2-40B4-BE49-F238E27FC236}">
+                <a16:creationId xmlns:a16="http://schemas.microsoft.com/office/drawing/2014/main" id="{650AF755-B50B-2863-59AC-342400D2BDA5}"/>
+              </a:ext>
+            </a:extLst>
+          </p:cNvPr>
+          <p:cNvSpPr txBox="1"/>
+          <p:nvPr/>
+        </p:nvSpPr>
+        <p:spPr>
+          <a:xfrm>
+            <a:off x="3410099" y="1589048"/>
+            <a:ext cx="279992" cy="246221"/>
+          </a:xfrm>
+          <a:prstGeom prst="rect">
+            <a:avLst/>
+          </a:prstGeom>
+          <a:noFill/>
+        </p:spPr>
+        <p:txBody>
+          <a:bodyPr wrap="square" lIns="0" rIns="0" rtlCol="0">
+            <a:spAutoFit/>
+          </a:bodyPr>
+          <a:lstStyle>
+            <a:defPPr>
+              <a:defRPr lang="en-US"/>
+            </a:defPPr>
+            <a:lvl1pPr algn="ctr">
+              <a:defRPr sz="1000">
+                <a:latin typeface="Calibri" panose="020F0502020204030204" pitchFamily="34" charset="0"/>
+                <a:ea typeface="Calibri" panose="020F0502020204030204" pitchFamily="34" charset="0"/>
+                <a:cs typeface="Calibri" panose="020F0502020204030204" pitchFamily="34" charset="0"/>
+              </a:defRPr>
+            </a:lvl1pPr>
+          </a:lstStyle>
+          <a:p>
+            <a:r>
+              <a:rPr lang="en-US" dirty="0"/>
+              <a:t>ECR</a:t>
+            </a:r>
+          </a:p>
+        </p:txBody>
+      </p:sp>
+      <p:pic>
+        <p:nvPicPr>
+          <p:cNvPr id="1075" name="Picture 1074">
+            <a:extLst>
+              <a:ext uri="{FF2B5EF4-FFF2-40B4-BE49-F238E27FC236}">
+                <a16:creationId xmlns:a16="http://schemas.microsoft.com/office/drawing/2014/main" id="{4696ED94-893B-0F86-4DCC-43C8D1727432}"/>
+              </a:ext>
+            </a:extLst>
+          </p:cNvPr>
+          <p:cNvPicPr>
+            <a:picLocks noChangeAspect="1"/>
+          </p:cNvPicPr>
+          <p:nvPr/>
+        </p:nvPicPr>
+        <p:blipFill>
+          <a:blip r:embed="rId20"/>
+          <a:srcRect l="11468" t="6564" r="7282" b="7650"/>
+          <a:stretch/>
+        </p:blipFill>
+        <p:spPr>
+          <a:xfrm>
+            <a:off x="5460122" y="1277125"/>
+            <a:ext cx="352750" cy="380346"/>
+          </a:xfrm>
+          <a:prstGeom prst="rect">
+            <a:avLst/>
+          </a:prstGeom>
+        </p:spPr>
+      </p:pic>
+      <p:sp>
+        <p:nvSpPr>
+          <p:cNvPr id="1076" name="TextBox 1075">
+            <a:extLst>
+              <a:ext uri="{FF2B5EF4-FFF2-40B4-BE49-F238E27FC236}">
+                <a16:creationId xmlns:a16="http://schemas.microsoft.com/office/drawing/2014/main" id="{25207517-A879-B4D2-46B3-0DED21868E5F}"/>
+              </a:ext>
+            </a:extLst>
+          </p:cNvPr>
+          <p:cNvSpPr txBox="1"/>
+          <p:nvPr/>
+        </p:nvSpPr>
+        <p:spPr>
+          <a:xfrm>
+            <a:off x="5285220" y="1588442"/>
+            <a:ext cx="702553" cy="246221"/>
+          </a:xfrm>
+          <a:prstGeom prst="rect">
+            <a:avLst/>
+          </a:prstGeom>
+          <a:noFill/>
+        </p:spPr>
+        <p:txBody>
+          <a:bodyPr wrap="square" lIns="0" rIns="0" rtlCol="0">
+            <a:spAutoFit/>
+          </a:bodyPr>
+          <a:lstStyle>
+            <a:defPPr>
+              <a:defRPr lang="en-US"/>
+            </a:defPPr>
+            <a:lvl1pPr algn="ctr">
+              <a:defRPr sz="1000">
+                <a:latin typeface="Calibri" panose="020F0502020204030204" pitchFamily="34" charset="0"/>
+                <a:ea typeface="Calibri" panose="020F0502020204030204" pitchFamily="34" charset="0"/>
+                <a:cs typeface="Calibri" panose="020F0502020204030204" pitchFamily="34" charset="0"/>
+              </a:defRPr>
+            </a:lvl1pPr>
+          </a:lstStyle>
+          <a:p>
+            <a:r>
+              <a:rPr lang="en-US" dirty="0"/>
+              <a:t>Event Bridge</a:t>
+            </a:r>
+          </a:p>
+        </p:txBody>
+      </p:sp>
+      <p:sp>
+        <p:nvSpPr>
+          <p:cNvPr id="1094" name="TextBox 1093">
+            <a:extLst>
+              <a:ext uri="{FF2B5EF4-FFF2-40B4-BE49-F238E27FC236}">
+                <a16:creationId xmlns:a16="http://schemas.microsoft.com/office/drawing/2014/main" id="{274C854D-3567-8BAF-B78F-E3F0FA3995F7}"/>
+              </a:ext>
+            </a:extLst>
+          </p:cNvPr>
+          <p:cNvSpPr txBox="1"/>
+          <p:nvPr/>
+        </p:nvSpPr>
+        <p:spPr>
+          <a:xfrm>
+            <a:off x="3317047" y="3017824"/>
+            <a:ext cx="466093" cy="246221"/>
+          </a:xfrm>
+          <a:prstGeom prst="rect">
+            <a:avLst/>
+          </a:prstGeom>
+          <a:noFill/>
+        </p:spPr>
+        <p:txBody>
+          <a:bodyPr wrap="square" lIns="0" rIns="0" rtlCol="0">
+            <a:spAutoFit/>
+          </a:bodyPr>
+          <a:lstStyle>
+            <a:defPPr>
+              <a:defRPr lang="en-US"/>
+            </a:defPPr>
+            <a:lvl1pPr algn="ctr">
+              <a:defRPr sz="1000">
+                <a:latin typeface="Calibri" panose="020F0502020204030204" pitchFamily="34" charset="0"/>
+                <a:ea typeface="Calibri" panose="020F0502020204030204" pitchFamily="34" charset="0"/>
+                <a:cs typeface="Calibri" panose="020F0502020204030204" pitchFamily="34" charset="0"/>
+              </a:defRPr>
+            </a:lvl1pPr>
+          </a:lstStyle>
+          <a:p>
+            <a:r>
+              <a:rPr lang="en-US" dirty="0"/>
+              <a:t>Email</a:t>
+            </a:r>
+          </a:p>
+        </p:txBody>
+      </p:sp>
+      <p:pic>
+        <p:nvPicPr>
+          <p:cNvPr id="1105" name="Picture 44">
+            <a:extLst>
+              <a:ext uri="{FF2B5EF4-FFF2-40B4-BE49-F238E27FC236}">
+                <a16:creationId xmlns:a16="http://schemas.microsoft.com/office/drawing/2014/main" id="{7E01FDFB-1B44-584C-8278-72B010F5DF2D}"/>
+              </a:ext>
+            </a:extLst>
+          </p:cNvPr>
+          <p:cNvPicPr>
+            <a:picLocks noChangeAspect="1" noChangeArrowheads="1"/>
+          </p:cNvPicPr>
+          <p:nvPr/>
+        </p:nvPicPr>
+        <p:blipFill>
+          <a:blip r:embed="rId21">
+            <a:extLst>
+              <a:ext uri="{28A0092B-C50C-407E-A947-70E740481C1C}">
+                <a14:useLocalDpi xmlns:a14="http://schemas.microsoft.com/office/drawing/2010/main" val="0"/>
+              </a:ext>
+            </a:extLst>
+          </a:blip>
+          <a:srcRect/>
+          <a:stretch>
+            <a:fillRect/>
+          </a:stretch>
+        </p:blipFill>
+        <p:spPr bwMode="auto">
+          <a:xfrm>
+            <a:off x="4854218" y="2630574"/>
+            <a:ext cx="352815" cy="380346"/>
+          </a:xfrm>
+          <a:prstGeom prst="rect">
+            <a:avLst/>
+          </a:prstGeom>
+          <a:noFill/>
+          <a:extLst>
+            <a:ext uri="{909E8E84-426E-40DD-AFC4-6F175D3DCCD1}">
+              <a14:hiddenFill xmlns:a14="http://schemas.microsoft.com/office/drawing/2010/main">
+                <a:solidFill>
+                  <a:srgbClr val="FFFFFF"/>
+                </a:solidFill>
+              </a14:hiddenFill>
+            </a:ext>
+          </a:extLst>
+        </p:spPr>
+      </p:pic>
+      <p:sp>
+        <p:nvSpPr>
+          <p:cNvPr id="1106" name="TextBox 1105">
+            <a:extLst>
+              <a:ext uri="{FF2B5EF4-FFF2-40B4-BE49-F238E27FC236}">
+                <a16:creationId xmlns:a16="http://schemas.microsoft.com/office/drawing/2014/main" id="{89C816A3-F1E1-8EF0-9154-612E8649F752}"/>
+              </a:ext>
+            </a:extLst>
+          </p:cNvPr>
+          <p:cNvSpPr txBox="1"/>
+          <p:nvPr/>
+        </p:nvSpPr>
+        <p:spPr>
+          <a:xfrm>
+            <a:off x="4819106" y="3004016"/>
+            <a:ext cx="423037" cy="246221"/>
+          </a:xfrm>
+          <a:prstGeom prst="rect">
+            <a:avLst/>
+          </a:prstGeom>
+          <a:noFill/>
+        </p:spPr>
+        <p:txBody>
+          <a:bodyPr wrap="square" lIns="0" rIns="0" rtlCol="0">
+            <a:spAutoFit/>
+          </a:bodyPr>
+          <a:lstStyle>
+            <a:defPPr>
+              <a:defRPr lang="en-US"/>
+            </a:defPPr>
+            <a:lvl1pPr algn="ctr">
+              <a:defRPr sz="1000">
+                <a:latin typeface="Calibri" panose="020F0502020204030204" pitchFamily="34" charset="0"/>
+                <a:ea typeface="Calibri" panose="020F0502020204030204" pitchFamily="34" charset="0"/>
+                <a:cs typeface="Calibri" panose="020F0502020204030204" pitchFamily="34" charset="0"/>
+              </a:defRPr>
+            </a:lvl1pPr>
+          </a:lstStyle>
+          <a:p>
+            <a:r>
+              <a:rPr lang="en-US" dirty="0"/>
+              <a:t>React</a:t>
+            </a:r>
+          </a:p>
+        </p:txBody>
+      </p:sp>
+      <p:pic>
+        <p:nvPicPr>
+          <p:cNvPr id="1082" name="Picture 1081">
+            <a:extLst>
+              <a:ext uri="{FF2B5EF4-FFF2-40B4-BE49-F238E27FC236}">
+                <a16:creationId xmlns:a16="http://schemas.microsoft.com/office/drawing/2014/main" id="{1EBD8925-A000-D6F9-E0FE-A2A1D13CE746}"/>
+              </a:ext>
+            </a:extLst>
+          </p:cNvPr>
+          <p:cNvPicPr>
+            <a:picLocks noChangeAspect="1"/>
+          </p:cNvPicPr>
+          <p:nvPr/>
+        </p:nvPicPr>
+        <p:blipFill>
+          <a:blip r:embed="rId22"/>
+          <a:stretch>
+            <a:fillRect/>
+          </a:stretch>
+        </p:blipFill>
+        <p:spPr>
+          <a:xfrm>
+            <a:off x="2610108" y="1275074"/>
+            <a:ext cx="341769" cy="380346"/>
+          </a:xfrm>
+          <a:prstGeom prst="rect">
+            <a:avLst/>
+          </a:prstGeom>
+        </p:spPr>
+      </p:pic>
+      <p:sp>
+        <p:nvSpPr>
+          <p:cNvPr id="1107" name="TextBox 1106">
+            <a:extLst>
+              <a:ext uri="{FF2B5EF4-FFF2-40B4-BE49-F238E27FC236}">
+                <a16:creationId xmlns:a16="http://schemas.microsoft.com/office/drawing/2014/main" id="{FD30D259-4C61-B3E4-D655-B95F2EEC7EAC}"/>
+              </a:ext>
+            </a:extLst>
+          </p:cNvPr>
+          <p:cNvSpPr txBox="1"/>
+          <p:nvPr/>
+        </p:nvSpPr>
+        <p:spPr>
+          <a:xfrm>
+            <a:off x="2542393" y="1589048"/>
+            <a:ext cx="534281" cy="400110"/>
+          </a:xfrm>
+          <a:prstGeom prst="rect">
+            <a:avLst/>
+          </a:prstGeom>
+          <a:noFill/>
+        </p:spPr>
+        <p:txBody>
+          <a:bodyPr wrap="square" lIns="0" rIns="0" rtlCol="0">
+            <a:spAutoFit/>
+          </a:bodyPr>
+          <a:lstStyle>
+            <a:defPPr>
+              <a:defRPr lang="en-US"/>
+            </a:defPPr>
+            <a:lvl1pPr algn="ctr">
+              <a:defRPr sz="1000">
+                <a:latin typeface="Calibri" panose="020F0502020204030204" pitchFamily="34" charset="0"/>
+                <a:ea typeface="Calibri" panose="020F0502020204030204" pitchFamily="34" charset="0"/>
+                <a:cs typeface="Calibri" panose="020F0502020204030204" pitchFamily="34" charset="0"/>
+              </a:defRPr>
+            </a:lvl1pPr>
+          </a:lstStyle>
+          <a:p>
+            <a:r>
+              <a:rPr lang="en-US" dirty="0"/>
+              <a:t>Secrets Manager</a:t>
+            </a:r>
+          </a:p>
+        </p:txBody>
+      </p:sp>
+      <p:pic>
+        <p:nvPicPr>
+          <p:cNvPr id="1110" name="Picture 46" descr="aws iam&quot; Icon - Download for free – Iconduck">
+            <a:extLst>
+              <a:ext uri="{FF2B5EF4-FFF2-40B4-BE49-F238E27FC236}">
+                <a16:creationId xmlns:a16="http://schemas.microsoft.com/office/drawing/2014/main" id="{1705A0A7-5221-2BE5-383F-68FAB8F596D7}"/>
+              </a:ext>
+            </a:extLst>
+          </p:cNvPr>
+          <p:cNvPicPr>
+            <a:picLocks noChangeAspect="1" noChangeArrowheads="1"/>
+          </p:cNvPicPr>
+          <p:nvPr/>
+        </p:nvPicPr>
+        <p:blipFill>
+          <a:blip r:embed="rId23">
+            <a:extLst>
+              <a:ext uri="{28A0092B-C50C-407E-A947-70E740481C1C}">
+                <a14:useLocalDpi xmlns:a14="http://schemas.microsoft.com/office/drawing/2010/main" val="0"/>
+              </a:ext>
+            </a:extLst>
+          </a:blip>
+          <a:srcRect/>
+          <a:stretch>
+            <a:fillRect/>
+          </a:stretch>
+        </p:blipFill>
+        <p:spPr bwMode="auto">
+          <a:xfrm>
+            <a:off x="7754938" y="1267745"/>
+            <a:ext cx="199828" cy="381761"/>
+          </a:xfrm>
+          <a:prstGeom prst="rect">
+            <a:avLst/>
+          </a:prstGeom>
+          <a:noFill/>
+          <a:extLst>
+            <a:ext uri="{909E8E84-426E-40DD-AFC4-6F175D3DCCD1}">
+              <a14:hiddenFill xmlns:a14="http://schemas.microsoft.com/office/drawing/2010/main">
+                <a:solidFill>
+                  <a:srgbClr val="FFFFFF"/>
+                </a:solidFill>
+              </a14:hiddenFill>
+            </a:ext>
+          </a:extLst>
+        </p:spPr>
+      </p:pic>
+      <p:sp>
+        <p:nvSpPr>
+          <p:cNvPr id="1111" name="TextBox 1110">
+            <a:extLst>
+              <a:ext uri="{FF2B5EF4-FFF2-40B4-BE49-F238E27FC236}">
+                <a16:creationId xmlns:a16="http://schemas.microsoft.com/office/drawing/2014/main" id="{42A49317-598A-C632-0DF4-A4FA5007B68D}"/>
+              </a:ext>
+            </a:extLst>
+          </p:cNvPr>
+          <p:cNvSpPr txBox="1"/>
+          <p:nvPr/>
+        </p:nvSpPr>
+        <p:spPr>
+          <a:xfrm>
+            <a:off x="7679508" y="1593056"/>
+            <a:ext cx="342012" cy="246221"/>
+          </a:xfrm>
+          <a:prstGeom prst="rect">
+            <a:avLst/>
+          </a:prstGeom>
+          <a:noFill/>
+        </p:spPr>
+        <p:txBody>
+          <a:bodyPr wrap="square" lIns="0" rIns="0" rtlCol="0">
+            <a:spAutoFit/>
+          </a:bodyPr>
+          <a:lstStyle>
+            <a:defPPr>
+              <a:defRPr lang="en-US"/>
+            </a:defPPr>
+            <a:lvl1pPr algn="ctr">
+              <a:defRPr sz="1000">
+                <a:latin typeface="Calibri" panose="020F0502020204030204" pitchFamily="34" charset="0"/>
+                <a:ea typeface="Calibri" panose="020F0502020204030204" pitchFamily="34" charset="0"/>
+                <a:cs typeface="Calibri" panose="020F0502020204030204" pitchFamily="34" charset="0"/>
+              </a:defRPr>
+            </a:lvl1pPr>
+          </a:lstStyle>
+          <a:p>
+            <a:r>
+              <a:rPr lang="en-US" dirty="0"/>
+              <a:t>IAM</a:t>
+            </a:r>
+          </a:p>
+        </p:txBody>
+      </p:sp>
+      <p:pic>
+        <p:nvPicPr>
+          <p:cNvPr id="1113" name="Picture 48" descr="aws cloudfront&quot; Icon - Download for free – Iconduck">
+            <a:extLst>
+              <a:ext uri="{FF2B5EF4-FFF2-40B4-BE49-F238E27FC236}">
+                <a16:creationId xmlns:a16="http://schemas.microsoft.com/office/drawing/2014/main" id="{3D7694A8-69E6-2B2C-96B1-9E8C4B28EF65}"/>
+              </a:ext>
+            </a:extLst>
+          </p:cNvPr>
+          <p:cNvPicPr>
+            <a:picLocks noChangeAspect="1" noChangeArrowheads="1"/>
+          </p:cNvPicPr>
+          <p:nvPr/>
+        </p:nvPicPr>
+        <p:blipFill>
+          <a:blip r:embed="rId24">
+            <a:extLst>
+              <a:ext uri="{28A0092B-C50C-407E-A947-70E740481C1C}">
+                <a14:useLocalDpi xmlns:a14="http://schemas.microsoft.com/office/drawing/2010/main" val="0"/>
+              </a:ext>
+            </a:extLst>
+          </a:blip>
+          <a:srcRect/>
+          <a:stretch>
+            <a:fillRect/>
+          </a:stretch>
+        </p:blipFill>
+        <p:spPr bwMode="auto">
+          <a:xfrm>
+            <a:off x="2745143" y="2637478"/>
+            <a:ext cx="352751" cy="385218"/>
+          </a:xfrm>
+          <a:prstGeom prst="rect">
+            <a:avLst/>
+          </a:prstGeom>
+          <a:noFill/>
+          <a:extLst>
+            <a:ext uri="{909E8E84-426E-40DD-AFC4-6F175D3DCCD1}">
+              <a14:hiddenFill xmlns:a14="http://schemas.microsoft.com/office/drawing/2010/main">
+                <a:solidFill>
+                  <a:srgbClr val="FFFFFF"/>
+                </a:solidFill>
+              </a14:hiddenFill>
+            </a:ext>
+          </a:extLst>
+        </p:spPr>
+      </p:pic>
+      <p:sp>
+        <p:nvSpPr>
+          <p:cNvPr id="1114" name="TextBox 1113">
+            <a:extLst>
+              <a:ext uri="{FF2B5EF4-FFF2-40B4-BE49-F238E27FC236}">
+                <a16:creationId xmlns:a16="http://schemas.microsoft.com/office/drawing/2014/main" id="{17DD6BB0-060C-3A72-A2CE-07F93A6A4FF3}"/>
+              </a:ext>
+            </a:extLst>
+          </p:cNvPr>
+          <p:cNvSpPr txBox="1"/>
+          <p:nvPr/>
+        </p:nvSpPr>
+        <p:spPr>
+          <a:xfrm>
+            <a:off x="2589558" y="3004017"/>
+            <a:ext cx="666599" cy="246221"/>
+          </a:xfrm>
+          <a:prstGeom prst="rect">
+            <a:avLst/>
+          </a:prstGeom>
+          <a:noFill/>
+        </p:spPr>
+        <p:txBody>
+          <a:bodyPr wrap="square" lIns="0" rIns="0" rtlCol="0">
+            <a:spAutoFit/>
+          </a:bodyPr>
+          <a:lstStyle>
+            <a:defPPr>
+              <a:defRPr lang="en-US"/>
+            </a:defPPr>
+            <a:lvl1pPr algn="ctr">
+              <a:defRPr sz="1000">
+                <a:latin typeface="Calibri" panose="020F0502020204030204" pitchFamily="34" charset="0"/>
+                <a:ea typeface="Calibri" panose="020F0502020204030204" pitchFamily="34" charset="0"/>
+                <a:cs typeface="Calibri" panose="020F0502020204030204" pitchFamily="34" charset="0"/>
+              </a:defRPr>
+            </a:lvl1pPr>
+          </a:lstStyle>
+          <a:p>
+            <a:r>
+              <a:rPr lang="en-US" dirty="0"/>
+              <a:t>CloudFront</a:t>
+            </a:r>
+          </a:p>
+        </p:txBody>
+      </p:sp>
+      <p:pic>
+        <p:nvPicPr>
+          <p:cNvPr id="1116" name="Picture 52" descr="Node.js Explained - A beginner guide">
+            <a:extLst>
+              <a:ext uri="{FF2B5EF4-FFF2-40B4-BE49-F238E27FC236}">
+                <a16:creationId xmlns:a16="http://schemas.microsoft.com/office/drawing/2014/main" id="{CDEA8747-79C7-58AE-134F-561A51184134}"/>
+              </a:ext>
+            </a:extLst>
+          </p:cNvPr>
+          <p:cNvPicPr>
+            <a:picLocks noChangeAspect="1" noChangeArrowheads="1"/>
+          </p:cNvPicPr>
+          <p:nvPr/>
+        </p:nvPicPr>
+        <p:blipFill>
+          <a:blip r:embed="rId25">
+            <a:extLst>
+              <a:ext uri="{28A0092B-C50C-407E-A947-70E740481C1C}">
+                <a14:useLocalDpi xmlns:a14="http://schemas.microsoft.com/office/drawing/2010/main" val="0"/>
+              </a:ext>
+            </a:extLst>
+          </a:blip>
+          <a:srcRect/>
+          <a:stretch>
+            <a:fillRect/>
+          </a:stretch>
+        </p:blipFill>
+        <p:spPr bwMode="auto">
+          <a:xfrm>
+            <a:off x="4026996" y="2637478"/>
+            <a:ext cx="352751" cy="380346"/>
+          </a:xfrm>
+          <a:prstGeom prst="rect">
+            <a:avLst/>
+          </a:prstGeom>
+          <a:noFill/>
+          <a:extLst>
+            <a:ext uri="{909E8E84-426E-40DD-AFC4-6F175D3DCCD1}">
+              <a14:hiddenFill xmlns:a14="http://schemas.microsoft.com/office/drawing/2010/main">
+                <a:solidFill>
+                  <a:srgbClr val="FFFFFF"/>
+                </a:solidFill>
+              </a14:hiddenFill>
+            </a:ext>
+          </a:extLst>
+        </p:spPr>
+      </p:pic>
+      <p:sp>
+        <p:nvSpPr>
+          <p:cNvPr id="1117" name="TextBox 1116">
+            <a:extLst>
+              <a:ext uri="{FF2B5EF4-FFF2-40B4-BE49-F238E27FC236}">
+                <a16:creationId xmlns:a16="http://schemas.microsoft.com/office/drawing/2014/main" id="{D1A20D11-6C57-C11F-8E4C-EA957BBC89DF}"/>
+              </a:ext>
+            </a:extLst>
+          </p:cNvPr>
+          <p:cNvSpPr txBox="1"/>
+          <p:nvPr/>
+        </p:nvSpPr>
+        <p:spPr>
+          <a:xfrm>
+            <a:off x="3936229" y="3017824"/>
+            <a:ext cx="534281" cy="246221"/>
+          </a:xfrm>
+          <a:prstGeom prst="rect">
+            <a:avLst/>
+          </a:prstGeom>
+          <a:noFill/>
+        </p:spPr>
+        <p:txBody>
+          <a:bodyPr wrap="square" lIns="0" rIns="0" rtlCol="0">
+            <a:spAutoFit/>
+          </a:bodyPr>
+          <a:lstStyle>
+            <a:defPPr>
+              <a:defRPr lang="en-US"/>
+            </a:defPPr>
+            <a:lvl1pPr algn="ctr">
+              <a:defRPr sz="1000">
+                <a:latin typeface="Calibri" panose="020F0502020204030204" pitchFamily="34" charset="0"/>
+                <a:ea typeface="Calibri" panose="020F0502020204030204" pitchFamily="34" charset="0"/>
+                <a:cs typeface="Calibri" panose="020F0502020204030204" pitchFamily="34" charset="0"/>
+              </a:defRPr>
+            </a:lvl1pPr>
+          </a:lstStyle>
+          <a:p>
+            <a:r>
+              <a:rPr lang="en-US" dirty="0"/>
+              <a:t>Node/</a:t>
+            </a:r>
+            <a:r>
+              <a:rPr lang="en-US" dirty="0" err="1"/>
+              <a:t>js</a:t>
+            </a:r>
+            <a:endParaRPr lang="en-US" dirty="0"/>
+          </a:p>
+        </p:txBody>
+      </p:sp>
+      <p:pic>
+        <p:nvPicPr>
+          <p:cNvPr id="46" name="Picture 32">
+            <a:extLst>
+              <a:ext uri="{FF2B5EF4-FFF2-40B4-BE49-F238E27FC236}">
+                <a16:creationId xmlns:a16="http://schemas.microsoft.com/office/drawing/2014/main" id="{C9C51CBE-049E-B632-5CE9-DA1B9CF3006A}"/>
+              </a:ext>
+            </a:extLst>
+          </p:cNvPr>
+          <p:cNvPicPr>
+            <a:picLocks noChangeAspect="1" noChangeArrowheads="1"/>
+          </p:cNvPicPr>
+          <p:nvPr/>
+        </p:nvPicPr>
+        <p:blipFill>
+          <a:blip r:embed="rId15">
+            <a:extLst>
+              <a:ext uri="{28A0092B-C50C-407E-A947-70E740481C1C}">
+                <a14:useLocalDpi xmlns:a14="http://schemas.microsoft.com/office/drawing/2010/main" val="0"/>
+              </a:ext>
+            </a:extLst>
+          </a:blip>
+          <a:srcRect/>
+          <a:stretch>
+            <a:fillRect/>
+          </a:stretch>
+        </p:blipFill>
+        <p:spPr bwMode="auto">
+          <a:xfrm>
+            <a:off x="11232379" y="1267745"/>
+            <a:ext cx="352751" cy="380346"/>
+          </a:xfrm>
+          <a:prstGeom prst="rect">
+            <a:avLst/>
+          </a:prstGeom>
+          <a:noFill/>
+          <a:extLst>
+            <a:ext uri="{909E8E84-426E-40DD-AFC4-6F175D3DCCD1}">
+              <a14:hiddenFill xmlns:a14="http://schemas.microsoft.com/office/drawing/2010/main">
+                <a:solidFill>
+                  <a:srgbClr val="FFFFFF"/>
+                </a:solidFill>
+              </a14:hiddenFill>
+            </a:ext>
+          </a:extLst>
+        </p:spPr>
+      </p:pic>
+      <p:sp>
+        <p:nvSpPr>
+          <p:cNvPr id="47" name="TextBox 46">
+            <a:extLst>
+              <a:ext uri="{FF2B5EF4-FFF2-40B4-BE49-F238E27FC236}">
+                <a16:creationId xmlns:a16="http://schemas.microsoft.com/office/drawing/2014/main" id="{98C701EC-6DEC-3CA4-FF57-1F8B6772E2C8}"/>
+              </a:ext>
+            </a:extLst>
+          </p:cNvPr>
+          <p:cNvSpPr txBox="1"/>
+          <p:nvPr/>
+        </p:nvSpPr>
+        <p:spPr>
+          <a:xfrm>
+            <a:off x="11214690" y="1572561"/>
+            <a:ext cx="378119" cy="400110"/>
+          </a:xfrm>
+          <a:prstGeom prst="rect">
+            <a:avLst/>
+          </a:prstGeom>
+          <a:noFill/>
+        </p:spPr>
+        <p:txBody>
+          <a:bodyPr wrap="square" lIns="0" rIns="0" rtlCol="0">
+            <a:spAutoFit/>
+          </a:bodyPr>
+          <a:lstStyle>
+            <a:defPPr>
+              <a:defRPr lang="en-US"/>
+            </a:defPPr>
+            <a:lvl1pPr algn="ctr">
+              <a:defRPr sz="1000">
+                <a:latin typeface="Calibri" panose="020F0502020204030204" pitchFamily="34" charset="0"/>
+                <a:ea typeface="Calibri" panose="020F0502020204030204" pitchFamily="34" charset="0"/>
+                <a:cs typeface="Calibri" panose="020F0502020204030204" pitchFamily="34" charset="0"/>
+              </a:defRPr>
+            </a:lvl1pPr>
+          </a:lstStyle>
+          <a:p>
+            <a:r>
+              <a:rPr lang="en-US" dirty="0"/>
+              <a:t>Power</a:t>
+            </a:r>
+          </a:p>
+          <a:p>
+            <a:r>
+              <a:rPr lang="en-US" dirty="0"/>
+              <a:t>Shell</a:t>
+            </a:r>
+          </a:p>
+        </p:txBody>
+      </p:sp>
+      <p:sp>
+        <p:nvSpPr>
+          <p:cNvPr id="7" name="Rectangle 6">
+            <a:extLst>
+              <a:ext uri="{FF2B5EF4-FFF2-40B4-BE49-F238E27FC236}">
+                <a16:creationId xmlns:a16="http://schemas.microsoft.com/office/drawing/2014/main" id="{8B266C33-0414-114D-F5A2-35A8204D700A}"/>
+              </a:ext>
+            </a:extLst>
+          </p:cNvPr>
+          <p:cNvSpPr/>
+          <p:nvPr/>
+        </p:nvSpPr>
+        <p:spPr>
+          <a:xfrm>
+            <a:off x="609600" y="422208"/>
+            <a:ext cx="352751" cy="380346"/>
+          </a:xfrm>
+          <a:prstGeom prst="rect">
+            <a:avLst/>
+          </a:prstGeom>
+          <a:noFill/>
+        </p:spPr>
+        <p:style>
+          <a:lnRef idx="2">
+            <a:schemeClr val="accent1">
+              <a:shade val="15000"/>
+            </a:schemeClr>
+          </a:lnRef>
+          <a:fillRef idx="1">
+            <a:schemeClr val="accent1"/>
+          </a:fillRef>
+          <a:effectRef idx="0">
+            <a:schemeClr val="accent1"/>
+          </a:effectRef>
+          <a:fontRef idx="minor">
+            <a:schemeClr val="lt1"/>
+          </a:fontRef>
+        </p:style>
+        <p:txBody>
+          <a:bodyPr rtlCol="0" anchor="ctr"/>
+          <a:lstStyle/>
+          <a:p>
+            <a:pPr algn="ctr"/>
+            <a:endParaRPr lang="en-US"/>
+          </a:p>
+        </p:txBody>
+      </p:sp>
+      <p:pic>
+        <p:nvPicPr>
+          <p:cNvPr id="8" name="Picture 2" descr="Cloud Icons | AWS Lambda">
+            <a:extLst>
+              <a:ext uri="{FF2B5EF4-FFF2-40B4-BE49-F238E27FC236}">
+                <a16:creationId xmlns:a16="http://schemas.microsoft.com/office/drawing/2014/main" id="{48836009-4475-080E-0807-B3522874D297}"/>
+              </a:ext>
+            </a:extLst>
+          </p:cNvPr>
+          <p:cNvPicPr>
+            <a:picLocks noChangeAspect="1" noChangeArrowheads="1"/>
+          </p:cNvPicPr>
+          <p:nvPr/>
+        </p:nvPicPr>
+        <p:blipFill>
+          <a:blip r:embed="rId26">
+            <a:extLst>
+              <a:ext uri="{28A0092B-C50C-407E-A947-70E740481C1C}">
+                <a14:useLocalDpi xmlns:a14="http://schemas.microsoft.com/office/drawing/2010/main" val="0"/>
+              </a:ext>
+            </a:extLst>
+          </a:blip>
+          <a:srcRect/>
+          <a:stretch>
+            <a:fillRect/>
+          </a:stretch>
+        </p:blipFill>
+        <p:spPr bwMode="auto">
+          <a:xfrm>
+            <a:off x="5491149" y="2637478"/>
+            <a:ext cx="352751" cy="385218"/>
+          </a:xfrm>
+          <a:prstGeom prst="rect">
+            <a:avLst/>
+          </a:prstGeom>
+          <a:noFill/>
+          <a:extLst>
+            <a:ext uri="{909E8E84-426E-40DD-AFC4-6F175D3DCCD1}">
+              <a14:hiddenFill xmlns:a14="http://schemas.microsoft.com/office/drawing/2010/main">
+                <a:solidFill>
+                  <a:srgbClr val="FFFFFF"/>
+                </a:solidFill>
+              </a14:hiddenFill>
+            </a:ext>
+          </a:extLst>
+        </p:spPr>
+      </p:pic>
+      <p:sp>
+        <p:nvSpPr>
+          <p:cNvPr id="10" name="TextBox 9">
+            <a:extLst>
+              <a:ext uri="{FF2B5EF4-FFF2-40B4-BE49-F238E27FC236}">
+                <a16:creationId xmlns:a16="http://schemas.microsoft.com/office/drawing/2014/main" id="{84E5133C-B6CD-EAA2-6386-9B19CD94F6ED}"/>
+              </a:ext>
+            </a:extLst>
+          </p:cNvPr>
+          <p:cNvSpPr txBox="1"/>
+          <p:nvPr/>
+        </p:nvSpPr>
+        <p:spPr>
+          <a:xfrm>
+            <a:off x="5456005" y="3004016"/>
+            <a:ext cx="423037" cy="246221"/>
+          </a:xfrm>
+          <a:prstGeom prst="rect">
+            <a:avLst/>
+          </a:prstGeom>
+          <a:noFill/>
+        </p:spPr>
+        <p:txBody>
+          <a:bodyPr wrap="square" lIns="0" rIns="0" rtlCol="0">
+            <a:spAutoFit/>
+          </a:bodyPr>
+          <a:lstStyle>
+            <a:defPPr>
+              <a:defRPr lang="en-US"/>
+            </a:defPPr>
+            <a:lvl1pPr algn="ctr">
+              <a:defRPr sz="1000">
+                <a:latin typeface="Calibri" panose="020F0502020204030204" pitchFamily="34" charset="0"/>
+                <a:ea typeface="Calibri" panose="020F0502020204030204" pitchFamily="34" charset="0"/>
+                <a:cs typeface="Calibri" panose="020F0502020204030204" pitchFamily="34" charset="0"/>
+              </a:defRPr>
+            </a:lvl1pPr>
+          </a:lstStyle>
+          <a:p>
+            <a:r>
+              <a:rPr lang="en-US" dirty="0"/>
+              <a:t>Lambda</a:t>
+            </a:r>
+          </a:p>
+        </p:txBody>
+      </p:sp>
+      <p:pic>
+        <p:nvPicPr>
+          <p:cNvPr id="13" name="Picture 4" descr="aws api gateway&quot; Icon - Download for free – Iconduck">
+            <a:extLst>
+              <a:ext uri="{FF2B5EF4-FFF2-40B4-BE49-F238E27FC236}">
+                <a16:creationId xmlns:a16="http://schemas.microsoft.com/office/drawing/2014/main" id="{7B611B19-1431-5374-98BF-30CCB10CA387}"/>
+              </a:ext>
+            </a:extLst>
+          </p:cNvPr>
+          <p:cNvPicPr>
+            <a:picLocks noChangeAspect="1" noChangeArrowheads="1"/>
+          </p:cNvPicPr>
+          <p:nvPr/>
+        </p:nvPicPr>
+        <p:blipFill>
+          <a:blip r:embed="rId27">
+            <a:extLst>
+              <a:ext uri="{28A0092B-C50C-407E-A947-70E740481C1C}">
+                <a14:useLocalDpi xmlns:a14="http://schemas.microsoft.com/office/drawing/2010/main" val="0"/>
+              </a:ext>
+            </a:extLst>
+          </a:blip>
+          <a:srcRect/>
+          <a:stretch>
+            <a:fillRect/>
+          </a:stretch>
+        </p:blipFill>
+        <p:spPr bwMode="auto">
+          <a:xfrm>
+            <a:off x="6250898" y="2623670"/>
+            <a:ext cx="352751" cy="380346"/>
+          </a:xfrm>
+          <a:prstGeom prst="rect">
+            <a:avLst/>
+          </a:prstGeom>
+          <a:noFill/>
+          <a:extLst>
+            <a:ext uri="{909E8E84-426E-40DD-AFC4-6F175D3DCCD1}">
+              <a14:hiddenFill xmlns:a14="http://schemas.microsoft.com/office/drawing/2010/main">
+                <a:solidFill>
+                  <a:srgbClr val="FFFFFF"/>
+                </a:solidFill>
+              </a14:hiddenFill>
+            </a:ext>
+          </a:extLst>
+        </p:spPr>
+      </p:pic>
+      <p:sp>
+        <p:nvSpPr>
+          <p:cNvPr id="14" name="TextBox 13">
+            <a:extLst>
+              <a:ext uri="{FF2B5EF4-FFF2-40B4-BE49-F238E27FC236}">
+                <a16:creationId xmlns:a16="http://schemas.microsoft.com/office/drawing/2014/main" id="{00CA9E10-BC46-7F91-CF26-E06FEC57E923}"/>
+              </a:ext>
+            </a:extLst>
+          </p:cNvPr>
+          <p:cNvSpPr txBox="1"/>
+          <p:nvPr/>
+        </p:nvSpPr>
+        <p:spPr>
+          <a:xfrm>
+            <a:off x="6139654" y="3004015"/>
+            <a:ext cx="583874" cy="400110"/>
+          </a:xfrm>
+          <a:prstGeom prst="rect">
+            <a:avLst/>
+          </a:prstGeom>
+          <a:noFill/>
+        </p:spPr>
+        <p:txBody>
+          <a:bodyPr wrap="square" lIns="0" rIns="0" rtlCol="0">
+            <a:spAutoFit/>
+          </a:bodyPr>
+          <a:lstStyle>
+            <a:defPPr>
+              <a:defRPr lang="en-US"/>
+            </a:defPPr>
+            <a:lvl1pPr algn="ctr">
+              <a:defRPr sz="1000">
+                <a:latin typeface="Calibri" panose="020F0502020204030204" pitchFamily="34" charset="0"/>
+                <a:ea typeface="Calibri" panose="020F0502020204030204" pitchFamily="34" charset="0"/>
+                <a:cs typeface="Calibri" panose="020F0502020204030204" pitchFamily="34" charset="0"/>
+              </a:defRPr>
+            </a:lvl1pPr>
+          </a:lstStyle>
+          <a:p>
+            <a:r>
+              <a:rPr lang="en-US" dirty="0"/>
+              <a:t>API Gateway</a:t>
+            </a:r>
+          </a:p>
+        </p:txBody>
+      </p:sp>
+      <p:pic>
+        <p:nvPicPr>
+          <p:cNvPr id="18" name="Picture 17">
+            <a:extLst>
+              <a:ext uri="{FF2B5EF4-FFF2-40B4-BE49-F238E27FC236}">
+                <a16:creationId xmlns:a16="http://schemas.microsoft.com/office/drawing/2014/main" id="{72469F19-59B9-81C0-5C32-4832E7D00449}"/>
+              </a:ext>
+            </a:extLst>
+          </p:cNvPr>
+          <p:cNvPicPr>
+            <a:picLocks noChangeAspect="1"/>
+          </p:cNvPicPr>
+          <p:nvPr/>
+        </p:nvPicPr>
+        <p:blipFill>
+          <a:blip r:embed="rId28"/>
+          <a:stretch>
+            <a:fillRect/>
+          </a:stretch>
+        </p:blipFill>
+        <p:spPr>
+          <a:xfrm>
+            <a:off x="6984140" y="2637478"/>
+            <a:ext cx="352751" cy="380347"/>
+          </a:xfrm>
+          <a:prstGeom prst="rect">
+            <a:avLst/>
+          </a:prstGeom>
+        </p:spPr>
+      </p:pic>
+      <p:sp>
+        <p:nvSpPr>
+          <p:cNvPr id="19" name="TextBox 18">
+            <a:extLst>
+              <a:ext uri="{FF2B5EF4-FFF2-40B4-BE49-F238E27FC236}">
+                <a16:creationId xmlns:a16="http://schemas.microsoft.com/office/drawing/2014/main" id="{9BCE3E45-696E-57CA-C3D9-332A271CD5BE}"/>
+              </a:ext>
+            </a:extLst>
+          </p:cNvPr>
+          <p:cNvSpPr txBox="1"/>
+          <p:nvPr/>
+        </p:nvSpPr>
+        <p:spPr>
+          <a:xfrm>
+            <a:off x="6948585" y="3005065"/>
+            <a:ext cx="423037" cy="246221"/>
+          </a:xfrm>
+          <a:prstGeom prst="rect">
+            <a:avLst/>
+          </a:prstGeom>
+          <a:noFill/>
+        </p:spPr>
+        <p:txBody>
+          <a:bodyPr wrap="square" lIns="0" rIns="0" rtlCol="0">
+            <a:spAutoFit/>
+          </a:bodyPr>
+          <a:lstStyle>
+            <a:defPPr>
+              <a:defRPr lang="en-US"/>
+            </a:defPPr>
+            <a:lvl1pPr algn="ctr">
+              <a:defRPr sz="1000">
+                <a:latin typeface="Calibri" panose="020F0502020204030204" pitchFamily="34" charset="0"/>
+                <a:ea typeface="Calibri" panose="020F0502020204030204" pitchFamily="34" charset="0"/>
+                <a:cs typeface="Calibri" panose="020F0502020204030204" pitchFamily="34" charset="0"/>
+              </a:defRPr>
+            </a:lvl1pPr>
+          </a:lstStyle>
+          <a:p>
+            <a:r>
+              <a:rPr lang="en-US" dirty="0"/>
+              <a:t>JWT</a:t>
+            </a:r>
+          </a:p>
+        </p:txBody>
+      </p:sp>
+      <p:pic>
+        <p:nvPicPr>
+          <p:cNvPr id="24" name="Picture 14" descr="Firefox Relay">
+            <a:extLst>
+              <a:ext uri="{FF2B5EF4-FFF2-40B4-BE49-F238E27FC236}">
+                <a16:creationId xmlns:a16="http://schemas.microsoft.com/office/drawing/2014/main" id="{9D535874-F585-7778-0A3A-A0F0F42833E3}"/>
+              </a:ext>
+            </a:extLst>
+          </p:cNvPr>
+          <p:cNvPicPr>
+            <a:picLocks noChangeAspect="1" noChangeArrowheads="1"/>
+          </p:cNvPicPr>
+          <p:nvPr/>
+        </p:nvPicPr>
+        <p:blipFill>
+          <a:blip r:embed="rId29">
+            <a:clrChange>
+              <a:clrFrom>
+                <a:srgbClr val="FFFFFF"/>
+              </a:clrFrom>
+              <a:clrTo>
+                <a:srgbClr val="FFFFFF">
+                  <a:alpha val="0"/>
+                </a:srgbClr>
+              </a:clrTo>
+            </a:clrChange>
+            <a:extLst>
+              <a:ext uri="{28A0092B-C50C-407E-A947-70E740481C1C}">
+                <a14:useLocalDpi xmlns:a14="http://schemas.microsoft.com/office/drawing/2010/main" val="0"/>
+              </a:ext>
+            </a:extLst>
+          </a:blip>
+          <a:srcRect/>
+          <a:stretch>
+            <a:fillRect/>
+          </a:stretch>
+        </p:blipFill>
+        <p:spPr bwMode="auto">
+          <a:xfrm>
+            <a:off x="7717382" y="2637478"/>
+            <a:ext cx="352751" cy="385218"/>
+          </a:xfrm>
+          <a:prstGeom prst="rect">
+            <a:avLst/>
+          </a:prstGeom>
+          <a:noFill/>
+          <a:extLst>
+            <a:ext uri="{909E8E84-426E-40DD-AFC4-6F175D3DCCD1}">
+              <a14:hiddenFill xmlns:a14="http://schemas.microsoft.com/office/drawing/2010/main">
+                <a:solidFill>
+                  <a:srgbClr val="FFFFFF"/>
+                </a:solidFill>
+              </a14:hiddenFill>
+            </a:ext>
+          </a:extLst>
+        </p:spPr>
+      </p:pic>
+      <p:sp>
+        <p:nvSpPr>
+          <p:cNvPr id="26" name="TextBox 25">
+            <a:extLst>
+              <a:ext uri="{FF2B5EF4-FFF2-40B4-BE49-F238E27FC236}">
+                <a16:creationId xmlns:a16="http://schemas.microsoft.com/office/drawing/2014/main" id="{DBB0026A-CD97-8F5E-93CA-F828739467D3}"/>
+              </a:ext>
+            </a:extLst>
+          </p:cNvPr>
+          <p:cNvSpPr txBox="1"/>
+          <p:nvPr/>
+        </p:nvSpPr>
+        <p:spPr>
+          <a:xfrm>
+            <a:off x="7607532" y="2988775"/>
+            <a:ext cx="583874" cy="400110"/>
+          </a:xfrm>
+          <a:prstGeom prst="rect">
+            <a:avLst/>
+          </a:prstGeom>
+          <a:noFill/>
+        </p:spPr>
+        <p:txBody>
+          <a:bodyPr wrap="square" lIns="0" rIns="0" rtlCol="0">
+            <a:spAutoFit/>
+          </a:bodyPr>
+          <a:lstStyle>
+            <a:defPPr>
+              <a:defRPr lang="en-US"/>
+            </a:defPPr>
+            <a:lvl1pPr algn="ctr">
+              <a:defRPr sz="1000">
+                <a:latin typeface="Calibri" panose="020F0502020204030204" pitchFamily="34" charset="0"/>
+                <a:ea typeface="Calibri" panose="020F0502020204030204" pitchFamily="34" charset="0"/>
+                <a:cs typeface="Calibri" panose="020F0502020204030204" pitchFamily="34" charset="0"/>
+              </a:defRPr>
+            </a:lvl1pPr>
+          </a:lstStyle>
+          <a:p>
+            <a:r>
+              <a:rPr lang="en-US" dirty="0"/>
+              <a:t>Firefox Relay</a:t>
+            </a:r>
+          </a:p>
+        </p:txBody>
+      </p:sp>
+      <p:pic>
+        <p:nvPicPr>
+          <p:cNvPr id="27" name="Picture 16" descr="Lindblad logo">
+            <a:extLst>
+              <a:ext uri="{FF2B5EF4-FFF2-40B4-BE49-F238E27FC236}">
+                <a16:creationId xmlns:a16="http://schemas.microsoft.com/office/drawing/2014/main" id="{C3EBEB37-EC70-2470-2EB8-60E6933BCAAA}"/>
+              </a:ext>
+            </a:extLst>
+          </p:cNvPr>
+          <p:cNvPicPr>
+            <a:picLocks noChangeAspect="1" noChangeArrowheads="1"/>
+          </p:cNvPicPr>
+          <p:nvPr/>
+        </p:nvPicPr>
+        <p:blipFill>
+          <a:blip r:embed="rId30">
+            <a:clrChange>
+              <a:clrFrom>
+                <a:srgbClr val="FFFFFF"/>
+              </a:clrFrom>
+              <a:clrTo>
+                <a:srgbClr val="FFFFFF">
+                  <a:alpha val="0"/>
+                </a:srgbClr>
+              </a:clrTo>
+            </a:clrChange>
+            <a:extLst>
+              <a:ext uri="{28A0092B-C50C-407E-A947-70E740481C1C}">
+                <a14:useLocalDpi xmlns:a14="http://schemas.microsoft.com/office/drawing/2010/main" val="0"/>
+              </a:ext>
+            </a:extLst>
+          </a:blip>
+          <a:srcRect/>
+          <a:stretch>
+            <a:fillRect/>
+          </a:stretch>
+        </p:blipFill>
+        <p:spPr bwMode="auto">
+          <a:xfrm>
+            <a:off x="8559978" y="2637478"/>
+            <a:ext cx="352751" cy="380346"/>
+          </a:xfrm>
+          <a:prstGeom prst="rect">
+            <a:avLst/>
+          </a:prstGeom>
+          <a:noFill/>
+          <a:extLst>
+            <a:ext uri="{909E8E84-426E-40DD-AFC4-6F175D3DCCD1}">
+              <a14:hiddenFill xmlns:a14="http://schemas.microsoft.com/office/drawing/2010/main">
+                <a:solidFill>
+                  <a:srgbClr val="FFFFFF"/>
+                </a:solidFill>
+              </a14:hiddenFill>
+            </a:ext>
+          </a:extLst>
+        </p:spPr>
+      </p:pic>
+      <p:sp>
+        <p:nvSpPr>
+          <p:cNvPr id="29" name="TextBox 28">
+            <a:extLst>
+              <a:ext uri="{FF2B5EF4-FFF2-40B4-BE49-F238E27FC236}">
+                <a16:creationId xmlns:a16="http://schemas.microsoft.com/office/drawing/2014/main" id="{67E0418B-7482-8366-EF18-A02A9F6BD0DE}"/>
+              </a:ext>
+            </a:extLst>
+          </p:cNvPr>
+          <p:cNvSpPr txBox="1"/>
+          <p:nvPr/>
+        </p:nvSpPr>
+        <p:spPr>
+          <a:xfrm>
+            <a:off x="8444416" y="2998410"/>
+            <a:ext cx="583874" cy="400110"/>
+          </a:xfrm>
+          <a:prstGeom prst="rect">
+            <a:avLst/>
+          </a:prstGeom>
+          <a:noFill/>
+        </p:spPr>
+        <p:txBody>
+          <a:bodyPr wrap="square" lIns="0" rIns="0" rtlCol="0">
+            <a:spAutoFit/>
+          </a:bodyPr>
+          <a:lstStyle>
+            <a:defPPr>
+              <a:defRPr lang="en-US"/>
+            </a:defPPr>
+            <a:lvl1pPr algn="ctr">
+              <a:defRPr sz="1000">
+                <a:latin typeface="Calibri" panose="020F0502020204030204" pitchFamily="34" charset="0"/>
+                <a:ea typeface="Calibri" panose="020F0502020204030204" pitchFamily="34" charset="0"/>
+                <a:cs typeface="Calibri" panose="020F0502020204030204" pitchFamily="34" charset="0"/>
+              </a:defRPr>
+            </a:lvl1pPr>
+          </a:lstStyle>
+          <a:p>
+            <a:r>
+              <a:rPr lang="en-US" dirty="0"/>
+              <a:t>Cruise Viewer</a:t>
+            </a:r>
+          </a:p>
+        </p:txBody>
+      </p:sp>
+      <p:sp>
+        <p:nvSpPr>
+          <p:cNvPr id="2" name="TextBox 1">
+            <a:extLst>
+              <a:ext uri="{FF2B5EF4-FFF2-40B4-BE49-F238E27FC236}">
+                <a16:creationId xmlns:a16="http://schemas.microsoft.com/office/drawing/2014/main" id="{36480B35-5F8C-8295-4866-5F2A75C94EDF}"/>
+              </a:ext>
+            </a:extLst>
+          </p:cNvPr>
+          <p:cNvSpPr txBox="1"/>
+          <p:nvPr/>
+        </p:nvSpPr>
+        <p:spPr>
+          <a:xfrm>
+            <a:off x="10000857" y="2927071"/>
+            <a:ext cx="459736" cy="400110"/>
+          </a:xfrm>
+          <a:prstGeom prst="rect">
+            <a:avLst/>
+          </a:prstGeom>
+          <a:noFill/>
+        </p:spPr>
+        <p:txBody>
+          <a:bodyPr wrap="square" lIns="0" rIns="0" rtlCol="0" anchor="t">
+            <a:spAutoFit/>
+          </a:bodyPr>
+          <a:lstStyle>
+            <a:defPPr>
+              <a:defRPr lang="en-US"/>
+            </a:defPPr>
+            <a:lvl1pPr algn="ctr">
+              <a:defRPr sz="1000">
+                <a:latin typeface="Calibri" panose="020F0502020204030204" pitchFamily="34" charset="0"/>
+                <a:ea typeface="Calibri" panose="020F0502020204030204" pitchFamily="34" charset="0"/>
+                <a:cs typeface="Calibri" panose="020F0502020204030204" pitchFamily="34" charset="0"/>
+              </a:defRPr>
+            </a:lvl1pPr>
+          </a:lstStyle>
+          <a:p>
+            <a:r>
+              <a:rPr lang="en-US" dirty="0"/>
+              <a:t>Cloud</a:t>
+            </a:r>
+          </a:p>
+          <a:p>
+            <a:r>
+              <a:rPr lang="en-US" dirty="0"/>
+              <a:t>Flare</a:t>
+            </a:r>
+          </a:p>
+        </p:txBody>
+      </p:sp>
+    </p:spTree>
+    <p:extLst>
+      <p:ext uri="{BB962C8B-B14F-4D97-AF65-F5344CB8AC3E}">
+        <p14:creationId xmlns:p14="http://schemas.microsoft.com/office/powerpoint/2010/main" val="3004675614"/>
       </p:ext>
     </p:extLst>
   </p:cSld>

--- a/SolutionArchitecture.pptx
+++ b/SolutionArchitecture.pptx
@@ -260,7 +260,7 @@
           <a:p>
             <a:fld id="{BAD81560-E736-4A3E-98FC-5A2607D45314}" type="datetimeFigureOut">
               <a:rPr lang="en-US" smtClean="0"/>
-              <a:t>5/7/2025</a:t>
+              <a:t>5/17/2025</a:t>
             </a:fld>
             <a:endParaRPr lang="en-US"/>
           </a:p>
@@ -458,7 +458,7 @@
           <a:p>
             <a:fld id="{BAD81560-E736-4A3E-98FC-5A2607D45314}" type="datetimeFigureOut">
               <a:rPr lang="en-US" smtClean="0"/>
-              <a:t>5/7/2025</a:t>
+              <a:t>5/17/2025</a:t>
             </a:fld>
             <a:endParaRPr lang="en-US"/>
           </a:p>
@@ -666,7 +666,7 @@
           <a:p>
             <a:fld id="{BAD81560-E736-4A3E-98FC-5A2607D45314}" type="datetimeFigureOut">
               <a:rPr lang="en-US" smtClean="0"/>
-              <a:t>5/7/2025</a:t>
+              <a:t>5/17/2025</a:t>
             </a:fld>
             <a:endParaRPr lang="en-US"/>
           </a:p>
@@ -864,7 +864,7 @@
           <a:p>
             <a:fld id="{BAD81560-E736-4A3E-98FC-5A2607D45314}" type="datetimeFigureOut">
               <a:rPr lang="en-US" smtClean="0"/>
-              <a:t>5/7/2025</a:t>
+              <a:t>5/17/2025</a:t>
             </a:fld>
             <a:endParaRPr lang="en-US"/>
           </a:p>
@@ -1139,7 +1139,7 @@
           <a:p>
             <a:fld id="{BAD81560-E736-4A3E-98FC-5A2607D45314}" type="datetimeFigureOut">
               <a:rPr lang="en-US" smtClean="0"/>
-              <a:t>5/7/2025</a:t>
+              <a:t>5/17/2025</a:t>
             </a:fld>
             <a:endParaRPr lang="en-US"/>
           </a:p>
@@ -1404,7 +1404,7 @@
           <a:p>
             <a:fld id="{BAD81560-E736-4A3E-98FC-5A2607D45314}" type="datetimeFigureOut">
               <a:rPr lang="en-US" smtClean="0"/>
-              <a:t>5/7/2025</a:t>
+              <a:t>5/17/2025</a:t>
             </a:fld>
             <a:endParaRPr lang="en-US"/>
           </a:p>
@@ -1816,7 +1816,7 @@
           <a:p>
             <a:fld id="{BAD81560-E736-4A3E-98FC-5A2607D45314}" type="datetimeFigureOut">
               <a:rPr lang="en-US" smtClean="0"/>
-              <a:t>5/7/2025</a:t>
+              <a:t>5/17/2025</a:t>
             </a:fld>
             <a:endParaRPr lang="en-US"/>
           </a:p>
@@ -1957,7 +1957,7 @@
           <a:p>
             <a:fld id="{BAD81560-E736-4A3E-98FC-5A2607D45314}" type="datetimeFigureOut">
               <a:rPr lang="en-US" smtClean="0"/>
-              <a:t>5/7/2025</a:t>
+              <a:t>5/17/2025</a:t>
             </a:fld>
             <a:endParaRPr lang="en-US"/>
           </a:p>
@@ -2070,7 +2070,7 @@
           <a:p>
             <a:fld id="{BAD81560-E736-4A3E-98FC-5A2607D45314}" type="datetimeFigureOut">
               <a:rPr lang="en-US" smtClean="0"/>
-              <a:t>5/7/2025</a:t>
+              <a:t>5/17/2025</a:t>
             </a:fld>
             <a:endParaRPr lang="en-US"/>
           </a:p>
@@ -2381,7 +2381,7 @@
           <a:p>
             <a:fld id="{BAD81560-E736-4A3E-98FC-5A2607D45314}" type="datetimeFigureOut">
               <a:rPr lang="en-US" smtClean="0"/>
-              <a:t>5/7/2025</a:t>
+              <a:t>5/17/2025</a:t>
             </a:fld>
             <a:endParaRPr lang="en-US"/>
           </a:p>
@@ -2669,7 +2669,7 @@
           <a:p>
             <a:fld id="{BAD81560-E736-4A3E-98FC-5A2607D45314}" type="datetimeFigureOut">
               <a:rPr lang="en-US" smtClean="0"/>
-              <a:t>5/7/2025</a:t>
+              <a:t>5/17/2025</a:t>
             </a:fld>
             <a:endParaRPr lang="en-US"/>
           </a:p>
@@ -2910,7 +2910,7 @@
           <a:p>
             <a:fld id="{BAD81560-E736-4A3E-98FC-5A2607D45314}" type="datetimeFigureOut">
               <a:rPr lang="en-US" smtClean="0"/>
-              <a:t>5/7/2025</a:t>
+              <a:t>5/17/2025</a:t>
             </a:fld>
             <a:endParaRPr lang="en-US"/>
           </a:p>
@@ -9881,6 +9881,190 @@
             <a:r>
               <a:rPr lang="en-US" dirty="0"/>
               <a:t>Flare</a:t>
+            </a:r>
+          </a:p>
+        </p:txBody>
+      </p:sp>
+      <p:pic>
+        <p:nvPicPr>
+          <p:cNvPr id="3" name="Picture 2" descr="Container Insights with enhanced observability now available in Amazon ECS  | AWS News Blog">
+            <a:extLst>
+              <a:ext uri="{FF2B5EF4-FFF2-40B4-BE49-F238E27FC236}">
+                <a16:creationId xmlns:a16="http://schemas.microsoft.com/office/drawing/2014/main" id="{2957F40C-B0A6-206C-264C-F0E5B59851C3}"/>
+              </a:ext>
+            </a:extLst>
+          </p:cNvPr>
+          <p:cNvPicPr>
+            <a:picLocks noChangeAspect="1" noChangeArrowheads="1"/>
+          </p:cNvPicPr>
+          <p:nvPr/>
+        </p:nvPicPr>
+        <p:blipFill rotWithShape="1">
+          <a:blip r:embed="rId31">
+            <a:extLst>
+              <a:ext uri="{28A0092B-C50C-407E-A947-70E740481C1C}">
+                <a14:useLocalDpi xmlns:a14="http://schemas.microsoft.com/office/drawing/2010/main" val="0"/>
+              </a:ext>
+            </a:extLst>
+          </a:blip>
+          <a:srcRect l="34773" t="22000" r="34773" b="22000"/>
+          <a:stretch/>
+        </p:blipFill>
+        <p:spPr bwMode="auto">
+          <a:xfrm>
+            <a:off x="10772375" y="2637478"/>
+            <a:ext cx="352751" cy="380346"/>
+          </a:xfrm>
+          <a:prstGeom prst="rect">
+            <a:avLst/>
+          </a:prstGeom>
+          <a:noFill/>
+          <a:extLst>
+            <a:ext uri="{909E8E84-426E-40DD-AFC4-6F175D3DCCD1}">
+              <a14:hiddenFill xmlns:a14="http://schemas.microsoft.com/office/drawing/2010/main">
+                <a:solidFill>
+                  <a:srgbClr val="FFFFFF"/>
+                </a:solidFill>
+              </a14:hiddenFill>
+            </a:ext>
+          </a:extLst>
+        </p:spPr>
+      </p:pic>
+      <p:sp>
+        <p:nvSpPr>
+          <p:cNvPr id="4" name="TextBox 3">
+            <a:extLst>
+              <a:ext uri="{FF2B5EF4-FFF2-40B4-BE49-F238E27FC236}">
+                <a16:creationId xmlns:a16="http://schemas.microsoft.com/office/drawing/2014/main" id="{3EC3518F-E426-3AE4-3CF1-331E2F816FCE}"/>
+              </a:ext>
+            </a:extLst>
+          </p:cNvPr>
+          <p:cNvSpPr txBox="1"/>
+          <p:nvPr/>
+        </p:nvSpPr>
+        <p:spPr>
+          <a:xfrm>
+            <a:off x="10648505" y="2988775"/>
+            <a:ext cx="602660" cy="400110"/>
+          </a:xfrm>
+          <a:prstGeom prst="rect">
+            <a:avLst/>
+          </a:prstGeom>
+          <a:noFill/>
+        </p:spPr>
+        <p:txBody>
+          <a:bodyPr wrap="square" lIns="0" rIns="0" rtlCol="0" anchor="t">
+            <a:spAutoFit/>
+          </a:bodyPr>
+          <a:lstStyle>
+            <a:defPPr>
+              <a:defRPr lang="en-US"/>
+            </a:defPPr>
+            <a:lvl1pPr algn="ctr">
+              <a:defRPr sz="1000">
+                <a:latin typeface="Calibri" panose="020F0502020204030204" pitchFamily="34" charset="0"/>
+                <a:ea typeface="Calibri" panose="020F0502020204030204" pitchFamily="34" charset="0"/>
+                <a:cs typeface="Calibri" panose="020F0502020204030204" pitchFamily="34" charset="0"/>
+              </a:defRPr>
+            </a:lvl1pPr>
+          </a:lstStyle>
+          <a:p>
+            <a:r>
+              <a:rPr lang="en-US" dirty="0"/>
+              <a:t>Container Insights</a:t>
+            </a:r>
+          </a:p>
+        </p:txBody>
+      </p:sp>
+      <p:pic>
+        <p:nvPicPr>
+          <p:cNvPr id="5" name="Picture 4" descr="Aws Sqs icon - Free Download PNG &amp; SVG | Streamline">
+            <a:extLst>
+              <a:ext uri="{FF2B5EF4-FFF2-40B4-BE49-F238E27FC236}">
+                <a16:creationId xmlns:a16="http://schemas.microsoft.com/office/drawing/2014/main" id="{9027F4C3-B291-3BE2-7BC8-9DAF6CDC6740}"/>
+              </a:ext>
+            </a:extLst>
+          </p:cNvPr>
+          <p:cNvPicPr>
+            <a:picLocks noChangeAspect="1" noChangeArrowheads="1"/>
+          </p:cNvPicPr>
+          <p:nvPr/>
+        </p:nvPicPr>
+        <p:blipFill>
+          <a:blip r:embed="rId32">
+            <a:extLst>
+              <a:ext uri="{28A0092B-C50C-407E-A947-70E740481C1C}">
+                <a14:useLocalDpi xmlns:a14="http://schemas.microsoft.com/office/drawing/2010/main" val="0"/>
+              </a:ext>
+            </a:extLst>
+          </a:blip>
+          <a:srcRect/>
+          <a:stretch>
+            <a:fillRect/>
+          </a:stretch>
+        </p:blipFill>
+        <p:spPr bwMode="auto">
+          <a:xfrm>
+            <a:off x="11638305" y="2637478"/>
+            <a:ext cx="352751" cy="385218"/>
+          </a:xfrm>
+          <a:prstGeom prst="rect">
+            <a:avLst/>
+          </a:prstGeom>
+          <a:noFill/>
+          <a:extLst>
+            <a:ext uri="{909E8E84-426E-40DD-AFC4-6F175D3DCCD1}">
+              <a14:hiddenFill xmlns:a14="http://schemas.microsoft.com/office/drawing/2010/main">
+                <a:solidFill>
+                  <a:srgbClr val="FFFFFF"/>
+                </a:solidFill>
+              </a14:hiddenFill>
+            </a:ext>
+          </a:extLst>
+        </p:spPr>
+      </p:pic>
+      <p:sp>
+        <p:nvSpPr>
+          <p:cNvPr id="6" name="TextBox 5">
+            <a:extLst>
+              <a:ext uri="{FF2B5EF4-FFF2-40B4-BE49-F238E27FC236}">
+                <a16:creationId xmlns:a16="http://schemas.microsoft.com/office/drawing/2014/main" id="{25545621-0027-FD78-45FC-3EE058873F72}"/>
+              </a:ext>
+            </a:extLst>
+          </p:cNvPr>
+          <p:cNvSpPr txBox="1"/>
+          <p:nvPr/>
+        </p:nvSpPr>
+        <p:spPr>
+          <a:xfrm>
+            <a:off x="11603161" y="3017824"/>
+            <a:ext cx="423037" cy="246221"/>
+          </a:xfrm>
+          <a:prstGeom prst="rect">
+            <a:avLst/>
+          </a:prstGeom>
+          <a:noFill/>
+        </p:spPr>
+        <p:txBody>
+          <a:bodyPr wrap="square" lIns="0" rIns="0" rtlCol="0">
+            <a:spAutoFit/>
+          </a:bodyPr>
+          <a:lstStyle>
+            <a:defPPr>
+              <a:defRPr lang="en-US"/>
+            </a:defPPr>
+            <a:lvl1pPr algn="ctr">
+              <a:defRPr sz="1000">
+                <a:latin typeface="Calibri" panose="020F0502020204030204" pitchFamily="34" charset="0"/>
+                <a:ea typeface="Calibri" panose="020F0502020204030204" pitchFamily="34" charset="0"/>
+                <a:cs typeface="Calibri" panose="020F0502020204030204" pitchFamily="34" charset="0"/>
+              </a:defRPr>
+            </a:lvl1pPr>
+          </a:lstStyle>
+          <a:p>
+            <a:r>
+              <a:rPr lang="en-US" dirty="0"/>
+              <a:t>SQS</a:t>
             </a:r>
           </a:p>
         </p:txBody>

--- a/SolutionArchitecture.pptx
+++ b/SolutionArchitecture.pptx
@@ -4,9 +4,13 @@
   <p:sldMasterIdLst>
     <p:sldMasterId id="2147483648" r:id="rId1"/>
   </p:sldMasterIdLst>
+  <p:notesMasterIdLst>
+    <p:notesMasterId r:id="rId5"/>
+  </p:notesMasterIdLst>
   <p:sldIdLst>
     <p:sldId id="256" r:id="rId2"/>
     <p:sldId id="257" r:id="rId3"/>
+    <p:sldId id="258" r:id="rId4"/>
   </p:sldIdLst>
   <p:sldSz cx="12192000" cy="6858000"/>
   <p:notesSz cx="6858000" cy="9144000"/>
@@ -113,6 +117,439 @@
 </p:presentation>
 </file>
 
+<file path=ppt/notesMasters/notesMaster1.xml><?xml version="1.0" encoding="utf-8"?>
+<p:notesMaster xmlns:a="http://schemas.openxmlformats.org/drawingml/2006/main" xmlns:r="http://schemas.openxmlformats.org/officeDocument/2006/relationships" xmlns:p="http://schemas.openxmlformats.org/presentationml/2006/main">
+  <p:cSld>
+    <p:bg>
+      <p:bgRef idx="1001">
+        <a:schemeClr val="bg1"/>
+      </p:bgRef>
+    </p:bg>
+    <p:spTree>
+      <p:nvGrpSpPr>
+        <p:cNvPr id="1" name=""/>
+        <p:cNvGrpSpPr/>
+        <p:nvPr/>
+      </p:nvGrpSpPr>
+      <p:grpSpPr>
+        <a:xfrm>
+          <a:off x="0" y="0"/>
+          <a:ext cx="0" cy="0"/>
+          <a:chOff x="0" y="0"/>
+          <a:chExt cx="0" cy="0"/>
+        </a:xfrm>
+      </p:grpSpPr>
+      <p:sp>
+        <p:nvSpPr>
+          <p:cNvPr id="2" name="Header Placeholder 1"/>
+          <p:cNvSpPr>
+            <a:spLocks noGrp="1"/>
+          </p:cNvSpPr>
+          <p:nvPr>
+            <p:ph type="hdr" sz="quarter"/>
+          </p:nvPr>
+        </p:nvSpPr>
+        <p:spPr>
+          <a:xfrm>
+            <a:off x="0" y="0"/>
+            <a:ext cx="2971800" cy="458788"/>
+          </a:xfrm>
+          <a:prstGeom prst="rect">
+            <a:avLst/>
+          </a:prstGeom>
+        </p:spPr>
+        <p:txBody>
+          <a:bodyPr vert="horz" lIns="91440" tIns="45720" rIns="91440" bIns="45720" rtlCol="0"/>
+          <a:lstStyle>
+            <a:lvl1pPr algn="l">
+              <a:defRPr sz="1200"/>
+            </a:lvl1pPr>
+          </a:lstStyle>
+          <a:p>
+            <a:endParaRPr lang="en-US"/>
+          </a:p>
+        </p:txBody>
+      </p:sp>
+      <p:sp>
+        <p:nvSpPr>
+          <p:cNvPr id="3" name="Date Placeholder 2"/>
+          <p:cNvSpPr>
+            <a:spLocks noGrp="1"/>
+          </p:cNvSpPr>
+          <p:nvPr>
+            <p:ph type="dt" idx="1"/>
+          </p:nvPr>
+        </p:nvSpPr>
+        <p:spPr>
+          <a:xfrm>
+            <a:off x="3884613" y="0"/>
+            <a:ext cx="2971800" cy="458788"/>
+          </a:xfrm>
+          <a:prstGeom prst="rect">
+            <a:avLst/>
+          </a:prstGeom>
+        </p:spPr>
+        <p:txBody>
+          <a:bodyPr vert="horz" lIns="91440" tIns="45720" rIns="91440" bIns="45720" rtlCol="0"/>
+          <a:lstStyle>
+            <a:lvl1pPr algn="r">
+              <a:defRPr sz="1200"/>
+            </a:lvl1pPr>
+          </a:lstStyle>
+          <a:p>
+            <a:fld id="{3D8E887A-6233-4CAB-94B9-3010756F85B5}" type="datetimeFigureOut">
+              <a:rPr lang="en-US" smtClean="0"/>
+              <a:t>5/26/2025</a:t>
+            </a:fld>
+            <a:endParaRPr lang="en-US"/>
+          </a:p>
+        </p:txBody>
+      </p:sp>
+      <p:sp>
+        <p:nvSpPr>
+          <p:cNvPr id="4" name="Slide Image Placeholder 3"/>
+          <p:cNvSpPr>
+            <a:spLocks noGrp="1" noRot="1" noChangeAspect="1"/>
+          </p:cNvSpPr>
+          <p:nvPr>
+            <p:ph type="sldImg" idx="2"/>
+          </p:nvPr>
+        </p:nvSpPr>
+        <p:spPr>
+          <a:xfrm>
+            <a:off x="685800" y="1143000"/>
+            <a:ext cx="5486400" cy="3086100"/>
+          </a:xfrm>
+          <a:prstGeom prst="rect">
+            <a:avLst/>
+          </a:prstGeom>
+          <a:noFill/>
+          <a:ln w="12700">
+            <a:solidFill>
+              <a:prstClr val="black"/>
+            </a:solidFill>
+          </a:ln>
+        </p:spPr>
+        <p:txBody>
+          <a:bodyPr vert="horz" lIns="91440" tIns="45720" rIns="91440" bIns="45720" rtlCol="0" anchor="ctr"/>
+          <a:lstStyle/>
+          <a:p>
+            <a:endParaRPr lang="en-US"/>
+          </a:p>
+        </p:txBody>
+      </p:sp>
+      <p:sp>
+        <p:nvSpPr>
+          <p:cNvPr id="5" name="Notes Placeholder 4"/>
+          <p:cNvSpPr>
+            <a:spLocks noGrp="1"/>
+          </p:cNvSpPr>
+          <p:nvPr>
+            <p:ph type="body" sz="quarter" idx="3"/>
+          </p:nvPr>
+        </p:nvSpPr>
+        <p:spPr>
+          <a:xfrm>
+            <a:off x="685800" y="4400550"/>
+            <a:ext cx="5486400" cy="3600450"/>
+          </a:xfrm>
+          <a:prstGeom prst="rect">
+            <a:avLst/>
+          </a:prstGeom>
+        </p:spPr>
+        <p:txBody>
+          <a:bodyPr vert="horz" lIns="91440" tIns="45720" rIns="91440" bIns="45720" rtlCol="0"/>
+          <a:lstStyle/>
+          <a:p>
+            <a:pPr lvl="0"/>
+            <a:r>
+              <a:rPr lang="en-US"/>
+              <a:t>Click to edit Master text styles</a:t>
+            </a:r>
+          </a:p>
+          <a:p>
+            <a:pPr lvl="1"/>
+            <a:r>
+              <a:rPr lang="en-US"/>
+              <a:t>Second level</a:t>
+            </a:r>
+          </a:p>
+          <a:p>
+            <a:pPr lvl="2"/>
+            <a:r>
+              <a:rPr lang="en-US"/>
+              <a:t>Third level</a:t>
+            </a:r>
+          </a:p>
+          <a:p>
+            <a:pPr lvl="3"/>
+            <a:r>
+              <a:rPr lang="en-US"/>
+              <a:t>Fourth level</a:t>
+            </a:r>
+          </a:p>
+          <a:p>
+            <a:pPr lvl="4"/>
+            <a:r>
+              <a:rPr lang="en-US"/>
+              <a:t>Fifth level</a:t>
+            </a:r>
+          </a:p>
+        </p:txBody>
+      </p:sp>
+      <p:sp>
+        <p:nvSpPr>
+          <p:cNvPr id="6" name="Footer Placeholder 5"/>
+          <p:cNvSpPr>
+            <a:spLocks noGrp="1"/>
+          </p:cNvSpPr>
+          <p:nvPr>
+            <p:ph type="ftr" sz="quarter" idx="4"/>
+          </p:nvPr>
+        </p:nvSpPr>
+        <p:spPr>
+          <a:xfrm>
+            <a:off x="0" y="8685213"/>
+            <a:ext cx="2971800" cy="458787"/>
+          </a:xfrm>
+          <a:prstGeom prst="rect">
+            <a:avLst/>
+          </a:prstGeom>
+        </p:spPr>
+        <p:txBody>
+          <a:bodyPr vert="horz" lIns="91440" tIns="45720" rIns="91440" bIns="45720" rtlCol="0" anchor="b"/>
+          <a:lstStyle>
+            <a:lvl1pPr algn="l">
+              <a:defRPr sz="1200"/>
+            </a:lvl1pPr>
+          </a:lstStyle>
+          <a:p>
+            <a:endParaRPr lang="en-US"/>
+          </a:p>
+        </p:txBody>
+      </p:sp>
+      <p:sp>
+        <p:nvSpPr>
+          <p:cNvPr id="7" name="Slide Number Placeholder 6"/>
+          <p:cNvSpPr>
+            <a:spLocks noGrp="1"/>
+          </p:cNvSpPr>
+          <p:nvPr>
+            <p:ph type="sldNum" sz="quarter" idx="5"/>
+          </p:nvPr>
+        </p:nvSpPr>
+        <p:spPr>
+          <a:xfrm>
+            <a:off x="3884613" y="8685213"/>
+            <a:ext cx="2971800" cy="458787"/>
+          </a:xfrm>
+          <a:prstGeom prst="rect">
+            <a:avLst/>
+          </a:prstGeom>
+        </p:spPr>
+        <p:txBody>
+          <a:bodyPr vert="horz" lIns="91440" tIns="45720" rIns="91440" bIns="45720" rtlCol="0" anchor="b"/>
+          <a:lstStyle>
+            <a:lvl1pPr algn="r">
+              <a:defRPr sz="1200"/>
+            </a:lvl1pPr>
+          </a:lstStyle>
+          <a:p>
+            <a:fld id="{7B81A703-0AE7-46BF-A0AA-54AEB63F3031}" type="slidenum">
+              <a:rPr lang="en-US" smtClean="0"/>
+              <a:t>‹#›</a:t>
+            </a:fld>
+            <a:endParaRPr lang="en-US"/>
+          </a:p>
+        </p:txBody>
+      </p:sp>
+    </p:spTree>
+    <p:extLst>
+      <p:ext uri="{BB962C8B-B14F-4D97-AF65-F5344CB8AC3E}">
+        <p14:creationId xmlns:p14="http://schemas.microsoft.com/office/powerpoint/2010/main" val="1055935790"/>
+      </p:ext>
+    </p:extLst>
+  </p:cSld>
+  <p:clrMap bg1="lt1" tx1="dk1" bg2="lt2" tx2="dk2" accent1="accent1" accent2="accent2" accent3="accent3" accent4="accent4" accent5="accent5" accent6="accent6" hlink="hlink" folHlink="folHlink"/>
+  <p:notesStyle>
+    <a:lvl1pPr marL="0" algn="l" defTabSz="914400" rtl="0" eaLnBrk="1" latinLnBrk="0" hangingPunct="1">
+      <a:defRPr sz="1200" kern="1200">
+        <a:solidFill>
+          <a:schemeClr val="tx1"/>
+        </a:solidFill>
+        <a:latin typeface="+mn-lt"/>
+        <a:ea typeface="+mn-ea"/>
+        <a:cs typeface="+mn-cs"/>
+      </a:defRPr>
+    </a:lvl1pPr>
+    <a:lvl2pPr marL="457200" algn="l" defTabSz="914400" rtl="0" eaLnBrk="1" latinLnBrk="0" hangingPunct="1">
+      <a:defRPr sz="1200" kern="1200">
+        <a:solidFill>
+          <a:schemeClr val="tx1"/>
+        </a:solidFill>
+        <a:latin typeface="+mn-lt"/>
+        <a:ea typeface="+mn-ea"/>
+        <a:cs typeface="+mn-cs"/>
+      </a:defRPr>
+    </a:lvl2pPr>
+    <a:lvl3pPr marL="914400" algn="l" defTabSz="914400" rtl="0" eaLnBrk="1" latinLnBrk="0" hangingPunct="1">
+      <a:defRPr sz="1200" kern="1200">
+        <a:solidFill>
+          <a:schemeClr val="tx1"/>
+        </a:solidFill>
+        <a:latin typeface="+mn-lt"/>
+        <a:ea typeface="+mn-ea"/>
+        <a:cs typeface="+mn-cs"/>
+      </a:defRPr>
+    </a:lvl3pPr>
+    <a:lvl4pPr marL="1371600" algn="l" defTabSz="914400" rtl="0" eaLnBrk="1" latinLnBrk="0" hangingPunct="1">
+      <a:defRPr sz="1200" kern="1200">
+        <a:solidFill>
+          <a:schemeClr val="tx1"/>
+        </a:solidFill>
+        <a:latin typeface="+mn-lt"/>
+        <a:ea typeface="+mn-ea"/>
+        <a:cs typeface="+mn-cs"/>
+      </a:defRPr>
+    </a:lvl4pPr>
+    <a:lvl5pPr marL="1828800" algn="l" defTabSz="914400" rtl="0" eaLnBrk="1" latinLnBrk="0" hangingPunct="1">
+      <a:defRPr sz="1200" kern="1200">
+        <a:solidFill>
+          <a:schemeClr val="tx1"/>
+        </a:solidFill>
+        <a:latin typeface="+mn-lt"/>
+        <a:ea typeface="+mn-ea"/>
+        <a:cs typeface="+mn-cs"/>
+      </a:defRPr>
+    </a:lvl5pPr>
+    <a:lvl6pPr marL="2286000" algn="l" defTabSz="914400" rtl="0" eaLnBrk="1" latinLnBrk="0" hangingPunct="1">
+      <a:defRPr sz="1200" kern="1200">
+        <a:solidFill>
+          <a:schemeClr val="tx1"/>
+        </a:solidFill>
+        <a:latin typeface="+mn-lt"/>
+        <a:ea typeface="+mn-ea"/>
+        <a:cs typeface="+mn-cs"/>
+      </a:defRPr>
+    </a:lvl6pPr>
+    <a:lvl7pPr marL="2743200" algn="l" defTabSz="914400" rtl="0" eaLnBrk="1" latinLnBrk="0" hangingPunct="1">
+      <a:defRPr sz="1200" kern="1200">
+        <a:solidFill>
+          <a:schemeClr val="tx1"/>
+        </a:solidFill>
+        <a:latin typeface="+mn-lt"/>
+        <a:ea typeface="+mn-ea"/>
+        <a:cs typeface="+mn-cs"/>
+      </a:defRPr>
+    </a:lvl7pPr>
+    <a:lvl8pPr marL="3200400" algn="l" defTabSz="914400" rtl="0" eaLnBrk="1" latinLnBrk="0" hangingPunct="1">
+      <a:defRPr sz="1200" kern="1200">
+        <a:solidFill>
+          <a:schemeClr val="tx1"/>
+        </a:solidFill>
+        <a:latin typeface="+mn-lt"/>
+        <a:ea typeface="+mn-ea"/>
+        <a:cs typeface="+mn-cs"/>
+      </a:defRPr>
+    </a:lvl8pPr>
+    <a:lvl9pPr marL="3657600" algn="l" defTabSz="914400" rtl="0" eaLnBrk="1" latinLnBrk="0" hangingPunct="1">
+      <a:defRPr sz="1200" kern="1200">
+        <a:solidFill>
+          <a:schemeClr val="tx1"/>
+        </a:solidFill>
+        <a:latin typeface="+mn-lt"/>
+        <a:ea typeface="+mn-ea"/>
+        <a:cs typeface="+mn-cs"/>
+      </a:defRPr>
+    </a:lvl9pPr>
+  </p:notesStyle>
+</p:notesMaster>
+</file>
+
+<file path=ppt/notesSlides/notesSlide1.xml><?xml version="1.0" encoding="utf-8"?>
+<p:notes xmlns:a="http://schemas.openxmlformats.org/drawingml/2006/main" xmlns:r="http://schemas.openxmlformats.org/officeDocument/2006/relationships" xmlns:p="http://schemas.openxmlformats.org/presentationml/2006/main">
+  <p:cSld>
+    <p:spTree>
+      <p:nvGrpSpPr>
+        <p:cNvPr id="1" name=""/>
+        <p:cNvGrpSpPr/>
+        <p:nvPr/>
+      </p:nvGrpSpPr>
+      <p:grpSpPr>
+        <a:xfrm>
+          <a:off x="0" y="0"/>
+          <a:ext cx="0" cy="0"/>
+          <a:chOff x="0" y="0"/>
+          <a:chExt cx="0" cy="0"/>
+        </a:xfrm>
+      </p:grpSpPr>
+      <p:sp>
+        <p:nvSpPr>
+          <p:cNvPr id="2" name="Slide Image Placeholder 1"/>
+          <p:cNvSpPr>
+            <a:spLocks noGrp="1" noRot="1" noChangeAspect="1"/>
+          </p:cNvSpPr>
+          <p:nvPr>
+            <p:ph type="sldImg"/>
+          </p:nvPr>
+        </p:nvSpPr>
+        <p:spPr/>
+      </p:sp>
+      <p:sp>
+        <p:nvSpPr>
+          <p:cNvPr id="3" name="Notes Placeholder 2"/>
+          <p:cNvSpPr>
+            <a:spLocks noGrp="1"/>
+          </p:cNvSpPr>
+          <p:nvPr>
+            <p:ph type="body" idx="1"/>
+          </p:nvPr>
+        </p:nvSpPr>
+        <p:spPr/>
+        <p:txBody>
+          <a:bodyPr/>
+          <a:lstStyle/>
+          <a:p>
+            <a:endParaRPr lang="en-US" dirty="0"/>
+          </a:p>
+        </p:txBody>
+      </p:sp>
+      <p:sp>
+        <p:nvSpPr>
+          <p:cNvPr id="4" name="Slide Number Placeholder 3"/>
+          <p:cNvSpPr>
+            <a:spLocks noGrp="1"/>
+          </p:cNvSpPr>
+          <p:nvPr>
+            <p:ph type="sldNum" sz="quarter" idx="5"/>
+          </p:nvPr>
+        </p:nvSpPr>
+        <p:spPr/>
+        <p:txBody>
+          <a:bodyPr/>
+          <a:lstStyle/>
+          <a:p>
+            <a:fld id="{7B81A703-0AE7-46BF-A0AA-54AEB63F3031}" type="slidenum">
+              <a:rPr lang="en-US" smtClean="0"/>
+              <a:t>2</a:t>
+            </a:fld>
+            <a:endParaRPr lang="en-US"/>
+          </a:p>
+        </p:txBody>
+      </p:sp>
+    </p:spTree>
+    <p:extLst>
+      <p:ext uri="{BB962C8B-B14F-4D97-AF65-F5344CB8AC3E}">
+        <p14:creationId xmlns:p14="http://schemas.microsoft.com/office/powerpoint/2010/main" val="1002916020"/>
+      </p:ext>
+    </p:extLst>
+  </p:cSld>
+  <p:clrMapOvr>
+    <a:masterClrMapping/>
+  </p:clrMapOvr>
+</p:notes>
+</file>
+
 <file path=ppt/slideLayouts/slideLayout1.xml><?xml version="1.0" encoding="utf-8"?>
 <p:sldLayout xmlns:a="http://schemas.openxmlformats.org/drawingml/2006/main" xmlns:r="http://schemas.openxmlformats.org/officeDocument/2006/relationships" xmlns:p="http://schemas.openxmlformats.org/presentationml/2006/main" type="title" preserve="1">
   <p:cSld name="Title Slide">
@@ -260,7 +697,7 @@
           <a:p>
             <a:fld id="{BAD81560-E736-4A3E-98FC-5A2607D45314}" type="datetimeFigureOut">
               <a:rPr lang="en-US" smtClean="0"/>
-              <a:t>5/17/2025</a:t>
+              <a:t>5/26/2025</a:t>
             </a:fld>
             <a:endParaRPr lang="en-US"/>
           </a:p>
@@ -458,7 +895,7 @@
           <a:p>
             <a:fld id="{BAD81560-E736-4A3E-98FC-5A2607D45314}" type="datetimeFigureOut">
               <a:rPr lang="en-US" smtClean="0"/>
-              <a:t>5/17/2025</a:t>
+              <a:t>5/26/2025</a:t>
             </a:fld>
             <a:endParaRPr lang="en-US"/>
           </a:p>
@@ -666,7 +1103,7 @@
           <a:p>
             <a:fld id="{BAD81560-E736-4A3E-98FC-5A2607D45314}" type="datetimeFigureOut">
               <a:rPr lang="en-US" smtClean="0"/>
-              <a:t>5/17/2025</a:t>
+              <a:t>5/26/2025</a:t>
             </a:fld>
             <a:endParaRPr lang="en-US"/>
           </a:p>
@@ -864,7 +1301,7 @@
           <a:p>
             <a:fld id="{BAD81560-E736-4A3E-98FC-5A2607D45314}" type="datetimeFigureOut">
               <a:rPr lang="en-US" smtClean="0"/>
-              <a:t>5/17/2025</a:t>
+              <a:t>5/26/2025</a:t>
             </a:fld>
             <a:endParaRPr lang="en-US"/>
           </a:p>
@@ -1139,7 +1576,7 @@
           <a:p>
             <a:fld id="{BAD81560-E736-4A3E-98FC-5A2607D45314}" type="datetimeFigureOut">
               <a:rPr lang="en-US" smtClean="0"/>
-              <a:t>5/17/2025</a:t>
+              <a:t>5/26/2025</a:t>
             </a:fld>
             <a:endParaRPr lang="en-US"/>
           </a:p>
@@ -1404,7 +1841,7 @@
           <a:p>
             <a:fld id="{BAD81560-E736-4A3E-98FC-5A2607D45314}" type="datetimeFigureOut">
               <a:rPr lang="en-US" smtClean="0"/>
-              <a:t>5/17/2025</a:t>
+              <a:t>5/26/2025</a:t>
             </a:fld>
             <a:endParaRPr lang="en-US"/>
           </a:p>
@@ -1816,7 +2253,7 @@
           <a:p>
             <a:fld id="{BAD81560-E736-4A3E-98FC-5A2607D45314}" type="datetimeFigureOut">
               <a:rPr lang="en-US" smtClean="0"/>
-              <a:t>5/17/2025</a:t>
+              <a:t>5/26/2025</a:t>
             </a:fld>
             <a:endParaRPr lang="en-US"/>
           </a:p>
@@ -1957,7 +2394,7 @@
           <a:p>
             <a:fld id="{BAD81560-E736-4A3E-98FC-5A2607D45314}" type="datetimeFigureOut">
               <a:rPr lang="en-US" smtClean="0"/>
-              <a:t>5/17/2025</a:t>
+              <a:t>5/26/2025</a:t>
             </a:fld>
             <a:endParaRPr lang="en-US"/>
           </a:p>
@@ -2070,7 +2507,7 @@
           <a:p>
             <a:fld id="{BAD81560-E736-4A3E-98FC-5A2607D45314}" type="datetimeFigureOut">
               <a:rPr lang="en-US" smtClean="0"/>
-              <a:t>5/17/2025</a:t>
+              <a:t>5/26/2025</a:t>
             </a:fld>
             <a:endParaRPr lang="en-US"/>
           </a:p>
@@ -2381,7 +2818,7 @@
           <a:p>
             <a:fld id="{BAD81560-E736-4A3E-98FC-5A2607D45314}" type="datetimeFigureOut">
               <a:rPr lang="en-US" smtClean="0"/>
-              <a:t>5/17/2025</a:t>
+              <a:t>5/26/2025</a:t>
             </a:fld>
             <a:endParaRPr lang="en-US"/>
           </a:p>
@@ -2669,7 +3106,7 @@
           <a:p>
             <a:fld id="{BAD81560-E736-4A3E-98FC-5A2607D45314}" type="datetimeFigureOut">
               <a:rPr lang="en-US" smtClean="0"/>
-              <a:t>5/17/2025</a:t>
+              <a:t>5/26/2025</a:t>
             </a:fld>
             <a:endParaRPr lang="en-US"/>
           </a:p>
@@ -2910,7 +3347,7 @@
           <a:p>
             <a:fld id="{BAD81560-E736-4A3E-98FC-5A2607D45314}" type="datetimeFigureOut">
               <a:rPr lang="en-US" smtClean="0"/>
-              <a:t>5/17/2025</a:t>
+              <a:t>5/26/2025</a:t>
             </a:fld>
             <a:endParaRPr lang="en-US"/>
           </a:p>
@@ -7061,12 +7498,6128 @@
           <a:chExt cx="0" cy="0"/>
         </a:xfrm>
       </p:grpSpPr>
+      <p:sp>
+        <p:nvSpPr>
+          <p:cNvPr id="1249" name="Rectangle 1248">
+            <a:extLst>
+              <a:ext uri="{FF2B5EF4-FFF2-40B4-BE49-F238E27FC236}">
+                <a16:creationId xmlns:a16="http://schemas.microsoft.com/office/drawing/2014/main" id="{D8B0DA78-5043-5568-52AA-3369FA4E9186}"/>
+              </a:ext>
+            </a:extLst>
+          </p:cNvPr>
+          <p:cNvSpPr/>
+          <p:nvPr/>
+        </p:nvSpPr>
+        <p:spPr>
+          <a:xfrm>
+            <a:off x="381000" y="228600"/>
+            <a:ext cx="8534400" cy="3812474"/>
+          </a:xfrm>
+          <a:prstGeom prst="rect">
+            <a:avLst/>
+          </a:prstGeom>
+          <a:solidFill>
+            <a:srgbClr val="FFFFCC">
+              <a:alpha val="50000"/>
+            </a:srgbClr>
+          </a:solidFill>
+          <a:ln>
+            <a:noFill/>
+          </a:ln>
+        </p:spPr>
+        <p:style>
+          <a:lnRef idx="2">
+            <a:schemeClr val="accent1">
+              <a:shade val="15000"/>
+            </a:schemeClr>
+          </a:lnRef>
+          <a:fillRef idx="1">
+            <a:schemeClr val="accent1"/>
+          </a:fillRef>
+          <a:effectRef idx="0">
+            <a:schemeClr val="accent1"/>
+          </a:effectRef>
+          <a:fontRef idx="minor">
+            <a:schemeClr val="lt1"/>
+          </a:fontRef>
+        </p:style>
+        <p:txBody>
+          <a:bodyPr rtlCol="0" anchor="t"/>
+          <a:lstStyle/>
+          <a:p>
+            <a:endParaRPr lang="en-US" b="1" dirty="0">
+              <a:solidFill>
+                <a:schemeClr val="tx1"/>
+              </a:solidFill>
+            </a:endParaRPr>
+          </a:p>
+        </p:txBody>
+      </p:sp>
+      <p:sp>
+        <p:nvSpPr>
+          <p:cNvPr id="1259" name="Rectangle 1258">
+            <a:extLst>
+              <a:ext uri="{FF2B5EF4-FFF2-40B4-BE49-F238E27FC236}">
+                <a16:creationId xmlns:a16="http://schemas.microsoft.com/office/drawing/2014/main" id="{19B5A46F-3213-9C74-D021-96670ABFA6FC}"/>
+              </a:ext>
+            </a:extLst>
+          </p:cNvPr>
+          <p:cNvSpPr/>
+          <p:nvPr/>
+        </p:nvSpPr>
+        <p:spPr>
+          <a:xfrm>
+            <a:off x="400755" y="4050962"/>
+            <a:ext cx="7588900" cy="2796855"/>
+          </a:xfrm>
+          <a:prstGeom prst="rect">
+            <a:avLst/>
+          </a:prstGeom>
+          <a:solidFill>
+            <a:schemeClr val="accent6">
+              <a:lumMod val="40000"/>
+              <a:lumOff val="60000"/>
+              <a:alpha val="50000"/>
+            </a:schemeClr>
+          </a:solidFill>
+          <a:ln>
+            <a:noFill/>
+          </a:ln>
+        </p:spPr>
+        <p:style>
+          <a:lnRef idx="2">
+            <a:schemeClr val="accent1">
+              <a:shade val="15000"/>
+            </a:schemeClr>
+          </a:lnRef>
+          <a:fillRef idx="1">
+            <a:schemeClr val="accent1"/>
+          </a:fillRef>
+          <a:effectRef idx="0">
+            <a:schemeClr val="accent1"/>
+          </a:effectRef>
+          <a:fontRef idx="minor">
+            <a:schemeClr val="lt1"/>
+          </a:fontRef>
+        </p:style>
+        <p:txBody>
+          <a:bodyPr rtlCol="0" anchor="t"/>
+          <a:lstStyle/>
+          <a:p>
+            <a:pPr algn="ctr"/>
+            <a:endParaRPr lang="en-US" b="1" dirty="0">
+              <a:solidFill>
+                <a:schemeClr val="tx1"/>
+              </a:solidFill>
+            </a:endParaRPr>
+          </a:p>
+        </p:txBody>
+      </p:sp>
+      <p:sp>
+        <p:nvSpPr>
+          <p:cNvPr id="1264" name="Rectangle 1263">
+            <a:extLst>
+              <a:ext uri="{FF2B5EF4-FFF2-40B4-BE49-F238E27FC236}">
+                <a16:creationId xmlns:a16="http://schemas.microsoft.com/office/drawing/2014/main" id="{F698786F-C735-48CC-012A-6D110E215F9C}"/>
+              </a:ext>
+            </a:extLst>
+          </p:cNvPr>
+          <p:cNvSpPr/>
+          <p:nvPr/>
+        </p:nvSpPr>
+        <p:spPr>
+          <a:xfrm>
+            <a:off x="5113496" y="3370169"/>
+            <a:ext cx="6720231" cy="1800969"/>
+          </a:xfrm>
+          <a:prstGeom prst="rect">
+            <a:avLst/>
+          </a:prstGeom>
+          <a:solidFill>
+            <a:schemeClr val="accent4">
+              <a:lumMod val="20000"/>
+              <a:lumOff val="80000"/>
+              <a:alpha val="50000"/>
+            </a:schemeClr>
+          </a:solidFill>
+          <a:ln>
+            <a:noFill/>
+          </a:ln>
+        </p:spPr>
+        <p:style>
+          <a:lnRef idx="2">
+            <a:schemeClr val="accent1">
+              <a:shade val="15000"/>
+            </a:schemeClr>
+          </a:lnRef>
+          <a:fillRef idx="1">
+            <a:schemeClr val="accent1"/>
+          </a:fillRef>
+          <a:effectRef idx="0">
+            <a:schemeClr val="accent1"/>
+          </a:effectRef>
+          <a:fontRef idx="minor">
+            <a:schemeClr val="lt1"/>
+          </a:fontRef>
+        </p:style>
+        <p:txBody>
+          <a:bodyPr rtlCol="0" anchor="t"/>
+          <a:lstStyle/>
+          <a:p>
+            <a:pPr algn="ctr"/>
+            <a:endParaRPr lang="en-US" b="1" dirty="0">
+              <a:solidFill>
+                <a:schemeClr val="tx1"/>
+              </a:solidFill>
+            </a:endParaRPr>
+          </a:p>
+        </p:txBody>
+      </p:sp>
+      <p:sp>
+        <p:nvSpPr>
+          <p:cNvPr id="1240" name="Rectangle 1239">
+            <a:extLst>
+              <a:ext uri="{FF2B5EF4-FFF2-40B4-BE49-F238E27FC236}">
+                <a16:creationId xmlns:a16="http://schemas.microsoft.com/office/drawing/2014/main" id="{08BD3ADE-FAD2-9FD6-6D16-DA5D7A91D402}"/>
+              </a:ext>
+            </a:extLst>
+          </p:cNvPr>
+          <p:cNvSpPr/>
+          <p:nvPr/>
+        </p:nvSpPr>
+        <p:spPr>
+          <a:xfrm>
+            <a:off x="4725800" y="621333"/>
+            <a:ext cx="1543121" cy="2731467"/>
+          </a:xfrm>
+          <a:prstGeom prst="rect">
+            <a:avLst/>
+          </a:prstGeom>
+          <a:noFill/>
+        </p:spPr>
+        <p:style>
+          <a:lnRef idx="2">
+            <a:schemeClr val="accent1">
+              <a:shade val="15000"/>
+            </a:schemeClr>
+          </a:lnRef>
+          <a:fillRef idx="1">
+            <a:schemeClr val="accent1"/>
+          </a:fillRef>
+          <a:effectRef idx="0">
+            <a:schemeClr val="accent1"/>
+          </a:effectRef>
+          <a:fontRef idx="minor">
+            <a:schemeClr val="lt1"/>
+          </a:fontRef>
+        </p:style>
+        <p:txBody>
+          <a:bodyPr rtlCol="0" anchor="t"/>
+          <a:lstStyle/>
+          <a:p>
+            <a:pPr algn="ctr"/>
+            <a:r>
+              <a:rPr lang="en-US" sz="1400" b="1" dirty="0">
+                <a:solidFill>
+                  <a:schemeClr val="tx1"/>
+                </a:solidFill>
+              </a:rPr>
+              <a:t>IAC</a:t>
+            </a:r>
+          </a:p>
+        </p:txBody>
+      </p:sp>
+      <p:sp>
+        <p:nvSpPr>
+          <p:cNvPr id="1091" name="Rectangle 1090">
+            <a:extLst>
+              <a:ext uri="{FF2B5EF4-FFF2-40B4-BE49-F238E27FC236}">
+                <a16:creationId xmlns:a16="http://schemas.microsoft.com/office/drawing/2014/main" id="{62279A25-1169-0A31-1249-3E2692F9E49B}"/>
+              </a:ext>
+            </a:extLst>
+          </p:cNvPr>
+          <p:cNvSpPr/>
+          <p:nvPr/>
+        </p:nvSpPr>
+        <p:spPr>
+          <a:xfrm>
+            <a:off x="4724400" y="4114801"/>
+            <a:ext cx="3074769" cy="2667994"/>
+          </a:xfrm>
+          <a:prstGeom prst="rect">
+            <a:avLst/>
+          </a:prstGeom>
+          <a:noFill/>
+        </p:spPr>
+        <p:style>
+          <a:lnRef idx="2">
+            <a:schemeClr val="accent1">
+              <a:shade val="15000"/>
+            </a:schemeClr>
+          </a:lnRef>
+          <a:fillRef idx="1">
+            <a:schemeClr val="accent1"/>
+          </a:fillRef>
+          <a:effectRef idx="0">
+            <a:schemeClr val="accent1"/>
+          </a:effectRef>
+          <a:fontRef idx="minor">
+            <a:schemeClr val="lt1"/>
+          </a:fontRef>
+        </p:style>
+        <p:txBody>
+          <a:bodyPr rtlCol="0" anchor="t"/>
+          <a:lstStyle/>
+          <a:p>
+            <a:pPr algn="ctr"/>
+            <a:r>
+              <a:rPr lang="en-US" sz="1400" b="1" dirty="0">
+                <a:solidFill>
+                  <a:schemeClr val="tx1"/>
+                </a:solidFill>
+              </a:rPr>
+              <a:t>IAC</a:t>
+            </a:r>
+          </a:p>
+        </p:txBody>
+      </p:sp>
+      <p:sp>
+        <p:nvSpPr>
+          <p:cNvPr id="1080" name="Rectangle 1079">
+            <a:extLst>
+              <a:ext uri="{FF2B5EF4-FFF2-40B4-BE49-F238E27FC236}">
+                <a16:creationId xmlns:a16="http://schemas.microsoft.com/office/drawing/2014/main" id="{D2597DAF-D2CE-8401-0F6E-854A729D215A}"/>
+              </a:ext>
+            </a:extLst>
+          </p:cNvPr>
+          <p:cNvSpPr/>
+          <p:nvPr/>
+        </p:nvSpPr>
+        <p:spPr>
+          <a:xfrm>
+            <a:off x="575135" y="4191000"/>
+            <a:ext cx="1543699" cy="2514600"/>
+          </a:xfrm>
+          <a:prstGeom prst="rect">
+            <a:avLst/>
+          </a:prstGeom>
+          <a:noFill/>
+        </p:spPr>
+        <p:style>
+          <a:lnRef idx="2">
+            <a:schemeClr val="accent1">
+              <a:shade val="15000"/>
+            </a:schemeClr>
+          </a:lnRef>
+          <a:fillRef idx="1">
+            <a:schemeClr val="accent1"/>
+          </a:fillRef>
+          <a:effectRef idx="0">
+            <a:schemeClr val="accent1"/>
+          </a:effectRef>
+          <a:fontRef idx="minor">
+            <a:schemeClr val="lt1"/>
+          </a:fontRef>
+        </p:style>
+        <p:txBody>
+          <a:bodyPr rtlCol="0" anchor="t"/>
+          <a:lstStyle/>
+          <a:p>
+            <a:pPr algn="ctr"/>
+            <a:r>
+              <a:rPr lang="en-US" sz="1400" b="1" dirty="0">
+                <a:solidFill>
+                  <a:schemeClr val="tx1"/>
+                </a:solidFill>
+              </a:rPr>
+              <a:t>IDE</a:t>
+            </a:r>
+          </a:p>
+        </p:txBody>
+      </p:sp>
+      <p:grpSp>
+        <p:nvGrpSpPr>
+          <p:cNvPr id="1057" name="Group 1056">
+            <a:extLst>
+              <a:ext uri="{FF2B5EF4-FFF2-40B4-BE49-F238E27FC236}">
+                <a16:creationId xmlns:a16="http://schemas.microsoft.com/office/drawing/2014/main" id="{FB3E365D-F7BC-DB5A-E019-0084389DB556}"/>
+              </a:ext>
+            </a:extLst>
+          </p:cNvPr>
+          <p:cNvGrpSpPr/>
+          <p:nvPr/>
+        </p:nvGrpSpPr>
+        <p:grpSpPr>
+          <a:xfrm>
+            <a:off x="3269308" y="4564837"/>
+            <a:ext cx="534281" cy="752696"/>
+            <a:chOff x="2183833" y="2669225"/>
+            <a:chExt cx="534281" cy="752696"/>
+          </a:xfrm>
+        </p:grpSpPr>
+        <p:pic>
+          <p:nvPicPr>
+            <p:cNvPr id="1028" name="Picture 4" descr="gaction (Branding Logo For Github Actions) · GitHub">
+              <a:extLst>
+                <a:ext uri="{FF2B5EF4-FFF2-40B4-BE49-F238E27FC236}">
+                  <a16:creationId xmlns:a16="http://schemas.microsoft.com/office/drawing/2014/main" id="{75D5BD41-0E53-642C-E5A9-25FCC94E973F}"/>
+                </a:ext>
+              </a:extLst>
+            </p:cNvPr>
+            <p:cNvPicPr>
+              <a:picLocks noChangeAspect="1" noChangeArrowheads="1"/>
+            </p:cNvPicPr>
+            <p:nvPr/>
+          </p:nvPicPr>
+          <p:blipFill>
+            <a:blip r:embed="rId3">
+              <a:extLst>
+                <a:ext uri="{28A0092B-C50C-407E-A947-70E740481C1C}">
+                  <a14:useLocalDpi xmlns:a14="http://schemas.microsoft.com/office/drawing/2010/main" val="0"/>
+                </a:ext>
+              </a:extLst>
+            </a:blip>
+            <a:srcRect/>
+            <a:stretch>
+              <a:fillRect/>
+            </a:stretch>
+          </p:blipFill>
+          <p:spPr bwMode="auto">
+            <a:xfrm>
+              <a:off x="2277656" y="2669225"/>
+              <a:ext cx="352312" cy="380346"/>
+            </a:xfrm>
+            <a:prstGeom prst="rect">
+              <a:avLst/>
+            </a:prstGeom>
+            <a:noFill/>
+            <a:extLst>
+              <a:ext uri="{909E8E84-426E-40DD-AFC4-6F175D3DCCD1}">
+                <a14:hiddenFill xmlns:a14="http://schemas.microsoft.com/office/drawing/2010/main">
+                  <a:solidFill>
+                    <a:srgbClr val="FFFFFF"/>
+                  </a:solidFill>
+                </a14:hiddenFill>
+              </a:ext>
+            </a:extLst>
+          </p:spPr>
+        </p:pic>
+        <p:sp>
+          <p:nvSpPr>
+            <p:cNvPr id="9" name="TextBox 8">
+              <a:extLst>
+                <a:ext uri="{FF2B5EF4-FFF2-40B4-BE49-F238E27FC236}">
+                  <a16:creationId xmlns:a16="http://schemas.microsoft.com/office/drawing/2014/main" id="{DB18C347-C4D7-FA14-5D89-B0BA89299321}"/>
+                </a:ext>
+              </a:extLst>
+            </p:cNvPr>
+            <p:cNvSpPr txBox="1"/>
+            <p:nvPr/>
+          </p:nvSpPr>
+          <p:spPr>
+            <a:xfrm>
+              <a:off x="2183833" y="3021811"/>
+              <a:ext cx="534281" cy="400110"/>
+            </a:xfrm>
+            <a:prstGeom prst="rect">
+              <a:avLst/>
+            </a:prstGeom>
+            <a:noFill/>
+          </p:spPr>
+          <p:txBody>
+            <a:bodyPr wrap="square" lIns="0" rIns="0" rtlCol="0">
+              <a:spAutoFit/>
+            </a:bodyPr>
+            <a:lstStyle>
+              <a:defPPr>
+                <a:defRPr lang="en-US"/>
+              </a:defPPr>
+              <a:lvl1pPr algn="ctr">
+                <a:defRPr sz="1000">
+                  <a:latin typeface="Calibri" panose="020F0502020204030204" pitchFamily="34" charset="0"/>
+                  <a:ea typeface="Calibri" panose="020F0502020204030204" pitchFamily="34" charset="0"/>
+                  <a:cs typeface="Calibri" panose="020F0502020204030204" pitchFamily="34" charset="0"/>
+                </a:defRPr>
+              </a:lvl1pPr>
+            </a:lstStyle>
+            <a:p>
+              <a:r>
+                <a:rPr lang="en-US" dirty="0"/>
+                <a:t>GitHub Actions</a:t>
+              </a:r>
+            </a:p>
+          </p:txBody>
+        </p:sp>
+      </p:grpSp>
+      <p:grpSp>
+        <p:nvGrpSpPr>
+          <p:cNvPr id="1033" name="Group 1032">
+            <a:extLst>
+              <a:ext uri="{FF2B5EF4-FFF2-40B4-BE49-F238E27FC236}">
+                <a16:creationId xmlns:a16="http://schemas.microsoft.com/office/drawing/2014/main" id="{8240B09E-C033-6BAF-3AC4-AB30EB2E55FB}"/>
+              </a:ext>
+            </a:extLst>
+          </p:cNvPr>
+          <p:cNvGrpSpPr/>
+          <p:nvPr/>
+        </p:nvGrpSpPr>
+        <p:grpSpPr>
+          <a:xfrm>
+            <a:off x="2493161" y="4552039"/>
+            <a:ext cx="418494" cy="716043"/>
+            <a:chOff x="7004101" y="1277125"/>
+            <a:chExt cx="418494" cy="716043"/>
+          </a:xfrm>
+        </p:grpSpPr>
+        <p:pic>
+          <p:nvPicPr>
+            <p:cNvPr id="1030" name="Picture 6" descr="Github Logo - Free social media icons">
+              <a:extLst>
+                <a:ext uri="{FF2B5EF4-FFF2-40B4-BE49-F238E27FC236}">
+                  <a16:creationId xmlns:a16="http://schemas.microsoft.com/office/drawing/2014/main" id="{11508580-6F14-97A9-921D-975F5292FE81}"/>
+                </a:ext>
+              </a:extLst>
+            </p:cNvPr>
+            <p:cNvPicPr>
+              <a:picLocks noChangeAspect="1" noChangeArrowheads="1"/>
+            </p:cNvPicPr>
+            <p:nvPr/>
+          </p:nvPicPr>
+          <p:blipFill>
+            <a:blip r:embed="rId4">
+              <a:extLst>
+                <a:ext uri="{28A0092B-C50C-407E-A947-70E740481C1C}">
+                  <a14:useLocalDpi xmlns:a14="http://schemas.microsoft.com/office/drawing/2010/main" val="0"/>
+                </a:ext>
+              </a:extLst>
+            </a:blip>
+            <a:srcRect/>
+            <a:stretch>
+              <a:fillRect/>
+            </a:stretch>
+          </p:blipFill>
+          <p:spPr bwMode="auto">
+            <a:xfrm>
+              <a:off x="7018871" y="1277125"/>
+              <a:ext cx="352751" cy="380497"/>
+            </a:xfrm>
+            <a:prstGeom prst="rect">
+              <a:avLst/>
+            </a:prstGeom>
+            <a:noFill/>
+            <a:extLst>
+              <a:ext uri="{909E8E84-426E-40DD-AFC4-6F175D3DCCD1}">
+                <a14:hiddenFill xmlns:a14="http://schemas.microsoft.com/office/drawing/2010/main">
+                  <a:solidFill>
+                    <a:srgbClr val="FFFFFF"/>
+                  </a:solidFill>
+                </a14:hiddenFill>
+              </a:ext>
+            </a:extLst>
+          </p:spPr>
+        </p:pic>
+        <p:sp>
+          <p:nvSpPr>
+            <p:cNvPr id="11" name="TextBox 10">
+              <a:extLst>
+                <a:ext uri="{FF2B5EF4-FFF2-40B4-BE49-F238E27FC236}">
+                  <a16:creationId xmlns:a16="http://schemas.microsoft.com/office/drawing/2014/main" id="{78723CFA-8C50-F835-0C0D-FCAFBF299D10}"/>
+                </a:ext>
+              </a:extLst>
+            </p:cNvPr>
+            <p:cNvSpPr txBox="1"/>
+            <p:nvPr/>
+          </p:nvSpPr>
+          <p:spPr>
+            <a:xfrm>
+              <a:off x="7004101" y="1593058"/>
+              <a:ext cx="418494" cy="400110"/>
+            </a:xfrm>
+            <a:prstGeom prst="rect">
+              <a:avLst/>
+            </a:prstGeom>
+            <a:noFill/>
+          </p:spPr>
+          <p:txBody>
+            <a:bodyPr wrap="square" lIns="0" rIns="0" rtlCol="0">
+              <a:spAutoFit/>
+            </a:bodyPr>
+            <a:lstStyle>
+              <a:defPPr>
+                <a:defRPr lang="en-US"/>
+              </a:defPPr>
+              <a:lvl1pPr algn="ctr">
+                <a:defRPr sz="1000">
+                  <a:latin typeface="Calibri" panose="020F0502020204030204" pitchFamily="34" charset="0"/>
+                  <a:ea typeface="Calibri" panose="020F0502020204030204" pitchFamily="34" charset="0"/>
+                  <a:cs typeface="Calibri" panose="020F0502020204030204" pitchFamily="34" charset="0"/>
+                </a:defRPr>
+              </a:lvl1pPr>
+            </a:lstStyle>
+            <a:p>
+              <a:r>
+                <a:rPr lang="en-US" dirty="0"/>
+                <a:t>GitHub Repo</a:t>
+              </a:r>
+            </a:p>
+          </p:txBody>
+        </p:sp>
+      </p:grpSp>
+      <p:grpSp>
+        <p:nvGrpSpPr>
+          <p:cNvPr id="45" name="Group 44">
+            <a:extLst>
+              <a:ext uri="{FF2B5EF4-FFF2-40B4-BE49-F238E27FC236}">
+                <a16:creationId xmlns:a16="http://schemas.microsoft.com/office/drawing/2014/main" id="{6474B147-C76D-4AB4-5A05-F9102BC8FB0D}"/>
+              </a:ext>
+            </a:extLst>
+          </p:cNvPr>
+          <p:cNvGrpSpPr/>
+          <p:nvPr/>
+        </p:nvGrpSpPr>
+        <p:grpSpPr>
+          <a:xfrm>
+            <a:off x="1079691" y="4518068"/>
+            <a:ext cx="450473" cy="556094"/>
+            <a:chOff x="1232710" y="1279176"/>
+            <a:chExt cx="450473" cy="556094"/>
+          </a:xfrm>
+        </p:grpSpPr>
+        <p:pic>
+          <p:nvPicPr>
+            <p:cNvPr id="1032" name="Picture 8">
+              <a:extLst>
+                <a:ext uri="{FF2B5EF4-FFF2-40B4-BE49-F238E27FC236}">
+                  <a16:creationId xmlns:a16="http://schemas.microsoft.com/office/drawing/2014/main" id="{74089EAB-16DC-49B9-5B4D-A60D3989B704}"/>
+                </a:ext>
+              </a:extLst>
+            </p:cNvPr>
+            <p:cNvPicPr>
+              <a:picLocks noChangeAspect="1" noChangeArrowheads="1"/>
+            </p:cNvPicPr>
+            <p:nvPr/>
+          </p:nvPicPr>
+          <p:blipFill>
+            <a:blip r:embed="rId5">
+              <a:extLst>
+                <a:ext uri="{28A0092B-C50C-407E-A947-70E740481C1C}">
+                  <a14:useLocalDpi xmlns:a14="http://schemas.microsoft.com/office/drawing/2010/main" val="0"/>
+                </a:ext>
+              </a:extLst>
+            </a:blip>
+            <a:srcRect/>
+            <a:stretch>
+              <a:fillRect/>
+            </a:stretch>
+          </p:blipFill>
+          <p:spPr bwMode="auto">
+            <a:xfrm>
+              <a:off x="1250281" y="1279176"/>
+              <a:ext cx="352067" cy="380346"/>
+            </a:xfrm>
+            <a:prstGeom prst="rect">
+              <a:avLst/>
+            </a:prstGeom>
+            <a:noFill/>
+            <a:extLst>
+              <a:ext uri="{909E8E84-426E-40DD-AFC4-6F175D3DCCD1}">
+                <a14:hiddenFill xmlns:a14="http://schemas.microsoft.com/office/drawing/2010/main">
+                  <a:solidFill>
+                    <a:srgbClr val="FFFFFF"/>
+                  </a:solidFill>
+                </a14:hiddenFill>
+              </a:ext>
+            </a:extLst>
+          </p:spPr>
+        </p:pic>
+        <p:sp>
+          <p:nvSpPr>
+            <p:cNvPr id="12" name="TextBox 11">
+              <a:extLst>
+                <a:ext uri="{FF2B5EF4-FFF2-40B4-BE49-F238E27FC236}">
+                  <a16:creationId xmlns:a16="http://schemas.microsoft.com/office/drawing/2014/main" id="{E2EAFA67-CBBE-7647-6B77-0AF427E25832}"/>
+                </a:ext>
+              </a:extLst>
+            </p:cNvPr>
+            <p:cNvSpPr txBox="1"/>
+            <p:nvPr/>
+          </p:nvSpPr>
+          <p:spPr>
+            <a:xfrm>
+              <a:off x="1232710" y="1589049"/>
+              <a:ext cx="450473" cy="246221"/>
+            </a:xfrm>
+            <a:prstGeom prst="rect">
+              <a:avLst/>
+            </a:prstGeom>
+            <a:noFill/>
+          </p:spPr>
+          <p:txBody>
+            <a:bodyPr wrap="square" lIns="0" rIns="0" rtlCol="0">
+              <a:spAutoFit/>
+            </a:bodyPr>
+            <a:lstStyle>
+              <a:defPPr>
+                <a:defRPr lang="en-US"/>
+              </a:defPPr>
+              <a:lvl1pPr algn="ctr">
+                <a:defRPr sz="1000">
+                  <a:latin typeface="Calibri" panose="020F0502020204030204" pitchFamily="34" charset="0"/>
+                  <a:ea typeface="Calibri" panose="020F0502020204030204" pitchFamily="34" charset="0"/>
+                  <a:cs typeface="Calibri" panose="020F0502020204030204" pitchFamily="34" charset="0"/>
+                </a:defRPr>
+              </a:lvl1pPr>
+            </a:lstStyle>
+            <a:p>
+              <a:r>
+                <a:rPr lang="en-US" dirty="0"/>
+                <a:t>VS Code</a:t>
+              </a:r>
+            </a:p>
+          </p:txBody>
+        </p:sp>
+      </p:grpSp>
+      <p:grpSp>
+        <p:nvGrpSpPr>
+          <p:cNvPr id="1060" name="Group 1059">
+            <a:extLst>
+              <a:ext uri="{FF2B5EF4-FFF2-40B4-BE49-F238E27FC236}">
+                <a16:creationId xmlns:a16="http://schemas.microsoft.com/office/drawing/2014/main" id="{A2FA9722-5ADA-F09D-4263-6E4985344631}"/>
+              </a:ext>
+            </a:extLst>
+          </p:cNvPr>
+          <p:cNvGrpSpPr/>
+          <p:nvPr/>
+        </p:nvGrpSpPr>
+        <p:grpSpPr>
+          <a:xfrm>
+            <a:off x="3942659" y="4563266"/>
+            <a:ext cx="534281" cy="729483"/>
+            <a:chOff x="2916774" y="2667654"/>
+            <a:chExt cx="534281" cy="729483"/>
+          </a:xfrm>
+        </p:grpSpPr>
+        <p:pic>
+          <p:nvPicPr>
+            <p:cNvPr id="1034" name="Picture 10" descr="Docker, logo, logos icon - Free download on Iconfinder">
+              <a:extLst>
+                <a:ext uri="{FF2B5EF4-FFF2-40B4-BE49-F238E27FC236}">
+                  <a16:creationId xmlns:a16="http://schemas.microsoft.com/office/drawing/2014/main" id="{EFAE52B6-4518-295E-A332-B53EEA736233}"/>
+                </a:ext>
+              </a:extLst>
+            </p:cNvPr>
+            <p:cNvPicPr>
+              <a:picLocks noChangeAspect="1" noChangeArrowheads="1"/>
+            </p:cNvPicPr>
+            <p:nvPr/>
+          </p:nvPicPr>
+          <p:blipFill rotWithShape="1">
+            <a:blip r:embed="rId6">
+              <a:extLst>
+                <a:ext uri="{28A0092B-C50C-407E-A947-70E740481C1C}">
+                  <a14:useLocalDpi xmlns:a14="http://schemas.microsoft.com/office/drawing/2010/main" val="0"/>
+                </a:ext>
+              </a:extLst>
+            </a:blip>
+            <a:srcRect b="18487"/>
+            <a:stretch/>
+          </p:blipFill>
+          <p:spPr bwMode="auto">
+            <a:xfrm>
+              <a:off x="3000049" y="2667654"/>
+              <a:ext cx="352751" cy="380346"/>
+            </a:xfrm>
+            <a:prstGeom prst="rect">
+              <a:avLst/>
+            </a:prstGeom>
+            <a:noFill/>
+            <a:extLst>
+              <a:ext uri="{909E8E84-426E-40DD-AFC4-6F175D3DCCD1}">
+                <a14:hiddenFill xmlns:a14="http://schemas.microsoft.com/office/drawing/2010/main">
+                  <a:solidFill>
+                    <a:srgbClr val="FFFFFF"/>
+                  </a:solidFill>
+                </a14:hiddenFill>
+              </a:ext>
+            </a:extLst>
+          </p:spPr>
+        </p:pic>
+        <p:sp>
+          <p:nvSpPr>
+            <p:cNvPr id="28" name="TextBox 27">
+              <a:extLst>
+                <a:ext uri="{FF2B5EF4-FFF2-40B4-BE49-F238E27FC236}">
+                  <a16:creationId xmlns:a16="http://schemas.microsoft.com/office/drawing/2014/main" id="{F163803C-C95A-A853-F304-E1A38372D05C}"/>
+                </a:ext>
+              </a:extLst>
+            </p:cNvPr>
+            <p:cNvSpPr txBox="1"/>
+            <p:nvPr/>
+          </p:nvSpPr>
+          <p:spPr>
+            <a:xfrm>
+              <a:off x="2916774" y="2997027"/>
+              <a:ext cx="534281" cy="400110"/>
+            </a:xfrm>
+            <a:prstGeom prst="rect">
+              <a:avLst/>
+            </a:prstGeom>
+            <a:noFill/>
+          </p:spPr>
+          <p:txBody>
+            <a:bodyPr wrap="square" lIns="0" rIns="0" rtlCol="0">
+              <a:spAutoFit/>
+            </a:bodyPr>
+            <a:lstStyle>
+              <a:defPPr>
+                <a:defRPr lang="en-US"/>
+              </a:defPPr>
+              <a:lvl1pPr algn="ctr">
+                <a:defRPr sz="1000">
+                  <a:latin typeface="Calibri" panose="020F0502020204030204" pitchFamily="34" charset="0"/>
+                  <a:ea typeface="Calibri" panose="020F0502020204030204" pitchFamily="34" charset="0"/>
+                  <a:cs typeface="Calibri" panose="020F0502020204030204" pitchFamily="34" charset="0"/>
+                </a:defRPr>
+              </a:lvl1pPr>
+            </a:lstStyle>
+            <a:p>
+              <a:r>
+                <a:rPr lang="en-US" dirty="0"/>
+                <a:t>Docker</a:t>
+              </a:r>
+            </a:p>
+            <a:p>
+              <a:r>
+                <a:rPr lang="en-US" dirty="0"/>
+                <a:t>Build</a:t>
+              </a:r>
+            </a:p>
+          </p:txBody>
+        </p:sp>
+      </p:grpSp>
+      <p:grpSp>
+        <p:nvGrpSpPr>
+          <p:cNvPr id="53" name="Group 52">
+            <a:extLst>
+              <a:ext uri="{FF2B5EF4-FFF2-40B4-BE49-F238E27FC236}">
+                <a16:creationId xmlns:a16="http://schemas.microsoft.com/office/drawing/2014/main" id="{5F8C9635-D24C-CD0C-8D78-F7D65696BD20}"/>
+              </a:ext>
+            </a:extLst>
+          </p:cNvPr>
+          <p:cNvGrpSpPr/>
+          <p:nvPr/>
+        </p:nvGrpSpPr>
+        <p:grpSpPr>
+          <a:xfrm>
+            <a:off x="1379038" y="5180946"/>
+            <a:ext cx="595955" cy="509095"/>
+            <a:chOff x="8167079" y="1277125"/>
+            <a:chExt cx="595955" cy="509095"/>
+          </a:xfrm>
+        </p:grpSpPr>
+        <p:pic>
+          <p:nvPicPr>
+            <p:cNvPr id="1040" name="Picture 16" descr="Playwright icon - Free Download PNG &amp; SVG | Streamline">
+              <a:extLst>
+                <a:ext uri="{FF2B5EF4-FFF2-40B4-BE49-F238E27FC236}">
+                  <a16:creationId xmlns:a16="http://schemas.microsoft.com/office/drawing/2014/main" id="{CB0DB4A2-6DFC-8CB5-727C-3657155113D8}"/>
+                </a:ext>
+              </a:extLst>
+            </p:cNvPr>
+            <p:cNvPicPr>
+              <a:picLocks noChangeAspect="1" noChangeArrowheads="1"/>
+            </p:cNvPicPr>
+            <p:nvPr/>
+          </p:nvPicPr>
+          <p:blipFill>
+            <a:blip r:embed="rId7">
+              <a:extLst>
+                <a:ext uri="{28A0092B-C50C-407E-A947-70E740481C1C}">
+                  <a14:useLocalDpi xmlns:a14="http://schemas.microsoft.com/office/drawing/2010/main" val="0"/>
+                </a:ext>
+              </a:extLst>
+            </a:blip>
+            <a:srcRect/>
+            <a:stretch>
+              <a:fillRect/>
+            </a:stretch>
+          </p:blipFill>
+          <p:spPr bwMode="auto">
+            <a:xfrm>
+              <a:off x="8288682" y="1277125"/>
+              <a:ext cx="352751" cy="380346"/>
+            </a:xfrm>
+            <a:prstGeom prst="rect">
+              <a:avLst/>
+            </a:prstGeom>
+            <a:noFill/>
+            <a:extLst>
+              <a:ext uri="{909E8E84-426E-40DD-AFC4-6F175D3DCCD1}">
+                <a14:hiddenFill xmlns:a14="http://schemas.microsoft.com/office/drawing/2010/main">
+                  <a:solidFill>
+                    <a:srgbClr val="FFFFFF"/>
+                  </a:solidFill>
+                </a14:hiddenFill>
+              </a:ext>
+            </a:extLst>
+          </p:spPr>
+        </p:pic>
+        <p:sp>
+          <p:nvSpPr>
+            <p:cNvPr id="36" name="TextBox 35">
+              <a:extLst>
+                <a:ext uri="{FF2B5EF4-FFF2-40B4-BE49-F238E27FC236}">
+                  <a16:creationId xmlns:a16="http://schemas.microsoft.com/office/drawing/2014/main" id="{825E0026-5169-2F34-C128-68DE7C887F96}"/>
+                </a:ext>
+              </a:extLst>
+            </p:cNvPr>
+            <p:cNvSpPr txBox="1"/>
+            <p:nvPr/>
+          </p:nvSpPr>
+          <p:spPr>
+            <a:xfrm>
+              <a:off x="8167079" y="1539999"/>
+              <a:ext cx="595955" cy="246221"/>
+            </a:xfrm>
+            <a:prstGeom prst="rect">
+              <a:avLst/>
+            </a:prstGeom>
+            <a:noFill/>
+          </p:spPr>
+          <p:txBody>
+            <a:bodyPr wrap="square" lIns="0" rIns="0" rtlCol="0">
+              <a:spAutoFit/>
+            </a:bodyPr>
+            <a:lstStyle>
+              <a:defPPr>
+                <a:defRPr lang="en-US"/>
+              </a:defPPr>
+              <a:lvl1pPr algn="ctr">
+                <a:defRPr sz="1000">
+                  <a:latin typeface="Calibri" panose="020F0502020204030204" pitchFamily="34" charset="0"/>
+                  <a:ea typeface="Calibri" panose="020F0502020204030204" pitchFamily="34" charset="0"/>
+                  <a:cs typeface="Calibri" panose="020F0502020204030204" pitchFamily="34" charset="0"/>
+                </a:defRPr>
+              </a:lvl1pPr>
+            </a:lstStyle>
+            <a:p>
+              <a:r>
+                <a:rPr lang="en-US" dirty="0"/>
+                <a:t>Playwright</a:t>
+              </a:r>
+            </a:p>
+          </p:txBody>
+        </p:sp>
+      </p:grpSp>
+      <p:grpSp>
+        <p:nvGrpSpPr>
+          <p:cNvPr id="44" name="Group 43">
+            <a:extLst>
+              <a:ext uri="{FF2B5EF4-FFF2-40B4-BE49-F238E27FC236}">
+                <a16:creationId xmlns:a16="http://schemas.microsoft.com/office/drawing/2014/main" id="{D11AC259-C778-7EB2-1ACA-95CF49DC3034}"/>
+              </a:ext>
+            </a:extLst>
+          </p:cNvPr>
+          <p:cNvGrpSpPr/>
+          <p:nvPr/>
+        </p:nvGrpSpPr>
+        <p:grpSpPr>
+          <a:xfrm>
+            <a:off x="770955" y="5180946"/>
+            <a:ext cx="488225" cy="556095"/>
+            <a:chOff x="541862" y="1279176"/>
+            <a:chExt cx="488225" cy="556095"/>
+          </a:xfrm>
+        </p:grpSpPr>
+        <p:pic>
+          <p:nvPicPr>
+            <p:cNvPr id="1026" name="Picture 2" descr="Python Programming Language icon SVG Vector &amp; PNG Free Download | UXWing">
+              <a:extLst>
+                <a:ext uri="{FF2B5EF4-FFF2-40B4-BE49-F238E27FC236}">
+                  <a16:creationId xmlns:a16="http://schemas.microsoft.com/office/drawing/2014/main" id="{1CE46F1D-049E-7362-5F6E-8698F1A2E375}"/>
+                </a:ext>
+              </a:extLst>
+            </p:cNvPr>
+            <p:cNvPicPr>
+              <a:picLocks noChangeAspect="1" noChangeArrowheads="1"/>
+            </p:cNvPicPr>
+            <p:nvPr/>
+          </p:nvPicPr>
+          <p:blipFill>
+            <a:blip r:embed="rId8">
+              <a:extLst>
+                <a:ext uri="{28A0092B-C50C-407E-A947-70E740481C1C}">
+                  <a14:useLocalDpi xmlns:a14="http://schemas.microsoft.com/office/drawing/2010/main" val="0"/>
+                </a:ext>
+              </a:extLst>
+            </a:blip>
+            <a:srcRect/>
+            <a:stretch>
+              <a:fillRect/>
+            </a:stretch>
+          </p:blipFill>
+          <p:spPr bwMode="auto">
+            <a:xfrm>
+              <a:off x="609600" y="1279176"/>
+              <a:ext cx="352751" cy="380346"/>
+            </a:xfrm>
+            <a:prstGeom prst="rect">
+              <a:avLst/>
+            </a:prstGeom>
+            <a:noFill/>
+            <a:extLst>
+              <a:ext uri="{909E8E84-426E-40DD-AFC4-6F175D3DCCD1}">
+                <a14:hiddenFill xmlns:a14="http://schemas.microsoft.com/office/drawing/2010/main">
+                  <a:solidFill>
+                    <a:srgbClr val="FFFFFF"/>
+                  </a:solidFill>
+                </a14:hiddenFill>
+              </a:ext>
+            </a:extLst>
+          </p:spPr>
+        </p:pic>
+        <p:sp>
+          <p:nvSpPr>
+            <p:cNvPr id="37" name="TextBox 36">
+              <a:extLst>
+                <a:ext uri="{FF2B5EF4-FFF2-40B4-BE49-F238E27FC236}">
+                  <a16:creationId xmlns:a16="http://schemas.microsoft.com/office/drawing/2014/main" id="{6F39930B-E3E9-74DD-FA55-C211610BE3BB}"/>
+                </a:ext>
+              </a:extLst>
+            </p:cNvPr>
+            <p:cNvSpPr txBox="1"/>
+            <p:nvPr/>
+          </p:nvSpPr>
+          <p:spPr>
+            <a:xfrm>
+              <a:off x="541862" y="1589050"/>
+              <a:ext cx="488225" cy="246221"/>
+            </a:xfrm>
+            <a:prstGeom prst="rect">
+              <a:avLst/>
+            </a:prstGeom>
+            <a:noFill/>
+          </p:spPr>
+          <p:txBody>
+            <a:bodyPr wrap="square" lIns="0" rIns="0" rtlCol="0">
+              <a:spAutoFit/>
+            </a:bodyPr>
+            <a:lstStyle/>
+            <a:p>
+              <a:pPr algn="ctr"/>
+              <a:r>
+                <a:rPr lang="en-US" sz="1000" dirty="0">
+                  <a:latin typeface="Calibri" panose="020F0502020204030204" pitchFamily="34" charset="0"/>
+                  <a:ea typeface="Calibri" panose="020F0502020204030204" pitchFamily="34" charset="0"/>
+                  <a:cs typeface="Calibri" panose="020F0502020204030204" pitchFamily="34" charset="0"/>
+                </a:rPr>
+                <a:t>Python</a:t>
+              </a:r>
+            </a:p>
+          </p:txBody>
+        </p:sp>
+      </p:grpSp>
+      <p:grpSp>
+        <p:nvGrpSpPr>
+          <p:cNvPr id="1035" name="Group 1034">
+            <a:extLst>
+              <a:ext uri="{FF2B5EF4-FFF2-40B4-BE49-F238E27FC236}">
+                <a16:creationId xmlns:a16="http://schemas.microsoft.com/office/drawing/2014/main" id="{7B6FD4A1-9700-15AF-64A6-1B498844413D}"/>
+              </a:ext>
+            </a:extLst>
+          </p:cNvPr>
+          <p:cNvGrpSpPr/>
+          <p:nvPr/>
+        </p:nvGrpSpPr>
+        <p:grpSpPr>
+          <a:xfrm>
+            <a:off x="765999" y="5884973"/>
+            <a:ext cx="617462" cy="765380"/>
+            <a:chOff x="8879193" y="1326923"/>
+            <a:chExt cx="617462" cy="765380"/>
+          </a:xfrm>
+        </p:grpSpPr>
+        <p:pic>
+          <p:nvPicPr>
+            <p:cNvPr id="1042" name="Picture 18" descr="GitHub Actions SVG and transparent PNG icons | TechIcons">
+              <a:extLst>
+                <a:ext uri="{FF2B5EF4-FFF2-40B4-BE49-F238E27FC236}">
+                  <a16:creationId xmlns:a16="http://schemas.microsoft.com/office/drawing/2014/main" id="{459C6454-92B6-2A68-69C0-33B638418A7C}"/>
+                </a:ext>
+              </a:extLst>
+            </p:cNvPr>
+            <p:cNvPicPr>
+              <a:picLocks noChangeAspect="1" noChangeArrowheads="1"/>
+            </p:cNvPicPr>
+            <p:nvPr/>
+          </p:nvPicPr>
+          <p:blipFill>
+            <a:blip r:embed="rId9">
+              <a:extLst>
+                <a:ext uri="{28A0092B-C50C-407E-A947-70E740481C1C}">
+                  <a14:useLocalDpi xmlns:a14="http://schemas.microsoft.com/office/drawing/2010/main" val="0"/>
+                </a:ext>
+              </a:extLst>
+            </a:blip>
+            <a:srcRect/>
+            <a:stretch>
+              <a:fillRect/>
+            </a:stretch>
+          </p:blipFill>
+          <p:spPr bwMode="auto">
+            <a:xfrm>
+              <a:off x="8973776" y="1326923"/>
+              <a:ext cx="352751" cy="380346"/>
+            </a:xfrm>
+            <a:prstGeom prst="rect">
+              <a:avLst/>
+            </a:prstGeom>
+            <a:noFill/>
+            <a:extLst>
+              <a:ext uri="{909E8E84-426E-40DD-AFC4-6F175D3DCCD1}">
+                <a14:hiddenFill xmlns:a14="http://schemas.microsoft.com/office/drawing/2010/main">
+                  <a:solidFill>
+                    <a:srgbClr val="FFFFFF"/>
+                  </a:solidFill>
+                </a14:hiddenFill>
+              </a:ext>
+            </a:extLst>
+          </p:spPr>
+        </p:pic>
+        <p:sp>
+          <p:nvSpPr>
+            <p:cNvPr id="39" name="TextBox 38">
+              <a:extLst>
+                <a:ext uri="{FF2B5EF4-FFF2-40B4-BE49-F238E27FC236}">
+                  <a16:creationId xmlns:a16="http://schemas.microsoft.com/office/drawing/2014/main" id="{A3DF5376-215F-BF2B-B974-ED694F8ED020}"/>
+                </a:ext>
+              </a:extLst>
+            </p:cNvPr>
+            <p:cNvSpPr txBox="1"/>
+            <p:nvPr/>
+          </p:nvSpPr>
+          <p:spPr>
+            <a:xfrm>
+              <a:off x="8879193" y="1692193"/>
+              <a:ext cx="617462" cy="400110"/>
+            </a:xfrm>
+            <a:prstGeom prst="rect">
+              <a:avLst/>
+            </a:prstGeom>
+            <a:noFill/>
+          </p:spPr>
+          <p:txBody>
+            <a:bodyPr wrap="square" lIns="0" rIns="0" rtlCol="0">
+              <a:spAutoFit/>
+            </a:bodyPr>
+            <a:lstStyle>
+              <a:defPPr>
+                <a:defRPr lang="en-US"/>
+              </a:defPPr>
+              <a:lvl1pPr algn="ctr">
+                <a:defRPr sz="1000">
+                  <a:latin typeface="Calibri" panose="020F0502020204030204" pitchFamily="34" charset="0"/>
+                  <a:ea typeface="Calibri" panose="020F0502020204030204" pitchFamily="34" charset="0"/>
+                  <a:cs typeface="Calibri" panose="020F0502020204030204" pitchFamily="34" charset="0"/>
+                </a:defRPr>
+              </a:lvl1pPr>
+            </a:lstStyle>
+            <a:p>
+              <a:r>
+                <a:rPr lang="en-US" dirty="0"/>
+                <a:t>GitHub Workflow</a:t>
+              </a:r>
+            </a:p>
+          </p:txBody>
+        </p:sp>
+      </p:grpSp>
+      <p:grpSp>
+        <p:nvGrpSpPr>
+          <p:cNvPr id="60" name="Group 59">
+            <a:extLst>
+              <a:ext uri="{FF2B5EF4-FFF2-40B4-BE49-F238E27FC236}">
+                <a16:creationId xmlns:a16="http://schemas.microsoft.com/office/drawing/2014/main" id="{45796208-BB45-E763-70E8-7F81EC411ABC}"/>
+              </a:ext>
+            </a:extLst>
+          </p:cNvPr>
+          <p:cNvGrpSpPr/>
+          <p:nvPr/>
+        </p:nvGrpSpPr>
+        <p:grpSpPr>
+          <a:xfrm>
+            <a:off x="6808083" y="2303479"/>
+            <a:ext cx="476392" cy="615728"/>
+            <a:chOff x="553695" y="2153110"/>
+            <a:chExt cx="476392" cy="615728"/>
+          </a:xfrm>
+        </p:grpSpPr>
+        <p:pic>
+          <p:nvPicPr>
+            <p:cNvPr id="1044" name="Picture 20" descr="Auth0&quot; Icon - Download for free – Iconduck">
+              <a:extLst>
+                <a:ext uri="{FF2B5EF4-FFF2-40B4-BE49-F238E27FC236}">
+                  <a16:creationId xmlns:a16="http://schemas.microsoft.com/office/drawing/2014/main" id="{EB9C5265-C121-2934-552F-01EFBE2F1F0A}"/>
+                </a:ext>
+              </a:extLst>
+            </p:cNvPr>
+            <p:cNvPicPr>
+              <a:picLocks noChangeAspect="1" noChangeArrowheads="1"/>
+            </p:cNvPicPr>
+            <p:nvPr/>
+          </p:nvPicPr>
+          <p:blipFill>
+            <a:blip r:embed="rId10">
+              <a:extLst>
+                <a:ext uri="{28A0092B-C50C-407E-A947-70E740481C1C}">
+                  <a14:useLocalDpi xmlns:a14="http://schemas.microsoft.com/office/drawing/2010/main" val="0"/>
+                </a:ext>
+              </a:extLst>
+            </a:blip>
+            <a:srcRect/>
+            <a:stretch>
+              <a:fillRect/>
+            </a:stretch>
+          </p:blipFill>
+          <p:spPr bwMode="auto">
+            <a:xfrm>
+              <a:off x="609600" y="2153110"/>
+              <a:ext cx="352751" cy="380346"/>
+            </a:xfrm>
+            <a:prstGeom prst="rect">
+              <a:avLst/>
+            </a:prstGeom>
+            <a:noFill/>
+            <a:extLst>
+              <a:ext uri="{909E8E84-426E-40DD-AFC4-6F175D3DCCD1}">
+                <a14:hiddenFill xmlns:a14="http://schemas.microsoft.com/office/drawing/2010/main">
+                  <a:solidFill>
+                    <a:srgbClr val="FFFFFF"/>
+                  </a:solidFill>
+                </a14:hiddenFill>
+              </a:ext>
+            </a:extLst>
+          </p:spPr>
+        </p:pic>
+        <p:sp>
+          <p:nvSpPr>
+            <p:cNvPr id="43" name="TextBox 42">
+              <a:extLst>
+                <a:ext uri="{FF2B5EF4-FFF2-40B4-BE49-F238E27FC236}">
+                  <a16:creationId xmlns:a16="http://schemas.microsoft.com/office/drawing/2014/main" id="{89F6630A-0778-9411-4D69-E4875D9F92E9}"/>
+                </a:ext>
+              </a:extLst>
+            </p:cNvPr>
+            <p:cNvSpPr txBox="1"/>
+            <p:nvPr/>
+          </p:nvSpPr>
+          <p:spPr>
+            <a:xfrm>
+              <a:off x="553695" y="2522617"/>
+              <a:ext cx="476392" cy="246221"/>
+            </a:xfrm>
+            <a:prstGeom prst="rect">
+              <a:avLst/>
+            </a:prstGeom>
+            <a:noFill/>
+          </p:spPr>
+          <p:txBody>
+            <a:bodyPr wrap="square" lIns="0" rIns="0" rtlCol="0">
+              <a:spAutoFit/>
+            </a:bodyPr>
+            <a:lstStyle>
+              <a:defPPr>
+                <a:defRPr lang="en-US"/>
+              </a:defPPr>
+              <a:lvl1pPr algn="ctr">
+                <a:defRPr sz="1000">
+                  <a:latin typeface="Calibri" panose="020F0502020204030204" pitchFamily="34" charset="0"/>
+                  <a:ea typeface="Calibri" panose="020F0502020204030204" pitchFamily="34" charset="0"/>
+                  <a:cs typeface="Calibri" panose="020F0502020204030204" pitchFamily="34" charset="0"/>
+                </a:defRPr>
+              </a:lvl1pPr>
+            </a:lstStyle>
+            <a:p>
+              <a:r>
+                <a:rPr lang="en-US" dirty="0"/>
+                <a:t>Auth0</a:t>
+              </a:r>
+            </a:p>
+          </p:txBody>
+        </p:sp>
+      </p:grpSp>
+      <p:grpSp>
+        <p:nvGrpSpPr>
+          <p:cNvPr id="62" name="Group 61">
+            <a:extLst>
+              <a:ext uri="{FF2B5EF4-FFF2-40B4-BE49-F238E27FC236}">
+                <a16:creationId xmlns:a16="http://schemas.microsoft.com/office/drawing/2014/main" id="{B6921364-5616-AC0D-A038-D75DF09723B2}"/>
+              </a:ext>
+            </a:extLst>
+          </p:cNvPr>
+          <p:cNvGrpSpPr/>
+          <p:nvPr/>
+        </p:nvGrpSpPr>
+        <p:grpSpPr>
+          <a:xfrm>
+            <a:off x="8068016" y="2293954"/>
+            <a:ext cx="587827" cy="626567"/>
+            <a:chOff x="1901262" y="2153110"/>
+            <a:chExt cx="587827" cy="626567"/>
+          </a:xfrm>
+        </p:grpSpPr>
+        <p:pic>
+          <p:nvPicPr>
+            <p:cNvPr id="1050" name="Picture 26" descr="End-user | Definition">
+              <a:extLst>
+                <a:ext uri="{FF2B5EF4-FFF2-40B4-BE49-F238E27FC236}">
+                  <a16:creationId xmlns:a16="http://schemas.microsoft.com/office/drawing/2014/main" id="{65596FA5-56AA-240B-7D82-E55B598CA769}"/>
+                </a:ext>
+              </a:extLst>
+            </p:cNvPr>
+            <p:cNvPicPr>
+              <a:picLocks noChangeAspect="1" noChangeArrowheads="1"/>
+            </p:cNvPicPr>
+            <p:nvPr/>
+          </p:nvPicPr>
+          <p:blipFill>
+            <a:blip r:embed="rId11">
+              <a:extLst>
+                <a:ext uri="{28A0092B-C50C-407E-A947-70E740481C1C}">
+                  <a14:useLocalDpi xmlns:a14="http://schemas.microsoft.com/office/drawing/2010/main" val="0"/>
+                </a:ext>
+              </a:extLst>
+            </a:blip>
+            <a:srcRect/>
+            <a:stretch>
+              <a:fillRect/>
+            </a:stretch>
+          </p:blipFill>
+          <p:spPr bwMode="auto">
+            <a:xfrm>
+              <a:off x="2066751" y="2153110"/>
+              <a:ext cx="256850" cy="385217"/>
+            </a:xfrm>
+            <a:prstGeom prst="rect">
+              <a:avLst/>
+            </a:prstGeom>
+            <a:noFill/>
+            <a:extLst>
+              <a:ext uri="{909E8E84-426E-40DD-AFC4-6F175D3DCCD1}">
+                <a14:hiddenFill xmlns:a14="http://schemas.microsoft.com/office/drawing/2010/main">
+                  <a:solidFill>
+                    <a:srgbClr val="FFFFFF"/>
+                  </a:solidFill>
+                </a14:hiddenFill>
+              </a:ext>
+            </a:extLst>
+          </p:spPr>
+        </p:pic>
+        <p:sp>
+          <p:nvSpPr>
+            <p:cNvPr id="57" name="TextBox 56">
+              <a:extLst>
+                <a:ext uri="{FF2B5EF4-FFF2-40B4-BE49-F238E27FC236}">
+                  <a16:creationId xmlns:a16="http://schemas.microsoft.com/office/drawing/2014/main" id="{057AAF6D-CE67-826D-5DE2-0DCA799E22C7}"/>
+                </a:ext>
+              </a:extLst>
+            </p:cNvPr>
+            <p:cNvSpPr txBox="1"/>
+            <p:nvPr/>
+          </p:nvSpPr>
+          <p:spPr>
+            <a:xfrm>
+              <a:off x="1901262" y="2533456"/>
+              <a:ext cx="587827" cy="246221"/>
+            </a:xfrm>
+            <a:prstGeom prst="rect">
+              <a:avLst/>
+            </a:prstGeom>
+            <a:noFill/>
+          </p:spPr>
+          <p:txBody>
+            <a:bodyPr wrap="square" lIns="0" rIns="0" rtlCol="0">
+              <a:spAutoFit/>
+            </a:bodyPr>
+            <a:lstStyle>
+              <a:defPPr>
+                <a:defRPr lang="en-US"/>
+              </a:defPPr>
+              <a:lvl1pPr algn="ctr">
+                <a:defRPr sz="1000">
+                  <a:latin typeface="Calibri" panose="020F0502020204030204" pitchFamily="34" charset="0"/>
+                  <a:ea typeface="Calibri" panose="020F0502020204030204" pitchFamily="34" charset="0"/>
+                  <a:cs typeface="Calibri" panose="020F0502020204030204" pitchFamily="34" charset="0"/>
+                </a:defRPr>
+              </a:lvl1pPr>
+            </a:lstStyle>
+            <a:p>
+              <a:r>
+                <a:rPr lang="en-US" dirty="0"/>
+                <a:t>End User</a:t>
+              </a:r>
+            </a:p>
+          </p:txBody>
+        </p:sp>
+      </p:grpSp>
+      <p:grpSp>
+        <p:nvGrpSpPr>
+          <p:cNvPr id="63" name="Group 62">
+            <a:extLst>
+              <a:ext uri="{FF2B5EF4-FFF2-40B4-BE49-F238E27FC236}">
+                <a16:creationId xmlns:a16="http://schemas.microsoft.com/office/drawing/2014/main" id="{7CE03E19-A41D-3101-9591-DDBE2D8F1AFD}"/>
+              </a:ext>
+            </a:extLst>
+          </p:cNvPr>
+          <p:cNvGrpSpPr/>
+          <p:nvPr/>
+        </p:nvGrpSpPr>
+        <p:grpSpPr>
+          <a:xfrm>
+            <a:off x="1304928" y="5958683"/>
+            <a:ext cx="756780" cy="556093"/>
+            <a:chOff x="1770406" y="1279176"/>
+            <a:chExt cx="756780" cy="556093"/>
+          </a:xfrm>
+        </p:grpSpPr>
+        <p:pic>
+          <p:nvPicPr>
+            <p:cNvPr id="1038" name="Picture 14" descr="terraform&quot; Icon - Download for free – Iconduck">
+              <a:extLst>
+                <a:ext uri="{FF2B5EF4-FFF2-40B4-BE49-F238E27FC236}">
+                  <a16:creationId xmlns:a16="http://schemas.microsoft.com/office/drawing/2014/main" id="{FB992BEA-AF8E-5130-BA23-B7F3633C4758}"/>
+                </a:ext>
+              </a:extLst>
+            </p:cNvPr>
+            <p:cNvPicPr>
+              <a:picLocks noChangeAspect="1" noChangeArrowheads="1"/>
+            </p:cNvPicPr>
+            <p:nvPr/>
+          </p:nvPicPr>
+          <p:blipFill>
+            <a:blip r:embed="rId12">
+              <a:extLst>
+                <a:ext uri="{28A0092B-C50C-407E-A947-70E740481C1C}">
+                  <a14:useLocalDpi xmlns:a14="http://schemas.microsoft.com/office/drawing/2010/main" val="0"/>
+                </a:ext>
+              </a:extLst>
+            </a:blip>
+            <a:srcRect/>
+            <a:stretch>
+              <a:fillRect/>
+            </a:stretch>
+          </p:blipFill>
+          <p:spPr bwMode="auto">
+            <a:xfrm>
+              <a:off x="1972421" y="1279176"/>
+              <a:ext cx="352751" cy="376244"/>
+            </a:xfrm>
+            <a:prstGeom prst="rect">
+              <a:avLst/>
+            </a:prstGeom>
+            <a:noFill/>
+            <a:extLst>
+              <a:ext uri="{909E8E84-426E-40DD-AFC4-6F175D3DCCD1}">
+                <a14:hiddenFill xmlns:a14="http://schemas.microsoft.com/office/drawing/2010/main">
+                  <a:solidFill>
+                    <a:srgbClr val="FFFFFF"/>
+                  </a:solidFill>
+                </a14:hiddenFill>
+              </a:ext>
+            </a:extLst>
+          </p:spPr>
+        </p:pic>
+        <p:sp>
+          <p:nvSpPr>
+            <p:cNvPr id="1058" name="TextBox 1057">
+              <a:extLst>
+                <a:ext uri="{FF2B5EF4-FFF2-40B4-BE49-F238E27FC236}">
+                  <a16:creationId xmlns:a16="http://schemas.microsoft.com/office/drawing/2014/main" id="{8AD90DA6-F900-62C8-282E-E08A9CBA293C}"/>
+                </a:ext>
+              </a:extLst>
+            </p:cNvPr>
+            <p:cNvSpPr txBox="1"/>
+            <p:nvPr/>
+          </p:nvSpPr>
+          <p:spPr>
+            <a:xfrm>
+              <a:off x="1770406" y="1589048"/>
+              <a:ext cx="756780" cy="246221"/>
+            </a:xfrm>
+            <a:prstGeom prst="rect">
+              <a:avLst/>
+            </a:prstGeom>
+            <a:noFill/>
+          </p:spPr>
+          <p:txBody>
+            <a:bodyPr wrap="square" lIns="0" rIns="0" rtlCol="0">
+              <a:spAutoFit/>
+            </a:bodyPr>
+            <a:lstStyle>
+              <a:defPPr>
+                <a:defRPr lang="en-US"/>
+              </a:defPPr>
+              <a:lvl1pPr algn="ctr">
+                <a:defRPr sz="1000">
+                  <a:latin typeface="Calibri" panose="020F0502020204030204" pitchFamily="34" charset="0"/>
+                  <a:ea typeface="Calibri" panose="020F0502020204030204" pitchFamily="34" charset="0"/>
+                  <a:cs typeface="Calibri" panose="020F0502020204030204" pitchFamily="34" charset="0"/>
+                </a:defRPr>
+              </a:lvl1pPr>
+            </a:lstStyle>
+            <a:p>
+              <a:r>
+                <a:rPr lang="en-US" dirty="0"/>
+                <a:t>Terraform</a:t>
+              </a:r>
+            </a:p>
+          </p:txBody>
+        </p:sp>
+      </p:grpSp>
+      <p:grpSp>
+        <p:nvGrpSpPr>
+          <p:cNvPr id="30" name="Group 29">
+            <a:extLst>
+              <a:ext uri="{FF2B5EF4-FFF2-40B4-BE49-F238E27FC236}">
+                <a16:creationId xmlns:a16="http://schemas.microsoft.com/office/drawing/2014/main" id="{6D701261-620C-D631-B991-D537E05FACB6}"/>
+              </a:ext>
+            </a:extLst>
+          </p:cNvPr>
+          <p:cNvGrpSpPr/>
+          <p:nvPr/>
+        </p:nvGrpSpPr>
+        <p:grpSpPr>
+          <a:xfrm>
+            <a:off x="6187995" y="4527864"/>
+            <a:ext cx="352751" cy="561220"/>
+            <a:chOff x="4854282" y="1269160"/>
+            <a:chExt cx="352751" cy="561220"/>
+          </a:xfrm>
+        </p:grpSpPr>
+        <p:pic>
+          <p:nvPicPr>
+            <p:cNvPr id="1064" name="Picture 34" descr="S3 Bucket with Objects | AWS Storage">
+              <a:extLst>
+                <a:ext uri="{FF2B5EF4-FFF2-40B4-BE49-F238E27FC236}">
+                  <a16:creationId xmlns:a16="http://schemas.microsoft.com/office/drawing/2014/main" id="{CBE95590-C19F-882C-B79E-05A0C24E2B1D}"/>
+                </a:ext>
+              </a:extLst>
+            </p:cNvPr>
+            <p:cNvPicPr>
+              <a:picLocks noChangeAspect="1" noChangeArrowheads="1"/>
+            </p:cNvPicPr>
+            <p:nvPr/>
+          </p:nvPicPr>
+          <p:blipFill>
+            <a:blip r:embed="rId13">
+              <a:extLst>
+                <a:ext uri="{28A0092B-C50C-407E-A947-70E740481C1C}">
+                  <a14:useLocalDpi xmlns:a14="http://schemas.microsoft.com/office/drawing/2010/main" val="0"/>
+                </a:ext>
+              </a:extLst>
+            </a:blip>
+            <a:srcRect/>
+            <a:stretch>
+              <a:fillRect/>
+            </a:stretch>
+          </p:blipFill>
+          <p:spPr bwMode="auto">
+            <a:xfrm>
+              <a:off x="4854282" y="1269160"/>
+              <a:ext cx="352751" cy="380346"/>
+            </a:xfrm>
+            <a:prstGeom prst="rect">
+              <a:avLst/>
+            </a:prstGeom>
+            <a:noFill/>
+            <a:extLst>
+              <a:ext uri="{909E8E84-426E-40DD-AFC4-6F175D3DCCD1}">
+                <a14:hiddenFill xmlns:a14="http://schemas.microsoft.com/office/drawing/2010/main">
+                  <a:solidFill>
+                    <a:srgbClr val="FFFFFF"/>
+                  </a:solidFill>
+                </a14:hiddenFill>
+              </a:ext>
+            </a:extLst>
+          </p:spPr>
+        </p:pic>
+        <p:sp>
+          <p:nvSpPr>
+            <p:cNvPr id="1065" name="TextBox 1064">
+              <a:extLst>
+                <a:ext uri="{FF2B5EF4-FFF2-40B4-BE49-F238E27FC236}">
+                  <a16:creationId xmlns:a16="http://schemas.microsoft.com/office/drawing/2014/main" id="{4DFC4C1F-A953-8115-D8F8-625D820464AE}"/>
+                </a:ext>
+              </a:extLst>
+            </p:cNvPr>
+            <p:cNvSpPr txBox="1"/>
+            <p:nvPr/>
+          </p:nvSpPr>
+          <p:spPr>
+            <a:xfrm>
+              <a:off x="4886273" y="1584159"/>
+              <a:ext cx="288767" cy="246221"/>
+            </a:xfrm>
+            <a:prstGeom prst="rect">
+              <a:avLst/>
+            </a:prstGeom>
+            <a:noFill/>
+          </p:spPr>
+          <p:txBody>
+            <a:bodyPr wrap="square" lIns="0" rIns="0" rtlCol="0">
+              <a:spAutoFit/>
+            </a:bodyPr>
+            <a:lstStyle>
+              <a:defPPr>
+                <a:defRPr lang="en-US"/>
+              </a:defPPr>
+              <a:lvl1pPr algn="ctr">
+                <a:defRPr sz="1000">
+                  <a:latin typeface="Calibri" panose="020F0502020204030204" pitchFamily="34" charset="0"/>
+                  <a:ea typeface="Calibri" panose="020F0502020204030204" pitchFamily="34" charset="0"/>
+                  <a:cs typeface="Calibri" panose="020F0502020204030204" pitchFamily="34" charset="0"/>
+                </a:defRPr>
+              </a:lvl1pPr>
+            </a:lstStyle>
+            <a:p>
+              <a:r>
+                <a:rPr lang="en-US" dirty="0"/>
+                <a:t>S3</a:t>
+              </a:r>
+            </a:p>
+          </p:txBody>
+        </p:sp>
+      </p:grpSp>
+      <p:grpSp>
+        <p:nvGrpSpPr>
+          <p:cNvPr id="16" name="Group 15">
+            <a:extLst>
+              <a:ext uri="{FF2B5EF4-FFF2-40B4-BE49-F238E27FC236}">
+                <a16:creationId xmlns:a16="http://schemas.microsoft.com/office/drawing/2014/main" id="{F2CBDF35-A901-F9CC-4D46-DC1A5C42047C}"/>
+              </a:ext>
+            </a:extLst>
+          </p:cNvPr>
+          <p:cNvGrpSpPr/>
+          <p:nvPr/>
+        </p:nvGrpSpPr>
+        <p:grpSpPr>
+          <a:xfrm>
+            <a:off x="6007341" y="5228656"/>
+            <a:ext cx="724991" cy="620653"/>
+            <a:chOff x="3840875" y="1275074"/>
+            <a:chExt cx="724991" cy="620653"/>
+          </a:xfrm>
+        </p:grpSpPr>
+        <p:pic>
+          <p:nvPicPr>
+            <p:cNvPr id="1066" name="Picture 36" descr="5 New Features in AWS Fargate Version 1.4 | Logicata">
+              <a:extLst>
+                <a:ext uri="{FF2B5EF4-FFF2-40B4-BE49-F238E27FC236}">
+                  <a16:creationId xmlns:a16="http://schemas.microsoft.com/office/drawing/2014/main" id="{9C1BA5F8-0B9E-1A86-E4D1-CA2CC38F9ADA}"/>
+                </a:ext>
+              </a:extLst>
+            </p:cNvPr>
+            <p:cNvPicPr>
+              <a:picLocks noChangeAspect="1" noChangeArrowheads="1"/>
+            </p:cNvPicPr>
+            <p:nvPr/>
+          </p:nvPicPr>
+          <p:blipFill>
+            <a:blip r:embed="rId14">
+              <a:extLst>
+                <a:ext uri="{28A0092B-C50C-407E-A947-70E740481C1C}">
+                  <a14:useLocalDpi xmlns:a14="http://schemas.microsoft.com/office/drawing/2010/main" val="0"/>
+                </a:ext>
+              </a:extLst>
+            </a:blip>
+            <a:srcRect/>
+            <a:stretch>
+              <a:fillRect/>
+            </a:stretch>
+          </p:blipFill>
+          <p:spPr bwMode="auto">
+            <a:xfrm>
+              <a:off x="4026996" y="1275074"/>
+              <a:ext cx="352751" cy="380346"/>
+            </a:xfrm>
+            <a:prstGeom prst="rect">
+              <a:avLst/>
+            </a:prstGeom>
+            <a:noFill/>
+            <a:extLst>
+              <a:ext uri="{909E8E84-426E-40DD-AFC4-6F175D3DCCD1}">
+                <a14:hiddenFill xmlns:a14="http://schemas.microsoft.com/office/drawing/2010/main">
+                  <a:solidFill>
+                    <a:srgbClr val="FFFFFF"/>
+                  </a:solidFill>
+                </a14:hiddenFill>
+              </a:ext>
+            </a:extLst>
+          </p:spPr>
+        </p:pic>
+        <p:sp>
+          <p:nvSpPr>
+            <p:cNvPr id="1067" name="TextBox 1066">
+              <a:extLst>
+                <a:ext uri="{FF2B5EF4-FFF2-40B4-BE49-F238E27FC236}">
+                  <a16:creationId xmlns:a16="http://schemas.microsoft.com/office/drawing/2014/main" id="{ACEE9E57-9C65-E848-B931-DE6377F6C7B3}"/>
+                </a:ext>
+              </a:extLst>
+            </p:cNvPr>
+            <p:cNvSpPr txBox="1"/>
+            <p:nvPr/>
+          </p:nvSpPr>
+          <p:spPr>
+            <a:xfrm>
+              <a:off x="3840875" y="1649506"/>
+              <a:ext cx="724991" cy="246221"/>
+            </a:xfrm>
+            <a:prstGeom prst="rect">
+              <a:avLst/>
+            </a:prstGeom>
+            <a:noFill/>
+          </p:spPr>
+          <p:txBody>
+            <a:bodyPr wrap="square" lIns="0" rIns="0" rtlCol="0">
+              <a:spAutoFit/>
+            </a:bodyPr>
+            <a:lstStyle>
+              <a:defPPr>
+                <a:defRPr lang="en-US"/>
+              </a:defPPr>
+              <a:lvl1pPr algn="ctr">
+                <a:defRPr sz="1000">
+                  <a:latin typeface="Calibri" panose="020F0502020204030204" pitchFamily="34" charset="0"/>
+                  <a:ea typeface="Calibri" panose="020F0502020204030204" pitchFamily="34" charset="0"/>
+                  <a:cs typeface="Calibri" panose="020F0502020204030204" pitchFamily="34" charset="0"/>
+                </a:defRPr>
+              </a:lvl1pPr>
+            </a:lstStyle>
+            <a:p>
+              <a:r>
+                <a:rPr lang="en-US" dirty="0"/>
+                <a:t>ECS Fargate</a:t>
+              </a:r>
+            </a:p>
+          </p:txBody>
+        </p:sp>
+      </p:grpSp>
+      <p:grpSp>
+        <p:nvGrpSpPr>
+          <p:cNvPr id="21" name="Group 20">
+            <a:extLst>
+              <a:ext uri="{FF2B5EF4-FFF2-40B4-BE49-F238E27FC236}">
+                <a16:creationId xmlns:a16="http://schemas.microsoft.com/office/drawing/2014/main" id="{79B3FC3B-2981-1C7D-4E57-4D7FED5749ED}"/>
+              </a:ext>
+            </a:extLst>
+          </p:cNvPr>
+          <p:cNvGrpSpPr/>
+          <p:nvPr/>
+        </p:nvGrpSpPr>
+        <p:grpSpPr>
+          <a:xfrm>
+            <a:off x="6964546" y="6052075"/>
+            <a:ext cx="685038" cy="562153"/>
+            <a:chOff x="6084755" y="1277125"/>
+            <a:chExt cx="685038" cy="562153"/>
+          </a:xfrm>
+        </p:grpSpPr>
+        <p:pic>
+          <p:nvPicPr>
+            <p:cNvPr id="1068" name="Picture 38" descr="AWS CloudWatch Logs">
+              <a:extLst>
+                <a:ext uri="{FF2B5EF4-FFF2-40B4-BE49-F238E27FC236}">
+                  <a16:creationId xmlns:a16="http://schemas.microsoft.com/office/drawing/2014/main" id="{DBA2C1E4-66B4-3B35-196B-2DE353929411}"/>
+                </a:ext>
+              </a:extLst>
+            </p:cNvPr>
+            <p:cNvPicPr>
+              <a:picLocks noChangeAspect="1" noChangeArrowheads="1"/>
+            </p:cNvPicPr>
+            <p:nvPr/>
+          </p:nvPicPr>
+          <p:blipFill>
+            <a:blip r:embed="rId15">
+              <a:extLst>
+                <a:ext uri="{28A0092B-C50C-407E-A947-70E740481C1C}">
+                  <a14:useLocalDpi xmlns:a14="http://schemas.microsoft.com/office/drawing/2010/main" val="0"/>
+                </a:ext>
+              </a:extLst>
+            </a:blip>
+            <a:srcRect/>
+            <a:stretch>
+              <a:fillRect/>
+            </a:stretch>
+          </p:blipFill>
+          <p:spPr bwMode="auto">
+            <a:xfrm>
+              <a:off x="6254048" y="1277125"/>
+              <a:ext cx="351646" cy="380346"/>
+            </a:xfrm>
+            <a:prstGeom prst="rect">
+              <a:avLst/>
+            </a:prstGeom>
+            <a:noFill/>
+            <a:extLst>
+              <a:ext uri="{909E8E84-426E-40DD-AFC4-6F175D3DCCD1}">
+                <a14:hiddenFill xmlns:a14="http://schemas.microsoft.com/office/drawing/2010/main">
+                  <a:solidFill>
+                    <a:srgbClr val="FFFFFF"/>
+                  </a:solidFill>
+                </a14:hiddenFill>
+              </a:ext>
+            </a:extLst>
+          </p:spPr>
+        </p:pic>
+        <p:sp>
+          <p:nvSpPr>
+            <p:cNvPr id="1069" name="TextBox 1068">
+              <a:extLst>
+                <a:ext uri="{FF2B5EF4-FFF2-40B4-BE49-F238E27FC236}">
+                  <a16:creationId xmlns:a16="http://schemas.microsoft.com/office/drawing/2014/main" id="{3BC36A3F-BB76-C81D-4253-189ED9B67340}"/>
+                </a:ext>
+              </a:extLst>
+            </p:cNvPr>
+            <p:cNvSpPr txBox="1"/>
+            <p:nvPr/>
+          </p:nvSpPr>
+          <p:spPr>
+            <a:xfrm>
+              <a:off x="6084755" y="1593057"/>
+              <a:ext cx="685038" cy="246221"/>
+            </a:xfrm>
+            <a:prstGeom prst="rect">
+              <a:avLst/>
+            </a:prstGeom>
+            <a:noFill/>
+          </p:spPr>
+          <p:txBody>
+            <a:bodyPr wrap="square" lIns="0" rIns="0" rtlCol="0">
+              <a:spAutoFit/>
+            </a:bodyPr>
+            <a:lstStyle>
+              <a:defPPr>
+                <a:defRPr lang="en-US"/>
+              </a:defPPr>
+              <a:lvl1pPr algn="ctr">
+                <a:defRPr sz="1000">
+                  <a:latin typeface="Calibri" panose="020F0502020204030204" pitchFamily="34" charset="0"/>
+                  <a:ea typeface="Calibri" panose="020F0502020204030204" pitchFamily="34" charset="0"/>
+                  <a:cs typeface="Calibri" panose="020F0502020204030204" pitchFamily="34" charset="0"/>
+                </a:defRPr>
+              </a:lvl1pPr>
+            </a:lstStyle>
+            <a:p>
+              <a:r>
+                <a:rPr lang="en-US" dirty="0"/>
+                <a:t>CloudWatch</a:t>
+              </a:r>
+            </a:p>
+          </p:txBody>
+        </p:sp>
+      </p:grpSp>
+      <p:grpSp>
+        <p:nvGrpSpPr>
+          <p:cNvPr id="1024" name="Group 1023">
+            <a:extLst>
+              <a:ext uri="{FF2B5EF4-FFF2-40B4-BE49-F238E27FC236}">
+                <a16:creationId xmlns:a16="http://schemas.microsoft.com/office/drawing/2014/main" id="{60D5A23F-0D33-6DB2-3FB9-9C5615C6E224}"/>
+              </a:ext>
+            </a:extLst>
+          </p:cNvPr>
+          <p:cNvGrpSpPr/>
+          <p:nvPr/>
+        </p:nvGrpSpPr>
+        <p:grpSpPr>
+          <a:xfrm>
+            <a:off x="5308875" y="5231005"/>
+            <a:ext cx="376970" cy="560195"/>
+            <a:chOff x="3361610" y="1275074"/>
+            <a:chExt cx="376970" cy="560195"/>
+          </a:xfrm>
+        </p:grpSpPr>
+        <p:pic>
+          <p:nvPicPr>
+            <p:cNvPr id="1070" name="Picture 12" descr="Amazon ECR | AWS Compute">
+              <a:extLst>
+                <a:ext uri="{FF2B5EF4-FFF2-40B4-BE49-F238E27FC236}">
+                  <a16:creationId xmlns:a16="http://schemas.microsoft.com/office/drawing/2014/main" id="{E30E0ED3-C791-CEC1-E22D-EA92E9F2B37A}"/>
+                </a:ext>
+              </a:extLst>
+            </p:cNvPr>
+            <p:cNvPicPr>
+              <a:picLocks noChangeAspect="1" noChangeArrowheads="1"/>
+            </p:cNvPicPr>
+            <p:nvPr/>
+          </p:nvPicPr>
+          <p:blipFill>
+            <a:blip r:embed="rId16">
+              <a:extLst>
+                <a:ext uri="{28A0092B-C50C-407E-A947-70E740481C1C}">
+                  <a14:useLocalDpi xmlns:a14="http://schemas.microsoft.com/office/drawing/2010/main" val="0"/>
+                </a:ext>
+              </a:extLst>
+            </a:blip>
+            <a:srcRect/>
+            <a:stretch>
+              <a:fillRect/>
+            </a:stretch>
+          </p:blipFill>
+          <p:spPr bwMode="auto">
+            <a:xfrm>
+              <a:off x="3361610" y="1275074"/>
+              <a:ext cx="376970" cy="380346"/>
+            </a:xfrm>
+            <a:prstGeom prst="rect">
+              <a:avLst/>
+            </a:prstGeom>
+            <a:noFill/>
+            <a:extLst>
+              <a:ext uri="{909E8E84-426E-40DD-AFC4-6F175D3DCCD1}">
+                <a14:hiddenFill xmlns:a14="http://schemas.microsoft.com/office/drawing/2010/main">
+                  <a:solidFill>
+                    <a:srgbClr val="FFFFFF"/>
+                  </a:solidFill>
+                </a14:hiddenFill>
+              </a:ext>
+            </a:extLst>
+          </p:spPr>
+        </p:pic>
+        <p:sp>
+          <p:nvSpPr>
+            <p:cNvPr id="1071" name="TextBox 1070">
+              <a:extLst>
+                <a:ext uri="{FF2B5EF4-FFF2-40B4-BE49-F238E27FC236}">
+                  <a16:creationId xmlns:a16="http://schemas.microsoft.com/office/drawing/2014/main" id="{650AF755-B50B-2863-59AC-342400D2BDA5}"/>
+                </a:ext>
+              </a:extLst>
+            </p:cNvPr>
+            <p:cNvSpPr txBox="1"/>
+            <p:nvPr/>
+          </p:nvSpPr>
+          <p:spPr>
+            <a:xfrm>
+              <a:off x="3410099" y="1589048"/>
+              <a:ext cx="279992" cy="246221"/>
+            </a:xfrm>
+            <a:prstGeom prst="rect">
+              <a:avLst/>
+            </a:prstGeom>
+            <a:noFill/>
+          </p:spPr>
+          <p:txBody>
+            <a:bodyPr wrap="square" lIns="0" rIns="0" rtlCol="0">
+              <a:spAutoFit/>
+            </a:bodyPr>
+            <a:lstStyle>
+              <a:defPPr>
+                <a:defRPr lang="en-US"/>
+              </a:defPPr>
+              <a:lvl1pPr algn="ctr">
+                <a:defRPr sz="1000">
+                  <a:latin typeface="Calibri" panose="020F0502020204030204" pitchFamily="34" charset="0"/>
+                  <a:ea typeface="Calibri" panose="020F0502020204030204" pitchFamily="34" charset="0"/>
+                  <a:cs typeface="Calibri" panose="020F0502020204030204" pitchFamily="34" charset="0"/>
+                </a:defRPr>
+              </a:lvl1pPr>
+            </a:lstStyle>
+            <a:p>
+              <a:r>
+                <a:rPr lang="en-US" dirty="0"/>
+                <a:t>ECR</a:t>
+              </a:r>
+            </a:p>
+          </p:txBody>
+        </p:sp>
+      </p:grpSp>
+      <p:grpSp>
+        <p:nvGrpSpPr>
+          <p:cNvPr id="33" name="Group 32">
+            <a:extLst>
+              <a:ext uri="{FF2B5EF4-FFF2-40B4-BE49-F238E27FC236}">
+                <a16:creationId xmlns:a16="http://schemas.microsoft.com/office/drawing/2014/main" id="{7AD7E4DA-524C-225E-6236-D1E215F0CC03}"/>
+              </a:ext>
+            </a:extLst>
+          </p:cNvPr>
+          <p:cNvGrpSpPr/>
+          <p:nvPr/>
+        </p:nvGrpSpPr>
+        <p:grpSpPr>
+          <a:xfrm>
+            <a:off x="6091303" y="6052075"/>
+            <a:ext cx="592318" cy="711427"/>
+            <a:chOff x="5340338" y="1277125"/>
+            <a:chExt cx="592318" cy="711427"/>
+          </a:xfrm>
+        </p:grpSpPr>
+        <p:pic>
+          <p:nvPicPr>
+            <p:cNvPr id="1075" name="Picture 1074">
+              <a:extLst>
+                <a:ext uri="{FF2B5EF4-FFF2-40B4-BE49-F238E27FC236}">
+                  <a16:creationId xmlns:a16="http://schemas.microsoft.com/office/drawing/2014/main" id="{4696ED94-893B-0F86-4DCC-43C8D1727432}"/>
+                </a:ext>
+              </a:extLst>
+            </p:cNvPr>
+            <p:cNvPicPr>
+              <a:picLocks noChangeAspect="1"/>
+            </p:cNvPicPr>
+            <p:nvPr/>
+          </p:nvPicPr>
+          <p:blipFill>
+            <a:blip r:embed="rId17"/>
+            <a:srcRect l="11468" t="6564" r="7282" b="7650"/>
+            <a:stretch/>
+          </p:blipFill>
+          <p:spPr>
+            <a:xfrm>
+              <a:off x="5460122" y="1277125"/>
+              <a:ext cx="352750" cy="380346"/>
+            </a:xfrm>
+            <a:prstGeom prst="rect">
+              <a:avLst/>
+            </a:prstGeom>
+          </p:spPr>
+        </p:pic>
+        <p:sp>
+          <p:nvSpPr>
+            <p:cNvPr id="1076" name="TextBox 1075">
+              <a:extLst>
+                <a:ext uri="{FF2B5EF4-FFF2-40B4-BE49-F238E27FC236}">
+                  <a16:creationId xmlns:a16="http://schemas.microsoft.com/office/drawing/2014/main" id="{25207517-A879-B4D2-46B3-0DED21868E5F}"/>
+                </a:ext>
+              </a:extLst>
+            </p:cNvPr>
+            <p:cNvSpPr txBox="1"/>
+            <p:nvPr/>
+          </p:nvSpPr>
+          <p:spPr>
+            <a:xfrm>
+              <a:off x="5340338" y="1588442"/>
+              <a:ext cx="592318" cy="400110"/>
+            </a:xfrm>
+            <a:prstGeom prst="rect">
+              <a:avLst/>
+            </a:prstGeom>
+            <a:noFill/>
+          </p:spPr>
+          <p:txBody>
+            <a:bodyPr wrap="square" lIns="0" rIns="0" rtlCol="0">
+              <a:spAutoFit/>
+            </a:bodyPr>
+            <a:lstStyle>
+              <a:defPPr>
+                <a:defRPr lang="en-US"/>
+              </a:defPPr>
+              <a:lvl1pPr algn="ctr">
+                <a:defRPr sz="1000">
+                  <a:latin typeface="Calibri" panose="020F0502020204030204" pitchFamily="34" charset="0"/>
+                  <a:ea typeface="Calibri" panose="020F0502020204030204" pitchFamily="34" charset="0"/>
+                  <a:cs typeface="Calibri" panose="020F0502020204030204" pitchFamily="34" charset="0"/>
+                </a:defRPr>
+              </a:lvl1pPr>
+            </a:lstStyle>
+            <a:p>
+              <a:r>
+                <a:rPr lang="en-US" dirty="0"/>
+                <a:t>Event Bridge</a:t>
+              </a:r>
+            </a:p>
+          </p:txBody>
+        </p:sp>
+      </p:grpSp>
+      <p:grpSp>
+        <p:nvGrpSpPr>
+          <p:cNvPr id="1132" name="Group 1131">
+            <a:extLst>
+              <a:ext uri="{FF2B5EF4-FFF2-40B4-BE49-F238E27FC236}">
+                <a16:creationId xmlns:a16="http://schemas.microsoft.com/office/drawing/2014/main" id="{995D66D3-A8CF-E0EE-8806-9CAB56E8EA52}"/>
+              </a:ext>
+            </a:extLst>
+          </p:cNvPr>
+          <p:cNvGrpSpPr/>
+          <p:nvPr/>
+        </p:nvGrpSpPr>
+        <p:grpSpPr>
+          <a:xfrm>
+            <a:off x="8128883" y="1295400"/>
+            <a:ext cx="466093" cy="633471"/>
+            <a:chOff x="312254" y="1056123"/>
+            <a:chExt cx="466093" cy="633471"/>
+          </a:xfrm>
+        </p:grpSpPr>
+        <p:pic>
+          <p:nvPicPr>
+            <p:cNvPr id="1048" name="Picture 24" descr="Email Icon Blue transparent PNG - StickPNG">
+              <a:extLst>
+                <a:ext uri="{FF2B5EF4-FFF2-40B4-BE49-F238E27FC236}">
+                  <a16:creationId xmlns:a16="http://schemas.microsoft.com/office/drawing/2014/main" id="{42367507-96B2-E8AA-8E82-39D22E47D946}"/>
+                </a:ext>
+              </a:extLst>
+            </p:cNvPr>
+            <p:cNvPicPr>
+              <a:picLocks noChangeAspect="1" noChangeArrowheads="1"/>
+            </p:cNvPicPr>
+            <p:nvPr/>
+          </p:nvPicPr>
+          <p:blipFill>
+            <a:blip r:embed="rId18">
+              <a:extLst>
+                <a:ext uri="{28A0092B-C50C-407E-A947-70E740481C1C}">
+                  <a14:useLocalDpi xmlns:a14="http://schemas.microsoft.com/office/drawing/2010/main" val="0"/>
+                </a:ext>
+              </a:extLst>
+            </a:blip>
+            <a:srcRect/>
+            <a:stretch>
+              <a:fillRect/>
+            </a:stretch>
+          </p:blipFill>
+          <p:spPr bwMode="auto">
+            <a:xfrm>
+              <a:off x="368926" y="1056123"/>
+              <a:ext cx="352751" cy="380346"/>
+            </a:xfrm>
+            <a:prstGeom prst="rect">
+              <a:avLst/>
+            </a:prstGeom>
+            <a:noFill/>
+            <a:extLst>
+              <a:ext uri="{909E8E84-426E-40DD-AFC4-6F175D3DCCD1}">
+                <a14:hiddenFill xmlns:a14="http://schemas.microsoft.com/office/drawing/2010/main">
+                  <a:solidFill>
+                    <a:srgbClr val="FFFFFF"/>
+                  </a:solidFill>
+                </a14:hiddenFill>
+              </a:ext>
+            </a:extLst>
+          </p:spPr>
+        </p:pic>
+        <p:sp>
+          <p:nvSpPr>
+            <p:cNvPr id="1094" name="TextBox 1093">
+              <a:extLst>
+                <a:ext uri="{FF2B5EF4-FFF2-40B4-BE49-F238E27FC236}">
+                  <a16:creationId xmlns:a16="http://schemas.microsoft.com/office/drawing/2014/main" id="{274C854D-3567-8BAF-B78F-E3F0FA3995F7}"/>
+                </a:ext>
+              </a:extLst>
+            </p:cNvPr>
+            <p:cNvSpPr txBox="1"/>
+            <p:nvPr/>
+          </p:nvSpPr>
+          <p:spPr>
+            <a:xfrm>
+              <a:off x="312254" y="1443373"/>
+              <a:ext cx="466093" cy="246221"/>
+            </a:xfrm>
+            <a:prstGeom prst="rect">
+              <a:avLst/>
+            </a:prstGeom>
+            <a:noFill/>
+          </p:spPr>
+          <p:txBody>
+            <a:bodyPr wrap="square" lIns="0" rIns="0" rtlCol="0">
+              <a:spAutoFit/>
+            </a:bodyPr>
+            <a:lstStyle>
+              <a:defPPr>
+                <a:defRPr lang="en-US"/>
+              </a:defPPr>
+              <a:lvl1pPr algn="ctr">
+                <a:defRPr sz="1000">
+                  <a:latin typeface="Calibri" panose="020F0502020204030204" pitchFamily="34" charset="0"/>
+                  <a:ea typeface="Calibri" panose="020F0502020204030204" pitchFamily="34" charset="0"/>
+                  <a:cs typeface="Calibri" panose="020F0502020204030204" pitchFamily="34" charset="0"/>
+                </a:defRPr>
+              </a:lvl1pPr>
+            </a:lstStyle>
+            <a:p>
+              <a:r>
+                <a:rPr lang="en-US" dirty="0"/>
+                <a:t>Email</a:t>
+              </a:r>
+            </a:p>
+          </p:txBody>
+        </p:sp>
+      </p:grpSp>
+      <p:grpSp>
+        <p:nvGrpSpPr>
+          <p:cNvPr id="49" name="Group 48">
+            <a:extLst>
+              <a:ext uri="{FF2B5EF4-FFF2-40B4-BE49-F238E27FC236}">
+                <a16:creationId xmlns:a16="http://schemas.microsoft.com/office/drawing/2014/main" id="{EA6107AF-F287-6BCD-C32B-C36F953017CD}"/>
+              </a:ext>
+            </a:extLst>
+          </p:cNvPr>
+          <p:cNvGrpSpPr/>
+          <p:nvPr/>
+        </p:nvGrpSpPr>
+        <p:grpSpPr>
+          <a:xfrm>
+            <a:off x="10896600" y="1455267"/>
+            <a:ext cx="534281" cy="714084"/>
+            <a:chOff x="2542393" y="1275074"/>
+            <a:chExt cx="534281" cy="714084"/>
+          </a:xfrm>
+        </p:grpSpPr>
+        <p:pic>
+          <p:nvPicPr>
+            <p:cNvPr id="1082" name="Picture 1081">
+              <a:extLst>
+                <a:ext uri="{FF2B5EF4-FFF2-40B4-BE49-F238E27FC236}">
+                  <a16:creationId xmlns:a16="http://schemas.microsoft.com/office/drawing/2014/main" id="{1EBD8925-A000-D6F9-E0FE-A2A1D13CE746}"/>
+                </a:ext>
+              </a:extLst>
+            </p:cNvPr>
+            <p:cNvPicPr>
+              <a:picLocks noChangeAspect="1"/>
+            </p:cNvPicPr>
+            <p:nvPr/>
+          </p:nvPicPr>
+          <p:blipFill>
+            <a:blip r:embed="rId19"/>
+            <a:stretch>
+              <a:fillRect/>
+            </a:stretch>
+          </p:blipFill>
+          <p:spPr>
+            <a:xfrm>
+              <a:off x="2610108" y="1275074"/>
+              <a:ext cx="341769" cy="380346"/>
+            </a:xfrm>
+            <a:prstGeom prst="rect">
+              <a:avLst/>
+            </a:prstGeom>
+          </p:spPr>
+        </p:pic>
+        <p:sp>
+          <p:nvSpPr>
+            <p:cNvPr id="1107" name="TextBox 1106">
+              <a:extLst>
+                <a:ext uri="{FF2B5EF4-FFF2-40B4-BE49-F238E27FC236}">
+                  <a16:creationId xmlns:a16="http://schemas.microsoft.com/office/drawing/2014/main" id="{FD30D259-4C61-B3E4-D655-B95F2EEC7EAC}"/>
+                </a:ext>
+              </a:extLst>
+            </p:cNvPr>
+            <p:cNvSpPr txBox="1"/>
+            <p:nvPr/>
+          </p:nvSpPr>
+          <p:spPr>
+            <a:xfrm>
+              <a:off x="2542393" y="1589048"/>
+              <a:ext cx="534281" cy="400110"/>
+            </a:xfrm>
+            <a:prstGeom prst="rect">
+              <a:avLst/>
+            </a:prstGeom>
+            <a:noFill/>
+          </p:spPr>
+          <p:txBody>
+            <a:bodyPr wrap="square" lIns="0" rIns="0" rtlCol="0">
+              <a:spAutoFit/>
+            </a:bodyPr>
+            <a:lstStyle>
+              <a:defPPr>
+                <a:defRPr lang="en-US"/>
+              </a:defPPr>
+              <a:lvl1pPr algn="ctr">
+                <a:defRPr sz="1000">
+                  <a:latin typeface="Calibri" panose="020F0502020204030204" pitchFamily="34" charset="0"/>
+                  <a:ea typeface="Calibri" panose="020F0502020204030204" pitchFamily="34" charset="0"/>
+                  <a:cs typeface="Calibri" panose="020F0502020204030204" pitchFamily="34" charset="0"/>
+                </a:defRPr>
+              </a:lvl1pPr>
+            </a:lstStyle>
+            <a:p>
+              <a:r>
+                <a:rPr lang="en-US" dirty="0"/>
+                <a:t>Secrets Manager</a:t>
+              </a:r>
+            </a:p>
+          </p:txBody>
+        </p:sp>
+      </p:grpSp>
+      <p:grpSp>
+        <p:nvGrpSpPr>
+          <p:cNvPr id="1122" name="Group 1121">
+            <a:extLst>
+              <a:ext uri="{FF2B5EF4-FFF2-40B4-BE49-F238E27FC236}">
+                <a16:creationId xmlns:a16="http://schemas.microsoft.com/office/drawing/2014/main" id="{5DCFB6B3-A576-BF7D-4A07-0B6A4F3078EC}"/>
+              </a:ext>
+            </a:extLst>
+          </p:cNvPr>
+          <p:cNvGrpSpPr/>
+          <p:nvPr/>
+        </p:nvGrpSpPr>
+        <p:grpSpPr>
+          <a:xfrm>
+            <a:off x="10241725" y="1514417"/>
+            <a:ext cx="342012" cy="571532"/>
+            <a:chOff x="7679508" y="1267745"/>
+            <a:chExt cx="342012" cy="571532"/>
+          </a:xfrm>
+        </p:grpSpPr>
+        <p:pic>
+          <p:nvPicPr>
+            <p:cNvPr id="1110" name="Picture 46" descr="aws iam&quot; Icon - Download for free – Iconduck">
+              <a:extLst>
+                <a:ext uri="{FF2B5EF4-FFF2-40B4-BE49-F238E27FC236}">
+                  <a16:creationId xmlns:a16="http://schemas.microsoft.com/office/drawing/2014/main" id="{1705A0A7-5221-2BE5-383F-68FAB8F596D7}"/>
+                </a:ext>
+              </a:extLst>
+            </p:cNvPr>
+            <p:cNvPicPr>
+              <a:picLocks noChangeAspect="1" noChangeArrowheads="1"/>
+            </p:cNvPicPr>
+            <p:nvPr/>
+          </p:nvPicPr>
+          <p:blipFill>
+            <a:blip r:embed="rId20">
+              <a:extLst>
+                <a:ext uri="{28A0092B-C50C-407E-A947-70E740481C1C}">
+                  <a14:useLocalDpi xmlns:a14="http://schemas.microsoft.com/office/drawing/2010/main" val="0"/>
+                </a:ext>
+              </a:extLst>
+            </a:blip>
+            <a:srcRect/>
+            <a:stretch>
+              <a:fillRect/>
+            </a:stretch>
+          </p:blipFill>
+          <p:spPr bwMode="auto">
+            <a:xfrm>
+              <a:off x="7754938" y="1267745"/>
+              <a:ext cx="199828" cy="381761"/>
+            </a:xfrm>
+            <a:prstGeom prst="rect">
+              <a:avLst/>
+            </a:prstGeom>
+            <a:noFill/>
+            <a:extLst>
+              <a:ext uri="{909E8E84-426E-40DD-AFC4-6F175D3DCCD1}">
+                <a14:hiddenFill xmlns:a14="http://schemas.microsoft.com/office/drawing/2010/main">
+                  <a:solidFill>
+                    <a:srgbClr val="FFFFFF"/>
+                  </a:solidFill>
+                </a14:hiddenFill>
+              </a:ext>
+            </a:extLst>
+          </p:spPr>
+        </p:pic>
+        <p:sp>
+          <p:nvSpPr>
+            <p:cNvPr id="1111" name="TextBox 1110">
+              <a:extLst>
+                <a:ext uri="{FF2B5EF4-FFF2-40B4-BE49-F238E27FC236}">
+                  <a16:creationId xmlns:a16="http://schemas.microsoft.com/office/drawing/2014/main" id="{42A49317-598A-C632-0DF4-A4FA5007B68D}"/>
+                </a:ext>
+              </a:extLst>
+            </p:cNvPr>
+            <p:cNvSpPr txBox="1"/>
+            <p:nvPr/>
+          </p:nvSpPr>
+          <p:spPr>
+            <a:xfrm>
+              <a:off x="7679508" y="1593056"/>
+              <a:ext cx="342012" cy="246221"/>
+            </a:xfrm>
+            <a:prstGeom prst="rect">
+              <a:avLst/>
+            </a:prstGeom>
+            <a:noFill/>
+          </p:spPr>
+          <p:txBody>
+            <a:bodyPr wrap="square" lIns="0" rIns="0" rtlCol="0">
+              <a:spAutoFit/>
+            </a:bodyPr>
+            <a:lstStyle>
+              <a:defPPr>
+                <a:defRPr lang="en-US"/>
+              </a:defPPr>
+              <a:lvl1pPr algn="ctr">
+                <a:defRPr sz="1000">
+                  <a:latin typeface="Calibri" panose="020F0502020204030204" pitchFamily="34" charset="0"/>
+                  <a:ea typeface="Calibri" panose="020F0502020204030204" pitchFamily="34" charset="0"/>
+                  <a:cs typeface="Calibri" panose="020F0502020204030204" pitchFamily="34" charset="0"/>
+                </a:defRPr>
+              </a:lvl1pPr>
+            </a:lstStyle>
+            <a:p>
+              <a:r>
+                <a:rPr lang="en-US" dirty="0"/>
+                <a:t>IAM</a:t>
+              </a:r>
+            </a:p>
+          </p:txBody>
+        </p:sp>
+      </p:grpSp>
+      <p:grpSp>
+        <p:nvGrpSpPr>
+          <p:cNvPr id="54" name="Group 53">
+            <a:extLst>
+              <a:ext uri="{FF2B5EF4-FFF2-40B4-BE49-F238E27FC236}">
+                <a16:creationId xmlns:a16="http://schemas.microsoft.com/office/drawing/2014/main" id="{1B3A2A82-004E-8DCD-523E-CC10EC7FEE32}"/>
+              </a:ext>
+            </a:extLst>
+          </p:cNvPr>
+          <p:cNvGrpSpPr/>
+          <p:nvPr/>
+        </p:nvGrpSpPr>
+        <p:grpSpPr>
+          <a:xfrm>
+            <a:off x="5197715" y="4545341"/>
+            <a:ext cx="666599" cy="612760"/>
+            <a:chOff x="2589558" y="2637478"/>
+            <a:chExt cx="666599" cy="612760"/>
+          </a:xfrm>
+        </p:grpSpPr>
+        <p:pic>
+          <p:nvPicPr>
+            <p:cNvPr id="1113" name="Picture 48" descr="aws cloudfront&quot; Icon - Download for free – Iconduck">
+              <a:extLst>
+                <a:ext uri="{FF2B5EF4-FFF2-40B4-BE49-F238E27FC236}">
+                  <a16:creationId xmlns:a16="http://schemas.microsoft.com/office/drawing/2014/main" id="{3D7694A8-69E6-2B2C-96B1-9E8C4B28EF65}"/>
+                </a:ext>
+              </a:extLst>
+            </p:cNvPr>
+            <p:cNvPicPr>
+              <a:picLocks noChangeAspect="1" noChangeArrowheads="1"/>
+            </p:cNvPicPr>
+            <p:nvPr/>
+          </p:nvPicPr>
+          <p:blipFill>
+            <a:blip r:embed="rId21">
+              <a:extLst>
+                <a:ext uri="{28A0092B-C50C-407E-A947-70E740481C1C}">
+                  <a14:useLocalDpi xmlns:a14="http://schemas.microsoft.com/office/drawing/2010/main" val="0"/>
+                </a:ext>
+              </a:extLst>
+            </a:blip>
+            <a:srcRect/>
+            <a:stretch>
+              <a:fillRect/>
+            </a:stretch>
+          </p:blipFill>
+          <p:spPr bwMode="auto">
+            <a:xfrm>
+              <a:off x="2745143" y="2637478"/>
+              <a:ext cx="352751" cy="385218"/>
+            </a:xfrm>
+            <a:prstGeom prst="rect">
+              <a:avLst/>
+            </a:prstGeom>
+            <a:noFill/>
+            <a:extLst>
+              <a:ext uri="{909E8E84-426E-40DD-AFC4-6F175D3DCCD1}">
+                <a14:hiddenFill xmlns:a14="http://schemas.microsoft.com/office/drawing/2010/main">
+                  <a:solidFill>
+                    <a:srgbClr val="FFFFFF"/>
+                  </a:solidFill>
+                </a14:hiddenFill>
+              </a:ext>
+            </a:extLst>
+          </p:spPr>
+        </p:pic>
+        <p:sp>
+          <p:nvSpPr>
+            <p:cNvPr id="1114" name="TextBox 1113">
+              <a:extLst>
+                <a:ext uri="{FF2B5EF4-FFF2-40B4-BE49-F238E27FC236}">
+                  <a16:creationId xmlns:a16="http://schemas.microsoft.com/office/drawing/2014/main" id="{17DD6BB0-060C-3A72-A2CE-07F93A6A4FF3}"/>
+                </a:ext>
+              </a:extLst>
+            </p:cNvPr>
+            <p:cNvSpPr txBox="1"/>
+            <p:nvPr/>
+          </p:nvSpPr>
+          <p:spPr>
+            <a:xfrm>
+              <a:off x="2589558" y="3004017"/>
+              <a:ext cx="666599" cy="246221"/>
+            </a:xfrm>
+            <a:prstGeom prst="rect">
+              <a:avLst/>
+            </a:prstGeom>
+            <a:noFill/>
+          </p:spPr>
+          <p:txBody>
+            <a:bodyPr wrap="square" lIns="0" rIns="0" rtlCol="0">
+              <a:spAutoFit/>
+            </a:bodyPr>
+            <a:lstStyle>
+              <a:defPPr>
+                <a:defRPr lang="en-US"/>
+              </a:defPPr>
+              <a:lvl1pPr algn="ctr">
+                <a:defRPr sz="1000">
+                  <a:latin typeface="Calibri" panose="020F0502020204030204" pitchFamily="34" charset="0"/>
+                  <a:ea typeface="Calibri" panose="020F0502020204030204" pitchFamily="34" charset="0"/>
+                  <a:cs typeface="Calibri" panose="020F0502020204030204" pitchFamily="34" charset="0"/>
+                </a:defRPr>
+              </a:lvl1pPr>
+            </a:lstStyle>
+            <a:p>
+              <a:r>
+                <a:rPr lang="en-US" dirty="0"/>
+                <a:t>CloudFront</a:t>
+              </a:r>
+            </a:p>
+          </p:txBody>
+        </p:sp>
+      </p:grpSp>
+      <p:grpSp>
+        <p:nvGrpSpPr>
+          <p:cNvPr id="1098" name="Group 1097">
+            <a:extLst>
+              <a:ext uri="{FF2B5EF4-FFF2-40B4-BE49-F238E27FC236}">
+                <a16:creationId xmlns:a16="http://schemas.microsoft.com/office/drawing/2014/main" id="{FFC56AFB-AECF-E754-25F5-DEC790782E29}"/>
+              </a:ext>
+            </a:extLst>
+          </p:cNvPr>
+          <p:cNvGrpSpPr/>
+          <p:nvPr/>
+        </p:nvGrpSpPr>
+        <p:grpSpPr>
+          <a:xfrm>
+            <a:off x="3152040" y="5953958"/>
+            <a:ext cx="378119" cy="704926"/>
+            <a:chOff x="1539415" y="5222709"/>
+            <a:chExt cx="378119" cy="704926"/>
+          </a:xfrm>
+        </p:grpSpPr>
+        <p:pic>
+          <p:nvPicPr>
+            <p:cNvPr id="46" name="Picture 32">
+              <a:extLst>
+                <a:ext uri="{FF2B5EF4-FFF2-40B4-BE49-F238E27FC236}">
+                  <a16:creationId xmlns:a16="http://schemas.microsoft.com/office/drawing/2014/main" id="{C9C51CBE-049E-B632-5CE9-DA1B9CF3006A}"/>
+                </a:ext>
+              </a:extLst>
+            </p:cNvPr>
+            <p:cNvPicPr>
+              <a:picLocks noChangeAspect="1" noChangeArrowheads="1"/>
+            </p:cNvPicPr>
+            <p:nvPr/>
+          </p:nvPicPr>
+          <p:blipFill>
+            <a:blip r:embed="rId22">
+              <a:extLst>
+                <a:ext uri="{28A0092B-C50C-407E-A947-70E740481C1C}">
+                  <a14:useLocalDpi xmlns:a14="http://schemas.microsoft.com/office/drawing/2010/main" val="0"/>
+                </a:ext>
+              </a:extLst>
+            </a:blip>
+            <a:srcRect/>
+            <a:stretch>
+              <a:fillRect/>
+            </a:stretch>
+          </p:blipFill>
+          <p:spPr bwMode="auto">
+            <a:xfrm>
+              <a:off x="1557104" y="5222709"/>
+              <a:ext cx="352751" cy="380346"/>
+            </a:xfrm>
+            <a:prstGeom prst="rect">
+              <a:avLst/>
+            </a:prstGeom>
+            <a:noFill/>
+            <a:extLst>
+              <a:ext uri="{909E8E84-426E-40DD-AFC4-6F175D3DCCD1}">
+                <a14:hiddenFill xmlns:a14="http://schemas.microsoft.com/office/drawing/2010/main">
+                  <a:solidFill>
+                    <a:srgbClr val="FFFFFF"/>
+                  </a:solidFill>
+                </a14:hiddenFill>
+              </a:ext>
+            </a:extLst>
+          </p:spPr>
+        </p:pic>
+        <p:sp>
+          <p:nvSpPr>
+            <p:cNvPr id="47" name="TextBox 46">
+              <a:extLst>
+                <a:ext uri="{FF2B5EF4-FFF2-40B4-BE49-F238E27FC236}">
+                  <a16:creationId xmlns:a16="http://schemas.microsoft.com/office/drawing/2014/main" id="{98C701EC-6DEC-3CA4-FF57-1F8B6772E2C8}"/>
+                </a:ext>
+              </a:extLst>
+            </p:cNvPr>
+            <p:cNvSpPr txBox="1"/>
+            <p:nvPr/>
+          </p:nvSpPr>
+          <p:spPr>
+            <a:xfrm>
+              <a:off x="1539415" y="5527525"/>
+              <a:ext cx="378119" cy="400110"/>
+            </a:xfrm>
+            <a:prstGeom prst="rect">
+              <a:avLst/>
+            </a:prstGeom>
+            <a:noFill/>
+          </p:spPr>
+          <p:txBody>
+            <a:bodyPr wrap="square" lIns="0" rIns="0" rtlCol="0">
+              <a:spAutoFit/>
+            </a:bodyPr>
+            <a:lstStyle>
+              <a:defPPr>
+                <a:defRPr lang="en-US"/>
+              </a:defPPr>
+              <a:lvl1pPr algn="ctr">
+                <a:defRPr sz="1000">
+                  <a:latin typeface="Calibri" panose="020F0502020204030204" pitchFamily="34" charset="0"/>
+                  <a:ea typeface="Calibri" panose="020F0502020204030204" pitchFamily="34" charset="0"/>
+                  <a:cs typeface="Calibri" panose="020F0502020204030204" pitchFamily="34" charset="0"/>
+                </a:defRPr>
+              </a:lvl1pPr>
+            </a:lstStyle>
+            <a:p>
+              <a:r>
+                <a:rPr lang="en-US" dirty="0"/>
+                <a:t>Power</a:t>
+              </a:r>
+            </a:p>
+            <a:p>
+              <a:r>
+                <a:rPr lang="en-US" dirty="0"/>
+                <a:t>Shell</a:t>
+              </a:r>
+            </a:p>
+          </p:txBody>
+        </p:sp>
+      </p:grpSp>
+      <p:grpSp>
+        <p:nvGrpSpPr>
+          <p:cNvPr id="1129" name="Group 1128">
+            <a:extLst>
+              <a:ext uri="{FF2B5EF4-FFF2-40B4-BE49-F238E27FC236}">
+                <a16:creationId xmlns:a16="http://schemas.microsoft.com/office/drawing/2014/main" id="{317B50A5-10D5-B2C5-14DD-33465CF1C56F}"/>
+              </a:ext>
+            </a:extLst>
+          </p:cNvPr>
+          <p:cNvGrpSpPr/>
+          <p:nvPr/>
+        </p:nvGrpSpPr>
+        <p:grpSpPr>
+          <a:xfrm>
+            <a:off x="5315915" y="1646514"/>
+            <a:ext cx="423037" cy="612759"/>
+            <a:chOff x="2451212" y="1063027"/>
+            <a:chExt cx="423037" cy="612759"/>
+          </a:xfrm>
+        </p:grpSpPr>
+        <p:pic>
+          <p:nvPicPr>
+            <p:cNvPr id="8" name="Picture 2" descr="Cloud Icons | AWS Lambda">
+              <a:extLst>
+                <a:ext uri="{FF2B5EF4-FFF2-40B4-BE49-F238E27FC236}">
+                  <a16:creationId xmlns:a16="http://schemas.microsoft.com/office/drawing/2014/main" id="{48836009-4475-080E-0807-B3522874D297}"/>
+                </a:ext>
+              </a:extLst>
+            </p:cNvPr>
+            <p:cNvPicPr>
+              <a:picLocks noChangeAspect="1" noChangeArrowheads="1"/>
+            </p:cNvPicPr>
+            <p:nvPr/>
+          </p:nvPicPr>
+          <p:blipFill>
+            <a:blip r:embed="rId23">
+              <a:extLst>
+                <a:ext uri="{28A0092B-C50C-407E-A947-70E740481C1C}">
+                  <a14:useLocalDpi xmlns:a14="http://schemas.microsoft.com/office/drawing/2010/main" val="0"/>
+                </a:ext>
+              </a:extLst>
+            </a:blip>
+            <a:srcRect/>
+            <a:stretch>
+              <a:fillRect/>
+            </a:stretch>
+          </p:blipFill>
+          <p:spPr bwMode="auto">
+            <a:xfrm>
+              <a:off x="2486356" y="1063027"/>
+              <a:ext cx="352751" cy="385218"/>
+            </a:xfrm>
+            <a:prstGeom prst="rect">
+              <a:avLst/>
+            </a:prstGeom>
+            <a:noFill/>
+            <a:extLst>
+              <a:ext uri="{909E8E84-426E-40DD-AFC4-6F175D3DCCD1}">
+                <a14:hiddenFill xmlns:a14="http://schemas.microsoft.com/office/drawing/2010/main">
+                  <a:solidFill>
+                    <a:srgbClr val="FFFFFF"/>
+                  </a:solidFill>
+                </a14:hiddenFill>
+              </a:ext>
+            </a:extLst>
+          </p:spPr>
+        </p:pic>
+        <p:sp>
+          <p:nvSpPr>
+            <p:cNvPr id="10" name="TextBox 9">
+              <a:extLst>
+                <a:ext uri="{FF2B5EF4-FFF2-40B4-BE49-F238E27FC236}">
+                  <a16:creationId xmlns:a16="http://schemas.microsoft.com/office/drawing/2014/main" id="{84E5133C-B6CD-EAA2-6386-9B19CD94F6ED}"/>
+                </a:ext>
+              </a:extLst>
+            </p:cNvPr>
+            <p:cNvSpPr txBox="1"/>
+            <p:nvPr/>
+          </p:nvSpPr>
+          <p:spPr>
+            <a:xfrm>
+              <a:off x="2451212" y="1429565"/>
+              <a:ext cx="423037" cy="246221"/>
+            </a:xfrm>
+            <a:prstGeom prst="rect">
+              <a:avLst/>
+            </a:prstGeom>
+            <a:noFill/>
+          </p:spPr>
+          <p:txBody>
+            <a:bodyPr wrap="square" lIns="0" rIns="0" rtlCol="0">
+              <a:spAutoFit/>
+            </a:bodyPr>
+            <a:lstStyle>
+              <a:defPPr>
+                <a:defRPr lang="en-US"/>
+              </a:defPPr>
+              <a:lvl1pPr algn="ctr">
+                <a:defRPr sz="1000">
+                  <a:latin typeface="Calibri" panose="020F0502020204030204" pitchFamily="34" charset="0"/>
+                  <a:ea typeface="Calibri" panose="020F0502020204030204" pitchFamily="34" charset="0"/>
+                  <a:cs typeface="Calibri" panose="020F0502020204030204" pitchFamily="34" charset="0"/>
+                </a:defRPr>
+              </a:lvl1pPr>
+            </a:lstStyle>
+            <a:p>
+              <a:r>
+                <a:rPr lang="en-US" dirty="0"/>
+                <a:t>Lambda</a:t>
+              </a:r>
+            </a:p>
+          </p:txBody>
+        </p:sp>
+      </p:grpSp>
+      <p:grpSp>
+        <p:nvGrpSpPr>
+          <p:cNvPr id="1128" name="Group 1127">
+            <a:extLst>
+              <a:ext uri="{FF2B5EF4-FFF2-40B4-BE49-F238E27FC236}">
+                <a16:creationId xmlns:a16="http://schemas.microsoft.com/office/drawing/2014/main" id="{B4F07496-9FA2-4980-122E-7D7B5C45A4D8}"/>
+              </a:ext>
+            </a:extLst>
+          </p:cNvPr>
+          <p:cNvGrpSpPr/>
+          <p:nvPr/>
+        </p:nvGrpSpPr>
+        <p:grpSpPr>
+          <a:xfrm>
+            <a:off x="5089926" y="2568471"/>
+            <a:ext cx="906846" cy="626566"/>
+            <a:chOff x="2973375" y="1049219"/>
+            <a:chExt cx="906846" cy="626566"/>
+          </a:xfrm>
+        </p:grpSpPr>
+        <p:pic>
+          <p:nvPicPr>
+            <p:cNvPr id="13" name="Picture 4" descr="aws api gateway&quot; Icon - Download for free – Iconduck">
+              <a:extLst>
+                <a:ext uri="{FF2B5EF4-FFF2-40B4-BE49-F238E27FC236}">
+                  <a16:creationId xmlns:a16="http://schemas.microsoft.com/office/drawing/2014/main" id="{7B611B19-1431-5374-98BF-30CCB10CA387}"/>
+                </a:ext>
+              </a:extLst>
+            </p:cNvPr>
+            <p:cNvPicPr>
+              <a:picLocks noChangeAspect="1" noChangeArrowheads="1"/>
+            </p:cNvPicPr>
+            <p:nvPr/>
+          </p:nvPicPr>
+          <p:blipFill>
+            <a:blip r:embed="rId24">
+              <a:extLst>
+                <a:ext uri="{28A0092B-C50C-407E-A947-70E740481C1C}">
+                  <a14:useLocalDpi xmlns:a14="http://schemas.microsoft.com/office/drawing/2010/main" val="0"/>
+                </a:ext>
+              </a:extLst>
+            </a:blip>
+            <a:srcRect/>
+            <a:stretch>
+              <a:fillRect/>
+            </a:stretch>
+          </p:blipFill>
+          <p:spPr bwMode="auto">
+            <a:xfrm>
+              <a:off x="3246105" y="1049219"/>
+              <a:ext cx="352751" cy="380346"/>
+            </a:xfrm>
+            <a:prstGeom prst="rect">
+              <a:avLst/>
+            </a:prstGeom>
+            <a:noFill/>
+            <a:extLst>
+              <a:ext uri="{909E8E84-426E-40DD-AFC4-6F175D3DCCD1}">
+                <a14:hiddenFill xmlns:a14="http://schemas.microsoft.com/office/drawing/2010/main">
+                  <a:solidFill>
+                    <a:srgbClr val="FFFFFF"/>
+                  </a:solidFill>
+                </a14:hiddenFill>
+              </a:ext>
+            </a:extLst>
+          </p:spPr>
+        </p:pic>
+        <p:sp>
+          <p:nvSpPr>
+            <p:cNvPr id="14" name="TextBox 13">
+              <a:extLst>
+                <a:ext uri="{FF2B5EF4-FFF2-40B4-BE49-F238E27FC236}">
+                  <a16:creationId xmlns:a16="http://schemas.microsoft.com/office/drawing/2014/main" id="{00CA9E10-BC46-7F91-CF26-E06FEC57E923}"/>
+                </a:ext>
+              </a:extLst>
+            </p:cNvPr>
+            <p:cNvSpPr txBox="1"/>
+            <p:nvPr/>
+          </p:nvSpPr>
+          <p:spPr>
+            <a:xfrm>
+              <a:off x="2973375" y="1429564"/>
+              <a:ext cx="906846" cy="246221"/>
+            </a:xfrm>
+            <a:prstGeom prst="rect">
+              <a:avLst/>
+            </a:prstGeom>
+            <a:noFill/>
+          </p:spPr>
+          <p:txBody>
+            <a:bodyPr wrap="square" lIns="0" rIns="0" rtlCol="0">
+              <a:spAutoFit/>
+            </a:bodyPr>
+            <a:lstStyle>
+              <a:defPPr>
+                <a:defRPr lang="en-US"/>
+              </a:defPPr>
+              <a:lvl1pPr algn="ctr">
+                <a:defRPr sz="1000">
+                  <a:latin typeface="Calibri" panose="020F0502020204030204" pitchFamily="34" charset="0"/>
+                  <a:ea typeface="Calibri" panose="020F0502020204030204" pitchFamily="34" charset="0"/>
+                  <a:cs typeface="Calibri" panose="020F0502020204030204" pitchFamily="34" charset="0"/>
+                </a:defRPr>
+              </a:lvl1pPr>
+            </a:lstStyle>
+            <a:p>
+              <a:r>
+                <a:rPr lang="en-US" dirty="0"/>
+                <a:t>API Gateway</a:t>
+              </a:r>
+            </a:p>
+          </p:txBody>
+        </p:sp>
+      </p:grpSp>
+      <p:grpSp>
+        <p:nvGrpSpPr>
+          <p:cNvPr id="1134" name="Group 1133">
+            <a:extLst>
+              <a:ext uri="{FF2B5EF4-FFF2-40B4-BE49-F238E27FC236}">
+                <a16:creationId xmlns:a16="http://schemas.microsoft.com/office/drawing/2014/main" id="{5DB26934-8CD9-2353-0B3F-625B6B490C7F}"/>
+              </a:ext>
+            </a:extLst>
+          </p:cNvPr>
+          <p:cNvGrpSpPr/>
+          <p:nvPr/>
+        </p:nvGrpSpPr>
+        <p:grpSpPr>
+          <a:xfrm>
+            <a:off x="5057139" y="3433921"/>
+            <a:ext cx="967762" cy="607153"/>
+            <a:chOff x="2985849" y="287414"/>
+            <a:chExt cx="967762" cy="607153"/>
+          </a:xfrm>
+        </p:grpSpPr>
+        <p:pic>
+          <p:nvPicPr>
+            <p:cNvPr id="27" name="Picture 16" descr="Lindblad logo">
+              <a:extLst>
+                <a:ext uri="{FF2B5EF4-FFF2-40B4-BE49-F238E27FC236}">
+                  <a16:creationId xmlns:a16="http://schemas.microsoft.com/office/drawing/2014/main" id="{C3EBEB37-EC70-2470-2EB8-60E6933BCAAA}"/>
+                </a:ext>
+              </a:extLst>
+            </p:cNvPr>
+            <p:cNvPicPr>
+              <a:picLocks noChangeAspect="1" noChangeArrowheads="1"/>
+            </p:cNvPicPr>
+            <p:nvPr/>
+          </p:nvPicPr>
+          <p:blipFill>
+            <a:blip r:embed="rId25">
+              <a:clrChange>
+                <a:clrFrom>
+                  <a:srgbClr val="FFFFFF"/>
+                </a:clrFrom>
+                <a:clrTo>
+                  <a:srgbClr val="FFFFFF">
+                    <a:alpha val="0"/>
+                  </a:srgbClr>
+                </a:clrTo>
+              </a:clrChange>
+              <a:extLst>
+                <a:ext uri="{28A0092B-C50C-407E-A947-70E740481C1C}">
+                  <a14:useLocalDpi xmlns:a14="http://schemas.microsoft.com/office/drawing/2010/main" val="0"/>
+                </a:ext>
+              </a:extLst>
+            </a:blip>
+            <a:srcRect/>
+            <a:stretch>
+              <a:fillRect/>
+            </a:stretch>
+          </p:blipFill>
+          <p:spPr bwMode="auto">
+            <a:xfrm>
+              <a:off x="3293355" y="287414"/>
+              <a:ext cx="352751" cy="380346"/>
+            </a:xfrm>
+            <a:prstGeom prst="rect">
+              <a:avLst/>
+            </a:prstGeom>
+            <a:noFill/>
+            <a:extLst>
+              <a:ext uri="{909E8E84-426E-40DD-AFC4-6F175D3DCCD1}">
+                <a14:hiddenFill xmlns:a14="http://schemas.microsoft.com/office/drawing/2010/main">
+                  <a:solidFill>
+                    <a:srgbClr val="FFFFFF"/>
+                  </a:solidFill>
+                </a14:hiddenFill>
+              </a:ext>
+            </a:extLst>
+          </p:spPr>
+        </p:pic>
+        <p:sp>
+          <p:nvSpPr>
+            <p:cNvPr id="29" name="TextBox 28">
+              <a:extLst>
+                <a:ext uri="{FF2B5EF4-FFF2-40B4-BE49-F238E27FC236}">
+                  <a16:creationId xmlns:a16="http://schemas.microsoft.com/office/drawing/2014/main" id="{67E0418B-7482-8366-EF18-A02A9F6BD0DE}"/>
+                </a:ext>
+              </a:extLst>
+            </p:cNvPr>
+            <p:cNvSpPr txBox="1"/>
+            <p:nvPr/>
+          </p:nvSpPr>
+          <p:spPr>
+            <a:xfrm>
+              <a:off x="2985849" y="648346"/>
+              <a:ext cx="967762" cy="246221"/>
+            </a:xfrm>
+            <a:prstGeom prst="rect">
+              <a:avLst/>
+            </a:prstGeom>
+            <a:noFill/>
+          </p:spPr>
+          <p:txBody>
+            <a:bodyPr wrap="square" lIns="0" rIns="0" rtlCol="0">
+              <a:spAutoFit/>
+            </a:bodyPr>
+            <a:lstStyle>
+              <a:defPPr>
+                <a:defRPr lang="en-US"/>
+              </a:defPPr>
+              <a:lvl1pPr algn="ctr">
+                <a:defRPr sz="1000">
+                  <a:latin typeface="Calibri" panose="020F0502020204030204" pitchFamily="34" charset="0"/>
+                  <a:ea typeface="Calibri" panose="020F0502020204030204" pitchFamily="34" charset="0"/>
+                  <a:cs typeface="Calibri" panose="020F0502020204030204" pitchFamily="34" charset="0"/>
+                </a:defRPr>
+              </a:lvl1pPr>
+            </a:lstStyle>
+            <a:p>
+              <a:r>
+                <a:rPr lang="en-US" dirty="0"/>
+                <a:t>Cruise Viewer</a:t>
+              </a:r>
+            </a:p>
+          </p:txBody>
+        </p:sp>
+      </p:grpSp>
+      <p:grpSp>
+        <p:nvGrpSpPr>
+          <p:cNvPr id="1126" name="Group 1125">
+            <a:extLst>
+              <a:ext uri="{FF2B5EF4-FFF2-40B4-BE49-F238E27FC236}">
+                <a16:creationId xmlns:a16="http://schemas.microsoft.com/office/drawing/2014/main" id="{8193F21B-17F7-52A0-85D1-B87C724F8CE3}"/>
+              </a:ext>
+            </a:extLst>
+          </p:cNvPr>
+          <p:cNvGrpSpPr/>
+          <p:nvPr/>
+        </p:nvGrpSpPr>
+        <p:grpSpPr>
+          <a:xfrm>
+            <a:off x="7474236" y="1664129"/>
+            <a:ext cx="459736" cy="643877"/>
+            <a:chOff x="4734234" y="333240"/>
+            <a:chExt cx="459736" cy="643877"/>
+          </a:xfrm>
+        </p:grpSpPr>
+        <p:pic>
+          <p:nvPicPr>
+            <p:cNvPr id="1052" name="Picture 28" descr="Cloudflare SVG and transparent PNG icons | TechIcons">
+              <a:extLst>
+                <a:ext uri="{FF2B5EF4-FFF2-40B4-BE49-F238E27FC236}">
+                  <a16:creationId xmlns:a16="http://schemas.microsoft.com/office/drawing/2014/main" id="{34C03D85-4EB1-BFED-E12B-6C991EC1DA8A}"/>
+                </a:ext>
+              </a:extLst>
+            </p:cNvPr>
+            <p:cNvPicPr>
+              <a:picLocks noChangeAspect="1" noChangeArrowheads="1"/>
+            </p:cNvPicPr>
+            <p:nvPr/>
+          </p:nvPicPr>
+          <p:blipFill rotWithShape="1">
+            <a:blip r:embed="rId26">
+              <a:extLst>
+                <a:ext uri="{28A0092B-C50C-407E-A947-70E740481C1C}">
+                  <a14:useLocalDpi xmlns:a14="http://schemas.microsoft.com/office/drawing/2010/main" val="0"/>
+                </a:ext>
+              </a:extLst>
+            </a:blip>
+            <a:srcRect t="23480" b="22055"/>
+            <a:stretch/>
+          </p:blipFill>
+          <p:spPr bwMode="auto">
+            <a:xfrm>
+              <a:off x="4787727" y="333240"/>
+              <a:ext cx="352751" cy="261078"/>
+            </a:xfrm>
+            <a:prstGeom prst="rect">
+              <a:avLst/>
+            </a:prstGeom>
+            <a:noFill/>
+            <a:extLst>
+              <a:ext uri="{909E8E84-426E-40DD-AFC4-6F175D3DCCD1}">
+                <a14:hiddenFill xmlns:a14="http://schemas.microsoft.com/office/drawing/2010/main">
+                  <a:solidFill>
+                    <a:srgbClr val="FFFFFF"/>
+                  </a:solidFill>
+                </a14:hiddenFill>
+              </a:ext>
+            </a:extLst>
+          </p:spPr>
+        </p:pic>
+        <p:sp>
+          <p:nvSpPr>
+            <p:cNvPr id="2" name="TextBox 1">
+              <a:extLst>
+                <a:ext uri="{FF2B5EF4-FFF2-40B4-BE49-F238E27FC236}">
+                  <a16:creationId xmlns:a16="http://schemas.microsoft.com/office/drawing/2014/main" id="{36480B35-5F8C-8295-4866-5F2A75C94EDF}"/>
+                </a:ext>
+              </a:extLst>
+            </p:cNvPr>
+            <p:cNvSpPr txBox="1"/>
+            <p:nvPr/>
+          </p:nvSpPr>
+          <p:spPr>
+            <a:xfrm>
+              <a:off x="4734234" y="577007"/>
+              <a:ext cx="459736" cy="400110"/>
+            </a:xfrm>
+            <a:prstGeom prst="rect">
+              <a:avLst/>
+            </a:prstGeom>
+            <a:noFill/>
+          </p:spPr>
+          <p:txBody>
+            <a:bodyPr wrap="square" lIns="0" rIns="0" rtlCol="0" anchor="t">
+              <a:spAutoFit/>
+            </a:bodyPr>
+            <a:lstStyle>
+              <a:defPPr>
+                <a:defRPr lang="en-US"/>
+              </a:defPPr>
+              <a:lvl1pPr algn="ctr">
+                <a:defRPr sz="1000">
+                  <a:latin typeface="Calibri" panose="020F0502020204030204" pitchFamily="34" charset="0"/>
+                  <a:ea typeface="Calibri" panose="020F0502020204030204" pitchFamily="34" charset="0"/>
+                  <a:cs typeface="Calibri" panose="020F0502020204030204" pitchFamily="34" charset="0"/>
+                </a:defRPr>
+              </a:lvl1pPr>
+            </a:lstStyle>
+            <a:p>
+              <a:r>
+                <a:rPr lang="en-US" dirty="0"/>
+                <a:t>Cloud</a:t>
+              </a:r>
+            </a:p>
+            <a:p>
+              <a:r>
+                <a:rPr lang="en-US" dirty="0"/>
+                <a:t>Flare</a:t>
+              </a:r>
+            </a:p>
+          </p:txBody>
+        </p:sp>
+      </p:grpSp>
+      <p:grpSp>
+        <p:nvGrpSpPr>
+          <p:cNvPr id="15" name="Group 14">
+            <a:extLst>
+              <a:ext uri="{FF2B5EF4-FFF2-40B4-BE49-F238E27FC236}">
+                <a16:creationId xmlns:a16="http://schemas.microsoft.com/office/drawing/2014/main" id="{162401E9-0BCF-C0EE-3CEE-B93FABCEEC5A}"/>
+              </a:ext>
+            </a:extLst>
+          </p:cNvPr>
+          <p:cNvGrpSpPr/>
+          <p:nvPr/>
+        </p:nvGrpSpPr>
+        <p:grpSpPr>
+          <a:xfrm>
+            <a:off x="6979889" y="5265439"/>
+            <a:ext cx="602660" cy="751407"/>
+            <a:chOff x="10648505" y="2637478"/>
+            <a:chExt cx="602660" cy="751407"/>
+          </a:xfrm>
+        </p:grpSpPr>
+        <p:pic>
+          <p:nvPicPr>
+            <p:cNvPr id="3" name="Picture 2" descr="Container Insights with enhanced observability now available in Amazon ECS  | AWS News Blog">
+              <a:extLst>
+                <a:ext uri="{FF2B5EF4-FFF2-40B4-BE49-F238E27FC236}">
+                  <a16:creationId xmlns:a16="http://schemas.microsoft.com/office/drawing/2014/main" id="{2957F40C-B0A6-206C-264C-F0E5B59851C3}"/>
+                </a:ext>
+              </a:extLst>
+            </p:cNvPr>
+            <p:cNvPicPr>
+              <a:picLocks noChangeAspect="1" noChangeArrowheads="1"/>
+            </p:cNvPicPr>
+            <p:nvPr/>
+          </p:nvPicPr>
+          <p:blipFill rotWithShape="1">
+            <a:blip r:embed="rId27">
+              <a:extLst>
+                <a:ext uri="{28A0092B-C50C-407E-A947-70E740481C1C}">
+                  <a14:useLocalDpi xmlns:a14="http://schemas.microsoft.com/office/drawing/2010/main" val="0"/>
+                </a:ext>
+              </a:extLst>
+            </a:blip>
+            <a:srcRect l="34773" t="22000" r="34773" b="22000"/>
+            <a:stretch/>
+          </p:blipFill>
+          <p:spPr bwMode="auto">
+            <a:xfrm>
+              <a:off x="10772375" y="2637478"/>
+              <a:ext cx="352751" cy="380346"/>
+            </a:xfrm>
+            <a:prstGeom prst="rect">
+              <a:avLst/>
+            </a:prstGeom>
+            <a:noFill/>
+            <a:extLst>
+              <a:ext uri="{909E8E84-426E-40DD-AFC4-6F175D3DCCD1}">
+                <a14:hiddenFill xmlns:a14="http://schemas.microsoft.com/office/drawing/2010/main">
+                  <a:solidFill>
+                    <a:srgbClr val="FFFFFF"/>
+                  </a:solidFill>
+                </a14:hiddenFill>
+              </a:ext>
+            </a:extLst>
+          </p:spPr>
+        </p:pic>
+        <p:sp>
+          <p:nvSpPr>
+            <p:cNvPr id="4" name="TextBox 3">
+              <a:extLst>
+                <a:ext uri="{FF2B5EF4-FFF2-40B4-BE49-F238E27FC236}">
+                  <a16:creationId xmlns:a16="http://schemas.microsoft.com/office/drawing/2014/main" id="{3EC3518F-E426-3AE4-3CF1-331E2F816FCE}"/>
+                </a:ext>
+              </a:extLst>
+            </p:cNvPr>
+            <p:cNvSpPr txBox="1"/>
+            <p:nvPr/>
+          </p:nvSpPr>
+          <p:spPr>
+            <a:xfrm>
+              <a:off x="10648505" y="2988775"/>
+              <a:ext cx="602660" cy="400110"/>
+            </a:xfrm>
+            <a:prstGeom prst="rect">
+              <a:avLst/>
+            </a:prstGeom>
+            <a:noFill/>
+          </p:spPr>
+          <p:txBody>
+            <a:bodyPr wrap="square" lIns="0" rIns="0" rtlCol="0" anchor="t">
+              <a:spAutoFit/>
+            </a:bodyPr>
+            <a:lstStyle>
+              <a:defPPr>
+                <a:defRPr lang="en-US"/>
+              </a:defPPr>
+              <a:lvl1pPr algn="ctr">
+                <a:defRPr sz="1000">
+                  <a:latin typeface="Calibri" panose="020F0502020204030204" pitchFamily="34" charset="0"/>
+                  <a:ea typeface="Calibri" panose="020F0502020204030204" pitchFamily="34" charset="0"/>
+                  <a:cs typeface="Calibri" panose="020F0502020204030204" pitchFamily="34" charset="0"/>
+                </a:defRPr>
+              </a:lvl1pPr>
+            </a:lstStyle>
+            <a:p>
+              <a:r>
+                <a:rPr lang="en-US" dirty="0"/>
+                <a:t>Container Insights</a:t>
+              </a:r>
+            </a:p>
+          </p:txBody>
+        </p:sp>
+      </p:grpSp>
+      <p:grpSp>
+        <p:nvGrpSpPr>
+          <p:cNvPr id="55" name="Group 54">
+            <a:extLst>
+              <a:ext uri="{FF2B5EF4-FFF2-40B4-BE49-F238E27FC236}">
+                <a16:creationId xmlns:a16="http://schemas.microsoft.com/office/drawing/2014/main" id="{583B44DD-A67E-00E0-E605-231C25945352}"/>
+              </a:ext>
+            </a:extLst>
+          </p:cNvPr>
+          <p:cNvGrpSpPr/>
+          <p:nvPr/>
+        </p:nvGrpSpPr>
+        <p:grpSpPr>
+          <a:xfrm>
+            <a:off x="5262808" y="6049826"/>
+            <a:ext cx="423037" cy="626567"/>
+            <a:chOff x="11603161" y="2153110"/>
+            <a:chExt cx="423037" cy="626567"/>
+          </a:xfrm>
+        </p:grpSpPr>
+        <p:pic>
+          <p:nvPicPr>
+            <p:cNvPr id="5" name="Picture 4" descr="Aws Sqs icon - Free Download PNG &amp; SVG | Streamline">
+              <a:extLst>
+                <a:ext uri="{FF2B5EF4-FFF2-40B4-BE49-F238E27FC236}">
+                  <a16:creationId xmlns:a16="http://schemas.microsoft.com/office/drawing/2014/main" id="{9027F4C3-B291-3BE2-7BC8-9DAF6CDC6740}"/>
+                </a:ext>
+              </a:extLst>
+            </p:cNvPr>
+            <p:cNvPicPr>
+              <a:picLocks noChangeAspect="1" noChangeArrowheads="1"/>
+            </p:cNvPicPr>
+            <p:nvPr/>
+          </p:nvPicPr>
+          <p:blipFill>
+            <a:blip r:embed="rId28">
+              <a:extLst>
+                <a:ext uri="{28A0092B-C50C-407E-A947-70E740481C1C}">
+                  <a14:useLocalDpi xmlns:a14="http://schemas.microsoft.com/office/drawing/2010/main" val="0"/>
+                </a:ext>
+              </a:extLst>
+            </a:blip>
+            <a:srcRect/>
+            <a:stretch>
+              <a:fillRect/>
+            </a:stretch>
+          </p:blipFill>
+          <p:spPr bwMode="auto">
+            <a:xfrm>
+              <a:off x="11638305" y="2153110"/>
+              <a:ext cx="352751" cy="385218"/>
+            </a:xfrm>
+            <a:prstGeom prst="rect">
+              <a:avLst/>
+            </a:prstGeom>
+            <a:noFill/>
+            <a:extLst>
+              <a:ext uri="{909E8E84-426E-40DD-AFC4-6F175D3DCCD1}">
+                <a14:hiddenFill xmlns:a14="http://schemas.microsoft.com/office/drawing/2010/main">
+                  <a:solidFill>
+                    <a:srgbClr val="FFFFFF"/>
+                  </a:solidFill>
+                </a14:hiddenFill>
+              </a:ext>
+            </a:extLst>
+          </p:spPr>
+        </p:pic>
+        <p:sp>
+          <p:nvSpPr>
+            <p:cNvPr id="6" name="TextBox 5">
+              <a:extLst>
+                <a:ext uri="{FF2B5EF4-FFF2-40B4-BE49-F238E27FC236}">
+                  <a16:creationId xmlns:a16="http://schemas.microsoft.com/office/drawing/2014/main" id="{25545621-0027-FD78-45FC-3EE058873F72}"/>
+                </a:ext>
+              </a:extLst>
+            </p:cNvPr>
+            <p:cNvSpPr txBox="1"/>
+            <p:nvPr/>
+          </p:nvSpPr>
+          <p:spPr>
+            <a:xfrm>
+              <a:off x="11603161" y="2533456"/>
+              <a:ext cx="423037" cy="246221"/>
+            </a:xfrm>
+            <a:prstGeom prst="rect">
+              <a:avLst/>
+            </a:prstGeom>
+            <a:noFill/>
+          </p:spPr>
+          <p:txBody>
+            <a:bodyPr wrap="square" lIns="0" rIns="0" rtlCol="0">
+              <a:spAutoFit/>
+            </a:bodyPr>
+            <a:lstStyle>
+              <a:defPPr>
+                <a:defRPr lang="en-US"/>
+              </a:defPPr>
+              <a:lvl1pPr algn="ctr">
+                <a:defRPr sz="1000">
+                  <a:latin typeface="Calibri" panose="020F0502020204030204" pitchFamily="34" charset="0"/>
+                  <a:ea typeface="Calibri" panose="020F0502020204030204" pitchFamily="34" charset="0"/>
+                  <a:cs typeface="Calibri" panose="020F0502020204030204" pitchFamily="34" charset="0"/>
+                </a:defRPr>
+              </a:lvl1pPr>
+            </a:lstStyle>
+            <a:p>
+              <a:r>
+                <a:rPr lang="en-US" dirty="0"/>
+                <a:t>SQS</a:t>
+              </a:r>
+            </a:p>
+          </p:txBody>
+        </p:sp>
+      </p:grpSp>
+      <p:cxnSp>
+        <p:nvCxnSpPr>
+          <p:cNvPr id="20" name="Straight Arrow Connector 19">
+            <a:extLst>
+              <a:ext uri="{FF2B5EF4-FFF2-40B4-BE49-F238E27FC236}">
+                <a16:creationId xmlns:a16="http://schemas.microsoft.com/office/drawing/2014/main" id="{9A5E3796-057D-A056-717D-76E70145D338}"/>
+              </a:ext>
+            </a:extLst>
+          </p:cNvPr>
+          <p:cNvCxnSpPr>
+            <a:stCxn id="1066" idx="3"/>
+            <a:endCxn id="3" idx="1"/>
+          </p:cNvCxnSpPr>
+          <p:nvPr/>
+        </p:nvCxnSpPr>
+        <p:spPr>
+          <a:xfrm>
+            <a:off x="6546213" y="5418829"/>
+            <a:ext cx="557546" cy="36783"/>
+          </a:xfrm>
+          <a:prstGeom prst="straightConnector1">
+            <a:avLst/>
+          </a:prstGeom>
+          <a:ln>
+            <a:tailEnd type="triangle"/>
+          </a:ln>
+        </p:spPr>
+        <p:style>
+          <a:lnRef idx="2">
+            <a:schemeClr val="accent1"/>
+          </a:lnRef>
+          <a:fillRef idx="0">
+            <a:schemeClr val="accent1"/>
+          </a:fillRef>
+          <a:effectRef idx="1">
+            <a:schemeClr val="accent1"/>
+          </a:effectRef>
+          <a:fontRef idx="minor">
+            <a:schemeClr val="tx1"/>
+          </a:fontRef>
+        </p:style>
+      </p:cxnSp>
+      <p:cxnSp>
+        <p:nvCxnSpPr>
+          <p:cNvPr id="22" name="Straight Arrow Connector 21">
+            <a:extLst>
+              <a:ext uri="{FF2B5EF4-FFF2-40B4-BE49-F238E27FC236}">
+                <a16:creationId xmlns:a16="http://schemas.microsoft.com/office/drawing/2014/main" id="{82B4C92E-455C-33CF-7415-1DF1A9832801}"/>
+              </a:ext>
+            </a:extLst>
+          </p:cNvPr>
+          <p:cNvCxnSpPr>
+            <a:cxnSpLocks/>
+            <a:stCxn id="1066" idx="3"/>
+            <a:endCxn id="1068" idx="1"/>
+          </p:cNvCxnSpPr>
+          <p:nvPr/>
+        </p:nvCxnSpPr>
+        <p:spPr>
+          <a:xfrm>
+            <a:off x="6546213" y="5418829"/>
+            <a:ext cx="587626" cy="823419"/>
+          </a:xfrm>
+          <a:prstGeom prst="straightConnector1">
+            <a:avLst/>
+          </a:prstGeom>
+          <a:ln>
+            <a:tailEnd type="triangle"/>
+          </a:ln>
+        </p:spPr>
+        <p:style>
+          <a:lnRef idx="2">
+            <a:schemeClr val="accent1"/>
+          </a:lnRef>
+          <a:fillRef idx="0">
+            <a:schemeClr val="accent1"/>
+          </a:fillRef>
+          <a:effectRef idx="1">
+            <a:schemeClr val="accent1"/>
+          </a:effectRef>
+          <a:fontRef idx="minor">
+            <a:schemeClr val="tx1"/>
+          </a:fontRef>
+        </p:style>
+      </p:cxnSp>
+      <p:cxnSp>
+        <p:nvCxnSpPr>
+          <p:cNvPr id="32" name="Straight Arrow Connector 31">
+            <a:extLst>
+              <a:ext uri="{FF2B5EF4-FFF2-40B4-BE49-F238E27FC236}">
+                <a16:creationId xmlns:a16="http://schemas.microsoft.com/office/drawing/2014/main" id="{35F63A56-B66F-1FAE-4434-2AA1E5325BE2}"/>
+              </a:ext>
+            </a:extLst>
+          </p:cNvPr>
+          <p:cNvCxnSpPr>
+            <a:cxnSpLocks/>
+            <a:stCxn id="1066" idx="0"/>
+            <a:endCxn id="1065" idx="2"/>
+          </p:cNvCxnSpPr>
+          <p:nvPr/>
+        </p:nvCxnSpPr>
+        <p:spPr>
+          <a:xfrm flipH="1" flipV="1">
+            <a:off x="6364370" y="5089084"/>
+            <a:ext cx="5468" cy="139572"/>
+          </a:xfrm>
+          <a:prstGeom prst="straightConnector1">
+            <a:avLst/>
+          </a:prstGeom>
+          <a:ln>
+            <a:tailEnd type="triangle"/>
+          </a:ln>
+        </p:spPr>
+        <p:style>
+          <a:lnRef idx="2">
+            <a:schemeClr val="accent1"/>
+          </a:lnRef>
+          <a:fillRef idx="0">
+            <a:schemeClr val="accent1"/>
+          </a:fillRef>
+          <a:effectRef idx="1">
+            <a:schemeClr val="accent1"/>
+          </a:effectRef>
+          <a:fontRef idx="minor">
+            <a:schemeClr val="tx1"/>
+          </a:fontRef>
+        </p:style>
+      </p:cxnSp>
+      <p:cxnSp>
+        <p:nvCxnSpPr>
+          <p:cNvPr id="34" name="Straight Arrow Connector 33">
+            <a:extLst>
+              <a:ext uri="{FF2B5EF4-FFF2-40B4-BE49-F238E27FC236}">
+                <a16:creationId xmlns:a16="http://schemas.microsoft.com/office/drawing/2014/main" id="{F2B26998-1154-81A4-F3E4-DDA424494FCB}"/>
+              </a:ext>
+            </a:extLst>
+          </p:cNvPr>
+          <p:cNvCxnSpPr>
+            <a:cxnSpLocks/>
+            <a:stCxn id="1075" idx="0"/>
+            <a:endCxn id="1067" idx="2"/>
+          </p:cNvCxnSpPr>
+          <p:nvPr/>
+        </p:nvCxnSpPr>
+        <p:spPr>
+          <a:xfrm flipH="1" flipV="1">
+            <a:off x="6369837" y="5849309"/>
+            <a:ext cx="17625" cy="202766"/>
+          </a:xfrm>
+          <a:prstGeom prst="straightConnector1">
+            <a:avLst/>
+          </a:prstGeom>
+          <a:ln>
+            <a:tailEnd type="triangle"/>
+          </a:ln>
+        </p:spPr>
+        <p:style>
+          <a:lnRef idx="2">
+            <a:schemeClr val="accent1"/>
+          </a:lnRef>
+          <a:fillRef idx="0">
+            <a:schemeClr val="accent1"/>
+          </a:fillRef>
+          <a:effectRef idx="1">
+            <a:schemeClr val="accent1"/>
+          </a:effectRef>
+          <a:fontRef idx="minor">
+            <a:schemeClr val="tx1"/>
+          </a:fontRef>
+        </p:style>
+      </p:cxnSp>
+      <p:cxnSp>
+        <p:nvCxnSpPr>
+          <p:cNvPr id="56" name="Straight Arrow Connector 55">
+            <a:extLst>
+              <a:ext uri="{FF2B5EF4-FFF2-40B4-BE49-F238E27FC236}">
+                <a16:creationId xmlns:a16="http://schemas.microsoft.com/office/drawing/2014/main" id="{B00AD3F6-1D80-B7A1-191D-095280A70B13}"/>
+              </a:ext>
+            </a:extLst>
+          </p:cNvPr>
+          <p:cNvCxnSpPr>
+            <a:cxnSpLocks/>
+            <a:stCxn id="1075" idx="1"/>
+            <a:endCxn id="5" idx="3"/>
+          </p:cNvCxnSpPr>
+          <p:nvPr/>
+        </p:nvCxnSpPr>
+        <p:spPr>
+          <a:xfrm flipH="1">
+            <a:off x="5650703" y="6242248"/>
+            <a:ext cx="560384" cy="187"/>
+          </a:xfrm>
+          <a:prstGeom prst="straightConnector1">
+            <a:avLst/>
+          </a:prstGeom>
+          <a:ln>
+            <a:tailEnd type="triangle"/>
+          </a:ln>
+        </p:spPr>
+        <p:style>
+          <a:lnRef idx="2">
+            <a:schemeClr val="accent1"/>
+          </a:lnRef>
+          <a:fillRef idx="0">
+            <a:schemeClr val="accent1"/>
+          </a:fillRef>
+          <a:effectRef idx="1">
+            <a:schemeClr val="accent1"/>
+          </a:effectRef>
+          <a:fontRef idx="minor">
+            <a:schemeClr val="tx1"/>
+          </a:fontRef>
+        </p:style>
+      </p:cxnSp>
+      <p:cxnSp>
+        <p:nvCxnSpPr>
+          <p:cNvPr id="1025" name="Straight Arrow Connector 1024">
+            <a:extLst>
+              <a:ext uri="{FF2B5EF4-FFF2-40B4-BE49-F238E27FC236}">
+                <a16:creationId xmlns:a16="http://schemas.microsoft.com/office/drawing/2014/main" id="{F5FB97CE-308F-716B-12BD-AA0077D392EA}"/>
+              </a:ext>
+            </a:extLst>
+          </p:cNvPr>
+          <p:cNvCxnSpPr>
+            <a:cxnSpLocks/>
+            <a:stCxn id="1070" idx="3"/>
+            <a:endCxn id="1066" idx="1"/>
+          </p:cNvCxnSpPr>
+          <p:nvPr/>
+        </p:nvCxnSpPr>
+        <p:spPr>
+          <a:xfrm flipV="1">
+            <a:off x="5685845" y="5418829"/>
+            <a:ext cx="507617" cy="2349"/>
+          </a:xfrm>
+          <a:prstGeom prst="straightConnector1">
+            <a:avLst/>
+          </a:prstGeom>
+          <a:ln>
+            <a:tailEnd type="triangle"/>
+          </a:ln>
+        </p:spPr>
+        <p:style>
+          <a:lnRef idx="2">
+            <a:schemeClr val="accent1"/>
+          </a:lnRef>
+          <a:fillRef idx="0">
+            <a:schemeClr val="accent1"/>
+          </a:fillRef>
+          <a:effectRef idx="1">
+            <a:schemeClr val="accent1"/>
+          </a:effectRef>
+          <a:fontRef idx="minor">
+            <a:schemeClr val="tx1"/>
+          </a:fontRef>
+        </p:style>
+      </p:cxnSp>
+      <p:cxnSp>
+        <p:nvCxnSpPr>
+          <p:cNvPr id="1036" name="Straight Arrow Connector 1035">
+            <a:extLst>
+              <a:ext uri="{FF2B5EF4-FFF2-40B4-BE49-F238E27FC236}">
+                <a16:creationId xmlns:a16="http://schemas.microsoft.com/office/drawing/2014/main" id="{1EF34FCE-A311-9876-412E-5231DF781474}"/>
+              </a:ext>
+            </a:extLst>
+          </p:cNvPr>
+          <p:cNvCxnSpPr>
+            <a:cxnSpLocks/>
+            <a:stCxn id="28" idx="2"/>
+            <a:endCxn id="1070" idx="1"/>
+          </p:cNvCxnSpPr>
+          <p:nvPr/>
+        </p:nvCxnSpPr>
+        <p:spPr>
+          <a:xfrm rot="16200000" flipH="1">
+            <a:off x="4695123" y="4807425"/>
+            <a:ext cx="128429" cy="1099075"/>
+          </a:xfrm>
+          <a:prstGeom prst="bentConnector2">
+            <a:avLst/>
+          </a:prstGeom>
+          <a:ln>
+            <a:tailEnd type="triangle"/>
+          </a:ln>
+        </p:spPr>
+        <p:style>
+          <a:lnRef idx="2">
+            <a:schemeClr val="accent1"/>
+          </a:lnRef>
+          <a:fillRef idx="0">
+            <a:schemeClr val="accent1"/>
+          </a:fillRef>
+          <a:effectRef idx="1">
+            <a:schemeClr val="accent1"/>
+          </a:effectRef>
+          <a:fontRef idx="minor">
+            <a:schemeClr val="tx1"/>
+          </a:fontRef>
+        </p:style>
+      </p:cxnSp>
+      <p:cxnSp>
+        <p:nvCxnSpPr>
+          <p:cNvPr id="1037" name="Straight Arrow Connector 1036">
+            <a:extLst>
+              <a:ext uri="{FF2B5EF4-FFF2-40B4-BE49-F238E27FC236}">
+                <a16:creationId xmlns:a16="http://schemas.microsoft.com/office/drawing/2014/main" id="{1ADA8D60-F227-51AF-C13D-D861303A3D60}"/>
+              </a:ext>
+            </a:extLst>
+          </p:cNvPr>
+          <p:cNvCxnSpPr>
+            <a:cxnSpLocks/>
+            <a:stCxn id="1034" idx="3"/>
+            <a:endCxn id="1113" idx="1"/>
+          </p:cNvCxnSpPr>
+          <p:nvPr/>
+        </p:nvCxnSpPr>
+        <p:spPr>
+          <a:xfrm flipV="1">
+            <a:off x="4378685" y="4737950"/>
+            <a:ext cx="974615" cy="15489"/>
+          </a:xfrm>
+          <a:prstGeom prst="straightConnector1">
+            <a:avLst/>
+          </a:prstGeom>
+          <a:ln>
+            <a:tailEnd type="triangle"/>
+          </a:ln>
+        </p:spPr>
+        <p:style>
+          <a:lnRef idx="2">
+            <a:schemeClr val="accent1"/>
+          </a:lnRef>
+          <a:fillRef idx="0">
+            <a:schemeClr val="accent1"/>
+          </a:fillRef>
+          <a:effectRef idx="1">
+            <a:schemeClr val="accent1"/>
+          </a:effectRef>
+          <a:fontRef idx="minor">
+            <a:schemeClr val="tx1"/>
+          </a:fontRef>
+        </p:style>
+      </p:cxnSp>
+      <p:cxnSp>
+        <p:nvCxnSpPr>
+          <p:cNvPr id="1049" name="Straight Arrow Connector 1048">
+            <a:extLst>
+              <a:ext uri="{FF2B5EF4-FFF2-40B4-BE49-F238E27FC236}">
+                <a16:creationId xmlns:a16="http://schemas.microsoft.com/office/drawing/2014/main" id="{3A67B479-9159-76F0-757D-B2F93152DAB5}"/>
+              </a:ext>
+            </a:extLst>
+          </p:cNvPr>
+          <p:cNvCxnSpPr>
+            <a:cxnSpLocks/>
+            <a:stCxn id="1028" idx="3"/>
+            <a:endCxn id="1034" idx="1"/>
+          </p:cNvCxnSpPr>
+          <p:nvPr/>
+        </p:nvCxnSpPr>
+        <p:spPr>
+          <a:xfrm flipV="1">
+            <a:off x="3715443" y="4753439"/>
+            <a:ext cx="310491" cy="1571"/>
+          </a:xfrm>
+          <a:prstGeom prst="straightConnector1">
+            <a:avLst/>
+          </a:prstGeom>
+          <a:ln>
+            <a:tailEnd type="triangle"/>
+          </a:ln>
+        </p:spPr>
+        <p:style>
+          <a:lnRef idx="2">
+            <a:schemeClr val="accent1"/>
+          </a:lnRef>
+          <a:fillRef idx="0">
+            <a:schemeClr val="accent1"/>
+          </a:fillRef>
+          <a:effectRef idx="1">
+            <a:schemeClr val="accent1"/>
+          </a:effectRef>
+          <a:fontRef idx="minor">
+            <a:schemeClr val="tx1"/>
+          </a:fontRef>
+        </p:style>
+      </p:cxnSp>
+      <p:cxnSp>
+        <p:nvCxnSpPr>
+          <p:cNvPr id="1061" name="Straight Arrow Connector 1060">
+            <a:extLst>
+              <a:ext uri="{FF2B5EF4-FFF2-40B4-BE49-F238E27FC236}">
+                <a16:creationId xmlns:a16="http://schemas.microsoft.com/office/drawing/2014/main" id="{744A7F03-1866-20DA-ED60-6A613D4B9857}"/>
+              </a:ext>
+            </a:extLst>
+          </p:cNvPr>
+          <p:cNvCxnSpPr>
+            <a:cxnSpLocks/>
+            <a:stCxn id="1030" idx="3"/>
+            <a:endCxn id="1028" idx="1"/>
+          </p:cNvCxnSpPr>
+          <p:nvPr/>
+        </p:nvCxnSpPr>
+        <p:spPr>
+          <a:xfrm>
+            <a:off x="2860682" y="4742288"/>
+            <a:ext cx="502449" cy="12722"/>
+          </a:xfrm>
+          <a:prstGeom prst="straightConnector1">
+            <a:avLst/>
+          </a:prstGeom>
+          <a:ln>
+            <a:tailEnd type="triangle"/>
+          </a:ln>
+        </p:spPr>
+        <p:style>
+          <a:lnRef idx="2">
+            <a:schemeClr val="accent1"/>
+          </a:lnRef>
+          <a:fillRef idx="0">
+            <a:schemeClr val="accent1"/>
+          </a:fillRef>
+          <a:effectRef idx="1">
+            <a:schemeClr val="accent1"/>
+          </a:effectRef>
+          <a:fontRef idx="minor">
+            <a:schemeClr val="tx1"/>
+          </a:fontRef>
+        </p:style>
+      </p:cxnSp>
+      <p:cxnSp>
+        <p:nvCxnSpPr>
+          <p:cNvPr id="1072" name="Straight Arrow Connector 1071">
+            <a:extLst>
+              <a:ext uri="{FF2B5EF4-FFF2-40B4-BE49-F238E27FC236}">
+                <a16:creationId xmlns:a16="http://schemas.microsoft.com/office/drawing/2014/main" id="{FA3D92F7-FAFB-BA36-503D-C533529B2E26}"/>
+              </a:ext>
+            </a:extLst>
+          </p:cNvPr>
+          <p:cNvCxnSpPr>
+            <a:cxnSpLocks/>
+            <a:stCxn id="1064" idx="1"/>
+            <a:endCxn id="1113" idx="3"/>
+          </p:cNvCxnSpPr>
+          <p:nvPr/>
+        </p:nvCxnSpPr>
+        <p:spPr>
+          <a:xfrm flipH="1">
+            <a:off x="5706051" y="4718037"/>
+            <a:ext cx="481944" cy="19913"/>
+          </a:xfrm>
+          <a:prstGeom prst="straightConnector1">
+            <a:avLst/>
+          </a:prstGeom>
+          <a:ln>
+            <a:tailEnd type="triangle"/>
+          </a:ln>
+        </p:spPr>
+        <p:style>
+          <a:lnRef idx="2">
+            <a:schemeClr val="accent1"/>
+          </a:lnRef>
+          <a:fillRef idx="0">
+            <a:schemeClr val="accent1"/>
+          </a:fillRef>
+          <a:effectRef idx="1">
+            <a:schemeClr val="accent1"/>
+          </a:effectRef>
+          <a:fontRef idx="minor">
+            <a:schemeClr val="tx1"/>
+          </a:fontRef>
+        </p:style>
+      </p:cxnSp>
+      <p:cxnSp>
+        <p:nvCxnSpPr>
+          <p:cNvPr id="1081" name="Straight Arrow Connector 1080">
+            <a:extLst>
+              <a:ext uri="{FF2B5EF4-FFF2-40B4-BE49-F238E27FC236}">
+                <a16:creationId xmlns:a16="http://schemas.microsoft.com/office/drawing/2014/main" id="{C3A4DEFB-6AAA-2FBA-7A8D-2A03462C5994}"/>
+              </a:ext>
+            </a:extLst>
+          </p:cNvPr>
+          <p:cNvCxnSpPr>
+            <a:cxnSpLocks/>
+            <a:stCxn id="1032" idx="3"/>
+            <a:endCxn id="1030" idx="1"/>
+          </p:cNvCxnSpPr>
+          <p:nvPr/>
+        </p:nvCxnSpPr>
+        <p:spPr>
+          <a:xfrm>
+            <a:off x="1449329" y="4708241"/>
+            <a:ext cx="1058602" cy="34047"/>
+          </a:xfrm>
+          <a:prstGeom prst="straightConnector1">
+            <a:avLst/>
+          </a:prstGeom>
+          <a:ln>
+            <a:tailEnd type="triangle"/>
+          </a:ln>
+        </p:spPr>
+        <p:style>
+          <a:lnRef idx="2">
+            <a:schemeClr val="accent1"/>
+          </a:lnRef>
+          <a:fillRef idx="0">
+            <a:schemeClr val="accent1"/>
+          </a:fillRef>
+          <a:effectRef idx="1">
+            <a:schemeClr val="accent1"/>
+          </a:effectRef>
+          <a:fontRef idx="minor">
+            <a:schemeClr val="tx1"/>
+          </a:fontRef>
+        </p:style>
+      </p:cxnSp>
+      <p:cxnSp>
+        <p:nvCxnSpPr>
+          <p:cNvPr id="1086" name="Straight Connector 1085">
+            <a:extLst>
+              <a:ext uri="{FF2B5EF4-FFF2-40B4-BE49-F238E27FC236}">
+                <a16:creationId xmlns:a16="http://schemas.microsoft.com/office/drawing/2014/main" id="{4C72042E-E29B-9BD6-7BB7-6EDFF330B5D3}"/>
+              </a:ext>
+            </a:extLst>
+          </p:cNvPr>
+          <p:cNvCxnSpPr>
+            <a:cxnSpLocks/>
+          </p:cNvCxnSpPr>
+          <p:nvPr/>
+        </p:nvCxnSpPr>
+        <p:spPr>
+          <a:xfrm>
+            <a:off x="609600" y="5105400"/>
+            <a:ext cx="1454453" cy="0"/>
+          </a:xfrm>
+          <a:prstGeom prst="line">
+            <a:avLst/>
+          </a:prstGeom>
+          <a:ln w="12700">
+            <a:prstDash val="dash"/>
+          </a:ln>
+        </p:spPr>
+        <p:style>
+          <a:lnRef idx="2">
+            <a:schemeClr val="accent1"/>
+          </a:lnRef>
+          <a:fillRef idx="0">
+            <a:schemeClr val="accent1"/>
+          </a:fillRef>
+          <a:effectRef idx="1">
+            <a:schemeClr val="accent1"/>
+          </a:effectRef>
+          <a:fontRef idx="minor">
+            <a:schemeClr val="tx1"/>
+          </a:fontRef>
+        </p:style>
+      </p:cxnSp>
+      <p:cxnSp>
+        <p:nvCxnSpPr>
+          <p:cNvPr id="1102" name="Straight Connector 1101">
+            <a:extLst>
+              <a:ext uri="{FF2B5EF4-FFF2-40B4-BE49-F238E27FC236}">
+                <a16:creationId xmlns:a16="http://schemas.microsoft.com/office/drawing/2014/main" id="{C7654011-B999-71D5-9BEC-BEE501B5F555}"/>
+              </a:ext>
+            </a:extLst>
+          </p:cNvPr>
+          <p:cNvCxnSpPr>
+            <a:cxnSpLocks/>
+          </p:cNvCxnSpPr>
+          <p:nvPr/>
+        </p:nvCxnSpPr>
+        <p:spPr>
+          <a:xfrm>
+            <a:off x="609600" y="5767858"/>
+            <a:ext cx="1454453" cy="0"/>
+          </a:xfrm>
+          <a:prstGeom prst="line">
+            <a:avLst/>
+          </a:prstGeom>
+          <a:ln w="12700">
+            <a:prstDash val="dash"/>
+          </a:ln>
+        </p:spPr>
+        <p:style>
+          <a:lnRef idx="2">
+            <a:schemeClr val="accent1"/>
+          </a:lnRef>
+          <a:fillRef idx="0">
+            <a:schemeClr val="accent1"/>
+          </a:fillRef>
+          <a:effectRef idx="1">
+            <a:schemeClr val="accent1"/>
+          </a:effectRef>
+          <a:fontRef idx="minor">
+            <a:schemeClr val="tx1"/>
+          </a:fontRef>
+        </p:style>
+      </p:cxnSp>
+      <p:cxnSp>
+        <p:nvCxnSpPr>
+          <p:cNvPr id="1103" name="Straight Arrow Connector 1102">
+            <a:extLst>
+              <a:ext uri="{FF2B5EF4-FFF2-40B4-BE49-F238E27FC236}">
+                <a16:creationId xmlns:a16="http://schemas.microsoft.com/office/drawing/2014/main" id="{6DE473F2-7369-4DFE-B437-C0C75BF178C1}"/>
+              </a:ext>
+            </a:extLst>
+          </p:cNvPr>
+          <p:cNvCxnSpPr>
+            <a:cxnSpLocks/>
+            <a:stCxn id="1038" idx="3"/>
+            <a:endCxn id="46" idx="1"/>
+          </p:cNvCxnSpPr>
+          <p:nvPr/>
+        </p:nvCxnSpPr>
+        <p:spPr>
+          <a:xfrm flipV="1">
+            <a:off x="1859694" y="6144131"/>
+            <a:ext cx="1310035" cy="2674"/>
+          </a:xfrm>
+          <a:prstGeom prst="straightConnector1">
+            <a:avLst/>
+          </a:prstGeom>
+          <a:ln>
+            <a:tailEnd type="triangle"/>
+          </a:ln>
+        </p:spPr>
+        <p:style>
+          <a:lnRef idx="2">
+            <a:schemeClr val="accent1"/>
+          </a:lnRef>
+          <a:fillRef idx="0">
+            <a:schemeClr val="accent1"/>
+          </a:fillRef>
+          <a:effectRef idx="1">
+            <a:schemeClr val="accent1"/>
+          </a:effectRef>
+          <a:fontRef idx="minor">
+            <a:schemeClr val="tx1"/>
+          </a:fontRef>
+        </p:style>
+      </p:cxnSp>
+      <p:cxnSp>
+        <p:nvCxnSpPr>
+          <p:cNvPr id="1109" name="Straight Arrow Connector 1108">
+            <a:extLst>
+              <a:ext uri="{FF2B5EF4-FFF2-40B4-BE49-F238E27FC236}">
+                <a16:creationId xmlns:a16="http://schemas.microsoft.com/office/drawing/2014/main" id="{57862A09-2922-8D16-50B7-E78E6108D8C1}"/>
+              </a:ext>
+            </a:extLst>
+          </p:cNvPr>
+          <p:cNvCxnSpPr>
+            <a:cxnSpLocks/>
+            <a:stCxn id="46" idx="3"/>
+          </p:cNvCxnSpPr>
+          <p:nvPr/>
+        </p:nvCxnSpPr>
+        <p:spPr>
+          <a:xfrm>
+            <a:off x="3522480" y="6144131"/>
+            <a:ext cx="1201920" cy="0"/>
+          </a:xfrm>
+          <a:prstGeom prst="straightConnector1">
+            <a:avLst/>
+          </a:prstGeom>
+          <a:ln>
+            <a:tailEnd type="triangle"/>
+          </a:ln>
+        </p:spPr>
+        <p:style>
+          <a:lnRef idx="2">
+            <a:schemeClr val="accent1"/>
+          </a:lnRef>
+          <a:fillRef idx="0">
+            <a:schemeClr val="accent1"/>
+          </a:fillRef>
+          <a:effectRef idx="1">
+            <a:schemeClr val="accent1"/>
+          </a:effectRef>
+          <a:fontRef idx="minor">
+            <a:schemeClr val="tx1"/>
+          </a:fontRef>
+        </p:style>
+      </p:cxnSp>
+      <p:sp>
+        <p:nvSpPr>
+          <p:cNvPr id="25" name="Rectangle 24">
+            <a:extLst>
+              <a:ext uri="{FF2B5EF4-FFF2-40B4-BE49-F238E27FC236}">
+                <a16:creationId xmlns:a16="http://schemas.microsoft.com/office/drawing/2014/main" id="{056F4CCB-3AC9-E46F-B9E0-AE6E46AE4922}"/>
+              </a:ext>
+            </a:extLst>
+          </p:cNvPr>
+          <p:cNvSpPr/>
+          <p:nvPr/>
+        </p:nvSpPr>
+        <p:spPr>
+          <a:xfrm>
+            <a:off x="9169417" y="4267200"/>
+            <a:ext cx="2108183" cy="932138"/>
+          </a:xfrm>
+          <a:prstGeom prst="rect">
+            <a:avLst/>
+          </a:prstGeom>
+          <a:noFill/>
+        </p:spPr>
+        <p:style>
+          <a:lnRef idx="2">
+            <a:schemeClr val="accent1">
+              <a:shade val="15000"/>
+            </a:schemeClr>
+          </a:lnRef>
+          <a:fillRef idx="1">
+            <a:schemeClr val="accent1"/>
+          </a:fillRef>
+          <a:effectRef idx="0">
+            <a:schemeClr val="accent1"/>
+          </a:effectRef>
+          <a:fontRef idx="minor">
+            <a:schemeClr val="lt1"/>
+          </a:fontRef>
+        </p:style>
+        <p:txBody>
+          <a:bodyPr rtlCol="0" anchor="t"/>
+          <a:lstStyle/>
+          <a:p>
+            <a:pPr algn="ctr"/>
+            <a:r>
+              <a:rPr lang="en-US" sz="1400" b="1" dirty="0">
+                <a:solidFill>
+                  <a:schemeClr val="tx1"/>
+                </a:solidFill>
+              </a:rPr>
+              <a:t>IDE</a:t>
+            </a:r>
+          </a:p>
+        </p:txBody>
+      </p:sp>
+      <p:grpSp>
+        <p:nvGrpSpPr>
+          <p:cNvPr id="31" name="Group 30">
+            <a:extLst>
+              <a:ext uri="{FF2B5EF4-FFF2-40B4-BE49-F238E27FC236}">
+                <a16:creationId xmlns:a16="http://schemas.microsoft.com/office/drawing/2014/main" id="{23666D33-370A-A1BA-5BBD-F748ED9802D8}"/>
+              </a:ext>
+            </a:extLst>
+          </p:cNvPr>
+          <p:cNvGrpSpPr/>
+          <p:nvPr/>
+        </p:nvGrpSpPr>
+        <p:grpSpPr>
+          <a:xfrm>
+            <a:off x="9409936" y="4545341"/>
+            <a:ext cx="450473" cy="556094"/>
+            <a:chOff x="1232710" y="1279176"/>
+            <a:chExt cx="450473" cy="556094"/>
+          </a:xfrm>
+        </p:grpSpPr>
+        <p:pic>
+          <p:nvPicPr>
+            <p:cNvPr id="35" name="Picture 8">
+              <a:extLst>
+                <a:ext uri="{FF2B5EF4-FFF2-40B4-BE49-F238E27FC236}">
+                  <a16:creationId xmlns:a16="http://schemas.microsoft.com/office/drawing/2014/main" id="{B93A1534-B3EA-873F-817B-F44312F64E24}"/>
+                </a:ext>
+              </a:extLst>
+            </p:cNvPr>
+            <p:cNvPicPr>
+              <a:picLocks noChangeAspect="1" noChangeArrowheads="1"/>
+            </p:cNvPicPr>
+            <p:nvPr/>
+          </p:nvPicPr>
+          <p:blipFill>
+            <a:blip r:embed="rId5">
+              <a:extLst>
+                <a:ext uri="{28A0092B-C50C-407E-A947-70E740481C1C}">
+                  <a14:useLocalDpi xmlns:a14="http://schemas.microsoft.com/office/drawing/2010/main" val="0"/>
+                </a:ext>
+              </a:extLst>
+            </a:blip>
+            <a:srcRect/>
+            <a:stretch>
+              <a:fillRect/>
+            </a:stretch>
+          </p:blipFill>
+          <p:spPr bwMode="auto">
+            <a:xfrm>
+              <a:off x="1250281" y="1279176"/>
+              <a:ext cx="352067" cy="380346"/>
+            </a:xfrm>
+            <a:prstGeom prst="rect">
+              <a:avLst/>
+            </a:prstGeom>
+            <a:noFill/>
+            <a:extLst>
+              <a:ext uri="{909E8E84-426E-40DD-AFC4-6F175D3DCCD1}">
+                <a14:hiddenFill xmlns:a14="http://schemas.microsoft.com/office/drawing/2010/main">
+                  <a:solidFill>
+                    <a:srgbClr val="FFFFFF"/>
+                  </a:solidFill>
+                </a14:hiddenFill>
+              </a:ext>
+            </a:extLst>
+          </p:spPr>
+        </p:pic>
+        <p:sp>
+          <p:nvSpPr>
+            <p:cNvPr id="38" name="TextBox 37">
+              <a:extLst>
+                <a:ext uri="{FF2B5EF4-FFF2-40B4-BE49-F238E27FC236}">
+                  <a16:creationId xmlns:a16="http://schemas.microsoft.com/office/drawing/2014/main" id="{5C9AE3CC-F8E1-BAC4-B62E-CF94DFFB476F}"/>
+                </a:ext>
+              </a:extLst>
+            </p:cNvPr>
+            <p:cNvSpPr txBox="1"/>
+            <p:nvPr/>
+          </p:nvSpPr>
+          <p:spPr>
+            <a:xfrm>
+              <a:off x="1232710" y="1589049"/>
+              <a:ext cx="450473" cy="246221"/>
+            </a:xfrm>
+            <a:prstGeom prst="rect">
+              <a:avLst/>
+            </a:prstGeom>
+            <a:noFill/>
+          </p:spPr>
+          <p:txBody>
+            <a:bodyPr wrap="square" lIns="0" rIns="0" rtlCol="0">
+              <a:spAutoFit/>
+            </a:bodyPr>
+            <a:lstStyle>
+              <a:defPPr>
+                <a:defRPr lang="en-US"/>
+              </a:defPPr>
+              <a:lvl1pPr algn="ctr">
+                <a:defRPr sz="1000">
+                  <a:latin typeface="Calibri" panose="020F0502020204030204" pitchFamily="34" charset="0"/>
+                  <a:ea typeface="Calibri" panose="020F0502020204030204" pitchFamily="34" charset="0"/>
+                  <a:cs typeface="Calibri" panose="020F0502020204030204" pitchFamily="34" charset="0"/>
+                </a:defRPr>
+              </a:lvl1pPr>
+            </a:lstStyle>
+            <a:p>
+              <a:r>
+                <a:rPr lang="en-US" dirty="0"/>
+                <a:t>VS Code</a:t>
+              </a:r>
+            </a:p>
+          </p:txBody>
+        </p:sp>
+      </p:grpSp>
+      <p:grpSp>
+        <p:nvGrpSpPr>
+          <p:cNvPr id="1130" name="Group 1129">
+            <a:extLst>
+              <a:ext uri="{FF2B5EF4-FFF2-40B4-BE49-F238E27FC236}">
+                <a16:creationId xmlns:a16="http://schemas.microsoft.com/office/drawing/2014/main" id="{2232EB37-DB68-12D3-4F5D-896B55573E7E}"/>
+              </a:ext>
+            </a:extLst>
+          </p:cNvPr>
+          <p:cNvGrpSpPr/>
+          <p:nvPr/>
+        </p:nvGrpSpPr>
+        <p:grpSpPr>
+          <a:xfrm>
+            <a:off x="10704571" y="4530128"/>
+            <a:ext cx="423037" cy="619663"/>
+            <a:chOff x="1814313" y="1056123"/>
+            <a:chExt cx="423037" cy="619663"/>
+          </a:xfrm>
+        </p:grpSpPr>
+        <p:pic>
+          <p:nvPicPr>
+            <p:cNvPr id="1105" name="Picture 44">
+              <a:extLst>
+                <a:ext uri="{FF2B5EF4-FFF2-40B4-BE49-F238E27FC236}">
+                  <a16:creationId xmlns:a16="http://schemas.microsoft.com/office/drawing/2014/main" id="{7E01FDFB-1B44-584C-8278-72B010F5DF2D}"/>
+                </a:ext>
+              </a:extLst>
+            </p:cNvPr>
+            <p:cNvPicPr>
+              <a:picLocks noChangeAspect="1" noChangeArrowheads="1"/>
+            </p:cNvPicPr>
+            <p:nvPr/>
+          </p:nvPicPr>
+          <p:blipFill>
+            <a:blip r:embed="rId29">
+              <a:extLst>
+                <a:ext uri="{28A0092B-C50C-407E-A947-70E740481C1C}">
+                  <a14:useLocalDpi xmlns:a14="http://schemas.microsoft.com/office/drawing/2010/main" val="0"/>
+                </a:ext>
+              </a:extLst>
+            </a:blip>
+            <a:srcRect/>
+            <a:stretch>
+              <a:fillRect/>
+            </a:stretch>
+          </p:blipFill>
+          <p:spPr bwMode="auto">
+            <a:xfrm>
+              <a:off x="1849425" y="1056123"/>
+              <a:ext cx="352815" cy="380346"/>
+            </a:xfrm>
+            <a:prstGeom prst="rect">
+              <a:avLst/>
+            </a:prstGeom>
+            <a:noFill/>
+            <a:extLst>
+              <a:ext uri="{909E8E84-426E-40DD-AFC4-6F175D3DCCD1}">
+                <a14:hiddenFill xmlns:a14="http://schemas.microsoft.com/office/drawing/2010/main">
+                  <a:solidFill>
+                    <a:srgbClr val="FFFFFF"/>
+                  </a:solidFill>
+                </a14:hiddenFill>
+              </a:ext>
+            </a:extLst>
+          </p:spPr>
+        </p:pic>
+        <p:sp>
+          <p:nvSpPr>
+            <p:cNvPr id="1106" name="TextBox 1105">
+              <a:extLst>
+                <a:ext uri="{FF2B5EF4-FFF2-40B4-BE49-F238E27FC236}">
+                  <a16:creationId xmlns:a16="http://schemas.microsoft.com/office/drawing/2014/main" id="{89C816A3-F1E1-8EF0-9154-612E8649F752}"/>
+                </a:ext>
+              </a:extLst>
+            </p:cNvPr>
+            <p:cNvSpPr txBox="1"/>
+            <p:nvPr/>
+          </p:nvSpPr>
+          <p:spPr>
+            <a:xfrm>
+              <a:off x="1814313" y="1429565"/>
+              <a:ext cx="423037" cy="246221"/>
+            </a:xfrm>
+            <a:prstGeom prst="rect">
+              <a:avLst/>
+            </a:prstGeom>
+            <a:noFill/>
+          </p:spPr>
+          <p:txBody>
+            <a:bodyPr wrap="square" lIns="0" rIns="0" rtlCol="0">
+              <a:spAutoFit/>
+            </a:bodyPr>
+            <a:lstStyle>
+              <a:defPPr>
+                <a:defRPr lang="en-US"/>
+              </a:defPPr>
+              <a:lvl1pPr algn="ctr">
+                <a:defRPr sz="1000">
+                  <a:latin typeface="Calibri" panose="020F0502020204030204" pitchFamily="34" charset="0"/>
+                  <a:ea typeface="Calibri" panose="020F0502020204030204" pitchFamily="34" charset="0"/>
+                  <a:cs typeface="Calibri" panose="020F0502020204030204" pitchFamily="34" charset="0"/>
+                </a:defRPr>
+              </a:lvl1pPr>
+            </a:lstStyle>
+            <a:p>
+              <a:r>
+                <a:rPr lang="en-US" dirty="0"/>
+                <a:t>React</a:t>
+              </a:r>
+            </a:p>
+          </p:txBody>
+        </p:sp>
+      </p:grpSp>
+      <p:grpSp>
+        <p:nvGrpSpPr>
+          <p:cNvPr id="1131" name="Group 1130">
+            <a:extLst>
+              <a:ext uri="{FF2B5EF4-FFF2-40B4-BE49-F238E27FC236}">
+                <a16:creationId xmlns:a16="http://schemas.microsoft.com/office/drawing/2014/main" id="{43BDDA6D-1A3D-849C-D5AA-EB69B5C99A80}"/>
+              </a:ext>
+            </a:extLst>
+          </p:cNvPr>
+          <p:cNvGrpSpPr/>
+          <p:nvPr/>
+        </p:nvGrpSpPr>
+        <p:grpSpPr>
+          <a:xfrm>
+            <a:off x="10012592" y="4551128"/>
+            <a:ext cx="534281" cy="626567"/>
+            <a:chOff x="931436" y="1063027"/>
+            <a:chExt cx="534281" cy="626567"/>
+          </a:xfrm>
+        </p:grpSpPr>
+        <p:pic>
+          <p:nvPicPr>
+            <p:cNvPr id="1116" name="Picture 52" descr="Node.js Explained - A beginner guide">
+              <a:extLst>
+                <a:ext uri="{FF2B5EF4-FFF2-40B4-BE49-F238E27FC236}">
+                  <a16:creationId xmlns:a16="http://schemas.microsoft.com/office/drawing/2014/main" id="{CDEA8747-79C7-58AE-134F-561A51184134}"/>
+                </a:ext>
+              </a:extLst>
+            </p:cNvPr>
+            <p:cNvPicPr>
+              <a:picLocks noChangeAspect="1" noChangeArrowheads="1"/>
+            </p:cNvPicPr>
+            <p:nvPr/>
+          </p:nvPicPr>
+          <p:blipFill>
+            <a:blip r:embed="rId30">
+              <a:extLst>
+                <a:ext uri="{28A0092B-C50C-407E-A947-70E740481C1C}">
+                  <a14:useLocalDpi xmlns:a14="http://schemas.microsoft.com/office/drawing/2010/main" val="0"/>
+                </a:ext>
+              </a:extLst>
+            </a:blip>
+            <a:srcRect/>
+            <a:stretch>
+              <a:fillRect/>
+            </a:stretch>
+          </p:blipFill>
+          <p:spPr bwMode="auto">
+            <a:xfrm>
+              <a:off x="1022203" y="1063027"/>
+              <a:ext cx="352751" cy="380346"/>
+            </a:xfrm>
+            <a:prstGeom prst="rect">
+              <a:avLst/>
+            </a:prstGeom>
+            <a:noFill/>
+            <a:extLst>
+              <a:ext uri="{909E8E84-426E-40DD-AFC4-6F175D3DCCD1}">
+                <a14:hiddenFill xmlns:a14="http://schemas.microsoft.com/office/drawing/2010/main">
+                  <a:solidFill>
+                    <a:srgbClr val="FFFFFF"/>
+                  </a:solidFill>
+                </a14:hiddenFill>
+              </a:ext>
+            </a:extLst>
+          </p:spPr>
+        </p:pic>
+        <p:sp>
+          <p:nvSpPr>
+            <p:cNvPr id="1117" name="TextBox 1116">
+              <a:extLst>
+                <a:ext uri="{FF2B5EF4-FFF2-40B4-BE49-F238E27FC236}">
+                  <a16:creationId xmlns:a16="http://schemas.microsoft.com/office/drawing/2014/main" id="{D1A20D11-6C57-C11F-8E4C-EA957BBC89DF}"/>
+                </a:ext>
+              </a:extLst>
+            </p:cNvPr>
+            <p:cNvSpPr txBox="1"/>
+            <p:nvPr/>
+          </p:nvSpPr>
+          <p:spPr>
+            <a:xfrm>
+              <a:off x="931436" y="1443373"/>
+              <a:ext cx="534281" cy="246221"/>
+            </a:xfrm>
+            <a:prstGeom prst="rect">
+              <a:avLst/>
+            </a:prstGeom>
+            <a:noFill/>
+          </p:spPr>
+          <p:txBody>
+            <a:bodyPr wrap="square" lIns="0" rIns="0" rtlCol="0">
+              <a:spAutoFit/>
+            </a:bodyPr>
+            <a:lstStyle>
+              <a:defPPr>
+                <a:defRPr lang="en-US"/>
+              </a:defPPr>
+              <a:lvl1pPr algn="ctr">
+                <a:defRPr sz="1000">
+                  <a:latin typeface="Calibri" panose="020F0502020204030204" pitchFamily="34" charset="0"/>
+                  <a:ea typeface="Calibri" panose="020F0502020204030204" pitchFamily="34" charset="0"/>
+                  <a:cs typeface="Calibri" panose="020F0502020204030204" pitchFamily="34" charset="0"/>
+                </a:defRPr>
+              </a:lvl1pPr>
+            </a:lstStyle>
+            <a:p>
+              <a:r>
+                <a:rPr lang="en-US" dirty="0"/>
+                <a:t>Node/</a:t>
+              </a:r>
+              <a:r>
+                <a:rPr lang="en-US" dirty="0" err="1"/>
+                <a:t>js</a:t>
+              </a:r>
+              <a:endParaRPr lang="en-US" dirty="0"/>
+            </a:p>
+          </p:txBody>
+        </p:sp>
+      </p:grpSp>
+      <p:cxnSp>
+        <p:nvCxnSpPr>
+          <p:cNvPr id="1047" name="Straight Arrow Connector 1046">
+            <a:extLst>
+              <a:ext uri="{FF2B5EF4-FFF2-40B4-BE49-F238E27FC236}">
+                <a16:creationId xmlns:a16="http://schemas.microsoft.com/office/drawing/2014/main" id="{CA661680-C2BB-77F5-2961-4CE2FF1F2EF6}"/>
+              </a:ext>
+            </a:extLst>
+          </p:cNvPr>
+          <p:cNvCxnSpPr>
+            <a:cxnSpLocks/>
+            <a:stCxn id="35" idx="1"/>
+            <a:endCxn id="1055" idx="3"/>
+          </p:cNvCxnSpPr>
+          <p:nvPr/>
+        </p:nvCxnSpPr>
+        <p:spPr>
+          <a:xfrm flipH="1">
+            <a:off x="8651058" y="4735514"/>
+            <a:ext cx="776449" cy="3866"/>
+          </a:xfrm>
+          <a:prstGeom prst="straightConnector1">
+            <a:avLst/>
+          </a:prstGeom>
+          <a:ln>
+            <a:tailEnd type="triangle"/>
+          </a:ln>
+        </p:spPr>
+        <p:style>
+          <a:lnRef idx="2">
+            <a:schemeClr val="accent1"/>
+          </a:lnRef>
+          <a:fillRef idx="0">
+            <a:schemeClr val="accent1"/>
+          </a:fillRef>
+          <a:effectRef idx="1">
+            <a:schemeClr val="accent1"/>
+          </a:effectRef>
+          <a:fontRef idx="minor">
+            <a:schemeClr val="tx1"/>
+          </a:fontRef>
+        </p:style>
+      </p:cxnSp>
+      <p:grpSp>
+        <p:nvGrpSpPr>
+          <p:cNvPr id="1054" name="Group 1053">
+            <a:extLst>
+              <a:ext uri="{FF2B5EF4-FFF2-40B4-BE49-F238E27FC236}">
+                <a16:creationId xmlns:a16="http://schemas.microsoft.com/office/drawing/2014/main" id="{95AC6505-371F-6B1E-0E42-D0259BB2C11E}"/>
+              </a:ext>
+            </a:extLst>
+          </p:cNvPr>
+          <p:cNvGrpSpPr/>
+          <p:nvPr/>
+        </p:nvGrpSpPr>
+        <p:grpSpPr>
+          <a:xfrm>
+            <a:off x="8001368" y="4549207"/>
+            <a:ext cx="936620" cy="551037"/>
+            <a:chOff x="1260165" y="5222709"/>
+            <a:chExt cx="936620" cy="551037"/>
+          </a:xfrm>
+        </p:grpSpPr>
+        <p:pic>
+          <p:nvPicPr>
+            <p:cNvPr id="1055" name="Picture 32">
+              <a:extLst>
+                <a:ext uri="{FF2B5EF4-FFF2-40B4-BE49-F238E27FC236}">
+                  <a16:creationId xmlns:a16="http://schemas.microsoft.com/office/drawing/2014/main" id="{54ECC987-E55B-80A7-F094-1D37149F4C88}"/>
+                </a:ext>
+              </a:extLst>
+            </p:cNvPr>
+            <p:cNvPicPr>
+              <a:picLocks noChangeAspect="1" noChangeArrowheads="1"/>
+            </p:cNvPicPr>
+            <p:nvPr/>
+          </p:nvPicPr>
+          <p:blipFill>
+            <a:blip r:embed="rId22">
+              <a:extLst>
+                <a:ext uri="{28A0092B-C50C-407E-A947-70E740481C1C}">
+                  <a14:useLocalDpi xmlns:a14="http://schemas.microsoft.com/office/drawing/2010/main" val="0"/>
+                </a:ext>
+              </a:extLst>
+            </a:blip>
+            <a:srcRect/>
+            <a:stretch>
+              <a:fillRect/>
+            </a:stretch>
+          </p:blipFill>
+          <p:spPr bwMode="auto">
+            <a:xfrm>
+              <a:off x="1557104" y="5222709"/>
+              <a:ext cx="352751" cy="380346"/>
+            </a:xfrm>
+            <a:prstGeom prst="rect">
+              <a:avLst/>
+            </a:prstGeom>
+            <a:noFill/>
+            <a:extLst>
+              <a:ext uri="{909E8E84-426E-40DD-AFC4-6F175D3DCCD1}">
+                <a14:hiddenFill xmlns:a14="http://schemas.microsoft.com/office/drawing/2010/main">
+                  <a:solidFill>
+                    <a:srgbClr val="FFFFFF"/>
+                  </a:solidFill>
+                </a14:hiddenFill>
+              </a:ext>
+            </a:extLst>
+          </p:spPr>
+        </p:pic>
+        <p:sp>
+          <p:nvSpPr>
+            <p:cNvPr id="1056" name="TextBox 1055">
+              <a:extLst>
+                <a:ext uri="{FF2B5EF4-FFF2-40B4-BE49-F238E27FC236}">
+                  <a16:creationId xmlns:a16="http://schemas.microsoft.com/office/drawing/2014/main" id="{79F8A180-C23A-51FB-3B4F-180329C855D6}"/>
+                </a:ext>
+              </a:extLst>
+            </p:cNvPr>
+            <p:cNvSpPr txBox="1"/>
+            <p:nvPr/>
+          </p:nvSpPr>
+          <p:spPr>
+            <a:xfrm>
+              <a:off x="1260165" y="5527525"/>
+              <a:ext cx="936620" cy="246221"/>
+            </a:xfrm>
+            <a:prstGeom prst="rect">
+              <a:avLst/>
+            </a:prstGeom>
+            <a:noFill/>
+          </p:spPr>
+          <p:txBody>
+            <a:bodyPr wrap="square" lIns="0" rIns="0" rtlCol="0">
+              <a:spAutoFit/>
+            </a:bodyPr>
+            <a:lstStyle>
+              <a:defPPr>
+                <a:defRPr lang="en-US"/>
+              </a:defPPr>
+              <a:lvl1pPr algn="ctr">
+                <a:defRPr sz="1000">
+                  <a:latin typeface="Calibri" panose="020F0502020204030204" pitchFamily="34" charset="0"/>
+                  <a:ea typeface="Calibri" panose="020F0502020204030204" pitchFamily="34" charset="0"/>
+                  <a:cs typeface="Calibri" panose="020F0502020204030204" pitchFamily="34" charset="0"/>
+                </a:defRPr>
+              </a:lvl1pPr>
+            </a:lstStyle>
+            <a:p>
+              <a:r>
+                <a:rPr lang="en-US" dirty="0"/>
+                <a:t>Power Shell</a:t>
+              </a:r>
+            </a:p>
+          </p:txBody>
+        </p:sp>
+      </p:grpSp>
+      <p:cxnSp>
+        <p:nvCxnSpPr>
+          <p:cNvPr id="1079" name="Straight Arrow Connector 1078">
+            <a:extLst>
+              <a:ext uri="{FF2B5EF4-FFF2-40B4-BE49-F238E27FC236}">
+                <a16:creationId xmlns:a16="http://schemas.microsoft.com/office/drawing/2014/main" id="{1AC9FE26-C208-369E-5F6A-68BB3A6EC67C}"/>
+              </a:ext>
+            </a:extLst>
+          </p:cNvPr>
+          <p:cNvCxnSpPr>
+            <a:cxnSpLocks/>
+            <a:stCxn id="1055" idx="1"/>
+            <a:endCxn id="1064" idx="3"/>
+          </p:cNvCxnSpPr>
+          <p:nvPr/>
+        </p:nvCxnSpPr>
+        <p:spPr>
+          <a:xfrm flipH="1" flipV="1">
+            <a:off x="6540746" y="4718037"/>
+            <a:ext cx="1757561" cy="21343"/>
+          </a:xfrm>
+          <a:prstGeom prst="straightConnector1">
+            <a:avLst/>
+          </a:prstGeom>
+          <a:ln>
+            <a:tailEnd type="triangle"/>
+          </a:ln>
+        </p:spPr>
+        <p:style>
+          <a:lnRef idx="2">
+            <a:schemeClr val="accent1"/>
+          </a:lnRef>
+          <a:fillRef idx="0">
+            <a:schemeClr val="accent1"/>
+          </a:fillRef>
+          <a:effectRef idx="1">
+            <a:schemeClr val="accent1"/>
+          </a:effectRef>
+          <a:fontRef idx="minor">
+            <a:schemeClr val="tx1"/>
+          </a:fontRef>
+        </p:style>
+      </p:cxnSp>
+      <p:cxnSp>
+        <p:nvCxnSpPr>
+          <p:cNvPr id="1089" name="Straight Arrow Connector 1088">
+            <a:extLst>
+              <a:ext uri="{FF2B5EF4-FFF2-40B4-BE49-F238E27FC236}">
+                <a16:creationId xmlns:a16="http://schemas.microsoft.com/office/drawing/2014/main" id="{782C4562-76BC-8A75-66E7-59AAB0CC91C4}"/>
+              </a:ext>
+            </a:extLst>
+          </p:cNvPr>
+          <p:cNvCxnSpPr>
+            <a:cxnSpLocks/>
+            <a:stCxn id="1113" idx="0"/>
+            <a:endCxn id="29" idx="2"/>
+          </p:cNvCxnSpPr>
+          <p:nvPr/>
+        </p:nvCxnSpPr>
+        <p:spPr>
+          <a:xfrm flipV="1">
+            <a:off x="5529676" y="4041074"/>
+            <a:ext cx="11344" cy="504267"/>
+          </a:xfrm>
+          <a:prstGeom prst="straightConnector1">
+            <a:avLst/>
+          </a:prstGeom>
+          <a:ln>
+            <a:tailEnd type="triangle"/>
+          </a:ln>
+        </p:spPr>
+        <p:style>
+          <a:lnRef idx="2">
+            <a:schemeClr val="accent1"/>
+          </a:lnRef>
+          <a:fillRef idx="0">
+            <a:schemeClr val="accent1"/>
+          </a:fillRef>
+          <a:effectRef idx="1">
+            <a:schemeClr val="accent1"/>
+          </a:effectRef>
+          <a:fontRef idx="minor">
+            <a:schemeClr val="tx1"/>
+          </a:fontRef>
+        </p:style>
+      </p:cxnSp>
+      <p:cxnSp>
+        <p:nvCxnSpPr>
+          <p:cNvPr id="1093" name="Straight Arrow Connector 1092">
+            <a:extLst>
+              <a:ext uri="{FF2B5EF4-FFF2-40B4-BE49-F238E27FC236}">
+                <a16:creationId xmlns:a16="http://schemas.microsoft.com/office/drawing/2014/main" id="{2210E917-26D4-832C-BBA6-FF2BF286CD3F}"/>
+              </a:ext>
+            </a:extLst>
+          </p:cNvPr>
+          <p:cNvCxnSpPr>
+            <a:cxnSpLocks/>
+            <a:stCxn id="27" idx="3"/>
+            <a:endCxn id="1044" idx="1"/>
+          </p:cNvCxnSpPr>
+          <p:nvPr/>
+        </p:nvCxnSpPr>
+        <p:spPr>
+          <a:xfrm flipV="1">
+            <a:off x="5717396" y="2493652"/>
+            <a:ext cx="1146592" cy="1130442"/>
+          </a:xfrm>
+          <a:prstGeom prst="straightConnector1">
+            <a:avLst/>
+          </a:prstGeom>
+          <a:ln>
+            <a:headEnd type="triangle"/>
+            <a:tailEnd type="triangle"/>
+          </a:ln>
+        </p:spPr>
+        <p:style>
+          <a:lnRef idx="2">
+            <a:schemeClr val="accent1"/>
+          </a:lnRef>
+          <a:fillRef idx="0">
+            <a:schemeClr val="accent1"/>
+          </a:fillRef>
+          <a:effectRef idx="1">
+            <a:schemeClr val="accent1"/>
+          </a:effectRef>
+          <a:fontRef idx="minor">
+            <a:schemeClr val="tx1"/>
+          </a:fontRef>
+        </p:style>
+      </p:cxnSp>
+      <p:cxnSp>
+        <p:nvCxnSpPr>
+          <p:cNvPr id="1097" name="Straight Arrow Connector 1096">
+            <a:extLst>
+              <a:ext uri="{FF2B5EF4-FFF2-40B4-BE49-F238E27FC236}">
+                <a16:creationId xmlns:a16="http://schemas.microsoft.com/office/drawing/2014/main" id="{527CEFD1-3C38-5A47-0E2C-03C355B57D54}"/>
+              </a:ext>
+            </a:extLst>
+          </p:cNvPr>
+          <p:cNvCxnSpPr>
+            <a:cxnSpLocks/>
+            <a:stCxn id="1044" idx="3"/>
+            <a:endCxn id="1050" idx="1"/>
+          </p:cNvCxnSpPr>
+          <p:nvPr/>
+        </p:nvCxnSpPr>
+        <p:spPr>
+          <a:xfrm flipV="1">
+            <a:off x="7216739" y="2486563"/>
+            <a:ext cx="1016766" cy="7089"/>
+          </a:xfrm>
+          <a:prstGeom prst="straightConnector1">
+            <a:avLst/>
+          </a:prstGeom>
+          <a:ln>
+            <a:headEnd type="triangle"/>
+            <a:tailEnd type="triangle"/>
+          </a:ln>
+        </p:spPr>
+        <p:style>
+          <a:lnRef idx="2">
+            <a:schemeClr val="accent1"/>
+          </a:lnRef>
+          <a:fillRef idx="0">
+            <a:schemeClr val="accent1"/>
+          </a:fillRef>
+          <a:effectRef idx="1">
+            <a:schemeClr val="accent1"/>
+          </a:effectRef>
+          <a:fontRef idx="minor">
+            <a:schemeClr val="tx1"/>
+          </a:fontRef>
+        </p:style>
+      </p:cxnSp>
+      <p:cxnSp>
+        <p:nvCxnSpPr>
+          <p:cNvPr id="1101" name="Straight Arrow Connector 1100">
+            <a:extLst>
+              <a:ext uri="{FF2B5EF4-FFF2-40B4-BE49-F238E27FC236}">
+                <a16:creationId xmlns:a16="http://schemas.microsoft.com/office/drawing/2014/main" id="{78ABEE3F-F8FF-A6BD-EC27-039D1C41D7D7}"/>
+              </a:ext>
+            </a:extLst>
+          </p:cNvPr>
+          <p:cNvCxnSpPr>
+            <a:cxnSpLocks/>
+            <a:stCxn id="1044" idx="0"/>
+            <a:endCxn id="7" idx="2"/>
+          </p:cNvCxnSpPr>
+          <p:nvPr/>
+        </p:nvCxnSpPr>
+        <p:spPr>
+          <a:xfrm flipV="1">
+            <a:off x="7040364" y="1928871"/>
+            <a:ext cx="6103" cy="374608"/>
+          </a:xfrm>
+          <a:prstGeom prst="straightConnector1">
+            <a:avLst/>
+          </a:prstGeom>
+          <a:ln>
+            <a:tailEnd type="triangle"/>
+          </a:ln>
+        </p:spPr>
+        <p:style>
+          <a:lnRef idx="2">
+            <a:schemeClr val="accent1"/>
+          </a:lnRef>
+          <a:fillRef idx="0">
+            <a:schemeClr val="accent1"/>
+          </a:fillRef>
+          <a:effectRef idx="1">
+            <a:schemeClr val="accent1"/>
+          </a:effectRef>
+          <a:fontRef idx="minor">
+            <a:schemeClr val="tx1"/>
+          </a:fontRef>
+        </p:style>
+      </p:cxnSp>
+      <p:cxnSp>
+        <p:nvCxnSpPr>
+          <p:cNvPr id="1112" name="Straight Arrow Connector 1111">
+            <a:extLst>
+              <a:ext uri="{FF2B5EF4-FFF2-40B4-BE49-F238E27FC236}">
+                <a16:creationId xmlns:a16="http://schemas.microsoft.com/office/drawing/2014/main" id="{E9AE5543-AE01-FE51-8ABF-4A75B03EA4E0}"/>
+              </a:ext>
+            </a:extLst>
+          </p:cNvPr>
+          <p:cNvCxnSpPr>
+            <a:cxnSpLocks/>
+            <a:stCxn id="17" idx="3"/>
+            <a:endCxn id="1048" idx="1"/>
+          </p:cNvCxnSpPr>
+          <p:nvPr/>
+        </p:nvCxnSpPr>
+        <p:spPr>
+          <a:xfrm flipV="1">
+            <a:off x="7212433" y="1485573"/>
+            <a:ext cx="973122" cy="13807"/>
+          </a:xfrm>
+          <a:prstGeom prst="straightConnector1">
+            <a:avLst/>
+          </a:prstGeom>
+          <a:ln>
+            <a:tailEnd type="triangle"/>
+          </a:ln>
+        </p:spPr>
+        <p:style>
+          <a:lnRef idx="2">
+            <a:schemeClr val="accent1"/>
+          </a:lnRef>
+          <a:fillRef idx="0">
+            <a:schemeClr val="accent1"/>
+          </a:fillRef>
+          <a:effectRef idx="1">
+            <a:schemeClr val="accent1"/>
+          </a:effectRef>
+          <a:fontRef idx="minor">
+            <a:schemeClr val="tx1"/>
+          </a:fontRef>
+        </p:style>
+      </p:cxnSp>
+      <p:cxnSp>
+        <p:nvCxnSpPr>
+          <p:cNvPr id="1119" name="Straight Arrow Connector 1118">
+            <a:extLst>
+              <a:ext uri="{FF2B5EF4-FFF2-40B4-BE49-F238E27FC236}">
+                <a16:creationId xmlns:a16="http://schemas.microsoft.com/office/drawing/2014/main" id="{832AFDB3-6686-66CB-63FF-9F9905231B7A}"/>
+              </a:ext>
+            </a:extLst>
+          </p:cNvPr>
+          <p:cNvCxnSpPr>
+            <a:cxnSpLocks/>
+            <a:stCxn id="1094" idx="2"/>
+            <a:endCxn id="1050" idx="0"/>
+          </p:cNvCxnSpPr>
+          <p:nvPr/>
+        </p:nvCxnSpPr>
+        <p:spPr>
+          <a:xfrm>
+            <a:off x="8361930" y="1928871"/>
+            <a:ext cx="0" cy="365083"/>
+          </a:xfrm>
+          <a:prstGeom prst="straightConnector1">
+            <a:avLst/>
+          </a:prstGeom>
+          <a:ln>
+            <a:tailEnd type="triangle"/>
+          </a:ln>
+        </p:spPr>
+        <p:style>
+          <a:lnRef idx="2">
+            <a:schemeClr val="accent1"/>
+          </a:lnRef>
+          <a:fillRef idx="0">
+            <a:schemeClr val="accent1"/>
+          </a:fillRef>
+          <a:effectRef idx="1">
+            <a:schemeClr val="accent1"/>
+          </a:effectRef>
+          <a:fontRef idx="minor">
+            <a:schemeClr val="tx1"/>
+          </a:fontRef>
+        </p:style>
+      </p:cxnSp>
+      <p:cxnSp>
+        <p:nvCxnSpPr>
+          <p:cNvPr id="1124" name="Straight Arrow Connector 1123">
+            <a:extLst>
+              <a:ext uri="{FF2B5EF4-FFF2-40B4-BE49-F238E27FC236}">
+                <a16:creationId xmlns:a16="http://schemas.microsoft.com/office/drawing/2014/main" id="{71B70F87-B46D-8A78-6F55-9C36B9643637}"/>
+              </a:ext>
+            </a:extLst>
+          </p:cNvPr>
+          <p:cNvCxnSpPr>
+            <a:cxnSpLocks/>
+            <a:stCxn id="14" idx="2"/>
+            <a:endCxn id="27" idx="0"/>
+          </p:cNvCxnSpPr>
+          <p:nvPr/>
+        </p:nvCxnSpPr>
+        <p:spPr>
+          <a:xfrm flipH="1">
+            <a:off x="5541021" y="3195037"/>
+            <a:ext cx="2328" cy="238884"/>
+          </a:xfrm>
+          <a:prstGeom prst="straightConnector1">
+            <a:avLst/>
+          </a:prstGeom>
+          <a:ln>
+            <a:headEnd type="triangle"/>
+            <a:tailEnd type="triangle"/>
+          </a:ln>
+        </p:spPr>
+        <p:style>
+          <a:lnRef idx="2">
+            <a:schemeClr val="accent1"/>
+          </a:lnRef>
+          <a:fillRef idx="0">
+            <a:schemeClr val="accent1"/>
+          </a:fillRef>
+          <a:effectRef idx="1">
+            <a:schemeClr val="accent1"/>
+          </a:effectRef>
+          <a:fontRef idx="minor">
+            <a:schemeClr val="tx1"/>
+          </a:fontRef>
+        </p:style>
+      </p:cxnSp>
+      <p:cxnSp>
+        <p:nvCxnSpPr>
+          <p:cNvPr id="1136" name="Straight Arrow Connector 1135">
+            <a:extLst>
+              <a:ext uri="{FF2B5EF4-FFF2-40B4-BE49-F238E27FC236}">
+                <a16:creationId xmlns:a16="http://schemas.microsoft.com/office/drawing/2014/main" id="{B0A700AB-C9C3-BCE0-12C8-73963BB5E3E0}"/>
+              </a:ext>
+            </a:extLst>
+          </p:cNvPr>
+          <p:cNvCxnSpPr>
+            <a:cxnSpLocks/>
+            <a:stCxn id="13" idx="0"/>
+            <a:endCxn id="10" idx="2"/>
+          </p:cNvCxnSpPr>
+          <p:nvPr/>
+        </p:nvCxnSpPr>
+        <p:spPr>
+          <a:xfrm flipH="1" flipV="1">
+            <a:off x="5527434" y="2259273"/>
+            <a:ext cx="11598" cy="309198"/>
+          </a:xfrm>
+          <a:prstGeom prst="straightConnector1">
+            <a:avLst/>
+          </a:prstGeom>
+          <a:ln>
+            <a:headEnd type="triangle"/>
+            <a:tailEnd type="triangle"/>
+          </a:ln>
+        </p:spPr>
+        <p:style>
+          <a:lnRef idx="2">
+            <a:schemeClr val="accent1"/>
+          </a:lnRef>
+          <a:fillRef idx="0">
+            <a:schemeClr val="accent1"/>
+          </a:fillRef>
+          <a:effectRef idx="1">
+            <a:schemeClr val="accent1"/>
+          </a:effectRef>
+          <a:fontRef idx="minor">
+            <a:schemeClr val="tx1"/>
+          </a:fontRef>
+        </p:style>
+      </p:cxnSp>
+      <p:sp>
+        <p:nvSpPr>
+          <p:cNvPr id="1170" name="Rectangle 1169">
+            <a:extLst>
+              <a:ext uri="{FF2B5EF4-FFF2-40B4-BE49-F238E27FC236}">
+                <a16:creationId xmlns:a16="http://schemas.microsoft.com/office/drawing/2014/main" id="{327B36AB-C9C7-A0BA-23E2-BE9231D9F283}"/>
+              </a:ext>
+            </a:extLst>
+          </p:cNvPr>
+          <p:cNvSpPr/>
+          <p:nvPr/>
+        </p:nvSpPr>
+        <p:spPr>
+          <a:xfrm>
+            <a:off x="575135" y="1295400"/>
+            <a:ext cx="1543699" cy="2514600"/>
+          </a:xfrm>
+          <a:prstGeom prst="rect">
+            <a:avLst/>
+          </a:prstGeom>
+          <a:noFill/>
+        </p:spPr>
+        <p:style>
+          <a:lnRef idx="2">
+            <a:schemeClr val="accent1">
+              <a:shade val="15000"/>
+            </a:schemeClr>
+          </a:lnRef>
+          <a:fillRef idx="1">
+            <a:schemeClr val="accent1"/>
+          </a:fillRef>
+          <a:effectRef idx="0">
+            <a:schemeClr val="accent1"/>
+          </a:effectRef>
+          <a:fontRef idx="minor">
+            <a:schemeClr val="lt1"/>
+          </a:fontRef>
+        </p:style>
+        <p:txBody>
+          <a:bodyPr rtlCol="0" anchor="t"/>
+          <a:lstStyle/>
+          <a:p>
+            <a:pPr algn="ctr"/>
+            <a:r>
+              <a:rPr lang="en-US" sz="1400" b="1" dirty="0">
+                <a:solidFill>
+                  <a:schemeClr val="tx1"/>
+                </a:solidFill>
+              </a:rPr>
+              <a:t>IDE</a:t>
+            </a:r>
+          </a:p>
+        </p:txBody>
+      </p:sp>
+      <p:grpSp>
+        <p:nvGrpSpPr>
+          <p:cNvPr id="1171" name="Group 1170">
+            <a:extLst>
+              <a:ext uri="{FF2B5EF4-FFF2-40B4-BE49-F238E27FC236}">
+                <a16:creationId xmlns:a16="http://schemas.microsoft.com/office/drawing/2014/main" id="{294C08E0-97AA-7D8A-2FE4-6C6E24EC921B}"/>
+              </a:ext>
+            </a:extLst>
+          </p:cNvPr>
+          <p:cNvGrpSpPr/>
+          <p:nvPr/>
+        </p:nvGrpSpPr>
+        <p:grpSpPr>
+          <a:xfrm>
+            <a:off x="1079691" y="1622468"/>
+            <a:ext cx="450473" cy="556094"/>
+            <a:chOff x="1232710" y="1279176"/>
+            <a:chExt cx="450473" cy="556094"/>
+          </a:xfrm>
+        </p:grpSpPr>
+        <p:pic>
+          <p:nvPicPr>
+            <p:cNvPr id="1172" name="Picture 8">
+              <a:extLst>
+                <a:ext uri="{FF2B5EF4-FFF2-40B4-BE49-F238E27FC236}">
+                  <a16:creationId xmlns:a16="http://schemas.microsoft.com/office/drawing/2014/main" id="{FFFF2180-F1D7-ECF3-D0A7-5ADA98B4DC20}"/>
+                </a:ext>
+              </a:extLst>
+            </p:cNvPr>
+            <p:cNvPicPr>
+              <a:picLocks noChangeAspect="1" noChangeArrowheads="1"/>
+            </p:cNvPicPr>
+            <p:nvPr/>
+          </p:nvPicPr>
+          <p:blipFill>
+            <a:blip r:embed="rId5">
+              <a:extLst>
+                <a:ext uri="{28A0092B-C50C-407E-A947-70E740481C1C}">
+                  <a14:useLocalDpi xmlns:a14="http://schemas.microsoft.com/office/drawing/2010/main" val="0"/>
+                </a:ext>
+              </a:extLst>
+            </a:blip>
+            <a:srcRect/>
+            <a:stretch>
+              <a:fillRect/>
+            </a:stretch>
+          </p:blipFill>
+          <p:spPr bwMode="auto">
+            <a:xfrm>
+              <a:off x="1250281" y="1279176"/>
+              <a:ext cx="352067" cy="380346"/>
+            </a:xfrm>
+            <a:prstGeom prst="rect">
+              <a:avLst/>
+            </a:prstGeom>
+            <a:noFill/>
+            <a:extLst>
+              <a:ext uri="{909E8E84-426E-40DD-AFC4-6F175D3DCCD1}">
+                <a14:hiddenFill xmlns:a14="http://schemas.microsoft.com/office/drawing/2010/main">
+                  <a:solidFill>
+                    <a:srgbClr val="FFFFFF"/>
+                  </a:solidFill>
+                </a14:hiddenFill>
+              </a:ext>
+            </a:extLst>
+          </p:spPr>
+        </p:pic>
+        <p:sp>
+          <p:nvSpPr>
+            <p:cNvPr id="1173" name="TextBox 1172">
+              <a:extLst>
+                <a:ext uri="{FF2B5EF4-FFF2-40B4-BE49-F238E27FC236}">
+                  <a16:creationId xmlns:a16="http://schemas.microsoft.com/office/drawing/2014/main" id="{DCF43ADD-7A05-C5AC-7F1D-42C7F592C9BD}"/>
+                </a:ext>
+              </a:extLst>
+            </p:cNvPr>
+            <p:cNvSpPr txBox="1"/>
+            <p:nvPr/>
+          </p:nvSpPr>
+          <p:spPr>
+            <a:xfrm>
+              <a:off x="1232710" y="1589049"/>
+              <a:ext cx="450473" cy="246221"/>
+            </a:xfrm>
+            <a:prstGeom prst="rect">
+              <a:avLst/>
+            </a:prstGeom>
+            <a:noFill/>
+          </p:spPr>
+          <p:txBody>
+            <a:bodyPr wrap="square" lIns="0" rIns="0" rtlCol="0">
+              <a:spAutoFit/>
+            </a:bodyPr>
+            <a:lstStyle>
+              <a:defPPr>
+                <a:defRPr lang="en-US"/>
+              </a:defPPr>
+              <a:lvl1pPr algn="ctr">
+                <a:defRPr sz="1000">
+                  <a:latin typeface="Calibri" panose="020F0502020204030204" pitchFamily="34" charset="0"/>
+                  <a:ea typeface="Calibri" panose="020F0502020204030204" pitchFamily="34" charset="0"/>
+                  <a:cs typeface="Calibri" panose="020F0502020204030204" pitchFamily="34" charset="0"/>
+                </a:defRPr>
+              </a:lvl1pPr>
+            </a:lstStyle>
+            <a:p>
+              <a:r>
+                <a:rPr lang="en-US" dirty="0"/>
+                <a:t>VS Code</a:t>
+              </a:r>
+            </a:p>
+          </p:txBody>
+        </p:sp>
+      </p:grpSp>
+      <p:grpSp>
+        <p:nvGrpSpPr>
+          <p:cNvPr id="1177" name="Group 1176">
+            <a:extLst>
+              <a:ext uri="{FF2B5EF4-FFF2-40B4-BE49-F238E27FC236}">
+                <a16:creationId xmlns:a16="http://schemas.microsoft.com/office/drawing/2014/main" id="{169D5737-9EED-34DC-5403-E022A2445D04}"/>
+              </a:ext>
+            </a:extLst>
+          </p:cNvPr>
+          <p:cNvGrpSpPr/>
+          <p:nvPr/>
+        </p:nvGrpSpPr>
+        <p:grpSpPr>
+          <a:xfrm>
+            <a:off x="770955" y="2285346"/>
+            <a:ext cx="488225" cy="556095"/>
+            <a:chOff x="541862" y="1279176"/>
+            <a:chExt cx="488225" cy="556095"/>
+          </a:xfrm>
+        </p:grpSpPr>
+        <p:pic>
+          <p:nvPicPr>
+            <p:cNvPr id="1178" name="Picture 2" descr="Python Programming Language icon SVG Vector &amp; PNG Free Download | UXWing">
+              <a:extLst>
+                <a:ext uri="{FF2B5EF4-FFF2-40B4-BE49-F238E27FC236}">
+                  <a16:creationId xmlns:a16="http://schemas.microsoft.com/office/drawing/2014/main" id="{CBCD1702-5AD5-9103-ABA7-9A71D38E0209}"/>
+                </a:ext>
+              </a:extLst>
+            </p:cNvPr>
+            <p:cNvPicPr>
+              <a:picLocks noChangeAspect="1" noChangeArrowheads="1"/>
+            </p:cNvPicPr>
+            <p:nvPr/>
+          </p:nvPicPr>
+          <p:blipFill>
+            <a:blip r:embed="rId8">
+              <a:extLst>
+                <a:ext uri="{28A0092B-C50C-407E-A947-70E740481C1C}">
+                  <a14:useLocalDpi xmlns:a14="http://schemas.microsoft.com/office/drawing/2010/main" val="0"/>
+                </a:ext>
+              </a:extLst>
+            </a:blip>
+            <a:srcRect/>
+            <a:stretch>
+              <a:fillRect/>
+            </a:stretch>
+          </p:blipFill>
+          <p:spPr bwMode="auto">
+            <a:xfrm>
+              <a:off x="609600" y="1279176"/>
+              <a:ext cx="352751" cy="380346"/>
+            </a:xfrm>
+            <a:prstGeom prst="rect">
+              <a:avLst/>
+            </a:prstGeom>
+            <a:noFill/>
+            <a:extLst>
+              <a:ext uri="{909E8E84-426E-40DD-AFC4-6F175D3DCCD1}">
+                <a14:hiddenFill xmlns:a14="http://schemas.microsoft.com/office/drawing/2010/main">
+                  <a:solidFill>
+                    <a:srgbClr val="FFFFFF"/>
+                  </a:solidFill>
+                </a14:hiddenFill>
+              </a:ext>
+            </a:extLst>
+          </p:spPr>
+        </p:pic>
+        <p:sp>
+          <p:nvSpPr>
+            <p:cNvPr id="1179" name="TextBox 1178">
+              <a:extLst>
+                <a:ext uri="{FF2B5EF4-FFF2-40B4-BE49-F238E27FC236}">
+                  <a16:creationId xmlns:a16="http://schemas.microsoft.com/office/drawing/2014/main" id="{AE06ADC7-7853-310E-7D92-D377DA632209}"/>
+                </a:ext>
+              </a:extLst>
+            </p:cNvPr>
+            <p:cNvSpPr txBox="1"/>
+            <p:nvPr/>
+          </p:nvSpPr>
+          <p:spPr>
+            <a:xfrm>
+              <a:off x="541862" y="1589050"/>
+              <a:ext cx="488225" cy="246221"/>
+            </a:xfrm>
+            <a:prstGeom prst="rect">
+              <a:avLst/>
+            </a:prstGeom>
+            <a:noFill/>
+          </p:spPr>
+          <p:txBody>
+            <a:bodyPr wrap="square" lIns="0" rIns="0" rtlCol="0">
+              <a:spAutoFit/>
+            </a:bodyPr>
+            <a:lstStyle/>
+            <a:p>
+              <a:pPr algn="ctr"/>
+              <a:r>
+                <a:rPr lang="en-US" sz="1000" dirty="0">
+                  <a:latin typeface="Calibri" panose="020F0502020204030204" pitchFamily="34" charset="0"/>
+                  <a:ea typeface="Calibri" panose="020F0502020204030204" pitchFamily="34" charset="0"/>
+                  <a:cs typeface="Calibri" panose="020F0502020204030204" pitchFamily="34" charset="0"/>
+                </a:rPr>
+                <a:t>Python</a:t>
+              </a:r>
+            </a:p>
+          </p:txBody>
+        </p:sp>
+      </p:grpSp>
+      <p:grpSp>
+        <p:nvGrpSpPr>
+          <p:cNvPr id="1180" name="Group 1179">
+            <a:extLst>
+              <a:ext uri="{FF2B5EF4-FFF2-40B4-BE49-F238E27FC236}">
+                <a16:creationId xmlns:a16="http://schemas.microsoft.com/office/drawing/2014/main" id="{C28252AC-4590-3ADA-5C94-0B69E8533E57}"/>
+              </a:ext>
+            </a:extLst>
+          </p:cNvPr>
+          <p:cNvGrpSpPr/>
+          <p:nvPr/>
+        </p:nvGrpSpPr>
+        <p:grpSpPr>
+          <a:xfrm>
+            <a:off x="765999" y="2989373"/>
+            <a:ext cx="617462" cy="765380"/>
+            <a:chOff x="8879193" y="1326923"/>
+            <a:chExt cx="617462" cy="765380"/>
+          </a:xfrm>
+        </p:grpSpPr>
+        <p:pic>
+          <p:nvPicPr>
+            <p:cNvPr id="1181" name="Picture 18" descr="GitHub Actions SVG and transparent PNG icons | TechIcons">
+              <a:extLst>
+                <a:ext uri="{FF2B5EF4-FFF2-40B4-BE49-F238E27FC236}">
+                  <a16:creationId xmlns:a16="http://schemas.microsoft.com/office/drawing/2014/main" id="{7071C0CA-8EAB-F329-5932-9411E41263FD}"/>
+                </a:ext>
+              </a:extLst>
+            </p:cNvPr>
+            <p:cNvPicPr>
+              <a:picLocks noChangeAspect="1" noChangeArrowheads="1"/>
+            </p:cNvPicPr>
+            <p:nvPr/>
+          </p:nvPicPr>
+          <p:blipFill>
+            <a:blip r:embed="rId9">
+              <a:extLst>
+                <a:ext uri="{28A0092B-C50C-407E-A947-70E740481C1C}">
+                  <a14:useLocalDpi xmlns:a14="http://schemas.microsoft.com/office/drawing/2010/main" val="0"/>
+                </a:ext>
+              </a:extLst>
+            </a:blip>
+            <a:srcRect/>
+            <a:stretch>
+              <a:fillRect/>
+            </a:stretch>
+          </p:blipFill>
+          <p:spPr bwMode="auto">
+            <a:xfrm>
+              <a:off x="8973776" y="1326923"/>
+              <a:ext cx="352751" cy="380346"/>
+            </a:xfrm>
+            <a:prstGeom prst="rect">
+              <a:avLst/>
+            </a:prstGeom>
+            <a:noFill/>
+            <a:extLst>
+              <a:ext uri="{909E8E84-426E-40DD-AFC4-6F175D3DCCD1}">
+                <a14:hiddenFill xmlns:a14="http://schemas.microsoft.com/office/drawing/2010/main">
+                  <a:solidFill>
+                    <a:srgbClr val="FFFFFF"/>
+                  </a:solidFill>
+                </a14:hiddenFill>
+              </a:ext>
+            </a:extLst>
+          </p:spPr>
+        </p:pic>
+        <p:sp>
+          <p:nvSpPr>
+            <p:cNvPr id="1182" name="TextBox 1181">
+              <a:extLst>
+                <a:ext uri="{FF2B5EF4-FFF2-40B4-BE49-F238E27FC236}">
+                  <a16:creationId xmlns:a16="http://schemas.microsoft.com/office/drawing/2014/main" id="{CCD5658B-8D22-4E33-8924-C651E646D915}"/>
+                </a:ext>
+              </a:extLst>
+            </p:cNvPr>
+            <p:cNvSpPr txBox="1"/>
+            <p:nvPr/>
+          </p:nvSpPr>
+          <p:spPr>
+            <a:xfrm>
+              <a:off x="8879193" y="1692193"/>
+              <a:ext cx="617462" cy="400110"/>
+            </a:xfrm>
+            <a:prstGeom prst="rect">
+              <a:avLst/>
+            </a:prstGeom>
+            <a:noFill/>
+          </p:spPr>
+          <p:txBody>
+            <a:bodyPr wrap="square" lIns="0" rIns="0" rtlCol="0">
+              <a:spAutoFit/>
+            </a:bodyPr>
+            <a:lstStyle>
+              <a:defPPr>
+                <a:defRPr lang="en-US"/>
+              </a:defPPr>
+              <a:lvl1pPr algn="ctr">
+                <a:defRPr sz="1000">
+                  <a:latin typeface="Calibri" panose="020F0502020204030204" pitchFamily="34" charset="0"/>
+                  <a:ea typeface="Calibri" panose="020F0502020204030204" pitchFamily="34" charset="0"/>
+                  <a:cs typeface="Calibri" panose="020F0502020204030204" pitchFamily="34" charset="0"/>
+                </a:defRPr>
+              </a:lvl1pPr>
+            </a:lstStyle>
+            <a:p>
+              <a:r>
+                <a:rPr lang="en-US" dirty="0"/>
+                <a:t>GitHub Workflow</a:t>
+              </a:r>
+            </a:p>
+          </p:txBody>
+        </p:sp>
+      </p:grpSp>
+      <p:grpSp>
+        <p:nvGrpSpPr>
+          <p:cNvPr id="1183" name="Group 1182">
+            <a:extLst>
+              <a:ext uri="{FF2B5EF4-FFF2-40B4-BE49-F238E27FC236}">
+                <a16:creationId xmlns:a16="http://schemas.microsoft.com/office/drawing/2014/main" id="{9E20E5FB-5B05-F25B-6875-AC9A8FE84BF5}"/>
+              </a:ext>
+            </a:extLst>
+          </p:cNvPr>
+          <p:cNvGrpSpPr/>
+          <p:nvPr/>
+        </p:nvGrpSpPr>
+        <p:grpSpPr>
+          <a:xfrm>
+            <a:off x="1304928" y="3063083"/>
+            <a:ext cx="756780" cy="556093"/>
+            <a:chOff x="1770406" y="1279176"/>
+            <a:chExt cx="756780" cy="556093"/>
+          </a:xfrm>
+        </p:grpSpPr>
+        <p:pic>
+          <p:nvPicPr>
+            <p:cNvPr id="1184" name="Picture 14" descr="terraform&quot; Icon - Download for free – Iconduck">
+              <a:extLst>
+                <a:ext uri="{FF2B5EF4-FFF2-40B4-BE49-F238E27FC236}">
+                  <a16:creationId xmlns:a16="http://schemas.microsoft.com/office/drawing/2014/main" id="{6C527DE1-22B6-F5ED-1597-DCDAC00FB6F4}"/>
+                </a:ext>
+              </a:extLst>
+            </p:cNvPr>
+            <p:cNvPicPr>
+              <a:picLocks noChangeAspect="1" noChangeArrowheads="1"/>
+            </p:cNvPicPr>
+            <p:nvPr/>
+          </p:nvPicPr>
+          <p:blipFill>
+            <a:blip r:embed="rId12">
+              <a:extLst>
+                <a:ext uri="{28A0092B-C50C-407E-A947-70E740481C1C}">
+                  <a14:useLocalDpi xmlns:a14="http://schemas.microsoft.com/office/drawing/2010/main" val="0"/>
+                </a:ext>
+              </a:extLst>
+            </a:blip>
+            <a:srcRect/>
+            <a:stretch>
+              <a:fillRect/>
+            </a:stretch>
+          </p:blipFill>
+          <p:spPr bwMode="auto">
+            <a:xfrm>
+              <a:off x="1972421" y="1279176"/>
+              <a:ext cx="352751" cy="376244"/>
+            </a:xfrm>
+            <a:prstGeom prst="rect">
+              <a:avLst/>
+            </a:prstGeom>
+            <a:noFill/>
+            <a:extLst>
+              <a:ext uri="{909E8E84-426E-40DD-AFC4-6F175D3DCCD1}">
+                <a14:hiddenFill xmlns:a14="http://schemas.microsoft.com/office/drawing/2010/main">
+                  <a:solidFill>
+                    <a:srgbClr val="FFFFFF"/>
+                  </a:solidFill>
+                </a14:hiddenFill>
+              </a:ext>
+            </a:extLst>
+          </p:spPr>
+        </p:pic>
+        <p:sp>
+          <p:nvSpPr>
+            <p:cNvPr id="1185" name="TextBox 1184">
+              <a:extLst>
+                <a:ext uri="{FF2B5EF4-FFF2-40B4-BE49-F238E27FC236}">
+                  <a16:creationId xmlns:a16="http://schemas.microsoft.com/office/drawing/2014/main" id="{709FC178-279A-A3AF-5A68-F5BA16606438}"/>
+                </a:ext>
+              </a:extLst>
+            </p:cNvPr>
+            <p:cNvSpPr txBox="1"/>
+            <p:nvPr/>
+          </p:nvSpPr>
+          <p:spPr>
+            <a:xfrm>
+              <a:off x="1770406" y="1589048"/>
+              <a:ext cx="756780" cy="246221"/>
+            </a:xfrm>
+            <a:prstGeom prst="rect">
+              <a:avLst/>
+            </a:prstGeom>
+            <a:noFill/>
+          </p:spPr>
+          <p:txBody>
+            <a:bodyPr wrap="square" lIns="0" rIns="0" rtlCol="0">
+              <a:spAutoFit/>
+            </a:bodyPr>
+            <a:lstStyle>
+              <a:defPPr>
+                <a:defRPr lang="en-US"/>
+              </a:defPPr>
+              <a:lvl1pPr algn="ctr">
+                <a:defRPr sz="1000">
+                  <a:latin typeface="Calibri" panose="020F0502020204030204" pitchFamily="34" charset="0"/>
+                  <a:ea typeface="Calibri" panose="020F0502020204030204" pitchFamily="34" charset="0"/>
+                  <a:cs typeface="Calibri" panose="020F0502020204030204" pitchFamily="34" charset="0"/>
+                </a:defRPr>
+              </a:lvl1pPr>
+            </a:lstStyle>
+            <a:p>
+              <a:r>
+                <a:rPr lang="en-US" dirty="0"/>
+                <a:t>Terraform</a:t>
+              </a:r>
+            </a:p>
+          </p:txBody>
+        </p:sp>
+      </p:grpSp>
+      <p:cxnSp>
+        <p:nvCxnSpPr>
+          <p:cNvPr id="1186" name="Straight Connector 1185">
+            <a:extLst>
+              <a:ext uri="{FF2B5EF4-FFF2-40B4-BE49-F238E27FC236}">
+                <a16:creationId xmlns:a16="http://schemas.microsoft.com/office/drawing/2014/main" id="{DB00A967-2738-A465-F6FB-648DA7E12B4C}"/>
+              </a:ext>
+            </a:extLst>
+          </p:cNvPr>
+          <p:cNvCxnSpPr>
+            <a:cxnSpLocks/>
+          </p:cNvCxnSpPr>
+          <p:nvPr/>
+        </p:nvCxnSpPr>
+        <p:spPr>
+          <a:xfrm>
+            <a:off x="609600" y="2209800"/>
+            <a:ext cx="1454453" cy="0"/>
+          </a:xfrm>
+          <a:prstGeom prst="line">
+            <a:avLst/>
+          </a:prstGeom>
+          <a:ln w="12700">
+            <a:prstDash val="dash"/>
+          </a:ln>
+        </p:spPr>
+        <p:style>
+          <a:lnRef idx="2">
+            <a:schemeClr val="accent1"/>
+          </a:lnRef>
+          <a:fillRef idx="0">
+            <a:schemeClr val="accent1"/>
+          </a:fillRef>
+          <a:effectRef idx="1">
+            <a:schemeClr val="accent1"/>
+          </a:effectRef>
+          <a:fontRef idx="minor">
+            <a:schemeClr val="tx1"/>
+          </a:fontRef>
+        </p:style>
+      </p:cxnSp>
+      <p:cxnSp>
+        <p:nvCxnSpPr>
+          <p:cNvPr id="1187" name="Straight Connector 1186">
+            <a:extLst>
+              <a:ext uri="{FF2B5EF4-FFF2-40B4-BE49-F238E27FC236}">
+                <a16:creationId xmlns:a16="http://schemas.microsoft.com/office/drawing/2014/main" id="{D4725208-E5F0-8092-E279-2EB352D431DF}"/>
+              </a:ext>
+            </a:extLst>
+          </p:cNvPr>
+          <p:cNvCxnSpPr>
+            <a:cxnSpLocks/>
+          </p:cNvCxnSpPr>
+          <p:nvPr/>
+        </p:nvCxnSpPr>
+        <p:spPr>
+          <a:xfrm>
+            <a:off x="609600" y="2872258"/>
+            <a:ext cx="1454453" cy="0"/>
+          </a:xfrm>
+          <a:prstGeom prst="line">
+            <a:avLst/>
+          </a:prstGeom>
+          <a:ln w="12700">
+            <a:prstDash val="dash"/>
+          </a:ln>
+        </p:spPr>
+        <p:style>
+          <a:lnRef idx="2">
+            <a:schemeClr val="accent1"/>
+          </a:lnRef>
+          <a:fillRef idx="0">
+            <a:schemeClr val="accent1"/>
+          </a:fillRef>
+          <a:effectRef idx="1">
+            <a:schemeClr val="accent1"/>
+          </a:effectRef>
+          <a:fontRef idx="minor">
+            <a:schemeClr val="tx1"/>
+          </a:fontRef>
+        </p:style>
+      </p:cxnSp>
+      <p:grpSp>
+        <p:nvGrpSpPr>
+          <p:cNvPr id="1188" name="Group 1187">
+            <a:extLst>
+              <a:ext uri="{FF2B5EF4-FFF2-40B4-BE49-F238E27FC236}">
+                <a16:creationId xmlns:a16="http://schemas.microsoft.com/office/drawing/2014/main" id="{A8A330E9-5A75-366E-D06F-779796E511FB}"/>
+              </a:ext>
+            </a:extLst>
+          </p:cNvPr>
+          <p:cNvGrpSpPr/>
+          <p:nvPr/>
+        </p:nvGrpSpPr>
+        <p:grpSpPr>
+          <a:xfrm>
+            <a:off x="1449329" y="2266009"/>
+            <a:ext cx="423037" cy="613808"/>
+            <a:chOff x="3943792" y="1063027"/>
+            <a:chExt cx="423037" cy="613808"/>
+          </a:xfrm>
+        </p:grpSpPr>
+        <p:pic>
+          <p:nvPicPr>
+            <p:cNvPr id="1189" name="Picture 1188">
+              <a:extLst>
+                <a:ext uri="{FF2B5EF4-FFF2-40B4-BE49-F238E27FC236}">
+                  <a16:creationId xmlns:a16="http://schemas.microsoft.com/office/drawing/2014/main" id="{72469F19-59B9-81C0-5C32-4832E7D00449}"/>
+                </a:ext>
+              </a:extLst>
+            </p:cNvPr>
+            <p:cNvPicPr>
+              <a:picLocks noChangeAspect="1"/>
+            </p:cNvPicPr>
+            <p:nvPr/>
+          </p:nvPicPr>
+          <p:blipFill>
+            <a:blip r:embed="rId31"/>
+            <a:stretch>
+              <a:fillRect/>
+            </a:stretch>
+          </p:blipFill>
+          <p:spPr>
+            <a:xfrm>
+              <a:off x="3979347" y="1063027"/>
+              <a:ext cx="352751" cy="380347"/>
+            </a:xfrm>
+            <a:prstGeom prst="rect">
+              <a:avLst/>
+            </a:prstGeom>
+          </p:spPr>
+        </p:pic>
+        <p:sp>
+          <p:nvSpPr>
+            <p:cNvPr id="1190" name="TextBox 1189">
+              <a:extLst>
+                <a:ext uri="{FF2B5EF4-FFF2-40B4-BE49-F238E27FC236}">
+                  <a16:creationId xmlns:a16="http://schemas.microsoft.com/office/drawing/2014/main" id="{9BCE3E45-696E-57CA-C3D9-332A271CD5BE}"/>
+                </a:ext>
+              </a:extLst>
+            </p:cNvPr>
+            <p:cNvSpPr txBox="1"/>
+            <p:nvPr/>
+          </p:nvSpPr>
+          <p:spPr>
+            <a:xfrm>
+              <a:off x="3943792" y="1430614"/>
+              <a:ext cx="423037" cy="246221"/>
+            </a:xfrm>
+            <a:prstGeom prst="rect">
+              <a:avLst/>
+            </a:prstGeom>
+            <a:noFill/>
+          </p:spPr>
+          <p:txBody>
+            <a:bodyPr wrap="square" lIns="0" rIns="0" rtlCol="0">
+              <a:spAutoFit/>
+            </a:bodyPr>
+            <a:lstStyle>
+              <a:defPPr>
+                <a:defRPr lang="en-US"/>
+              </a:defPPr>
+              <a:lvl1pPr algn="ctr">
+                <a:defRPr sz="1000">
+                  <a:latin typeface="Calibri" panose="020F0502020204030204" pitchFamily="34" charset="0"/>
+                  <a:ea typeface="Calibri" panose="020F0502020204030204" pitchFamily="34" charset="0"/>
+                  <a:cs typeface="Calibri" panose="020F0502020204030204" pitchFamily="34" charset="0"/>
+                </a:defRPr>
+              </a:lvl1pPr>
+            </a:lstStyle>
+            <a:p>
+              <a:r>
+                <a:rPr lang="en-US" dirty="0"/>
+                <a:t>JWT</a:t>
+              </a:r>
+            </a:p>
+          </p:txBody>
+        </p:sp>
+      </p:grpSp>
+      <p:grpSp>
+        <p:nvGrpSpPr>
+          <p:cNvPr id="1191" name="Group 1190">
+            <a:extLst>
+              <a:ext uri="{FF2B5EF4-FFF2-40B4-BE49-F238E27FC236}">
+                <a16:creationId xmlns:a16="http://schemas.microsoft.com/office/drawing/2014/main" id="{1DA3FE6F-01F0-A304-8EA0-40E2F2A3A69A}"/>
+              </a:ext>
+            </a:extLst>
+          </p:cNvPr>
+          <p:cNvGrpSpPr/>
+          <p:nvPr/>
+        </p:nvGrpSpPr>
+        <p:grpSpPr>
+          <a:xfrm>
+            <a:off x="2904497" y="1622136"/>
+            <a:ext cx="534281" cy="752696"/>
+            <a:chOff x="2183833" y="2669225"/>
+            <a:chExt cx="534281" cy="752696"/>
+          </a:xfrm>
+        </p:grpSpPr>
+        <p:pic>
+          <p:nvPicPr>
+            <p:cNvPr id="1192" name="Picture 4" descr="gaction (Branding Logo For Github Actions) · GitHub">
+              <a:extLst>
+                <a:ext uri="{FF2B5EF4-FFF2-40B4-BE49-F238E27FC236}">
+                  <a16:creationId xmlns:a16="http://schemas.microsoft.com/office/drawing/2014/main" id="{851EC8A7-B945-9EAE-8EB2-35DA9074434B}"/>
+                </a:ext>
+              </a:extLst>
+            </p:cNvPr>
+            <p:cNvPicPr>
+              <a:picLocks noChangeAspect="1" noChangeArrowheads="1"/>
+            </p:cNvPicPr>
+            <p:nvPr/>
+          </p:nvPicPr>
+          <p:blipFill>
+            <a:blip r:embed="rId3">
+              <a:extLst>
+                <a:ext uri="{28A0092B-C50C-407E-A947-70E740481C1C}">
+                  <a14:useLocalDpi xmlns:a14="http://schemas.microsoft.com/office/drawing/2010/main" val="0"/>
+                </a:ext>
+              </a:extLst>
+            </a:blip>
+            <a:srcRect/>
+            <a:stretch>
+              <a:fillRect/>
+            </a:stretch>
+          </p:blipFill>
+          <p:spPr bwMode="auto">
+            <a:xfrm>
+              <a:off x="2277656" y="2669225"/>
+              <a:ext cx="352312" cy="380346"/>
+            </a:xfrm>
+            <a:prstGeom prst="rect">
+              <a:avLst/>
+            </a:prstGeom>
+            <a:noFill/>
+            <a:extLst>
+              <a:ext uri="{909E8E84-426E-40DD-AFC4-6F175D3DCCD1}">
+                <a14:hiddenFill xmlns:a14="http://schemas.microsoft.com/office/drawing/2010/main">
+                  <a:solidFill>
+                    <a:srgbClr val="FFFFFF"/>
+                  </a:solidFill>
+                </a14:hiddenFill>
+              </a:ext>
+            </a:extLst>
+          </p:spPr>
+        </p:pic>
+        <p:sp>
+          <p:nvSpPr>
+            <p:cNvPr id="1193" name="TextBox 1192">
+              <a:extLst>
+                <a:ext uri="{FF2B5EF4-FFF2-40B4-BE49-F238E27FC236}">
+                  <a16:creationId xmlns:a16="http://schemas.microsoft.com/office/drawing/2014/main" id="{95F9B343-B3C7-724C-241B-DC0D5C4E254C}"/>
+                </a:ext>
+              </a:extLst>
+            </p:cNvPr>
+            <p:cNvSpPr txBox="1"/>
+            <p:nvPr/>
+          </p:nvSpPr>
+          <p:spPr>
+            <a:xfrm>
+              <a:off x="2183833" y="3021811"/>
+              <a:ext cx="534281" cy="400110"/>
+            </a:xfrm>
+            <a:prstGeom prst="rect">
+              <a:avLst/>
+            </a:prstGeom>
+            <a:noFill/>
+          </p:spPr>
+          <p:txBody>
+            <a:bodyPr wrap="square" lIns="0" rIns="0" rtlCol="0">
+              <a:spAutoFit/>
+            </a:bodyPr>
+            <a:lstStyle>
+              <a:defPPr>
+                <a:defRPr lang="en-US"/>
+              </a:defPPr>
+              <a:lvl1pPr algn="ctr">
+                <a:defRPr sz="1000">
+                  <a:latin typeface="Calibri" panose="020F0502020204030204" pitchFamily="34" charset="0"/>
+                  <a:ea typeface="Calibri" panose="020F0502020204030204" pitchFamily="34" charset="0"/>
+                  <a:cs typeface="Calibri" panose="020F0502020204030204" pitchFamily="34" charset="0"/>
+                </a:defRPr>
+              </a:lvl1pPr>
+            </a:lstStyle>
+            <a:p>
+              <a:r>
+                <a:rPr lang="en-US" dirty="0"/>
+                <a:t>GitHub Actions</a:t>
+              </a:r>
+            </a:p>
+          </p:txBody>
+        </p:sp>
+      </p:grpSp>
+      <p:grpSp>
+        <p:nvGrpSpPr>
+          <p:cNvPr id="1194" name="Group 1193">
+            <a:extLst>
+              <a:ext uri="{FF2B5EF4-FFF2-40B4-BE49-F238E27FC236}">
+                <a16:creationId xmlns:a16="http://schemas.microsoft.com/office/drawing/2014/main" id="{8B64A23B-8C11-DF83-F51C-ECD9957DD8DA}"/>
+              </a:ext>
+            </a:extLst>
+          </p:cNvPr>
+          <p:cNvGrpSpPr/>
+          <p:nvPr/>
+        </p:nvGrpSpPr>
+        <p:grpSpPr>
+          <a:xfrm>
+            <a:off x="2336067" y="1612238"/>
+            <a:ext cx="418494" cy="716043"/>
+            <a:chOff x="7004101" y="1277125"/>
+            <a:chExt cx="418494" cy="716043"/>
+          </a:xfrm>
+        </p:grpSpPr>
+        <p:pic>
+          <p:nvPicPr>
+            <p:cNvPr id="1195" name="Picture 6" descr="Github Logo - Free social media icons">
+              <a:extLst>
+                <a:ext uri="{FF2B5EF4-FFF2-40B4-BE49-F238E27FC236}">
+                  <a16:creationId xmlns:a16="http://schemas.microsoft.com/office/drawing/2014/main" id="{0711A50C-4EF2-3269-CC5E-378CFDA1DEFD}"/>
+                </a:ext>
+              </a:extLst>
+            </p:cNvPr>
+            <p:cNvPicPr>
+              <a:picLocks noChangeAspect="1" noChangeArrowheads="1"/>
+            </p:cNvPicPr>
+            <p:nvPr/>
+          </p:nvPicPr>
+          <p:blipFill>
+            <a:blip r:embed="rId4">
+              <a:extLst>
+                <a:ext uri="{28A0092B-C50C-407E-A947-70E740481C1C}">
+                  <a14:useLocalDpi xmlns:a14="http://schemas.microsoft.com/office/drawing/2010/main" val="0"/>
+                </a:ext>
+              </a:extLst>
+            </a:blip>
+            <a:srcRect/>
+            <a:stretch>
+              <a:fillRect/>
+            </a:stretch>
+          </p:blipFill>
+          <p:spPr bwMode="auto">
+            <a:xfrm>
+              <a:off x="7018871" y="1277125"/>
+              <a:ext cx="352751" cy="380497"/>
+            </a:xfrm>
+            <a:prstGeom prst="rect">
+              <a:avLst/>
+            </a:prstGeom>
+            <a:noFill/>
+            <a:extLst>
+              <a:ext uri="{909E8E84-426E-40DD-AFC4-6F175D3DCCD1}">
+                <a14:hiddenFill xmlns:a14="http://schemas.microsoft.com/office/drawing/2010/main">
+                  <a:solidFill>
+                    <a:srgbClr val="FFFFFF"/>
+                  </a:solidFill>
+                </a14:hiddenFill>
+              </a:ext>
+            </a:extLst>
+          </p:spPr>
+        </p:pic>
+        <p:sp>
+          <p:nvSpPr>
+            <p:cNvPr id="1196" name="TextBox 1195">
+              <a:extLst>
+                <a:ext uri="{FF2B5EF4-FFF2-40B4-BE49-F238E27FC236}">
+                  <a16:creationId xmlns:a16="http://schemas.microsoft.com/office/drawing/2014/main" id="{EA4B93CD-63AB-0A5C-CE57-504A2666B4E2}"/>
+                </a:ext>
+              </a:extLst>
+            </p:cNvPr>
+            <p:cNvSpPr txBox="1"/>
+            <p:nvPr/>
+          </p:nvSpPr>
+          <p:spPr>
+            <a:xfrm>
+              <a:off x="7004101" y="1593058"/>
+              <a:ext cx="418494" cy="400110"/>
+            </a:xfrm>
+            <a:prstGeom prst="rect">
+              <a:avLst/>
+            </a:prstGeom>
+            <a:noFill/>
+          </p:spPr>
+          <p:txBody>
+            <a:bodyPr wrap="square" lIns="0" rIns="0" rtlCol="0">
+              <a:spAutoFit/>
+            </a:bodyPr>
+            <a:lstStyle>
+              <a:defPPr>
+                <a:defRPr lang="en-US"/>
+              </a:defPPr>
+              <a:lvl1pPr algn="ctr">
+                <a:defRPr sz="1000">
+                  <a:latin typeface="Calibri" panose="020F0502020204030204" pitchFamily="34" charset="0"/>
+                  <a:ea typeface="Calibri" panose="020F0502020204030204" pitchFamily="34" charset="0"/>
+                  <a:cs typeface="Calibri" panose="020F0502020204030204" pitchFamily="34" charset="0"/>
+                </a:defRPr>
+              </a:lvl1pPr>
+            </a:lstStyle>
+            <a:p>
+              <a:r>
+                <a:rPr lang="en-US" dirty="0"/>
+                <a:t>GitHub Repo</a:t>
+              </a:r>
+            </a:p>
+          </p:txBody>
+        </p:sp>
+      </p:grpSp>
+      <p:grpSp>
+        <p:nvGrpSpPr>
+          <p:cNvPr id="1197" name="Group 1196">
+            <a:extLst>
+              <a:ext uri="{FF2B5EF4-FFF2-40B4-BE49-F238E27FC236}">
+                <a16:creationId xmlns:a16="http://schemas.microsoft.com/office/drawing/2014/main" id="{C328693C-30EF-27DB-AE59-941E2B72052D}"/>
+              </a:ext>
+            </a:extLst>
+          </p:cNvPr>
+          <p:cNvGrpSpPr/>
+          <p:nvPr/>
+        </p:nvGrpSpPr>
+        <p:grpSpPr>
+          <a:xfrm>
+            <a:off x="3522775" y="1633742"/>
+            <a:ext cx="534281" cy="729483"/>
+            <a:chOff x="2916774" y="2667654"/>
+            <a:chExt cx="534281" cy="729483"/>
+          </a:xfrm>
+        </p:grpSpPr>
+        <p:pic>
+          <p:nvPicPr>
+            <p:cNvPr id="1198" name="Picture 10" descr="Docker, logo, logos icon - Free download on Iconfinder">
+              <a:extLst>
+                <a:ext uri="{FF2B5EF4-FFF2-40B4-BE49-F238E27FC236}">
+                  <a16:creationId xmlns:a16="http://schemas.microsoft.com/office/drawing/2014/main" id="{BDA3BC02-6880-9F59-9821-FB66FFB40548}"/>
+                </a:ext>
+              </a:extLst>
+            </p:cNvPr>
+            <p:cNvPicPr>
+              <a:picLocks noChangeAspect="1" noChangeArrowheads="1"/>
+            </p:cNvPicPr>
+            <p:nvPr/>
+          </p:nvPicPr>
+          <p:blipFill rotWithShape="1">
+            <a:blip r:embed="rId6">
+              <a:extLst>
+                <a:ext uri="{28A0092B-C50C-407E-A947-70E740481C1C}">
+                  <a14:useLocalDpi xmlns:a14="http://schemas.microsoft.com/office/drawing/2010/main" val="0"/>
+                </a:ext>
+              </a:extLst>
+            </a:blip>
+            <a:srcRect b="18487"/>
+            <a:stretch/>
+          </p:blipFill>
+          <p:spPr bwMode="auto">
+            <a:xfrm>
+              <a:off x="3000049" y="2667654"/>
+              <a:ext cx="352751" cy="380346"/>
+            </a:xfrm>
+            <a:prstGeom prst="rect">
+              <a:avLst/>
+            </a:prstGeom>
+            <a:noFill/>
+            <a:extLst>
+              <a:ext uri="{909E8E84-426E-40DD-AFC4-6F175D3DCCD1}">
+                <a14:hiddenFill xmlns:a14="http://schemas.microsoft.com/office/drawing/2010/main">
+                  <a:solidFill>
+                    <a:srgbClr val="FFFFFF"/>
+                  </a:solidFill>
+                </a14:hiddenFill>
+              </a:ext>
+            </a:extLst>
+          </p:spPr>
+        </p:pic>
+        <p:sp>
+          <p:nvSpPr>
+            <p:cNvPr id="1199" name="TextBox 1198">
+              <a:extLst>
+                <a:ext uri="{FF2B5EF4-FFF2-40B4-BE49-F238E27FC236}">
+                  <a16:creationId xmlns:a16="http://schemas.microsoft.com/office/drawing/2014/main" id="{6FCFE68C-63C7-14D3-E7D9-BBA2DECCF311}"/>
+                </a:ext>
+              </a:extLst>
+            </p:cNvPr>
+            <p:cNvSpPr txBox="1"/>
+            <p:nvPr/>
+          </p:nvSpPr>
+          <p:spPr>
+            <a:xfrm>
+              <a:off x="2916774" y="2997027"/>
+              <a:ext cx="534281" cy="400110"/>
+            </a:xfrm>
+            <a:prstGeom prst="rect">
+              <a:avLst/>
+            </a:prstGeom>
+            <a:noFill/>
+          </p:spPr>
+          <p:txBody>
+            <a:bodyPr wrap="square" lIns="0" rIns="0" rtlCol="0">
+              <a:spAutoFit/>
+            </a:bodyPr>
+            <a:lstStyle>
+              <a:defPPr>
+                <a:defRPr lang="en-US"/>
+              </a:defPPr>
+              <a:lvl1pPr algn="ctr">
+                <a:defRPr sz="1000">
+                  <a:latin typeface="Calibri" panose="020F0502020204030204" pitchFamily="34" charset="0"/>
+                  <a:ea typeface="Calibri" panose="020F0502020204030204" pitchFamily="34" charset="0"/>
+                  <a:cs typeface="Calibri" panose="020F0502020204030204" pitchFamily="34" charset="0"/>
+                </a:defRPr>
+              </a:lvl1pPr>
+            </a:lstStyle>
+            <a:p>
+              <a:r>
+                <a:rPr lang="en-US" dirty="0"/>
+                <a:t>Docker</a:t>
+              </a:r>
+            </a:p>
+            <a:p>
+              <a:r>
+                <a:rPr lang="en-US" dirty="0"/>
+                <a:t>Build</a:t>
+              </a:r>
+            </a:p>
+          </p:txBody>
+        </p:sp>
+      </p:grpSp>
+      <p:cxnSp>
+        <p:nvCxnSpPr>
+          <p:cNvPr id="1200" name="Straight Arrow Connector 1199">
+            <a:extLst>
+              <a:ext uri="{FF2B5EF4-FFF2-40B4-BE49-F238E27FC236}">
+                <a16:creationId xmlns:a16="http://schemas.microsoft.com/office/drawing/2014/main" id="{D90E70EA-7962-F734-799D-C8DA6F6DF7BF}"/>
+              </a:ext>
+            </a:extLst>
+          </p:cNvPr>
+          <p:cNvCxnSpPr>
+            <a:cxnSpLocks/>
+            <a:stCxn id="1192" idx="3"/>
+            <a:endCxn id="1198" idx="1"/>
+          </p:cNvCxnSpPr>
+          <p:nvPr/>
+        </p:nvCxnSpPr>
+        <p:spPr>
+          <a:xfrm>
+            <a:off x="3350632" y="1812309"/>
+            <a:ext cx="255418" cy="11606"/>
+          </a:xfrm>
+          <a:prstGeom prst="straightConnector1">
+            <a:avLst/>
+          </a:prstGeom>
+          <a:ln>
+            <a:tailEnd type="triangle"/>
+          </a:ln>
+        </p:spPr>
+        <p:style>
+          <a:lnRef idx="2">
+            <a:schemeClr val="accent1"/>
+          </a:lnRef>
+          <a:fillRef idx="0">
+            <a:schemeClr val="accent1"/>
+          </a:fillRef>
+          <a:effectRef idx="1">
+            <a:schemeClr val="accent1"/>
+          </a:effectRef>
+          <a:fontRef idx="minor">
+            <a:schemeClr val="tx1"/>
+          </a:fontRef>
+        </p:style>
+      </p:cxnSp>
+      <p:cxnSp>
+        <p:nvCxnSpPr>
+          <p:cNvPr id="1201" name="Straight Arrow Connector 1200">
+            <a:extLst>
+              <a:ext uri="{FF2B5EF4-FFF2-40B4-BE49-F238E27FC236}">
+                <a16:creationId xmlns:a16="http://schemas.microsoft.com/office/drawing/2014/main" id="{C5A83549-B8FF-AD5F-DBF7-36F8BC672EE8}"/>
+              </a:ext>
+            </a:extLst>
+          </p:cNvPr>
+          <p:cNvCxnSpPr>
+            <a:cxnSpLocks/>
+            <a:stCxn id="1195" idx="3"/>
+            <a:endCxn id="1192" idx="1"/>
+          </p:cNvCxnSpPr>
+          <p:nvPr/>
+        </p:nvCxnSpPr>
+        <p:spPr>
+          <a:xfrm>
+            <a:off x="2703588" y="1802487"/>
+            <a:ext cx="294732" cy="9822"/>
+          </a:xfrm>
+          <a:prstGeom prst="straightConnector1">
+            <a:avLst/>
+          </a:prstGeom>
+          <a:ln>
+            <a:tailEnd type="triangle"/>
+          </a:ln>
+        </p:spPr>
+        <p:style>
+          <a:lnRef idx="2">
+            <a:schemeClr val="accent1"/>
+          </a:lnRef>
+          <a:fillRef idx="0">
+            <a:schemeClr val="accent1"/>
+          </a:fillRef>
+          <a:effectRef idx="1">
+            <a:schemeClr val="accent1"/>
+          </a:effectRef>
+          <a:fontRef idx="minor">
+            <a:schemeClr val="tx1"/>
+          </a:fontRef>
+        </p:style>
+      </p:cxnSp>
+      <p:cxnSp>
+        <p:nvCxnSpPr>
+          <p:cNvPr id="1202" name="Straight Arrow Connector 1201">
+            <a:extLst>
+              <a:ext uri="{FF2B5EF4-FFF2-40B4-BE49-F238E27FC236}">
+                <a16:creationId xmlns:a16="http://schemas.microsoft.com/office/drawing/2014/main" id="{A85E2A02-7A3C-9B41-188D-B1B2D6A530C8}"/>
+              </a:ext>
+            </a:extLst>
+          </p:cNvPr>
+          <p:cNvCxnSpPr>
+            <a:cxnSpLocks/>
+            <a:stCxn id="1172" idx="3"/>
+            <a:endCxn id="1195" idx="1"/>
+          </p:cNvCxnSpPr>
+          <p:nvPr/>
+        </p:nvCxnSpPr>
+        <p:spPr>
+          <a:xfrm flipV="1">
+            <a:off x="1449329" y="1802487"/>
+            <a:ext cx="901508" cy="10154"/>
+          </a:xfrm>
+          <a:prstGeom prst="straightConnector1">
+            <a:avLst/>
+          </a:prstGeom>
+          <a:ln>
+            <a:tailEnd type="triangle"/>
+          </a:ln>
+        </p:spPr>
+        <p:style>
+          <a:lnRef idx="2">
+            <a:schemeClr val="accent1"/>
+          </a:lnRef>
+          <a:fillRef idx="0">
+            <a:schemeClr val="accent1"/>
+          </a:fillRef>
+          <a:effectRef idx="1">
+            <a:schemeClr val="accent1"/>
+          </a:effectRef>
+          <a:fontRef idx="minor">
+            <a:schemeClr val="tx1"/>
+          </a:fontRef>
+        </p:style>
+      </p:cxnSp>
+      <p:cxnSp>
+        <p:nvCxnSpPr>
+          <p:cNvPr id="1206" name="Straight Arrow Connector 1205">
+            <a:extLst>
+              <a:ext uri="{FF2B5EF4-FFF2-40B4-BE49-F238E27FC236}">
+                <a16:creationId xmlns:a16="http://schemas.microsoft.com/office/drawing/2014/main" id="{A9C0964B-42AC-67CA-1C73-2F5497A892C3}"/>
+              </a:ext>
+            </a:extLst>
+          </p:cNvPr>
+          <p:cNvCxnSpPr>
+            <a:cxnSpLocks/>
+            <a:stCxn id="1198" idx="3"/>
+            <a:endCxn id="1209" idx="1"/>
+          </p:cNvCxnSpPr>
+          <p:nvPr/>
+        </p:nvCxnSpPr>
+        <p:spPr>
+          <a:xfrm>
+            <a:off x="3958801" y="1823915"/>
+            <a:ext cx="235717" cy="0"/>
+          </a:xfrm>
+          <a:prstGeom prst="straightConnector1">
+            <a:avLst/>
+          </a:prstGeom>
+          <a:ln>
+            <a:tailEnd type="triangle"/>
+          </a:ln>
+        </p:spPr>
+        <p:style>
+          <a:lnRef idx="2">
+            <a:schemeClr val="accent1"/>
+          </a:lnRef>
+          <a:fillRef idx="0">
+            <a:schemeClr val="accent1"/>
+          </a:fillRef>
+          <a:effectRef idx="1">
+            <a:schemeClr val="accent1"/>
+          </a:effectRef>
+          <a:fontRef idx="minor">
+            <a:schemeClr val="tx1"/>
+          </a:fontRef>
+        </p:style>
+      </p:cxnSp>
       <p:pic>
         <p:nvPicPr>
-          <p:cNvPr id="1026" name="Picture 2" descr="Python Programming Language icon SVG Vector &amp; PNG Free Download | UXWing">
-            <a:extLst>
-              <a:ext uri="{FF2B5EF4-FFF2-40B4-BE49-F238E27FC236}">
-                <a16:creationId xmlns:a16="http://schemas.microsoft.com/office/drawing/2014/main" id="{1CE46F1D-049E-7362-5F6E-8698F1A2E375}"/>
+          <p:cNvPr id="1209" name="Picture 2" descr="Zip - Free files and folders icons">
+            <a:extLst>
+              <a:ext uri="{FF2B5EF4-FFF2-40B4-BE49-F238E27FC236}">
+                <a16:creationId xmlns:a16="http://schemas.microsoft.com/office/drawing/2014/main" id="{68CF1429-84EB-0D36-97B5-8A9110C8A1E3}"/>
               </a:ext>
             </a:extLst>
           </p:cNvPr>
@@ -7076,7 +13629,7 @@
           <p:nvPr/>
         </p:nvPicPr>
         <p:blipFill>
-          <a:blip r:embed="rId2">
+          <a:blip r:embed="rId32">
             <a:extLst>
               <a:ext uri="{28A0092B-C50C-407E-A947-70E740481C1C}">
                 <a14:useLocalDpi xmlns:a14="http://schemas.microsoft.com/office/drawing/2010/main" val="0"/>
@@ -7090,8 +13643,8 @@
         </p:blipFill>
         <p:spPr bwMode="auto">
           <a:xfrm>
-            <a:off x="609600" y="1279176"/>
-            <a:ext cx="352751" cy="380346"/>
+            <a:off x="4194518" y="1639748"/>
+            <a:ext cx="368334" cy="368334"/>
           </a:xfrm>
           <a:prstGeom prst="rect">
             <a:avLst/>
@@ -7108,12 +13661,775 @@
           </a:extLst>
         </p:spPr>
       </p:pic>
+      <p:cxnSp>
+        <p:nvCxnSpPr>
+          <p:cNvPr id="1215" name="Straight Arrow Connector 1214">
+            <a:extLst>
+              <a:ext uri="{FF2B5EF4-FFF2-40B4-BE49-F238E27FC236}">
+                <a16:creationId xmlns:a16="http://schemas.microsoft.com/office/drawing/2014/main" id="{BD465106-3F2D-FD34-403D-D5DC44C69A32}"/>
+              </a:ext>
+            </a:extLst>
+          </p:cNvPr>
+          <p:cNvCxnSpPr>
+            <a:cxnSpLocks/>
+            <a:stCxn id="1209" idx="3"/>
+            <a:endCxn id="8" idx="1"/>
+          </p:cNvCxnSpPr>
+          <p:nvPr/>
+        </p:nvCxnSpPr>
+        <p:spPr>
+          <a:xfrm>
+            <a:off x="4562852" y="1823915"/>
+            <a:ext cx="788207" cy="15208"/>
+          </a:xfrm>
+          <a:prstGeom prst="straightConnector1">
+            <a:avLst/>
+          </a:prstGeom>
+          <a:ln>
+            <a:tailEnd type="triangle"/>
+          </a:ln>
+        </p:spPr>
+        <p:style>
+          <a:lnRef idx="2">
+            <a:schemeClr val="accent1"/>
+          </a:lnRef>
+          <a:fillRef idx="0">
+            <a:schemeClr val="accent1"/>
+          </a:fillRef>
+          <a:effectRef idx="1">
+            <a:schemeClr val="accent1"/>
+          </a:effectRef>
+          <a:fontRef idx="minor">
+            <a:schemeClr val="tx1"/>
+          </a:fontRef>
+        </p:style>
+      </p:cxnSp>
+      <p:grpSp>
+        <p:nvGrpSpPr>
+          <p:cNvPr id="1220" name="Group 1219">
+            <a:extLst>
+              <a:ext uri="{FF2B5EF4-FFF2-40B4-BE49-F238E27FC236}">
+                <a16:creationId xmlns:a16="http://schemas.microsoft.com/office/drawing/2014/main" id="{A111116D-27D0-4601-4727-80E9BAD7E7DC}"/>
+              </a:ext>
+            </a:extLst>
+          </p:cNvPr>
+          <p:cNvGrpSpPr/>
+          <p:nvPr/>
+        </p:nvGrpSpPr>
+        <p:grpSpPr>
+          <a:xfrm>
+            <a:off x="5338030" y="906462"/>
+            <a:ext cx="376970" cy="560195"/>
+            <a:chOff x="3361610" y="1275074"/>
+            <a:chExt cx="376970" cy="560195"/>
+          </a:xfrm>
+        </p:grpSpPr>
+        <p:pic>
+          <p:nvPicPr>
+            <p:cNvPr id="1221" name="Picture 12" descr="Amazon ECR | AWS Compute">
+              <a:extLst>
+                <a:ext uri="{FF2B5EF4-FFF2-40B4-BE49-F238E27FC236}">
+                  <a16:creationId xmlns:a16="http://schemas.microsoft.com/office/drawing/2014/main" id="{0A790FCD-8FC9-1D36-A040-D06A12F036E1}"/>
+                </a:ext>
+              </a:extLst>
+            </p:cNvPr>
+            <p:cNvPicPr>
+              <a:picLocks noChangeAspect="1" noChangeArrowheads="1"/>
+            </p:cNvPicPr>
+            <p:nvPr/>
+          </p:nvPicPr>
+          <p:blipFill>
+            <a:blip r:embed="rId16">
+              <a:extLst>
+                <a:ext uri="{28A0092B-C50C-407E-A947-70E740481C1C}">
+                  <a14:useLocalDpi xmlns:a14="http://schemas.microsoft.com/office/drawing/2010/main" val="0"/>
+                </a:ext>
+              </a:extLst>
+            </a:blip>
+            <a:srcRect/>
+            <a:stretch>
+              <a:fillRect/>
+            </a:stretch>
+          </p:blipFill>
+          <p:spPr bwMode="auto">
+            <a:xfrm>
+              <a:off x="3361610" y="1275074"/>
+              <a:ext cx="376970" cy="380346"/>
+            </a:xfrm>
+            <a:prstGeom prst="rect">
+              <a:avLst/>
+            </a:prstGeom>
+            <a:noFill/>
+            <a:extLst>
+              <a:ext uri="{909E8E84-426E-40DD-AFC4-6F175D3DCCD1}">
+                <a14:hiddenFill xmlns:a14="http://schemas.microsoft.com/office/drawing/2010/main">
+                  <a:solidFill>
+                    <a:srgbClr val="FFFFFF"/>
+                  </a:solidFill>
+                </a14:hiddenFill>
+              </a:ext>
+            </a:extLst>
+          </p:spPr>
+        </p:pic>
+        <p:sp>
+          <p:nvSpPr>
+            <p:cNvPr id="1222" name="TextBox 1221">
+              <a:extLst>
+                <a:ext uri="{FF2B5EF4-FFF2-40B4-BE49-F238E27FC236}">
+                  <a16:creationId xmlns:a16="http://schemas.microsoft.com/office/drawing/2014/main" id="{9A352EC6-5A6D-5110-6AE9-15CD9A6B3A8B}"/>
+                </a:ext>
+              </a:extLst>
+            </p:cNvPr>
+            <p:cNvSpPr txBox="1"/>
+            <p:nvPr/>
+          </p:nvSpPr>
+          <p:spPr>
+            <a:xfrm>
+              <a:off x="3410099" y="1589048"/>
+              <a:ext cx="279992" cy="246221"/>
+            </a:xfrm>
+            <a:prstGeom prst="rect">
+              <a:avLst/>
+            </a:prstGeom>
+            <a:noFill/>
+          </p:spPr>
+          <p:txBody>
+            <a:bodyPr wrap="square" lIns="0" rIns="0" rtlCol="0">
+              <a:spAutoFit/>
+            </a:bodyPr>
+            <a:lstStyle>
+              <a:defPPr>
+                <a:defRPr lang="en-US"/>
+              </a:defPPr>
+              <a:lvl1pPr algn="ctr">
+                <a:defRPr sz="1000">
+                  <a:latin typeface="Calibri" panose="020F0502020204030204" pitchFamily="34" charset="0"/>
+                  <a:ea typeface="Calibri" panose="020F0502020204030204" pitchFamily="34" charset="0"/>
+                  <a:cs typeface="Calibri" panose="020F0502020204030204" pitchFamily="34" charset="0"/>
+                </a:defRPr>
+              </a:lvl1pPr>
+            </a:lstStyle>
+            <a:p>
+              <a:r>
+                <a:rPr lang="en-US" dirty="0"/>
+                <a:t>ECR</a:t>
+              </a:r>
+            </a:p>
+          </p:txBody>
+        </p:sp>
+      </p:grpSp>
+      <p:cxnSp>
+        <p:nvCxnSpPr>
+          <p:cNvPr id="1223" name="Straight Arrow Connector 1036">
+            <a:extLst>
+              <a:ext uri="{FF2B5EF4-FFF2-40B4-BE49-F238E27FC236}">
+                <a16:creationId xmlns:a16="http://schemas.microsoft.com/office/drawing/2014/main" id="{45CF18EB-E667-A52A-A4FB-A8175A0B590B}"/>
+              </a:ext>
+            </a:extLst>
+          </p:cNvPr>
+          <p:cNvCxnSpPr>
+            <a:cxnSpLocks/>
+            <a:stCxn id="1198" idx="0"/>
+            <a:endCxn id="1221" idx="1"/>
+          </p:cNvCxnSpPr>
+          <p:nvPr/>
+        </p:nvCxnSpPr>
+        <p:spPr>
+          <a:xfrm rot="5400000" flipH="1" flipV="1">
+            <a:off x="4291675" y="587387"/>
+            <a:ext cx="537107" cy="1555604"/>
+          </a:xfrm>
+          <a:prstGeom prst="bentConnector2">
+            <a:avLst/>
+          </a:prstGeom>
+          <a:ln>
+            <a:tailEnd type="triangle"/>
+          </a:ln>
+        </p:spPr>
+        <p:style>
+          <a:lnRef idx="2">
+            <a:schemeClr val="accent1"/>
+          </a:lnRef>
+          <a:fillRef idx="0">
+            <a:schemeClr val="accent1"/>
+          </a:fillRef>
+          <a:effectRef idx="1">
+            <a:schemeClr val="accent1"/>
+          </a:effectRef>
+          <a:fontRef idx="minor">
+            <a:schemeClr val="tx1"/>
+          </a:fontRef>
+        </p:style>
+      </p:cxnSp>
+      <p:cxnSp>
+        <p:nvCxnSpPr>
+          <p:cNvPr id="1226" name="Straight Arrow Connector 1225">
+            <a:extLst>
+              <a:ext uri="{FF2B5EF4-FFF2-40B4-BE49-F238E27FC236}">
+                <a16:creationId xmlns:a16="http://schemas.microsoft.com/office/drawing/2014/main" id="{36424A49-F778-FE67-0B75-4F0F765E884E}"/>
+              </a:ext>
+            </a:extLst>
+          </p:cNvPr>
+          <p:cNvCxnSpPr>
+            <a:cxnSpLocks/>
+            <a:stCxn id="1222" idx="2"/>
+            <a:endCxn id="8" idx="0"/>
+          </p:cNvCxnSpPr>
+          <p:nvPr/>
+        </p:nvCxnSpPr>
+        <p:spPr>
+          <a:xfrm>
+            <a:off x="5526515" y="1466657"/>
+            <a:ext cx="920" cy="179857"/>
+          </a:xfrm>
+          <a:prstGeom prst="straightConnector1">
+            <a:avLst/>
+          </a:prstGeom>
+          <a:ln>
+            <a:tailEnd type="triangle"/>
+          </a:ln>
+        </p:spPr>
+        <p:style>
+          <a:lnRef idx="2">
+            <a:schemeClr val="accent1"/>
+          </a:lnRef>
+          <a:fillRef idx="0">
+            <a:schemeClr val="accent1"/>
+          </a:fillRef>
+          <a:effectRef idx="1">
+            <a:schemeClr val="accent1"/>
+          </a:effectRef>
+          <a:fontRef idx="minor">
+            <a:schemeClr val="tx1"/>
+          </a:fontRef>
+        </p:style>
+      </p:cxnSp>
+      <p:cxnSp>
+        <p:nvCxnSpPr>
+          <p:cNvPr id="1241" name="Straight Arrow Connector 1240">
+            <a:extLst>
+              <a:ext uri="{FF2B5EF4-FFF2-40B4-BE49-F238E27FC236}">
+                <a16:creationId xmlns:a16="http://schemas.microsoft.com/office/drawing/2014/main" id="{4CAF26A2-9ACC-972F-F1EB-D9883FF36B19}"/>
+              </a:ext>
+            </a:extLst>
+          </p:cNvPr>
+          <p:cNvCxnSpPr>
+            <a:cxnSpLocks/>
+            <a:stCxn id="8" idx="3"/>
+            <a:endCxn id="1044" idx="1"/>
+          </p:cNvCxnSpPr>
+          <p:nvPr/>
+        </p:nvCxnSpPr>
+        <p:spPr>
+          <a:xfrm>
+            <a:off x="5703810" y="1839123"/>
+            <a:ext cx="1160178" cy="654529"/>
+          </a:xfrm>
+          <a:prstGeom prst="straightConnector1">
+            <a:avLst/>
+          </a:prstGeom>
+          <a:ln>
+            <a:headEnd type="triangle"/>
+            <a:tailEnd type="triangle"/>
+          </a:ln>
+        </p:spPr>
+        <p:style>
+          <a:lnRef idx="2">
+            <a:schemeClr val="accent1"/>
+          </a:lnRef>
+          <a:fillRef idx="0">
+            <a:schemeClr val="accent1"/>
+          </a:fillRef>
+          <a:effectRef idx="1">
+            <a:schemeClr val="accent1"/>
+          </a:effectRef>
+          <a:fontRef idx="minor">
+            <a:schemeClr val="tx1"/>
+          </a:fontRef>
+        </p:style>
+      </p:cxnSp>
+      <p:cxnSp>
+        <p:nvCxnSpPr>
+          <p:cNvPr id="1245" name="Straight Arrow Connector 1244">
+            <a:extLst>
+              <a:ext uri="{FF2B5EF4-FFF2-40B4-BE49-F238E27FC236}">
+                <a16:creationId xmlns:a16="http://schemas.microsoft.com/office/drawing/2014/main" id="{1C5F8906-7629-8D4A-79A6-8617106EC4DB}"/>
+              </a:ext>
+            </a:extLst>
+          </p:cNvPr>
+          <p:cNvCxnSpPr>
+            <a:cxnSpLocks/>
+            <a:stCxn id="1184" idx="3"/>
+            <a:endCxn id="1272" idx="1"/>
+          </p:cNvCxnSpPr>
+          <p:nvPr/>
+        </p:nvCxnSpPr>
+        <p:spPr>
+          <a:xfrm flipV="1">
+            <a:off x="1859694" y="3241298"/>
+            <a:ext cx="1220079" cy="9907"/>
+          </a:xfrm>
+          <a:prstGeom prst="straightConnector1">
+            <a:avLst/>
+          </a:prstGeom>
+          <a:ln>
+            <a:tailEnd type="triangle"/>
+          </a:ln>
+        </p:spPr>
+        <p:style>
+          <a:lnRef idx="2">
+            <a:schemeClr val="accent1"/>
+          </a:lnRef>
+          <a:fillRef idx="0">
+            <a:schemeClr val="accent1"/>
+          </a:fillRef>
+          <a:effectRef idx="1">
+            <a:schemeClr val="accent1"/>
+          </a:effectRef>
+          <a:fontRef idx="minor">
+            <a:schemeClr val="tx1"/>
+          </a:fontRef>
+        </p:style>
+      </p:cxnSp>
+      <p:sp>
+        <p:nvSpPr>
+          <p:cNvPr id="1262" name="TextBox 1261">
+            <a:extLst>
+              <a:ext uri="{FF2B5EF4-FFF2-40B4-BE49-F238E27FC236}">
+                <a16:creationId xmlns:a16="http://schemas.microsoft.com/office/drawing/2014/main" id="{C5432195-4C5F-5363-8463-7694CF065429}"/>
+              </a:ext>
+            </a:extLst>
+          </p:cNvPr>
+          <p:cNvSpPr txBox="1"/>
+          <p:nvPr/>
+        </p:nvSpPr>
+        <p:spPr>
+          <a:xfrm>
+            <a:off x="2467463" y="4099287"/>
+            <a:ext cx="1981200" cy="369332"/>
+          </a:xfrm>
+          <a:prstGeom prst="rect">
+            <a:avLst/>
+          </a:prstGeom>
+          <a:noFill/>
+        </p:spPr>
+        <p:txBody>
+          <a:bodyPr wrap="square">
+            <a:spAutoFit/>
+          </a:bodyPr>
+          <a:lstStyle/>
+          <a:p>
+            <a:pPr algn="ctr"/>
+            <a:r>
+              <a:rPr lang="en-US" b="1" dirty="0">
+                <a:solidFill>
+                  <a:schemeClr val="tx1"/>
+                </a:solidFill>
+              </a:rPr>
+              <a:t>cruise-finder</a:t>
+            </a:r>
+          </a:p>
+        </p:txBody>
+      </p:sp>
+      <p:sp>
+        <p:nvSpPr>
+          <p:cNvPr id="1263" name="TextBox 1262">
+            <a:extLst>
+              <a:ext uri="{FF2B5EF4-FFF2-40B4-BE49-F238E27FC236}">
+                <a16:creationId xmlns:a16="http://schemas.microsoft.com/office/drawing/2014/main" id="{47EA24E1-2336-2725-D47B-CE0B8A9A4ED8}"/>
+              </a:ext>
+            </a:extLst>
+          </p:cNvPr>
+          <p:cNvSpPr txBox="1"/>
+          <p:nvPr/>
+        </p:nvSpPr>
+        <p:spPr>
+          <a:xfrm>
+            <a:off x="2179129" y="225292"/>
+            <a:ext cx="1981200" cy="369332"/>
+          </a:xfrm>
+          <a:prstGeom prst="rect">
+            <a:avLst/>
+          </a:prstGeom>
+          <a:noFill/>
+        </p:spPr>
+        <p:txBody>
+          <a:bodyPr wrap="square">
+            <a:spAutoFit/>
+          </a:bodyPr>
+          <a:lstStyle/>
+          <a:p>
+            <a:pPr algn="ctr"/>
+            <a:r>
+              <a:rPr lang="en-US" b="1" dirty="0">
+                <a:solidFill>
+                  <a:schemeClr val="tx1"/>
+                </a:solidFill>
+              </a:rPr>
+              <a:t>cruise-admin</a:t>
+            </a:r>
+          </a:p>
+        </p:txBody>
+      </p:sp>
+      <p:sp>
+        <p:nvSpPr>
+          <p:cNvPr id="1265" name="TextBox 1264">
+            <a:extLst>
+              <a:ext uri="{FF2B5EF4-FFF2-40B4-BE49-F238E27FC236}">
+                <a16:creationId xmlns:a16="http://schemas.microsoft.com/office/drawing/2014/main" id="{6E42D891-4F2A-D667-53ED-2EDFD9B233ED}"/>
+              </a:ext>
+            </a:extLst>
+          </p:cNvPr>
+          <p:cNvSpPr txBox="1"/>
+          <p:nvPr/>
+        </p:nvSpPr>
+        <p:spPr>
+          <a:xfrm>
+            <a:off x="9015328" y="3605044"/>
+            <a:ext cx="1981200" cy="369332"/>
+          </a:xfrm>
+          <a:prstGeom prst="rect">
+            <a:avLst/>
+          </a:prstGeom>
+          <a:noFill/>
+        </p:spPr>
+        <p:txBody>
+          <a:bodyPr wrap="square">
+            <a:spAutoFit/>
+          </a:bodyPr>
+          <a:lstStyle/>
+          <a:p>
+            <a:pPr algn="ctr"/>
+            <a:r>
+              <a:rPr lang="en-US" b="1" dirty="0">
+                <a:solidFill>
+                  <a:schemeClr val="tx1"/>
+                </a:solidFill>
+              </a:rPr>
+              <a:t>cruise-viewer</a:t>
+            </a:r>
+          </a:p>
+        </p:txBody>
+      </p:sp>
+      <p:cxnSp>
+        <p:nvCxnSpPr>
+          <p:cNvPr id="1266" name="Straight Arrow Connector 1265">
+            <a:extLst>
+              <a:ext uri="{FF2B5EF4-FFF2-40B4-BE49-F238E27FC236}">
+                <a16:creationId xmlns:a16="http://schemas.microsoft.com/office/drawing/2014/main" id="{3BAD2C0C-C882-055C-5335-28E57BBF602B}"/>
+              </a:ext>
+            </a:extLst>
+          </p:cNvPr>
+          <p:cNvCxnSpPr>
+            <a:cxnSpLocks/>
+            <a:stCxn id="1075" idx="3"/>
+            <a:endCxn id="1068" idx="1"/>
+          </p:cNvCxnSpPr>
+          <p:nvPr/>
+        </p:nvCxnSpPr>
+        <p:spPr>
+          <a:xfrm>
+            <a:off x="6563837" y="6242248"/>
+            <a:ext cx="570002" cy="0"/>
+          </a:xfrm>
+          <a:prstGeom prst="straightConnector1">
+            <a:avLst/>
+          </a:prstGeom>
+          <a:ln>
+            <a:tailEnd type="triangle"/>
+          </a:ln>
+        </p:spPr>
+        <p:style>
+          <a:lnRef idx="2">
+            <a:schemeClr val="accent1"/>
+          </a:lnRef>
+          <a:fillRef idx="0">
+            <a:schemeClr val="accent1"/>
+          </a:fillRef>
+          <a:effectRef idx="1">
+            <a:schemeClr val="accent1"/>
+          </a:effectRef>
+          <a:fontRef idx="minor">
+            <a:schemeClr val="tx1"/>
+          </a:fontRef>
+        </p:style>
+      </p:cxnSp>
+      <p:sp>
+        <p:nvSpPr>
+          <p:cNvPr id="1270" name="Rectangle 1269">
+            <a:extLst>
+              <a:ext uri="{FF2B5EF4-FFF2-40B4-BE49-F238E27FC236}">
+                <a16:creationId xmlns:a16="http://schemas.microsoft.com/office/drawing/2014/main" id="{E61F1F21-225D-E792-735D-DF6B1149B269}"/>
+              </a:ext>
+            </a:extLst>
+          </p:cNvPr>
+          <p:cNvSpPr/>
+          <p:nvPr/>
+        </p:nvSpPr>
+        <p:spPr>
+          <a:xfrm>
+            <a:off x="6638536" y="1005687"/>
+            <a:ext cx="2100921" cy="1993789"/>
+          </a:xfrm>
+          <a:prstGeom prst="rect">
+            <a:avLst/>
+          </a:prstGeom>
+          <a:noFill/>
+        </p:spPr>
+        <p:style>
+          <a:lnRef idx="2">
+            <a:schemeClr val="accent1">
+              <a:shade val="15000"/>
+            </a:schemeClr>
+          </a:lnRef>
+          <a:fillRef idx="1">
+            <a:schemeClr val="accent1"/>
+          </a:fillRef>
+          <a:effectRef idx="0">
+            <a:schemeClr val="accent1"/>
+          </a:effectRef>
+          <a:fontRef idx="minor">
+            <a:schemeClr val="lt1"/>
+          </a:fontRef>
+        </p:style>
+        <p:txBody>
+          <a:bodyPr rtlCol="0" anchor="t"/>
+          <a:lstStyle/>
+          <a:p>
+            <a:pPr algn="ctr"/>
+            <a:r>
+              <a:rPr lang="en-US" sz="1400" b="1" dirty="0">
+                <a:solidFill>
+                  <a:schemeClr val="tx1"/>
+                </a:solidFill>
+              </a:rPr>
+              <a:t>IDM</a:t>
+            </a:r>
+          </a:p>
+        </p:txBody>
+      </p:sp>
+      <p:grpSp>
+        <p:nvGrpSpPr>
+          <p:cNvPr id="1271" name="Group 1270">
+            <a:extLst>
+              <a:ext uri="{FF2B5EF4-FFF2-40B4-BE49-F238E27FC236}">
+                <a16:creationId xmlns:a16="http://schemas.microsoft.com/office/drawing/2014/main" id="{CFEC2AA3-1686-9A1B-216A-6D9BC977E41B}"/>
+              </a:ext>
+            </a:extLst>
+          </p:cNvPr>
+          <p:cNvGrpSpPr/>
+          <p:nvPr/>
+        </p:nvGrpSpPr>
+        <p:grpSpPr>
+          <a:xfrm>
+            <a:off x="3062084" y="3051125"/>
+            <a:ext cx="378119" cy="704926"/>
+            <a:chOff x="1539415" y="5222709"/>
+            <a:chExt cx="378119" cy="704926"/>
+          </a:xfrm>
+        </p:grpSpPr>
+        <p:pic>
+          <p:nvPicPr>
+            <p:cNvPr id="1272" name="Picture 32">
+              <a:extLst>
+                <a:ext uri="{FF2B5EF4-FFF2-40B4-BE49-F238E27FC236}">
+                  <a16:creationId xmlns:a16="http://schemas.microsoft.com/office/drawing/2014/main" id="{D92A5647-9FB1-478F-2670-3CBD8973DFC6}"/>
+                </a:ext>
+              </a:extLst>
+            </p:cNvPr>
+            <p:cNvPicPr>
+              <a:picLocks noChangeAspect="1" noChangeArrowheads="1"/>
+            </p:cNvPicPr>
+            <p:nvPr/>
+          </p:nvPicPr>
+          <p:blipFill>
+            <a:blip r:embed="rId22">
+              <a:extLst>
+                <a:ext uri="{28A0092B-C50C-407E-A947-70E740481C1C}">
+                  <a14:useLocalDpi xmlns:a14="http://schemas.microsoft.com/office/drawing/2010/main" val="0"/>
+                </a:ext>
+              </a:extLst>
+            </a:blip>
+            <a:srcRect/>
+            <a:stretch>
+              <a:fillRect/>
+            </a:stretch>
+          </p:blipFill>
+          <p:spPr bwMode="auto">
+            <a:xfrm>
+              <a:off x="1557104" y="5222709"/>
+              <a:ext cx="352751" cy="380346"/>
+            </a:xfrm>
+            <a:prstGeom prst="rect">
+              <a:avLst/>
+            </a:prstGeom>
+            <a:noFill/>
+            <a:extLst>
+              <a:ext uri="{909E8E84-426E-40DD-AFC4-6F175D3DCCD1}">
+                <a14:hiddenFill xmlns:a14="http://schemas.microsoft.com/office/drawing/2010/main">
+                  <a:solidFill>
+                    <a:srgbClr val="FFFFFF"/>
+                  </a:solidFill>
+                </a14:hiddenFill>
+              </a:ext>
+            </a:extLst>
+          </p:spPr>
+        </p:pic>
+        <p:sp>
+          <p:nvSpPr>
+            <p:cNvPr id="1273" name="TextBox 1272">
+              <a:extLst>
+                <a:ext uri="{FF2B5EF4-FFF2-40B4-BE49-F238E27FC236}">
+                  <a16:creationId xmlns:a16="http://schemas.microsoft.com/office/drawing/2014/main" id="{77FB843A-3554-7BB5-7AA5-C12C5F72AFA0}"/>
+                </a:ext>
+              </a:extLst>
+            </p:cNvPr>
+            <p:cNvSpPr txBox="1"/>
+            <p:nvPr/>
+          </p:nvSpPr>
+          <p:spPr>
+            <a:xfrm>
+              <a:off x="1539415" y="5527525"/>
+              <a:ext cx="378119" cy="400110"/>
+            </a:xfrm>
+            <a:prstGeom prst="rect">
+              <a:avLst/>
+            </a:prstGeom>
+            <a:noFill/>
+          </p:spPr>
+          <p:txBody>
+            <a:bodyPr wrap="square" lIns="0" rIns="0" rtlCol="0">
+              <a:spAutoFit/>
+            </a:bodyPr>
+            <a:lstStyle>
+              <a:defPPr>
+                <a:defRPr lang="en-US"/>
+              </a:defPPr>
+              <a:lvl1pPr algn="ctr">
+                <a:defRPr sz="1000">
+                  <a:latin typeface="Calibri" panose="020F0502020204030204" pitchFamily="34" charset="0"/>
+                  <a:ea typeface="Calibri" panose="020F0502020204030204" pitchFamily="34" charset="0"/>
+                  <a:cs typeface="Calibri" panose="020F0502020204030204" pitchFamily="34" charset="0"/>
+                </a:defRPr>
+              </a:lvl1pPr>
+            </a:lstStyle>
+            <a:p>
+              <a:r>
+                <a:rPr lang="en-US" dirty="0"/>
+                <a:t>Power</a:t>
+              </a:r>
+            </a:p>
+            <a:p>
+              <a:r>
+                <a:rPr lang="en-US" dirty="0"/>
+                <a:t>Shell</a:t>
+              </a:r>
+            </a:p>
+          </p:txBody>
+        </p:sp>
+      </p:grpSp>
+      <p:cxnSp>
+        <p:nvCxnSpPr>
+          <p:cNvPr id="1275" name="Straight Arrow Connector 1274">
+            <a:extLst>
+              <a:ext uri="{FF2B5EF4-FFF2-40B4-BE49-F238E27FC236}">
+                <a16:creationId xmlns:a16="http://schemas.microsoft.com/office/drawing/2014/main" id="{F9769701-208D-EF5D-DC6E-C4FCE2F54A57}"/>
+              </a:ext>
+            </a:extLst>
+          </p:cNvPr>
+          <p:cNvCxnSpPr>
+            <a:cxnSpLocks/>
+            <a:stCxn id="1272" idx="3"/>
+          </p:cNvCxnSpPr>
+          <p:nvPr/>
+        </p:nvCxnSpPr>
+        <p:spPr>
+          <a:xfrm>
+            <a:off x="3432524" y="3241298"/>
+            <a:ext cx="1291876" cy="0"/>
+          </a:xfrm>
+          <a:prstGeom prst="straightConnector1">
+            <a:avLst/>
+          </a:prstGeom>
+          <a:ln>
+            <a:tailEnd type="triangle"/>
+          </a:ln>
+        </p:spPr>
+        <p:style>
+          <a:lnRef idx="2">
+            <a:schemeClr val="accent1"/>
+          </a:lnRef>
+          <a:fillRef idx="0">
+            <a:schemeClr val="accent1"/>
+          </a:fillRef>
+          <a:effectRef idx="1">
+            <a:schemeClr val="accent1"/>
+          </a:effectRef>
+          <a:fontRef idx="minor">
+            <a:schemeClr val="tx1"/>
+          </a:fontRef>
+        </p:style>
+      </p:cxnSp>
+      <p:sp>
+        <p:nvSpPr>
+          <p:cNvPr id="1280" name="Rectangle 1279">
+            <a:extLst>
+              <a:ext uri="{FF2B5EF4-FFF2-40B4-BE49-F238E27FC236}">
+                <a16:creationId xmlns:a16="http://schemas.microsoft.com/office/drawing/2014/main" id="{995277F5-7E3B-B69D-7C29-AB86E228C30D}"/>
+              </a:ext>
+            </a:extLst>
+          </p:cNvPr>
+          <p:cNvSpPr/>
+          <p:nvPr/>
+        </p:nvSpPr>
+        <p:spPr>
+          <a:xfrm>
+            <a:off x="10039195" y="457200"/>
+            <a:ext cx="1483172" cy="1690955"/>
+          </a:xfrm>
+          <a:prstGeom prst="rect">
+            <a:avLst/>
+          </a:prstGeom>
+          <a:noFill/>
+        </p:spPr>
+        <p:style>
+          <a:lnRef idx="2">
+            <a:schemeClr val="accent1">
+              <a:shade val="15000"/>
+            </a:schemeClr>
+          </a:lnRef>
+          <a:fillRef idx="1">
+            <a:schemeClr val="accent1"/>
+          </a:fillRef>
+          <a:effectRef idx="0">
+            <a:schemeClr val="accent1"/>
+          </a:effectRef>
+          <a:fontRef idx="minor">
+            <a:schemeClr val="lt1"/>
+          </a:fontRef>
+        </p:style>
+        <p:txBody>
+          <a:bodyPr rtlCol="0" anchor="t"/>
+          <a:lstStyle/>
+          <a:p>
+            <a:pPr algn="ctr"/>
+            <a:r>
+              <a:rPr lang="en-US" sz="1400" b="1" dirty="0">
+                <a:solidFill>
+                  <a:schemeClr val="tx1"/>
+                </a:solidFill>
+              </a:rPr>
+              <a:t>Manually Administered</a:t>
+            </a:r>
+          </a:p>
+        </p:txBody>
+      </p:sp>
       <p:pic>
         <p:nvPicPr>
-          <p:cNvPr id="1028" name="Picture 4" descr="gaction (Branding Logo For Github Actions) · GitHub">
-            <a:extLst>
-              <a:ext uri="{FF2B5EF4-FFF2-40B4-BE49-F238E27FC236}">
-                <a16:creationId xmlns:a16="http://schemas.microsoft.com/office/drawing/2014/main" id="{75D5BD41-0E53-642C-E5A9-25FCC94E973F}"/>
+          <p:cNvPr id="1281" name="Picture 4" descr="AWS VPC icon SVG Vector &amp; PNG Free Download | UXWing">
+            <a:extLst>
+              <a:ext uri="{FF2B5EF4-FFF2-40B4-BE49-F238E27FC236}">
+                <a16:creationId xmlns:a16="http://schemas.microsoft.com/office/drawing/2014/main" id="{2573C018-8B1C-BEC6-A839-C435EAD54027}"/>
               </a:ext>
             </a:extLst>
           </p:cNvPr>
@@ -7123,7 +14439,7 @@
           <p:nvPr/>
         </p:nvPicPr>
         <p:blipFill>
-          <a:blip r:embed="rId3">
+          <a:blip r:embed="rId33">
             <a:extLst>
               <a:ext uri="{28A0092B-C50C-407E-A947-70E740481C1C}">
                 <a14:useLocalDpi xmlns:a14="http://schemas.microsoft.com/office/drawing/2010/main" val="0"/>
@@ -7137,8 +14453,8 @@
         </p:blipFill>
         <p:spPr bwMode="auto">
           <a:xfrm>
-            <a:off x="9772766" y="1277125"/>
-            <a:ext cx="352312" cy="380346"/>
+            <a:off x="10613721" y="941402"/>
+            <a:ext cx="423787" cy="423787"/>
           </a:xfrm>
           <a:prstGeom prst="rect">
             <a:avLst/>
@@ -7155,12 +14471,256 @@
           </a:extLst>
         </p:spPr>
       </p:pic>
+      <p:grpSp>
+        <p:nvGrpSpPr>
+          <p:cNvPr id="18" name="Group 17">
+            <a:extLst>
+              <a:ext uri="{FF2B5EF4-FFF2-40B4-BE49-F238E27FC236}">
+                <a16:creationId xmlns:a16="http://schemas.microsoft.com/office/drawing/2014/main" id="{3150A526-9301-1B45-02D9-65110DBF5E36}"/>
+              </a:ext>
+            </a:extLst>
+          </p:cNvPr>
+          <p:cNvGrpSpPr/>
+          <p:nvPr/>
+        </p:nvGrpSpPr>
+        <p:grpSpPr>
+          <a:xfrm>
+            <a:off x="6781988" y="1309207"/>
+            <a:ext cx="528958" cy="619664"/>
+            <a:chOff x="1161835" y="2630574"/>
+            <a:chExt cx="528958" cy="619664"/>
+          </a:xfrm>
+        </p:grpSpPr>
+        <p:sp>
+          <p:nvSpPr>
+            <p:cNvPr id="7" name="TextBox 6">
+              <a:extLst>
+                <a:ext uri="{FF2B5EF4-FFF2-40B4-BE49-F238E27FC236}">
+                  <a16:creationId xmlns:a16="http://schemas.microsoft.com/office/drawing/2014/main" id="{D2086C03-9B86-AF8A-C27F-F44372FAD753}"/>
+                </a:ext>
+              </a:extLst>
+            </p:cNvPr>
+            <p:cNvSpPr txBox="1"/>
+            <p:nvPr/>
+          </p:nvSpPr>
+          <p:spPr>
+            <a:xfrm>
+              <a:off x="1161835" y="3004017"/>
+              <a:ext cx="528958" cy="246221"/>
+            </a:xfrm>
+            <a:prstGeom prst="rect">
+              <a:avLst/>
+            </a:prstGeom>
+            <a:noFill/>
+          </p:spPr>
+          <p:txBody>
+            <a:bodyPr wrap="square" lIns="0" rIns="0" rtlCol="0">
+              <a:spAutoFit/>
+            </a:bodyPr>
+            <a:lstStyle>
+              <a:defPPr>
+                <a:defRPr lang="en-US"/>
+              </a:defPPr>
+              <a:lvl1pPr algn="ctr">
+                <a:defRPr sz="1000">
+                  <a:latin typeface="Calibri" panose="020F0502020204030204" pitchFamily="34" charset="0"/>
+                  <a:ea typeface="Calibri" panose="020F0502020204030204" pitchFamily="34" charset="0"/>
+                  <a:cs typeface="Calibri" panose="020F0502020204030204" pitchFamily="34" charset="0"/>
+                </a:defRPr>
+              </a:lvl1pPr>
+            </a:lstStyle>
+            <a:p>
+              <a:r>
+                <a:rPr lang="en-US" dirty="0"/>
+                <a:t>Brevo</a:t>
+              </a:r>
+            </a:p>
+          </p:txBody>
+        </p:sp>
+        <p:pic>
+          <p:nvPicPr>
+            <p:cNvPr id="17" name="Picture 4" descr="Brevo Logo &amp; Brand Assets (SVG, PNG and vector) - Brandfetch">
+              <a:extLst>
+                <a:ext uri="{FF2B5EF4-FFF2-40B4-BE49-F238E27FC236}">
+                  <a16:creationId xmlns:a16="http://schemas.microsoft.com/office/drawing/2014/main" id="{1CF01C81-A006-1D9A-C1EC-806DBC81FE9B}"/>
+                </a:ext>
+              </a:extLst>
+            </p:cNvPr>
+            <p:cNvPicPr>
+              <a:picLocks noChangeAspect="1" noChangeArrowheads="1"/>
+            </p:cNvPicPr>
+            <p:nvPr/>
+          </p:nvPicPr>
+          <p:blipFill>
+            <a:blip r:embed="rId34">
+              <a:extLst>
+                <a:ext uri="{28A0092B-C50C-407E-A947-70E740481C1C}">
+                  <a14:useLocalDpi xmlns:a14="http://schemas.microsoft.com/office/drawing/2010/main" val="0"/>
+                </a:ext>
+              </a:extLst>
+            </a:blip>
+            <a:srcRect/>
+            <a:stretch>
+              <a:fillRect/>
+            </a:stretch>
+          </p:blipFill>
+          <p:spPr bwMode="auto">
+            <a:xfrm>
+              <a:off x="1239529" y="2630574"/>
+              <a:ext cx="352751" cy="380345"/>
+            </a:xfrm>
+            <a:prstGeom prst="rect">
+              <a:avLst/>
+            </a:prstGeom>
+            <a:noFill/>
+            <a:extLst>
+              <a:ext uri="{909E8E84-426E-40DD-AFC4-6F175D3DCCD1}">
+                <a14:hiddenFill xmlns:a14="http://schemas.microsoft.com/office/drawing/2010/main">
+                  <a:solidFill>
+                    <a:srgbClr val="FFFFFF"/>
+                  </a:solidFill>
+                </a14:hiddenFill>
+              </a:ext>
+            </a:extLst>
+          </p:spPr>
+        </p:pic>
+      </p:grpSp>
+    </p:spTree>
+    <p:extLst>
+      <p:ext uri="{BB962C8B-B14F-4D97-AF65-F5344CB8AC3E}">
+        <p14:creationId xmlns:p14="http://schemas.microsoft.com/office/powerpoint/2010/main" val="3004675614"/>
+      </p:ext>
+    </p:extLst>
+  </p:cSld>
+  <p:clrMapOvr>
+    <a:masterClrMapping/>
+  </p:clrMapOvr>
+</p:sld>
+</file>
+
+<file path=ppt/slides/slide3.xml><?xml version="1.0" encoding="utf-8"?>
+<p:sld xmlns:a="http://schemas.openxmlformats.org/drawingml/2006/main" xmlns:r="http://schemas.openxmlformats.org/officeDocument/2006/relationships" xmlns:p="http://schemas.openxmlformats.org/presentationml/2006/main">
+  <p:cSld>
+    <p:spTree>
+      <p:nvGrpSpPr>
+        <p:cNvPr id="1" name="">
+          <a:extLst>
+            <a:ext uri="{FF2B5EF4-FFF2-40B4-BE49-F238E27FC236}">
+              <a16:creationId xmlns:a16="http://schemas.microsoft.com/office/drawing/2014/main" id="{E76609A2-3F5B-C980-EA84-E298D52D47D9}"/>
+            </a:ext>
+          </a:extLst>
+        </p:cNvPr>
+        <p:cNvGrpSpPr/>
+        <p:nvPr/>
+      </p:nvGrpSpPr>
+      <p:grpSpPr>
+        <a:xfrm>
+          <a:off x="0" y="0"/>
+          <a:ext cx="0" cy="0"/>
+          <a:chOff x="0" y="0"/>
+          <a:chExt cx="0" cy="0"/>
+        </a:xfrm>
+      </p:grpSpPr>
+      <p:pic>
+        <p:nvPicPr>
+          <p:cNvPr id="1026" name="Picture 2" descr="Python Programming Language icon SVG Vector &amp; PNG Free Download | UXWing">
+            <a:extLst>
+              <a:ext uri="{FF2B5EF4-FFF2-40B4-BE49-F238E27FC236}">
+                <a16:creationId xmlns:a16="http://schemas.microsoft.com/office/drawing/2014/main" id="{64A06B8D-B76E-41AA-0CAB-78F35D0E147C}"/>
+              </a:ext>
+            </a:extLst>
+          </p:cNvPr>
+          <p:cNvPicPr>
+            <a:picLocks noChangeAspect="1" noChangeArrowheads="1"/>
+          </p:cNvPicPr>
+          <p:nvPr/>
+        </p:nvPicPr>
+        <p:blipFill>
+          <a:blip r:embed="rId2">
+            <a:extLst>
+              <a:ext uri="{28A0092B-C50C-407E-A947-70E740481C1C}">
+                <a14:useLocalDpi xmlns:a14="http://schemas.microsoft.com/office/drawing/2010/main" val="0"/>
+              </a:ext>
+            </a:extLst>
+          </a:blip>
+          <a:srcRect/>
+          <a:stretch>
+            <a:fillRect/>
+          </a:stretch>
+        </p:blipFill>
+        <p:spPr bwMode="auto">
+          <a:xfrm>
+            <a:off x="609600" y="1279176"/>
+            <a:ext cx="352751" cy="380346"/>
+          </a:xfrm>
+          <a:prstGeom prst="rect">
+            <a:avLst/>
+          </a:prstGeom>
+          <a:noFill/>
+          <a:extLst>
+            <a:ext uri="{909E8E84-426E-40DD-AFC4-6F175D3DCCD1}">
+              <a14:hiddenFill xmlns:a14="http://schemas.microsoft.com/office/drawing/2010/main">
+                <a:solidFill>
+                  <a:srgbClr val="FFFFFF"/>
+                </a:solidFill>
+              </a14:hiddenFill>
+            </a:ext>
+          </a:extLst>
+        </p:spPr>
+      </p:pic>
+      <p:pic>
+        <p:nvPicPr>
+          <p:cNvPr id="1028" name="Picture 4" descr="gaction (Branding Logo For Github Actions) · GitHub">
+            <a:extLst>
+              <a:ext uri="{FF2B5EF4-FFF2-40B4-BE49-F238E27FC236}">
+                <a16:creationId xmlns:a16="http://schemas.microsoft.com/office/drawing/2014/main" id="{0B0F4E11-2206-98F3-346D-221827C22B87}"/>
+              </a:ext>
+            </a:extLst>
+          </p:cNvPr>
+          <p:cNvPicPr>
+            <a:picLocks noChangeAspect="1" noChangeArrowheads="1"/>
+          </p:cNvPicPr>
+          <p:nvPr/>
+        </p:nvPicPr>
+        <p:blipFill>
+          <a:blip r:embed="rId3">
+            <a:extLst>
+              <a:ext uri="{28A0092B-C50C-407E-A947-70E740481C1C}">
+                <a14:useLocalDpi xmlns:a14="http://schemas.microsoft.com/office/drawing/2010/main" val="0"/>
+              </a:ext>
+            </a:extLst>
+          </a:blip>
+          <a:srcRect/>
+          <a:stretch>
+            <a:fillRect/>
+          </a:stretch>
+        </p:blipFill>
+        <p:spPr bwMode="auto">
+          <a:xfrm>
+            <a:off x="9772766" y="1277125"/>
+            <a:ext cx="352312" cy="380346"/>
+          </a:xfrm>
+          <a:prstGeom prst="rect">
+            <a:avLst/>
+          </a:prstGeom>
+          <a:noFill/>
+          <a:extLst>
+            <a:ext uri="{909E8E84-426E-40DD-AFC4-6F175D3DCCD1}">
+              <a14:hiddenFill xmlns:a14="http://schemas.microsoft.com/office/drawing/2010/main">
+                <a:solidFill>
+                  <a:srgbClr val="FFFFFF"/>
+                </a:solidFill>
+              </a14:hiddenFill>
+            </a:ext>
+          </a:extLst>
+        </p:spPr>
+      </p:pic>
       <p:sp>
         <p:nvSpPr>
           <p:cNvPr id="9" name="TextBox 8">
             <a:extLst>
               <a:ext uri="{FF2B5EF4-FFF2-40B4-BE49-F238E27FC236}">
-                <a16:creationId xmlns:a16="http://schemas.microsoft.com/office/drawing/2014/main" id="{DB18C347-C4D7-FA14-5D89-B0BA89299321}"/>
+                <a16:creationId xmlns:a16="http://schemas.microsoft.com/office/drawing/2014/main" id="{F7C20AB4-FA54-9CB1-DB4E-5B9C901A47D6}"/>
               </a:ext>
             </a:extLst>
           </p:cNvPr>
@@ -7206,7 +14766,7 @@
           <p:cNvPr id="1030" name="Picture 6" descr="Github Logo - Free social media icons">
             <a:extLst>
               <a:ext uri="{FF2B5EF4-FFF2-40B4-BE49-F238E27FC236}">
-                <a16:creationId xmlns:a16="http://schemas.microsoft.com/office/drawing/2014/main" id="{11508580-6F14-97A9-921D-975F5292FE81}"/>
+                <a16:creationId xmlns:a16="http://schemas.microsoft.com/office/drawing/2014/main" id="{5A16BEC4-6589-E6AD-29B0-751A07FC1B02}"/>
               </a:ext>
             </a:extLst>
           </p:cNvPr>
@@ -7253,7 +14813,7 @@
           <p:cNvPr id="11" name="TextBox 10">
             <a:extLst>
               <a:ext uri="{FF2B5EF4-FFF2-40B4-BE49-F238E27FC236}">
-                <a16:creationId xmlns:a16="http://schemas.microsoft.com/office/drawing/2014/main" id="{78723CFA-8C50-F835-0C0D-FCAFBF299D10}"/>
+                <a16:creationId xmlns:a16="http://schemas.microsoft.com/office/drawing/2014/main" id="{00809E80-F212-AFEB-0331-7ABA420DC816}"/>
               </a:ext>
             </a:extLst>
           </p:cNvPr>
@@ -7299,7 +14859,7 @@
           <p:cNvPr id="1032" name="Picture 8">
             <a:extLst>
               <a:ext uri="{FF2B5EF4-FFF2-40B4-BE49-F238E27FC236}">
-                <a16:creationId xmlns:a16="http://schemas.microsoft.com/office/drawing/2014/main" id="{74089EAB-16DC-49B9-5B4D-A60D3989B704}"/>
+                <a16:creationId xmlns:a16="http://schemas.microsoft.com/office/drawing/2014/main" id="{768B1D63-DD97-2A98-7517-4E53AA4CB829}"/>
               </a:ext>
             </a:extLst>
           </p:cNvPr>
@@ -7346,7 +14906,7 @@
           <p:cNvPr id="12" name="TextBox 11">
             <a:extLst>
               <a:ext uri="{FF2B5EF4-FFF2-40B4-BE49-F238E27FC236}">
-                <a16:creationId xmlns:a16="http://schemas.microsoft.com/office/drawing/2014/main" id="{E2EAFA67-CBBE-7647-6B77-0AF427E25832}"/>
+                <a16:creationId xmlns:a16="http://schemas.microsoft.com/office/drawing/2014/main" id="{BEAD2D03-3C17-69BB-979D-B3347216102F}"/>
               </a:ext>
             </a:extLst>
           </p:cNvPr>
@@ -7392,7 +14952,7 @@
           <p:cNvPr id="1034" name="Picture 10" descr="Docker, logo, logos icon - Free download on Iconfinder">
             <a:extLst>
               <a:ext uri="{FF2B5EF4-FFF2-40B4-BE49-F238E27FC236}">
-                <a16:creationId xmlns:a16="http://schemas.microsoft.com/office/drawing/2014/main" id="{EFAE52B6-4518-295E-A332-B53EEA736233}"/>
+                <a16:creationId xmlns:a16="http://schemas.microsoft.com/office/drawing/2014/main" id="{BADD915A-80BD-E9C8-15F5-37D768BC602F}"/>
               </a:ext>
             </a:extLst>
           </p:cNvPr>
@@ -7437,7 +14997,7 @@
           <p:cNvPr id="28" name="TextBox 27">
             <a:extLst>
               <a:ext uri="{FF2B5EF4-FFF2-40B4-BE49-F238E27FC236}">
-                <a16:creationId xmlns:a16="http://schemas.microsoft.com/office/drawing/2014/main" id="{F163803C-C95A-A853-F304-E1A38372D05C}"/>
+                <a16:creationId xmlns:a16="http://schemas.microsoft.com/office/drawing/2014/main" id="{656151D4-CB75-3A80-DDCF-FF045BB108D9}"/>
               </a:ext>
             </a:extLst>
           </p:cNvPr>
@@ -7489,7 +15049,7 @@
           <p:cNvPr id="1038" name="Picture 14" descr="terraform&quot; Icon - Download for free – Iconduck">
             <a:extLst>
               <a:ext uri="{FF2B5EF4-FFF2-40B4-BE49-F238E27FC236}">
-                <a16:creationId xmlns:a16="http://schemas.microsoft.com/office/drawing/2014/main" id="{FB992BEA-AF8E-5130-BA23-B7F3633C4758}"/>
+                <a16:creationId xmlns:a16="http://schemas.microsoft.com/office/drawing/2014/main" id="{BBC9D48D-E126-C32A-EA92-BCD5C7118E05}"/>
               </a:ext>
             </a:extLst>
           </p:cNvPr>
@@ -7536,7 +15096,7 @@
           <p:cNvPr id="1040" name="Picture 16" descr="Playwright icon - Free Download PNG &amp; SVG | Streamline">
             <a:extLst>
               <a:ext uri="{FF2B5EF4-FFF2-40B4-BE49-F238E27FC236}">
-                <a16:creationId xmlns:a16="http://schemas.microsoft.com/office/drawing/2014/main" id="{CB0DB4A2-6DFC-8CB5-727C-3657155113D8}"/>
+                <a16:creationId xmlns:a16="http://schemas.microsoft.com/office/drawing/2014/main" id="{8F97D853-8B41-AD28-11E8-36EEBBDB9E06}"/>
               </a:ext>
             </a:extLst>
           </p:cNvPr>
@@ -7583,7 +15143,7 @@
           <p:cNvPr id="36" name="TextBox 35">
             <a:extLst>
               <a:ext uri="{FF2B5EF4-FFF2-40B4-BE49-F238E27FC236}">
-                <a16:creationId xmlns:a16="http://schemas.microsoft.com/office/drawing/2014/main" id="{825E0026-5169-2F34-C128-68DE7C887F96}"/>
+                <a16:creationId xmlns:a16="http://schemas.microsoft.com/office/drawing/2014/main" id="{131949C6-EB3F-D45C-B5CF-75F65C34CACC}"/>
               </a:ext>
             </a:extLst>
           </p:cNvPr>
@@ -7629,7 +15189,7 @@
           <p:cNvPr id="37" name="TextBox 36">
             <a:extLst>
               <a:ext uri="{FF2B5EF4-FFF2-40B4-BE49-F238E27FC236}">
-                <a16:creationId xmlns:a16="http://schemas.microsoft.com/office/drawing/2014/main" id="{6F39930B-E3E9-74DD-FA55-C211610BE3BB}"/>
+                <a16:creationId xmlns:a16="http://schemas.microsoft.com/office/drawing/2014/main" id="{13E76A2A-0EF6-B248-0341-F98C5234A0D5}"/>
               </a:ext>
             </a:extLst>
           </p:cNvPr>
@@ -7669,7 +15229,7 @@
           <p:cNvPr id="1042" name="Picture 18" descr="GitHub Actions SVG and transparent PNG icons | TechIcons">
             <a:extLst>
               <a:ext uri="{FF2B5EF4-FFF2-40B4-BE49-F238E27FC236}">
-                <a16:creationId xmlns:a16="http://schemas.microsoft.com/office/drawing/2014/main" id="{459C6454-92B6-2A68-69C0-33B638418A7C}"/>
+                <a16:creationId xmlns:a16="http://schemas.microsoft.com/office/drawing/2014/main" id="{2F41E499-52A8-B9FD-D680-CE1EF316A03B}"/>
               </a:ext>
             </a:extLst>
           </p:cNvPr>
@@ -7716,7 +15276,7 @@
           <p:cNvPr id="39" name="TextBox 38">
             <a:extLst>
               <a:ext uri="{FF2B5EF4-FFF2-40B4-BE49-F238E27FC236}">
-                <a16:creationId xmlns:a16="http://schemas.microsoft.com/office/drawing/2014/main" id="{A3DF5376-215F-BF2B-B974-ED694F8ED020}"/>
+                <a16:creationId xmlns:a16="http://schemas.microsoft.com/office/drawing/2014/main" id="{5BE85945-E91B-38BA-46DF-FB1B46297D9D}"/>
               </a:ext>
             </a:extLst>
           </p:cNvPr>
@@ -7762,7 +15322,7 @@
           <p:cNvPr id="1044" name="Picture 20" descr="Auth0&quot; Icon - Download for free – Iconduck">
             <a:extLst>
               <a:ext uri="{FF2B5EF4-FFF2-40B4-BE49-F238E27FC236}">
-                <a16:creationId xmlns:a16="http://schemas.microsoft.com/office/drawing/2014/main" id="{EB9C5265-C121-2934-552F-01EFBE2F1F0A}"/>
+                <a16:creationId xmlns:a16="http://schemas.microsoft.com/office/drawing/2014/main" id="{D99A2431-89E8-6D3A-1124-01E3B5D3C6E4}"/>
               </a:ext>
             </a:extLst>
           </p:cNvPr>
@@ -7809,7 +15369,7 @@
           <p:cNvPr id="43" name="TextBox 42">
             <a:extLst>
               <a:ext uri="{FF2B5EF4-FFF2-40B4-BE49-F238E27FC236}">
-                <a16:creationId xmlns:a16="http://schemas.microsoft.com/office/drawing/2014/main" id="{89F6630A-0778-9411-4D69-E4875D9F92E9}"/>
+                <a16:creationId xmlns:a16="http://schemas.microsoft.com/office/drawing/2014/main" id="{19270C44-29FD-CDE0-F6F5-8934E61BE9F1}"/>
               </a:ext>
             </a:extLst>
           </p:cNvPr>
@@ -7850,59 +15410,12 @@
           </a:p>
         </p:txBody>
       </p:sp>
-      <p:pic>
-        <p:nvPicPr>
-          <p:cNvPr id="1046" name="Picture 22" descr="Twilio SendGrid Logo">
-            <a:extLst>
-              <a:ext uri="{FF2B5EF4-FFF2-40B4-BE49-F238E27FC236}">
-                <a16:creationId xmlns:a16="http://schemas.microsoft.com/office/drawing/2014/main" id="{77D0292E-1735-FD2B-60AF-9277DD7263B2}"/>
-              </a:ext>
-            </a:extLst>
-          </p:cNvPr>
-          <p:cNvPicPr>
-            <a:picLocks noChangeAspect="1" noChangeArrowheads="1"/>
-          </p:cNvPicPr>
-          <p:nvPr/>
-        </p:nvPicPr>
-        <p:blipFill>
-          <a:blip r:embed="rId11">
-            <a:extLst>
-              <a:ext uri="{28A0092B-C50C-407E-A947-70E740481C1C}">
-                <a14:useLocalDpi xmlns:a14="http://schemas.microsoft.com/office/drawing/2010/main" val="0"/>
-              </a:ext>
-            </a:extLst>
-          </a:blip>
-          <a:srcRect/>
-          <a:stretch>
-            <a:fillRect/>
-          </a:stretch>
-        </p:blipFill>
-        <p:spPr bwMode="auto">
-          <a:xfrm>
-            <a:off x="1281570" y="2637478"/>
-            <a:ext cx="352751" cy="366539"/>
-          </a:xfrm>
-          <a:prstGeom prst="rect">
-            <a:avLst/>
-          </a:prstGeom>
-          <a:noFill/>
-          <a:extLst>
-            <a:ext uri="{909E8E84-426E-40DD-AFC4-6F175D3DCCD1}">
-              <a14:hiddenFill xmlns:a14="http://schemas.microsoft.com/office/drawing/2010/main">
-                <a:solidFill>
-                  <a:srgbClr val="FFFFFF"/>
-                </a:solidFill>
-              </a14:hiddenFill>
-            </a:ext>
-          </a:extLst>
-        </p:spPr>
-      </p:pic>
       <p:sp>
         <p:nvSpPr>
           <p:cNvPr id="48" name="TextBox 47">
             <a:extLst>
               <a:ext uri="{FF2B5EF4-FFF2-40B4-BE49-F238E27FC236}">
-                <a16:creationId xmlns:a16="http://schemas.microsoft.com/office/drawing/2014/main" id="{69A0EB29-8AD0-2ACD-A0D4-03979A0051C4}"/>
+                <a16:creationId xmlns:a16="http://schemas.microsoft.com/office/drawing/2014/main" id="{F1E3E074-D43A-B8D6-4AFB-E7F675602464}"/>
               </a:ext>
             </a:extLst>
           </p:cNvPr>
@@ -7938,7 +15451,7 @@
           <a:p>
             <a:r>
               <a:rPr lang="en-US" dirty="0"/>
-              <a:t>SendGrid</a:t>
+              <a:t>Brevo</a:t>
             </a:r>
           </a:p>
         </p:txBody>
@@ -7948,7 +15461,7 @@
           <p:cNvPr id="1048" name="Picture 24" descr="Email Icon Blue transparent PNG - StickPNG">
             <a:extLst>
               <a:ext uri="{FF2B5EF4-FFF2-40B4-BE49-F238E27FC236}">
-                <a16:creationId xmlns:a16="http://schemas.microsoft.com/office/drawing/2014/main" id="{42367507-96B2-E8AA-8E82-39D22E47D946}"/>
+                <a16:creationId xmlns:a16="http://schemas.microsoft.com/office/drawing/2014/main" id="{4A739DDF-37BD-6D78-40B1-6DAB6D029CB1}"/>
               </a:ext>
             </a:extLst>
           </p:cNvPr>
@@ -7958,7 +15471,7 @@
           <p:nvPr/>
         </p:nvPicPr>
         <p:blipFill>
-          <a:blip r:embed="rId12">
+          <a:blip r:embed="rId11">
             <a:extLst>
               <a:ext uri="{28A0092B-C50C-407E-A947-70E740481C1C}">
                 <a14:useLocalDpi xmlns:a14="http://schemas.microsoft.com/office/drawing/2010/main" val="0"/>
@@ -7995,7 +15508,7 @@
           <p:cNvPr id="1050" name="Picture 26" descr="End-user | Definition">
             <a:extLst>
               <a:ext uri="{FF2B5EF4-FFF2-40B4-BE49-F238E27FC236}">
-                <a16:creationId xmlns:a16="http://schemas.microsoft.com/office/drawing/2014/main" id="{65596FA5-56AA-240B-7D82-E55B598CA769}"/>
+                <a16:creationId xmlns:a16="http://schemas.microsoft.com/office/drawing/2014/main" id="{37494FB8-9E27-01EF-DB60-214CA520F734}"/>
               </a:ext>
             </a:extLst>
           </p:cNvPr>
@@ -8005,7 +15518,7 @@
           <p:nvPr/>
         </p:nvPicPr>
         <p:blipFill>
-          <a:blip r:embed="rId13">
+          <a:blip r:embed="rId12">
             <a:extLst>
               <a:ext uri="{28A0092B-C50C-407E-A947-70E740481C1C}">
                 <a14:useLocalDpi xmlns:a14="http://schemas.microsoft.com/office/drawing/2010/main" val="0"/>
@@ -8042,7 +15555,7 @@
           <p:cNvPr id="57" name="TextBox 56">
             <a:extLst>
               <a:ext uri="{FF2B5EF4-FFF2-40B4-BE49-F238E27FC236}">
-                <a16:creationId xmlns:a16="http://schemas.microsoft.com/office/drawing/2014/main" id="{057AAF6D-CE67-826D-5DE2-0DCA799E22C7}"/>
+                <a16:creationId xmlns:a16="http://schemas.microsoft.com/office/drawing/2014/main" id="{402AE47B-8304-E7F0-E83C-AF3260251756}"/>
               </a:ext>
             </a:extLst>
           </p:cNvPr>
@@ -8088,7 +15601,7 @@
           <p:cNvPr id="1052" name="Picture 28" descr="Cloudflare SVG and transparent PNG icons | TechIcons">
             <a:extLst>
               <a:ext uri="{FF2B5EF4-FFF2-40B4-BE49-F238E27FC236}">
-                <a16:creationId xmlns:a16="http://schemas.microsoft.com/office/drawing/2014/main" id="{34C03D85-4EB1-BFED-E12B-6C991EC1DA8A}"/>
+                <a16:creationId xmlns:a16="http://schemas.microsoft.com/office/drawing/2014/main" id="{75A8F092-4A5F-E20B-CBFF-902057D3A35F}"/>
               </a:ext>
             </a:extLst>
           </p:cNvPr>
@@ -8098,7 +15611,7 @@
           <p:nvPr/>
         </p:nvPicPr>
         <p:blipFill rotWithShape="1">
-          <a:blip r:embed="rId14">
+          <a:blip r:embed="rId13">
             <a:extLst>
               <a:ext uri="{28A0092B-C50C-407E-A947-70E740481C1C}">
                 <a14:useLocalDpi xmlns:a14="http://schemas.microsoft.com/office/drawing/2010/main" val="0"/>
@@ -8133,7 +15646,7 @@
           <p:cNvPr id="1056" name="Picture 32">
             <a:extLst>
               <a:ext uri="{FF2B5EF4-FFF2-40B4-BE49-F238E27FC236}">
-                <a16:creationId xmlns:a16="http://schemas.microsoft.com/office/drawing/2014/main" id="{CCC38B1D-D02B-4A8D-66C9-D726A9607515}"/>
+                <a16:creationId xmlns:a16="http://schemas.microsoft.com/office/drawing/2014/main" id="{7271C638-FD08-1F8D-ED14-5D2E86188EB6}"/>
               </a:ext>
             </a:extLst>
           </p:cNvPr>
@@ -8143,7 +15656,7 @@
           <p:nvPr/>
         </p:nvPicPr>
         <p:blipFill>
-          <a:blip r:embed="rId15">
+          <a:blip r:embed="rId14">
             <a:extLst>
               <a:ext uri="{28A0092B-C50C-407E-A947-70E740481C1C}">
                 <a14:useLocalDpi xmlns:a14="http://schemas.microsoft.com/office/drawing/2010/main" val="0"/>
@@ -8180,7 +15693,7 @@
           <p:cNvPr id="1027" name="TextBox 1026">
             <a:extLst>
               <a:ext uri="{FF2B5EF4-FFF2-40B4-BE49-F238E27FC236}">
-                <a16:creationId xmlns:a16="http://schemas.microsoft.com/office/drawing/2014/main" id="{A09B0747-3223-656F-95B7-F69055998C05}"/>
+                <a16:creationId xmlns:a16="http://schemas.microsoft.com/office/drawing/2014/main" id="{CBF8AD85-4D7A-0C35-3A71-7D4EBB6F01CA}"/>
               </a:ext>
             </a:extLst>
           </p:cNvPr>
@@ -8232,7 +15745,7 @@
           <p:cNvPr id="1058" name="TextBox 1057">
             <a:extLst>
               <a:ext uri="{FF2B5EF4-FFF2-40B4-BE49-F238E27FC236}">
-                <a16:creationId xmlns:a16="http://schemas.microsoft.com/office/drawing/2014/main" id="{8AD90DA6-F900-62C8-282E-E08A9CBA293C}"/>
+                <a16:creationId xmlns:a16="http://schemas.microsoft.com/office/drawing/2014/main" id="{BECDB52D-6C4A-A2B3-D092-48BF306566A1}"/>
               </a:ext>
             </a:extLst>
           </p:cNvPr>
@@ -8278,7 +15791,7 @@
           <p:cNvPr id="1064" name="Picture 34" descr="S3 Bucket with Objects | AWS Storage">
             <a:extLst>
               <a:ext uri="{FF2B5EF4-FFF2-40B4-BE49-F238E27FC236}">
-                <a16:creationId xmlns:a16="http://schemas.microsoft.com/office/drawing/2014/main" id="{CBE95590-C19F-882C-B79E-05A0C24E2B1D}"/>
+                <a16:creationId xmlns:a16="http://schemas.microsoft.com/office/drawing/2014/main" id="{F5B731EE-A299-EB89-DBC8-B7B6AACF49BC}"/>
               </a:ext>
             </a:extLst>
           </p:cNvPr>
@@ -8288,7 +15801,7 @@
           <p:nvPr/>
         </p:nvPicPr>
         <p:blipFill>
-          <a:blip r:embed="rId16">
+          <a:blip r:embed="rId15">
             <a:extLst>
               <a:ext uri="{28A0092B-C50C-407E-A947-70E740481C1C}">
                 <a14:useLocalDpi xmlns:a14="http://schemas.microsoft.com/office/drawing/2010/main" val="0"/>
@@ -8325,7 +15838,7 @@
           <p:cNvPr id="1065" name="TextBox 1064">
             <a:extLst>
               <a:ext uri="{FF2B5EF4-FFF2-40B4-BE49-F238E27FC236}">
-                <a16:creationId xmlns:a16="http://schemas.microsoft.com/office/drawing/2014/main" id="{4DFC4C1F-A953-8115-D8F8-625D820464AE}"/>
+                <a16:creationId xmlns:a16="http://schemas.microsoft.com/office/drawing/2014/main" id="{634E5923-DFFC-8BA0-2BFA-AB40CD1CF82B}"/>
               </a:ext>
             </a:extLst>
           </p:cNvPr>
@@ -8371,7 +15884,7 @@
           <p:cNvPr id="1066" name="Picture 36" descr="5 New Features in AWS Fargate Version 1.4 | Logicata">
             <a:extLst>
               <a:ext uri="{FF2B5EF4-FFF2-40B4-BE49-F238E27FC236}">
-                <a16:creationId xmlns:a16="http://schemas.microsoft.com/office/drawing/2014/main" id="{9C1BA5F8-0B9E-1A86-E4D1-CA2CC38F9ADA}"/>
+                <a16:creationId xmlns:a16="http://schemas.microsoft.com/office/drawing/2014/main" id="{8B1573A3-616B-E414-481F-0A3769003CD7}"/>
               </a:ext>
             </a:extLst>
           </p:cNvPr>
@@ -8381,7 +15894,7 @@
           <p:nvPr/>
         </p:nvPicPr>
         <p:blipFill>
-          <a:blip r:embed="rId17">
+          <a:blip r:embed="rId16">
             <a:extLst>
               <a:ext uri="{28A0092B-C50C-407E-A947-70E740481C1C}">
                 <a14:useLocalDpi xmlns:a14="http://schemas.microsoft.com/office/drawing/2010/main" val="0"/>
@@ -8418,7 +15931,7 @@
           <p:cNvPr id="1067" name="TextBox 1066">
             <a:extLst>
               <a:ext uri="{FF2B5EF4-FFF2-40B4-BE49-F238E27FC236}">
-                <a16:creationId xmlns:a16="http://schemas.microsoft.com/office/drawing/2014/main" id="{ACEE9E57-9C65-E848-B931-DE6377F6C7B3}"/>
+                <a16:creationId xmlns:a16="http://schemas.microsoft.com/office/drawing/2014/main" id="{21E49BB2-C7CB-D636-E53B-ECD0A4284D6B}"/>
               </a:ext>
             </a:extLst>
           </p:cNvPr>
@@ -8464,7 +15977,7 @@
           <p:cNvPr id="1068" name="Picture 38" descr="AWS CloudWatch Logs">
             <a:extLst>
               <a:ext uri="{FF2B5EF4-FFF2-40B4-BE49-F238E27FC236}">
-                <a16:creationId xmlns:a16="http://schemas.microsoft.com/office/drawing/2014/main" id="{DBA2C1E4-66B4-3B35-196B-2DE353929411}"/>
+                <a16:creationId xmlns:a16="http://schemas.microsoft.com/office/drawing/2014/main" id="{E2B81CF3-E959-9A8D-9EBE-9EBB54AF8DA3}"/>
               </a:ext>
             </a:extLst>
           </p:cNvPr>
@@ -8474,7 +15987,7 @@
           <p:nvPr/>
         </p:nvPicPr>
         <p:blipFill>
-          <a:blip r:embed="rId18">
+          <a:blip r:embed="rId17">
             <a:extLst>
               <a:ext uri="{28A0092B-C50C-407E-A947-70E740481C1C}">
                 <a14:useLocalDpi xmlns:a14="http://schemas.microsoft.com/office/drawing/2010/main" val="0"/>
@@ -8511,7 +16024,7 @@
           <p:cNvPr id="1069" name="TextBox 1068">
             <a:extLst>
               <a:ext uri="{FF2B5EF4-FFF2-40B4-BE49-F238E27FC236}">
-                <a16:creationId xmlns:a16="http://schemas.microsoft.com/office/drawing/2014/main" id="{3BC36A3F-BB76-C81D-4253-189ED9B67340}"/>
+                <a16:creationId xmlns:a16="http://schemas.microsoft.com/office/drawing/2014/main" id="{98C3BA5C-1F1C-E357-608A-329AFC0598CA}"/>
               </a:ext>
             </a:extLst>
           </p:cNvPr>
@@ -8557,7 +16070,7 @@
           <p:cNvPr id="1070" name="Picture 12" descr="Amazon ECR | AWS Compute">
             <a:extLst>
               <a:ext uri="{FF2B5EF4-FFF2-40B4-BE49-F238E27FC236}">
-                <a16:creationId xmlns:a16="http://schemas.microsoft.com/office/drawing/2014/main" id="{E30E0ED3-C791-CEC1-E22D-EA92E9F2B37A}"/>
+                <a16:creationId xmlns:a16="http://schemas.microsoft.com/office/drawing/2014/main" id="{EDE0A9AB-71E4-D79A-DCB4-203AE48569C9}"/>
               </a:ext>
             </a:extLst>
           </p:cNvPr>
@@ -8567,7 +16080,7 @@
           <p:nvPr/>
         </p:nvPicPr>
         <p:blipFill>
-          <a:blip r:embed="rId19">
+          <a:blip r:embed="rId18">
             <a:extLst>
               <a:ext uri="{28A0092B-C50C-407E-A947-70E740481C1C}">
                 <a14:useLocalDpi xmlns:a14="http://schemas.microsoft.com/office/drawing/2010/main" val="0"/>
@@ -8604,7 +16117,7 @@
           <p:cNvPr id="1071" name="TextBox 1070">
             <a:extLst>
               <a:ext uri="{FF2B5EF4-FFF2-40B4-BE49-F238E27FC236}">
-                <a16:creationId xmlns:a16="http://schemas.microsoft.com/office/drawing/2014/main" id="{650AF755-B50B-2863-59AC-342400D2BDA5}"/>
+                <a16:creationId xmlns:a16="http://schemas.microsoft.com/office/drawing/2014/main" id="{B9F38800-3A8D-2875-4DA5-FE93A513E838}"/>
               </a:ext>
             </a:extLst>
           </p:cNvPr>
@@ -8650,7 +16163,7 @@
           <p:cNvPr id="1075" name="Picture 1074">
             <a:extLst>
               <a:ext uri="{FF2B5EF4-FFF2-40B4-BE49-F238E27FC236}">
-                <a16:creationId xmlns:a16="http://schemas.microsoft.com/office/drawing/2014/main" id="{4696ED94-893B-0F86-4DCC-43C8D1727432}"/>
+                <a16:creationId xmlns:a16="http://schemas.microsoft.com/office/drawing/2014/main" id="{265F5880-22A9-094B-EC57-6998C22D3337}"/>
               </a:ext>
             </a:extLst>
           </p:cNvPr>
@@ -8660,7 +16173,7 @@
           <p:nvPr/>
         </p:nvPicPr>
         <p:blipFill>
-          <a:blip r:embed="rId20"/>
+          <a:blip r:embed="rId19"/>
           <a:srcRect l="11468" t="6564" r="7282" b="7650"/>
           <a:stretch/>
         </p:blipFill>
@@ -8679,7 +16192,7 @@
           <p:cNvPr id="1076" name="TextBox 1075">
             <a:extLst>
               <a:ext uri="{FF2B5EF4-FFF2-40B4-BE49-F238E27FC236}">
-                <a16:creationId xmlns:a16="http://schemas.microsoft.com/office/drawing/2014/main" id="{25207517-A879-B4D2-46B3-0DED21868E5F}"/>
+                <a16:creationId xmlns:a16="http://schemas.microsoft.com/office/drawing/2014/main" id="{FDACB625-5617-7B67-C238-567CF71637E7}"/>
               </a:ext>
             </a:extLst>
           </p:cNvPr>
@@ -8725,7 +16238,7 @@
           <p:cNvPr id="1094" name="TextBox 1093">
             <a:extLst>
               <a:ext uri="{FF2B5EF4-FFF2-40B4-BE49-F238E27FC236}">
-                <a16:creationId xmlns:a16="http://schemas.microsoft.com/office/drawing/2014/main" id="{274C854D-3567-8BAF-B78F-E3F0FA3995F7}"/>
+                <a16:creationId xmlns:a16="http://schemas.microsoft.com/office/drawing/2014/main" id="{D1BD3F02-E4C8-E982-D611-BFA789A5C27F}"/>
               </a:ext>
             </a:extLst>
           </p:cNvPr>
@@ -8771,7 +16284,7 @@
           <p:cNvPr id="1105" name="Picture 44">
             <a:extLst>
               <a:ext uri="{FF2B5EF4-FFF2-40B4-BE49-F238E27FC236}">
-                <a16:creationId xmlns:a16="http://schemas.microsoft.com/office/drawing/2014/main" id="{7E01FDFB-1B44-584C-8278-72B010F5DF2D}"/>
+                <a16:creationId xmlns:a16="http://schemas.microsoft.com/office/drawing/2014/main" id="{1A73740D-3F31-C053-0F6A-A03BCB4C9727}"/>
               </a:ext>
             </a:extLst>
           </p:cNvPr>
@@ -8781,7 +16294,7 @@
           <p:nvPr/>
         </p:nvPicPr>
         <p:blipFill>
-          <a:blip r:embed="rId21">
+          <a:blip r:embed="rId20">
             <a:extLst>
               <a:ext uri="{28A0092B-C50C-407E-A947-70E740481C1C}">
                 <a14:useLocalDpi xmlns:a14="http://schemas.microsoft.com/office/drawing/2010/main" val="0"/>
@@ -8818,7 +16331,7 @@
           <p:cNvPr id="1106" name="TextBox 1105">
             <a:extLst>
               <a:ext uri="{FF2B5EF4-FFF2-40B4-BE49-F238E27FC236}">
-                <a16:creationId xmlns:a16="http://schemas.microsoft.com/office/drawing/2014/main" id="{89C816A3-F1E1-8EF0-9154-612E8649F752}"/>
+                <a16:creationId xmlns:a16="http://schemas.microsoft.com/office/drawing/2014/main" id="{5554FC95-15AE-2FEA-69B4-AC61CC45652F}"/>
               </a:ext>
             </a:extLst>
           </p:cNvPr>
@@ -8864,7 +16377,7 @@
           <p:cNvPr id="1082" name="Picture 1081">
             <a:extLst>
               <a:ext uri="{FF2B5EF4-FFF2-40B4-BE49-F238E27FC236}">
-                <a16:creationId xmlns:a16="http://schemas.microsoft.com/office/drawing/2014/main" id="{1EBD8925-A000-D6F9-E0FE-A2A1D13CE746}"/>
+                <a16:creationId xmlns:a16="http://schemas.microsoft.com/office/drawing/2014/main" id="{D806B8BE-97D7-5876-F329-415E533DE528}"/>
               </a:ext>
             </a:extLst>
           </p:cNvPr>
@@ -8874,7 +16387,7 @@
           <p:nvPr/>
         </p:nvPicPr>
         <p:blipFill>
-          <a:blip r:embed="rId22"/>
+          <a:blip r:embed="rId21"/>
           <a:stretch>
             <a:fillRect/>
           </a:stretch>
@@ -8894,7 +16407,7 @@
           <p:cNvPr id="1107" name="TextBox 1106">
             <a:extLst>
               <a:ext uri="{FF2B5EF4-FFF2-40B4-BE49-F238E27FC236}">
-                <a16:creationId xmlns:a16="http://schemas.microsoft.com/office/drawing/2014/main" id="{FD30D259-4C61-B3E4-D655-B95F2EEC7EAC}"/>
+                <a16:creationId xmlns:a16="http://schemas.microsoft.com/office/drawing/2014/main" id="{FFF489B3-7B2C-464A-74D3-CD8D0FE1F91C}"/>
               </a:ext>
             </a:extLst>
           </p:cNvPr>
@@ -8940,7 +16453,7 @@
           <p:cNvPr id="1110" name="Picture 46" descr="aws iam&quot; Icon - Download for free – Iconduck">
             <a:extLst>
               <a:ext uri="{FF2B5EF4-FFF2-40B4-BE49-F238E27FC236}">
-                <a16:creationId xmlns:a16="http://schemas.microsoft.com/office/drawing/2014/main" id="{1705A0A7-5221-2BE5-383F-68FAB8F596D7}"/>
+                <a16:creationId xmlns:a16="http://schemas.microsoft.com/office/drawing/2014/main" id="{EC089D71-4B04-DCC0-45DA-61571E1318C8}"/>
               </a:ext>
             </a:extLst>
           </p:cNvPr>
@@ -8950,7 +16463,7 @@
           <p:nvPr/>
         </p:nvPicPr>
         <p:blipFill>
-          <a:blip r:embed="rId23">
+          <a:blip r:embed="rId22">
             <a:extLst>
               <a:ext uri="{28A0092B-C50C-407E-A947-70E740481C1C}">
                 <a14:useLocalDpi xmlns:a14="http://schemas.microsoft.com/office/drawing/2010/main" val="0"/>
@@ -8987,7 +16500,7 @@
           <p:cNvPr id="1111" name="TextBox 1110">
             <a:extLst>
               <a:ext uri="{FF2B5EF4-FFF2-40B4-BE49-F238E27FC236}">
-                <a16:creationId xmlns:a16="http://schemas.microsoft.com/office/drawing/2014/main" id="{42A49317-598A-C632-0DF4-A4FA5007B68D}"/>
+                <a16:creationId xmlns:a16="http://schemas.microsoft.com/office/drawing/2014/main" id="{FFDFD7ED-299B-3454-41E5-BFA1CDE8D4F5}"/>
               </a:ext>
             </a:extLst>
           </p:cNvPr>
@@ -9033,7 +16546,7 @@
           <p:cNvPr id="1113" name="Picture 48" descr="aws cloudfront&quot; Icon - Download for free – Iconduck">
             <a:extLst>
               <a:ext uri="{FF2B5EF4-FFF2-40B4-BE49-F238E27FC236}">
-                <a16:creationId xmlns:a16="http://schemas.microsoft.com/office/drawing/2014/main" id="{3D7694A8-69E6-2B2C-96B1-9E8C4B28EF65}"/>
+                <a16:creationId xmlns:a16="http://schemas.microsoft.com/office/drawing/2014/main" id="{FDBA4828-29CE-4A05-B712-6B8ED5712FAB}"/>
               </a:ext>
             </a:extLst>
           </p:cNvPr>
@@ -9043,7 +16556,7 @@
           <p:nvPr/>
         </p:nvPicPr>
         <p:blipFill>
-          <a:blip r:embed="rId24">
+          <a:blip r:embed="rId23">
             <a:extLst>
               <a:ext uri="{28A0092B-C50C-407E-A947-70E740481C1C}">
                 <a14:useLocalDpi xmlns:a14="http://schemas.microsoft.com/office/drawing/2010/main" val="0"/>
@@ -9080,7 +16593,7 @@
           <p:cNvPr id="1114" name="TextBox 1113">
             <a:extLst>
               <a:ext uri="{FF2B5EF4-FFF2-40B4-BE49-F238E27FC236}">
-                <a16:creationId xmlns:a16="http://schemas.microsoft.com/office/drawing/2014/main" id="{17DD6BB0-060C-3A72-A2CE-07F93A6A4FF3}"/>
+                <a16:creationId xmlns:a16="http://schemas.microsoft.com/office/drawing/2014/main" id="{9BDB622F-FE61-002C-D302-088C8D12AEE0}"/>
               </a:ext>
             </a:extLst>
           </p:cNvPr>
@@ -9126,7 +16639,7 @@
           <p:cNvPr id="1116" name="Picture 52" descr="Node.js Explained - A beginner guide">
             <a:extLst>
               <a:ext uri="{FF2B5EF4-FFF2-40B4-BE49-F238E27FC236}">
-                <a16:creationId xmlns:a16="http://schemas.microsoft.com/office/drawing/2014/main" id="{CDEA8747-79C7-58AE-134F-561A51184134}"/>
+                <a16:creationId xmlns:a16="http://schemas.microsoft.com/office/drawing/2014/main" id="{513E431D-7440-1ACE-8B27-2A326D22FF93}"/>
               </a:ext>
             </a:extLst>
           </p:cNvPr>
@@ -9136,7 +16649,7 @@
           <p:nvPr/>
         </p:nvPicPr>
         <p:blipFill>
-          <a:blip r:embed="rId25">
+          <a:blip r:embed="rId24">
             <a:extLst>
               <a:ext uri="{28A0092B-C50C-407E-A947-70E740481C1C}">
                 <a14:useLocalDpi xmlns:a14="http://schemas.microsoft.com/office/drawing/2010/main" val="0"/>
@@ -9173,7 +16686,7 @@
           <p:cNvPr id="1117" name="TextBox 1116">
             <a:extLst>
               <a:ext uri="{FF2B5EF4-FFF2-40B4-BE49-F238E27FC236}">
-                <a16:creationId xmlns:a16="http://schemas.microsoft.com/office/drawing/2014/main" id="{D1A20D11-6C57-C11F-8E4C-EA957BBC89DF}"/>
+                <a16:creationId xmlns:a16="http://schemas.microsoft.com/office/drawing/2014/main" id="{2055C382-73F8-61AD-50D5-D7CB168A8D71}"/>
               </a:ext>
             </a:extLst>
           </p:cNvPr>
@@ -9224,7 +16737,7 @@
           <p:cNvPr id="46" name="Picture 32">
             <a:extLst>
               <a:ext uri="{FF2B5EF4-FFF2-40B4-BE49-F238E27FC236}">
-                <a16:creationId xmlns:a16="http://schemas.microsoft.com/office/drawing/2014/main" id="{C9C51CBE-049E-B632-5CE9-DA1B9CF3006A}"/>
+                <a16:creationId xmlns:a16="http://schemas.microsoft.com/office/drawing/2014/main" id="{7AD0CB68-DC7F-077D-2A66-435B70E47396}"/>
               </a:ext>
             </a:extLst>
           </p:cNvPr>
@@ -9234,7 +16747,7 @@
           <p:nvPr/>
         </p:nvPicPr>
         <p:blipFill>
-          <a:blip r:embed="rId15">
+          <a:blip r:embed="rId14">
             <a:extLst>
               <a:ext uri="{28A0092B-C50C-407E-A947-70E740481C1C}">
                 <a14:useLocalDpi xmlns:a14="http://schemas.microsoft.com/office/drawing/2010/main" val="0"/>
@@ -9271,7 +16784,7 @@
           <p:cNvPr id="47" name="TextBox 46">
             <a:extLst>
               <a:ext uri="{FF2B5EF4-FFF2-40B4-BE49-F238E27FC236}">
-                <a16:creationId xmlns:a16="http://schemas.microsoft.com/office/drawing/2014/main" id="{98C701EC-6DEC-3CA4-FF57-1F8B6772E2C8}"/>
+                <a16:creationId xmlns:a16="http://schemas.microsoft.com/office/drawing/2014/main" id="{2178A1F4-D9B4-4922-5FDC-92C54C8A00BA}"/>
               </a:ext>
             </a:extLst>
           </p:cNvPr>
@@ -9323,7 +16836,7 @@
           <p:cNvPr id="7" name="Rectangle 6">
             <a:extLst>
               <a:ext uri="{FF2B5EF4-FFF2-40B4-BE49-F238E27FC236}">
-                <a16:creationId xmlns:a16="http://schemas.microsoft.com/office/drawing/2014/main" id="{8B266C33-0414-114D-F5A2-35A8204D700A}"/>
+                <a16:creationId xmlns:a16="http://schemas.microsoft.com/office/drawing/2014/main" id="{C134EAD7-32F1-C61F-B7B5-3A2D7A030D7B}"/>
               </a:ext>
             </a:extLst>
           </p:cNvPr>
@@ -9370,7 +16883,7 @@
           <p:cNvPr id="8" name="Picture 2" descr="Cloud Icons | AWS Lambda">
             <a:extLst>
               <a:ext uri="{FF2B5EF4-FFF2-40B4-BE49-F238E27FC236}">
-                <a16:creationId xmlns:a16="http://schemas.microsoft.com/office/drawing/2014/main" id="{48836009-4475-080E-0807-B3522874D297}"/>
+                <a16:creationId xmlns:a16="http://schemas.microsoft.com/office/drawing/2014/main" id="{69DB83E3-6497-1D4C-DE58-0156B20E2C7F}"/>
               </a:ext>
             </a:extLst>
           </p:cNvPr>
@@ -9380,7 +16893,7 @@
           <p:nvPr/>
         </p:nvPicPr>
         <p:blipFill>
-          <a:blip r:embed="rId26">
+          <a:blip r:embed="rId25">
             <a:extLst>
               <a:ext uri="{28A0092B-C50C-407E-A947-70E740481C1C}">
                 <a14:useLocalDpi xmlns:a14="http://schemas.microsoft.com/office/drawing/2010/main" val="0"/>
@@ -9417,7 +16930,7 @@
           <p:cNvPr id="10" name="TextBox 9">
             <a:extLst>
               <a:ext uri="{FF2B5EF4-FFF2-40B4-BE49-F238E27FC236}">
-                <a16:creationId xmlns:a16="http://schemas.microsoft.com/office/drawing/2014/main" id="{84E5133C-B6CD-EAA2-6386-9B19CD94F6ED}"/>
+                <a16:creationId xmlns:a16="http://schemas.microsoft.com/office/drawing/2014/main" id="{7E44BEF1-FE1B-8CBA-24AE-2BBB677B7429}"/>
               </a:ext>
             </a:extLst>
           </p:cNvPr>
@@ -9463,7 +16976,7 @@
           <p:cNvPr id="13" name="Picture 4" descr="aws api gateway&quot; Icon - Download for free – Iconduck">
             <a:extLst>
               <a:ext uri="{FF2B5EF4-FFF2-40B4-BE49-F238E27FC236}">
-                <a16:creationId xmlns:a16="http://schemas.microsoft.com/office/drawing/2014/main" id="{7B611B19-1431-5374-98BF-30CCB10CA387}"/>
+                <a16:creationId xmlns:a16="http://schemas.microsoft.com/office/drawing/2014/main" id="{2B061E2C-899C-6E32-9824-13CF5011DDC2}"/>
               </a:ext>
             </a:extLst>
           </p:cNvPr>
@@ -9473,7 +16986,7 @@
           <p:nvPr/>
         </p:nvPicPr>
         <p:blipFill>
-          <a:blip r:embed="rId27">
+          <a:blip r:embed="rId26">
             <a:extLst>
               <a:ext uri="{28A0092B-C50C-407E-A947-70E740481C1C}">
                 <a14:useLocalDpi xmlns:a14="http://schemas.microsoft.com/office/drawing/2010/main" val="0"/>
@@ -9510,7 +17023,7 @@
           <p:cNvPr id="14" name="TextBox 13">
             <a:extLst>
               <a:ext uri="{FF2B5EF4-FFF2-40B4-BE49-F238E27FC236}">
-                <a16:creationId xmlns:a16="http://schemas.microsoft.com/office/drawing/2014/main" id="{00CA9E10-BC46-7F91-CF26-E06FEC57E923}"/>
+                <a16:creationId xmlns:a16="http://schemas.microsoft.com/office/drawing/2014/main" id="{992579A2-CEF2-4AD7-4742-8BE401EFCC38}"/>
               </a:ext>
             </a:extLst>
           </p:cNvPr>
@@ -9556,7 +17069,7 @@
           <p:cNvPr id="18" name="Picture 17">
             <a:extLst>
               <a:ext uri="{FF2B5EF4-FFF2-40B4-BE49-F238E27FC236}">
-                <a16:creationId xmlns:a16="http://schemas.microsoft.com/office/drawing/2014/main" id="{72469F19-59B9-81C0-5C32-4832E7D00449}"/>
+                <a16:creationId xmlns:a16="http://schemas.microsoft.com/office/drawing/2014/main" id="{9995A2F7-92D2-568E-A794-F7BFE3922FA1}"/>
               </a:ext>
             </a:extLst>
           </p:cNvPr>
@@ -9566,7 +17079,7 @@
           <p:nvPr/>
         </p:nvPicPr>
         <p:blipFill>
-          <a:blip r:embed="rId28"/>
+          <a:blip r:embed="rId27"/>
           <a:stretch>
             <a:fillRect/>
           </a:stretch>
@@ -9586,7 +17099,7 @@
           <p:cNvPr id="19" name="TextBox 18">
             <a:extLst>
               <a:ext uri="{FF2B5EF4-FFF2-40B4-BE49-F238E27FC236}">
-                <a16:creationId xmlns:a16="http://schemas.microsoft.com/office/drawing/2014/main" id="{9BCE3E45-696E-57CA-C3D9-332A271CD5BE}"/>
+                <a16:creationId xmlns:a16="http://schemas.microsoft.com/office/drawing/2014/main" id="{4E06DEE2-6537-F60B-CAD4-77282308DF6E}"/>
               </a:ext>
             </a:extLst>
           </p:cNvPr>
@@ -9632,7 +17145,7 @@
           <p:cNvPr id="24" name="Picture 14" descr="Firefox Relay">
             <a:extLst>
               <a:ext uri="{FF2B5EF4-FFF2-40B4-BE49-F238E27FC236}">
-                <a16:creationId xmlns:a16="http://schemas.microsoft.com/office/drawing/2014/main" id="{9D535874-F585-7778-0A3A-A0F0F42833E3}"/>
+                <a16:creationId xmlns:a16="http://schemas.microsoft.com/office/drawing/2014/main" id="{28B9910A-B2AC-BDAA-4FE8-40FAC2E6A715}"/>
               </a:ext>
             </a:extLst>
           </p:cNvPr>
@@ -9642,7 +17155,7 @@
           <p:nvPr/>
         </p:nvPicPr>
         <p:blipFill>
-          <a:blip r:embed="rId29">
+          <a:blip r:embed="rId28">
             <a:clrChange>
               <a:clrFrom>
                 <a:srgbClr val="FFFFFF"/>
@@ -9689,7 +17202,7 @@
           <p:cNvPr id="26" name="TextBox 25">
             <a:extLst>
               <a:ext uri="{FF2B5EF4-FFF2-40B4-BE49-F238E27FC236}">
-                <a16:creationId xmlns:a16="http://schemas.microsoft.com/office/drawing/2014/main" id="{DBB0026A-CD97-8F5E-93CA-F828739467D3}"/>
+                <a16:creationId xmlns:a16="http://schemas.microsoft.com/office/drawing/2014/main" id="{657A6974-AFD7-88F0-24A9-2A8713C6FB57}"/>
               </a:ext>
             </a:extLst>
           </p:cNvPr>
@@ -9735,7 +17248,7 @@
           <p:cNvPr id="27" name="Picture 16" descr="Lindblad logo">
             <a:extLst>
               <a:ext uri="{FF2B5EF4-FFF2-40B4-BE49-F238E27FC236}">
-                <a16:creationId xmlns:a16="http://schemas.microsoft.com/office/drawing/2014/main" id="{C3EBEB37-EC70-2470-2EB8-60E6933BCAAA}"/>
+                <a16:creationId xmlns:a16="http://schemas.microsoft.com/office/drawing/2014/main" id="{04C61440-22D5-B945-FB6B-D53827AE7A65}"/>
               </a:ext>
             </a:extLst>
           </p:cNvPr>
@@ -9745,7 +17258,7 @@
           <p:nvPr/>
         </p:nvPicPr>
         <p:blipFill>
-          <a:blip r:embed="rId30">
+          <a:blip r:embed="rId29">
             <a:clrChange>
               <a:clrFrom>
                 <a:srgbClr val="FFFFFF"/>
@@ -9792,7 +17305,7 @@
           <p:cNvPr id="29" name="TextBox 28">
             <a:extLst>
               <a:ext uri="{FF2B5EF4-FFF2-40B4-BE49-F238E27FC236}">
-                <a16:creationId xmlns:a16="http://schemas.microsoft.com/office/drawing/2014/main" id="{67E0418B-7482-8366-EF18-A02A9F6BD0DE}"/>
+                <a16:creationId xmlns:a16="http://schemas.microsoft.com/office/drawing/2014/main" id="{E465A1DB-93B7-DD0D-48A8-C4E658B21D1B}"/>
               </a:ext>
             </a:extLst>
           </p:cNvPr>
@@ -9838,7 +17351,7 @@
           <p:cNvPr id="2" name="TextBox 1">
             <a:extLst>
               <a:ext uri="{FF2B5EF4-FFF2-40B4-BE49-F238E27FC236}">
-                <a16:creationId xmlns:a16="http://schemas.microsoft.com/office/drawing/2014/main" id="{36480B35-5F8C-8295-4866-5F2A75C94EDF}"/>
+                <a16:creationId xmlns:a16="http://schemas.microsoft.com/office/drawing/2014/main" id="{D4E83A88-8C4B-1639-0EA8-C82335CD9BA1}"/>
               </a:ext>
             </a:extLst>
           </p:cNvPr>
@@ -9890,7 +17403,7 @@
           <p:cNvPr id="3" name="Picture 2" descr="Container Insights with enhanced observability now available in Amazon ECS  | AWS News Blog">
             <a:extLst>
               <a:ext uri="{FF2B5EF4-FFF2-40B4-BE49-F238E27FC236}">
-                <a16:creationId xmlns:a16="http://schemas.microsoft.com/office/drawing/2014/main" id="{2957F40C-B0A6-206C-264C-F0E5B59851C3}"/>
+                <a16:creationId xmlns:a16="http://schemas.microsoft.com/office/drawing/2014/main" id="{E4D4BF0F-39DB-4B4C-06A7-1566EE25243C}"/>
               </a:ext>
             </a:extLst>
           </p:cNvPr>
@@ -9900,7 +17413,7 @@
           <p:nvPr/>
         </p:nvPicPr>
         <p:blipFill rotWithShape="1">
-          <a:blip r:embed="rId31">
+          <a:blip r:embed="rId30">
             <a:extLst>
               <a:ext uri="{28A0092B-C50C-407E-A947-70E740481C1C}">
                 <a14:useLocalDpi xmlns:a14="http://schemas.microsoft.com/office/drawing/2010/main" val="0"/>
@@ -9935,7 +17448,7 @@
           <p:cNvPr id="4" name="TextBox 3">
             <a:extLst>
               <a:ext uri="{FF2B5EF4-FFF2-40B4-BE49-F238E27FC236}">
-                <a16:creationId xmlns:a16="http://schemas.microsoft.com/office/drawing/2014/main" id="{3EC3518F-E426-3AE4-3CF1-331E2F816FCE}"/>
+                <a16:creationId xmlns:a16="http://schemas.microsoft.com/office/drawing/2014/main" id="{C6F81F06-9248-7D37-34F8-8F3FC976A8B1}"/>
               </a:ext>
             </a:extLst>
           </p:cNvPr>
@@ -9981,7 +17494,7 @@
           <p:cNvPr id="5" name="Picture 4" descr="Aws Sqs icon - Free Download PNG &amp; SVG | Streamline">
             <a:extLst>
               <a:ext uri="{FF2B5EF4-FFF2-40B4-BE49-F238E27FC236}">
-                <a16:creationId xmlns:a16="http://schemas.microsoft.com/office/drawing/2014/main" id="{9027F4C3-B291-3BE2-7BC8-9DAF6CDC6740}"/>
+                <a16:creationId xmlns:a16="http://schemas.microsoft.com/office/drawing/2014/main" id="{6DDD0A71-BD67-D4C2-85EF-2474B260BB20}"/>
               </a:ext>
             </a:extLst>
           </p:cNvPr>
@@ -9991,7 +17504,7 @@
           <p:nvPr/>
         </p:nvPicPr>
         <p:blipFill>
-          <a:blip r:embed="rId32">
+          <a:blip r:embed="rId31">
             <a:extLst>
               <a:ext uri="{28A0092B-C50C-407E-A947-70E740481C1C}">
                 <a14:useLocalDpi xmlns:a14="http://schemas.microsoft.com/office/drawing/2010/main" val="0"/>
@@ -10028,7 +17541,7 @@
           <p:cNvPr id="6" name="TextBox 5">
             <a:extLst>
               <a:ext uri="{FF2B5EF4-FFF2-40B4-BE49-F238E27FC236}">
-                <a16:creationId xmlns:a16="http://schemas.microsoft.com/office/drawing/2014/main" id="{25545621-0027-FD78-45FC-3EE058873F72}"/>
+                <a16:creationId xmlns:a16="http://schemas.microsoft.com/office/drawing/2014/main" id="{DBBAC4B9-5FB3-5309-3BA7-FA4004781FAC}"/>
               </a:ext>
             </a:extLst>
           </p:cNvPr>
@@ -10069,10 +17582,57 @@
           </a:p>
         </p:txBody>
       </p:sp>
+      <p:pic>
+        <p:nvPicPr>
+          <p:cNvPr id="16" name="Picture 4" descr="Brevo Logo &amp; Brand Assets (SVG, PNG and vector) - Brandfetch">
+            <a:extLst>
+              <a:ext uri="{FF2B5EF4-FFF2-40B4-BE49-F238E27FC236}">
+                <a16:creationId xmlns:a16="http://schemas.microsoft.com/office/drawing/2014/main" id="{1FF973BD-DEE7-0BA3-BBA5-011ED0B63287}"/>
+              </a:ext>
+            </a:extLst>
+          </p:cNvPr>
+          <p:cNvPicPr>
+            <a:picLocks noChangeAspect="1" noChangeArrowheads="1"/>
+          </p:cNvPicPr>
+          <p:nvPr/>
+        </p:nvPicPr>
+        <p:blipFill>
+          <a:blip r:embed="rId32">
+            <a:extLst>
+              <a:ext uri="{28A0092B-C50C-407E-A947-70E740481C1C}">
+                <a14:useLocalDpi xmlns:a14="http://schemas.microsoft.com/office/drawing/2010/main" val="0"/>
+              </a:ext>
+            </a:extLst>
+          </a:blip>
+          <a:srcRect/>
+          <a:stretch>
+            <a:fillRect/>
+          </a:stretch>
+        </p:blipFill>
+        <p:spPr bwMode="auto">
+          <a:xfrm>
+            <a:off x="1239529" y="2630574"/>
+            <a:ext cx="352751" cy="380345"/>
+          </a:xfrm>
+          <a:prstGeom prst="rect">
+            <a:avLst/>
+          </a:prstGeom>
+          <a:noFill/>
+          <a:extLst>
+            <a:ext uri="{909E8E84-426E-40DD-AFC4-6F175D3DCCD1}">
+              <a14:hiddenFill xmlns:a14="http://schemas.microsoft.com/office/drawing/2010/main">
+                <a:solidFill>
+                  <a:srgbClr val="FFFFFF"/>
+                </a:solidFill>
+              </a14:hiddenFill>
+            </a:ext>
+          </a:extLst>
+        </p:spPr>
+      </p:pic>
     </p:spTree>
     <p:extLst>
       <p:ext uri="{BB962C8B-B14F-4D97-AF65-F5344CB8AC3E}">
-        <p14:creationId xmlns:p14="http://schemas.microsoft.com/office/powerpoint/2010/main" val="3004675614"/>
+        <p14:creationId xmlns:p14="http://schemas.microsoft.com/office/powerpoint/2010/main" val="3829658281"/>
       </p:ext>
     </p:extLst>
   </p:cSld>
@@ -10395,4 +17955,319 @@
     </a:ext>
   </a:extLst>
 </a:theme>
+</file>
+
+<file path=ppt/theme/theme2.xml><?xml version="1.0" encoding="utf-8"?>
+<a:theme xmlns:a="http://schemas.openxmlformats.org/drawingml/2006/main" name="Office Theme">
+  <a:themeElements>
+    <a:clrScheme name="Office">
+      <a:dk1>
+        <a:sysClr val="windowText" lastClr="000000"/>
+      </a:dk1>
+      <a:lt1>
+        <a:sysClr val="window" lastClr="FFFFFF"/>
+      </a:lt1>
+      <a:dk2>
+        <a:srgbClr val="0E2841"/>
+      </a:dk2>
+      <a:lt2>
+        <a:srgbClr val="E8E8E8"/>
+      </a:lt2>
+      <a:accent1>
+        <a:srgbClr val="156082"/>
+      </a:accent1>
+      <a:accent2>
+        <a:srgbClr val="E97132"/>
+      </a:accent2>
+      <a:accent3>
+        <a:srgbClr val="196B24"/>
+      </a:accent3>
+      <a:accent4>
+        <a:srgbClr val="0F9ED5"/>
+      </a:accent4>
+      <a:accent5>
+        <a:srgbClr val="A02B93"/>
+      </a:accent5>
+      <a:accent6>
+        <a:srgbClr val="4EA72E"/>
+      </a:accent6>
+      <a:hlink>
+        <a:srgbClr val="467886"/>
+      </a:hlink>
+      <a:folHlink>
+        <a:srgbClr val="96607D"/>
+      </a:folHlink>
+    </a:clrScheme>
+    <a:fontScheme name="Office">
+      <a:majorFont>
+        <a:latin typeface="Aptos Display" panose="02110004020202020204"/>
+        <a:ea typeface=""/>
+        <a:cs typeface=""/>
+        <a:font script="Jpan" typeface="游ゴシック Light"/>
+        <a:font script="Hang" typeface="맑은 고딕"/>
+        <a:font script="Hans" typeface="等线 Light"/>
+        <a:font script="Hant" typeface="新細明體"/>
+        <a:font script="Arab" typeface="Times New Roman"/>
+        <a:font script="Hebr" typeface="Times New Roman"/>
+        <a:font script="Thai" typeface="Angsana New"/>
+        <a:font script="Ethi" typeface="Nyala"/>
+        <a:font script="Beng" typeface="Vrinda"/>
+        <a:font script="Gujr" typeface="Shruti"/>
+        <a:font script="Khmr" typeface="MoolBoran"/>
+        <a:font script="Knda" typeface="Tunga"/>
+        <a:font script="Guru" typeface="Raavi"/>
+        <a:font script="Cans" typeface="Euphemia"/>
+        <a:font script="Cher" typeface="Plantagenet Cherokee"/>
+        <a:font script="Yiii" typeface="Microsoft Yi Baiti"/>
+        <a:font script="Tibt" typeface="Microsoft Himalaya"/>
+        <a:font script="Thaa" typeface="MV Boli"/>
+        <a:font script="Deva" typeface="Mangal"/>
+        <a:font script="Telu" typeface="Gautami"/>
+        <a:font script="Taml" typeface="Latha"/>
+        <a:font script="Syrc" typeface="Estrangelo Edessa"/>
+        <a:font script="Orya" typeface="Kalinga"/>
+        <a:font script="Mlym" typeface="Kartika"/>
+        <a:font script="Laoo" typeface="DokChampa"/>
+        <a:font script="Sinh" typeface="Iskoola Pota"/>
+        <a:font script="Mong" typeface="Mongolian Baiti"/>
+        <a:font script="Viet" typeface="Times New Roman"/>
+        <a:font script="Uigh" typeface="Microsoft Uighur"/>
+        <a:font script="Geor" typeface="Sylfaen"/>
+        <a:font script="Armn" typeface="Arial"/>
+        <a:font script="Bugi" typeface="Leelawadee UI"/>
+        <a:font script="Bopo" typeface="Microsoft JhengHei"/>
+        <a:font script="Java" typeface="Javanese Text"/>
+        <a:font script="Lisu" typeface="Segoe UI"/>
+        <a:font script="Mymr" typeface="Myanmar Text"/>
+        <a:font script="Nkoo" typeface="Ebrima"/>
+        <a:font script="Olck" typeface="Nirmala UI"/>
+        <a:font script="Osma" typeface="Ebrima"/>
+        <a:font script="Phag" typeface="Phagspa"/>
+        <a:font script="Syrn" typeface="Estrangelo Edessa"/>
+        <a:font script="Syrj" typeface="Estrangelo Edessa"/>
+        <a:font script="Syre" typeface="Estrangelo Edessa"/>
+        <a:font script="Sora" typeface="Nirmala UI"/>
+        <a:font script="Tale" typeface="Microsoft Tai Le"/>
+        <a:font script="Talu" typeface="Microsoft New Tai Lue"/>
+        <a:font script="Tfng" typeface="Ebrima"/>
+      </a:majorFont>
+      <a:minorFont>
+        <a:latin typeface="Aptos" panose="02110004020202020204"/>
+        <a:ea typeface=""/>
+        <a:cs typeface=""/>
+        <a:font script="Jpan" typeface="游ゴシック"/>
+        <a:font script="Hang" typeface="맑은 고딕"/>
+        <a:font script="Hans" typeface="等线"/>
+        <a:font script="Hant" typeface="新細明體"/>
+        <a:font script="Arab" typeface="Arial"/>
+        <a:font script="Hebr" typeface="Arial"/>
+        <a:font script="Thai" typeface="Cordia New"/>
+        <a:font script="Ethi" typeface="Nyala"/>
+        <a:font script="Beng" typeface="Vrinda"/>
+        <a:font script="Gujr" typeface="Shruti"/>
+        <a:font script="Khmr" typeface="DaunPenh"/>
+        <a:font script="Knda" typeface="Tunga"/>
+        <a:font script="Guru" typeface="Raavi"/>
+        <a:font script="Cans" typeface="Euphemia"/>
+        <a:font script="Cher" typeface="Plantagenet Cherokee"/>
+        <a:font script="Yiii" typeface="Microsoft Yi Baiti"/>
+        <a:font script="Tibt" typeface="Microsoft Himalaya"/>
+        <a:font script="Thaa" typeface="MV Boli"/>
+        <a:font script="Deva" typeface="Mangal"/>
+        <a:font script="Telu" typeface="Gautami"/>
+        <a:font script="Taml" typeface="Latha"/>
+        <a:font script="Syrc" typeface="Estrangelo Edessa"/>
+        <a:font script="Orya" typeface="Kalinga"/>
+        <a:font script="Mlym" typeface="Kartika"/>
+        <a:font script="Laoo" typeface="DokChampa"/>
+        <a:font script="Sinh" typeface="Iskoola Pota"/>
+        <a:font script="Mong" typeface="Mongolian Baiti"/>
+        <a:font script="Viet" typeface="Arial"/>
+        <a:font script="Uigh" typeface="Microsoft Uighur"/>
+        <a:font script="Geor" typeface="Sylfaen"/>
+        <a:font script="Armn" typeface="Arial"/>
+        <a:font script="Bugi" typeface="Leelawadee UI"/>
+        <a:font script="Bopo" typeface="Microsoft JhengHei"/>
+        <a:font script="Java" typeface="Javanese Text"/>
+        <a:font script="Lisu" typeface="Segoe UI"/>
+        <a:font script="Mymr" typeface="Myanmar Text"/>
+        <a:font script="Nkoo" typeface="Ebrima"/>
+        <a:font script="Olck" typeface="Nirmala UI"/>
+        <a:font script="Osma" typeface="Ebrima"/>
+        <a:font script="Phag" typeface="Phagspa"/>
+        <a:font script="Syrn" typeface="Estrangelo Edessa"/>
+        <a:font script="Syrj" typeface="Estrangelo Edessa"/>
+        <a:font script="Syre" typeface="Estrangelo Edessa"/>
+        <a:font script="Sora" typeface="Nirmala UI"/>
+        <a:font script="Tale" typeface="Microsoft Tai Le"/>
+        <a:font script="Talu" typeface="Microsoft New Tai Lue"/>
+        <a:font script="Tfng" typeface="Ebrima"/>
+      </a:minorFont>
+    </a:fontScheme>
+    <a:fmtScheme name="Office">
+      <a:fillStyleLst>
+        <a:solidFill>
+          <a:schemeClr val="phClr"/>
+        </a:solidFill>
+        <a:gradFill rotWithShape="1">
+          <a:gsLst>
+            <a:gs pos="0">
+              <a:schemeClr val="phClr">
+                <a:lumMod val="110000"/>
+                <a:satMod val="105000"/>
+                <a:tint val="67000"/>
+              </a:schemeClr>
+            </a:gs>
+            <a:gs pos="50000">
+              <a:schemeClr val="phClr">
+                <a:lumMod val="105000"/>
+                <a:satMod val="103000"/>
+                <a:tint val="73000"/>
+              </a:schemeClr>
+            </a:gs>
+            <a:gs pos="100000">
+              <a:schemeClr val="phClr">
+                <a:lumMod val="105000"/>
+                <a:satMod val="109000"/>
+                <a:tint val="81000"/>
+              </a:schemeClr>
+            </a:gs>
+          </a:gsLst>
+          <a:lin ang="5400000" scaled="0"/>
+        </a:gradFill>
+        <a:gradFill rotWithShape="1">
+          <a:gsLst>
+            <a:gs pos="0">
+              <a:schemeClr val="phClr">
+                <a:satMod val="103000"/>
+                <a:lumMod val="102000"/>
+                <a:tint val="94000"/>
+              </a:schemeClr>
+            </a:gs>
+            <a:gs pos="50000">
+              <a:schemeClr val="phClr">
+                <a:satMod val="110000"/>
+                <a:lumMod val="100000"/>
+                <a:shade val="100000"/>
+              </a:schemeClr>
+            </a:gs>
+            <a:gs pos="100000">
+              <a:schemeClr val="phClr">
+                <a:lumMod val="99000"/>
+                <a:satMod val="120000"/>
+                <a:shade val="78000"/>
+              </a:schemeClr>
+            </a:gs>
+          </a:gsLst>
+          <a:lin ang="5400000" scaled="0"/>
+        </a:gradFill>
+      </a:fillStyleLst>
+      <a:lnStyleLst>
+        <a:ln w="12700" cap="flat" cmpd="sng" algn="ctr">
+          <a:solidFill>
+            <a:schemeClr val="phClr"/>
+          </a:solidFill>
+          <a:prstDash val="solid"/>
+          <a:miter lim="800000"/>
+        </a:ln>
+        <a:ln w="19050" cap="flat" cmpd="sng" algn="ctr">
+          <a:solidFill>
+            <a:schemeClr val="phClr"/>
+          </a:solidFill>
+          <a:prstDash val="solid"/>
+          <a:miter lim="800000"/>
+        </a:ln>
+        <a:ln w="25400" cap="flat" cmpd="sng" algn="ctr">
+          <a:solidFill>
+            <a:schemeClr val="phClr"/>
+          </a:solidFill>
+          <a:prstDash val="solid"/>
+          <a:miter lim="800000"/>
+        </a:ln>
+      </a:lnStyleLst>
+      <a:effectStyleLst>
+        <a:effectStyle>
+          <a:effectLst/>
+        </a:effectStyle>
+        <a:effectStyle>
+          <a:effectLst/>
+        </a:effectStyle>
+        <a:effectStyle>
+          <a:effectLst>
+            <a:outerShdw blurRad="57150" dist="19050" dir="5400000" algn="ctr" rotWithShape="0">
+              <a:srgbClr val="000000">
+                <a:alpha val="63000"/>
+              </a:srgbClr>
+            </a:outerShdw>
+          </a:effectLst>
+        </a:effectStyle>
+      </a:effectStyleLst>
+      <a:bgFillStyleLst>
+        <a:solidFill>
+          <a:schemeClr val="phClr"/>
+        </a:solidFill>
+        <a:solidFill>
+          <a:schemeClr val="phClr">
+            <a:tint val="95000"/>
+            <a:satMod val="170000"/>
+          </a:schemeClr>
+        </a:solidFill>
+        <a:gradFill rotWithShape="1">
+          <a:gsLst>
+            <a:gs pos="0">
+              <a:schemeClr val="phClr">
+                <a:tint val="93000"/>
+                <a:satMod val="150000"/>
+                <a:shade val="98000"/>
+                <a:lumMod val="102000"/>
+              </a:schemeClr>
+            </a:gs>
+            <a:gs pos="50000">
+              <a:schemeClr val="phClr">
+                <a:tint val="98000"/>
+                <a:satMod val="130000"/>
+                <a:shade val="90000"/>
+                <a:lumMod val="103000"/>
+              </a:schemeClr>
+            </a:gs>
+            <a:gs pos="100000">
+              <a:schemeClr val="phClr">
+                <a:shade val="63000"/>
+                <a:satMod val="120000"/>
+              </a:schemeClr>
+            </a:gs>
+          </a:gsLst>
+          <a:lin ang="5400000" scaled="0"/>
+        </a:gradFill>
+      </a:bgFillStyleLst>
+    </a:fmtScheme>
+  </a:themeElements>
+  <a:objectDefaults>
+    <a:lnDef>
+      <a:spPr/>
+      <a:bodyPr/>
+      <a:lstStyle/>
+      <a:style>
+        <a:lnRef idx="2">
+          <a:schemeClr val="accent1"/>
+        </a:lnRef>
+        <a:fillRef idx="0">
+          <a:schemeClr val="accent1"/>
+        </a:fillRef>
+        <a:effectRef idx="1">
+          <a:schemeClr val="accent1"/>
+        </a:effectRef>
+        <a:fontRef idx="minor">
+          <a:schemeClr val="tx1"/>
+        </a:fontRef>
+      </a:style>
+    </a:lnDef>
+  </a:objectDefaults>
+  <a:extraClrSchemeLst/>
+  <a:extLst>
+    <a:ext uri="{05A4C25C-085E-4340-85A3-A5531E510DB2}">
+      <thm15:themeFamily xmlns:thm15="http://schemas.microsoft.com/office/thememl/2012/main" name="Office Theme" id="{2E142A2C-CD16-42D6-873A-C26D2A0506FA}" vid="{1BDDFF52-6CD6-40A5-AB3C-68EB2F1E4D0A}"/>
+    </a:ext>
+  </a:extLst>
+</a:theme>
 </file>
--- a/SolutionArchitecture.pptx
+++ b/SolutionArchitecture.pptx
@@ -8,9 +8,9 @@
     <p:notesMasterId r:id="rId5"/>
   </p:notesMasterIdLst>
   <p:sldIdLst>
-    <p:sldId id="256" r:id="rId2"/>
-    <p:sldId id="257" r:id="rId3"/>
-    <p:sldId id="258" r:id="rId4"/>
+    <p:sldId id="257" r:id="rId2"/>
+    <p:sldId id="258" r:id="rId3"/>
+    <p:sldId id="256" r:id="rId4"/>
   </p:sldIdLst>
   <p:sldSz cx="12192000" cy="6858000"/>
   <p:notesSz cx="6858000" cy="9144000"/>
@@ -199,7 +199,7 @@
           <a:p>
             <a:fld id="{3D8E887A-6233-4CAB-94B9-3010756F85B5}" type="datetimeFigureOut">
               <a:rPr lang="en-US" smtClean="0"/>
-              <a:t>5/26/2025</a:t>
+              <a:t>5/29/2025</a:t>
             </a:fld>
             <a:endParaRPr lang="en-US"/>
           </a:p>
@@ -531,7 +531,7 @@
           <a:p>
             <a:fld id="{7B81A703-0AE7-46BF-A0AA-54AEB63F3031}" type="slidenum">
               <a:rPr lang="en-US" smtClean="0"/>
-              <a:t>2</a:t>
+              <a:t>1</a:t>
             </a:fld>
             <a:endParaRPr lang="en-US"/>
           </a:p>
@@ -697,7 +697,7 @@
           <a:p>
             <a:fld id="{BAD81560-E736-4A3E-98FC-5A2607D45314}" type="datetimeFigureOut">
               <a:rPr lang="en-US" smtClean="0"/>
-              <a:t>5/26/2025</a:t>
+              <a:t>5/29/2025</a:t>
             </a:fld>
             <a:endParaRPr lang="en-US"/>
           </a:p>
@@ -895,7 +895,7 @@
           <a:p>
             <a:fld id="{BAD81560-E736-4A3E-98FC-5A2607D45314}" type="datetimeFigureOut">
               <a:rPr lang="en-US" smtClean="0"/>
-              <a:t>5/26/2025</a:t>
+              <a:t>5/29/2025</a:t>
             </a:fld>
             <a:endParaRPr lang="en-US"/>
           </a:p>
@@ -1103,7 +1103,7 @@
           <a:p>
             <a:fld id="{BAD81560-E736-4A3E-98FC-5A2607D45314}" type="datetimeFigureOut">
               <a:rPr lang="en-US" smtClean="0"/>
-              <a:t>5/26/2025</a:t>
+              <a:t>5/29/2025</a:t>
             </a:fld>
             <a:endParaRPr lang="en-US"/>
           </a:p>
@@ -1301,7 +1301,7 @@
           <a:p>
             <a:fld id="{BAD81560-E736-4A3E-98FC-5A2607D45314}" type="datetimeFigureOut">
               <a:rPr lang="en-US" smtClean="0"/>
-              <a:t>5/26/2025</a:t>
+              <a:t>5/29/2025</a:t>
             </a:fld>
             <a:endParaRPr lang="en-US"/>
           </a:p>
@@ -1576,7 +1576,7 @@
           <a:p>
             <a:fld id="{BAD81560-E736-4A3E-98FC-5A2607D45314}" type="datetimeFigureOut">
               <a:rPr lang="en-US" smtClean="0"/>
-              <a:t>5/26/2025</a:t>
+              <a:t>5/29/2025</a:t>
             </a:fld>
             <a:endParaRPr lang="en-US"/>
           </a:p>
@@ -1841,7 +1841,7 @@
           <a:p>
             <a:fld id="{BAD81560-E736-4A3E-98FC-5A2607D45314}" type="datetimeFigureOut">
               <a:rPr lang="en-US" smtClean="0"/>
-              <a:t>5/26/2025</a:t>
+              <a:t>5/29/2025</a:t>
             </a:fld>
             <a:endParaRPr lang="en-US"/>
           </a:p>
@@ -2253,7 +2253,7 @@
           <a:p>
             <a:fld id="{BAD81560-E736-4A3E-98FC-5A2607D45314}" type="datetimeFigureOut">
               <a:rPr lang="en-US" smtClean="0"/>
-              <a:t>5/26/2025</a:t>
+              <a:t>5/29/2025</a:t>
             </a:fld>
             <a:endParaRPr lang="en-US"/>
           </a:p>
@@ -2394,7 +2394,7 @@
           <a:p>
             <a:fld id="{BAD81560-E736-4A3E-98FC-5A2607D45314}" type="datetimeFigureOut">
               <a:rPr lang="en-US" smtClean="0"/>
-              <a:t>5/26/2025</a:t>
+              <a:t>5/29/2025</a:t>
             </a:fld>
             <a:endParaRPr lang="en-US"/>
           </a:p>
@@ -2507,7 +2507,7 @@
           <a:p>
             <a:fld id="{BAD81560-E736-4A3E-98FC-5A2607D45314}" type="datetimeFigureOut">
               <a:rPr lang="en-US" smtClean="0"/>
-              <a:t>5/26/2025</a:t>
+              <a:t>5/29/2025</a:t>
             </a:fld>
             <a:endParaRPr lang="en-US"/>
           </a:p>
@@ -2818,7 +2818,7 @@
           <a:p>
             <a:fld id="{BAD81560-E736-4A3E-98FC-5A2607D45314}" type="datetimeFigureOut">
               <a:rPr lang="en-US" smtClean="0"/>
-              <a:t>5/26/2025</a:t>
+              <a:t>5/29/2025</a:t>
             </a:fld>
             <a:endParaRPr lang="en-US"/>
           </a:p>
@@ -3106,7 +3106,7 @@
           <a:p>
             <a:fld id="{BAD81560-E736-4A3E-98FC-5A2607D45314}" type="datetimeFigureOut">
               <a:rPr lang="en-US" smtClean="0"/>
-              <a:t>5/26/2025</a:t>
+              <a:t>5/29/2025</a:t>
             </a:fld>
             <a:endParaRPr lang="en-US"/>
           </a:p>
@@ -3347,7 +3347,7 @@
           <a:p>
             <a:fld id="{BAD81560-E736-4A3E-98FC-5A2607D45314}" type="datetimeFigureOut">
               <a:rPr lang="en-US" smtClean="0"/>
-              <a:t>5/26/2025</a:t>
+              <a:t>5/29/2025</a:t>
             </a:fld>
             <a:endParaRPr lang="en-US"/>
           </a:p>
@@ -3752,3734 +3752,6 @@
   <p:cSld>
     <p:spTree>
       <p:nvGrpSpPr>
-        <p:cNvPr id="1" name=""/>
-        <p:cNvGrpSpPr/>
-        <p:nvPr/>
-      </p:nvGrpSpPr>
-      <p:grpSpPr>
-        <a:xfrm>
-          <a:off x="0" y="0"/>
-          <a:ext cx="0" cy="0"/>
-          <a:chOff x="0" y="0"/>
-          <a:chExt cx="0" cy="0"/>
-        </a:xfrm>
-      </p:grpSpPr>
-      <p:sp>
-        <p:nvSpPr>
-          <p:cNvPr id="1118" name="Rectangle 1117">
-            <a:extLst>
-              <a:ext uri="{FF2B5EF4-FFF2-40B4-BE49-F238E27FC236}">
-                <a16:creationId xmlns:a16="http://schemas.microsoft.com/office/drawing/2014/main" id="{3BA7F06D-9F42-0BCD-47C8-2C240CB9597D}"/>
-              </a:ext>
-            </a:extLst>
-          </p:cNvPr>
-          <p:cNvSpPr/>
-          <p:nvPr/>
-        </p:nvSpPr>
-        <p:spPr>
-          <a:xfrm>
-            <a:off x="9887776" y="4645222"/>
-            <a:ext cx="1895939" cy="1169101"/>
-          </a:xfrm>
-          <a:prstGeom prst="rect">
-            <a:avLst/>
-          </a:prstGeom>
-          <a:solidFill>
-            <a:schemeClr val="accent4">
-              <a:lumMod val="20000"/>
-              <a:lumOff val="80000"/>
-            </a:schemeClr>
-          </a:solidFill>
-          <a:effectLst>
-            <a:outerShdw blurRad="50800" dist="38100" dir="2700000" algn="tl" rotWithShape="0">
-              <a:prstClr val="black">
-                <a:alpha val="40000"/>
-              </a:prstClr>
-            </a:outerShdw>
-          </a:effectLst>
-        </p:spPr>
-        <p:style>
-          <a:lnRef idx="2">
-            <a:schemeClr val="accent1">
-              <a:shade val="15000"/>
-            </a:schemeClr>
-          </a:lnRef>
-          <a:fillRef idx="1">
-            <a:schemeClr val="accent1"/>
-          </a:fillRef>
-          <a:effectRef idx="0">
-            <a:schemeClr val="accent1"/>
-          </a:effectRef>
-          <a:fontRef idx="minor">
-            <a:schemeClr val="lt1"/>
-          </a:fontRef>
-        </p:style>
-        <p:txBody>
-          <a:bodyPr rtlCol="0" anchor="t"/>
-          <a:lstStyle/>
-          <a:p>
-            <a:pPr algn="ctr"/>
-            <a:r>
-              <a:rPr lang="en-US" sz="1400" b="1" dirty="0">
-                <a:solidFill>
-                  <a:schemeClr val="tx1"/>
-                </a:solidFill>
-                <a:latin typeface="Calibri" panose="020F0502020204030204" pitchFamily="34" charset="0"/>
-                <a:ea typeface="Calibri" panose="020F0502020204030204" pitchFamily="34" charset="0"/>
-                <a:cs typeface="Calibri" panose="020F0502020204030204" pitchFamily="34" charset="0"/>
-              </a:rPr>
-              <a:t>Cruise Viewer</a:t>
-            </a:r>
-          </a:p>
-        </p:txBody>
-      </p:sp>
-      <p:sp>
-        <p:nvSpPr>
-          <p:cNvPr id="1062" name="Rectangle: Rounded Corners 1061">
-            <a:extLst>
-              <a:ext uri="{FF2B5EF4-FFF2-40B4-BE49-F238E27FC236}">
-                <a16:creationId xmlns:a16="http://schemas.microsoft.com/office/drawing/2014/main" id="{A5F71345-4197-4181-B91B-5EA9E048FC22}"/>
-              </a:ext>
-            </a:extLst>
-          </p:cNvPr>
-          <p:cNvSpPr/>
-          <p:nvPr/>
-        </p:nvSpPr>
-        <p:spPr>
-          <a:xfrm>
-            <a:off x="5798612" y="2667000"/>
-            <a:ext cx="5364764" cy="1519153"/>
-          </a:xfrm>
-          <a:prstGeom prst="roundRect">
-            <a:avLst>
-              <a:gd name="adj" fmla="val 9409"/>
-            </a:avLst>
-          </a:prstGeom>
-          <a:noFill/>
-        </p:spPr>
-        <p:style>
-          <a:lnRef idx="2">
-            <a:schemeClr val="accent1"/>
-          </a:lnRef>
-          <a:fillRef idx="1">
-            <a:schemeClr val="lt1"/>
-          </a:fillRef>
-          <a:effectRef idx="0">
-            <a:schemeClr val="accent1"/>
-          </a:effectRef>
-          <a:fontRef idx="minor">
-            <a:schemeClr val="dk1"/>
-          </a:fontRef>
-        </p:style>
-        <p:txBody>
-          <a:bodyPr rtlCol="0" anchor="t"/>
-          <a:lstStyle/>
-          <a:p>
-            <a:pPr algn="ctr"/>
-            <a:r>
-              <a:rPr lang="en-US" sz="1600" b="1" dirty="0" err="1">
-                <a:latin typeface="Calibri" panose="020F0502020204030204" pitchFamily="34" charset="0"/>
-                <a:ea typeface="Calibri" panose="020F0502020204030204" pitchFamily="34" charset="0"/>
-                <a:cs typeface="Calibri" panose="020F0502020204030204" pitchFamily="34" charset="0"/>
-              </a:rPr>
-              <a:t>IaC</a:t>
-            </a:r>
-            <a:endParaRPr lang="en-US" sz="1600" b="1" dirty="0">
-              <a:latin typeface="Calibri" panose="020F0502020204030204" pitchFamily="34" charset="0"/>
-              <a:ea typeface="Calibri" panose="020F0502020204030204" pitchFamily="34" charset="0"/>
-              <a:cs typeface="Calibri" panose="020F0502020204030204" pitchFamily="34" charset="0"/>
-            </a:endParaRPr>
-          </a:p>
-        </p:txBody>
-      </p:sp>
-      <p:sp>
-        <p:nvSpPr>
-          <p:cNvPr id="4" name="Rectangle 3">
-            <a:extLst>
-              <a:ext uri="{FF2B5EF4-FFF2-40B4-BE49-F238E27FC236}">
-                <a16:creationId xmlns:a16="http://schemas.microsoft.com/office/drawing/2014/main" id="{485F964C-BF11-DD5E-E13B-3822AF8A4C39}"/>
-              </a:ext>
-            </a:extLst>
-          </p:cNvPr>
-          <p:cNvSpPr/>
-          <p:nvPr/>
-        </p:nvSpPr>
-        <p:spPr>
-          <a:xfrm>
-            <a:off x="476060" y="1213756"/>
-            <a:ext cx="1372171" cy="4729844"/>
-          </a:xfrm>
-          <a:prstGeom prst="rect">
-            <a:avLst/>
-          </a:prstGeom>
-          <a:solidFill>
-            <a:schemeClr val="accent4">
-              <a:lumMod val="20000"/>
-              <a:lumOff val="80000"/>
-            </a:schemeClr>
-          </a:solidFill>
-          <a:effectLst>
-            <a:outerShdw blurRad="50800" dist="38100" dir="2700000" algn="tl" rotWithShape="0">
-              <a:prstClr val="black">
-                <a:alpha val="40000"/>
-              </a:prstClr>
-            </a:outerShdw>
-          </a:effectLst>
-        </p:spPr>
-        <p:style>
-          <a:lnRef idx="2">
-            <a:schemeClr val="accent1">
-              <a:shade val="15000"/>
-            </a:schemeClr>
-          </a:lnRef>
-          <a:fillRef idx="1">
-            <a:schemeClr val="accent1"/>
-          </a:fillRef>
-          <a:effectRef idx="0">
-            <a:schemeClr val="accent1"/>
-          </a:effectRef>
-          <a:fontRef idx="minor">
-            <a:schemeClr val="lt1"/>
-          </a:fontRef>
-        </p:style>
-        <p:txBody>
-          <a:bodyPr rtlCol="0" anchor="t"/>
-          <a:lstStyle/>
-          <a:p>
-            <a:pPr algn="ctr"/>
-            <a:r>
-              <a:rPr lang="en-US" sz="1400" b="1" dirty="0">
-                <a:solidFill>
-                  <a:schemeClr val="tx1"/>
-                </a:solidFill>
-                <a:latin typeface="Calibri" panose="020F0502020204030204" pitchFamily="34" charset="0"/>
-                <a:ea typeface="Calibri" panose="020F0502020204030204" pitchFamily="34" charset="0"/>
-                <a:cs typeface="Calibri" panose="020F0502020204030204" pitchFamily="34" charset="0"/>
-              </a:rPr>
-              <a:t>Cruise Finder</a:t>
-            </a:r>
-          </a:p>
-        </p:txBody>
-      </p:sp>
-      <p:pic>
-        <p:nvPicPr>
-          <p:cNvPr id="1026" name="Picture 2" descr="Python Programming Language icon SVG Vector &amp; PNG Free Download | UXWing">
-            <a:extLst>
-              <a:ext uri="{FF2B5EF4-FFF2-40B4-BE49-F238E27FC236}">
-                <a16:creationId xmlns:a16="http://schemas.microsoft.com/office/drawing/2014/main" id="{FBEEE8EB-85AE-FE07-6BA4-9694CE96EDA6}"/>
-              </a:ext>
-            </a:extLst>
-          </p:cNvPr>
-          <p:cNvPicPr>
-            <a:picLocks noChangeAspect="1" noChangeArrowheads="1"/>
-          </p:cNvPicPr>
-          <p:nvPr/>
-        </p:nvPicPr>
-        <p:blipFill>
-          <a:blip r:embed="rId2">
-            <a:extLst>
-              <a:ext uri="{28A0092B-C50C-407E-A947-70E740481C1C}">
-                <a14:useLocalDpi xmlns:a14="http://schemas.microsoft.com/office/drawing/2010/main" val="0"/>
-              </a:ext>
-            </a:extLst>
-          </a:blip>
-          <a:srcRect/>
-          <a:stretch>
-            <a:fillRect/>
-          </a:stretch>
-        </p:blipFill>
-        <p:spPr bwMode="auto">
-          <a:xfrm>
-            <a:off x="895113" y="1594592"/>
-            <a:ext cx="534064" cy="536448"/>
-          </a:xfrm>
-          <a:prstGeom prst="rect">
-            <a:avLst/>
-          </a:prstGeom>
-          <a:noFill/>
-          <a:extLst>
-            <a:ext uri="{909E8E84-426E-40DD-AFC4-6F175D3DCCD1}">
-              <a14:hiddenFill xmlns:a14="http://schemas.microsoft.com/office/drawing/2010/main">
-                <a:solidFill>
-                  <a:srgbClr val="FFFFFF"/>
-                </a:solidFill>
-              </a14:hiddenFill>
-            </a:ext>
-          </a:extLst>
-        </p:spPr>
-      </p:pic>
-      <p:pic>
-        <p:nvPicPr>
-          <p:cNvPr id="1028" name="Picture 4" descr="gaction (Branding Logo For Github Actions) · GitHub">
-            <a:extLst>
-              <a:ext uri="{FF2B5EF4-FFF2-40B4-BE49-F238E27FC236}">
-                <a16:creationId xmlns:a16="http://schemas.microsoft.com/office/drawing/2014/main" id="{B5F6CF50-285D-54FE-FC30-3849B5C0156A}"/>
-              </a:ext>
-            </a:extLst>
-          </p:cNvPr>
-          <p:cNvPicPr>
-            <a:picLocks noChangeAspect="1" noChangeArrowheads="1"/>
-          </p:cNvPicPr>
-          <p:nvPr/>
-        </p:nvPicPr>
-        <p:blipFill>
-          <a:blip r:embed="rId3">
-            <a:extLst>
-              <a:ext uri="{28A0092B-C50C-407E-A947-70E740481C1C}">
-                <a14:useLocalDpi xmlns:a14="http://schemas.microsoft.com/office/drawing/2010/main" val="0"/>
-              </a:ext>
-            </a:extLst>
-          </a:blip>
-          <a:srcRect/>
-          <a:stretch>
-            <a:fillRect/>
-          </a:stretch>
-        </p:blipFill>
-        <p:spPr bwMode="auto">
-          <a:xfrm>
-            <a:off x="4914223" y="1668732"/>
-            <a:ext cx="533400" cy="533400"/>
-          </a:xfrm>
-          <a:prstGeom prst="rect">
-            <a:avLst/>
-          </a:prstGeom>
-          <a:noFill/>
-          <a:extLst>
-            <a:ext uri="{909E8E84-426E-40DD-AFC4-6F175D3DCCD1}">
-              <a14:hiddenFill xmlns:a14="http://schemas.microsoft.com/office/drawing/2010/main">
-                <a:solidFill>
-                  <a:srgbClr val="FFFFFF"/>
-                </a:solidFill>
-              </a14:hiddenFill>
-            </a:ext>
-          </a:extLst>
-        </p:spPr>
-      </p:pic>
-      <p:sp>
-        <p:nvSpPr>
-          <p:cNvPr id="9" name="TextBox 8">
-            <a:extLst>
-              <a:ext uri="{FF2B5EF4-FFF2-40B4-BE49-F238E27FC236}">
-                <a16:creationId xmlns:a16="http://schemas.microsoft.com/office/drawing/2014/main" id="{A8713ED2-620A-37D9-5DEC-F9DD946CE937}"/>
-              </a:ext>
-            </a:extLst>
-          </p:cNvPr>
-          <p:cNvSpPr txBox="1"/>
-          <p:nvPr/>
-        </p:nvSpPr>
-        <p:spPr>
-          <a:xfrm>
-            <a:off x="4743767" y="1167071"/>
-            <a:ext cx="907542" cy="523220"/>
-          </a:xfrm>
-          <a:prstGeom prst="rect">
-            <a:avLst/>
-          </a:prstGeom>
-          <a:noFill/>
-        </p:spPr>
-        <p:txBody>
-          <a:bodyPr wrap="square" rtlCol="0">
-            <a:spAutoFit/>
-          </a:bodyPr>
-          <a:lstStyle/>
-          <a:p>
-            <a:pPr algn="ctr"/>
-            <a:r>
-              <a:rPr lang="en-US" sz="1400" dirty="0">
-                <a:latin typeface="Calibri" panose="020F0502020204030204" pitchFamily="34" charset="0"/>
-                <a:ea typeface="Calibri" panose="020F0502020204030204" pitchFamily="34" charset="0"/>
-                <a:cs typeface="Calibri" panose="020F0502020204030204" pitchFamily="34" charset="0"/>
-              </a:rPr>
-              <a:t>GitHub Actions</a:t>
-            </a:r>
-          </a:p>
-        </p:txBody>
-      </p:sp>
-      <p:pic>
-        <p:nvPicPr>
-          <p:cNvPr id="1030" name="Picture 6" descr="Github Logo - Free social media icons">
-            <a:extLst>
-              <a:ext uri="{FF2B5EF4-FFF2-40B4-BE49-F238E27FC236}">
-                <a16:creationId xmlns:a16="http://schemas.microsoft.com/office/drawing/2014/main" id="{3231DA60-8609-AA8F-A65F-9B605B6C087B}"/>
-              </a:ext>
-            </a:extLst>
-          </p:cNvPr>
-          <p:cNvPicPr>
-            <a:picLocks noChangeAspect="1" noChangeArrowheads="1"/>
-          </p:cNvPicPr>
-          <p:nvPr/>
-        </p:nvPicPr>
-        <p:blipFill>
-          <a:blip r:embed="rId4">
-            <a:extLst>
-              <a:ext uri="{28A0092B-C50C-407E-A947-70E740481C1C}">
-                <a14:useLocalDpi xmlns:a14="http://schemas.microsoft.com/office/drawing/2010/main" val="0"/>
-              </a:ext>
-            </a:extLst>
-          </a:blip>
-          <a:srcRect/>
-          <a:stretch>
-            <a:fillRect/>
-          </a:stretch>
-        </p:blipFill>
-        <p:spPr bwMode="auto">
-          <a:xfrm>
-            <a:off x="3707215" y="1650799"/>
-            <a:ext cx="576072" cy="576072"/>
-          </a:xfrm>
-          <a:prstGeom prst="rect">
-            <a:avLst/>
-          </a:prstGeom>
-          <a:noFill/>
-          <a:extLst>
-            <a:ext uri="{909E8E84-426E-40DD-AFC4-6F175D3DCCD1}">
-              <a14:hiddenFill xmlns:a14="http://schemas.microsoft.com/office/drawing/2010/main">
-                <a:solidFill>
-                  <a:srgbClr val="FFFFFF"/>
-                </a:solidFill>
-              </a14:hiddenFill>
-            </a:ext>
-          </a:extLst>
-        </p:spPr>
-      </p:pic>
-      <p:sp>
-        <p:nvSpPr>
-          <p:cNvPr id="11" name="TextBox 10">
-            <a:extLst>
-              <a:ext uri="{FF2B5EF4-FFF2-40B4-BE49-F238E27FC236}">
-                <a16:creationId xmlns:a16="http://schemas.microsoft.com/office/drawing/2014/main" id="{54420610-361B-CEB0-7C64-CE39A873CB6D}"/>
-              </a:ext>
-            </a:extLst>
-          </p:cNvPr>
-          <p:cNvSpPr txBox="1"/>
-          <p:nvPr/>
-        </p:nvSpPr>
-        <p:spPr>
-          <a:xfrm>
-            <a:off x="3554381" y="1185207"/>
-            <a:ext cx="907542" cy="523220"/>
-          </a:xfrm>
-          <a:prstGeom prst="rect">
-            <a:avLst/>
-          </a:prstGeom>
-          <a:noFill/>
-        </p:spPr>
-        <p:txBody>
-          <a:bodyPr wrap="square" rtlCol="0">
-            <a:spAutoFit/>
-          </a:bodyPr>
-          <a:lstStyle/>
-          <a:p>
-            <a:pPr algn="ctr"/>
-            <a:r>
-              <a:rPr lang="en-US" sz="1400" dirty="0">
-                <a:latin typeface="Calibri" panose="020F0502020204030204" pitchFamily="34" charset="0"/>
-                <a:ea typeface="Calibri" panose="020F0502020204030204" pitchFamily="34" charset="0"/>
-                <a:cs typeface="Calibri" panose="020F0502020204030204" pitchFamily="34" charset="0"/>
-              </a:rPr>
-              <a:t>GitHub Repo</a:t>
-            </a:r>
-          </a:p>
-        </p:txBody>
-      </p:sp>
-      <p:pic>
-        <p:nvPicPr>
-          <p:cNvPr id="1032" name="Picture 8">
-            <a:extLst>
-              <a:ext uri="{FF2B5EF4-FFF2-40B4-BE49-F238E27FC236}">
-                <a16:creationId xmlns:a16="http://schemas.microsoft.com/office/drawing/2014/main" id="{03055E11-86E0-D9C4-1E19-5713B553CA3A}"/>
-              </a:ext>
-            </a:extLst>
-          </p:cNvPr>
-          <p:cNvPicPr>
-            <a:picLocks noChangeAspect="1" noChangeArrowheads="1"/>
-          </p:cNvPicPr>
-          <p:nvPr/>
-        </p:nvPicPr>
-        <p:blipFill>
-          <a:blip r:embed="rId5">
-            <a:extLst>
-              <a:ext uri="{28A0092B-C50C-407E-A947-70E740481C1C}">
-                <a14:useLocalDpi xmlns:a14="http://schemas.microsoft.com/office/drawing/2010/main" val="0"/>
-              </a:ext>
-            </a:extLst>
-          </a:blip>
-          <a:srcRect/>
-          <a:stretch>
-            <a:fillRect/>
-          </a:stretch>
-        </p:blipFill>
-        <p:spPr bwMode="auto">
-          <a:xfrm>
-            <a:off x="2432685" y="1697307"/>
-            <a:ext cx="475488" cy="475488"/>
-          </a:xfrm>
-          <a:prstGeom prst="rect">
-            <a:avLst/>
-          </a:prstGeom>
-          <a:noFill/>
-          <a:extLst>
-            <a:ext uri="{909E8E84-426E-40DD-AFC4-6F175D3DCCD1}">
-              <a14:hiddenFill xmlns:a14="http://schemas.microsoft.com/office/drawing/2010/main">
-                <a:solidFill>
-                  <a:srgbClr val="FFFFFF"/>
-                </a:solidFill>
-              </a14:hiddenFill>
-            </a:ext>
-          </a:extLst>
-        </p:spPr>
-      </p:pic>
-      <p:sp>
-        <p:nvSpPr>
-          <p:cNvPr id="12" name="TextBox 11">
-            <a:extLst>
-              <a:ext uri="{FF2B5EF4-FFF2-40B4-BE49-F238E27FC236}">
-                <a16:creationId xmlns:a16="http://schemas.microsoft.com/office/drawing/2014/main" id="{CE3B1A6F-99FC-84BD-3D17-9C218115C304}"/>
-              </a:ext>
-            </a:extLst>
-          </p:cNvPr>
-          <p:cNvSpPr txBox="1"/>
-          <p:nvPr/>
-        </p:nvSpPr>
-        <p:spPr>
-          <a:xfrm>
-            <a:off x="2270723" y="1380365"/>
-            <a:ext cx="907542" cy="307777"/>
-          </a:xfrm>
-          <a:prstGeom prst="rect">
-            <a:avLst/>
-          </a:prstGeom>
-          <a:noFill/>
-        </p:spPr>
-        <p:txBody>
-          <a:bodyPr wrap="square" rtlCol="0">
-            <a:spAutoFit/>
-          </a:bodyPr>
-          <a:lstStyle/>
-          <a:p>
-            <a:pPr algn="ctr"/>
-            <a:r>
-              <a:rPr lang="en-US" sz="1400" dirty="0">
-                <a:latin typeface="Calibri" panose="020F0502020204030204" pitchFamily="34" charset="0"/>
-                <a:ea typeface="Calibri" panose="020F0502020204030204" pitchFamily="34" charset="0"/>
-                <a:cs typeface="Calibri" panose="020F0502020204030204" pitchFamily="34" charset="0"/>
-              </a:rPr>
-              <a:t>VS Code</a:t>
-            </a:r>
-          </a:p>
-        </p:txBody>
-      </p:sp>
-      <p:cxnSp>
-        <p:nvCxnSpPr>
-          <p:cNvPr id="15" name="Straight Arrow Connector 14">
-            <a:extLst>
-              <a:ext uri="{FF2B5EF4-FFF2-40B4-BE49-F238E27FC236}">
-                <a16:creationId xmlns:a16="http://schemas.microsoft.com/office/drawing/2014/main" id="{3C4408B5-8AFE-B6AC-BBE0-7112A131D27D}"/>
-              </a:ext>
-            </a:extLst>
-          </p:cNvPr>
-          <p:cNvCxnSpPr>
-            <a:cxnSpLocks/>
-            <a:endCxn id="1032" idx="1"/>
-          </p:cNvCxnSpPr>
-          <p:nvPr/>
-        </p:nvCxnSpPr>
-        <p:spPr>
-          <a:xfrm>
-            <a:off x="1860804" y="1935051"/>
-            <a:ext cx="571881" cy="0"/>
-          </a:xfrm>
-          <a:prstGeom prst="straightConnector1">
-            <a:avLst/>
-          </a:prstGeom>
-          <a:ln>
-            <a:tailEnd type="triangle"/>
-          </a:ln>
-        </p:spPr>
-        <p:style>
-          <a:lnRef idx="2">
-            <a:schemeClr val="accent1"/>
-          </a:lnRef>
-          <a:fillRef idx="0">
-            <a:schemeClr val="accent1"/>
-          </a:fillRef>
-          <a:effectRef idx="1">
-            <a:schemeClr val="accent1"/>
-          </a:effectRef>
-          <a:fontRef idx="minor">
-            <a:schemeClr val="tx1"/>
-          </a:fontRef>
-        </p:style>
-      </p:cxnSp>
-      <p:cxnSp>
-        <p:nvCxnSpPr>
-          <p:cNvPr id="17" name="Straight Arrow Connector 16">
-            <a:extLst>
-              <a:ext uri="{FF2B5EF4-FFF2-40B4-BE49-F238E27FC236}">
-                <a16:creationId xmlns:a16="http://schemas.microsoft.com/office/drawing/2014/main" id="{890A8845-0DB4-3651-E71E-0D3BF0CC146F}"/>
-              </a:ext>
-            </a:extLst>
-          </p:cNvPr>
-          <p:cNvCxnSpPr>
-            <a:cxnSpLocks/>
-            <a:stCxn id="1032" idx="3"/>
-            <a:endCxn id="1030" idx="1"/>
-          </p:cNvCxnSpPr>
-          <p:nvPr/>
-        </p:nvCxnSpPr>
-        <p:spPr>
-          <a:xfrm>
-            <a:off x="2908173" y="1935051"/>
-            <a:ext cx="799042" cy="3784"/>
-          </a:xfrm>
-          <a:prstGeom prst="straightConnector1">
-            <a:avLst/>
-          </a:prstGeom>
-          <a:ln>
-            <a:tailEnd type="triangle"/>
-          </a:ln>
-        </p:spPr>
-        <p:style>
-          <a:lnRef idx="2">
-            <a:schemeClr val="accent1"/>
-          </a:lnRef>
-          <a:fillRef idx="0">
-            <a:schemeClr val="accent1"/>
-          </a:fillRef>
-          <a:effectRef idx="1">
-            <a:schemeClr val="accent1"/>
-          </a:effectRef>
-          <a:fontRef idx="minor">
-            <a:schemeClr val="tx1"/>
-          </a:fontRef>
-        </p:style>
-      </p:cxnSp>
-      <p:cxnSp>
-        <p:nvCxnSpPr>
-          <p:cNvPr id="22" name="Straight Arrow Connector 21">
-            <a:extLst>
-              <a:ext uri="{FF2B5EF4-FFF2-40B4-BE49-F238E27FC236}">
-                <a16:creationId xmlns:a16="http://schemas.microsoft.com/office/drawing/2014/main" id="{46840062-8E10-C521-C809-C399561C6307}"/>
-              </a:ext>
-            </a:extLst>
-          </p:cNvPr>
-          <p:cNvCxnSpPr>
-            <a:cxnSpLocks/>
-            <a:stCxn id="1030" idx="3"/>
-            <a:endCxn id="1028" idx="1"/>
-          </p:cNvCxnSpPr>
-          <p:nvPr/>
-        </p:nvCxnSpPr>
-        <p:spPr>
-          <a:xfrm flipV="1">
-            <a:off x="4283287" y="1935432"/>
-            <a:ext cx="630936" cy="3403"/>
-          </a:xfrm>
-          <a:prstGeom prst="straightConnector1">
-            <a:avLst/>
-          </a:prstGeom>
-          <a:ln>
-            <a:tailEnd type="triangle"/>
-          </a:ln>
-        </p:spPr>
-        <p:style>
-          <a:lnRef idx="2">
-            <a:schemeClr val="accent1"/>
-          </a:lnRef>
-          <a:fillRef idx="0">
-            <a:schemeClr val="accent1"/>
-          </a:fillRef>
-          <a:effectRef idx="1">
-            <a:schemeClr val="accent1"/>
-          </a:effectRef>
-          <a:fontRef idx="minor">
-            <a:schemeClr val="tx1"/>
-          </a:fontRef>
-        </p:style>
-      </p:cxnSp>
-      <p:pic>
-        <p:nvPicPr>
-          <p:cNvPr id="1034" name="Picture 10" descr="Docker, logo, logos icon - Free download on Iconfinder">
-            <a:extLst>
-              <a:ext uri="{FF2B5EF4-FFF2-40B4-BE49-F238E27FC236}">
-                <a16:creationId xmlns:a16="http://schemas.microsoft.com/office/drawing/2014/main" id="{4ACB5689-A00D-65D3-DC9D-FC8A57B94B99}"/>
-              </a:ext>
-            </a:extLst>
-          </p:cNvPr>
-          <p:cNvPicPr>
-            <a:picLocks noChangeAspect="1" noChangeArrowheads="1"/>
-          </p:cNvPicPr>
-          <p:nvPr/>
-        </p:nvPicPr>
-        <p:blipFill rotWithShape="1">
-          <a:blip r:embed="rId6">
-            <a:extLst>
-              <a:ext uri="{28A0092B-C50C-407E-A947-70E740481C1C}">
-                <a14:useLocalDpi xmlns:a14="http://schemas.microsoft.com/office/drawing/2010/main" val="0"/>
-              </a:ext>
-            </a:extLst>
-          </a:blip>
-          <a:srcRect b="18487"/>
-          <a:stretch/>
-        </p:blipFill>
-        <p:spPr bwMode="auto">
-          <a:xfrm>
-            <a:off x="5898444" y="1628338"/>
-            <a:ext cx="754432" cy="614960"/>
-          </a:xfrm>
-          <a:prstGeom prst="rect">
-            <a:avLst/>
-          </a:prstGeom>
-          <a:noFill/>
-          <a:extLst>
-            <a:ext uri="{909E8E84-426E-40DD-AFC4-6F175D3DCCD1}">
-              <a14:hiddenFill xmlns:a14="http://schemas.microsoft.com/office/drawing/2010/main">
-                <a:solidFill>
-                  <a:srgbClr val="FFFFFF"/>
-                </a:solidFill>
-              </a14:hiddenFill>
-            </a:ext>
-          </a:extLst>
-        </p:spPr>
-      </p:pic>
-      <p:cxnSp>
-        <p:nvCxnSpPr>
-          <p:cNvPr id="25" name="Straight Arrow Connector 24">
-            <a:extLst>
-              <a:ext uri="{FF2B5EF4-FFF2-40B4-BE49-F238E27FC236}">
-                <a16:creationId xmlns:a16="http://schemas.microsoft.com/office/drawing/2014/main" id="{8F9B8B85-5898-188E-2A3B-E711098C96A7}"/>
-              </a:ext>
-            </a:extLst>
-          </p:cNvPr>
-          <p:cNvCxnSpPr>
-            <a:cxnSpLocks/>
-            <a:stCxn id="1028" idx="3"/>
-            <a:endCxn id="1034" idx="1"/>
-          </p:cNvCxnSpPr>
-          <p:nvPr/>
-        </p:nvCxnSpPr>
-        <p:spPr>
-          <a:xfrm>
-            <a:off x="5447623" y="1935432"/>
-            <a:ext cx="450821" cy="386"/>
-          </a:xfrm>
-          <a:prstGeom prst="straightConnector1">
-            <a:avLst/>
-          </a:prstGeom>
-          <a:ln>
-            <a:tailEnd type="triangle"/>
-          </a:ln>
-        </p:spPr>
-        <p:style>
-          <a:lnRef idx="2">
-            <a:schemeClr val="accent1"/>
-          </a:lnRef>
-          <a:fillRef idx="0">
-            <a:schemeClr val="accent1"/>
-          </a:fillRef>
-          <a:effectRef idx="1">
-            <a:schemeClr val="accent1"/>
-          </a:effectRef>
-          <a:fontRef idx="minor">
-            <a:schemeClr val="tx1"/>
-          </a:fontRef>
-        </p:style>
-      </p:cxnSp>
-      <p:sp>
-        <p:nvSpPr>
-          <p:cNvPr id="28" name="TextBox 27">
-            <a:extLst>
-              <a:ext uri="{FF2B5EF4-FFF2-40B4-BE49-F238E27FC236}">
-                <a16:creationId xmlns:a16="http://schemas.microsoft.com/office/drawing/2014/main" id="{1A2612E7-14CA-A6AA-A7A9-7FF1290FDA46}"/>
-              </a:ext>
-            </a:extLst>
-          </p:cNvPr>
-          <p:cNvSpPr txBox="1"/>
-          <p:nvPr/>
-        </p:nvSpPr>
-        <p:spPr>
-          <a:xfrm>
-            <a:off x="5764181" y="1220927"/>
-            <a:ext cx="907542" cy="523220"/>
-          </a:xfrm>
-          <a:prstGeom prst="rect">
-            <a:avLst/>
-          </a:prstGeom>
-          <a:noFill/>
-        </p:spPr>
-        <p:txBody>
-          <a:bodyPr wrap="square" rtlCol="0">
-            <a:spAutoFit/>
-          </a:bodyPr>
-          <a:lstStyle/>
-          <a:p>
-            <a:pPr algn="ctr"/>
-            <a:r>
-              <a:rPr lang="en-US" sz="1400" dirty="0">
-                <a:latin typeface="Calibri" panose="020F0502020204030204" pitchFamily="34" charset="0"/>
-                <a:ea typeface="Calibri" panose="020F0502020204030204" pitchFamily="34" charset="0"/>
-                <a:cs typeface="Calibri" panose="020F0502020204030204" pitchFamily="34" charset="0"/>
-              </a:rPr>
-              <a:t>Docker</a:t>
-            </a:r>
-          </a:p>
-          <a:p>
-            <a:pPr algn="ctr"/>
-            <a:r>
-              <a:rPr lang="en-US" sz="1400" dirty="0">
-                <a:latin typeface="Calibri" panose="020F0502020204030204" pitchFamily="34" charset="0"/>
-                <a:ea typeface="Calibri" panose="020F0502020204030204" pitchFamily="34" charset="0"/>
-                <a:cs typeface="Calibri" panose="020F0502020204030204" pitchFamily="34" charset="0"/>
-              </a:rPr>
-              <a:t>Build</a:t>
-            </a:r>
-          </a:p>
-        </p:txBody>
-      </p:sp>
-      <p:pic>
-        <p:nvPicPr>
-          <p:cNvPr id="1038" name="Picture 14" descr="terraform&quot; Icon - Download for free – Iconduck">
-            <a:extLst>
-              <a:ext uri="{FF2B5EF4-FFF2-40B4-BE49-F238E27FC236}">
-                <a16:creationId xmlns:a16="http://schemas.microsoft.com/office/drawing/2014/main" id="{5CC8CA65-62F7-16DF-CA8E-729786397C75}"/>
-              </a:ext>
-            </a:extLst>
-          </p:cNvPr>
-          <p:cNvPicPr>
-            <a:picLocks noChangeAspect="1" noChangeArrowheads="1"/>
-          </p:cNvPicPr>
-          <p:nvPr/>
-        </p:nvPicPr>
-        <p:blipFill>
-          <a:blip r:embed="rId7">
-            <a:extLst>
-              <a:ext uri="{28A0092B-C50C-407E-A947-70E740481C1C}">
-                <a14:useLocalDpi xmlns:a14="http://schemas.microsoft.com/office/drawing/2010/main" val="0"/>
-              </a:ext>
-            </a:extLst>
-          </a:blip>
-          <a:srcRect/>
-          <a:stretch>
-            <a:fillRect/>
-          </a:stretch>
-        </p:blipFill>
-        <p:spPr bwMode="auto">
-          <a:xfrm>
-            <a:off x="4533713" y="3087674"/>
-            <a:ext cx="600395" cy="682016"/>
-          </a:xfrm>
-          <a:prstGeom prst="rect">
-            <a:avLst/>
-          </a:prstGeom>
-          <a:noFill/>
-          <a:extLst>
-            <a:ext uri="{909E8E84-426E-40DD-AFC4-6F175D3DCCD1}">
-              <a14:hiddenFill xmlns:a14="http://schemas.microsoft.com/office/drawing/2010/main">
-                <a:solidFill>
-                  <a:srgbClr val="FFFFFF"/>
-                </a:solidFill>
-              </a14:hiddenFill>
-            </a:ext>
-          </a:extLst>
-        </p:spPr>
-      </p:pic>
-      <p:pic>
-        <p:nvPicPr>
-          <p:cNvPr id="1040" name="Picture 16" descr="Playwright icon - Free Download PNG &amp; SVG | Streamline">
-            <a:extLst>
-              <a:ext uri="{FF2B5EF4-FFF2-40B4-BE49-F238E27FC236}">
-                <a16:creationId xmlns:a16="http://schemas.microsoft.com/office/drawing/2014/main" id="{0E0BD699-002E-169C-8197-0AA77DBDB3E1}"/>
-              </a:ext>
-            </a:extLst>
-          </p:cNvPr>
-          <p:cNvPicPr>
-            <a:picLocks noChangeAspect="1" noChangeArrowheads="1"/>
-          </p:cNvPicPr>
-          <p:nvPr/>
-        </p:nvPicPr>
-        <p:blipFill>
-          <a:blip r:embed="rId8">
-            <a:extLst>
-              <a:ext uri="{28A0092B-C50C-407E-A947-70E740481C1C}">
-                <a14:useLocalDpi xmlns:a14="http://schemas.microsoft.com/office/drawing/2010/main" val="0"/>
-              </a:ext>
-            </a:extLst>
-          </a:blip>
-          <a:srcRect/>
-          <a:stretch>
-            <a:fillRect/>
-          </a:stretch>
-        </p:blipFill>
-        <p:spPr bwMode="auto">
-          <a:xfrm>
-            <a:off x="821137" y="2344508"/>
-            <a:ext cx="682016" cy="682016"/>
-          </a:xfrm>
-          <a:prstGeom prst="rect">
-            <a:avLst/>
-          </a:prstGeom>
-          <a:noFill/>
-          <a:extLst>
-            <a:ext uri="{909E8E84-426E-40DD-AFC4-6F175D3DCCD1}">
-              <a14:hiddenFill xmlns:a14="http://schemas.microsoft.com/office/drawing/2010/main">
-                <a:solidFill>
-                  <a:srgbClr val="FFFFFF"/>
-                </a:solidFill>
-              </a14:hiddenFill>
-            </a:ext>
-          </a:extLst>
-        </p:spPr>
-      </p:pic>
-      <p:sp>
-        <p:nvSpPr>
-          <p:cNvPr id="36" name="TextBox 35">
-            <a:extLst>
-              <a:ext uri="{FF2B5EF4-FFF2-40B4-BE49-F238E27FC236}">
-                <a16:creationId xmlns:a16="http://schemas.microsoft.com/office/drawing/2014/main" id="{EFA5496C-FF0C-FEEB-A77F-81EBBA8785F8}"/>
-              </a:ext>
-            </a:extLst>
-          </p:cNvPr>
-          <p:cNvSpPr txBox="1"/>
-          <p:nvPr/>
-        </p:nvSpPr>
-        <p:spPr>
-          <a:xfrm>
-            <a:off x="657430" y="2932215"/>
-            <a:ext cx="1009430" cy="307777"/>
-          </a:xfrm>
-          <a:prstGeom prst="rect">
-            <a:avLst/>
-          </a:prstGeom>
-          <a:noFill/>
-        </p:spPr>
-        <p:txBody>
-          <a:bodyPr wrap="square" rtlCol="0">
-            <a:spAutoFit/>
-          </a:bodyPr>
-          <a:lstStyle/>
-          <a:p>
-            <a:pPr algn="ctr"/>
-            <a:r>
-              <a:rPr lang="en-US" sz="1400" dirty="0">
-                <a:latin typeface="Calibri" panose="020F0502020204030204" pitchFamily="34" charset="0"/>
-                <a:ea typeface="Calibri" panose="020F0502020204030204" pitchFamily="34" charset="0"/>
-                <a:cs typeface="Calibri" panose="020F0502020204030204" pitchFamily="34" charset="0"/>
-              </a:rPr>
-              <a:t>Playwright</a:t>
-            </a:r>
-          </a:p>
-        </p:txBody>
-      </p:sp>
-      <p:sp>
-        <p:nvSpPr>
-          <p:cNvPr id="37" name="TextBox 36">
-            <a:extLst>
-              <a:ext uri="{FF2B5EF4-FFF2-40B4-BE49-F238E27FC236}">
-                <a16:creationId xmlns:a16="http://schemas.microsoft.com/office/drawing/2014/main" id="{96B7F055-FC1D-A079-FF00-54B9EA6554A6}"/>
-              </a:ext>
-            </a:extLst>
-          </p:cNvPr>
-          <p:cNvSpPr txBox="1"/>
-          <p:nvPr/>
-        </p:nvSpPr>
-        <p:spPr>
-          <a:xfrm>
-            <a:off x="657430" y="2115522"/>
-            <a:ext cx="1009430" cy="307777"/>
-          </a:xfrm>
-          <a:prstGeom prst="rect">
-            <a:avLst/>
-          </a:prstGeom>
-          <a:noFill/>
-        </p:spPr>
-        <p:txBody>
-          <a:bodyPr wrap="square" rtlCol="0">
-            <a:spAutoFit/>
-          </a:bodyPr>
-          <a:lstStyle/>
-          <a:p>
-            <a:pPr algn="ctr"/>
-            <a:r>
-              <a:rPr lang="en-US" sz="1400" dirty="0">
-                <a:latin typeface="Calibri" panose="020F0502020204030204" pitchFamily="34" charset="0"/>
-                <a:ea typeface="Calibri" panose="020F0502020204030204" pitchFamily="34" charset="0"/>
-                <a:cs typeface="Calibri" panose="020F0502020204030204" pitchFamily="34" charset="0"/>
-              </a:rPr>
-              <a:t>Python</a:t>
-            </a:r>
-          </a:p>
-        </p:txBody>
-      </p:sp>
-      <p:pic>
-        <p:nvPicPr>
-          <p:cNvPr id="1042" name="Picture 18" descr="GitHub Actions SVG and transparent PNG icons | TechIcons">
-            <a:extLst>
-              <a:ext uri="{FF2B5EF4-FFF2-40B4-BE49-F238E27FC236}">
-                <a16:creationId xmlns:a16="http://schemas.microsoft.com/office/drawing/2014/main" id="{F0AB6D14-A7DA-224C-8BDF-126A49D477F5}"/>
-              </a:ext>
-            </a:extLst>
-          </p:cNvPr>
-          <p:cNvPicPr>
-            <a:picLocks noChangeAspect="1" noChangeArrowheads="1"/>
-          </p:cNvPicPr>
-          <p:nvPr/>
-        </p:nvPicPr>
-        <p:blipFill>
-          <a:blip r:embed="rId9">
-            <a:extLst>
-              <a:ext uri="{28A0092B-C50C-407E-A947-70E740481C1C}">
-                <a14:useLocalDpi xmlns:a14="http://schemas.microsoft.com/office/drawing/2010/main" val="0"/>
-              </a:ext>
-            </a:extLst>
-          </a:blip>
-          <a:srcRect/>
-          <a:stretch>
-            <a:fillRect/>
-          </a:stretch>
-        </p:blipFill>
-        <p:spPr bwMode="auto">
-          <a:xfrm>
-            <a:off x="911372" y="3614398"/>
-            <a:ext cx="517805" cy="517805"/>
-          </a:xfrm>
-          <a:prstGeom prst="rect">
-            <a:avLst/>
-          </a:prstGeom>
-          <a:noFill/>
-          <a:extLst>
-            <a:ext uri="{909E8E84-426E-40DD-AFC4-6F175D3DCCD1}">
-              <a14:hiddenFill xmlns:a14="http://schemas.microsoft.com/office/drawing/2010/main">
-                <a:solidFill>
-                  <a:srgbClr val="FFFFFF"/>
-                </a:solidFill>
-              </a14:hiddenFill>
-            </a:ext>
-          </a:extLst>
-        </p:spPr>
-      </p:pic>
-      <p:sp>
-        <p:nvSpPr>
-          <p:cNvPr id="39" name="TextBox 38">
-            <a:extLst>
-              <a:ext uri="{FF2B5EF4-FFF2-40B4-BE49-F238E27FC236}">
-                <a16:creationId xmlns:a16="http://schemas.microsoft.com/office/drawing/2014/main" id="{A7842FB3-7F63-E19D-0132-8B9C4FEB3782}"/>
-              </a:ext>
-            </a:extLst>
-          </p:cNvPr>
-          <p:cNvSpPr txBox="1"/>
-          <p:nvPr/>
-        </p:nvSpPr>
-        <p:spPr>
-          <a:xfrm>
-            <a:off x="665559" y="4153799"/>
-            <a:ext cx="1009430" cy="523220"/>
-          </a:xfrm>
-          <a:prstGeom prst="rect">
-            <a:avLst/>
-          </a:prstGeom>
-          <a:noFill/>
-        </p:spPr>
-        <p:txBody>
-          <a:bodyPr wrap="square" rtlCol="0">
-            <a:spAutoFit/>
-          </a:bodyPr>
-          <a:lstStyle/>
-          <a:p>
-            <a:pPr algn="ctr"/>
-            <a:r>
-              <a:rPr lang="en-US" sz="1400" dirty="0">
-                <a:latin typeface="Calibri" panose="020F0502020204030204" pitchFamily="34" charset="0"/>
-                <a:ea typeface="Calibri" panose="020F0502020204030204" pitchFamily="34" charset="0"/>
-                <a:cs typeface="Calibri" panose="020F0502020204030204" pitchFamily="34" charset="0"/>
-              </a:rPr>
-              <a:t>GitHub Workflow</a:t>
-            </a:r>
-          </a:p>
-        </p:txBody>
-      </p:sp>
-      <p:pic>
-        <p:nvPicPr>
-          <p:cNvPr id="1044" name="Picture 20" descr="Auth0&quot; Icon - Download for free – Iconduck">
-            <a:extLst>
-              <a:ext uri="{FF2B5EF4-FFF2-40B4-BE49-F238E27FC236}">
-                <a16:creationId xmlns:a16="http://schemas.microsoft.com/office/drawing/2014/main" id="{0D04FA19-5FDD-C8D9-C547-EBFE8FEB3C00}"/>
-              </a:ext>
-            </a:extLst>
-          </p:cNvPr>
-          <p:cNvPicPr>
-            <a:picLocks noChangeAspect="1" noChangeArrowheads="1"/>
-          </p:cNvPicPr>
-          <p:nvPr/>
-        </p:nvPicPr>
-        <p:blipFill>
-          <a:blip r:embed="rId10">
-            <a:extLst>
-              <a:ext uri="{28A0092B-C50C-407E-A947-70E740481C1C}">
-                <a14:useLocalDpi xmlns:a14="http://schemas.microsoft.com/office/drawing/2010/main" val="0"/>
-              </a:ext>
-            </a:extLst>
-          </a:blip>
-          <a:srcRect/>
-          <a:stretch>
-            <a:fillRect/>
-          </a:stretch>
-        </p:blipFill>
-        <p:spPr bwMode="auto">
-          <a:xfrm>
-            <a:off x="4516659" y="4919166"/>
-            <a:ext cx="545253" cy="609600"/>
-          </a:xfrm>
-          <a:prstGeom prst="rect">
-            <a:avLst/>
-          </a:prstGeom>
-          <a:noFill/>
-          <a:extLst>
-            <a:ext uri="{909E8E84-426E-40DD-AFC4-6F175D3DCCD1}">
-              <a14:hiddenFill xmlns:a14="http://schemas.microsoft.com/office/drawing/2010/main">
-                <a:solidFill>
-                  <a:srgbClr val="FFFFFF"/>
-                </a:solidFill>
-              </a14:hiddenFill>
-            </a:ext>
-          </a:extLst>
-        </p:spPr>
-      </p:pic>
-      <p:cxnSp>
-        <p:nvCxnSpPr>
-          <p:cNvPr id="40" name="Straight Arrow Connector 39">
-            <a:extLst>
-              <a:ext uri="{FF2B5EF4-FFF2-40B4-BE49-F238E27FC236}">
-                <a16:creationId xmlns:a16="http://schemas.microsoft.com/office/drawing/2014/main" id="{07FC32E8-7872-D3C2-AB4E-62C4964953BE}"/>
-              </a:ext>
-            </a:extLst>
-          </p:cNvPr>
-          <p:cNvCxnSpPr>
-            <a:cxnSpLocks/>
-            <a:stCxn id="1056" idx="3"/>
-            <a:endCxn id="1044" idx="1"/>
-          </p:cNvCxnSpPr>
-          <p:nvPr/>
-        </p:nvCxnSpPr>
-        <p:spPr>
-          <a:xfrm>
-            <a:off x="3002815" y="4450177"/>
-            <a:ext cx="1513844" cy="773789"/>
-          </a:xfrm>
-          <a:prstGeom prst="straightConnector1">
-            <a:avLst/>
-          </a:prstGeom>
-          <a:ln>
-            <a:tailEnd type="triangle"/>
-          </a:ln>
-        </p:spPr>
-        <p:style>
-          <a:lnRef idx="2">
-            <a:schemeClr val="accent1"/>
-          </a:lnRef>
-          <a:fillRef idx="0">
-            <a:schemeClr val="accent1"/>
-          </a:fillRef>
-          <a:effectRef idx="1">
-            <a:schemeClr val="accent1"/>
-          </a:effectRef>
-          <a:fontRef idx="minor">
-            <a:schemeClr val="tx1"/>
-          </a:fontRef>
-        </p:style>
-      </p:cxnSp>
-      <p:sp>
-        <p:nvSpPr>
-          <p:cNvPr id="43" name="TextBox 42">
-            <a:extLst>
-              <a:ext uri="{FF2B5EF4-FFF2-40B4-BE49-F238E27FC236}">
-                <a16:creationId xmlns:a16="http://schemas.microsoft.com/office/drawing/2014/main" id="{03558389-AFFC-C272-23BC-D7C892BC93A7}"/>
-              </a:ext>
-            </a:extLst>
-          </p:cNvPr>
-          <p:cNvSpPr txBox="1"/>
-          <p:nvPr/>
-        </p:nvSpPr>
-        <p:spPr>
-          <a:xfrm>
-            <a:off x="4446180" y="4666901"/>
-            <a:ext cx="756780" cy="307777"/>
-          </a:xfrm>
-          <a:prstGeom prst="rect">
-            <a:avLst/>
-          </a:prstGeom>
-          <a:noFill/>
-        </p:spPr>
-        <p:txBody>
-          <a:bodyPr wrap="square" rtlCol="0">
-            <a:spAutoFit/>
-          </a:bodyPr>
-          <a:lstStyle/>
-          <a:p>
-            <a:pPr algn="ctr"/>
-            <a:r>
-              <a:rPr lang="en-US" sz="1400" dirty="0">
-                <a:latin typeface="Calibri" panose="020F0502020204030204" pitchFamily="34" charset="0"/>
-                <a:ea typeface="Calibri" panose="020F0502020204030204" pitchFamily="34" charset="0"/>
-                <a:cs typeface="Calibri" panose="020F0502020204030204" pitchFamily="34" charset="0"/>
-              </a:rPr>
-              <a:t>Auth0</a:t>
-            </a:r>
-          </a:p>
-        </p:txBody>
-      </p:sp>
-      <p:pic>
-        <p:nvPicPr>
-          <p:cNvPr id="1046" name="Picture 22" descr="Twilio SendGrid Logo">
-            <a:extLst>
-              <a:ext uri="{FF2B5EF4-FFF2-40B4-BE49-F238E27FC236}">
-                <a16:creationId xmlns:a16="http://schemas.microsoft.com/office/drawing/2014/main" id="{E5D06890-C51D-017E-2672-61F72F88BB6D}"/>
-              </a:ext>
-            </a:extLst>
-          </p:cNvPr>
-          <p:cNvPicPr>
-            <a:picLocks noChangeAspect="1" noChangeArrowheads="1"/>
-          </p:cNvPicPr>
-          <p:nvPr/>
-        </p:nvPicPr>
-        <p:blipFill>
-          <a:blip r:embed="rId11">
-            <a:extLst>
-              <a:ext uri="{28A0092B-C50C-407E-A947-70E740481C1C}">
-                <a14:useLocalDpi xmlns:a14="http://schemas.microsoft.com/office/drawing/2010/main" val="0"/>
-              </a:ext>
-            </a:extLst>
-          </a:blip>
-          <a:srcRect/>
-          <a:stretch>
-            <a:fillRect/>
-          </a:stretch>
-        </p:blipFill>
-        <p:spPr bwMode="auto">
-          <a:xfrm>
-            <a:off x="4489440" y="5833274"/>
-            <a:ext cx="572472" cy="572472"/>
-          </a:xfrm>
-          <a:prstGeom prst="rect">
-            <a:avLst/>
-          </a:prstGeom>
-          <a:noFill/>
-          <a:extLst>
-            <a:ext uri="{909E8E84-426E-40DD-AFC4-6F175D3DCCD1}">
-              <a14:hiddenFill xmlns:a14="http://schemas.microsoft.com/office/drawing/2010/main">
-                <a:solidFill>
-                  <a:srgbClr val="FFFFFF"/>
-                </a:solidFill>
-              </a14:hiddenFill>
-            </a:ext>
-          </a:extLst>
-        </p:spPr>
-      </p:pic>
-      <p:cxnSp>
-        <p:nvCxnSpPr>
-          <p:cNvPr id="44" name="Straight Arrow Connector 43">
-            <a:extLst>
-              <a:ext uri="{FF2B5EF4-FFF2-40B4-BE49-F238E27FC236}">
-                <a16:creationId xmlns:a16="http://schemas.microsoft.com/office/drawing/2014/main" id="{348B408E-001D-F05D-EBB0-9216E843B68E}"/>
-              </a:ext>
-            </a:extLst>
-          </p:cNvPr>
-          <p:cNvCxnSpPr>
-            <a:cxnSpLocks/>
-            <a:stCxn id="1044" idx="2"/>
-            <a:endCxn id="1046" idx="0"/>
-          </p:cNvCxnSpPr>
-          <p:nvPr/>
-        </p:nvCxnSpPr>
-        <p:spPr>
-          <a:xfrm flipH="1">
-            <a:off x="4775676" y="5528766"/>
-            <a:ext cx="13610" cy="304508"/>
-          </a:xfrm>
-          <a:prstGeom prst="straightConnector1">
-            <a:avLst/>
-          </a:prstGeom>
-          <a:ln>
-            <a:tailEnd type="triangle"/>
-          </a:ln>
-        </p:spPr>
-        <p:style>
-          <a:lnRef idx="2">
-            <a:schemeClr val="accent1"/>
-          </a:lnRef>
-          <a:fillRef idx="0">
-            <a:schemeClr val="accent1"/>
-          </a:fillRef>
-          <a:effectRef idx="1">
-            <a:schemeClr val="accent1"/>
-          </a:effectRef>
-          <a:fontRef idx="minor">
-            <a:schemeClr val="tx1"/>
-          </a:fontRef>
-        </p:style>
-      </p:cxnSp>
-      <p:sp>
-        <p:nvSpPr>
-          <p:cNvPr id="48" name="TextBox 47">
-            <a:extLst>
-              <a:ext uri="{FF2B5EF4-FFF2-40B4-BE49-F238E27FC236}">
-                <a16:creationId xmlns:a16="http://schemas.microsoft.com/office/drawing/2014/main" id="{0A617A33-B284-9CD1-7D73-892FDCB281C5}"/>
-              </a:ext>
-            </a:extLst>
-          </p:cNvPr>
-          <p:cNvSpPr txBox="1"/>
-          <p:nvPr/>
-        </p:nvSpPr>
-        <p:spPr>
-          <a:xfrm>
-            <a:off x="4195442" y="6386530"/>
-            <a:ext cx="1009430" cy="307777"/>
-          </a:xfrm>
-          <a:prstGeom prst="rect">
-            <a:avLst/>
-          </a:prstGeom>
-          <a:noFill/>
-        </p:spPr>
-        <p:txBody>
-          <a:bodyPr wrap="square" rtlCol="0">
-            <a:spAutoFit/>
-          </a:bodyPr>
-          <a:lstStyle/>
-          <a:p>
-            <a:pPr algn="ctr"/>
-            <a:r>
-              <a:rPr lang="en-US" sz="1400" dirty="0">
-                <a:latin typeface="Calibri" panose="020F0502020204030204" pitchFamily="34" charset="0"/>
-                <a:ea typeface="Calibri" panose="020F0502020204030204" pitchFamily="34" charset="0"/>
-                <a:cs typeface="Calibri" panose="020F0502020204030204" pitchFamily="34" charset="0"/>
-              </a:rPr>
-              <a:t>SendGrid</a:t>
-            </a:r>
-          </a:p>
-        </p:txBody>
-      </p:sp>
-      <p:pic>
-        <p:nvPicPr>
-          <p:cNvPr id="1048" name="Picture 24" descr="Email Icon Blue transparent PNG - StickPNG">
-            <a:extLst>
-              <a:ext uri="{FF2B5EF4-FFF2-40B4-BE49-F238E27FC236}">
-                <a16:creationId xmlns:a16="http://schemas.microsoft.com/office/drawing/2014/main" id="{CBA05949-38D8-2256-66E6-6555EE5A016B}"/>
-              </a:ext>
-            </a:extLst>
-          </p:cNvPr>
-          <p:cNvPicPr>
-            <a:picLocks noChangeAspect="1" noChangeArrowheads="1"/>
-          </p:cNvPicPr>
-          <p:nvPr/>
-        </p:nvPicPr>
-        <p:blipFill>
-          <a:blip r:embed="rId12">
-            <a:extLst>
-              <a:ext uri="{28A0092B-C50C-407E-A947-70E740481C1C}">
-                <a14:useLocalDpi xmlns:a14="http://schemas.microsoft.com/office/drawing/2010/main" val="0"/>
-              </a:ext>
-            </a:extLst>
-          </a:blip>
-          <a:srcRect/>
-          <a:stretch>
-            <a:fillRect/>
-          </a:stretch>
-        </p:blipFill>
-        <p:spPr bwMode="auto">
-          <a:xfrm>
-            <a:off x="6103891" y="5860607"/>
-            <a:ext cx="517805" cy="517805"/>
-          </a:xfrm>
-          <a:prstGeom prst="rect">
-            <a:avLst/>
-          </a:prstGeom>
-          <a:noFill/>
-          <a:extLst>
-            <a:ext uri="{909E8E84-426E-40DD-AFC4-6F175D3DCCD1}">
-              <a14:hiddenFill xmlns:a14="http://schemas.microsoft.com/office/drawing/2010/main">
-                <a:solidFill>
-                  <a:srgbClr val="FFFFFF"/>
-                </a:solidFill>
-              </a14:hiddenFill>
-            </a:ext>
-          </a:extLst>
-        </p:spPr>
-      </p:pic>
-      <p:cxnSp>
-        <p:nvCxnSpPr>
-          <p:cNvPr id="49" name="Straight Arrow Connector 48">
-            <a:extLst>
-              <a:ext uri="{FF2B5EF4-FFF2-40B4-BE49-F238E27FC236}">
-                <a16:creationId xmlns:a16="http://schemas.microsoft.com/office/drawing/2014/main" id="{CFD14797-80EE-DCC4-B370-3B9E2A0E83ED}"/>
-              </a:ext>
-            </a:extLst>
-          </p:cNvPr>
-          <p:cNvCxnSpPr>
-            <a:cxnSpLocks/>
-            <a:stCxn id="1046" idx="3"/>
-            <a:endCxn id="1048" idx="1"/>
-          </p:cNvCxnSpPr>
-          <p:nvPr/>
-        </p:nvCxnSpPr>
-        <p:spPr>
-          <a:xfrm>
-            <a:off x="5061912" y="6119510"/>
-            <a:ext cx="1041979" cy="0"/>
-          </a:xfrm>
-          <a:prstGeom prst="straightConnector1">
-            <a:avLst/>
-          </a:prstGeom>
-          <a:ln>
-            <a:tailEnd type="triangle"/>
-          </a:ln>
-        </p:spPr>
-        <p:style>
-          <a:lnRef idx="2">
-            <a:schemeClr val="accent1"/>
-          </a:lnRef>
-          <a:fillRef idx="0">
-            <a:schemeClr val="accent1"/>
-          </a:fillRef>
-          <a:effectRef idx="1">
-            <a:schemeClr val="accent1"/>
-          </a:effectRef>
-          <a:fontRef idx="minor">
-            <a:schemeClr val="tx1"/>
-          </a:fontRef>
-        </p:style>
-      </p:cxnSp>
-      <p:pic>
-        <p:nvPicPr>
-          <p:cNvPr id="1050" name="Picture 26" descr="End-user | Definition">
-            <a:extLst>
-              <a:ext uri="{FF2B5EF4-FFF2-40B4-BE49-F238E27FC236}">
-                <a16:creationId xmlns:a16="http://schemas.microsoft.com/office/drawing/2014/main" id="{0F86FC8B-4A28-8241-4D17-E361290CAD48}"/>
-              </a:ext>
-            </a:extLst>
-          </p:cNvPr>
-          <p:cNvPicPr>
-            <a:picLocks noChangeAspect="1" noChangeArrowheads="1"/>
-          </p:cNvPicPr>
-          <p:nvPr/>
-        </p:nvPicPr>
-        <p:blipFill>
-          <a:blip r:embed="rId13">
-            <a:extLst>
-              <a:ext uri="{28A0092B-C50C-407E-A947-70E740481C1C}">
-                <a14:useLocalDpi xmlns:a14="http://schemas.microsoft.com/office/drawing/2010/main" val="0"/>
-              </a:ext>
-            </a:extLst>
-          </a:blip>
-          <a:srcRect/>
-          <a:stretch>
-            <a:fillRect/>
-          </a:stretch>
-        </p:blipFill>
-        <p:spPr bwMode="auto">
-          <a:xfrm>
-            <a:off x="6185502" y="4995602"/>
-            <a:ext cx="354581" cy="468342"/>
-          </a:xfrm>
-          <a:prstGeom prst="rect">
-            <a:avLst/>
-          </a:prstGeom>
-          <a:noFill/>
-          <a:extLst>
-            <a:ext uri="{909E8E84-426E-40DD-AFC4-6F175D3DCCD1}">
-              <a14:hiddenFill xmlns:a14="http://schemas.microsoft.com/office/drawing/2010/main">
-                <a:solidFill>
-                  <a:srgbClr val="FFFFFF"/>
-                </a:solidFill>
-              </a14:hiddenFill>
-            </a:ext>
-          </a:extLst>
-        </p:spPr>
-      </p:pic>
-      <p:cxnSp>
-        <p:nvCxnSpPr>
-          <p:cNvPr id="53" name="Straight Arrow Connector 52">
-            <a:extLst>
-              <a:ext uri="{FF2B5EF4-FFF2-40B4-BE49-F238E27FC236}">
-                <a16:creationId xmlns:a16="http://schemas.microsoft.com/office/drawing/2014/main" id="{469BFDCC-C167-A878-9E98-BC92B869633B}"/>
-              </a:ext>
-            </a:extLst>
-          </p:cNvPr>
-          <p:cNvCxnSpPr>
-            <a:cxnSpLocks/>
-            <a:stCxn id="1048" idx="0"/>
-            <a:endCxn id="1050" idx="2"/>
-          </p:cNvCxnSpPr>
-          <p:nvPr/>
-        </p:nvCxnSpPr>
-        <p:spPr>
-          <a:xfrm flipH="1" flipV="1">
-            <a:off x="6362793" y="5463944"/>
-            <a:ext cx="1" cy="396663"/>
-          </a:xfrm>
-          <a:prstGeom prst="straightConnector1">
-            <a:avLst/>
-          </a:prstGeom>
-          <a:ln>
-            <a:tailEnd type="triangle"/>
-          </a:ln>
-        </p:spPr>
-        <p:style>
-          <a:lnRef idx="2">
-            <a:schemeClr val="accent1"/>
-          </a:lnRef>
-          <a:fillRef idx="0">
-            <a:schemeClr val="accent1"/>
-          </a:fillRef>
-          <a:effectRef idx="1">
-            <a:schemeClr val="accent1"/>
-          </a:effectRef>
-          <a:fontRef idx="minor">
-            <a:schemeClr val="tx1"/>
-          </a:fontRef>
-        </p:style>
-      </p:cxnSp>
-      <p:sp>
-        <p:nvSpPr>
-          <p:cNvPr id="57" name="TextBox 56">
-            <a:extLst>
-              <a:ext uri="{FF2B5EF4-FFF2-40B4-BE49-F238E27FC236}">
-                <a16:creationId xmlns:a16="http://schemas.microsoft.com/office/drawing/2014/main" id="{E91DA162-5227-C815-0AED-446160566AC1}"/>
-              </a:ext>
-            </a:extLst>
-          </p:cNvPr>
-          <p:cNvSpPr txBox="1"/>
-          <p:nvPr/>
-        </p:nvSpPr>
-        <p:spPr>
-          <a:xfrm>
-            <a:off x="5858077" y="4699465"/>
-            <a:ext cx="1009430" cy="307777"/>
-          </a:xfrm>
-          <a:prstGeom prst="rect">
-            <a:avLst/>
-          </a:prstGeom>
-          <a:noFill/>
-        </p:spPr>
-        <p:txBody>
-          <a:bodyPr wrap="square" rtlCol="0">
-            <a:spAutoFit/>
-          </a:bodyPr>
-          <a:lstStyle/>
-          <a:p>
-            <a:pPr algn="ctr"/>
-            <a:r>
-              <a:rPr lang="en-US" sz="1400" dirty="0">
-                <a:latin typeface="Calibri" panose="020F0502020204030204" pitchFamily="34" charset="0"/>
-                <a:ea typeface="Calibri" panose="020F0502020204030204" pitchFamily="34" charset="0"/>
-                <a:cs typeface="Calibri" panose="020F0502020204030204" pitchFamily="34" charset="0"/>
-              </a:rPr>
-              <a:t>End User</a:t>
-            </a:r>
-          </a:p>
-        </p:txBody>
-      </p:sp>
-      <p:pic>
-        <p:nvPicPr>
-          <p:cNvPr id="1052" name="Picture 28" descr="Cloudflare SVG and transparent PNG icons | TechIcons">
-            <a:extLst>
-              <a:ext uri="{FF2B5EF4-FFF2-40B4-BE49-F238E27FC236}">
-                <a16:creationId xmlns:a16="http://schemas.microsoft.com/office/drawing/2014/main" id="{5A3F2F3A-AB1E-44C3-A9E0-7872CDB7AF09}"/>
-              </a:ext>
-            </a:extLst>
-          </p:cNvPr>
-          <p:cNvPicPr>
-            <a:picLocks noChangeAspect="1" noChangeArrowheads="1"/>
-          </p:cNvPicPr>
-          <p:nvPr/>
-        </p:nvPicPr>
-        <p:blipFill rotWithShape="1">
-          <a:blip r:embed="rId14">
-            <a:extLst>
-              <a:ext uri="{28A0092B-C50C-407E-A947-70E740481C1C}">
-                <a14:useLocalDpi xmlns:a14="http://schemas.microsoft.com/office/drawing/2010/main" val="0"/>
-              </a:ext>
-            </a:extLst>
-          </a:blip>
-          <a:srcRect t="23480" b="22055"/>
-          <a:stretch/>
-        </p:blipFill>
-        <p:spPr bwMode="auto">
-          <a:xfrm>
-            <a:off x="2455347" y="5851245"/>
-            <a:ext cx="1009652" cy="549905"/>
-          </a:xfrm>
-          <a:prstGeom prst="rect">
-            <a:avLst/>
-          </a:prstGeom>
-          <a:noFill/>
-          <a:extLst>
-            <a:ext uri="{909E8E84-426E-40DD-AFC4-6F175D3DCCD1}">
-              <a14:hiddenFill xmlns:a14="http://schemas.microsoft.com/office/drawing/2010/main">
-                <a:solidFill>
-                  <a:srgbClr val="FFFFFF"/>
-                </a:solidFill>
-              </a14:hiddenFill>
-            </a:ext>
-          </a:extLst>
-        </p:spPr>
-      </p:pic>
-      <p:sp>
-        <p:nvSpPr>
-          <p:cNvPr id="58" name="TextBox 57">
-            <a:extLst>
-              <a:ext uri="{FF2B5EF4-FFF2-40B4-BE49-F238E27FC236}">
-                <a16:creationId xmlns:a16="http://schemas.microsoft.com/office/drawing/2014/main" id="{9CD8DA83-A52B-67C3-CF4D-D7292100392A}"/>
-              </a:ext>
-            </a:extLst>
-          </p:cNvPr>
-          <p:cNvSpPr txBox="1"/>
-          <p:nvPr/>
-        </p:nvSpPr>
-        <p:spPr>
-          <a:xfrm>
-            <a:off x="2438400" y="6304930"/>
-            <a:ext cx="1009430" cy="307777"/>
-          </a:xfrm>
-          <a:prstGeom prst="rect">
-            <a:avLst/>
-          </a:prstGeom>
-          <a:noFill/>
-        </p:spPr>
-        <p:txBody>
-          <a:bodyPr wrap="square" rtlCol="0">
-            <a:spAutoFit/>
-          </a:bodyPr>
-          <a:lstStyle/>
-          <a:p>
-            <a:pPr algn="ctr"/>
-            <a:r>
-              <a:rPr lang="en-US" sz="1400" dirty="0">
-                <a:latin typeface="Calibri" panose="020F0502020204030204" pitchFamily="34" charset="0"/>
-                <a:ea typeface="Calibri" panose="020F0502020204030204" pitchFamily="34" charset="0"/>
-                <a:cs typeface="Calibri" panose="020F0502020204030204" pitchFamily="34" charset="0"/>
-              </a:rPr>
-              <a:t>Cloudflare</a:t>
-            </a:r>
-          </a:p>
-        </p:txBody>
-      </p:sp>
-      <p:cxnSp>
-        <p:nvCxnSpPr>
-          <p:cNvPr id="59" name="Straight Arrow Connector 58">
-            <a:extLst>
-              <a:ext uri="{FF2B5EF4-FFF2-40B4-BE49-F238E27FC236}">
-                <a16:creationId xmlns:a16="http://schemas.microsoft.com/office/drawing/2014/main" id="{80D4E4B7-CEFD-1BBD-34D7-A0FD062A4D57}"/>
-              </a:ext>
-            </a:extLst>
-          </p:cNvPr>
-          <p:cNvCxnSpPr>
-            <a:cxnSpLocks/>
-            <a:stCxn id="1052" idx="3"/>
-            <a:endCxn id="1046" idx="1"/>
-          </p:cNvCxnSpPr>
-          <p:nvPr/>
-        </p:nvCxnSpPr>
-        <p:spPr>
-          <a:xfrm flipV="1">
-            <a:off x="3464999" y="6119510"/>
-            <a:ext cx="1024441" cy="6688"/>
-          </a:xfrm>
-          <a:prstGeom prst="straightConnector1">
-            <a:avLst/>
-          </a:prstGeom>
-          <a:ln>
-            <a:tailEnd type="triangle"/>
-          </a:ln>
-        </p:spPr>
-        <p:style>
-          <a:lnRef idx="2">
-            <a:schemeClr val="accent1"/>
-          </a:lnRef>
-          <a:fillRef idx="0">
-            <a:schemeClr val="accent1"/>
-          </a:fillRef>
-          <a:effectRef idx="1">
-            <a:schemeClr val="accent1"/>
-          </a:effectRef>
-          <a:fontRef idx="minor">
-            <a:schemeClr val="tx1"/>
-          </a:fontRef>
-        </p:style>
-      </p:cxnSp>
-      <p:pic>
-        <p:nvPicPr>
-          <p:cNvPr id="1054" name="Picture 30" descr="Terraform Generic color lineal-color icon | Freepik">
-            <a:extLst>
-              <a:ext uri="{FF2B5EF4-FFF2-40B4-BE49-F238E27FC236}">
-                <a16:creationId xmlns:a16="http://schemas.microsoft.com/office/drawing/2014/main" id="{6E7C5707-4501-A291-6932-FE1833A77E3E}"/>
-              </a:ext>
-            </a:extLst>
-          </p:cNvPr>
-          <p:cNvPicPr>
-            <a:picLocks noChangeAspect="1" noChangeArrowheads="1"/>
-          </p:cNvPicPr>
-          <p:nvPr/>
-        </p:nvPicPr>
-        <p:blipFill>
-          <a:blip r:embed="rId15">
-            <a:extLst>
-              <a:ext uri="{28A0092B-C50C-407E-A947-70E740481C1C}">
-                <a14:useLocalDpi xmlns:a14="http://schemas.microsoft.com/office/drawing/2010/main" val="0"/>
-              </a:ext>
-            </a:extLst>
-          </a:blip>
-          <a:srcRect/>
-          <a:stretch>
-            <a:fillRect/>
-          </a:stretch>
-        </p:blipFill>
-        <p:spPr bwMode="auto">
-          <a:xfrm>
-            <a:off x="872280" y="4774445"/>
-            <a:ext cx="689499" cy="689499"/>
-          </a:xfrm>
-          <a:prstGeom prst="rect">
-            <a:avLst/>
-          </a:prstGeom>
-          <a:noFill/>
-          <a:extLst>
-            <a:ext uri="{909E8E84-426E-40DD-AFC4-6F175D3DCCD1}">
-              <a14:hiddenFill xmlns:a14="http://schemas.microsoft.com/office/drawing/2010/main">
-                <a:solidFill>
-                  <a:srgbClr val="FFFFFF"/>
-                </a:solidFill>
-              </a14:hiddenFill>
-            </a:ext>
-          </a:extLst>
-        </p:spPr>
-      </p:pic>
-      <p:sp>
-        <p:nvSpPr>
-          <p:cNvPr id="63" name="TextBox 62">
-            <a:extLst>
-              <a:ext uri="{FF2B5EF4-FFF2-40B4-BE49-F238E27FC236}">
-                <a16:creationId xmlns:a16="http://schemas.microsoft.com/office/drawing/2014/main" id="{9B4D3861-000D-77D2-A1DD-C066FC3BA9EB}"/>
-              </a:ext>
-            </a:extLst>
-          </p:cNvPr>
-          <p:cNvSpPr txBox="1"/>
-          <p:nvPr/>
-        </p:nvSpPr>
-        <p:spPr>
-          <a:xfrm>
-            <a:off x="665559" y="5310055"/>
-            <a:ext cx="1009430" cy="523220"/>
-          </a:xfrm>
-          <a:prstGeom prst="rect">
-            <a:avLst/>
-          </a:prstGeom>
-          <a:noFill/>
-        </p:spPr>
-        <p:txBody>
-          <a:bodyPr wrap="square" rtlCol="0">
-            <a:spAutoFit/>
-          </a:bodyPr>
-          <a:lstStyle/>
-          <a:p>
-            <a:pPr algn="ctr"/>
-            <a:r>
-              <a:rPr lang="en-US" sz="1400" dirty="0">
-                <a:latin typeface="Calibri" panose="020F0502020204030204" pitchFamily="34" charset="0"/>
-                <a:ea typeface="Calibri" panose="020F0502020204030204" pitchFamily="34" charset="0"/>
-                <a:cs typeface="Calibri" panose="020F0502020204030204" pitchFamily="34" charset="0"/>
-              </a:rPr>
-              <a:t>Terraform</a:t>
-            </a:r>
-          </a:p>
-          <a:p>
-            <a:pPr algn="ctr"/>
-            <a:r>
-              <a:rPr lang="en-US" sz="1400" dirty="0">
-                <a:latin typeface="Calibri" panose="020F0502020204030204" pitchFamily="34" charset="0"/>
-                <a:ea typeface="Calibri" panose="020F0502020204030204" pitchFamily="34" charset="0"/>
-                <a:cs typeface="Calibri" panose="020F0502020204030204" pitchFamily="34" charset="0"/>
-              </a:rPr>
-              <a:t>Script</a:t>
-            </a:r>
-          </a:p>
-        </p:txBody>
-      </p:sp>
-      <p:pic>
-        <p:nvPicPr>
-          <p:cNvPr id="1056" name="Picture 32">
-            <a:extLst>
-              <a:ext uri="{FF2B5EF4-FFF2-40B4-BE49-F238E27FC236}">
-                <a16:creationId xmlns:a16="http://schemas.microsoft.com/office/drawing/2014/main" id="{C719067A-A43E-204C-E676-F5AA951BC9FD}"/>
-              </a:ext>
-            </a:extLst>
-          </p:cNvPr>
-          <p:cNvPicPr>
-            <a:picLocks noChangeAspect="1" noChangeArrowheads="1"/>
-          </p:cNvPicPr>
-          <p:nvPr/>
-        </p:nvPicPr>
-        <p:blipFill>
-          <a:blip r:embed="rId16">
-            <a:extLst>
-              <a:ext uri="{28A0092B-C50C-407E-A947-70E740481C1C}">
-                <a14:useLocalDpi xmlns:a14="http://schemas.microsoft.com/office/drawing/2010/main" val="0"/>
-              </a:ext>
-            </a:extLst>
-          </a:blip>
-          <a:srcRect/>
-          <a:stretch>
-            <a:fillRect/>
-          </a:stretch>
-        </p:blipFill>
-        <p:spPr bwMode="auto">
-          <a:xfrm>
-            <a:off x="2319029" y="4108284"/>
-            <a:ext cx="683786" cy="683786"/>
-          </a:xfrm>
-          <a:prstGeom prst="rect">
-            <a:avLst/>
-          </a:prstGeom>
-          <a:noFill/>
-          <a:extLst>
-            <a:ext uri="{909E8E84-426E-40DD-AFC4-6F175D3DCCD1}">
-              <a14:hiddenFill xmlns:a14="http://schemas.microsoft.com/office/drawing/2010/main">
-                <a:solidFill>
-                  <a:srgbClr val="FFFFFF"/>
-                </a:solidFill>
-              </a14:hiddenFill>
-            </a:ext>
-          </a:extLst>
-        </p:spPr>
-      </p:pic>
-      <p:cxnSp>
-        <p:nvCxnSpPr>
-          <p:cNvPr id="1025" name="Straight Connector 1024">
-            <a:extLst>
-              <a:ext uri="{FF2B5EF4-FFF2-40B4-BE49-F238E27FC236}">
-                <a16:creationId xmlns:a16="http://schemas.microsoft.com/office/drawing/2014/main" id="{F66A32E0-DBA3-FDB7-4D42-0DEFB49CA37F}"/>
-              </a:ext>
-            </a:extLst>
-          </p:cNvPr>
-          <p:cNvCxnSpPr/>
-          <p:nvPr/>
-        </p:nvCxnSpPr>
-        <p:spPr>
-          <a:xfrm>
-            <a:off x="476060" y="3308639"/>
-            <a:ext cx="1372171" cy="0"/>
-          </a:xfrm>
-          <a:prstGeom prst="line">
-            <a:avLst/>
-          </a:prstGeom>
-        </p:spPr>
-        <p:style>
-          <a:lnRef idx="2">
-            <a:schemeClr val="accent1"/>
-          </a:lnRef>
-          <a:fillRef idx="0">
-            <a:schemeClr val="accent1"/>
-          </a:fillRef>
-          <a:effectRef idx="1">
-            <a:schemeClr val="accent1"/>
-          </a:effectRef>
-          <a:fontRef idx="minor">
-            <a:schemeClr val="tx1"/>
-          </a:fontRef>
-        </p:style>
-      </p:cxnSp>
-      <p:sp>
-        <p:nvSpPr>
-          <p:cNvPr id="1027" name="TextBox 1026">
-            <a:extLst>
-              <a:ext uri="{FF2B5EF4-FFF2-40B4-BE49-F238E27FC236}">
-                <a16:creationId xmlns:a16="http://schemas.microsoft.com/office/drawing/2014/main" id="{875664C3-BA4F-E134-8A6B-0C82306A02B8}"/>
-              </a:ext>
-            </a:extLst>
-          </p:cNvPr>
-          <p:cNvSpPr txBox="1"/>
-          <p:nvPr/>
-        </p:nvSpPr>
-        <p:spPr>
-          <a:xfrm>
-            <a:off x="2216658" y="4677019"/>
-            <a:ext cx="907542" cy="523220"/>
-          </a:xfrm>
-          <a:prstGeom prst="rect">
-            <a:avLst/>
-          </a:prstGeom>
-          <a:noFill/>
-        </p:spPr>
-        <p:txBody>
-          <a:bodyPr wrap="square" rtlCol="0">
-            <a:spAutoFit/>
-          </a:bodyPr>
-          <a:lstStyle/>
-          <a:p>
-            <a:pPr algn="ctr"/>
-            <a:r>
-              <a:rPr lang="en-US" sz="1400" dirty="0">
-                <a:latin typeface="Calibri" panose="020F0502020204030204" pitchFamily="34" charset="0"/>
-                <a:ea typeface="Calibri" panose="020F0502020204030204" pitchFamily="34" charset="0"/>
-                <a:cs typeface="Calibri" panose="020F0502020204030204" pitchFamily="34" charset="0"/>
-              </a:rPr>
-              <a:t>Power</a:t>
-            </a:r>
-          </a:p>
-          <a:p>
-            <a:pPr algn="ctr"/>
-            <a:r>
-              <a:rPr lang="en-US" sz="1400" dirty="0">
-                <a:latin typeface="Calibri" panose="020F0502020204030204" pitchFamily="34" charset="0"/>
-                <a:ea typeface="Calibri" panose="020F0502020204030204" pitchFamily="34" charset="0"/>
-                <a:cs typeface="Calibri" panose="020F0502020204030204" pitchFamily="34" charset="0"/>
-              </a:rPr>
-              <a:t>Shell</a:t>
-            </a:r>
-          </a:p>
-        </p:txBody>
-      </p:sp>
-      <p:cxnSp>
-        <p:nvCxnSpPr>
-          <p:cNvPr id="1029" name="Straight Arrow Connector 1028">
-            <a:extLst>
-              <a:ext uri="{FF2B5EF4-FFF2-40B4-BE49-F238E27FC236}">
-                <a16:creationId xmlns:a16="http://schemas.microsoft.com/office/drawing/2014/main" id="{8223D2E7-6D3D-DAA8-0516-634BE9191A80}"/>
-              </a:ext>
-            </a:extLst>
-          </p:cNvPr>
-          <p:cNvCxnSpPr>
-            <a:cxnSpLocks/>
-            <a:stCxn id="1032" idx="2"/>
-            <a:endCxn id="1056" idx="0"/>
-          </p:cNvCxnSpPr>
-          <p:nvPr/>
-        </p:nvCxnSpPr>
-        <p:spPr>
-          <a:xfrm flipH="1">
-            <a:off x="2660922" y="2172795"/>
-            <a:ext cx="9507" cy="1935489"/>
-          </a:xfrm>
-          <a:prstGeom prst="straightConnector1">
-            <a:avLst/>
-          </a:prstGeom>
-          <a:ln>
-            <a:tailEnd type="triangle"/>
-          </a:ln>
-        </p:spPr>
-        <p:style>
-          <a:lnRef idx="2">
-            <a:schemeClr val="accent1"/>
-          </a:lnRef>
-          <a:fillRef idx="0">
-            <a:schemeClr val="accent1"/>
-          </a:fillRef>
-          <a:effectRef idx="1">
-            <a:schemeClr val="accent1"/>
-          </a:effectRef>
-          <a:fontRef idx="minor">
-            <a:schemeClr val="tx1"/>
-          </a:fontRef>
-        </p:style>
-      </p:cxnSp>
-      <p:cxnSp>
-        <p:nvCxnSpPr>
-          <p:cNvPr id="1047" name="Straight Arrow Connector 1046">
-            <a:extLst>
-              <a:ext uri="{FF2B5EF4-FFF2-40B4-BE49-F238E27FC236}">
-                <a16:creationId xmlns:a16="http://schemas.microsoft.com/office/drawing/2014/main" id="{640D9D03-2B5C-5DEC-EE91-6D870C422BDA}"/>
-              </a:ext>
-            </a:extLst>
-          </p:cNvPr>
-          <p:cNvCxnSpPr>
-            <a:cxnSpLocks/>
-            <a:stCxn id="1056" idx="3"/>
-            <a:endCxn id="1038" idx="1"/>
-          </p:cNvCxnSpPr>
-          <p:nvPr/>
-        </p:nvCxnSpPr>
-        <p:spPr>
-          <a:xfrm flipV="1">
-            <a:off x="3002815" y="3428682"/>
-            <a:ext cx="1530898" cy="1021495"/>
-          </a:xfrm>
-          <a:prstGeom prst="straightConnector1">
-            <a:avLst/>
-          </a:prstGeom>
-          <a:ln>
-            <a:tailEnd type="triangle"/>
-          </a:ln>
-        </p:spPr>
-        <p:style>
-          <a:lnRef idx="2">
-            <a:schemeClr val="accent1"/>
-          </a:lnRef>
-          <a:fillRef idx="0">
-            <a:schemeClr val="accent1"/>
-          </a:fillRef>
-          <a:effectRef idx="1">
-            <a:schemeClr val="accent1"/>
-          </a:effectRef>
-          <a:fontRef idx="minor">
-            <a:schemeClr val="tx1"/>
-          </a:fontRef>
-        </p:style>
-      </p:cxnSp>
-      <p:sp>
-        <p:nvSpPr>
-          <p:cNvPr id="1058" name="TextBox 1057">
-            <a:extLst>
-              <a:ext uri="{FF2B5EF4-FFF2-40B4-BE49-F238E27FC236}">
-                <a16:creationId xmlns:a16="http://schemas.microsoft.com/office/drawing/2014/main" id="{28B36C56-EA83-23C0-7FEC-FF76E98069F1}"/>
-              </a:ext>
-            </a:extLst>
-          </p:cNvPr>
-          <p:cNvSpPr txBox="1"/>
-          <p:nvPr/>
-        </p:nvSpPr>
-        <p:spPr>
-          <a:xfrm>
-            <a:off x="4322466" y="2800318"/>
-            <a:ext cx="1009430" cy="307777"/>
-          </a:xfrm>
-          <a:prstGeom prst="rect">
-            <a:avLst/>
-          </a:prstGeom>
-          <a:noFill/>
-        </p:spPr>
-        <p:txBody>
-          <a:bodyPr wrap="square" rtlCol="0">
-            <a:spAutoFit/>
-          </a:bodyPr>
-          <a:lstStyle/>
-          <a:p>
-            <a:pPr algn="ctr"/>
-            <a:r>
-              <a:rPr lang="en-US" sz="1400" dirty="0">
-                <a:latin typeface="Calibri" panose="020F0502020204030204" pitchFamily="34" charset="0"/>
-                <a:ea typeface="Calibri" panose="020F0502020204030204" pitchFamily="34" charset="0"/>
-                <a:cs typeface="Calibri" panose="020F0502020204030204" pitchFamily="34" charset="0"/>
-              </a:rPr>
-              <a:t>Terraform</a:t>
-            </a:r>
-          </a:p>
-        </p:txBody>
-      </p:sp>
-      <p:cxnSp>
-        <p:nvCxnSpPr>
-          <p:cNvPr id="1059" name="Straight Arrow Connector 1058">
-            <a:extLst>
-              <a:ext uri="{FF2B5EF4-FFF2-40B4-BE49-F238E27FC236}">
-                <a16:creationId xmlns:a16="http://schemas.microsoft.com/office/drawing/2014/main" id="{0C85B7E7-F35F-560A-DC4F-2CA61190A912}"/>
-              </a:ext>
-            </a:extLst>
-          </p:cNvPr>
-          <p:cNvCxnSpPr>
-            <a:cxnSpLocks/>
-            <a:stCxn id="1038" idx="3"/>
-            <a:endCxn id="1062" idx="1"/>
-          </p:cNvCxnSpPr>
-          <p:nvPr/>
-        </p:nvCxnSpPr>
-        <p:spPr>
-          <a:xfrm flipV="1">
-            <a:off x="5134108" y="3426577"/>
-            <a:ext cx="664504" cy="2105"/>
-          </a:xfrm>
-          <a:prstGeom prst="straightConnector1">
-            <a:avLst/>
-          </a:prstGeom>
-          <a:ln>
-            <a:tailEnd type="triangle"/>
-          </a:ln>
-        </p:spPr>
-        <p:style>
-          <a:lnRef idx="2">
-            <a:schemeClr val="accent1"/>
-          </a:lnRef>
-          <a:fillRef idx="0">
-            <a:schemeClr val="accent1"/>
-          </a:fillRef>
-          <a:effectRef idx="1">
-            <a:schemeClr val="accent1"/>
-          </a:effectRef>
-          <a:fontRef idx="minor">
-            <a:schemeClr val="tx1"/>
-          </a:fontRef>
-        </p:style>
-      </p:cxnSp>
-      <p:pic>
-        <p:nvPicPr>
-          <p:cNvPr id="1064" name="Picture 34" descr="S3 Bucket with Objects | AWS Storage">
-            <a:extLst>
-              <a:ext uri="{FF2B5EF4-FFF2-40B4-BE49-F238E27FC236}">
-                <a16:creationId xmlns:a16="http://schemas.microsoft.com/office/drawing/2014/main" id="{A5A4A68B-8011-4642-F2BC-15481AE36249}"/>
-              </a:ext>
-            </a:extLst>
-          </p:cNvPr>
-          <p:cNvPicPr>
-            <a:picLocks noChangeAspect="1" noChangeArrowheads="1"/>
-          </p:cNvPicPr>
-          <p:nvPr/>
-        </p:nvPicPr>
-        <p:blipFill>
-          <a:blip r:embed="rId17">
-            <a:extLst>
-              <a:ext uri="{28A0092B-C50C-407E-A947-70E740481C1C}">
-                <a14:useLocalDpi xmlns:a14="http://schemas.microsoft.com/office/drawing/2010/main" val="0"/>
-              </a:ext>
-            </a:extLst>
-          </a:blip>
-          <a:srcRect/>
-          <a:stretch>
-            <a:fillRect/>
-          </a:stretch>
-        </p:blipFill>
-        <p:spPr bwMode="auto">
-          <a:xfrm>
-            <a:off x="7713445" y="3186574"/>
-            <a:ext cx="572109" cy="572109"/>
-          </a:xfrm>
-          <a:prstGeom prst="rect">
-            <a:avLst/>
-          </a:prstGeom>
-          <a:noFill/>
-          <a:extLst>
-            <a:ext uri="{909E8E84-426E-40DD-AFC4-6F175D3DCCD1}">
-              <a14:hiddenFill xmlns:a14="http://schemas.microsoft.com/office/drawing/2010/main">
-                <a:solidFill>
-                  <a:srgbClr val="FFFFFF"/>
-                </a:solidFill>
-              </a14:hiddenFill>
-            </a:ext>
-          </a:extLst>
-        </p:spPr>
-      </p:pic>
-      <p:sp>
-        <p:nvSpPr>
-          <p:cNvPr id="1065" name="TextBox 1064">
-            <a:extLst>
-              <a:ext uri="{FF2B5EF4-FFF2-40B4-BE49-F238E27FC236}">
-                <a16:creationId xmlns:a16="http://schemas.microsoft.com/office/drawing/2014/main" id="{342520CE-ED39-0C9D-DFDF-5365D256DCE4}"/>
-              </a:ext>
-            </a:extLst>
-          </p:cNvPr>
-          <p:cNvSpPr txBox="1"/>
-          <p:nvPr/>
-        </p:nvSpPr>
-        <p:spPr>
-          <a:xfrm>
-            <a:off x="7805077" y="3712612"/>
-            <a:ext cx="418236" cy="307777"/>
-          </a:xfrm>
-          <a:prstGeom prst="rect">
-            <a:avLst/>
-          </a:prstGeom>
-          <a:noFill/>
-        </p:spPr>
-        <p:txBody>
-          <a:bodyPr wrap="square" rtlCol="0">
-            <a:spAutoFit/>
-          </a:bodyPr>
-          <a:lstStyle/>
-          <a:p>
-            <a:pPr algn="ctr"/>
-            <a:r>
-              <a:rPr lang="en-US" sz="1400" dirty="0">
-                <a:latin typeface="Calibri" panose="020F0502020204030204" pitchFamily="34" charset="0"/>
-                <a:ea typeface="Calibri" panose="020F0502020204030204" pitchFamily="34" charset="0"/>
-                <a:cs typeface="Calibri" panose="020F0502020204030204" pitchFamily="34" charset="0"/>
-              </a:rPr>
-              <a:t>S3</a:t>
-            </a:r>
-          </a:p>
-        </p:txBody>
-      </p:sp>
-      <p:pic>
-        <p:nvPicPr>
-          <p:cNvPr id="1066" name="Picture 36" descr="5 New Features in AWS Fargate Version 1.4 | Logicata">
-            <a:extLst>
-              <a:ext uri="{FF2B5EF4-FFF2-40B4-BE49-F238E27FC236}">
-                <a16:creationId xmlns:a16="http://schemas.microsoft.com/office/drawing/2014/main" id="{91F03A5F-AEBE-7725-00D8-332651B9CEA6}"/>
-              </a:ext>
-            </a:extLst>
-          </p:cNvPr>
-          <p:cNvPicPr>
-            <a:picLocks noChangeAspect="1" noChangeArrowheads="1"/>
-          </p:cNvPicPr>
-          <p:nvPr/>
-        </p:nvPicPr>
-        <p:blipFill>
-          <a:blip r:embed="rId18">
-            <a:extLst>
-              <a:ext uri="{28A0092B-C50C-407E-A947-70E740481C1C}">
-                <a14:useLocalDpi xmlns:a14="http://schemas.microsoft.com/office/drawing/2010/main" val="0"/>
-              </a:ext>
-            </a:extLst>
-          </a:blip>
-          <a:srcRect/>
-          <a:stretch>
-            <a:fillRect/>
-          </a:stretch>
-        </p:blipFill>
-        <p:spPr bwMode="auto">
-          <a:xfrm>
-            <a:off x="6831616" y="3200290"/>
-            <a:ext cx="532391" cy="532391"/>
-          </a:xfrm>
-          <a:prstGeom prst="rect">
-            <a:avLst/>
-          </a:prstGeom>
-          <a:noFill/>
-          <a:extLst>
-            <a:ext uri="{909E8E84-426E-40DD-AFC4-6F175D3DCCD1}">
-              <a14:hiddenFill xmlns:a14="http://schemas.microsoft.com/office/drawing/2010/main">
-                <a:solidFill>
-                  <a:srgbClr val="FFFFFF"/>
-                </a:solidFill>
-              </a14:hiddenFill>
-            </a:ext>
-          </a:extLst>
-        </p:spPr>
-      </p:pic>
-      <p:sp>
-        <p:nvSpPr>
-          <p:cNvPr id="1067" name="TextBox 1066">
-            <a:extLst>
-              <a:ext uri="{FF2B5EF4-FFF2-40B4-BE49-F238E27FC236}">
-                <a16:creationId xmlns:a16="http://schemas.microsoft.com/office/drawing/2014/main" id="{5BA1E7F6-046C-11AD-6215-9EC01E14C1D2}"/>
-              </a:ext>
-            </a:extLst>
-          </p:cNvPr>
-          <p:cNvSpPr txBox="1"/>
-          <p:nvPr/>
-        </p:nvSpPr>
-        <p:spPr>
-          <a:xfrm>
-            <a:off x="6492432" y="3725993"/>
-            <a:ext cx="1238748" cy="307777"/>
-          </a:xfrm>
-          <a:prstGeom prst="rect">
-            <a:avLst/>
-          </a:prstGeom>
-          <a:noFill/>
-        </p:spPr>
-        <p:txBody>
-          <a:bodyPr wrap="square" rtlCol="0">
-            <a:spAutoFit/>
-          </a:bodyPr>
-          <a:lstStyle/>
-          <a:p>
-            <a:pPr algn="ctr"/>
-            <a:r>
-              <a:rPr lang="en-US" sz="1400" dirty="0">
-                <a:latin typeface="Calibri" panose="020F0502020204030204" pitchFamily="34" charset="0"/>
-                <a:ea typeface="Calibri" panose="020F0502020204030204" pitchFamily="34" charset="0"/>
-                <a:cs typeface="Calibri" panose="020F0502020204030204" pitchFamily="34" charset="0"/>
-              </a:rPr>
-              <a:t>ECS Fargate</a:t>
-            </a:r>
-          </a:p>
-        </p:txBody>
-      </p:sp>
-      <p:pic>
-        <p:nvPicPr>
-          <p:cNvPr id="1068" name="Picture 38" descr="AWS CloudWatch Logs">
-            <a:extLst>
-              <a:ext uri="{FF2B5EF4-FFF2-40B4-BE49-F238E27FC236}">
-                <a16:creationId xmlns:a16="http://schemas.microsoft.com/office/drawing/2014/main" id="{DD6F94E4-68A2-2931-22E1-F009F72290BC}"/>
-              </a:ext>
-            </a:extLst>
-          </p:cNvPr>
-          <p:cNvPicPr>
-            <a:picLocks noChangeAspect="1" noChangeArrowheads="1"/>
-          </p:cNvPicPr>
-          <p:nvPr/>
-        </p:nvPicPr>
-        <p:blipFill>
-          <a:blip r:embed="rId19">
-            <a:extLst>
-              <a:ext uri="{28A0092B-C50C-407E-A947-70E740481C1C}">
-                <a14:useLocalDpi xmlns:a14="http://schemas.microsoft.com/office/drawing/2010/main" val="0"/>
-              </a:ext>
-            </a:extLst>
-          </a:blip>
-          <a:srcRect/>
-          <a:stretch>
-            <a:fillRect/>
-          </a:stretch>
-        </p:blipFill>
-        <p:spPr bwMode="auto">
-          <a:xfrm>
-            <a:off x="9710759" y="3178658"/>
-            <a:ext cx="532391" cy="532391"/>
-          </a:xfrm>
-          <a:prstGeom prst="rect">
-            <a:avLst/>
-          </a:prstGeom>
-          <a:noFill/>
-          <a:extLst>
-            <a:ext uri="{909E8E84-426E-40DD-AFC4-6F175D3DCCD1}">
-              <a14:hiddenFill xmlns:a14="http://schemas.microsoft.com/office/drawing/2010/main">
-                <a:solidFill>
-                  <a:srgbClr val="FFFFFF"/>
-                </a:solidFill>
-              </a14:hiddenFill>
-            </a:ext>
-          </a:extLst>
-        </p:spPr>
-      </p:pic>
-      <p:sp>
-        <p:nvSpPr>
-          <p:cNvPr id="1069" name="TextBox 1068">
-            <a:extLst>
-              <a:ext uri="{FF2B5EF4-FFF2-40B4-BE49-F238E27FC236}">
-                <a16:creationId xmlns:a16="http://schemas.microsoft.com/office/drawing/2014/main" id="{E49CA972-1D65-1B94-3DAD-6572F6E65EDF}"/>
-              </a:ext>
-            </a:extLst>
-          </p:cNvPr>
-          <p:cNvSpPr txBox="1"/>
-          <p:nvPr/>
-        </p:nvSpPr>
-        <p:spPr>
-          <a:xfrm>
-            <a:off x="9357580" y="3698466"/>
-            <a:ext cx="1238748" cy="307777"/>
-          </a:xfrm>
-          <a:prstGeom prst="rect">
-            <a:avLst/>
-          </a:prstGeom>
-          <a:noFill/>
-        </p:spPr>
-        <p:txBody>
-          <a:bodyPr wrap="square" rtlCol="0">
-            <a:spAutoFit/>
-          </a:bodyPr>
-          <a:lstStyle/>
-          <a:p>
-            <a:pPr algn="ctr"/>
-            <a:r>
-              <a:rPr lang="en-US" sz="1400" dirty="0">
-                <a:latin typeface="Calibri" panose="020F0502020204030204" pitchFamily="34" charset="0"/>
-                <a:ea typeface="Calibri" panose="020F0502020204030204" pitchFamily="34" charset="0"/>
-                <a:cs typeface="Calibri" panose="020F0502020204030204" pitchFamily="34" charset="0"/>
-              </a:rPr>
-              <a:t>CloudWatch</a:t>
-            </a:r>
-          </a:p>
-        </p:txBody>
-      </p:sp>
-      <p:pic>
-        <p:nvPicPr>
-          <p:cNvPr id="1070" name="Picture 12" descr="Amazon ECR | AWS Compute">
-            <a:extLst>
-              <a:ext uri="{FF2B5EF4-FFF2-40B4-BE49-F238E27FC236}">
-                <a16:creationId xmlns:a16="http://schemas.microsoft.com/office/drawing/2014/main" id="{A859DE0B-A0FA-C1DE-3F64-105B6F55486A}"/>
-              </a:ext>
-            </a:extLst>
-          </p:cNvPr>
-          <p:cNvPicPr>
-            <a:picLocks noChangeAspect="1" noChangeArrowheads="1"/>
-          </p:cNvPicPr>
-          <p:nvPr/>
-        </p:nvPicPr>
-        <p:blipFill>
-          <a:blip r:embed="rId20">
-            <a:extLst>
-              <a:ext uri="{28A0092B-C50C-407E-A947-70E740481C1C}">
-                <a14:useLocalDpi xmlns:a14="http://schemas.microsoft.com/office/drawing/2010/main" val="0"/>
-              </a:ext>
-            </a:extLst>
-          </a:blip>
-          <a:srcRect/>
-          <a:stretch>
-            <a:fillRect/>
-          </a:stretch>
-        </p:blipFill>
-        <p:spPr bwMode="auto">
-          <a:xfrm>
-            <a:off x="5998457" y="3191260"/>
-            <a:ext cx="543520" cy="543520"/>
-          </a:xfrm>
-          <a:prstGeom prst="rect">
-            <a:avLst/>
-          </a:prstGeom>
-          <a:noFill/>
-          <a:extLst>
-            <a:ext uri="{909E8E84-426E-40DD-AFC4-6F175D3DCCD1}">
-              <a14:hiddenFill xmlns:a14="http://schemas.microsoft.com/office/drawing/2010/main">
-                <a:solidFill>
-                  <a:srgbClr val="FFFFFF"/>
-                </a:solidFill>
-              </a14:hiddenFill>
-            </a:ext>
-          </a:extLst>
-        </p:spPr>
-      </p:pic>
-      <p:sp>
-        <p:nvSpPr>
-          <p:cNvPr id="1071" name="TextBox 1070">
-            <a:extLst>
-              <a:ext uri="{FF2B5EF4-FFF2-40B4-BE49-F238E27FC236}">
-                <a16:creationId xmlns:a16="http://schemas.microsoft.com/office/drawing/2014/main" id="{8A655825-CEB7-4CD8-6121-6FBCFFBD6AED}"/>
-              </a:ext>
-            </a:extLst>
-          </p:cNvPr>
-          <p:cNvSpPr txBox="1"/>
-          <p:nvPr/>
-        </p:nvSpPr>
-        <p:spPr>
-          <a:xfrm>
-            <a:off x="5994306" y="3730888"/>
-            <a:ext cx="543520" cy="307777"/>
-          </a:xfrm>
-          <a:prstGeom prst="rect">
-            <a:avLst/>
-          </a:prstGeom>
-          <a:noFill/>
-        </p:spPr>
-        <p:txBody>
-          <a:bodyPr wrap="square" rtlCol="0">
-            <a:spAutoFit/>
-          </a:bodyPr>
-          <a:lstStyle/>
-          <a:p>
-            <a:pPr algn="ctr"/>
-            <a:r>
-              <a:rPr lang="en-US" sz="1400" dirty="0">
-                <a:latin typeface="Calibri" panose="020F0502020204030204" pitchFamily="34" charset="0"/>
-                <a:ea typeface="Calibri" panose="020F0502020204030204" pitchFamily="34" charset="0"/>
-                <a:cs typeface="Calibri" panose="020F0502020204030204" pitchFamily="34" charset="0"/>
-              </a:rPr>
-              <a:t>ECR</a:t>
-            </a:r>
-          </a:p>
-        </p:txBody>
-      </p:sp>
-      <p:pic>
-        <p:nvPicPr>
-          <p:cNvPr id="1075" name="Picture 1074">
-            <a:extLst>
-              <a:ext uri="{FF2B5EF4-FFF2-40B4-BE49-F238E27FC236}">
-                <a16:creationId xmlns:a16="http://schemas.microsoft.com/office/drawing/2014/main" id="{51F88A84-9CB5-CEDA-87AF-DDEB9D3AB0DB}"/>
-              </a:ext>
-            </a:extLst>
-          </p:cNvPr>
-          <p:cNvPicPr>
-            <a:picLocks noChangeAspect="1"/>
-          </p:cNvPicPr>
-          <p:nvPr/>
-        </p:nvPicPr>
-        <p:blipFill>
-          <a:blip r:embed="rId21"/>
-          <a:srcRect l="11468" t="6564" r="7282" b="7650"/>
-          <a:stretch/>
-        </p:blipFill>
-        <p:spPr>
-          <a:xfrm>
-            <a:off x="8762603" y="3169440"/>
-            <a:ext cx="483659" cy="510656"/>
-          </a:xfrm>
-          <a:prstGeom prst="rect">
-            <a:avLst/>
-          </a:prstGeom>
-        </p:spPr>
-      </p:pic>
-      <p:sp>
-        <p:nvSpPr>
-          <p:cNvPr id="1076" name="TextBox 1075">
-            <a:extLst>
-              <a:ext uri="{FF2B5EF4-FFF2-40B4-BE49-F238E27FC236}">
-                <a16:creationId xmlns:a16="http://schemas.microsoft.com/office/drawing/2014/main" id="{2B76E141-7BB3-0306-ED1A-2B4E940C00A4}"/>
-              </a:ext>
-            </a:extLst>
-          </p:cNvPr>
-          <p:cNvSpPr txBox="1"/>
-          <p:nvPr/>
-        </p:nvSpPr>
-        <p:spPr>
-          <a:xfrm>
-            <a:off x="8441447" y="3684874"/>
-            <a:ext cx="1124066" cy="307777"/>
-          </a:xfrm>
-          <a:prstGeom prst="rect">
-            <a:avLst/>
-          </a:prstGeom>
-          <a:noFill/>
-        </p:spPr>
-        <p:txBody>
-          <a:bodyPr wrap="square" rtlCol="0">
-            <a:spAutoFit/>
-          </a:bodyPr>
-          <a:lstStyle/>
-          <a:p>
-            <a:pPr algn="ctr"/>
-            <a:r>
-              <a:rPr lang="en-US" sz="1400" dirty="0">
-                <a:latin typeface="Calibri" panose="020F0502020204030204" pitchFamily="34" charset="0"/>
-                <a:ea typeface="Calibri" panose="020F0502020204030204" pitchFamily="34" charset="0"/>
-                <a:cs typeface="Calibri" panose="020F0502020204030204" pitchFamily="34" charset="0"/>
-              </a:rPr>
-              <a:t>EventBridge</a:t>
-            </a:r>
-          </a:p>
-        </p:txBody>
-      </p:sp>
-      <p:sp>
-        <p:nvSpPr>
-          <p:cNvPr id="1094" name="TextBox 1093">
-            <a:extLst>
-              <a:ext uri="{FF2B5EF4-FFF2-40B4-BE49-F238E27FC236}">
-                <a16:creationId xmlns:a16="http://schemas.microsoft.com/office/drawing/2014/main" id="{211F2636-5CF8-9F71-85B1-9E8E6005FB4B}"/>
-              </a:ext>
-            </a:extLst>
-          </p:cNvPr>
-          <p:cNvSpPr txBox="1"/>
-          <p:nvPr/>
-        </p:nvSpPr>
-        <p:spPr>
-          <a:xfrm>
-            <a:off x="6010907" y="6359463"/>
-            <a:ext cx="719368" cy="307777"/>
-          </a:xfrm>
-          <a:prstGeom prst="rect">
-            <a:avLst/>
-          </a:prstGeom>
-          <a:noFill/>
-        </p:spPr>
-        <p:txBody>
-          <a:bodyPr wrap="square" rtlCol="0">
-            <a:spAutoFit/>
-          </a:bodyPr>
-          <a:lstStyle/>
-          <a:p>
-            <a:pPr algn="ctr"/>
-            <a:r>
-              <a:rPr lang="en-US" sz="1400" dirty="0">
-                <a:latin typeface="Calibri" panose="020F0502020204030204" pitchFamily="34" charset="0"/>
-                <a:ea typeface="Calibri" panose="020F0502020204030204" pitchFamily="34" charset="0"/>
-                <a:cs typeface="Calibri" panose="020F0502020204030204" pitchFamily="34" charset="0"/>
-              </a:rPr>
-              <a:t>Email</a:t>
-            </a:r>
-          </a:p>
-        </p:txBody>
-      </p:sp>
-      <p:cxnSp>
-        <p:nvCxnSpPr>
-          <p:cNvPr id="1102" name="Straight Arrow Connector 1101">
-            <a:extLst>
-              <a:ext uri="{FF2B5EF4-FFF2-40B4-BE49-F238E27FC236}">
-                <a16:creationId xmlns:a16="http://schemas.microsoft.com/office/drawing/2014/main" id="{6A418D31-8B3E-3FA4-A283-6368E004E6CA}"/>
-              </a:ext>
-            </a:extLst>
-          </p:cNvPr>
-          <p:cNvCxnSpPr>
-            <a:cxnSpLocks/>
-            <a:stCxn id="1050" idx="1"/>
-            <a:endCxn id="1044" idx="3"/>
-          </p:cNvCxnSpPr>
-          <p:nvPr/>
-        </p:nvCxnSpPr>
-        <p:spPr>
-          <a:xfrm flipH="1" flipV="1">
-            <a:off x="5061912" y="5223966"/>
-            <a:ext cx="1123590" cy="5807"/>
-          </a:xfrm>
-          <a:prstGeom prst="straightConnector1">
-            <a:avLst/>
-          </a:prstGeom>
-          <a:ln>
-            <a:tailEnd type="triangle"/>
-          </a:ln>
-        </p:spPr>
-        <p:style>
-          <a:lnRef idx="2">
-            <a:schemeClr val="accent1"/>
-          </a:lnRef>
-          <a:fillRef idx="0">
-            <a:schemeClr val="accent1"/>
-          </a:fillRef>
-          <a:effectRef idx="1">
-            <a:schemeClr val="accent1"/>
-          </a:effectRef>
-          <a:fontRef idx="minor">
-            <a:schemeClr val="tx1"/>
-          </a:fontRef>
-        </p:style>
-      </p:cxnSp>
-      <p:grpSp>
-        <p:nvGrpSpPr>
-          <p:cNvPr id="1121" name="Group 1120">
-            <a:extLst>
-              <a:ext uri="{FF2B5EF4-FFF2-40B4-BE49-F238E27FC236}">
-                <a16:creationId xmlns:a16="http://schemas.microsoft.com/office/drawing/2014/main" id="{AC7F8AAB-CC8F-E188-7116-B4E4ECF338E4}"/>
-              </a:ext>
-            </a:extLst>
-          </p:cNvPr>
-          <p:cNvGrpSpPr/>
-          <p:nvPr/>
-        </p:nvGrpSpPr>
-        <p:grpSpPr>
-          <a:xfrm>
-            <a:off x="10930763" y="4932383"/>
-            <a:ext cx="685038" cy="782983"/>
-            <a:chOff x="10592562" y="765594"/>
-            <a:chExt cx="685038" cy="782983"/>
-          </a:xfrm>
-        </p:grpSpPr>
-        <p:pic>
-          <p:nvPicPr>
-            <p:cNvPr id="1105" name="Picture 44">
-              <a:extLst>
-                <a:ext uri="{FF2B5EF4-FFF2-40B4-BE49-F238E27FC236}">
-                  <a16:creationId xmlns:a16="http://schemas.microsoft.com/office/drawing/2014/main" id="{91EDD819-398A-16E4-A9A3-03780569139A}"/>
-                </a:ext>
-              </a:extLst>
-            </p:cNvPr>
-            <p:cNvPicPr>
-              <a:picLocks noChangeAspect="1" noChangeArrowheads="1"/>
-            </p:cNvPicPr>
-            <p:nvPr/>
-          </p:nvPicPr>
-          <p:blipFill>
-            <a:blip r:embed="rId22">
-              <a:extLst>
-                <a:ext uri="{28A0092B-C50C-407E-A947-70E740481C1C}">
-                  <a14:useLocalDpi xmlns:a14="http://schemas.microsoft.com/office/drawing/2010/main" val="0"/>
-                </a:ext>
-              </a:extLst>
-            </a:blip>
-            <a:srcRect/>
-            <a:stretch>
-              <a:fillRect/>
-            </a:stretch>
-          </p:blipFill>
-          <p:spPr bwMode="auto">
-            <a:xfrm>
-              <a:off x="10668000" y="765594"/>
-              <a:ext cx="534162" cy="475594"/>
-            </a:xfrm>
-            <a:prstGeom prst="rect">
-              <a:avLst/>
-            </a:prstGeom>
-            <a:noFill/>
-            <a:extLst>
-              <a:ext uri="{909E8E84-426E-40DD-AFC4-6F175D3DCCD1}">
-                <a14:hiddenFill xmlns:a14="http://schemas.microsoft.com/office/drawing/2010/main">
-                  <a:solidFill>
-                    <a:srgbClr val="FFFFFF"/>
-                  </a:solidFill>
-                </a14:hiddenFill>
-              </a:ext>
-            </a:extLst>
-          </p:spPr>
-        </p:pic>
-        <p:sp>
-          <p:nvSpPr>
-            <p:cNvPr id="1106" name="TextBox 1105">
-              <a:extLst>
-                <a:ext uri="{FF2B5EF4-FFF2-40B4-BE49-F238E27FC236}">
-                  <a16:creationId xmlns:a16="http://schemas.microsoft.com/office/drawing/2014/main" id="{612DEB5E-227E-C669-694F-88F0AFB3B96A}"/>
-                </a:ext>
-              </a:extLst>
-            </p:cNvPr>
-            <p:cNvSpPr txBox="1"/>
-            <p:nvPr/>
-          </p:nvSpPr>
-          <p:spPr>
-            <a:xfrm>
-              <a:off x="10592562" y="1240800"/>
-              <a:ext cx="685038" cy="307777"/>
-            </a:xfrm>
-            <a:prstGeom prst="rect">
-              <a:avLst/>
-            </a:prstGeom>
-            <a:noFill/>
-          </p:spPr>
-          <p:txBody>
-            <a:bodyPr wrap="square" rtlCol="0">
-              <a:spAutoFit/>
-            </a:bodyPr>
-            <a:lstStyle/>
-            <a:p>
-              <a:pPr algn="ctr"/>
-              <a:r>
-                <a:rPr lang="en-US" sz="1400" dirty="0">
-                  <a:latin typeface="Calibri" panose="020F0502020204030204" pitchFamily="34" charset="0"/>
-                  <a:ea typeface="Calibri" panose="020F0502020204030204" pitchFamily="34" charset="0"/>
-                  <a:cs typeface="Calibri" panose="020F0502020204030204" pitchFamily="34" charset="0"/>
-                </a:rPr>
-                <a:t>React</a:t>
-              </a:r>
-            </a:p>
-          </p:txBody>
-        </p:sp>
-      </p:grpSp>
-      <p:grpSp>
-        <p:nvGrpSpPr>
-          <p:cNvPr id="1108" name="Group 1107">
-            <a:extLst>
-              <a:ext uri="{FF2B5EF4-FFF2-40B4-BE49-F238E27FC236}">
-                <a16:creationId xmlns:a16="http://schemas.microsoft.com/office/drawing/2014/main" id="{A01032CF-BFDE-FDB0-42A5-22AFBFB37ABF}"/>
-              </a:ext>
-            </a:extLst>
-          </p:cNvPr>
-          <p:cNvGrpSpPr/>
-          <p:nvPr/>
-        </p:nvGrpSpPr>
-        <p:grpSpPr>
-          <a:xfrm>
-            <a:off x="8023766" y="1136748"/>
-            <a:ext cx="979714" cy="1065384"/>
-            <a:chOff x="8650522" y="4178692"/>
-            <a:chExt cx="979714" cy="1065384"/>
-          </a:xfrm>
-        </p:grpSpPr>
-        <p:pic>
-          <p:nvPicPr>
-            <p:cNvPr id="1082" name="Picture 1081">
-              <a:extLst>
-                <a:ext uri="{FF2B5EF4-FFF2-40B4-BE49-F238E27FC236}">
-                  <a16:creationId xmlns:a16="http://schemas.microsoft.com/office/drawing/2014/main" id="{A2E358A8-8CF1-0990-30FE-1D908063D0BA}"/>
-                </a:ext>
-              </a:extLst>
-            </p:cNvPr>
-            <p:cNvPicPr>
-              <a:picLocks noChangeAspect="1"/>
-            </p:cNvPicPr>
-            <p:nvPr/>
-          </p:nvPicPr>
-          <p:blipFill>
-            <a:blip r:embed="rId23"/>
-            <a:stretch>
-              <a:fillRect/>
-            </a:stretch>
-          </p:blipFill>
-          <p:spPr>
-            <a:xfrm>
-              <a:off x="8834484" y="4690357"/>
-              <a:ext cx="553719" cy="553719"/>
-            </a:xfrm>
-            <a:prstGeom prst="rect">
-              <a:avLst/>
-            </a:prstGeom>
-          </p:spPr>
-        </p:pic>
-        <p:sp>
-          <p:nvSpPr>
-            <p:cNvPr id="1107" name="TextBox 1106">
-              <a:extLst>
-                <a:ext uri="{FF2B5EF4-FFF2-40B4-BE49-F238E27FC236}">
-                  <a16:creationId xmlns:a16="http://schemas.microsoft.com/office/drawing/2014/main" id="{5FE93189-4C3C-A77C-8DF4-9995119C11AE}"/>
-                </a:ext>
-              </a:extLst>
-            </p:cNvPr>
-            <p:cNvSpPr txBox="1"/>
-            <p:nvPr/>
-          </p:nvSpPr>
-          <p:spPr>
-            <a:xfrm>
-              <a:off x="8650522" y="4178692"/>
-              <a:ext cx="979714" cy="523220"/>
-            </a:xfrm>
-            <a:prstGeom prst="rect">
-              <a:avLst/>
-            </a:prstGeom>
-            <a:noFill/>
-          </p:spPr>
-          <p:txBody>
-            <a:bodyPr wrap="square" rtlCol="0">
-              <a:spAutoFit/>
-            </a:bodyPr>
-            <a:lstStyle/>
-            <a:p>
-              <a:pPr algn="ctr"/>
-              <a:r>
-                <a:rPr lang="en-US" sz="1400" dirty="0">
-                  <a:latin typeface="Calibri" panose="020F0502020204030204" pitchFamily="34" charset="0"/>
-                  <a:ea typeface="Calibri" panose="020F0502020204030204" pitchFamily="34" charset="0"/>
-                  <a:cs typeface="Calibri" panose="020F0502020204030204" pitchFamily="34" charset="0"/>
-                </a:rPr>
-                <a:t>Secrets Manager</a:t>
-              </a:r>
-            </a:p>
-          </p:txBody>
-        </p:sp>
-      </p:grpSp>
-      <p:pic>
-        <p:nvPicPr>
-          <p:cNvPr id="1110" name="Picture 46" descr="aws iam&quot; Icon - Download for free – Iconduck">
-            <a:extLst>
-              <a:ext uri="{FF2B5EF4-FFF2-40B4-BE49-F238E27FC236}">
-                <a16:creationId xmlns:a16="http://schemas.microsoft.com/office/drawing/2014/main" id="{BC7AC40B-F873-8A87-7805-F3C491BA7F65}"/>
-              </a:ext>
-            </a:extLst>
-          </p:cNvPr>
-          <p:cNvPicPr>
-            <a:picLocks noChangeAspect="1" noChangeArrowheads="1"/>
-          </p:cNvPicPr>
-          <p:nvPr/>
-        </p:nvPicPr>
-        <p:blipFill>
-          <a:blip r:embed="rId24">
-            <a:extLst>
-              <a:ext uri="{28A0092B-C50C-407E-A947-70E740481C1C}">
-                <a14:useLocalDpi xmlns:a14="http://schemas.microsoft.com/office/drawing/2010/main" val="0"/>
-              </a:ext>
-            </a:extLst>
-          </a:blip>
-          <a:srcRect/>
-          <a:stretch>
-            <a:fillRect/>
-          </a:stretch>
-        </p:blipFill>
-        <p:spPr bwMode="auto">
-          <a:xfrm>
-            <a:off x="10641585" y="3200290"/>
-            <a:ext cx="302540" cy="577987"/>
-          </a:xfrm>
-          <a:prstGeom prst="rect">
-            <a:avLst/>
-          </a:prstGeom>
-          <a:noFill/>
-          <a:extLst>
-            <a:ext uri="{909E8E84-426E-40DD-AFC4-6F175D3DCCD1}">
-              <a14:hiddenFill xmlns:a14="http://schemas.microsoft.com/office/drawing/2010/main">
-                <a:solidFill>
-                  <a:srgbClr val="FFFFFF"/>
-                </a:solidFill>
-              </a14:hiddenFill>
-            </a:ext>
-          </a:extLst>
-        </p:spPr>
-      </p:pic>
-      <p:sp>
-        <p:nvSpPr>
-          <p:cNvPr id="1111" name="TextBox 1110">
-            <a:extLst>
-              <a:ext uri="{FF2B5EF4-FFF2-40B4-BE49-F238E27FC236}">
-                <a16:creationId xmlns:a16="http://schemas.microsoft.com/office/drawing/2014/main" id="{CF3BE239-3FAE-D4A1-C560-60F20C48C02C}"/>
-              </a:ext>
-            </a:extLst>
-          </p:cNvPr>
-          <p:cNvSpPr txBox="1"/>
-          <p:nvPr/>
-        </p:nvSpPr>
-        <p:spPr>
-          <a:xfrm>
-            <a:off x="10514987" y="3725976"/>
-            <a:ext cx="543520" cy="307777"/>
-          </a:xfrm>
-          <a:prstGeom prst="rect">
-            <a:avLst/>
-          </a:prstGeom>
-          <a:noFill/>
-        </p:spPr>
-        <p:txBody>
-          <a:bodyPr wrap="square" rtlCol="0">
-            <a:spAutoFit/>
-          </a:bodyPr>
-          <a:lstStyle/>
-          <a:p>
-            <a:pPr algn="ctr"/>
-            <a:r>
-              <a:rPr lang="en-US" sz="1400" dirty="0">
-                <a:latin typeface="Calibri" panose="020F0502020204030204" pitchFamily="34" charset="0"/>
-                <a:ea typeface="Calibri" panose="020F0502020204030204" pitchFamily="34" charset="0"/>
-                <a:cs typeface="Calibri" panose="020F0502020204030204" pitchFamily="34" charset="0"/>
-              </a:rPr>
-              <a:t>IAM</a:t>
-            </a:r>
-          </a:p>
-        </p:txBody>
-      </p:sp>
-      <p:pic>
-        <p:nvPicPr>
-          <p:cNvPr id="1113" name="Picture 48" descr="aws cloudfront&quot; Icon - Download for free – Iconduck">
-            <a:extLst>
-              <a:ext uri="{FF2B5EF4-FFF2-40B4-BE49-F238E27FC236}">
-                <a16:creationId xmlns:a16="http://schemas.microsoft.com/office/drawing/2014/main" id="{17DE3BBB-6651-E7EB-5A4E-3DF877550126}"/>
-              </a:ext>
-            </a:extLst>
-          </p:cNvPr>
-          <p:cNvPicPr>
-            <a:picLocks noChangeAspect="1" noChangeArrowheads="1"/>
-          </p:cNvPicPr>
-          <p:nvPr/>
-        </p:nvPicPr>
-        <p:blipFill>
-          <a:blip r:embed="rId25">
-            <a:extLst>
-              <a:ext uri="{28A0092B-C50C-407E-A947-70E740481C1C}">
-                <a14:useLocalDpi xmlns:a14="http://schemas.microsoft.com/office/drawing/2010/main" val="0"/>
-              </a:ext>
-            </a:extLst>
-          </a:blip>
-          <a:srcRect/>
-          <a:stretch>
-            <a:fillRect/>
-          </a:stretch>
-        </p:blipFill>
-        <p:spPr bwMode="auto">
-          <a:xfrm>
-            <a:off x="7803012" y="4940704"/>
-            <a:ext cx="440320" cy="529266"/>
-          </a:xfrm>
-          <a:prstGeom prst="rect">
-            <a:avLst/>
-          </a:prstGeom>
-          <a:noFill/>
-          <a:extLst>
-            <a:ext uri="{909E8E84-426E-40DD-AFC4-6F175D3DCCD1}">
-              <a14:hiddenFill xmlns:a14="http://schemas.microsoft.com/office/drawing/2010/main">
-                <a:solidFill>
-                  <a:srgbClr val="FFFFFF"/>
-                </a:solidFill>
-              </a14:hiddenFill>
-            </a:ext>
-          </a:extLst>
-        </p:spPr>
-      </p:pic>
-      <p:sp>
-        <p:nvSpPr>
-          <p:cNvPr id="1114" name="TextBox 1113">
-            <a:extLst>
-              <a:ext uri="{FF2B5EF4-FFF2-40B4-BE49-F238E27FC236}">
-                <a16:creationId xmlns:a16="http://schemas.microsoft.com/office/drawing/2014/main" id="{514D7E93-E2E4-7E2A-0814-07C3B17C9C48}"/>
-              </a:ext>
-            </a:extLst>
-          </p:cNvPr>
-          <p:cNvSpPr txBox="1"/>
-          <p:nvPr/>
-        </p:nvSpPr>
-        <p:spPr>
-          <a:xfrm>
-            <a:off x="7472363" y="5512296"/>
-            <a:ext cx="1085684" cy="307777"/>
-          </a:xfrm>
-          <a:prstGeom prst="rect">
-            <a:avLst/>
-          </a:prstGeom>
-          <a:noFill/>
-        </p:spPr>
-        <p:txBody>
-          <a:bodyPr wrap="square" rtlCol="0">
-            <a:spAutoFit/>
-          </a:bodyPr>
-          <a:lstStyle/>
-          <a:p>
-            <a:pPr algn="ctr"/>
-            <a:r>
-              <a:rPr lang="en-US" sz="1400" dirty="0">
-                <a:latin typeface="Calibri" panose="020F0502020204030204" pitchFamily="34" charset="0"/>
-                <a:ea typeface="Calibri" panose="020F0502020204030204" pitchFamily="34" charset="0"/>
-                <a:cs typeface="Calibri" panose="020F0502020204030204" pitchFamily="34" charset="0"/>
-              </a:rPr>
-              <a:t>CloudFront</a:t>
-            </a:r>
-          </a:p>
-        </p:txBody>
-      </p:sp>
-      <p:grpSp>
-        <p:nvGrpSpPr>
-          <p:cNvPr id="1120" name="Group 1119">
-            <a:extLst>
-              <a:ext uri="{FF2B5EF4-FFF2-40B4-BE49-F238E27FC236}">
-                <a16:creationId xmlns:a16="http://schemas.microsoft.com/office/drawing/2014/main" id="{21C6316C-804B-1DAF-2EF1-B6FEE661348D}"/>
-              </a:ext>
-            </a:extLst>
-          </p:cNvPr>
-          <p:cNvGrpSpPr/>
-          <p:nvPr/>
-        </p:nvGrpSpPr>
-        <p:grpSpPr>
-          <a:xfrm>
-            <a:off x="10070833" y="4909953"/>
-            <a:ext cx="685038" cy="849837"/>
-            <a:chOff x="10571369" y="1827248"/>
-            <a:chExt cx="685038" cy="849837"/>
-          </a:xfrm>
-        </p:grpSpPr>
-        <p:pic>
-          <p:nvPicPr>
-            <p:cNvPr id="1116" name="Picture 52" descr="Node.js Explained - A beginner guide">
-              <a:extLst>
-                <a:ext uri="{FF2B5EF4-FFF2-40B4-BE49-F238E27FC236}">
-                  <a16:creationId xmlns:a16="http://schemas.microsoft.com/office/drawing/2014/main" id="{ADC8EEB8-548F-D655-9394-05BA04719A7A}"/>
-                </a:ext>
-              </a:extLst>
-            </p:cNvPr>
-            <p:cNvPicPr>
-              <a:picLocks noChangeAspect="1" noChangeArrowheads="1"/>
-            </p:cNvPicPr>
-            <p:nvPr/>
-          </p:nvPicPr>
-          <p:blipFill>
-            <a:blip r:embed="rId26">
-              <a:extLst>
-                <a:ext uri="{28A0092B-C50C-407E-A947-70E740481C1C}">
-                  <a14:useLocalDpi xmlns:a14="http://schemas.microsoft.com/office/drawing/2010/main" val="0"/>
-                </a:ext>
-              </a:extLst>
-            </a:blip>
-            <a:srcRect/>
-            <a:stretch>
-              <a:fillRect/>
-            </a:stretch>
-          </p:blipFill>
-          <p:spPr bwMode="auto">
-            <a:xfrm>
-              <a:off x="10625614" y="1827248"/>
-              <a:ext cx="576548" cy="576548"/>
-            </a:xfrm>
-            <a:prstGeom prst="rect">
-              <a:avLst/>
-            </a:prstGeom>
-            <a:noFill/>
-            <a:extLst>
-              <a:ext uri="{909E8E84-426E-40DD-AFC4-6F175D3DCCD1}">
-                <a14:hiddenFill xmlns:a14="http://schemas.microsoft.com/office/drawing/2010/main">
-                  <a:solidFill>
-                    <a:srgbClr val="FFFFFF"/>
-                  </a:solidFill>
-                </a14:hiddenFill>
-              </a:ext>
-            </a:extLst>
-          </p:spPr>
-        </p:pic>
-        <p:sp>
-          <p:nvSpPr>
-            <p:cNvPr id="1117" name="TextBox 1116">
-              <a:extLst>
-                <a:ext uri="{FF2B5EF4-FFF2-40B4-BE49-F238E27FC236}">
-                  <a16:creationId xmlns:a16="http://schemas.microsoft.com/office/drawing/2014/main" id="{BC9BDCD6-410A-D733-A35B-44A0545D38FB}"/>
-                </a:ext>
-              </a:extLst>
-            </p:cNvPr>
-            <p:cNvSpPr txBox="1"/>
-            <p:nvPr/>
-          </p:nvSpPr>
-          <p:spPr>
-            <a:xfrm>
-              <a:off x="10571369" y="2369308"/>
-              <a:ext cx="685038" cy="307777"/>
-            </a:xfrm>
-            <a:prstGeom prst="rect">
-              <a:avLst/>
-            </a:prstGeom>
-            <a:noFill/>
-          </p:spPr>
-          <p:txBody>
-            <a:bodyPr wrap="square" rtlCol="0">
-              <a:spAutoFit/>
-            </a:bodyPr>
-            <a:lstStyle/>
-            <a:p>
-              <a:pPr algn="ctr"/>
-              <a:r>
-                <a:rPr lang="en-US" sz="1400" dirty="0">
-                  <a:latin typeface="Calibri" panose="020F0502020204030204" pitchFamily="34" charset="0"/>
-                  <a:ea typeface="Calibri" panose="020F0502020204030204" pitchFamily="34" charset="0"/>
-                  <a:cs typeface="Calibri" panose="020F0502020204030204" pitchFamily="34" charset="0"/>
-                </a:rPr>
-                <a:t>npm</a:t>
-              </a:r>
-            </a:p>
-          </p:txBody>
-        </p:sp>
-      </p:grpSp>
-      <p:cxnSp>
-        <p:nvCxnSpPr>
-          <p:cNvPr id="1122" name="Straight Arrow Connector 1121">
-            <a:extLst>
-              <a:ext uri="{FF2B5EF4-FFF2-40B4-BE49-F238E27FC236}">
-                <a16:creationId xmlns:a16="http://schemas.microsoft.com/office/drawing/2014/main" id="{3CEAC7BB-B5BD-B9E9-C9E7-4F3D6B91BCD2}"/>
-              </a:ext>
-            </a:extLst>
-          </p:cNvPr>
-          <p:cNvCxnSpPr>
-            <a:cxnSpLocks/>
-            <a:stCxn id="1050" idx="3"/>
-            <a:endCxn id="1113" idx="1"/>
-          </p:cNvCxnSpPr>
-          <p:nvPr/>
-        </p:nvCxnSpPr>
-        <p:spPr>
-          <a:xfrm flipV="1">
-            <a:off x="6540083" y="5205337"/>
-            <a:ext cx="1262929" cy="24436"/>
-          </a:xfrm>
-          <a:prstGeom prst="straightConnector1">
-            <a:avLst/>
-          </a:prstGeom>
-          <a:ln>
-            <a:headEnd type="triangle" w="med" len="med"/>
-            <a:tailEnd type="triangle" w="med" len="med"/>
-          </a:ln>
-        </p:spPr>
-        <p:style>
-          <a:lnRef idx="2">
-            <a:schemeClr val="accent1"/>
-          </a:lnRef>
-          <a:fillRef idx="0">
-            <a:schemeClr val="accent1"/>
-          </a:fillRef>
-          <a:effectRef idx="1">
-            <a:schemeClr val="accent1"/>
-          </a:effectRef>
-          <a:fontRef idx="minor">
-            <a:schemeClr val="tx1"/>
-          </a:fontRef>
-        </p:style>
-      </p:cxnSp>
-      <p:cxnSp>
-        <p:nvCxnSpPr>
-          <p:cNvPr id="1125" name="Straight Arrow Connector 1124">
-            <a:extLst>
-              <a:ext uri="{FF2B5EF4-FFF2-40B4-BE49-F238E27FC236}">
-                <a16:creationId xmlns:a16="http://schemas.microsoft.com/office/drawing/2014/main" id="{9A7F40B9-0007-C8D4-73E7-FCFCE67C7E8E}"/>
-              </a:ext>
-            </a:extLst>
-          </p:cNvPr>
-          <p:cNvCxnSpPr>
-            <a:cxnSpLocks/>
-            <a:stCxn id="46" idx="1"/>
-            <a:endCxn id="1113" idx="3"/>
-          </p:cNvCxnSpPr>
-          <p:nvPr/>
-        </p:nvCxnSpPr>
-        <p:spPr>
-          <a:xfrm flipH="1">
-            <a:off x="8243332" y="5205337"/>
-            <a:ext cx="537249" cy="0"/>
-          </a:xfrm>
-          <a:prstGeom prst="straightConnector1">
-            <a:avLst/>
-          </a:prstGeom>
-          <a:ln>
-            <a:tailEnd type="triangle"/>
-          </a:ln>
-        </p:spPr>
-        <p:style>
-          <a:lnRef idx="2">
-            <a:schemeClr val="accent1"/>
-          </a:lnRef>
-          <a:fillRef idx="0">
-            <a:schemeClr val="accent1"/>
-          </a:fillRef>
-          <a:effectRef idx="1">
-            <a:schemeClr val="accent1"/>
-          </a:effectRef>
-          <a:fontRef idx="minor">
-            <a:schemeClr val="tx1"/>
-          </a:fontRef>
-        </p:style>
-      </p:cxnSp>
-      <p:cxnSp>
-        <p:nvCxnSpPr>
-          <p:cNvPr id="1128" name="Straight Arrow Connector 1127">
-            <a:extLst>
-              <a:ext uri="{FF2B5EF4-FFF2-40B4-BE49-F238E27FC236}">
-                <a16:creationId xmlns:a16="http://schemas.microsoft.com/office/drawing/2014/main" id="{25430C94-691E-E660-E25D-93B75E5A1EAD}"/>
-              </a:ext>
-            </a:extLst>
-          </p:cNvPr>
-          <p:cNvCxnSpPr>
-            <a:cxnSpLocks/>
-            <a:stCxn id="1034" idx="2"/>
-            <a:endCxn id="1070" idx="0"/>
-          </p:cNvCxnSpPr>
-          <p:nvPr/>
-        </p:nvCxnSpPr>
-        <p:spPr>
-          <a:xfrm flipH="1">
-            <a:off x="6270217" y="2243298"/>
-            <a:ext cx="5443" cy="947962"/>
-          </a:xfrm>
-          <a:prstGeom prst="straightConnector1">
-            <a:avLst/>
-          </a:prstGeom>
-          <a:ln>
-            <a:tailEnd type="triangle"/>
-          </a:ln>
-        </p:spPr>
-        <p:style>
-          <a:lnRef idx="2">
-            <a:schemeClr val="accent1"/>
-          </a:lnRef>
-          <a:fillRef idx="0">
-            <a:schemeClr val="accent1"/>
-          </a:fillRef>
-          <a:effectRef idx="1">
-            <a:schemeClr val="accent1"/>
-          </a:effectRef>
-          <a:fontRef idx="minor">
-            <a:schemeClr val="tx1"/>
-          </a:fontRef>
-        </p:style>
-      </p:cxnSp>
-      <p:cxnSp>
-        <p:nvCxnSpPr>
-          <p:cNvPr id="1140" name="Straight Arrow Connector 1139">
-            <a:extLst>
-              <a:ext uri="{FF2B5EF4-FFF2-40B4-BE49-F238E27FC236}">
-                <a16:creationId xmlns:a16="http://schemas.microsoft.com/office/drawing/2014/main" id="{BB96F0AD-C4E5-8115-4974-ED35B4858997}"/>
-              </a:ext>
-            </a:extLst>
-          </p:cNvPr>
-          <p:cNvCxnSpPr>
-            <a:cxnSpLocks/>
-            <a:stCxn id="1065" idx="2"/>
-            <a:endCxn id="1113" idx="0"/>
-          </p:cNvCxnSpPr>
-          <p:nvPr/>
-        </p:nvCxnSpPr>
-        <p:spPr>
-          <a:xfrm>
-            <a:off x="8014195" y="4020389"/>
-            <a:ext cx="8977" cy="920315"/>
-          </a:xfrm>
-          <a:prstGeom prst="straightConnector1">
-            <a:avLst/>
-          </a:prstGeom>
-          <a:ln>
-            <a:tailEnd type="triangle"/>
-          </a:ln>
-        </p:spPr>
-        <p:style>
-          <a:lnRef idx="2">
-            <a:schemeClr val="accent1"/>
-          </a:lnRef>
-          <a:fillRef idx="0">
-            <a:schemeClr val="accent1"/>
-          </a:fillRef>
-          <a:effectRef idx="1">
-            <a:schemeClr val="accent1"/>
-          </a:effectRef>
-          <a:fontRef idx="minor">
-            <a:schemeClr val="tx1"/>
-          </a:fontRef>
-        </p:style>
-      </p:cxnSp>
-      <p:cxnSp>
-        <p:nvCxnSpPr>
-          <p:cNvPr id="1151" name="Straight Arrow Connector 1150">
-            <a:extLst>
-              <a:ext uri="{FF2B5EF4-FFF2-40B4-BE49-F238E27FC236}">
-                <a16:creationId xmlns:a16="http://schemas.microsoft.com/office/drawing/2014/main" id="{6BE93ABE-088E-1970-28C1-D25CB2EACA31}"/>
-              </a:ext>
-            </a:extLst>
-          </p:cNvPr>
-          <p:cNvCxnSpPr>
-            <a:cxnSpLocks/>
-            <a:stCxn id="1082" idx="2"/>
-            <a:endCxn id="1062" idx="0"/>
-          </p:cNvCxnSpPr>
-          <p:nvPr/>
-        </p:nvCxnSpPr>
-        <p:spPr>
-          <a:xfrm flipH="1">
-            <a:off x="8480994" y="2202132"/>
-            <a:ext cx="3594" cy="464868"/>
-          </a:xfrm>
-          <a:prstGeom prst="straightConnector1">
-            <a:avLst/>
-          </a:prstGeom>
-          <a:ln>
-            <a:tailEnd type="triangle"/>
-          </a:ln>
-        </p:spPr>
-        <p:style>
-          <a:lnRef idx="2">
-            <a:schemeClr val="accent1"/>
-          </a:lnRef>
-          <a:fillRef idx="0">
-            <a:schemeClr val="accent1"/>
-          </a:fillRef>
-          <a:effectRef idx="1">
-            <a:schemeClr val="accent1"/>
-          </a:effectRef>
-          <a:fontRef idx="minor">
-            <a:schemeClr val="tx1"/>
-          </a:fontRef>
-        </p:style>
-      </p:cxnSp>
-      <p:sp>
-        <p:nvSpPr>
-          <p:cNvPr id="1154" name="TextBox 1153">
-            <a:extLst>
-              <a:ext uri="{FF2B5EF4-FFF2-40B4-BE49-F238E27FC236}">
-                <a16:creationId xmlns:a16="http://schemas.microsoft.com/office/drawing/2014/main" id="{B8F862DB-615A-3B92-AA08-1632D31153BA}"/>
-              </a:ext>
-            </a:extLst>
-          </p:cNvPr>
-          <p:cNvSpPr txBox="1"/>
-          <p:nvPr/>
-        </p:nvSpPr>
-        <p:spPr>
-          <a:xfrm>
-            <a:off x="228600" y="228600"/>
-            <a:ext cx="11628860" cy="461665"/>
-          </a:xfrm>
-          <a:prstGeom prst="rect">
-            <a:avLst/>
-          </a:prstGeom>
-          <a:noFill/>
-        </p:spPr>
-        <p:txBody>
-          <a:bodyPr wrap="square" rtlCol="0">
-            <a:spAutoFit/>
-          </a:bodyPr>
-          <a:lstStyle/>
-          <a:p>
-            <a:r>
-              <a:rPr lang="en-US" sz="2400" b="1" dirty="0">
-                <a:latin typeface="Calibri" panose="020F0502020204030204" pitchFamily="34" charset="0"/>
-                <a:ea typeface="Calibri" panose="020F0502020204030204" pitchFamily="34" charset="0"/>
-                <a:cs typeface="Calibri" panose="020F0502020204030204" pitchFamily="34" charset="0"/>
-              </a:rPr>
-              <a:t>Lindblad Available Cruise Finder &amp; Viewer – Solution Architecture</a:t>
-            </a:r>
-          </a:p>
-        </p:txBody>
-      </p:sp>
-      <p:cxnSp>
-        <p:nvCxnSpPr>
-          <p:cNvPr id="1156" name="Straight Arrow Connector 1155">
-            <a:extLst>
-              <a:ext uri="{FF2B5EF4-FFF2-40B4-BE49-F238E27FC236}">
-                <a16:creationId xmlns:a16="http://schemas.microsoft.com/office/drawing/2014/main" id="{34FA0BC5-96FC-A498-6746-448AE0E36A23}"/>
-              </a:ext>
-            </a:extLst>
-          </p:cNvPr>
-          <p:cNvCxnSpPr>
-            <a:cxnSpLocks/>
-            <a:endCxn id="1056" idx="1"/>
-          </p:cNvCxnSpPr>
-          <p:nvPr/>
-        </p:nvCxnSpPr>
-        <p:spPr>
-          <a:xfrm>
-            <a:off x="1860804" y="4450177"/>
-            <a:ext cx="458225" cy="0"/>
-          </a:xfrm>
-          <a:prstGeom prst="straightConnector1">
-            <a:avLst/>
-          </a:prstGeom>
-          <a:ln>
-            <a:tailEnd type="triangle"/>
-          </a:ln>
-        </p:spPr>
-        <p:style>
-          <a:lnRef idx="2">
-            <a:schemeClr val="accent1"/>
-          </a:lnRef>
-          <a:fillRef idx="0">
-            <a:schemeClr val="accent1"/>
-          </a:fillRef>
-          <a:effectRef idx="1">
-            <a:schemeClr val="accent1"/>
-          </a:effectRef>
-          <a:fontRef idx="minor">
-            <a:schemeClr val="tx1"/>
-          </a:fontRef>
-        </p:style>
-      </p:cxnSp>
-      <p:sp>
-        <p:nvSpPr>
-          <p:cNvPr id="5" name="Rectangle: Rounded Corners 4">
-            <a:extLst>
-              <a:ext uri="{FF2B5EF4-FFF2-40B4-BE49-F238E27FC236}">
-                <a16:creationId xmlns:a16="http://schemas.microsoft.com/office/drawing/2014/main" id="{C05D0CD4-DB14-E3B0-45F6-A761F03AAE0B}"/>
-              </a:ext>
-            </a:extLst>
-          </p:cNvPr>
-          <p:cNvSpPr/>
-          <p:nvPr/>
-        </p:nvSpPr>
-        <p:spPr>
-          <a:xfrm>
-            <a:off x="3505200" y="838200"/>
-            <a:ext cx="3331882" cy="1519153"/>
-          </a:xfrm>
-          <a:prstGeom prst="roundRect">
-            <a:avLst>
-              <a:gd name="adj" fmla="val 9409"/>
-            </a:avLst>
-          </a:prstGeom>
-          <a:noFill/>
-        </p:spPr>
-        <p:style>
-          <a:lnRef idx="2">
-            <a:schemeClr val="accent1"/>
-          </a:lnRef>
-          <a:fillRef idx="1">
-            <a:schemeClr val="lt1"/>
-          </a:fillRef>
-          <a:effectRef idx="0">
-            <a:schemeClr val="accent1"/>
-          </a:effectRef>
-          <a:fontRef idx="minor">
-            <a:schemeClr val="dk1"/>
-          </a:fontRef>
-        </p:style>
-        <p:txBody>
-          <a:bodyPr rtlCol="0" anchor="t"/>
-          <a:lstStyle/>
-          <a:p>
-            <a:pPr algn="ctr"/>
-            <a:r>
-              <a:rPr lang="en-US" sz="1600" b="1" dirty="0">
-                <a:latin typeface="Calibri" panose="020F0502020204030204" pitchFamily="34" charset="0"/>
-                <a:ea typeface="Calibri" panose="020F0502020204030204" pitchFamily="34" charset="0"/>
-                <a:cs typeface="Calibri" panose="020F0502020204030204" pitchFamily="34" charset="0"/>
-              </a:rPr>
-              <a:t>Continuous Integration</a:t>
-            </a:r>
-          </a:p>
-        </p:txBody>
-      </p:sp>
-      <p:sp>
-        <p:nvSpPr>
-          <p:cNvPr id="30" name="Rectangle: Rounded Corners 29">
-            <a:extLst>
-              <a:ext uri="{FF2B5EF4-FFF2-40B4-BE49-F238E27FC236}">
-                <a16:creationId xmlns:a16="http://schemas.microsoft.com/office/drawing/2014/main" id="{02AD8ADB-14CD-711A-6C9F-6B3A01E84F77}"/>
-              </a:ext>
-            </a:extLst>
-          </p:cNvPr>
-          <p:cNvSpPr/>
-          <p:nvPr/>
-        </p:nvSpPr>
-        <p:spPr>
-          <a:xfrm>
-            <a:off x="3984892" y="4427364"/>
-            <a:ext cx="3127484" cy="2327684"/>
-          </a:xfrm>
-          <a:prstGeom prst="roundRect">
-            <a:avLst>
-              <a:gd name="adj" fmla="val 3124"/>
-            </a:avLst>
-          </a:prstGeom>
-          <a:noFill/>
-        </p:spPr>
-        <p:style>
-          <a:lnRef idx="2">
-            <a:schemeClr val="accent1"/>
-          </a:lnRef>
-          <a:fillRef idx="1">
-            <a:schemeClr val="lt1"/>
-          </a:fillRef>
-          <a:effectRef idx="0">
-            <a:schemeClr val="accent1"/>
-          </a:effectRef>
-          <a:fontRef idx="minor">
-            <a:schemeClr val="dk1"/>
-          </a:fontRef>
-        </p:style>
-        <p:txBody>
-          <a:bodyPr rtlCol="0" anchor="t"/>
-          <a:lstStyle/>
-          <a:p>
-            <a:pPr algn="ctr"/>
-            <a:r>
-              <a:rPr lang="en-US" sz="1600" b="1" dirty="0">
-                <a:latin typeface="Calibri" panose="020F0502020204030204" pitchFamily="34" charset="0"/>
-                <a:ea typeface="Calibri" panose="020F0502020204030204" pitchFamily="34" charset="0"/>
-                <a:cs typeface="Calibri" panose="020F0502020204030204" pitchFamily="34" charset="0"/>
-              </a:rPr>
-              <a:t>User Management</a:t>
-            </a:r>
-          </a:p>
-        </p:txBody>
-      </p:sp>
-      <p:cxnSp>
-        <p:nvCxnSpPr>
-          <p:cNvPr id="32" name="Straight Arrow Connector 31">
-            <a:extLst>
-              <a:ext uri="{FF2B5EF4-FFF2-40B4-BE49-F238E27FC236}">
-                <a16:creationId xmlns:a16="http://schemas.microsoft.com/office/drawing/2014/main" id="{51B7A95B-81D7-073F-B7BE-B7D766A0FEA2}"/>
-              </a:ext>
-            </a:extLst>
-          </p:cNvPr>
-          <p:cNvCxnSpPr>
-            <a:cxnSpLocks/>
-            <a:stCxn id="1070" idx="3"/>
-            <a:endCxn id="1066" idx="1"/>
-          </p:cNvCxnSpPr>
-          <p:nvPr/>
-        </p:nvCxnSpPr>
-        <p:spPr>
-          <a:xfrm>
-            <a:off x="6541977" y="3463020"/>
-            <a:ext cx="289639" cy="3466"/>
-          </a:xfrm>
-          <a:prstGeom prst="straightConnector1">
-            <a:avLst/>
-          </a:prstGeom>
-          <a:ln>
-            <a:tailEnd type="triangle"/>
-          </a:ln>
-        </p:spPr>
-        <p:style>
-          <a:lnRef idx="2">
-            <a:schemeClr val="accent1"/>
-          </a:lnRef>
-          <a:fillRef idx="0">
-            <a:schemeClr val="accent1"/>
-          </a:fillRef>
-          <a:effectRef idx="1">
-            <a:schemeClr val="accent1"/>
-          </a:effectRef>
-          <a:fontRef idx="minor">
-            <a:schemeClr val="tx1"/>
-          </a:fontRef>
-        </p:style>
-      </p:cxnSp>
-      <p:cxnSp>
-        <p:nvCxnSpPr>
-          <p:cNvPr id="38" name="Straight Arrow Connector 37">
-            <a:extLst>
-              <a:ext uri="{FF2B5EF4-FFF2-40B4-BE49-F238E27FC236}">
-                <a16:creationId xmlns:a16="http://schemas.microsoft.com/office/drawing/2014/main" id="{E857AD5D-E6CC-CEA9-6D9A-21975AFE97F6}"/>
-              </a:ext>
-            </a:extLst>
-          </p:cNvPr>
-          <p:cNvCxnSpPr>
-            <a:cxnSpLocks/>
-            <a:stCxn id="1066" idx="3"/>
-            <a:endCxn id="1064" idx="1"/>
-          </p:cNvCxnSpPr>
-          <p:nvPr/>
-        </p:nvCxnSpPr>
-        <p:spPr>
-          <a:xfrm>
-            <a:off x="7364007" y="3466486"/>
-            <a:ext cx="349438" cy="6143"/>
-          </a:xfrm>
-          <a:prstGeom prst="straightConnector1">
-            <a:avLst/>
-          </a:prstGeom>
-          <a:ln>
-            <a:tailEnd type="triangle"/>
-          </a:ln>
-        </p:spPr>
-        <p:style>
-          <a:lnRef idx="2">
-            <a:schemeClr val="accent1"/>
-          </a:lnRef>
-          <a:fillRef idx="0">
-            <a:schemeClr val="accent1"/>
-          </a:fillRef>
-          <a:effectRef idx="1">
-            <a:schemeClr val="accent1"/>
-          </a:effectRef>
-          <a:fontRef idx="minor">
-            <a:schemeClr val="tx1"/>
-          </a:fontRef>
-        </p:style>
-      </p:cxnSp>
-      <p:pic>
-        <p:nvPicPr>
-          <p:cNvPr id="46" name="Picture 32">
-            <a:extLst>
-              <a:ext uri="{FF2B5EF4-FFF2-40B4-BE49-F238E27FC236}">
-                <a16:creationId xmlns:a16="http://schemas.microsoft.com/office/drawing/2014/main" id="{5297EF34-E4E6-8BE4-49E1-55F84701D07C}"/>
-              </a:ext>
-            </a:extLst>
-          </p:cNvPr>
-          <p:cNvPicPr>
-            <a:picLocks noChangeAspect="1" noChangeArrowheads="1"/>
-          </p:cNvPicPr>
-          <p:nvPr/>
-        </p:nvPicPr>
-        <p:blipFill>
-          <a:blip r:embed="rId16">
-            <a:extLst>
-              <a:ext uri="{28A0092B-C50C-407E-A947-70E740481C1C}">
-                <a14:useLocalDpi xmlns:a14="http://schemas.microsoft.com/office/drawing/2010/main" val="0"/>
-              </a:ext>
-            </a:extLst>
-          </a:blip>
-          <a:srcRect/>
-          <a:stretch>
-            <a:fillRect/>
-          </a:stretch>
-        </p:blipFill>
-        <p:spPr bwMode="auto">
-          <a:xfrm>
-            <a:off x="8780581" y="4863444"/>
-            <a:ext cx="683786" cy="683786"/>
-          </a:xfrm>
-          <a:prstGeom prst="rect">
-            <a:avLst/>
-          </a:prstGeom>
-          <a:noFill/>
-          <a:extLst>
-            <a:ext uri="{909E8E84-426E-40DD-AFC4-6F175D3DCCD1}">
-              <a14:hiddenFill xmlns:a14="http://schemas.microsoft.com/office/drawing/2010/main">
-                <a:solidFill>
-                  <a:srgbClr val="FFFFFF"/>
-                </a:solidFill>
-              </a14:hiddenFill>
-            </a:ext>
-          </a:extLst>
-        </p:spPr>
-      </p:pic>
-      <p:sp>
-        <p:nvSpPr>
-          <p:cNvPr id="47" name="TextBox 46">
-            <a:extLst>
-              <a:ext uri="{FF2B5EF4-FFF2-40B4-BE49-F238E27FC236}">
-                <a16:creationId xmlns:a16="http://schemas.microsoft.com/office/drawing/2014/main" id="{FECB2264-BC7C-88CE-4950-82AB3238D503}"/>
-              </a:ext>
-            </a:extLst>
-          </p:cNvPr>
-          <p:cNvSpPr txBox="1"/>
-          <p:nvPr/>
-        </p:nvSpPr>
-        <p:spPr>
-          <a:xfrm>
-            <a:off x="8678210" y="5432179"/>
-            <a:ext cx="907542" cy="523220"/>
-          </a:xfrm>
-          <a:prstGeom prst="rect">
-            <a:avLst/>
-          </a:prstGeom>
-          <a:noFill/>
-        </p:spPr>
-        <p:txBody>
-          <a:bodyPr wrap="square" rtlCol="0">
-            <a:spAutoFit/>
-          </a:bodyPr>
-          <a:lstStyle/>
-          <a:p>
-            <a:pPr algn="ctr"/>
-            <a:r>
-              <a:rPr lang="en-US" sz="1400" dirty="0">
-                <a:latin typeface="Calibri" panose="020F0502020204030204" pitchFamily="34" charset="0"/>
-                <a:ea typeface="Calibri" panose="020F0502020204030204" pitchFamily="34" charset="0"/>
-                <a:cs typeface="Calibri" panose="020F0502020204030204" pitchFamily="34" charset="0"/>
-              </a:rPr>
-              <a:t>Power</a:t>
-            </a:r>
-          </a:p>
-          <a:p>
-            <a:pPr algn="ctr"/>
-            <a:r>
-              <a:rPr lang="en-US" sz="1400" dirty="0">
-                <a:latin typeface="Calibri" panose="020F0502020204030204" pitchFamily="34" charset="0"/>
-                <a:ea typeface="Calibri" panose="020F0502020204030204" pitchFamily="34" charset="0"/>
-                <a:cs typeface="Calibri" panose="020F0502020204030204" pitchFamily="34" charset="0"/>
-              </a:rPr>
-              <a:t>Shell</a:t>
-            </a:r>
-          </a:p>
-        </p:txBody>
-      </p:sp>
-      <p:cxnSp>
-        <p:nvCxnSpPr>
-          <p:cNvPr id="51" name="Straight Arrow Connector 50">
-            <a:extLst>
-              <a:ext uri="{FF2B5EF4-FFF2-40B4-BE49-F238E27FC236}">
-                <a16:creationId xmlns:a16="http://schemas.microsoft.com/office/drawing/2014/main" id="{CE8C71A4-1848-F92C-C302-206B06A10C75}"/>
-              </a:ext>
-            </a:extLst>
-          </p:cNvPr>
-          <p:cNvCxnSpPr>
-            <a:cxnSpLocks/>
-            <a:stCxn id="1116" idx="1"/>
-            <a:endCxn id="46" idx="3"/>
-          </p:cNvCxnSpPr>
-          <p:nvPr/>
-        </p:nvCxnSpPr>
-        <p:spPr>
-          <a:xfrm flipH="1">
-            <a:off x="9464367" y="5198227"/>
-            <a:ext cx="660711" cy="7110"/>
-          </a:xfrm>
-          <a:prstGeom prst="straightConnector1">
-            <a:avLst/>
-          </a:prstGeom>
-          <a:ln>
-            <a:tailEnd type="triangle"/>
-          </a:ln>
-        </p:spPr>
-        <p:style>
-          <a:lnRef idx="2">
-            <a:schemeClr val="accent1"/>
-          </a:lnRef>
-          <a:fillRef idx="0">
-            <a:schemeClr val="accent1"/>
-          </a:fillRef>
-          <a:effectRef idx="1">
-            <a:schemeClr val="accent1"/>
-          </a:effectRef>
-          <a:fontRef idx="minor">
-            <a:schemeClr val="tx1"/>
-          </a:fontRef>
-        </p:style>
-      </p:cxnSp>
-      <p:cxnSp>
-        <p:nvCxnSpPr>
-          <p:cNvPr id="2" name="Straight Arrow Connector 1">
-            <a:extLst>
-              <a:ext uri="{FF2B5EF4-FFF2-40B4-BE49-F238E27FC236}">
-                <a16:creationId xmlns:a16="http://schemas.microsoft.com/office/drawing/2014/main" id="{9E080E3A-6903-0A09-D550-6A796242293E}"/>
-              </a:ext>
-            </a:extLst>
-          </p:cNvPr>
-          <p:cNvCxnSpPr>
-            <a:cxnSpLocks/>
-            <a:stCxn id="1114" idx="2"/>
-          </p:cNvCxnSpPr>
-          <p:nvPr/>
-        </p:nvCxnSpPr>
-        <p:spPr>
-          <a:xfrm rot="5400000">
-            <a:off x="7294096" y="5638354"/>
-            <a:ext cx="539390" cy="902829"/>
-          </a:xfrm>
-          <a:prstGeom prst="bentConnector2">
-            <a:avLst/>
-          </a:prstGeom>
-          <a:ln>
-            <a:headEnd type="triangle"/>
-            <a:tailEnd type="triangle"/>
-          </a:ln>
-        </p:spPr>
-        <p:style>
-          <a:lnRef idx="2">
-            <a:schemeClr val="accent1"/>
-          </a:lnRef>
-          <a:fillRef idx="0">
-            <a:schemeClr val="accent1"/>
-          </a:fillRef>
-          <a:effectRef idx="1">
-            <a:schemeClr val="accent1"/>
-          </a:effectRef>
-          <a:fontRef idx="minor">
-            <a:schemeClr val="tx1"/>
-          </a:fontRef>
-        </p:style>
-      </p:cxnSp>
-    </p:spTree>
-    <p:extLst>
-      <p:ext uri="{BB962C8B-B14F-4D97-AF65-F5344CB8AC3E}">
-        <p14:creationId xmlns:p14="http://schemas.microsoft.com/office/powerpoint/2010/main" val="1863836544"/>
-      </p:ext>
-    </p:extLst>
-  </p:cSld>
-  <p:clrMapOvr>
-    <a:masterClrMapping/>
-  </p:clrMapOvr>
-</p:sld>
-</file>
-
-<file path=ppt/slides/slide2.xml><?xml version="1.0" encoding="utf-8"?>
-<p:sld xmlns:a="http://schemas.openxmlformats.org/drawingml/2006/main" xmlns:r="http://schemas.openxmlformats.org/officeDocument/2006/relationships" xmlns:p="http://schemas.openxmlformats.org/presentationml/2006/main">
-  <p:cSld>
-    <p:spTree>
-      <p:nvGrpSpPr>
         <p:cNvPr id="1" name="">
           <a:extLst>
             <a:ext uri="{FF2B5EF4-FFF2-40B4-BE49-F238E27FC236}">
@@ -13582,15 +9854,15 @@
           </p:cNvPr>
           <p:cNvCxnSpPr>
             <a:cxnSpLocks/>
-            <a:stCxn id="1198" idx="3"/>
-            <a:endCxn id="1209" idx="1"/>
+            <a:stCxn id="1198" idx="0"/>
+            <a:endCxn id="1209" idx="2"/>
           </p:cNvCxnSpPr>
           <p:nvPr/>
         </p:nvCxnSpPr>
         <p:spPr>
-          <a:xfrm>
-            <a:off x="3958801" y="1823915"/>
-            <a:ext cx="235717" cy="0"/>
+          <a:xfrm flipV="1">
+            <a:off x="3782426" y="1278779"/>
+            <a:ext cx="3746" cy="354963"/>
           </a:xfrm>
           <a:prstGeom prst="straightConnector1">
             <a:avLst/>
@@ -13643,7 +9915,7 @@
         </p:blipFill>
         <p:spPr bwMode="auto">
           <a:xfrm>
-            <a:off x="4194518" y="1639748"/>
+            <a:off x="3602005" y="910445"/>
             <a:ext cx="368334" cy="368334"/>
           </a:xfrm>
           <a:prstGeom prst="rect">
@@ -13672,15 +9944,15 @@
           </p:cNvPr>
           <p:cNvCxnSpPr>
             <a:cxnSpLocks/>
-            <a:stCxn id="1209" idx="3"/>
+            <a:stCxn id="1198" idx="3"/>
             <a:endCxn id="8" idx="1"/>
           </p:cNvCxnSpPr>
           <p:nvPr/>
         </p:nvCxnSpPr>
         <p:spPr>
           <a:xfrm>
-            <a:off x="4562852" y="1823915"/>
-            <a:ext cx="788207" cy="15208"/>
+            <a:off x="3958801" y="1823915"/>
+            <a:ext cx="1392258" cy="15208"/>
           </a:xfrm>
           <a:prstGeom prst="straightConnector1">
             <a:avLst/>
@@ -13829,18 +10101,20 @@
           </p:cNvPr>
           <p:cNvCxnSpPr>
             <a:cxnSpLocks/>
-            <a:stCxn id="1198" idx="0"/>
+            <a:stCxn id="1209" idx="3"/>
             <a:endCxn id="1221" idx="1"/>
           </p:cNvCxnSpPr>
           <p:nvPr/>
         </p:nvCxnSpPr>
         <p:spPr>
-          <a:xfrm rot="5400000" flipH="1" flipV="1">
-            <a:off x="4291675" y="587387"/>
-            <a:ext cx="537107" cy="1555604"/>
-          </a:xfrm>
-          <a:prstGeom prst="bentConnector2">
-            <a:avLst/>
+          <a:xfrm>
+            <a:off x="3970339" y="1094612"/>
+            <a:ext cx="1367691" cy="2023"/>
+          </a:xfrm>
+          <a:prstGeom prst="bentConnector3">
+            <a:avLst>
+              <a:gd name="adj1" fmla="val 50000"/>
+            </a:avLst>
           </a:prstGeom>
           <a:ln>
             <a:tailEnd type="triangle"/>
@@ -14585,6 +10859,237 @@
           </p:spPr>
         </p:pic>
       </p:grpSp>
+      <p:grpSp>
+        <p:nvGrpSpPr>
+          <p:cNvPr id="1046" name="Group 1045">
+            <a:extLst>
+              <a:ext uri="{FF2B5EF4-FFF2-40B4-BE49-F238E27FC236}">
+                <a16:creationId xmlns:a16="http://schemas.microsoft.com/office/drawing/2014/main" id="{AF240078-1D69-41C9-0807-20B583ABD1BC}"/>
+              </a:ext>
+            </a:extLst>
+          </p:cNvPr>
+          <p:cNvGrpSpPr/>
+          <p:nvPr/>
+        </p:nvGrpSpPr>
+        <p:grpSpPr>
+          <a:xfrm>
+            <a:off x="3930726" y="3429000"/>
+            <a:ext cx="946074" cy="615525"/>
+            <a:chOff x="3930726" y="3356108"/>
+            <a:chExt cx="946074" cy="615525"/>
+          </a:xfrm>
+        </p:grpSpPr>
+        <p:grpSp>
+          <p:nvGrpSpPr>
+            <p:cNvPr id="1027" name="Group 1026">
+              <a:extLst>
+                <a:ext uri="{FF2B5EF4-FFF2-40B4-BE49-F238E27FC236}">
+                  <a16:creationId xmlns:a16="http://schemas.microsoft.com/office/drawing/2014/main" id="{E24169C3-3581-EDEC-7866-5AC29664C210}"/>
+                </a:ext>
+              </a:extLst>
+            </p:cNvPr>
+            <p:cNvGrpSpPr/>
+            <p:nvPr/>
+          </p:nvGrpSpPr>
+          <p:grpSpPr>
+            <a:xfrm>
+              <a:off x="3930726" y="3386890"/>
+              <a:ext cx="528958" cy="584743"/>
+              <a:chOff x="4533737" y="3414871"/>
+              <a:chExt cx="528958" cy="584743"/>
+            </a:xfrm>
+          </p:grpSpPr>
+          <p:pic>
+            <p:nvPicPr>
+              <p:cNvPr id="19" name="Picture 2" descr="Spacelift - YouTube">
+                <a:extLst>
+                  <a:ext uri="{FF2B5EF4-FFF2-40B4-BE49-F238E27FC236}">
+                    <a16:creationId xmlns:a16="http://schemas.microsoft.com/office/drawing/2014/main" id="{596B93C8-CC01-7053-6242-7F31CD3DF626}"/>
+                  </a:ext>
+                </a:extLst>
+              </p:cNvPr>
+              <p:cNvPicPr>
+                <a:picLocks noChangeAspect="1" noChangeArrowheads="1"/>
+              </p:cNvPicPr>
+              <p:nvPr/>
+            </p:nvPicPr>
+            <p:blipFill rotWithShape="1">
+              <a:blip r:embed="rId35">
+                <a:clrChange>
+                  <a:clrFrom>
+                    <a:srgbClr val="FFFFFF"/>
+                  </a:clrFrom>
+                  <a:clrTo>
+                    <a:srgbClr val="FFFFFF">
+                      <a:alpha val="0"/>
+                    </a:srgbClr>
+                  </a:clrTo>
+                </a:clrChange>
+                <a:extLst>
+                  <a:ext uri="{28A0092B-C50C-407E-A947-70E740481C1C}">
+                    <a14:useLocalDpi xmlns:a14="http://schemas.microsoft.com/office/drawing/2010/main" val="0"/>
+                  </a:ext>
+                </a:extLst>
+              </a:blip>
+              <a:srcRect l="13683" t="9032" r="13683" b="15647"/>
+              <a:stretch/>
+            </p:blipFill>
+            <p:spPr bwMode="auto">
+              <a:xfrm>
+                <a:off x="4621841" y="3414871"/>
+                <a:ext cx="352751" cy="380346"/>
+              </a:xfrm>
+              <a:prstGeom prst="rect">
+                <a:avLst/>
+              </a:prstGeom>
+              <a:noFill/>
+              <a:extLst>
+                <a:ext uri="{909E8E84-426E-40DD-AFC4-6F175D3DCCD1}">
+                  <a14:hiddenFill xmlns:a14="http://schemas.microsoft.com/office/drawing/2010/main">
+                    <a:solidFill>
+                      <a:srgbClr val="FFFFFF"/>
+                    </a:solidFill>
+                  </a14:hiddenFill>
+                </a:ext>
+              </a:extLst>
+            </p:spPr>
+          </p:pic>
+          <p:sp>
+            <p:nvSpPr>
+              <p:cNvPr id="23" name="TextBox 22">
+                <a:extLst>
+                  <a:ext uri="{FF2B5EF4-FFF2-40B4-BE49-F238E27FC236}">
+                    <a16:creationId xmlns:a16="http://schemas.microsoft.com/office/drawing/2014/main" id="{BFCB574A-7BA3-9CD3-6973-07574AE10FD6}"/>
+                  </a:ext>
+                </a:extLst>
+              </p:cNvPr>
+              <p:cNvSpPr txBox="1"/>
+              <p:nvPr/>
+            </p:nvSpPr>
+            <p:spPr>
+              <a:xfrm>
+                <a:off x="4533737" y="3753393"/>
+                <a:ext cx="528958" cy="246221"/>
+              </a:xfrm>
+              <a:prstGeom prst="rect">
+                <a:avLst/>
+              </a:prstGeom>
+              <a:noFill/>
+            </p:spPr>
+            <p:txBody>
+              <a:bodyPr wrap="square" lIns="0" rIns="0" rtlCol="0">
+                <a:spAutoFit/>
+              </a:bodyPr>
+              <a:lstStyle>
+                <a:defPPr>
+                  <a:defRPr lang="en-US"/>
+                </a:defPPr>
+                <a:lvl1pPr algn="ctr">
+                  <a:defRPr sz="1000">
+                    <a:latin typeface="Calibri" panose="020F0502020204030204" pitchFamily="34" charset="0"/>
+                    <a:ea typeface="Calibri" panose="020F0502020204030204" pitchFamily="34" charset="0"/>
+                    <a:cs typeface="Calibri" panose="020F0502020204030204" pitchFamily="34" charset="0"/>
+                  </a:defRPr>
+                </a:lvl1pPr>
+              </a:lstStyle>
+              <a:p>
+                <a:r>
+                  <a:rPr lang="en-US" dirty="0"/>
+                  <a:t>Spacelift</a:t>
+                </a:r>
+              </a:p>
+            </p:txBody>
+          </p:sp>
+        </p:grpSp>
+        <p:cxnSp>
+          <p:nvCxnSpPr>
+            <p:cNvPr id="1031" name="Straight Arrow Connector 1030">
+              <a:extLst>
+                <a:ext uri="{FF2B5EF4-FFF2-40B4-BE49-F238E27FC236}">
+                  <a16:creationId xmlns:a16="http://schemas.microsoft.com/office/drawing/2014/main" id="{5EC98660-898E-F594-1282-3660BC170E58}"/>
+                </a:ext>
+              </a:extLst>
+            </p:cNvPr>
+            <p:cNvCxnSpPr>
+              <a:cxnSpLocks/>
+            </p:cNvCxnSpPr>
+            <p:nvPr/>
+          </p:nvCxnSpPr>
+          <p:spPr>
+            <a:xfrm flipV="1">
+              <a:off x="4378685" y="3356108"/>
+              <a:ext cx="487307" cy="248936"/>
+            </a:xfrm>
+            <a:prstGeom prst="curvedConnector3">
+              <a:avLst>
+                <a:gd name="adj1" fmla="val 98866"/>
+              </a:avLst>
+            </a:prstGeom>
+            <a:ln>
+              <a:headEnd type="triangle"/>
+              <a:tailEnd type="triangle"/>
+            </a:ln>
+          </p:spPr>
+          <p:style>
+            <a:lnRef idx="2">
+              <a:schemeClr val="accent1"/>
+            </a:lnRef>
+            <a:fillRef idx="0">
+              <a:schemeClr val="accent1"/>
+            </a:fillRef>
+            <a:effectRef idx="1">
+              <a:schemeClr val="accent1"/>
+            </a:effectRef>
+            <a:fontRef idx="minor">
+              <a:schemeClr val="tx1"/>
+            </a:fontRef>
+          </p:style>
+        </p:cxnSp>
+        <p:cxnSp>
+          <p:nvCxnSpPr>
+            <p:cNvPr id="1045" name="Straight Arrow Connector 1030">
+              <a:extLst>
+                <a:ext uri="{FF2B5EF4-FFF2-40B4-BE49-F238E27FC236}">
+                  <a16:creationId xmlns:a16="http://schemas.microsoft.com/office/drawing/2014/main" id="{BA575E5D-93DA-3C01-1840-81519C0514C7}"/>
+                </a:ext>
+              </a:extLst>
+            </p:cNvPr>
+            <p:cNvCxnSpPr>
+              <a:cxnSpLocks/>
+            </p:cNvCxnSpPr>
+            <p:nvPr/>
+          </p:nvCxnSpPr>
+          <p:spPr>
+            <a:xfrm>
+              <a:off x="4389493" y="3713464"/>
+              <a:ext cx="487307" cy="248936"/>
+            </a:xfrm>
+            <a:prstGeom prst="curvedConnector3">
+              <a:avLst>
+                <a:gd name="adj1" fmla="val 98866"/>
+              </a:avLst>
+            </a:prstGeom>
+            <a:ln>
+              <a:headEnd type="triangle"/>
+              <a:tailEnd type="triangle"/>
+            </a:ln>
+          </p:spPr>
+          <p:style>
+            <a:lnRef idx="2">
+              <a:schemeClr val="accent1"/>
+            </a:lnRef>
+            <a:fillRef idx="0">
+              <a:schemeClr val="accent1"/>
+            </a:fillRef>
+            <a:effectRef idx="1">
+              <a:schemeClr val="accent1"/>
+            </a:effectRef>
+            <a:fontRef idx="minor">
+              <a:schemeClr val="tx1"/>
+            </a:fontRef>
+          </p:style>
+        </p:cxnSp>
+      </p:grpSp>
     </p:spTree>
     <p:extLst>
       <p:ext uri="{BB962C8B-B14F-4D97-AF65-F5344CB8AC3E}">
@@ -14598,7 +11103,7 @@
 </p:sld>
 </file>
 
-<file path=ppt/slides/slide3.xml><?xml version="1.0" encoding="utf-8"?>
+<file path=ppt/slides/slide2.xml><?xml version="1.0" encoding="utf-8"?>
 <p:sld xmlns:a="http://schemas.openxmlformats.org/drawingml/2006/main" xmlns:r="http://schemas.openxmlformats.org/officeDocument/2006/relationships" xmlns:p="http://schemas.openxmlformats.org/presentationml/2006/main">
   <p:cSld>
     <p:spTree>
@@ -17629,10 +14134,3899 @@
           </a:extLst>
         </p:spPr>
       </p:pic>
+      <p:pic>
+        <p:nvPicPr>
+          <p:cNvPr id="15" name="Picture 2" descr="Spacelift - YouTube">
+            <a:extLst>
+              <a:ext uri="{FF2B5EF4-FFF2-40B4-BE49-F238E27FC236}">
+                <a16:creationId xmlns:a16="http://schemas.microsoft.com/office/drawing/2014/main" id="{646D2F8E-8A77-A0B6-94F4-C467B9686358}"/>
+              </a:ext>
+            </a:extLst>
+          </p:cNvPr>
+          <p:cNvPicPr>
+            <a:picLocks noChangeAspect="1" noChangeArrowheads="1"/>
+          </p:cNvPicPr>
+          <p:nvPr/>
+        </p:nvPicPr>
+        <p:blipFill rotWithShape="1">
+          <a:blip r:embed="rId33">
+            <a:clrChange>
+              <a:clrFrom>
+                <a:srgbClr val="FFFFFF"/>
+              </a:clrFrom>
+              <a:clrTo>
+                <a:srgbClr val="FFFFFF">
+                  <a:alpha val="0"/>
+                </a:srgbClr>
+              </a:clrTo>
+            </a:clrChange>
+            <a:extLst>
+              <a:ext uri="{28A0092B-C50C-407E-A947-70E740481C1C}">
+                <a14:useLocalDpi xmlns:a14="http://schemas.microsoft.com/office/drawing/2010/main" val="0"/>
+              </a:ext>
+            </a:extLst>
+          </a:blip>
+          <a:srcRect l="13683" t="9032" r="13683" b="15647"/>
+          <a:stretch/>
+        </p:blipFill>
+        <p:spPr bwMode="auto">
+          <a:xfrm>
+            <a:off x="609598" y="3604795"/>
+            <a:ext cx="352751" cy="380346"/>
+          </a:xfrm>
+          <a:prstGeom prst="rect">
+            <a:avLst/>
+          </a:prstGeom>
+          <a:noFill/>
+          <a:extLst>
+            <a:ext uri="{909E8E84-426E-40DD-AFC4-6F175D3DCCD1}">
+              <a14:hiddenFill xmlns:a14="http://schemas.microsoft.com/office/drawing/2010/main">
+                <a:solidFill>
+                  <a:srgbClr val="FFFFFF"/>
+                </a:solidFill>
+              </a14:hiddenFill>
+            </a:ext>
+          </a:extLst>
+        </p:spPr>
+      </p:pic>
+      <p:sp>
+        <p:nvSpPr>
+          <p:cNvPr id="17" name="TextBox 16">
+            <a:extLst>
+              <a:ext uri="{FF2B5EF4-FFF2-40B4-BE49-F238E27FC236}">
+                <a16:creationId xmlns:a16="http://schemas.microsoft.com/office/drawing/2014/main" id="{0A3E3F8B-43AD-7055-8C5B-508B58C75530}"/>
+              </a:ext>
+            </a:extLst>
+          </p:cNvPr>
+          <p:cNvSpPr txBox="1"/>
+          <p:nvPr/>
+        </p:nvSpPr>
+        <p:spPr>
+          <a:xfrm>
+            <a:off x="521494" y="3943317"/>
+            <a:ext cx="528958" cy="246221"/>
+          </a:xfrm>
+          <a:prstGeom prst="rect">
+            <a:avLst/>
+          </a:prstGeom>
+          <a:noFill/>
+        </p:spPr>
+        <p:txBody>
+          <a:bodyPr wrap="square" lIns="0" rIns="0" rtlCol="0">
+            <a:spAutoFit/>
+          </a:bodyPr>
+          <a:lstStyle>
+            <a:defPPr>
+              <a:defRPr lang="en-US"/>
+            </a:defPPr>
+            <a:lvl1pPr algn="ctr">
+              <a:defRPr sz="1000">
+                <a:latin typeface="Calibri" panose="020F0502020204030204" pitchFamily="34" charset="0"/>
+                <a:ea typeface="Calibri" panose="020F0502020204030204" pitchFamily="34" charset="0"/>
+                <a:cs typeface="Calibri" panose="020F0502020204030204" pitchFamily="34" charset="0"/>
+              </a:defRPr>
+            </a:lvl1pPr>
+          </a:lstStyle>
+          <a:p>
+            <a:r>
+              <a:rPr lang="en-US" dirty="0"/>
+              <a:t>Spacelift</a:t>
+            </a:r>
+          </a:p>
+        </p:txBody>
+      </p:sp>
     </p:spTree>
     <p:extLst>
       <p:ext uri="{BB962C8B-B14F-4D97-AF65-F5344CB8AC3E}">
         <p14:creationId xmlns:p14="http://schemas.microsoft.com/office/powerpoint/2010/main" val="3829658281"/>
+      </p:ext>
+    </p:extLst>
+  </p:cSld>
+  <p:clrMapOvr>
+    <a:masterClrMapping/>
+  </p:clrMapOvr>
+</p:sld>
+</file>
+
+<file path=ppt/slides/slide3.xml><?xml version="1.0" encoding="utf-8"?>
+<p:sld xmlns:a="http://schemas.openxmlformats.org/drawingml/2006/main" xmlns:r="http://schemas.openxmlformats.org/officeDocument/2006/relationships" xmlns:p="http://schemas.openxmlformats.org/presentationml/2006/main">
+  <p:cSld>
+    <p:spTree>
+      <p:nvGrpSpPr>
+        <p:cNvPr id="1" name=""/>
+        <p:cNvGrpSpPr/>
+        <p:nvPr/>
+      </p:nvGrpSpPr>
+      <p:grpSpPr>
+        <a:xfrm>
+          <a:off x="0" y="0"/>
+          <a:ext cx="0" cy="0"/>
+          <a:chOff x="0" y="0"/>
+          <a:chExt cx="0" cy="0"/>
+        </a:xfrm>
+      </p:grpSpPr>
+      <p:sp>
+        <p:nvSpPr>
+          <p:cNvPr id="1118" name="Rectangle 1117">
+            <a:extLst>
+              <a:ext uri="{FF2B5EF4-FFF2-40B4-BE49-F238E27FC236}">
+                <a16:creationId xmlns:a16="http://schemas.microsoft.com/office/drawing/2014/main" id="{3BA7F06D-9F42-0BCD-47C8-2C240CB9597D}"/>
+              </a:ext>
+            </a:extLst>
+          </p:cNvPr>
+          <p:cNvSpPr/>
+          <p:nvPr/>
+        </p:nvSpPr>
+        <p:spPr>
+          <a:xfrm>
+            <a:off x="9887776" y="4645222"/>
+            <a:ext cx="1895939" cy="1169101"/>
+          </a:xfrm>
+          <a:prstGeom prst="rect">
+            <a:avLst/>
+          </a:prstGeom>
+          <a:solidFill>
+            <a:schemeClr val="accent4">
+              <a:lumMod val="20000"/>
+              <a:lumOff val="80000"/>
+            </a:schemeClr>
+          </a:solidFill>
+          <a:effectLst>
+            <a:outerShdw blurRad="50800" dist="38100" dir="2700000" algn="tl" rotWithShape="0">
+              <a:prstClr val="black">
+                <a:alpha val="40000"/>
+              </a:prstClr>
+            </a:outerShdw>
+          </a:effectLst>
+        </p:spPr>
+        <p:style>
+          <a:lnRef idx="2">
+            <a:schemeClr val="accent1">
+              <a:shade val="15000"/>
+            </a:schemeClr>
+          </a:lnRef>
+          <a:fillRef idx="1">
+            <a:schemeClr val="accent1"/>
+          </a:fillRef>
+          <a:effectRef idx="0">
+            <a:schemeClr val="accent1"/>
+          </a:effectRef>
+          <a:fontRef idx="minor">
+            <a:schemeClr val="lt1"/>
+          </a:fontRef>
+        </p:style>
+        <p:txBody>
+          <a:bodyPr rtlCol="0" anchor="t"/>
+          <a:lstStyle/>
+          <a:p>
+            <a:pPr algn="ctr"/>
+            <a:r>
+              <a:rPr lang="en-US" sz="1400" b="1" dirty="0">
+                <a:solidFill>
+                  <a:schemeClr val="tx1"/>
+                </a:solidFill>
+                <a:latin typeface="Calibri" panose="020F0502020204030204" pitchFamily="34" charset="0"/>
+                <a:ea typeface="Calibri" panose="020F0502020204030204" pitchFamily="34" charset="0"/>
+                <a:cs typeface="Calibri" panose="020F0502020204030204" pitchFamily="34" charset="0"/>
+              </a:rPr>
+              <a:t>Cruise Viewer</a:t>
+            </a:r>
+          </a:p>
+        </p:txBody>
+      </p:sp>
+      <p:sp>
+        <p:nvSpPr>
+          <p:cNvPr id="1062" name="Rectangle: Rounded Corners 1061">
+            <a:extLst>
+              <a:ext uri="{FF2B5EF4-FFF2-40B4-BE49-F238E27FC236}">
+                <a16:creationId xmlns:a16="http://schemas.microsoft.com/office/drawing/2014/main" id="{A5F71345-4197-4181-B91B-5EA9E048FC22}"/>
+              </a:ext>
+            </a:extLst>
+          </p:cNvPr>
+          <p:cNvSpPr/>
+          <p:nvPr/>
+        </p:nvSpPr>
+        <p:spPr>
+          <a:xfrm>
+            <a:off x="5798612" y="2667000"/>
+            <a:ext cx="5364764" cy="1519153"/>
+          </a:xfrm>
+          <a:prstGeom prst="roundRect">
+            <a:avLst>
+              <a:gd name="adj" fmla="val 9409"/>
+            </a:avLst>
+          </a:prstGeom>
+          <a:noFill/>
+        </p:spPr>
+        <p:style>
+          <a:lnRef idx="2">
+            <a:schemeClr val="accent1"/>
+          </a:lnRef>
+          <a:fillRef idx="1">
+            <a:schemeClr val="lt1"/>
+          </a:fillRef>
+          <a:effectRef idx="0">
+            <a:schemeClr val="accent1"/>
+          </a:effectRef>
+          <a:fontRef idx="minor">
+            <a:schemeClr val="dk1"/>
+          </a:fontRef>
+        </p:style>
+        <p:txBody>
+          <a:bodyPr rtlCol="0" anchor="t"/>
+          <a:lstStyle/>
+          <a:p>
+            <a:pPr algn="ctr"/>
+            <a:r>
+              <a:rPr lang="en-US" sz="1600" b="1" dirty="0" err="1">
+                <a:latin typeface="Calibri" panose="020F0502020204030204" pitchFamily="34" charset="0"/>
+                <a:ea typeface="Calibri" panose="020F0502020204030204" pitchFamily="34" charset="0"/>
+                <a:cs typeface="Calibri" panose="020F0502020204030204" pitchFamily="34" charset="0"/>
+              </a:rPr>
+              <a:t>IaC</a:t>
+            </a:r>
+            <a:endParaRPr lang="en-US" sz="1600" b="1" dirty="0">
+              <a:latin typeface="Calibri" panose="020F0502020204030204" pitchFamily="34" charset="0"/>
+              <a:ea typeface="Calibri" panose="020F0502020204030204" pitchFamily="34" charset="0"/>
+              <a:cs typeface="Calibri" panose="020F0502020204030204" pitchFamily="34" charset="0"/>
+            </a:endParaRPr>
+          </a:p>
+        </p:txBody>
+      </p:sp>
+      <p:sp>
+        <p:nvSpPr>
+          <p:cNvPr id="4" name="Rectangle 3">
+            <a:extLst>
+              <a:ext uri="{FF2B5EF4-FFF2-40B4-BE49-F238E27FC236}">
+                <a16:creationId xmlns:a16="http://schemas.microsoft.com/office/drawing/2014/main" id="{485F964C-BF11-DD5E-E13B-3822AF8A4C39}"/>
+              </a:ext>
+            </a:extLst>
+          </p:cNvPr>
+          <p:cNvSpPr/>
+          <p:nvPr/>
+        </p:nvSpPr>
+        <p:spPr>
+          <a:xfrm>
+            <a:off x="476060" y="1213756"/>
+            <a:ext cx="1372171" cy="4729844"/>
+          </a:xfrm>
+          <a:prstGeom prst="rect">
+            <a:avLst/>
+          </a:prstGeom>
+          <a:solidFill>
+            <a:schemeClr val="accent4">
+              <a:lumMod val="20000"/>
+              <a:lumOff val="80000"/>
+            </a:schemeClr>
+          </a:solidFill>
+          <a:effectLst>
+            <a:outerShdw blurRad="50800" dist="38100" dir="2700000" algn="tl" rotWithShape="0">
+              <a:prstClr val="black">
+                <a:alpha val="40000"/>
+              </a:prstClr>
+            </a:outerShdw>
+          </a:effectLst>
+        </p:spPr>
+        <p:style>
+          <a:lnRef idx="2">
+            <a:schemeClr val="accent1">
+              <a:shade val="15000"/>
+            </a:schemeClr>
+          </a:lnRef>
+          <a:fillRef idx="1">
+            <a:schemeClr val="accent1"/>
+          </a:fillRef>
+          <a:effectRef idx="0">
+            <a:schemeClr val="accent1"/>
+          </a:effectRef>
+          <a:fontRef idx="minor">
+            <a:schemeClr val="lt1"/>
+          </a:fontRef>
+        </p:style>
+        <p:txBody>
+          <a:bodyPr rtlCol="0" anchor="t"/>
+          <a:lstStyle/>
+          <a:p>
+            <a:pPr algn="ctr"/>
+            <a:r>
+              <a:rPr lang="en-US" sz="1400" b="1" dirty="0">
+                <a:solidFill>
+                  <a:schemeClr val="tx1"/>
+                </a:solidFill>
+                <a:latin typeface="Calibri" panose="020F0502020204030204" pitchFamily="34" charset="0"/>
+                <a:ea typeface="Calibri" panose="020F0502020204030204" pitchFamily="34" charset="0"/>
+                <a:cs typeface="Calibri" panose="020F0502020204030204" pitchFamily="34" charset="0"/>
+              </a:rPr>
+              <a:t>Cruise Finder</a:t>
+            </a:r>
+          </a:p>
+        </p:txBody>
+      </p:sp>
+      <p:pic>
+        <p:nvPicPr>
+          <p:cNvPr id="1026" name="Picture 2" descr="Python Programming Language icon SVG Vector &amp; PNG Free Download | UXWing">
+            <a:extLst>
+              <a:ext uri="{FF2B5EF4-FFF2-40B4-BE49-F238E27FC236}">
+                <a16:creationId xmlns:a16="http://schemas.microsoft.com/office/drawing/2014/main" id="{FBEEE8EB-85AE-FE07-6BA4-9694CE96EDA6}"/>
+              </a:ext>
+            </a:extLst>
+          </p:cNvPr>
+          <p:cNvPicPr>
+            <a:picLocks noChangeAspect="1" noChangeArrowheads="1"/>
+          </p:cNvPicPr>
+          <p:nvPr/>
+        </p:nvPicPr>
+        <p:blipFill>
+          <a:blip r:embed="rId2">
+            <a:extLst>
+              <a:ext uri="{28A0092B-C50C-407E-A947-70E740481C1C}">
+                <a14:useLocalDpi xmlns:a14="http://schemas.microsoft.com/office/drawing/2010/main" val="0"/>
+              </a:ext>
+            </a:extLst>
+          </a:blip>
+          <a:srcRect/>
+          <a:stretch>
+            <a:fillRect/>
+          </a:stretch>
+        </p:blipFill>
+        <p:spPr bwMode="auto">
+          <a:xfrm>
+            <a:off x="895113" y="1594592"/>
+            <a:ext cx="534064" cy="536448"/>
+          </a:xfrm>
+          <a:prstGeom prst="rect">
+            <a:avLst/>
+          </a:prstGeom>
+          <a:noFill/>
+          <a:extLst>
+            <a:ext uri="{909E8E84-426E-40DD-AFC4-6F175D3DCCD1}">
+              <a14:hiddenFill xmlns:a14="http://schemas.microsoft.com/office/drawing/2010/main">
+                <a:solidFill>
+                  <a:srgbClr val="FFFFFF"/>
+                </a:solidFill>
+              </a14:hiddenFill>
+            </a:ext>
+          </a:extLst>
+        </p:spPr>
+      </p:pic>
+      <p:pic>
+        <p:nvPicPr>
+          <p:cNvPr id="1028" name="Picture 4" descr="gaction (Branding Logo For Github Actions) · GitHub">
+            <a:extLst>
+              <a:ext uri="{FF2B5EF4-FFF2-40B4-BE49-F238E27FC236}">
+                <a16:creationId xmlns:a16="http://schemas.microsoft.com/office/drawing/2014/main" id="{B5F6CF50-285D-54FE-FC30-3849B5C0156A}"/>
+              </a:ext>
+            </a:extLst>
+          </p:cNvPr>
+          <p:cNvPicPr>
+            <a:picLocks noChangeAspect="1" noChangeArrowheads="1"/>
+          </p:cNvPicPr>
+          <p:nvPr/>
+        </p:nvPicPr>
+        <p:blipFill>
+          <a:blip r:embed="rId3">
+            <a:extLst>
+              <a:ext uri="{28A0092B-C50C-407E-A947-70E740481C1C}">
+                <a14:useLocalDpi xmlns:a14="http://schemas.microsoft.com/office/drawing/2010/main" val="0"/>
+              </a:ext>
+            </a:extLst>
+          </a:blip>
+          <a:srcRect/>
+          <a:stretch>
+            <a:fillRect/>
+          </a:stretch>
+        </p:blipFill>
+        <p:spPr bwMode="auto">
+          <a:xfrm>
+            <a:off x="4914223" y="1668732"/>
+            <a:ext cx="533400" cy="533400"/>
+          </a:xfrm>
+          <a:prstGeom prst="rect">
+            <a:avLst/>
+          </a:prstGeom>
+          <a:noFill/>
+          <a:extLst>
+            <a:ext uri="{909E8E84-426E-40DD-AFC4-6F175D3DCCD1}">
+              <a14:hiddenFill xmlns:a14="http://schemas.microsoft.com/office/drawing/2010/main">
+                <a:solidFill>
+                  <a:srgbClr val="FFFFFF"/>
+                </a:solidFill>
+              </a14:hiddenFill>
+            </a:ext>
+          </a:extLst>
+        </p:spPr>
+      </p:pic>
+      <p:sp>
+        <p:nvSpPr>
+          <p:cNvPr id="9" name="TextBox 8">
+            <a:extLst>
+              <a:ext uri="{FF2B5EF4-FFF2-40B4-BE49-F238E27FC236}">
+                <a16:creationId xmlns:a16="http://schemas.microsoft.com/office/drawing/2014/main" id="{A8713ED2-620A-37D9-5DEC-F9DD946CE937}"/>
+              </a:ext>
+            </a:extLst>
+          </p:cNvPr>
+          <p:cNvSpPr txBox="1"/>
+          <p:nvPr/>
+        </p:nvSpPr>
+        <p:spPr>
+          <a:xfrm>
+            <a:off x="4743767" y="1167071"/>
+            <a:ext cx="907542" cy="523220"/>
+          </a:xfrm>
+          <a:prstGeom prst="rect">
+            <a:avLst/>
+          </a:prstGeom>
+          <a:noFill/>
+        </p:spPr>
+        <p:txBody>
+          <a:bodyPr wrap="square" rtlCol="0">
+            <a:spAutoFit/>
+          </a:bodyPr>
+          <a:lstStyle/>
+          <a:p>
+            <a:pPr algn="ctr"/>
+            <a:r>
+              <a:rPr lang="en-US" sz="1400" dirty="0">
+                <a:latin typeface="Calibri" panose="020F0502020204030204" pitchFamily="34" charset="0"/>
+                <a:ea typeface="Calibri" panose="020F0502020204030204" pitchFamily="34" charset="0"/>
+                <a:cs typeface="Calibri" panose="020F0502020204030204" pitchFamily="34" charset="0"/>
+              </a:rPr>
+              <a:t>GitHub Actions</a:t>
+            </a:r>
+          </a:p>
+        </p:txBody>
+      </p:sp>
+      <p:pic>
+        <p:nvPicPr>
+          <p:cNvPr id="1030" name="Picture 6" descr="Github Logo - Free social media icons">
+            <a:extLst>
+              <a:ext uri="{FF2B5EF4-FFF2-40B4-BE49-F238E27FC236}">
+                <a16:creationId xmlns:a16="http://schemas.microsoft.com/office/drawing/2014/main" id="{3231DA60-8609-AA8F-A65F-9B605B6C087B}"/>
+              </a:ext>
+            </a:extLst>
+          </p:cNvPr>
+          <p:cNvPicPr>
+            <a:picLocks noChangeAspect="1" noChangeArrowheads="1"/>
+          </p:cNvPicPr>
+          <p:nvPr/>
+        </p:nvPicPr>
+        <p:blipFill>
+          <a:blip r:embed="rId4">
+            <a:extLst>
+              <a:ext uri="{28A0092B-C50C-407E-A947-70E740481C1C}">
+                <a14:useLocalDpi xmlns:a14="http://schemas.microsoft.com/office/drawing/2010/main" val="0"/>
+              </a:ext>
+            </a:extLst>
+          </a:blip>
+          <a:srcRect/>
+          <a:stretch>
+            <a:fillRect/>
+          </a:stretch>
+        </p:blipFill>
+        <p:spPr bwMode="auto">
+          <a:xfrm>
+            <a:off x="3707215" y="1650799"/>
+            <a:ext cx="576072" cy="576072"/>
+          </a:xfrm>
+          <a:prstGeom prst="rect">
+            <a:avLst/>
+          </a:prstGeom>
+          <a:noFill/>
+          <a:extLst>
+            <a:ext uri="{909E8E84-426E-40DD-AFC4-6F175D3DCCD1}">
+              <a14:hiddenFill xmlns:a14="http://schemas.microsoft.com/office/drawing/2010/main">
+                <a:solidFill>
+                  <a:srgbClr val="FFFFFF"/>
+                </a:solidFill>
+              </a14:hiddenFill>
+            </a:ext>
+          </a:extLst>
+        </p:spPr>
+      </p:pic>
+      <p:sp>
+        <p:nvSpPr>
+          <p:cNvPr id="11" name="TextBox 10">
+            <a:extLst>
+              <a:ext uri="{FF2B5EF4-FFF2-40B4-BE49-F238E27FC236}">
+                <a16:creationId xmlns:a16="http://schemas.microsoft.com/office/drawing/2014/main" id="{54420610-361B-CEB0-7C64-CE39A873CB6D}"/>
+              </a:ext>
+            </a:extLst>
+          </p:cNvPr>
+          <p:cNvSpPr txBox="1"/>
+          <p:nvPr/>
+        </p:nvSpPr>
+        <p:spPr>
+          <a:xfrm>
+            <a:off x="3554381" y="1185207"/>
+            <a:ext cx="907542" cy="523220"/>
+          </a:xfrm>
+          <a:prstGeom prst="rect">
+            <a:avLst/>
+          </a:prstGeom>
+          <a:noFill/>
+        </p:spPr>
+        <p:txBody>
+          <a:bodyPr wrap="square" rtlCol="0">
+            <a:spAutoFit/>
+          </a:bodyPr>
+          <a:lstStyle/>
+          <a:p>
+            <a:pPr algn="ctr"/>
+            <a:r>
+              <a:rPr lang="en-US" sz="1400" dirty="0">
+                <a:latin typeface="Calibri" panose="020F0502020204030204" pitchFamily="34" charset="0"/>
+                <a:ea typeface="Calibri" panose="020F0502020204030204" pitchFamily="34" charset="0"/>
+                <a:cs typeface="Calibri" panose="020F0502020204030204" pitchFamily="34" charset="0"/>
+              </a:rPr>
+              <a:t>GitHub Repo</a:t>
+            </a:r>
+          </a:p>
+        </p:txBody>
+      </p:sp>
+      <p:pic>
+        <p:nvPicPr>
+          <p:cNvPr id="1032" name="Picture 8">
+            <a:extLst>
+              <a:ext uri="{FF2B5EF4-FFF2-40B4-BE49-F238E27FC236}">
+                <a16:creationId xmlns:a16="http://schemas.microsoft.com/office/drawing/2014/main" id="{03055E11-86E0-D9C4-1E19-5713B553CA3A}"/>
+              </a:ext>
+            </a:extLst>
+          </p:cNvPr>
+          <p:cNvPicPr>
+            <a:picLocks noChangeAspect="1" noChangeArrowheads="1"/>
+          </p:cNvPicPr>
+          <p:nvPr/>
+        </p:nvPicPr>
+        <p:blipFill>
+          <a:blip r:embed="rId5">
+            <a:extLst>
+              <a:ext uri="{28A0092B-C50C-407E-A947-70E740481C1C}">
+                <a14:useLocalDpi xmlns:a14="http://schemas.microsoft.com/office/drawing/2010/main" val="0"/>
+              </a:ext>
+            </a:extLst>
+          </a:blip>
+          <a:srcRect/>
+          <a:stretch>
+            <a:fillRect/>
+          </a:stretch>
+        </p:blipFill>
+        <p:spPr bwMode="auto">
+          <a:xfrm>
+            <a:off x="2432685" y="1697307"/>
+            <a:ext cx="475488" cy="475488"/>
+          </a:xfrm>
+          <a:prstGeom prst="rect">
+            <a:avLst/>
+          </a:prstGeom>
+          <a:noFill/>
+          <a:extLst>
+            <a:ext uri="{909E8E84-426E-40DD-AFC4-6F175D3DCCD1}">
+              <a14:hiddenFill xmlns:a14="http://schemas.microsoft.com/office/drawing/2010/main">
+                <a:solidFill>
+                  <a:srgbClr val="FFFFFF"/>
+                </a:solidFill>
+              </a14:hiddenFill>
+            </a:ext>
+          </a:extLst>
+        </p:spPr>
+      </p:pic>
+      <p:sp>
+        <p:nvSpPr>
+          <p:cNvPr id="12" name="TextBox 11">
+            <a:extLst>
+              <a:ext uri="{FF2B5EF4-FFF2-40B4-BE49-F238E27FC236}">
+                <a16:creationId xmlns:a16="http://schemas.microsoft.com/office/drawing/2014/main" id="{CE3B1A6F-99FC-84BD-3D17-9C218115C304}"/>
+              </a:ext>
+            </a:extLst>
+          </p:cNvPr>
+          <p:cNvSpPr txBox="1"/>
+          <p:nvPr/>
+        </p:nvSpPr>
+        <p:spPr>
+          <a:xfrm>
+            <a:off x="2270723" y="1380365"/>
+            <a:ext cx="907542" cy="307777"/>
+          </a:xfrm>
+          <a:prstGeom prst="rect">
+            <a:avLst/>
+          </a:prstGeom>
+          <a:noFill/>
+        </p:spPr>
+        <p:txBody>
+          <a:bodyPr wrap="square" rtlCol="0">
+            <a:spAutoFit/>
+          </a:bodyPr>
+          <a:lstStyle/>
+          <a:p>
+            <a:pPr algn="ctr"/>
+            <a:r>
+              <a:rPr lang="en-US" sz="1400" dirty="0">
+                <a:latin typeface="Calibri" panose="020F0502020204030204" pitchFamily="34" charset="0"/>
+                <a:ea typeface="Calibri" panose="020F0502020204030204" pitchFamily="34" charset="0"/>
+                <a:cs typeface="Calibri" panose="020F0502020204030204" pitchFamily="34" charset="0"/>
+              </a:rPr>
+              <a:t>VS Code</a:t>
+            </a:r>
+          </a:p>
+        </p:txBody>
+      </p:sp>
+      <p:cxnSp>
+        <p:nvCxnSpPr>
+          <p:cNvPr id="15" name="Straight Arrow Connector 14">
+            <a:extLst>
+              <a:ext uri="{FF2B5EF4-FFF2-40B4-BE49-F238E27FC236}">
+                <a16:creationId xmlns:a16="http://schemas.microsoft.com/office/drawing/2014/main" id="{3C4408B5-8AFE-B6AC-BBE0-7112A131D27D}"/>
+              </a:ext>
+            </a:extLst>
+          </p:cNvPr>
+          <p:cNvCxnSpPr>
+            <a:cxnSpLocks/>
+            <a:endCxn id="1032" idx="1"/>
+          </p:cNvCxnSpPr>
+          <p:nvPr/>
+        </p:nvCxnSpPr>
+        <p:spPr>
+          <a:xfrm>
+            <a:off x="1860804" y="1935051"/>
+            <a:ext cx="571881" cy="0"/>
+          </a:xfrm>
+          <a:prstGeom prst="straightConnector1">
+            <a:avLst/>
+          </a:prstGeom>
+          <a:ln>
+            <a:tailEnd type="triangle"/>
+          </a:ln>
+        </p:spPr>
+        <p:style>
+          <a:lnRef idx="2">
+            <a:schemeClr val="accent1"/>
+          </a:lnRef>
+          <a:fillRef idx="0">
+            <a:schemeClr val="accent1"/>
+          </a:fillRef>
+          <a:effectRef idx="1">
+            <a:schemeClr val="accent1"/>
+          </a:effectRef>
+          <a:fontRef idx="minor">
+            <a:schemeClr val="tx1"/>
+          </a:fontRef>
+        </p:style>
+      </p:cxnSp>
+      <p:cxnSp>
+        <p:nvCxnSpPr>
+          <p:cNvPr id="17" name="Straight Arrow Connector 16">
+            <a:extLst>
+              <a:ext uri="{FF2B5EF4-FFF2-40B4-BE49-F238E27FC236}">
+                <a16:creationId xmlns:a16="http://schemas.microsoft.com/office/drawing/2014/main" id="{890A8845-0DB4-3651-E71E-0D3BF0CC146F}"/>
+              </a:ext>
+            </a:extLst>
+          </p:cNvPr>
+          <p:cNvCxnSpPr>
+            <a:cxnSpLocks/>
+            <a:stCxn id="1032" idx="3"/>
+            <a:endCxn id="1030" idx="1"/>
+          </p:cNvCxnSpPr>
+          <p:nvPr/>
+        </p:nvCxnSpPr>
+        <p:spPr>
+          <a:xfrm>
+            <a:off x="2908173" y="1935051"/>
+            <a:ext cx="799042" cy="3784"/>
+          </a:xfrm>
+          <a:prstGeom prst="straightConnector1">
+            <a:avLst/>
+          </a:prstGeom>
+          <a:ln>
+            <a:tailEnd type="triangle"/>
+          </a:ln>
+        </p:spPr>
+        <p:style>
+          <a:lnRef idx="2">
+            <a:schemeClr val="accent1"/>
+          </a:lnRef>
+          <a:fillRef idx="0">
+            <a:schemeClr val="accent1"/>
+          </a:fillRef>
+          <a:effectRef idx="1">
+            <a:schemeClr val="accent1"/>
+          </a:effectRef>
+          <a:fontRef idx="minor">
+            <a:schemeClr val="tx1"/>
+          </a:fontRef>
+        </p:style>
+      </p:cxnSp>
+      <p:cxnSp>
+        <p:nvCxnSpPr>
+          <p:cNvPr id="22" name="Straight Arrow Connector 21">
+            <a:extLst>
+              <a:ext uri="{FF2B5EF4-FFF2-40B4-BE49-F238E27FC236}">
+                <a16:creationId xmlns:a16="http://schemas.microsoft.com/office/drawing/2014/main" id="{46840062-8E10-C521-C809-C399561C6307}"/>
+              </a:ext>
+            </a:extLst>
+          </p:cNvPr>
+          <p:cNvCxnSpPr>
+            <a:cxnSpLocks/>
+            <a:stCxn id="1030" idx="3"/>
+            <a:endCxn id="1028" idx="1"/>
+          </p:cNvCxnSpPr>
+          <p:nvPr/>
+        </p:nvCxnSpPr>
+        <p:spPr>
+          <a:xfrm flipV="1">
+            <a:off x="4283287" y="1935432"/>
+            <a:ext cx="630936" cy="3403"/>
+          </a:xfrm>
+          <a:prstGeom prst="straightConnector1">
+            <a:avLst/>
+          </a:prstGeom>
+          <a:ln>
+            <a:tailEnd type="triangle"/>
+          </a:ln>
+        </p:spPr>
+        <p:style>
+          <a:lnRef idx="2">
+            <a:schemeClr val="accent1"/>
+          </a:lnRef>
+          <a:fillRef idx="0">
+            <a:schemeClr val="accent1"/>
+          </a:fillRef>
+          <a:effectRef idx="1">
+            <a:schemeClr val="accent1"/>
+          </a:effectRef>
+          <a:fontRef idx="minor">
+            <a:schemeClr val="tx1"/>
+          </a:fontRef>
+        </p:style>
+      </p:cxnSp>
+      <p:pic>
+        <p:nvPicPr>
+          <p:cNvPr id="1034" name="Picture 10" descr="Docker, logo, logos icon - Free download on Iconfinder">
+            <a:extLst>
+              <a:ext uri="{FF2B5EF4-FFF2-40B4-BE49-F238E27FC236}">
+                <a16:creationId xmlns:a16="http://schemas.microsoft.com/office/drawing/2014/main" id="{4ACB5689-A00D-65D3-DC9D-FC8A57B94B99}"/>
+              </a:ext>
+            </a:extLst>
+          </p:cNvPr>
+          <p:cNvPicPr>
+            <a:picLocks noChangeAspect="1" noChangeArrowheads="1"/>
+          </p:cNvPicPr>
+          <p:nvPr/>
+        </p:nvPicPr>
+        <p:blipFill rotWithShape="1">
+          <a:blip r:embed="rId6">
+            <a:extLst>
+              <a:ext uri="{28A0092B-C50C-407E-A947-70E740481C1C}">
+                <a14:useLocalDpi xmlns:a14="http://schemas.microsoft.com/office/drawing/2010/main" val="0"/>
+              </a:ext>
+            </a:extLst>
+          </a:blip>
+          <a:srcRect b="18487"/>
+          <a:stretch/>
+        </p:blipFill>
+        <p:spPr bwMode="auto">
+          <a:xfrm>
+            <a:off x="5898444" y="1628338"/>
+            <a:ext cx="754432" cy="614960"/>
+          </a:xfrm>
+          <a:prstGeom prst="rect">
+            <a:avLst/>
+          </a:prstGeom>
+          <a:noFill/>
+          <a:extLst>
+            <a:ext uri="{909E8E84-426E-40DD-AFC4-6F175D3DCCD1}">
+              <a14:hiddenFill xmlns:a14="http://schemas.microsoft.com/office/drawing/2010/main">
+                <a:solidFill>
+                  <a:srgbClr val="FFFFFF"/>
+                </a:solidFill>
+              </a14:hiddenFill>
+            </a:ext>
+          </a:extLst>
+        </p:spPr>
+      </p:pic>
+      <p:cxnSp>
+        <p:nvCxnSpPr>
+          <p:cNvPr id="25" name="Straight Arrow Connector 24">
+            <a:extLst>
+              <a:ext uri="{FF2B5EF4-FFF2-40B4-BE49-F238E27FC236}">
+                <a16:creationId xmlns:a16="http://schemas.microsoft.com/office/drawing/2014/main" id="{8F9B8B85-5898-188E-2A3B-E711098C96A7}"/>
+              </a:ext>
+            </a:extLst>
+          </p:cNvPr>
+          <p:cNvCxnSpPr>
+            <a:cxnSpLocks/>
+            <a:stCxn id="1028" idx="3"/>
+            <a:endCxn id="1034" idx="1"/>
+          </p:cNvCxnSpPr>
+          <p:nvPr/>
+        </p:nvCxnSpPr>
+        <p:spPr>
+          <a:xfrm>
+            <a:off x="5447623" y="1935432"/>
+            <a:ext cx="450821" cy="386"/>
+          </a:xfrm>
+          <a:prstGeom prst="straightConnector1">
+            <a:avLst/>
+          </a:prstGeom>
+          <a:ln>
+            <a:tailEnd type="triangle"/>
+          </a:ln>
+        </p:spPr>
+        <p:style>
+          <a:lnRef idx="2">
+            <a:schemeClr val="accent1"/>
+          </a:lnRef>
+          <a:fillRef idx="0">
+            <a:schemeClr val="accent1"/>
+          </a:fillRef>
+          <a:effectRef idx="1">
+            <a:schemeClr val="accent1"/>
+          </a:effectRef>
+          <a:fontRef idx="minor">
+            <a:schemeClr val="tx1"/>
+          </a:fontRef>
+        </p:style>
+      </p:cxnSp>
+      <p:sp>
+        <p:nvSpPr>
+          <p:cNvPr id="28" name="TextBox 27">
+            <a:extLst>
+              <a:ext uri="{FF2B5EF4-FFF2-40B4-BE49-F238E27FC236}">
+                <a16:creationId xmlns:a16="http://schemas.microsoft.com/office/drawing/2014/main" id="{1A2612E7-14CA-A6AA-A7A9-7FF1290FDA46}"/>
+              </a:ext>
+            </a:extLst>
+          </p:cNvPr>
+          <p:cNvSpPr txBox="1"/>
+          <p:nvPr/>
+        </p:nvSpPr>
+        <p:spPr>
+          <a:xfrm>
+            <a:off x="5764181" y="1220927"/>
+            <a:ext cx="907542" cy="523220"/>
+          </a:xfrm>
+          <a:prstGeom prst="rect">
+            <a:avLst/>
+          </a:prstGeom>
+          <a:noFill/>
+        </p:spPr>
+        <p:txBody>
+          <a:bodyPr wrap="square" rtlCol="0">
+            <a:spAutoFit/>
+          </a:bodyPr>
+          <a:lstStyle/>
+          <a:p>
+            <a:pPr algn="ctr"/>
+            <a:r>
+              <a:rPr lang="en-US" sz="1400" dirty="0">
+                <a:latin typeface="Calibri" panose="020F0502020204030204" pitchFamily="34" charset="0"/>
+                <a:ea typeface="Calibri" panose="020F0502020204030204" pitchFamily="34" charset="0"/>
+                <a:cs typeface="Calibri" panose="020F0502020204030204" pitchFamily="34" charset="0"/>
+              </a:rPr>
+              <a:t>Docker</a:t>
+            </a:r>
+          </a:p>
+          <a:p>
+            <a:pPr algn="ctr"/>
+            <a:r>
+              <a:rPr lang="en-US" sz="1400" dirty="0">
+                <a:latin typeface="Calibri" panose="020F0502020204030204" pitchFamily="34" charset="0"/>
+                <a:ea typeface="Calibri" panose="020F0502020204030204" pitchFamily="34" charset="0"/>
+                <a:cs typeface="Calibri" panose="020F0502020204030204" pitchFamily="34" charset="0"/>
+              </a:rPr>
+              <a:t>Build</a:t>
+            </a:r>
+          </a:p>
+        </p:txBody>
+      </p:sp>
+      <p:pic>
+        <p:nvPicPr>
+          <p:cNvPr id="1038" name="Picture 14" descr="terraform&quot; Icon - Download for free – Iconduck">
+            <a:extLst>
+              <a:ext uri="{FF2B5EF4-FFF2-40B4-BE49-F238E27FC236}">
+                <a16:creationId xmlns:a16="http://schemas.microsoft.com/office/drawing/2014/main" id="{5CC8CA65-62F7-16DF-CA8E-729786397C75}"/>
+              </a:ext>
+            </a:extLst>
+          </p:cNvPr>
+          <p:cNvPicPr>
+            <a:picLocks noChangeAspect="1" noChangeArrowheads="1"/>
+          </p:cNvPicPr>
+          <p:nvPr/>
+        </p:nvPicPr>
+        <p:blipFill>
+          <a:blip r:embed="rId7">
+            <a:extLst>
+              <a:ext uri="{28A0092B-C50C-407E-A947-70E740481C1C}">
+                <a14:useLocalDpi xmlns:a14="http://schemas.microsoft.com/office/drawing/2010/main" val="0"/>
+              </a:ext>
+            </a:extLst>
+          </a:blip>
+          <a:srcRect/>
+          <a:stretch>
+            <a:fillRect/>
+          </a:stretch>
+        </p:blipFill>
+        <p:spPr bwMode="auto">
+          <a:xfrm>
+            <a:off x="4533713" y="3087674"/>
+            <a:ext cx="600395" cy="682016"/>
+          </a:xfrm>
+          <a:prstGeom prst="rect">
+            <a:avLst/>
+          </a:prstGeom>
+          <a:noFill/>
+          <a:extLst>
+            <a:ext uri="{909E8E84-426E-40DD-AFC4-6F175D3DCCD1}">
+              <a14:hiddenFill xmlns:a14="http://schemas.microsoft.com/office/drawing/2010/main">
+                <a:solidFill>
+                  <a:srgbClr val="FFFFFF"/>
+                </a:solidFill>
+              </a14:hiddenFill>
+            </a:ext>
+          </a:extLst>
+        </p:spPr>
+      </p:pic>
+      <p:pic>
+        <p:nvPicPr>
+          <p:cNvPr id="1040" name="Picture 16" descr="Playwright icon - Free Download PNG &amp; SVG | Streamline">
+            <a:extLst>
+              <a:ext uri="{FF2B5EF4-FFF2-40B4-BE49-F238E27FC236}">
+                <a16:creationId xmlns:a16="http://schemas.microsoft.com/office/drawing/2014/main" id="{0E0BD699-002E-169C-8197-0AA77DBDB3E1}"/>
+              </a:ext>
+            </a:extLst>
+          </p:cNvPr>
+          <p:cNvPicPr>
+            <a:picLocks noChangeAspect="1" noChangeArrowheads="1"/>
+          </p:cNvPicPr>
+          <p:nvPr/>
+        </p:nvPicPr>
+        <p:blipFill>
+          <a:blip r:embed="rId8">
+            <a:extLst>
+              <a:ext uri="{28A0092B-C50C-407E-A947-70E740481C1C}">
+                <a14:useLocalDpi xmlns:a14="http://schemas.microsoft.com/office/drawing/2010/main" val="0"/>
+              </a:ext>
+            </a:extLst>
+          </a:blip>
+          <a:srcRect/>
+          <a:stretch>
+            <a:fillRect/>
+          </a:stretch>
+        </p:blipFill>
+        <p:spPr bwMode="auto">
+          <a:xfrm>
+            <a:off x="821137" y="2344508"/>
+            <a:ext cx="682016" cy="682016"/>
+          </a:xfrm>
+          <a:prstGeom prst="rect">
+            <a:avLst/>
+          </a:prstGeom>
+          <a:noFill/>
+          <a:extLst>
+            <a:ext uri="{909E8E84-426E-40DD-AFC4-6F175D3DCCD1}">
+              <a14:hiddenFill xmlns:a14="http://schemas.microsoft.com/office/drawing/2010/main">
+                <a:solidFill>
+                  <a:srgbClr val="FFFFFF"/>
+                </a:solidFill>
+              </a14:hiddenFill>
+            </a:ext>
+          </a:extLst>
+        </p:spPr>
+      </p:pic>
+      <p:sp>
+        <p:nvSpPr>
+          <p:cNvPr id="36" name="TextBox 35">
+            <a:extLst>
+              <a:ext uri="{FF2B5EF4-FFF2-40B4-BE49-F238E27FC236}">
+                <a16:creationId xmlns:a16="http://schemas.microsoft.com/office/drawing/2014/main" id="{EFA5496C-FF0C-FEEB-A77F-81EBBA8785F8}"/>
+              </a:ext>
+            </a:extLst>
+          </p:cNvPr>
+          <p:cNvSpPr txBox="1"/>
+          <p:nvPr/>
+        </p:nvSpPr>
+        <p:spPr>
+          <a:xfrm>
+            <a:off x="657430" y="2932215"/>
+            <a:ext cx="1009430" cy="307777"/>
+          </a:xfrm>
+          <a:prstGeom prst="rect">
+            <a:avLst/>
+          </a:prstGeom>
+          <a:noFill/>
+        </p:spPr>
+        <p:txBody>
+          <a:bodyPr wrap="square" rtlCol="0">
+            <a:spAutoFit/>
+          </a:bodyPr>
+          <a:lstStyle/>
+          <a:p>
+            <a:pPr algn="ctr"/>
+            <a:r>
+              <a:rPr lang="en-US" sz="1400" dirty="0">
+                <a:latin typeface="Calibri" panose="020F0502020204030204" pitchFamily="34" charset="0"/>
+                <a:ea typeface="Calibri" panose="020F0502020204030204" pitchFamily="34" charset="0"/>
+                <a:cs typeface="Calibri" panose="020F0502020204030204" pitchFamily="34" charset="0"/>
+              </a:rPr>
+              <a:t>Playwright</a:t>
+            </a:r>
+          </a:p>
+        </p:txBody>
+      </p:sp>
+      <p:sp>
+        <p:nvSpPr>
+          <p:cNvPr id="37" name="TextBox 36">
+            <a:extLst>
+              <a:ext uri="{FF2B5EF4-FFF2-40B4-BE49-F238E27FC236}">
+                <a16:creationId xmlns:a16="http://schemas.microsoft.com/office/drawing/2014/main" id="{96B7F055-FC1D-A079-FF00-54B9EA6554A6}"/>
+              </a:ext>
+            </a:extLst>
+          </p:cNvPr>
+          <p:cNvSpPr txBox="1"/>
+          <p:nvPr/>
+        </p:nvSpPr>
+        <p:spPr>
+          <a:xfrm>
+            <a:off x="657430" y="2115522"/>
+            <a:ext cx="1009430" cy="307777"/>
+          </a:xfrm>
+          <a:prstGeom prst="rect">
+            <a:avLst/>
+          </a:prstGeom>
+          <a:noFill/>
+        </p:spPr>
+        <p:txBody>
+          <a:bodyPr wrap="square" rtlCol="0">
+            <a:spAutoFit/>
+          </a:bodyPr>
+          <a:lstStyle/>
+          <a:p>
+            <a:pPr algn="ctr"/>
+            <a:r>
+              <a:rPr lang="en-US" sz="1400" dirty="0">
+                <a:latin typeface="Calibri" panose="020F0502020204030204" pitchFamily="34" charset="0"/>
+                <a:ea typeface="Calibri" panose="020F0502020204030204" pitchFamily="34" charset="0"/>
+                <a:cs typeface="Calibri" panose="020F0502020204030204" pitchFamily="34" charset="0"/>
+              </a:rPr>
+              <a:t>Python</a:t>
+            </a:r>
+          </a:p>
+        </p:txBody>
+      </p:sp>
+      <p:pic>
+        <p:nvPicPr>
+          <p:cNvPr id="1042" name="Picture 18" descr="GitHub Actions SVG and transparent PNG icons | TechIcons">
+            <a:extLst>
+              <a:ext uri="{FF2B5EF4-FFF2-40B4-BE49-F238E27FC236}">
+                <a16:creationId xmlns:a16="http://schemas.microsoft.com/office/drawing/2014/main" id="{F0AB6D14-A7DA-224C-8BDF-126A49D477F5}"/>
+              </a:ext>
+            </a:extLst>
+          </p:cNvPr>
+          <p:cNvPicPr>
+            <a:picLocks noChangeAspect="1" noChangeArrowheads="1"/>
+          </p:cNvPicPr>
+          <p:nvPr/>
+        </p:nvPicPr>
+        <p:blipFill>
+          <a:blip r:embed="rId9">
+            <a:extLst>
+              <a:ext uri="{28A0092B-C50C-407E-A947-70E740481C1C}">
+                <a14:useLocalDpi xmlns:a14="http://schemas.microsoft.com/office/drawing/2010/main" val="0"/>
+              </a:ext>
+            </a:extLst>
+          </a:blip>
+          <a:srcRect/>
+          <a:stretch>
+            <a:fillRect/>
+          </a:stretch>
+        </p:blipFill>
+        <p:spPr bwMode="auto">
+          <a:xfrm>
+            <a:off x="911372" y="3614398"/>
+            <a:ext cx="517805" cy="517805"/>
+          </a:xfrm>
+          <a:prstGeom prst="rect">
+            <a:avLst/>
+          </a:prstGeom>
+          <a:noFill/>
+          <a:extLst>
+            <a:ext uri="{909E8E84-426E-40DD-AFC4-6F175D3DCCD1}">
+              <a14:hiddenFill xmlns:a14="http://schemas.microsoft.com/office/drawing/2010/main">
+                <a:solidFill>
+                  <a:srgbClr val="FFFFFF"/>
+                </a:solidFill>
+              </a14:hiddenFill>
+            </a:ext>
+          </a:extLst>
+        </p:spPr>
+      </p:pic>
+      <p:sp>
+        <p:nvSpPr>
+          <p:cNvPr id="39" name="TextBox 38">
+            <a:extLst>
+              <a:ext uri="{FF2B5EF4-FFF2-40B4-BE49-F238E27FC236}">
+                <a16:creationId xmlns:a16="http://schemas.microsoft.com/office/drawing/2014/main" id="{A7842FB3-7F63-E19D-0132-8B9C4FEB3782}"/>
+              </a:ext>
+            </a:extLst>
+          </p:cNvPr>
+          <p:cNvSpPr txBox="1"/>
+          <p:nvPr/>
+        </p:nvSpPr>
+        <p:spPr>
+          <a:xfrm>
+            <a:off x="665559" y="4153799"/>
+            <a:ext cx="1009430" cy="523220"/>
+          </a:xfrm>
+          <a:prstGeom prst="rect">
+            <a:avLst/>
+          </a:prstGeom>
+          <a:noFill/>
+        </p:spPr>
+        <p:txBody>
+          <a:bodyPr wrap="square" rtlCol="0">
+            <a:spAutoFit/>
+          </a:bodyPr>
+          <a:lstStyle/>
+          <a:p>
+            <a:pPr algn="ctr"/>
+            <a:r>
+              <a:rPr lang="en-US" sz="1400" dirty="0">
+                <a:latin typeface="Calibri" panose="020F0502020204030204" pitchFamily="34" charset="0"/>
+                <a:ea typeface="Calibri" panose="020F0502020204030204" pitchFamily="34" charset="0"/>
+                <a:cs typeface="Calibri" panose="020F0502020204030204" pitchFamily="34" charset="0"/>
+              </a:rPr>
+              <a:t>GitHub Workflow</a:t>
+            </a:r>
+          </a:p>
+        </p:txBody>
+      </p:sp>
+      <p:pic>
+        <p:nvPicPr>
+          <p:cNvPr id="1044" name="Picture 20" descr="Auth0&quot; Icon - Download for free – Iconduck">
+            <a:extLst>
+              <a:ext uri="{FF2B5EF4-FFF2-40B4-BE49-F238E27FC236}">
+                <a16:creationId xmlns:a16="http://schemas.microsoft.com/office/drawing/2014/main" id="{0D04FA19-5FDD-C8D9-C547-EBFE8FEB3C00}"/>
+              </a:ext>
+            </a:extLst>
+          </p:cNvPr>
+          <p:cNvPicPr>
+            <a:picLocks noChangeAspect="1" noChangeArrowheads="1"/>
+          </p:cNvPicPr>
+          <p:nvPr/>
+        </p:nvPicPr>
+        <p:blipFill>
+          <a:blip r:embed="rId10">
+            <a:extLst>
+              <a:ext uri="{28A0092B-C50C-407E-A947-70E740481C1C}">
+                <a14:useLocalDpi xmlns:a14="http://schemas.microsoft.com/office/drawing/2010/main" val="0"/>
+              </a:ext>
+            </a:extLst>
+          </a:blip>
+          <a:srcRect/>
+          <a:stretch>
+            <a:fillRect/>
+          </a:stretch>
+        </p:blipFill>
+        <p:spPr bwMode="auto">
+          <a:xfrm>
+            <a:off x="4516659" y="4919166"/>
+            <a:ext cx="545253" cy="609600"/>
+          </a:xfrm>
+          <a:prstGeom prst="rect">
+            <a:avLst/>
+          </a:prstGeom>
+          <a:noFill/>
+          <a:extLst>
+            <a:ext uri="{909E8E84-426E-40DD-AFC4-6F175D3DCCD1}">
+              <a14:hiddenFill xmlns:a14="http://schemas.microsoft.com/office/drawing/2010/main">
+                <a:solidFill>
+                  <a:srgbClr val="FFFFFF"/>
+                </a:solidFill>
+              </a14:hiddenFill>
+            </a:ext>
+          </a:extLst>
+        </p:spPr>
+      </p:pic>
+      <p:cxnSp>
+        <p:nvCxnSpPr>
+          <p:cNvPr id="40" name="Straight Arrow Connector 39">
+            <a:extLst>
+              <a:ext uri="{FF2B5EF4-FFF2-40B4-BE49-F238E27FC236}">
+                <a16:creationId xmlns:a16="http://schemas.microsoft.com/office/drawing/2014/main" id="{07FC32E8-7872-D3C2-AB4E-62C4964953BE}"/>
+              </a:ext>
+            </a:extLst>
+          </p:cNvPr>
+          <p:cNvCxnSpPr>
+            <a:cxnSpLocks/>
+            <a:stCxn id="1056" idx="3"/>
+            <a:endCxn id="1044" idx="1"/>
+          </p:cNvCxnSpPr>
+          <p:nvPr/>
+        </p:nvCxnSpPr>
+        <p:spPr>
+          <a:xfrm>
+            <a:off x="3002815" y="4450177"/>
+            <a:ext cx="1513844" cy="773789"/>
+          </a:xfrm>
+          <a:prstGeom prst="straightConnector1">
+            <a:avLst/>
+          </a:prstGeom>
+          <a:ln>
+            <a:tailEnd type="triangle"/>
+          </a:ln>
+        </p:spPr>
+        <p:style>
+          <a:lnRef idx="2">
+            <a:schemeClr val="accent1"/>
+          </a:lnRef>
+          <a:fillRef idx="0">
+            <a:schemeClr val="accent1"/>
+          </a:fillRef>
+          <a:effectRef idx="1">
+            <a:schemeClr val="accent1"/>
+          </a:effectRef>
+          <a:fontRef idx="minor">
+            <a:schemeClr val="tx1"/>
+          </a:fontRef>
+        </p:style>
+      </p:cxnSp>
+      <p:sp>
+        <p:nvSpPr>
+          <p:cNvPr id="43" name="TextBox 42">
+            <a:extLst>
+              <a:ext uri="{FF2B5EF4-FFF2-40B4-BE49-F238E27FC236}">
+                <a16:creationId xmlns:a16="http://schemas.microsoft.com/office/drawing/2014/main" id="{03558389-AFFC-C272-23BC-D7C892BC93A7}"/>
+              </a:ext>
+            </a:extLst>
+          </p:cNvPr>
+          <p:cNvSpPr txBox="1"/>
+          <p:nvPr/>
+        </p:nvSpPr>
+        <p:spPr>
+          <a:xfrm>
+            <a:off x="4446180" y="4666901"/>
+            <a:ext cx="756780" cy="307777"/>
+          </a:xfrm>
+          <a:prstGeom prst="rect">
+            <a:avLst/>
+          </a:prstGeom>
+          <a:noFill/>
+        </p:spPr>
+        <p:txBody>
+          <a:bodyPr wrap="square" rtlCol="0">
+            <a:spAutoFit/>
+          </a:bodyPr>
+          <a:lstStyle/>
+          <a:p>
+            <a:pPr algn="ctr"/>
+            <a:r>
+              <a:rPr lang="en-US" sz="1400" dirty="0">
+                <a:latin typeface="Calibri" panose="020F0502020204030204" pitchFamily="34" charset="0"/>
+                <a:ea typeface="Calibri" panose="020F0502020204030204" pitchFamily="34" charset="0"/>
+                <a:cs typeface="Calibri" panose="020F0502020204030204" pitchFamily="34" charset="0"/>
+              </a:rPr>
+              <a:t>Auth0</a:t>
+            </a:r>
+          </a:p>
+        </p:txBody>
+      </p:sp>
+      <p:pic>
+        <p:nvPicPr>
+          <p:cNvPr id="1046" name="Picture 22" descr="Twilio SendGrid Logo">
+            <a:extLst>
+              <a:ext uri="{FF2B5EF4-FFF2-40B4-BE49-F238E27FC236}">
+                <a16:creationId xmlns:a16="http://schemas.microsoft.com/office/drawing/2014/main" id="{E5D06890-C51D-017E-2672-61F72F88BB6D}"/>
+              </a:ext>
+            </a:extLst>
+          </p:cNvPr>
+          <p:cNvPicPr>
+            <a:picLocks noChangeAspect="1" noChangeArrowheads="1"/>
+          </p:cNvPicPr>
+          <p:nvPr/>
+        </p:nvPicPr>
+        <p:blipFill>
+          <a:blip r:embed="rId11">
+            <a:extLst>
+              <a:ext uri="{28A0092B-C50C-407E-A947-70E740481C1C}">
+                <a14:useLocalDpi xmlns:a14="http://schemas.microsoft.com/office/drawing/2010/main" val="0"/>
+              </a:ext>
+            </a:extLst>
+          </a:blip>
+          <a:srcRect/>
+          <a:stretch>
+            <a:fillRect/>
+          </a:stretch>
+        </p:blipFill>
+        <p:spPr bwMode="auto">
+          <a:xfrm>
+            <a:off x="4489440" y="5833274"/>
+            <a:ext cx="572472" cy="572472"/>
+          </a:xfrm>
+          <a:prstGeom prst="rect">
+            <a:avLst/>
+          </a:prstGeom>
+          <a:noFill/>
+          <a:extLst>
+            <a:ext uri="{909E8E84-426E-40DD-AFC4-6F175D3DCCD1}">
+              <a14:hiddenFill xmlns:a14="http://schemas.microsoft.com/office/drawing/2010/main">
+                <a:solidFill>
+                  <a:srgbClr val="FFFFFF"/>
+                </a:solidFill>
+              </a14:hiddenFill>
+            </a:ext>
+          </a:extLst>
+        </p:spPr>
+      </p:pic>
+      <p:cxnSp>
+        <p:nvCxnSpPr>
+          <p:cNvPr id="44" name="Straight Arrow Connector 43">
+            <a:extLst>
+              <a:ext uri="{FF2B5EF4-FFF2-40B4-BE49-F238E27FC236}">
+                <a16:creationId xmlns:a16="http://schemas.microsoft.com/office/drawing/2014/main" id="{348B408E-001D-F05D-EBB0-9216E843B68E}"/>
+              </a:ext>
+            </a:extLst>
+          </p:cNvPr>
+          <p:cNvCxnSpPr>
+            <a:cxnSpLocks/>
+            <a:stCxn id="1044" idx="2"/>
+            <a:endCxn id="1046" idx="0"/>
+          </p:cNvCxnSpPr>
+          <p:nvPr/>
+        </p:nvCxnSpPr>
+        <p:spPr>
+          <a:xfrm flipH="1">
+            <a:off x="4775676" y="5528766"/>
+            <a:ext cx="13610" cy="304508"/>
+          </a:xfrm>
+          <a:prstGeom prst="straightConnector1">
+            <a:avLst/>
+          </a:prstGeom>
+          <a:ln>
+            <a:tailEnd type="triangle"/>
+          </a:ln>
+        </p:spPr>
+        <p:style>
+          <a:lnRef idx="2">
+            <a:schemeClr val="accent1"/>
+          </a:lnRef>
+          <a:fillRef idx="0">
+            <a:schemeClr val="accent1"/>
+          </a:fillRef>
+          <a:effectRef idx="1">
+            <a:schemeClr val="accent1"/>
+          </a:effectRef>
+          <a:fontRef idx="minor">
+            <a:schemeClr val="tx1"/>
+          </a:fontRef>
+        </p:style>
+      </p:cxnSp>
+      <p:sp>
+        <p:nvSpPr>
+          <p:cNvPr id="48" name="TextBox 47">
+            <a:extLst>
+              <a:ext uri="{FF2B5EF4-FFF2-40B4-BE49-F238E27FC236}">
+                <a16:creationId xmlns:a16="http://schemas.microsoft.com/office/drawing/2014/main" id="{0A617A33-B284-9CD1-7D73-892FDCB281C5}"/>
+              </a:ext>
+            </a:extLst>
+          </p:cNvPr>
+          <p:cNvSpPr txBox="1"/>
+          <p:nvPr/>
+        </p:nvSpPr>
+        <p:spPr>
+          <a:xfrm>
+            <a:off x="4195442" y="6386530"/>
+            <a:ext cx="1009430" cy="307777"/>
+          </a:xfrm>
+          <a:prstGeom prst="rect">
+            <a:avLst/>
+          </a:prstGeom>
+          <a:noFill/>
+        </p:spPr>
+        <p:txBody>
+          <a:bodyPr wrap="square" rtlCol="0">
+            <a:spAutoFit/>
+          </a:bodyPr>
+          <a:lstStyle/>
+          <a:p>
+            <a:pPr algn="ctr"/>
+            <a:r>
+              <a:rPr lang="en-US" sz="1400" dirty="0">
+                <a:latin typeface="Calibri" panose="020F0502020204030204" pitchFamily="34" charset="0"/>
+                <a:ea typeface="Calibri" panose="020F0502020204030204" pitchFamily="34" charset="0"/>
+                <a:cs typeface="Calibri" panose="020F0502020204030204" pitchFamily="34" charset="0"/>
+              </a:rPr>
+              <a:t>SendGrid</a:t>
+            </a:r>
+          </a:p>
+        </p:txBody>
+      </p:sp>
+      <p:pic>
+        <p:nvPicPr>
+          <p:cNvPr id="1048" name="Picture 24" descr="Email Icon Blue transparent PNG - StickPNG">
+            <a:extLst>
+              <a:ext uri="{FF2B5EF4-FFF2-40B4-BE49-F238E27FC236}">
+                <a16:creationId xmlns:a16="http://schemas.microsoft.com/office/drawing/2014/main" id="{CBA05949-38D8-2256-66E6-6555EE5A016B}"/>
+              </a:ext>
+            </a:extLst>
+          </p:cNvPr>
+          <p:cNvPicPr>
+            <a:picLocks noChangeAspect="1" noChangeArrowheads="1"/>
+          </p:cNvPicPr>
+          <p:nvPr/>
+        </p:nvPicPr>
+        <p:blipFill>
+          <a:blip r:embed="rId12">
+            <a:extLst>
+              <a:ext uri="{28A0092B-C50C-407E-A947-70E740481C1C}">
+                <a14:useLocalDpi xmlns:a14="http://schemas.microsoft.com/office/drawing/2010/main" val="0"/>
+              </a:ext>
+            </a:extLst>
+          </a:blip>
+          <a:srcRect/>
+          <a:stretch>
+            <a:fillRect/>
+          </a:stretch>
+        </p:blipFill>
+        <p:spPr bwMode="auto">
+          <a:xfrm>
+            <a:off x="6103891" y="5860607"/>
+            <a:ext cx="517805" cy="517805"/>
+          </a:xfrm>
+          <a:prstGeom prst="rect">
+            <a:avLst/>
+          </a:prstGeom>
+          <a:noFill/>
+          <a:extLst>
+            <a:ext uri="{909E8E84-426E-40DD-AFC4-6F175D3DCCD1}">
+              <a14:hiddenFill xmlns:a14="http://schemas.microsoft.com/office/drawing/2010/main">
+                <a:solidFill>
+                  <a:srgbClr val="FFFFFF"/>
+                </a:solidFill>
+              </a14:hiddenFill>
+            </a:ext>
+          </a:extLst>
+        </p:spPr>
+      </p:pic>
+      <p:cxnSp>
+        <p:nvCxnSpPr>
+          <p:cNvPr id="49" name="Straight Arrow Connector 48">
+            <a:extLst>
+              <a:ext uri="{FF2B5EF4-FFF2-40B4-BE49-F238E27FC236}">
+                <a16:creationId xmlns:a16="http://schemas.microsoft.com/office/drawing/2014/main" id="{CFD14797-80EE-DCC4-B370-3B9E2A0E83ED}"/>
+              </a:ext>
+            </a:extLst>
+          </p:cNvPr>
+          <p:cNvCxnSpPr>
+            <a:cxnSpLocks/>
+            <a:stCxn id="1046" idx="3"/>
+            <a:endCxn id="1048" idx="1"/>
+          </p:cNvCxnSpPr>
+          <p:nvPr/>
+        </p:nvCxnSpPr>
+        <p:spPr>
+          <a:xfrm>
+            <a:off x="5061912" y="6119510"/>
+            <a:ext cx="1041979" cy="0"/>
+          </a:xfrm>
+          <a:prstGeom prst="straightConnector1">
+            <a:avLst/>
+          </a:prstGeom>
+          <a:ln>
+            <a:tailEnd type="triangle"/>
+          </a:ln>
+        </p:spPr>
+        <p:style>
+          <a:lnRef idx="2">
+            <a:schemeClr val="accent1"/>
+          </a:lnRef>
+          <a:fillRef idx="0">
+            <a:schemeClr val="accent1"/>
+          </a:fillRef>
+          <a:effectRef idx="1">
+            <a:schemeClr val="accent1"/>
+          </a:effectRef>
+          <a:fontRef idx="minor">
+            <a:schemeClr val="tx1"/>
+          </a:fontRef>
+        </p:style>
+      </p:cxnSp>
+      <p:pic>
+        <p:nvPicPr>
+          <p:cNvPr id="1050" name="Picture 26" descr="End-user | Definition">
+            <a:extLst>
+              <a:ext uri="{FF2B5EF4-FFF2-40B4-BE49-F238E27FC236}">
+                <a16:creationId xmlns:a16="http://schemas.microsoft.com/office/drawing/2014/main" id="{0F86FC8B-4A28-8241-4D17-E361290CAD48}"/>
+              </a:ext>
+            </a:extLst>
+          </p:cNvPr>
+          <p:cNvPicPr>
+            <a:picLocks noChangeAspect="1" noChangeArrowheads="1"/>
+          </p:cNvPicPr>
+          <p:nvPr/>
+        </p:nvPicPr>
+        <p:blipFill>
+          <a:blip r:embed="rId13">
+            <a:extLst>
+              <a:ext uri="{28A0092B-C50C-407E-A947-70E740481C1C}">
+                <a14:useLocalDpi xmlns:a14="http://schemas.microsoft.com/office/drawing/2010/main" val="0"/>
+              </a:ext>
+            </a:extLst>
+          </a:blip>
+          <a:srcRect/>
+          <a:stretch>
+            <a:fillRect/>
+          </a:stretch>
+        </p:blipFill>
+        <p:spPr bwMode="auto">
+          <a:xfrm>
+            <a:off x="6185502" y="4995602"/>
+            <a:ext cx="354581" cy="468342"/>
+          </a:xfrm>
+          <a:prstGeom prst="rect">
+            <a:avLst/>
+          </a:prstGeom>
+          <a:noFill/>
+          <a:extLst>
+            <a:ext uri="{909E8E84-426E-40DD-AFC4-6F175D3DCCD1}">
+              <a14:hiddenFill xmlns:a14="http://schemas.microsoft.com/office/drawing/2010/main">
+                <a:solidFill>
+                  <a:srgbClr val="FFFFFF"/>
+                </a:solidFill>
+              </a14:hiddenFill>
+            </a:ext>
+          </a:extLst>
+        </p:spPr>
+      </p:pic>
+      <p:cxnSp>
+        <p:nvCxnSpPr>
+          <p:cNvPr id="53" name="Straight Arrow Connector 52">
+            <a:extLst>
+              <a:ext uri="{FF2B5EF4-FFF2-40B4-BE49-F238E27FC236}">
+                <a16:creationId xmlns:a16="http://schemas.microsoft.com/office/drawing/2014/main" id="{469BFDCC-C167-A878-9E98-BC92B869633B}"/>
+              </a:ext>
+            </a:extLst>
+          </p:cNvPr>
+          <p:cNvCxnSpPr>
+            <a:cxnSpLocks/>
+            <a:stCxn id="1048" idx="0"/>
+            <a:endCxn id="1050" idx="2"/>
+          </p:cNvCxnSpPr>
+          <p:nvPr/>
+        </p:nvCxnSpPr>
+        <p:spPr>
+          <a:xfrm flipH="1" flipV="1">
+            <a:off x="6362793" y="5463944"/>
+            <a:ext cx="1" cy="396663"/>
+          </a:xfrm>
+          <a:prstGeom prst="straightConnector1">
+            <a:avLst/>
+          </a:prstGeom>
+          <a:ln>
+            <a:tailEnd type="triangle"/>
+          </a:ln>
+        </p:spPr>
+        <p:style>
+          <a:lnRef idx="2">
+            <a:schemeClr val="accent1"/>
+          </a:lnRef>
+          <a:fillRef idx="0">
+            <a:schemeClr val="accent1"/>
+          </a:fillRef>
+          <a:effectRef idx="1">
+            <a:schemeClr val="accent1"/>
+          </a:effectRef>
+          <a:fontRef idx="minor">
+            <a:schemeClr val="tx1"/>
+          </a:fontRef>
+        </p:style>
+      </p:cxnSp>
+      <p:sp>
+        <p:nvSpPr>
+          <p:cNvPr id="57" name="TextBox 56">
+            <a:extLst>
+              <a:ext uri="{FF2B5EF4-FFF2-40B4-BE49-F238E27FC236}">
+                <a16:creationId xmlns:a16="http://schemas.microsoft.com/office/drawing/2014/main" id="{E91DA162-5227-C815-0AED-446160566AC1}"/>
+              </a:ext>
+            </a:extLst>
+          </p:cNvPr>
+          <p:cNvSpPr txBox="1"/>
+          <p:nvPr/>
+        </p:nvSpPr>
+        <p:spPr>
+          <a:xfrm>
+            <a:off x="5858077" y="4699465"/>
+            <a:ext cx="1009430" cy="307777"/>
+          </a:xfrm>
+          <a:prstGeom prst="rect">
+            <a:avLst/>
+          </a:prstGeom>
+          <a:noFill/>
+        </p:spPr>
+        <p:txBody>
+          <a:bodyPr wrap="square" rtlCol="0">
+            <a:spAutoFit/>
+          </a:bodyPr>
+          <a:lstStyle/>
+          <a:p>
+            <a:pPr algn="ctr"/>
+            <a:r>
+              <a:rPr lang="en-US" sz="1400" dirty="0">
+                <a:latin typeface="Calibri" panose="020F0502020204030204" pitchFamily="34" charset="0"/>
+                <a:ea typeface="Calibri" panose="020F0502020204030204" pitchFamily="34" charset="0"/>
+                <a:cs typeface="Calibri" panose="020F0502020204030204" pitchFamily="34" charset="0"/>
+              </a:rPr>
+              <a:t>End User</a:t>
+            </a:r>
+          </a:p>
+        </p:txBody>
+      </p:sp>
+      <p:pic>
+        <p:nvPicPr>
+          <p:cNvPr id="1052" name="Picture 28" descr="Cloudflare SVG and transparent PNG icons | TechIcons">
+            <a:extLst>
+              <a:ext uri="{FF2B5EF4-FFF2-40B4-BE49-F238E27FC236}">
+                <a16:creationId xmlns:a16="http://schemas.microsoft.com/office/drawing/2014/main" id="{5A3F2F3A-AB1E-44C3-A9E0-7872CDB7AF09}"/>
+              </a:ext>
+            </a:extLst>
+          </p:cNvPr>
+          <p:cNvPicPr>
+            <a:picLocks noChangeAspect="1" noChangeArrowheads="1"/>
+          </p:cNvPicPr>
+          <p:nvPr/>
+        </p:nvPicPr>
+        <p:blipFill rotWithShape="1">
+          <a:blip r:embed="rId14">
+            <a:extLst>
+              <a:ext uri="{28A0092B-C50C-407E-A947-70E740481C1C}">
+                <a14:useLocalDpi xmlns:a14="http://schemas.microsoft.com/office/drawing/2010/main" val="0"/>
+              </a:ext>
+            </a:extLst>
+          </a:blip>
+          <a:srcRect t="23480" b="22055"/>
+          <a:stretch/>
+        </p:blipFill>
+        <p:spPr bwMode="auto">
+          <a:xfrm>
+            <a:off x="2455347" y="5851245"/>
+            <a:ext cx="1009652" cy="549905"/>
+          </a:xfrm>
+          <a:prstGeom prst="rect">
+            <a:avLst/>
+          </a:prstGeom>
+          <a:noFill/>
+          <a:extLst>
+            <a:ext uri="{909E8E84-426E-40DD-AFC4-6F175D3DCCD1}">
+              <a14:hiddenFill xmlns:a14="http://schemas.microsoft.com/office/drawing/2010/main">
+                <a:solidFill>
+                  <a:srgbClr val="FFFFFF"/>
+                </a:solidFill>
+              </a14:hiddenFill>
+            </a:ext>
+          </a:extLst>
+        </p:spPr>
+      </p:pic>
+      <p:sp>
+        <p:nvSpPr>
+          <p:cNvPr id="58" name="TextBox 57">
+            <a:extLst>
+              <a:ext uri="{FF2B5EF4-FFF2-40B4-BE49-F238E27FC236}">
+                <a16:creationId xmlns:a16="http://schemas.microsoft.com/office/drawing/2014/main" id="{9CD8DA83-A52B-67C3-CF4D-D7292100392A}"/>
+              </a:ext>
+            </a:extLst>
+          </p:cNvPr>
+          <p:cNvSpPr txBox="1"/>
+          <p:nvPr/>
+        </p:nvSpPr>
+        <p:spPr>
+          <a:xfrm>
+            <a:off x="2438400" y="6304930"/>
+            <a:ext cx="1009430" cy="307777"/>
+          </a:xfrm>
+          <a:prstGeom prst="rect">
+            <a:avLst/>
+          </a:prstGeom>
+          <a:noFill/>
+        </p:spPr>
+        <p:txBody>
+          <a:bodyPr wrap="square" rtlCol="0">
+            <a:spAutoFit/>
+          </a:bodyPr>
+          <a:lstStyle/>
+          <a:p>
+            <a:pPr algn="ctr"/>
+            <a:r>
+              <a:rPr lang="en-US" sz="1400" dirty="0">
+                <a:latin typeface="Calibri" panose="020F0502020204030204" pitchFamily="34" charset="0"/>
+                <a:ea typeface="Calibri" panose="020F0502020204030204" pitchFamily="34" charset="0"/>
+                <a:cs typeface="Calibri" panose="020F0502020204030204" pitchFamily="34" charset="0"/>
+              </a:rPr>
+              <a:t>Cloudflare</a:t>
+            </a:r>
+          </a:p>
+        </p:txBody>
+      </p:sp>
+      <p:cxnSp>
+        <p:nvCxnSpPr>
+          <p:cNvPr id="59" name="Straight Arrow Connector 58">
+            <a:extLst>
+              <a:ext uri="{FF2B5EF4-FFF2-40B4-BE49-F238E27FC236}">
+                <a16:creationId xmlns:a16="http://schemas.microsoft.com/office/drawing/2014/main" id="{80D4E4B7-CEFD-1BBD-34D7-A0FD062A4D57}"/>
+              </a:ext>
+            </a:extLst>
+          </p:cNvPr>
+          <p:cNvCxnSpPr>
+            <a:cxnSpLocks/>
+            <a:stCxn id="1052" idx="3"/>
+            <a:endCxn id="1046" idx="1"/>
+          </p:cNvCxnSpPr>
+          <p:nvPr/>
+        </p:nvCxnSpPr>
+        <p:spPr>
+          <a:xfrm flipV="1">
+            <a:off x="3464999" y="6119510"/>
+            <a:ext cx="1024441" cy="6688"/>
+          </a:xfrm>
+          <a:prstGeom prst="straightConnector1">
+            <a:avLst/>
+          </a:prstGeom>
+          <a:ln>
+            <a:tailEnd type="triangle"/>
+          </a:ln>
+        </p:spPr>
+        <p:style>
+          <a:lnRef idx="2">
+            <a:schemeClr val="accent1"/>
+          </a:lnRef>
+          <a:fillRef idx="0">
+            <a:schemeClr val="accent1"/>
+          </a:fillRef>
+          <a:effectRef idx="1">
+            <a:schemeClr val="accent1"/>
+          </a:effectRef>
+          <a:fontRef idx="minor">
+            <a:schemeClr val="tx1"/>
+          </a:fontRef>
+        </p:style>
+      </p:cxnSp>
+      <p:pic>
+        <p:nvPicPr>
+          <p:cNvPr id="1054" name="Picture 30" descr="Terraform Generic color lineal-color icon | Freepik">
+            <a:extLst>
+              <a:ext uri="{FF2B5EF4-FFF2-40B4-BE49-F238E27FC236}">
+                <a16:creationId xmlns:a16="http://schemas.microsoft.com/office/drawing/2014/main" id="{6E7C5707-4501-A291-6932-FE1833A77E3E}"/>
+              </a:ext>
+            </a:extLst>
+          </p:cNvPr>
+          <p:cNvPicPr>
+            <a:picLocks noChangeAspect="1" noChangeArrowheads="1"/>
+          </p:cNvPicPr>
+          <p:nvPr/>
+        </p:nvPicPr>
+        <p:blipFill>
+          <a:blip r:embed="rId15">
+            <a:extLst>
+              <a:ext uri="{28A0092B-C50C-407E-A947-70E740481C1C}">
+                <a14:useLocalDpi xmlns:a14="http://schemas.microsoft.com/office/drawing/2010/main" val="0"/>
+              </a:ext>
+            </a:extLst>
+          </a:blip>
+          <a:srcRect/>
+          <a:stretch>
+            <a:fillRect/>
+          </a:stretch>
+        </p:blipFill>
+        <p:spPr bwMode="auto">
+          <a:xfrm>
+            <a:off x="872280" y="4774445"/>
+            <a:ext cx="689499" cy="689499"/>
+          </a:xfrm>
+          <a:prstGeom prst="rect">
+            <a:avLst/>
+          </a:prstGeom>
+          <a:noFill/>
+          <a:extLst>
+            <a:ext uri="{909E8E84-426E-40DD-AFC4-6F175D3DCCD1}">
+              <a14:hiddenFill xmlns:a14="http://schemas.microsoft.com/office/drawing/2010/main">
+                <a:solidFill>
+                  <a:srgbClr val="FFFFFF"/>
+                </a:solidFill>
+              </a14:hiddenFill>
+            </a:ext>
+          </a:extLst>
+        </p:spPr>
+      </p:pic>
+      <p:sp>
+        <p:nvSpPr>
+          <p:cNvPr id="63" name="TextBox 62">
+            <a:extLst>
+              <a:ext uri="{FF2B5EF4-FFF2-40B4-BE49-F238E27FC236}">
+                <a16:creationId xmlns:a16="http://schemas.microsoft.com/office/drawing/2014/main" id="{9B4D3861-000D-77D2-A1DD-C066FC3BA9EB}"/>
+              </a:ext>
+            </a:extLst>
+          </p:cNvPr>
+          <p:cNvSpPr txBox="1"/>
+          <p:nvPr/>
+        </p:nvSpPr>
+        <p:spPr>
+          <a:xfrm>
+            <a:off x="665559" y="5310055"/>
+            <a:ext cx="1009430" cy="523220"/>
+          </a:xfrm>
+          <a:prstGeom prst="rect">
+            <a:avLst/>
+          </a:prstGeom>
+          <a:noFill/>
+        </p:spPr>
+        <p:txBody>
+          <a:bodyPr wrap="square" rtlCol="0">
+            <a:spAutoFit/>
+          </a:bodyPr>
+          <a:lstStyle/>
+          <a:p>
+            <a:pPr algn="ctr"/>
+            <a:r>
+              <a:rPr lang="en-US" sz="1400" dirty="0">
+                <a:latin typeface="Calibri" panose="020F0502020204030204" pitchFamily="34" charset="0"/>
+                <a:ea typeface="Calibri" panose="020F0502020204030204" pitchFamily="34" charset="0"/>
+                <a:cs typeface="Calibri" panose="020F0502020204030204" pitchFamily="34" charset="0"/>
+              </a:rPr>
+              <a:t>Terraform</a:t>
+            </a:r>
+          </a:p>
+          <a:p>
+            <a:pPr algn="ctr"/>
+            <a:r>
+              <a:rPr lang="en-US" sz="1400" dirty="0">
+                <a:latin typeface="Calibri" panose="020F0502020204030204" pitchFamily="34" charset="0"/>
+                <a:ea typeface="Calibri" panose="020F0502020204030204" pitchFamily="34" charset="0"/>
+                <a:cs typeface="Calibri" panose="020F0502020204030204" pitchFamily="34" charset="0"/>
+              </a:rPr>
+              <a:t>Script</a:t>
+            </a:r>
+          </a:p>
+        </p:txBody>
+      </p:sp>
+      <p:pic>
+        <p:nvPicPr>
+          <p:cNvPr id="1056" name="Picture 32">
+            <a:extLst>
+              <a:ext uri="{FF2B5EF4-FFF2-40B4-BE49-F238E27FC236}">
+                <a16:creationId xmlns:a16="http://schemas.microsoft.com/office/drawing/2014/main" id="{C719067A-A43E-204C-E676-F5AA951BC9FD}"/>
+              </a:ext>
+            </a:extLst>
+          </p:cNvPr>
+          <p:cNvPicPr>
+            <a:picLocks noChangeAspect="1" noChangeArrowheads="1"/>
+          </p:cNvPicPr>
+          <p:nvPr/>
+        </p:nvPicPr>
+        <p:blipFill>
+          <a:blip r:embed="rId16">
+            <a:extLst>
+              <a:ext uri="{28A0092B-C50C-407E-A947-70E740481C1C}">
+                <a14:useLocalDpi xmlns:a14="http://schemas.microsoft.com/office/drawing/2010/main" val="0"/>
+              </a:ext>
+            </a:extLst>
+          </a:blip>
+          <a:srcRect/>
+          <a:stretch>
+            <a:fillRect/>
+          </a:stretch>
+        </p:blipFill>
+        <p:spPr bwMode="auto">
+          <a:xfrm>
+            <a:off x="2319029" y="4108284"/>
+            <a:ext cx="683786" cy="683786"/>
+          </a:xfrm>
+          <a:prstGeom prst="rect">
+            <a:avLst/>
+          </a:prstGeom>
+          <a:noFill/>
+          <a:extLst>
+            <a:ext uri="{909E8E84-426E-40DD-AFC4-6F175D3DCCD1}">
+              <a14:hiddenFill xmlns:a14="http://schemas.microsoft.com/office/drawing/2010/main">
+                <a:solidFill>
+                  <a:srgbClr val="FFFFFF"/>
+                </a:solidFill>
+              </a14:hiddenFill>
+            </a:ext>
+          </a:extLst>
+        </p:spPr>
+      </p:pic>
+      <p:cxnSp>
+        <p:nvCxnSpPr>
+          <p:cNvPr id="1025" name="Straight Connector 1024">
+            <a:extLst>
+              <a:ext uri="{FF2B5EF4-FFF2-40B4-BE49-F238E27FC236}">
+                <a16:creationId xmlns:a16="http://schemas.microsoft.com/office/drawing/2014/main" id="{F66A32E0-DBA3-FDB7-4D42-0DEFB49CA37F}"/>
+              </a:ext>
+            </a:extLst>
+          </p:cNvPr>
+          <p:cNvCxnSpPr/>
+          <p:nvPr/>
+        </p:nvCxnSpPr>
+        <p:spPr>
+          <a:xfrm>
+            <a:off x="476060" y="3308639"/>
+            <a:ext cx="1372171" cy="0"/>
+          </a:xfrm>
+          <a:prstGeom prst="line">
+            <a:avLst/>
+          </a:prstGeom>
+        </p:spPr>
+        <p:style>
+          <a:lnRef idx="2">
+            <a:schemeClr val="accent1"/>
+          </a:lnRef>
+          <a:fillRef idx="0">
+            <a:schemeClr val="accent1"/>
+          </a:fillRef>
+          <a:effectRef idx="1">
+            <a:schemeClr val="accent1"/>
+          </a:effectRef>
+          <a:fontRef idx="minor">
+            <a:schemeClr val="tx1"/>
+          </a:fontRef>
+        </p:style>
+      </p:cxnSp>
+      <p:sp>
+        <p:nvSpPr>
+          <p:cNvPr id="1027" name="TextBox 1026">
+            <a:extLst>
+              <a:ext uri="{FF2B5EF4-FFF2-40B4-BE49-F238E27FC236}">
+                <a16:creationId xmlns:a16="http://schemas.microsoft.com/office/drawing/2014/main" id="{875664C3-BA4F-E134-8A6B-0C82306A02B8}"/>
+              </a:ext>
+            </a:extLst>
+          </p:cNvPr>
+          <p:cNvSpPr txBox="1"/>
+          <p:nvPr/>
+        </p:nvSpPr>
+        <p:spPr>
+          <a:xfrm>
+            <a:off x="2216658" y="4677019"/>
+            <a:ext cx="907542" cy="523220"/>
+          </a:xfrm>
+          <a:prstGeom prst="rect">
+            <a:avLst/>
+          </a:prstGeom>
+          <a:noFill/>
+        </p:spPr>
+        <p:txBody>
+          <a:bodyPr wrap="square" rtlCol="0">
+            <a:spAutoFit/>
+          </a:bodyPr>
+          <a:lstStyle/>
+          <a:p>
+            <a:pPr algn="ctr"/>
+            <a:r>
+              <a:rPr lang="en-US" sz="1400" dirty="0">
+                <a:latin typeface="Calibri" panose="020F0502020204030204" pitchFamily="34" charset="0"/>
+                <a:ea typeface="Calibri" panose="020F0502020204030204" pitchFamily="34" charset="0"/>
+                <a:cs typeface="Calibri" panose="020F0502020204030204" pitchFamily="34" charset="0"/>
+              </a:rPr>
+              <a:t>Power</a:t>
+            </a:r>
+          </a:p>
+          <a:p>
+            <a:pPr algn="ctr"/>
+            <a:r>
+              <a:rPr lang="en-US" sz="1400" dirty="0">
+                <a:latin typeface="Calibri" panose="020F0502020204030204" pitchFamily="34" charset="0"/>
+                <a:ea typeface="Calibri" panose="020F0502020204030204" pitchFamily="34" charset="0"/>
+                <a:cs typeface="Calibri" panose="020F0502020204030204" pitchFamily="34" charset="0"/>
+              </a:rPr>
+              <a:t>Shell</a:t>
+            </a:r>
+          </a:p>
+        </p:txBody>
+      </p:sp>
+      <p:cxnSp>
+        <p:nvCxnSpPr>
+          <p:cNvPr id="1029" name="Straight Arrow Connector 1028">
+            <a:extLst>
+              <a:ext uri="{FF2B5EF4-FFF2-40B4-BE49-F238E27FC236}">
+                <a16:creationId xmlns:a16="http://schemas.microsoft.com/office/drawing/2014/main" id="{8223D2E7-6D3D-DAA8-0516-634BE9191A80}"/>
+              </a:ext>
+            </a:extLst>
+          </p:cNvPr>
+          <p:cNvCxnSpPr>
+            <a:cxnSpLocks/>
+            <a:stCxn id="1032" idx="2"/>
+            <a:endCxn id="1056" idx="0"/>
+          </p:cNvCxnSpPr>
+          <p:nvPr/>
+        </p:nvCxnSpPr>
+        <p:spPr>
+          <a:xfrm flipH="1">
+            <a:off x="2660922" y="2172795"/>
+            <a:ext cx="9507" cy="1935489"/>
+          </a:xfrm>
+          <a:prstGeom prst="straightConnector1">
+            <a:avLst/>
+          </a:prstGeom>
+          <a:ln>
+            <a:tailEnd type="triangle"/>
+          </a:ln>
+        </p:spPr>
+        <p:style>
+          <a:lnRef idx="2">
+            <a:schemeClr val="accent1"/>
+          </a:lnRef>
+          <a:fillRef idx="0">
+            <a:schemeClr val="accent1"/>
+          </a:fillRef>
+          <a:effectRef idx="1">
+            <a:schemeClr val="accent1"/>
+          </a:effectRef>
+          <a:fontRef idx="minor">
+            <a:schemeClr val="tx1"/>
+          </a:fontRef>
+        </p:style>
+      </p:cxnSp>
+      <p:cxnSp>
+        <p:nvCxnSpPr>
+          <p:cNvPr id="1047" name="Straight Arrow Connector 1046">
+            <a:extLst>
+              <a:ext uri="{FF2B5EF4-FFF2-40B4-BE49-F238E27FC236}">
+                <a16:creationId xmlns:a16="http://schemas.microsoft.com/office/drawing/2014/main" id="{640D9D03-2B5C-5DEC-EE91-6D870C422BDA}"/>
+              </a:ext>
+            </a:extLst>
+          </p:cNvPr>
+          <p:cNvCxnSpPr>
+            <a:cxnSpLocks/>
+            <a:stCxn id="1056" idx="3"/>
+            <a:endCxn id="1038" idx="1"/>
+          </p:cNvCxnSpPr>
+          <p:nvPr/>
+        </p:nvCxnSpPr>
+        <p:spPr>
+          <a:xfrm flipV="1">
+            <a:off x="3002815" y="3428682"/>
+            <a:ext cx="1530898" cy="1021495"/>
+          </a:xfrm>
+          <a:prstGeom prst="straightConnector1">
+            <a:avLst/>
+          </a:prstGeom>
+          <a:ln>
+            <a:tailEnd type="triangle"/>
+          </a:ln>
+        </p:spPr>
+        <p:style>
+          <a:lnRef idx="2">
+            <a:schemeClr val="accent1"/>
+          </a:lnRef>
+          <a:fillRef idx="0">
+            <a:schemeClr val="accent1"/>
+          </a:fillRef>
+          <a:effectRef idx="1">
+            <a:schemeClr val="accent1"/>
+          </a:effectRef>
+          <a:fontRef idx="minor">
+            <a:schemeClr val="tx1"/>
+          </a:fontRef>
+        </p:style>
+      </p:cxnSp>
+      <p:sp>
+        <p:nvSpPr>
+          <p:cNvPr id="1058" name="TextBox 1057">
+            <a:extLst>
+              <a:ext uri="{FF2B5EF4-FFF2-40B4-BE49-F238E27FC236}">
+                <a16:creationId xmlns:a16="http://schemas.microsoft.com/office/drawing/2014/main" id="{28B36C56-EA83-23C0-7FEC-FF76E98069F1}"/>
+              </a:ext>
+            </a:extLst>
+          </p:cNvPr>
+          <p:cNvSpPr txBox="1"/>
+          <p:nvPr/>
+        </p:nvSpPr>
+        <p:spPr>
+          <a:xfrm>
+            <a:off x="4322466" y="2800318"/>
+            <a:ext cx="1009430" cy="307777"/>
+          </a:xfrm>
+          <a:prstGeom prst="rect">
+            <a:avLst/>
+          </a:prstGeom>
+          <a:noFill/>
+        </p:spPr>
+        <p:txBody>
+          <a:bodyPr wrap="square" rtlCol="0">
+            <a:spAutoFit/>
+          </a:bodyPr>
+          <a:lstStyle/>
+          <a:p>
+            <a:pPr algn="ctr"/>
+            <a:r>
+              <a:rPr lang="en-US" sz="1400" dirty="0">
+                <a:latin typeface="Calibri" panose="020F0502020204030204" pitchFamily="34" charset="0"/>
+                <a:ea typeface="Calibri" panose="020F0502020204030204" pitchFamily="34" charset="0"/>
+                <a:cs typeface="Calibri" panose="020F0502020204030204" pitchFamily="34" charset="0"/>
+              </a:rPr>
+              <a:t>Terraform</a:t>
+            </a:r>
+          </a:p>
+        </p:txBody>
+      </p:sp>
+      <p:cxnSp>
+        <p:nvCxnSpPr>
+          <p:cNvPr id="1059" name="Straight Arrow Connector 1058">
+            <a:extLst>
+              <a:ext uri="{FF2B5EF4-FFF2-40B4-BE49-F238E27FC236}">
+                <a16:creationId xmlns:a16="http://schemas.microsoft.com/office/drawing/2014/main" id="{0C85B7E7-F35F-560A-DC4F-2CA61190A912}"/>
+              </a:ext>
+            </a:extLst>
+          </p:cNvPr>
+          <p:cNvCxnSpPr>
+            <a:cxnSpLocks/>
+            <a:stCxn id="1038" idx="3"/>
+            <a:endCxn id="1062" idx="1"/>
+          </p:cNvCxnSpPr>
+          <p:nvPr/>
+        </p:nvCxnSpPr>
+        <p:spPr>
+          <a:xfrm flipV="1">
+            <a:off x="5134108" y="3426577"/>
+            <a:ext cx="664504" cy="2105"/>
+          </a:xfrm>
+          <a:prstGeom prst="straightConnector1">
+            <a:avLst/>
+          </a:prstGeom>
+          <a:ln>
+            <a:tailEnd type="triangle"/>
+          </a:ln>
+        </p:spPr>
+        <p:style>
+          <a:lnRef idx="2">
+            <a:schemeClr val="accent1"/>
+          </a:lnRef>
+          <a:fillRef idx="0">
+            <a:schemeClr val="accent1"/>
+          </a:fillRef>
+          <a:effectRef idx="1">
+            <a:schemeClr val="accent1"/>
+          </a:effectRef>
+          <a:fontRef idx="minor">
+            <a:schemeClr val="tx1"/>
+          </a:fontRef>
+        </p:style>
+      </p:cxnSp>
+      <p:pic>
+        <p:nvPicPr>
+          <p:cNvPr id="1064" name="Picture 34" descr="S3 Bucket with Objects | AWS Storage">
+            <a:extLst>
+              <a:ext uri="{FF2B5EF4-FFF2-40B4-BE49-F238E27FC236}">
+                <a16:creationId xmlns:a16="http://schemas.microsoft.com/office/drawing/2014/main" id="{A5A4A68B-8011-4642-F2BC-15481AE36249}"/>
+              </a:ext>
+            </a:extLst>
+          </p:cNvPr>
+          <p:cNvPicPr>
+            <a:picLocks noChangeAspect="1" noChangeArrowheads="1"/>
+          </p:cNvPicPr>
+          <p:nvPr/>
+        </p:nvPicPr>
+        <p:blipFill>
+          <a:blip r:embed="rId17">
+            <a:extLst>
+              <a:ext uri="{28A0092B-C50C-407E-A947-70E740481C1C}">
+                <a14:useLocalDpi xmlns:a14="http://schemas.microsoft.com/office/drawing/2010/main" val="0"/>
+              </a:ext>
+            </a:extLst>
+          </a:blip>
+          <a:srcRect/>
+          <a:stretch>
+            <a:fillRect/>
+          </a:stretch>
+        </p:blipFill>
+        <p:spPr bwMode="auto">
+          <a:xfrm>
+            <a:off x="7713445" y="3186574"/>
+            <a:ext cx="572109" cy="572109"/>
+          </a:xfrm>
+          <a:prstGeom prst="rect">
+            <a:avLst/>
+          </a:prstGeom>
+          <a:noFill/>
+          <a:extLst>
+            <a:ext uri="{909E8E84-426E-40DD-AFC4-6F175D3DCCD1}">
+              <a14:hiddenFill xmlns:a14="http://schemas.microsoft.com/office/drawing/2010/main">
+                <a:solidFill>
+                  <a:srgbClr val="FFFFFF"/>
+                </a:solidFill>
+              </a14:hiddenFill>
+            </a:ext>
+          </a:extLst>
+        </p:spPr>
+      </p:pic>
+      <p:sp>
+        <p:nvSpPr>
+          <p:cNvPr id="1065" name="TextBox 1064">
+            <a:extLst>
+              <a:ext uri="{FF2B5EF4-FFF2-40B4-BE49-F238E27FC236}">
+                <a16:creationId xmlns:a16="http://schemas.microsoft.com/office/drawing/2014/main" id="{342520CE-ED39-0C9D-DFDF-5365D256DCE4}"/>
+              </a:ext>
+            </a:extLst>
+          </p:cNvPr>
+          <p:cNvSpPr txBox="1"/>
+          <p:nvPr/>
+        </p:nvSpPr>
+        <p:spPr>
+          <a:xfrm>
+            <a:off x="7805077" y="3712612"/>
+            <a:ext cx="418236" cy="307777"/>
+          </a:xfrm>
+          <a:prstGeom prst="rect">
+            <a:avLst/>
+          </a:prstGeom>
+          <a:noFill/>
+        </p:spPr>
+        <p:txBody>
+          <a:bodyPr wrap="square" rtlCol="0">
+            <a:spAutoFit/>
+          </a:bodyPr>
+          <a:lstStyle/>
+          <a:p>
+            <a:pPr algn="ctr"/>
+            <a:r>
+              <a:rPr lang="en-US" sz="1400" dirty="0">
+                <a:latin typeface="Calibri" panose="020F0502020204030204" pitchFamily="34" charset="0"/>
+                <a:ea typeface="Calibri" panose="020F0502020204030204" pitchFamily="34" charset="0"/>
+                <a:cs typeface="Calibri" panose="020F0502020204030204" pitchFamily="34" charset="0"/>
+              </a:rPr>
+              <a:t>S3</a:t>
+            </a:r>
+          </a:p>
+        </p:txBody>
+      </p:sp>
+      <p:pic>
+        <p:nvPicPr>
+          <p:cNvPr id="1066" name="Picture 36" descr="5 New Features in AWS Fargate Version 1.4 | Logicata">
+            <a:extLst>
+              <a:ext uri="{FF2B5EF4-FFF2-40B4-BE49-F238E27FC236}">
+                <a16:creationId xmlns:a16="http://schemas.microsoft.com/office/drawing/2014/main" id="{91F03A5F-AEBE-7725-00D8-332651B9CEA6}"/>
+              </a:ext>
+            </a:extLst>
+          </p:cNvPr>
+          <p:cNvPicPr>
+            <a:picLocks noChangeAspect="1" noChangeArrowheads="1"/>
+          </p:cNvPicPr>
+          <p:nvPr/>
+        </p:nvPicPr>
+        <p:blipFill>
+          <a:blip r:embed="rId18">
+            <a:extLst>
+              <a:ext uri="{28A0092B-C50C-407E-A947-70E740481C1C}">
+                <a14:useLocalDpi xmlns:a14="http://schemas.microsoft.com/office/drawing/2010/main" val="0"/>
+              </a:ext>
+            </a:extLst>
+          </a:blip>
+          <a:srcRect/>
+          <a:stretch>
+            <a:fillRect/>
+          </a:stretch>
+        </p:blipFill>
+        <p:spPr bwMode="auto">
+          <a:xfrm>
+            <a:off x="6831616" y="3200290"/>
+            <a:ext cx="532391" cy="532391"/>
+          </a:xfrm>
+          <a:prstGeom prst="rect">
+            <a:avLst/>
+          </a:prstGeom>
+          <a:noFill/>
+          <a:extLst>
+            <a:ext uri="{909E8E84-426E-40DD-AFC4-6F175D3DCCD1}">
+              <a14:hiddenFill xmlns:a14="http://schemas.microsoft.com/office/drawing/2010/main">
+                <a:solidFill>
+                  <a:srgbClr val="FFFFFF"/>
+                </a:solidFill>
+              </a14:hiddenFill>
+            </a:ext>
+          </a:extLst>
+        </p:spPr>
+      </p:pic>
+      <p:sp>
+        <p:nvSpPr>
+          <p:cNvPr id="1067" name="TextBox 1066">
+            <a:extLst>
+              <a:ext uri="{FF2B5EF4-FFF2-40B4-BE49-F238E27FC236}">
+                <a16:creationId xmlns:a16="http://schemas.microsoft.com/office/drawing/2014/main" id="{5BA1E7F6-046C-11AD-6215-9EC01E14C1D2}"/>
+              </a:ext>
+            </a:extLst>
+          </p:cNvPr>
+          <p:cNvSpPr txBox="1"/>
+          <p:nvPr/>
+        </p:nvSpPr>
+        <p:spPr>
+          <a:xfrm>
+            <a:off x="6492432" y="3725993"/>
+            <a:ext cx="1238748" cy="307777"/>
+          </a:xfrm>
+          <a:prstGeom prst="rect">
+            <a:avLst/>
+          </a:prstGeom>
+          <a:noFill/>
+        </p:spPr>
+        <p:txBody>
+          <a:bodyPr wrap="square" rtlCol="0">
+            <a:spAutoFit/>
+          </a:bodyPr>
+          <a:lstStyle/>
+          <a:p>
+            <a:pPr algn="ctr"/>
+            <a:r>
+              <a:rPr lang="en-US" sz="1400" dirty="0">
+                <a:latin typeface="Calibri" panose="020F0502020204030204" pitchFamily="34" charset="0"/>
+                <a:ea typeface="Calibri" panose="020F0502020204030204" pitchFamily="34" charset="0"/>
+                <a:cs typeface="Calibri" panose="020F0502020204030204" pitchFamily="34" charset="0"/>
+              </a:rPr>
+              <a:t>ECS Fargate</a:t>
+            </a:r>
+          </a:p>
+        </p:txBody>
+      </p:sp>
+      <p:pic>
+        <p:nvPicPr>
+          <p:cNvPr id="1068" name="Picture 38" descr="AWS CloudWatch Logs">
+            <a:extLst>
+              <a:ext uri="{FF2B5EF4-FFF2-40B4-BE49-F238E27FC236}">
+                <a16:creationId xmlns:a16="http://schemas.microsoft.com/office/drawing/2014/main" id="{DD6F94E4-68A2-2931-22E1-F009F72290BC}"/>
+              </a:ext>
+            </a:extLst>
+          </p:cNvPr>
+          <p:cNvPicPr>
+            <a:picLocks noChangeAspect="1" noChangeArrowheads="1"/>
+          </p:cNvPicPr>
+          <p:nvPr/>
+        </p:nvPicPr>
+        <p:blipFill>
+          <a:blip r:embed="rId19">
+            <a:extLst>
+              <a:ext uri="{28A0092B-C50C-407E-A947-70E740481C1C}">
+                <a14:useLocalDpi xmlns:a14="http://schemas.microsoft.com/office/drawing/2010/main" val="0"/>
+              </a:ext>
+            </a:extLst>
+          </a:blip>
+          <a:srcRect/>
+          <a:stretch>
+            <a:fillRect/>
+          </a:stretch>
+        </p:blipFill>
+        <p:spPr bwMode="auto">
+          <a:xfrm>
+            <a:off x="9710759" y="3178658"/>
+            <a:ext cx="532391" cy="532391"/>
+          </a:xfrm>
+          <a:prstGeom prst="rect">
+            <a:avLst/>
+          </a:prstGeom>
+          <a:noFill/>
+          <a:extLst>
+            <a:ext uri="{909E8E84-426E-40DD-AFC4-6F175D3DCCD1}">
+              <a14:hiddenFill xmlns:a14="http://schemas.microsoft.com/office/drawing/2010/main">
+                <a:solidFill>
+                  <a:srgbClr val="FFFFFF"/>
+                </a:solidFill>
+              </a14:hiddenFill>
+            </a:ext>
+          </a:extLst>
+        </p:spPr>
+      </p:pic>
+      <p:sp>
+        <p:nvSpPr>
+          <p:cNvPr id="1069" name="TextBox 1068">
+            <a:extLst>
+              <a:ext uri="{FF2B5EF4-FFF2-40B4-BE49-F238E27FC236}">
+                <a16:creationId xmlns:a16="http://schemas.microsoft.com/office/drawing/2014/main" id="{E49CA972-1D65-1B94-3DAD-6572F6E65EDF}"/>
+              </a:ext>
+            </a:extLst>
+          </p:cNvPr>
+          <p:cNvSpPr txBox="1"/>
+          <p:nvPr/>
+        </p:nvSpPr>
+        <p:spPr>
+          <a:xfrm>
+            <a:off x="9357580" y="3698466"/>
+            <a:ext cx="1238748" cy="307777"/>
+          </a:xfrm>
+          <a:prstGeom prst="rect">
+            <a:avLst/>
+          </a:prstGeom>
+          <a:noFill/>
+        </p:spPr>
+        <p:txBody>
+          <a:bodyPr wrap="square" rtlCol="0">
+            <a:spAutoFit/>
+          </a:bodyPr>
+          <a:lstStyle/>
+          <a:p>
+            <a:pPr algn="ctr"/>
+            <a:r>
+              <a:rPr lang="en-US" sz="1400" dirty="0">
+                <a:latin typeface="Calibri" panose="020F0502020204030204" pitchFamily="34" charset="0"/>
+                <a:ea typeface="Calibri" panose="020F0502020204030204" pitchFamily="34" charset="0"/>
+                <a:cs typeface="Calibri" panose="020F0502020204030204" pitchFamily="34" charset="0"/>
+              </a:rPr>
+              <a:t>CloudWatch</a:t>
+            </a:r>
+          </a:p>
+        </p:txBody>
+      </p:sp>
+      <p:pic>
+        <p:nvPicPr>
+          <p:cNvPr id="1070" name="Picture 12" descr="Amazon ECR | AWS Compute">
+            <a:extLst>
+              <a:ext uri="{FF2B5EF4-FFF2-40B4-BE49-F238E27FC236}">
+                <a16:creationId xmlns:a16="http://schemas.microsoft.com/office/drawing/2014/main" id="{A859DE0B-A0FA-C1DE-3F64-105B6F55486A}"/>
+              </a:ext>
+            </a:extLst>
+          </p:cNvPr>
+          <p:cNvPicPr>
+            <a:picLocks noChangeAspect="1" noChangeArrowheads="1"/>
+          </p:cNvPicPr>
+          <p:nvPr/>
+        </p:nvPicPr>
+        <p:blipFill>
+          <a:blip r:embed="rId20">
+            <a:extLst>
+              <a:ext uri="{28A0092B-C50C-407E-A947-70E740481C1C}">
+                <a14:useLocalDpi xmlns:a14="http://schemas.microsoft.com/office/drawing/2010/main" val="0"/>
+              </a:ext>
+            </a:extLst>
+          </a:blip>
+          <a:srcRect/>
+          <a:stretch>
+            <a:fillRect/>
+          </a:stretch>
+        </p:blipFill>
+        <p:spPr bwMode="auto">
+          <a:xfrm>
+            <a:off x="5998457" y="3191260"/>
+            <a:ext cx="543520" cy="543520"/>
+          </a:xfrm>
+          <a:prstGeom prst="rect">
+            <a:avLst/>
+          </a:prstGeom>
+          <a:noFill/>
+          <a:extLst>
+            <a:ext uri="{909E8E84-426E-40DD-AFC4-6F175D3DCCD1}">
+              <a14:hiddenFill xmlns:a14="http://schemas.microsoft.com/office/drawing/2010/main">
+                <a:solidFill>
+                  <a:srgbClr val="FFFFFF"/>
+                </a:solidFill>
+              </a14:hiddenFill>
+            </a:ext>
+          </a:extLst>
+        </p:spPr>
+      </p:pic>
+      <p:sp>
+        <p:nvSpPr>
+          <p:cNvPr id="1071" name="TextBox 1070">
+            <a:extLst>
+              <a:ext uri="{FF2B5EF4-FFF2-40B4-BE49-F238E27FC236}">
+                <a16:creationId xmlns:a16="http://schemas.microsoft.com/office/drawing/2014/main" id="{8A655825-CEB7-4CD8-6121-6FBCFFBD6AED}"/>
+              </a:ext>
+            </a:extLst>
+          </p:cNvPr>
+          <p:cNvSpPr txBox="1"/>
+          <p:nvPr/>
+        </p:nvSpPr>
+        <p:spPr>
+          <a:xfrm>
+            <a:off x="5994306" y="3730888"/>
+            <a:ext cx="543520" cy="307777"/>
+          </a:xfrm>
+          <a:prstGeom prst="rect">
+            <a:avLst/>
+          </a:prstGeom>
+          <a:noFill/>
+        </p:spPr>
+        <p:txBody>
+          <a:bodyPr wrap="square" rtlCol="0">
+            <a:spAutoFit/>
+          </a:bodyPr>
+          <a:lstStyle/>
+          <a:p>
+            <a:pPr algn="ctr"/>
+            <a:r>
+              <a:rPr lang="en-US" sz="1400" dirty="0">
+                <a:latin typeface="Calibri" panose="020F0502020204030204" pitchFamily="34" charset="0"/>
+                <a:ea typeface="Calibri" panose="020F0502020204030204" pitchFamily="34" charset="0"/>
+                <a:cs typeface="Calibri" panose="020F0502020204030204" pitchFamily="34" charset="0"/>
+              </a:rPr>
+              <a:t>ECR</a:t>
+            </a:r>
+          </a:p>
+        </p:txBody>
+      </p:sp>
+      <p:pic>
+        <p:nvPicPr>
+          <p:cNvPr id="1075" name="Picture 1074">
+            <a:extLst>
+              <a:ext uri="{FF2B5EF4-FFF2-40B4-BE49-F238E27FC236}">
+                <a16:creationId xmlns:a16="http://schemas.microsoft.com/office/drawing/2014/main" id="{51F88A84-9CB5-CEDA-87AF-DDEB9D3AB0DB}"/>
+              </a:ext>
+            </a:extLst>
+          </p:cNvPr>
+          <p:cNvPicPr>
+            <a:picLocks noChangeAspect="1"/>
+          </p:cNvPicPr>
+          <p:nvPr/>
+        </p:nvPicPr>
+        <p:blipFill>
+          <a:blip r:embed="rId21"/>
+          <a:srcRect l="11468" t="6564" r="7282" b="7650"/>
+          <a:stretch/>
+        </p:blipFill>
+        <p:spPr>
+          <a:xfrm>
+            <a:off x="8762603" y="3169440"/>
+            <a:ext cx="483659" cy="510656"/>
+          </a:xfrm>
+          <a:prstGeom prst="rect">
+            <a:avLst/>
+          </a:prstGeom>
+        </p:spPr>
+      </p:pic>
+      <p:sp>
+        <p:nvSpPr>
+          <p:cNvPr id="1076" name="TextBox 1075">
+            <a:extLst>
+              <a:ext uri="{FF2B5EF4-FFF2-40B4-BE49-F238E27FC236}">
+                <a16:creationId xmlns:a16="http://schemas.microsoft.com/office/drawing/2014/main" id="{2B76E141-7BB3-0306-ED1A-2B4E940C00A4}"/>
+              </a:ext>
+            </a:extLst>
+          </p:cNvPr>
+          <p:cNvSpPr txBox="1"/>
+          <p:nvPr/>
+        </p:nvSpPr>
+        <p:spPr>
+          <a:xfrm>
+            <a:off x="8441447" y="3684874"/>
+            <a:ext cx="1124066" cy="307777"/>
+          </a:xfrm>
+          <a:prstGeom prst="rect">
+            <a:avLst/>
+          </a:prstGeom>
+          <a:noFill/>
+        </p:spPr>
+        <p:txBody>
+          <a:bodyPr wrap="square" rtlCol="0">
+            <a:spAutoFit/>
+          </a:bodyPr>
+          <a:lstStyle/>
+          <a:p>
+            <a:pPr algn="ctr"/>
+            <a:r>
+              <a:rPr lang="en-US" sz="1400" dirty="0">
+                <a:latin typeface="Calibri" panose="020F0502020204030204" pitchFamily="34" charset="0"/>
+                <a:ea typeface="Calibri" panose="020F0502020204030204" pitchFamily="34" charset="0"/>
+                <a:cs typeface="Calibri" panose="020F0502020204030204" pitchFamily="34" charset="0"/>
+              </a:rPr>
+              <a:t>EventBridge</a:t>
+            </a:r>
+          </a:p>
+        </p:txBody>
+      </p:sp>
+      <p:sp>
+        <p:nvSpPr>
+          <p:cNvPr id="1094" name="TextBox 1093">
+            <a:extLst>
+              <a:ext uri="{FF2B5EF4-FFF2-40B4-BE49-F238E27FC236}">
+                <a16:creationId xmlns:a16="http://schemas.microsoft.com/office/drawing/2014/main" id="{211F2636-5CF8-9F71-85B1-9E8E6005FB4B}"/>
+              </a:ext>
+            </a:extLst>
+          </p:cNvPr>
+          <p:cNvSpPr txBox="1"/>
+          <p:nvPr/>
+        </p:nvSpPr>
+        <p:spPr>
+          <a:xfrm>
+            <a:off x="6010907" y="6359463"/>
+            <a:ext cx="719368" cy="307777"/>
+          </a:xfrm>
+          <a:prstGeom prst="rect">
+            <a:avLst/>
+          </a:prstGeom>
+          <a:noFill/>
+        </p:spPr>
+        <p:txBody>
+          <a:bodyPr wrap="square" rtlCol="0">
+            <a:spAutoFit/>
+          </a:bodyPr>
+          <a:lstStyle/>
+          <a:p>
+            <a:pPr algn="ctr"/>
+            <a:r>
+              <a:rPr lang="en-US" sz="1400" dirty="0">
+                <a:latin typeface="Calibri" panose="020F0502020204030204" pitchFamily="34" charset="0"/>
+                <a:ea typeface="Calibri" panose="020F0502020204030204" pitchFamily="34" charset="0"/>
+                <a:cs typeface="Calibri" panose="020F0502020204030204" pitchFamily="34" charset="0"/>
+              </a:rPr>
+              <a:t>Email</a:t>
+            </a:r>
+          </a:p>
+        </p:txBody>
+      </p:sp>
+      <p:cxnSp>
+        <p:nvCxnSpPr>
+          <p:cNvPr id="1102" name="Straight Arrow Connector 1101">
+            <a:extLst>
+              <a:ext uri="{FF2B5EF4-FFF2-40B4-BE49-F238E27FC236}">
+                <a16:creationId xmlns:a16="http://schemas.microsoft.com/office/drawing/2014/main" id="{6A418D31-8B3E-3FA4-A283-6368E004E6CA}"/>
+              </a:ext>
+            </a:extLst>
+          </p:cNvPr>
+          <p:cNvCxnSpPr>
+            <a:cxnSpLocks/>
+            <a:stCxn id="1050" idx="1"/>
+            <a:endCxn id="1044" idx="3"/>
+          </p:cNvCxnSpPr>
+          <p:nvPr/>
+        </p:nvCxnSpPr>
+        <p:spPr>
+          <a:xfrm flipH="1" flipV="1">
+            <a:off x="5061912" y="5223966"/>
+            <a:ext cx="1123590" cy="5807"/>
+          </a:xfrm>
+          <a:prstGeom prst="straightConnector1">
+            <a:avLst/>
+          </a:prstGeom>
+          <a:ln>
+            <a:tailEnd type="triangle"/>
+          </a:ln>
+        </p:spPr>
+        <p:style>
+          <a:lnRef idx="2">
+            <a:schemeClr val="accent1"/>
+          </a:lnRef>
+          <a:fillRef idx="0">
+            <a:schemeClr val="accent1"/>
+          </a:fillRef>
+          <a:effectRef idx="1">
+            <a:schemeClr val="accent1"/>
+          </a:effectRef>
+          <a:fontRef idx="minor">
+            <a:schemeClr val="tx1"/>
+          </a:fontRef>
+        </p:style>
+      </p:cxnSp>
+      <p:grpSp>
+        <p:nvGrpSpPr>
+          <p:cNvPr id="1121" name="Group 1120">
+            <a:extLst>
+              <a:ext uri="{FF2B5EF4-FFF2-40B4-BE49-F238E27FC236}">
+                <a16:creationId xmlns:a16="http://schemas.microsoft.com/office/drawing/2014/main" id="{AC7F8AAB-CC8F-E188-7116-B4E4ECF338E4}"/>
+              </a:ext>
+            </a:extLst>
+          </p:cNvPr>
+          <p:cNvGrpSpPr/>
+          <p:nvPr/>
+        </p:nvGrpSpPr>
+        <p:grpSpPr>
+          <a:xfrm>
+            <a:off x="10930763" y="4932383"/>
+            <a:ext cx="685038" cy="782983"/>
+            <a:chOff x="10592562" y="765594"/>
+            <a:chExt cx="685038" cy="782983"/>
+          </a:xfrm>
+        </p:grpSpPr>
+        <p:pic>
+          <p:nvPicPr>
+            <p:cNvPr id="1105" name="Picture 44">
+              <a:extLst>
+                <a:ext uri="{FF2B5EF4-FFF2-40B4-BE49-F238E27FC236}">
+                  <a16:creationId xmlns:a16="http://schemas.microsoft.com/office/drawing/2014/main" id="{91EDD819-398A-16E4-A9A3-03780569139A}"/>
+                </a:ext>
+              </a:extLst>
+            </p:cNvPr>
+            <p:cNvPicPr>
+              <a:picLocks noChangeAspect="1" noChangeArrowheads="1"/>
+            </p:cNvPicPr>
+            <p:nvPr/>
+          </p:nvPicPr>
+          <p:blipFill>
+            <a:blip r:embed="rId22">
+              <a:extLst>
+                <a:ext uri="{28A0092B-C50C-407E-A947-70E740481C1C}">
+                  <a14:useLocalDpi xmlns:a14="http://schemas.microsoft.com/office/drawing/2010/main" val="0"/>
+                </a:ext>
+              </a:extLst>
+            </a:blip>
+            <a:srcRect/>
+            <a:stretch>
+              <a:fillRect/>
+            </a:stretch>
+          </p:blipFill>
+          <p:spPr bwMode="auto">
+            <a:xfrm>
+              <a:off x="10668000" y="765594"/>
+              <a:ext cx="534162" cy="475594"/>
+            </a:xfrm>
+            <a:prstGeom prst="rect">
+              <a:avLst/>
+            </a:prstGeom>
+            <a:noFill/>
+            <a:extLst>
+              <a:ext uri="{909E8E84-426E-40DD-AFC4-6F175D3DCCD1}">
+                <a14:hiddenFill xmlns:a14="http://schemas.microsoft.com/office/drawing/2010/main">
+                  <a:solidFill>
+                    <a:srgbClr val="FFFFFF"/>
+                  </a:solidFill>
+                </a14:hiddenFill>
+              </a:ext>
+            </a:extLst>
+          </p:spPr>
+        </p:pic>
+        <p:sp>
+          <p:nvSpPr>
+            <p:cNvPr id="1106" name="TextBox 1105">
+              <a:extLst>
+                <a:ext uri="{FF2B5EF4-FFF2-40B4-BE49-F238E27FC236}">
+                  <a16:creationId xmlns:a16="http://schemas.microsoft.com/office/drawing/2014/main" id="{612DEB5E-227E-C669-694F-88F0AFB3B96A}"/>
+                </a:ext>
+              </a:extLst>
+            </p:cNvPr>
+            <p:cNvSpPr txBox="1"/>
+            <p:nvPr/>
+          </p:nvSpPr>
+          <p:spPr>
+            <a:xfrm>
+              <a:off x="10592562" y="1240800"/>
+              <a:ext cx="685038" cy="307777"/>
+            </a:xfrm>
+            <a:prstGeom prst="rect">
+              <a:avLst/>
+            </a:prstGeom>
+            <a:noFill/>
+          </p:spPr>
+          <p:txBody>
+            <a:bodyPr wrap="square" rtlCol="0">
+              <a:spAutoFit/>
+            </a:bodyPr>
+            <a:lstStyle/>
+            <a:p>
+              <a:pPr algn="ctr"/>
+              <a:r>
+                <a:rPr lang="en-US" sz="1400" dirty="0">
+                  <a:latin typeface="Calibri" panose="020F0502020204030204" pitchFamily="34" charset="0"/>
+                  <a:ea typeface="Calibri" panose="020F0502020204030204" pitchFamily="34" charset="0"/>
+                  <a:cs typeface="Calibri" panose="020F0502020204030204" pitchFamily="34" charset="0"/>
+                </a:rPr>
+                <a:t>React</a:t>
+              </a:r>
+            </a:p>
+          </p:txBody>
+        </p:sp>
+      </p:grpSp>
+      <p:grpSp>
+        <p:nvGrpSpPr>
+          <p:cNvPr id="1108" name="Group 1107">
+            <a:extLst>
+              <a:ext uri="{FF2B5EF4-FFF2-40B4-BE49-F238E27FC236}">
+                <a16:creationId xmlns:a16="http://schemas.microsoft.com/office/drawing/2014/main" id="{A01032CF-BFDE-FDB0-42A5-22AFBFB37ABF}"/>
+              </a:ext>
+            </a:extLst>
+          </p:cNvPr>
+          <p:cNvGrpSpPr/>
+          <p:nvPr/>
+        </p:nvGrpSpPr>
+        <p:grpSpPr>
+          <a:xfrm>
+            <a:off x="8023766" y="1136748"/>
+            <a:ext cx="979714" cy="1065384"/>
+            <a:chOff x="8650522" y="4178692"/>
+            <a:chExt cx="979714" cy="1065384"/>
+          </a:xfrm>
+        </p:grpSpPr>
+        <p:pic>
+          <p:nvPicPr>
+            <p:cNvPr id="1082" name="Picture 1081">
+              <a:extLst>
+                <a:ext uri="{FF2B5EF4-FFF2-40B4-BE49-F238E27FC236}">
+                  <a16:creationId xmlns:a16="http://schemas.microsoft.com/office/drawing/2014/main" id="{A2E358A8-8CF1-0990-30FE-1D908063D0BA}"/>
+                </a:ext>
+              </a:extLst>
+            </p:cNvPr>
+            <p:cNvPicPr>
+              <a:picLocks noChangeAspect="1"/>
+            </p:cNvPicPr>
+            <p:nvPr/>
+          </p:nvPicPr>
+          <p:blipFill>
+            <a:blip r:embed="rId23"/>
+            <a:stretch>
+              <a:fillRect/>
+            </a:stretch>
+          </p:blipFill>
+          <p:spPr>
+            <a:xfrm>
+              <a:off x="8834484" y="4690357"/>
+              <a:ext cx="553719" cy="553719"/>
+            </a:xfrm>
+            <a:prstGeom prst="rect">
+              <a:avLst/>
+            </a:prstGeom>
+          </p:spPr>
+        </p:pic>
+        <p:sp>
+          <p:nvSpPr>
+            <p:cNvPr id="1107" name="TextBox 1106">
+              <a:extLst>
+                <a:ext uri="{FF2B5EF4-FFF2-40B4-BE49-F238E27FC236}">
+                  <a16:creationId xmlns:a16="http://schemas.microsoft.com/office/drawing/2014/main" id="{5FE93189-4C3C-A77C-8DF4-9995119C11AE}"/>
+                </a:ext>
+              </a:extLst>
+            </p:cNvPr>
+            <p:cNvSpPr txBox="1"/>
+            <p:nvPr/>
+          </p:nvSpPr>
+          <p:spPr>
+            <a:xfrm>
+              <a:off x="8650522" y="4178692"/>
+              <a:ext cx="979714" cy="523220"/>
+            </a:xfrm>
+            <a:prstGeom prst="rect">
+              <a:avLst/>
+            </a:prstGeom>
+            <a:noFill/>
+          </p:spPr>
+          <p:txBody>
+            <a:bodyPr wrap="square" rtlCol="0">
+              <a:spAutoFit/>
+            </a:bodyPr>
+            <a:lstStyle/>
+            <a:p>
+              <a:pPr algn="ctr"/>
+              <a:r>
+                <a:rPr lang="en-US" sz="1400" dirty="0">
+                  <a:latin typeface="Calibri" panose="020F0502020204030204" pitchFamily="34" charset="0"/>
+                  <a:ea typeface="Calibri" panose="020F0502020204030204" pitchFamily="34" charset="0"/>
+                  <a:cs typeface="Calibri" panose="020F0502020204030204" pitchFamily="34" charset="0"/>
+                </a:rPr>
+                <a:t>Secrets Manager</a:t>
+              </a:r>
+            </a:p>
+          </p:txBody>
+        </p:sp>
+      </p:grpSp>
+      <p:pic>
+        <p:nvPicPr>
+          <p:cNvPr id="1110" name="Picture 46" descr="aws iam&quot; Icon - Download for free – Iconduck">
+            <a:extLst>
+              <a:ext uri="{FF2B5EF4-FFF2-40B4-BE49-F238E27FC236}">
+                <a16:creationId xmlns:a16="http://schemas.microsoft.com/office/drawing/2014/main" id="{BC7AC40B-F873-8A87-7805-F3C491BA7F65}"/>
+              </a:ext>
+            </a:extLst>
+          </p:cNvPr>
+          <p:cNvPicPr>
+            <a:picLocks noChangeAspect="1" noChangeArrowheads="1"/>
+          </p:cNvPicPr>
+          <p:nvPr/>
+        </p:nvPicPr>
+        <p:blipFill>
+          <a:blip r:embed="rId24">
+            <a:extLst>
+              <a:ext uri="{28A0092B-C50C-407E-A947-70E740481C1C}">
+                <a14:useLocalDpi xmlns:a14="http://schemas.microsoft.com/office/drawing/2010/main" val="0"/>
+              </a:ext>
+            </a:extLst>
+          </a:blip>
+          <a:srcRect/>
+          <a:stretch>
+            <a:fillRect/>
+          </a:stretch>
+        </p:blipFill>
+        <p:spPr bwMode="auto">
+          <a:xfrm>
+            <a:off x="10641585" y="3200290"/>
+            <a:ext cx="302540" cy="577987"/>
+          </a:xfrm>
+          <a:prstGeom prst="rect">
+            <a:avLst/>
+          </a:prstGeom>
+          <a:noFill/>
+          <a:extLst>
+            <a:ext uri="{909E8E84-426E-40DD-AFC4-6F175D3DCCD1}">
+              <a14:hiddenFill xmlns:a14="http://schemas.microsoft.com/office/drawing/2010/main">
+                <a:solidFill>
+                  <a:srgbClr val="FFFFFF"/>
+                </a:solidFill>
+              </a14:hiddenFill>
+            </a:ext>
+          </a:extLst>
+        </p:spPr>
+      </p:pic>
+      <p:sp>
+        <p:nvSpPr>
+          <p:cNvPr id="1111" name="TextBox 1110">
+            <a:extLst>
+              <a:ext uri="{FF2B5EF4-FFF2-40B4-BE49-F238E27FC236}">
+                <a16:creationId xmlns:a16="http://schemas.microsoft.com/office/drawing/2014/main" id="{CF3BE239-3FAE-D4A1-C560-60F20C48C02C}"/>
+              </a:ext>
+            </a:extLst>
+          </p:cNvPr>
+          <p:cNvSpPr txBox="1"/>
+          <p:nvPr/>
+        </p:nvSpPr>
+        <p:spPr>
+          <a:xfrm>
+            <a:off x="10514987" y="3725976"/>
+            <a:ext cx="543520" cy="307777"/>
+          </a:xfrm>
+          <a:prstGeom prst="rect">
+            <a:avLst/>
+          </a:prstGeom>
+          <a:noFill/>
+        </p:spPr>
+        <p:txBody>
+          <a:bodyPr wrap="square" rtlCol="0">
+            <a:spAutoFit/>
+          </a:bodyPr>
+          <a:lstStyle/>
+          <a:p>
+            <a:pPr algn="ctr"/>
+            <a:r>
+              <a:rPr lang="en-US" sz="1400" dirty="0">
+                <a:latin typeface="Calibri" panose="020F0502020204030204" pitchFamily="34" charset="0"/>
+                <a:ea typeface="Calibri" panose="020F0502020204030204" pitchFamily="34" charset="0"/>
+                <a:cs typeface="Calibri" panose="020F0502020204030204" pitchFamily="34" charset="0"/>
+              </a:rPr>
+              <a:t>IAM</a:t>
+            </a:r>
+          </a:p>
+        </p:txBody>
+      </p:sp>
+      <p:pic>
+        <p:nvPicPr>
+          <p:cNvPr id="1113" name="Picture 48" descr="aws cloudfront&quot; Icon - Download for free – Iconduck">
+            <a:extLst>
+              <a:ext uri="{FF2B5EF4-FFF2-40B4-BE49-F238E27FC236}">
+                <a16:creationId xmlns:a16="http://schemas.microsoft.com/office/drawing/2014/main" id="{17DE3BBB-6651-E7EB-5A4E-3DF877550126}"/>
+              </a:ext>
+            </a:extLst>
+          </p:cNvPr>
+          <p:cNvPicPr>
+            <a:picLocks noChangeAspect="1" noChangeArrowheads="1"/>
+          </p:cNvPicPr>
+          <p:nvPr/>
+        </p:nvPicPr>
+        <p:blipFill>
+          <a:blip r:embed="rId25">
+            <a:extLst>
+              <a:ext uri="{28A0092B-C50C-407E-A947-70E740481C1C}">
+                <a14:useLocalDpi xmlns:a14="http://schemas.microsoft.com/office/drawing/2010/main" val="0"/>
+              </a:ext>
+            </a:extLst>
+          </a:blip>
+          <a:srcRect/>
+          <a:stretch>
+            <a:fillRect/>
+          </a:stretch>
+        </p:blipFill>
+        <p:spPr bwMode="auto">
+          <a:xfrm>
+            <a:off x="7803012" y="4940704"/>
+            <a:ext cx="440320" cy="529266"/>
+          </a:xfrm>
+          <a:prstGeom prst="rect">
+            <a:avLst/>
+          </a:prstGeom>
+          <a:noFill/>
+          <a:extLst>
+            <a:ext uri="{909E8E84-426E-40DD-AFC4-6F175D3DCCD1}">
+              <a14:hiddenFill xmlns:a14="http://schemas.microsoft.com/office/drawing/2010/main">
+                <a:solidFill>
+                  <a:srgbClr val="FFFFFF"/>
+                </a:solidFill>
+              </a14:hiddenFill>
+            </a:ext>
+          </a:extLst>
+        </p:spPr>
+      </p:pic>
+      <p:sp>
+        <p:nvSpPr>
+          <p:cNvPr id="1114" name="TextBox 1113">
+            <a:extLst>
+              <a:ext uri="{FF2B5EF4-FFF2-40B4-BE49-F238E27FC236}">
+                <a16:creationId xmlns:a16="http://schemas.microsoft.com/office/drawing/2014/main" id="{514D7E93-E2E4-7E2A-0814-07C3B17C9C48}"/>
+              </a:ext>
+            </a:extLst>
+          </p:cNvPr>
+          <p:cNvSpPr txBox="1"/>
+          <p:nvPr/>
+        </p:nvSpPr>
+        <p:spPr>
+          <a:xfrm>
+            <a:off x="7472363" y="5512296"/>
+            <a:ext cx="1085684" cy="307777"/>
+          </a:xfrm>
+          <a:prstGeom prst="rect">
+            <a:avLst/>
+          </a:prstGeom>
+          <a:noFill/>
+        </p:spPr>
+        <p:txBody>
+          <a:bodyPr wrap="square" rtlCol="0">
+            <a:spAutoFit/>
+          </a:bodyPr>
+          <a:lstStyle/>
+          <a:p>
+            <a:pPr algn="ctr"/>
+            <a:r>
+              <a:rPr lang="en-US" sz="1400" dirty="0">
+                <a:latin typeface="Calibri" panose="020F0502020204030204" pitchFamily="34" charset="0"/>
+                <a:ea typeface="Calibri" panose="020F0502020204030204" pitchFamily="34" charset="0"/>
+                <a:cs typeface="Calibri" panose="020F0502020204030204" pitchFamily="34" charset="0"/>
+              </a:rPr>
+              <a:t>CloudFront</a:t>
+            </a:r>
+          </a:p>
+        </p:txBody>
+      </p:sp>
+      <p:grpSp>
+        <p:nvGrpSpPr>
+          <p:cNvPr id="1120" name="Group 1119">
+            <a:extLst>
+              <a:ext uri="{FF2B5EF4-FFF2-40B4-BE49-F238E27FC236}">
+                <a16:creationId xmlns:a16="http://schemas.microsoft.com/office/drawing/2014/main" id="{21C6316C-804B-1DAF-2EF1-B6FEE661348D}"/>
+              </a:ext>
+            </a:extLst>
+          </p:cNvPr>
+          <p:cNvGrpSpPr/>
+          <p:nvPr/>
+        </p:nvGrpSpPr>
+        <p:grpSpPr>
+          <a:xfrm>
+            <a:off x="10070833" y="4909953"/>
+            <a:ext cx="685038" cy="849837"/>
+            <a:chOff x="10571369" y="1827248"/>
+            <a:chExt cx="685038" cy="849837"/>
+          </a:xfrm>
+        </p:grpSpPr>
+        <p:pic>
+          <p:nvPicPr>
+            <p:cNvPr id="1116" name="Picture 52" descr="Node.js Explained - A beginner guide">
+              <a:extLst>
+                <a:ext uri="{FF2B5EF4-FFF2-40B4-BE49-F238E27FC236}">
+                  <a16:creationId xmlns:a16="http://schemas.microsoft.com/office/drawing/2014/main" id="{ADC8EEB8-548F-D655-9394-05BA04719A7A}"/>
+                </a:ext>
+              </a:extLst>
+            </p:cNvPr>
+            <p:cNvPicPr>
+              <a:picLocks noChangeAspect="1" noChangeArrowheads="1"/>
+            </p:cNvPicPr>
+            <p:nvPr/>
+          </p:nvPicPr>
+          <p:blipFill>
+            <a:blip r:embed="rId26">
+              <a:extLst>
+                <a:ext uri="{28A0092B-C50C-407E-A947-70E740481C1C}">
+                  <a14:useLocalDpi xmlns:a14="http://schemas.microsoft.com/office/drawing/2010/main" val="0"/>
+                </a:ext>
+              </a:extLst>
+            </a:blip>
+            <a:srcRect/>
+            <a:stretch>
+              <a:fillRect/>
+            </a:stretch>
+          </p:blipFill>
+          <p:spPr bwMode="auto">
+            <a:xfrm>
+              <a:off x="10625614" y="1827248"/>
+              <a:ext cx="576548" cy="576548"/>
+            </a:xfrm>
+            <a:prstGeom prst="rect">
+              <a:avLst/>
+            </a:prstGeom>
+            <a:noFill/>
+            <a:extLst>
+              <a:ext uri="{909E8E84-426E-40DD-AFC4-6F175D3DCCD1}">
+                <a14:hiddenFill xmlns:a14="http://schemas.microsoft.com/office/drawing/2010/main">
+                  <a:solidFill>
+                    <a:srgbClr val="FFFFFF"/>
+                  </a:solidFill>
+                </a14:hiddenFill>
+              </a:ext>
+            </a:extLst>
+          </p:spPr>
+        </p:pic>
+        <p:sp>
+          <p:nvSpPr>
+            <p:cNvPr id="1117" name="TextBox 1116">
+              <a:extLst>
+                <a:ext uri="{FF2B5EF4-FFF2-40B4-BE49-F238E27FC236}">
+                  <a16:creationId xmlns:a16="http://schemas.microsoft.com/office/drawing/2014/main" id="{BC9BDCD6-410A-D733-A35B-44A0545D38FB}"/>
+                </a:ext>
+              </a:extLst>
+            </p:cNvPr>
+            <p:cNvSpPr txBox="1"/>
+            <p:nvPr/>
+          </p:nvSpPr>
+          <p:spPr>
+            <a:xfrm>
+              <a:off x="10571369" y="2369308"/>
+              <a:ext cx="685038" cy="307777"/>
+            </a:xfrm>
+            <a:prstGeom prst="rect">
+              <a:avLst/>
+            </a:prstGeom>
+            <a:noFill/>
+          </p:spPr>
+          <p:txBody>
+            <a:bodyPr wrap="square" rtlCol="0">
+              <a:spAutoFit/>
+            </a:bodyPr>
+            <a:lstStyle/>
+            <a:p>
+              <a:pPr algn="ctr"/>
+              <a:r>
+                <a:rPr lang="en-US" sz="1400" dirty="0">
+                  <a:latin typeface="Calibri" panose="020F0502020204030204" pitchFamily="34" charset="0"/>
+                  <a:ea typeface="Calibri" panose="020F0502020204030204" pitchFamily="34" charset="0"/>
+                  <a:cs typeface="Calibri" panose="020F0502020204030204" pitchFamily="34" charset="0"/>
+                </a:rPr>
+                <a:t>npm</a:t>
+              </a:r>
+            </a:p>
+          </p:txBody>
+        </p:sp>
+      </p:grpSp>
+      <p:cxnSp>
+        <p:nvCxnSpPr>
+          <p:cNvPr id="1122" name="Straight Arrow Connector 1121">
+            <a:extLst>
+              <a:ext uri="{FF2B5EF4-FFF2-40B4-BE49-F238E27FC236}">
+                <a16:creationId xmlns:a16="http://schemas.microsoft.com/office/drawing/2014/main" id="{3CEAC7BB-B5BD-B9E9-C9E7-4F3D6B91BCD2}"/>
+              </a:ext>
+            </a:extLst>
+          </p:cNvPr>
+          <p:cNvCxnSpPr>
+            <a:cxnSpLocks/>
+            <a:stCxn id="1050" idx="3"/>
+            <a:endCxn id="1113" idx="1"/>
+          </p:cNvCxnSpPr>
+          <p:nvPr/>
+        </p:nvCxnSpPr>
+        <p:spPr>
+          <a:xfrm flipV="1">
+            <a:off x="6540083" y="5205337"/>
+            <a:ext cx="1262929" cy="24436"/>
+          </a:xfrm>
+          <a:prstGeom prst="straightConnector1">
+            <a:avLst/>
+          </a:prstGeom>
+          <a:ln>
+            <a:headEnd type="triangle" w="med" len="med"/>
+            <a:tailEnd type="triangle" w="med" len="med"/>
+          </a:ln>
+        </p:spPr>
+        <p:style>
+          <a:lnRef idx="2">
+            <a:schemeClr val="accent1"/>
+          </a:lnRef>
+          <a:fillRef idx="0">
+            <a:schemeClr val="accent1"/>
+          </a:fillRef>
+          <a:effectRef idx="1">
+            <a:schemeClr val="accent1"/>
+          </a:effectRef>
+          <a:fontRef idx="minor">
+            <a:schemeClr val="tx1"/>
+          </a:fontRef>
+        </p:style>
+      </p:cxnSp>
+      <p:cxnSp>
+        <p:nvCxnSpPr>
+          <p:cNvPr id="1125" name="Straight Arrow Connector 1124">
+            <a:extLst>
+              <a:ext uri="{FF2B5EF4-FFF2-40B4-BE49-F238E27FC236}">
+                <a16:creationId xmlns:a16="http://schemas.microsoft.com/office/drawing/2014/main" id="{9A7F40B9-0007-C8D4-73E7-FCFCE67C7E8E}"/>
+              </a:ext>
+            </a:extLst>
+          </p:cNvPr>
+          <p:cNvCxnSpPr>
+            <a:cxnSpLocks/>
+            <a:stCxn id="46" idx="1"/>
+            <a:endCxn id="1113" idx="3"/>
+          </p:cNvCxnSpPr>
+          <p:nvPr/>
+        </p:nvCxnSpPr>
+        <p:spPr>
+          <a:xfrm flipH="1">
+            <a:off x="8243332" y="5205337"/>
+            <a:ext cx="537249" cy="0"/>
+          </a:xfrm>
+          <a:prstGeom prst="straightConnector1">
+            <a:avLst/>
+          </a:prstGeom>
+          <a:ln>
+            <a:tailEnd type="triangle"/>
+          </a:ln>
+        </p:spPr>
+        <p:style>
+          <a:lnRef idx="2">
+            <a:schemeClr val="accent1"/>
+          </a:lnRef>
+          <a:fillRef idx="0">
+            <a:schemeClr val="accent1"/>
+          </a:fillRef>
+          <a:effectRef idx="1">
+            <a:schemeClr val="accent1"/>
+          </a:effectRef>
+          <a:fontRef idx="minor">
+            <a:schemeClr val="tx1"/>
+          </a:fontRef>
+        </p:style>
+      </p:cxnSp>
+      <p:cxnSp>
+        <p:nvCxnSpPr>
+          <p:cNvPr id="1128" name="Straight Arrow Connector 1127">
+            <a:extLst>
+              <a:ext uri="{FF2B5EF4-FFF2-40B4-BE49-F238E27FC236}">
+                <a16:creationId xmlns:a16="http://schemas.microsoft.com/office/drawing/2014/main" id="{25430C94-691E-E660-E25D-93B75E5A1EAD}"/>
+              </a:ext>
+            </a:extLst>
+          </p:cNvPr>
+          <p:cNvCxnSpPr>
+            <a:cxnSpLocks/>
+            <a:stCxn id="1034" idx="2"/>
+            <a:endCxn id="1070" idx="0"/>
+          </p:cNvCxnSpPr>
+          <p:nvPr/>
+        </p:nvCxnSpPr>
+        <p:spPr>
+          <a:xfrm flipH="1">
+            <a:off x="6270217" y="2243298"/>
+            <a:ext cx="5443" cy="947962"/>
+          </a:xfrm>
+          <a:prstGeom prst="straightConnector1">
+            <a:avLst/>
+          </a:prstGeom>
+          <a:ln>
+            <a:tailEnd type="triangle"/>
+          </a:ln>
+        </p:spPr>
+        <p:style>
+          <a:lnRef idx="2">
+            <a:schemeClr val="accent1"/>
+          </a:lnRef>
+          <a:fillRef idx="0">
+            <a:schemeClr val="accent1"/>
+          </a:fillRef>
+          <a:effectRef idx="1">
+            <a:schemeClr val="accent1"/>
+          </a:effectRef>
+          <a:fontRef idx="minor">
+            <a:schemeClr val="tx1"/>
+          </a:fontRef>
+        </p:style>
+      </p:cxnSp>
+      <p:cxnSp>
+        <p:nvCxnSpPr>
+          <p:cNvPr id="1140" name="Straight Arrow Connector 1139">
+            <a:extLst>
+              <a:ext uri="{FF2B5EF4-FFF2-40B4-BE49-F238E27FC236}">
+                <a16:creationId xmlns:a16="http://schemas.microsoft.com/office/drawing/2014/main" id="{BB96F0AD-C4E5-8115-4974-ED35B4858997}"/>
+              </a:ext>
+            </a:extLst>
+          </p:cNvPr>
+          <p:cNvCxnSpPr>
+            <a:cxnSpLocks/>
+            <a:stCxn id="1065" idx="2"/>
+            <a:endCxn id="1113" idx="0"/>
+          </p:cNvCxnSpPr>
+          <p:nvPr/>
+        </p:nvCxnSpPr>
+        <p:spPr>
+          <a:xfrm>
+            <a:off x="8014195" y="4020389"/>
+            <a:ext cx="8977" cy="920315"/>
+          </a:xfrm>
+          <a:prstGeom prst="straightConnector1">
+            <a:avLst/>
+          </a:prstGeom>
+          <a:ln>
+            <a:tailEnd type="triangle"/>
+          </a:ln>
+        </p:spPr>
+        <p:style>
+          <a:lnRef idx="2">
+            <a:schemeClr val="accent1"/>
+          </a:lnRef>
+          <a:fillRef idx="0">
+            <a:schemeClr val="accent1"/>
+          </a:fillRef>
+          <a:effectRef idx="1">
+            <a:schemeClr val="accent1"/>
+          </a:effectRef>
+          <a:fontRef idx="minor">
+            <a:schemeClr val="tx1"/>
+          </a:fontRef>
+        </p:style>
+      </p:cxnSp>
+      <p:cxnSp>
+        <p:nvCxnSpPr>
+          <p:cNvPr id="1151" name="Straight Arrow Connector 1150">
+            <a:extLst>
+              <a:ext uri="{FF2B5EF4-FFF2-40B4-BE49-F238E27FC236}">
+                <a16:creationId xmlns:a16="http://schemas.microsoft.com/office/drawing/2014/main" id="{6BE93ABE-088E-1970-28C1-D25CB2EACA31}"/>
+              </a:ext>
+            </a:extLst>
+          </p:cNvPr>
+          <p:cNvCxnSpPr>
+            <a:cxnSpLocks/>
+            <a:stCxn id="1082" idx="2"/>
+            <a:endCxn id="1062" idx="0"/>
+          </p:cNvCxnSpPr>
+          <p:nvPr/>
+        </p:nvCxnSpPr>
+        <p:spPr>
+          <a:xfrm flipH="1">
+            <a:off x="8480994" y="2202132"/>
+            <a:ext cx="3594" cy="464868"/>
+          </a:xfrm>
+          <a:prstGeom prst="straightConnector1">
+            <a:avLst/>
+          </a:prstGeom>
+          <a:ln>
+            <a:tailEnd type="triangle"/>
+          </a:ln>
+        </p:spPr>
+        <p:style>
+          <a:lnRef idx="2">
+            <a:schemeClr val="accent1"/>
+          </a:lnRef>
+          <a:fillRef idx="0">
+            <a:schemeClr val="accent1"/>
+          </a:fillRef>
+          <a:effectRef idx="1">
+            <a:schemeClr val="accent1"/>
+          </a:effectRef>
+          <a:fontRef idx="minor">
+            <a:schemeClr val="tx1"/>
+          </a:fontRef>
+        </p:style>
+      </p:cxnSp>
+      <p:sp>
+        <p:nvSpPr>
+          <p:cNvPr id="1154" name="TextBox 1153">
+            <a:extLst>
+              <a:ext uri="{FF2B5EF4-FFF2-40B4-BE49-F238E27FC236}">
+                <a16:creationId xmlns:a16="http://schemas.microsoft.com/office/drawing/2014/main" id="{B8F862DB-615A-3B92-AA08-1632D31153BA}"/>
+              </a:ext>
+            </a:extLst>
+          </p:cNvPr>
+          <p:cNvSpPr txBox="1"/>
+          <p:nvPr/>
+        </p:nvSpPr>
+        <p:spPr>
+          <a:xfrm>
+            <a:off x="228600" y="228600"/>
+            <a:ext cx="11628860" cy="461665"/>
+          </a:xfrm>
+          <a:prstGeom prst="rect">
+            <a:avLst/>
+          </a:prstGeom>
+          <a:noFill/>
+        </p:spPr>
+        <p:txBody>
+          <a:bodyPr wrap="square" rtlCol="0">
+            <a:spAutoFit/>
+          </a:bodyPr>
+          <a:lstStyle/>
+          <a:p>
+            <a:r>
+              <a:rPr lang="en-US" sz="2400" b="1" dirty="0">
+                <a:latin typeface="Calibri" panose="020F0502020204030204" pitchFamily="34" charset="0"/>
+                <a:ea typeface="Calibri" panose="020F0502020204030204" pitchFamily="34" charset="0"/>
+                <a:cs typeface="Calibri" panose="020F0502020204030204" pitchFamily="34" charset="0"/>
+              </a:rPr>
+              <a:t>Lindblad Available Cruise Finder &amp; Viewer – Solution Architecture</a:t>
+            </a:r>
+          </a:p>
+        </p:txBody>
+      </p:sp>
+      <p:cxnSp>
+        <p:nvCxnSpPr>
+          <p:cNvPr id="1156" name="Straight Arrow Connector 1155">
+            <a:extLst>
+              <a:ext uri="{FF2B5EF4-FFF2-40B4-BE49-F238E27FC236}">
+                <a16:creationId xmlns:a16="http://schemas.microsoft.com/office/drawing/2014/main" id="{34FA0BC5-96FC-A498-6746-448AE0E36A23}"/>
+              </a:ext>
+            </a:extLst>
+          </p:cNvPr>
+          <p:cNvCxnSpPr>
+            <a:cxnSpLocks/>
+            <a:endCxn id="1056" idx="1"/>
+          </p:cNvCxnSpPr>
+          <p:nvPr/>
+        </p:nvCxnSpPr>
+        <p:spPr>
+          <a:xfrm>
+            <a:off x="1860804" y="4450177"/>
+            <a:ext cx="458225" cy="0"/>
+          </a:xfrm>
+          <a:prstGeom prst="straightConnector1">
+            <a:avLst/>
+          </a:prstGeom>
+          <a:ln>
+            <a:tailEnd type="triangle"/>
+          </a:ln>
+        </p:spPr>
+        <p:style>
+          <a:lnRef idx="2">
+            <a:schemeClr val="accent1"/>
+          </a:lnRef>
+          <a:fillRef idx="0">
+            <a:schemeClr val="accent1"/>
+          </a:fillRef>
+          <a:effectRef idx="1">
+            <a:schemeClr val="accent1"/>
+          </a:effectRef>
+          <a:fontRef idx="minor">
+            <a:schemeClr val="tx1"/>
+          </a:fontRef>
+        </p:style>
+      </p:cxnSp>
+      <p:sp>
+        <p:nvSpPr>
+          <p:cNvPr id="5" name="Rectangle: Rounded Corners 4">
+            <a:extLst>
+              <a:ext uri="{FF2B5EF4-FFF2-40B4-BE49-F238E27FC236}">
+                <a16:creationId xmlns:a16="http://schemas.microsoft.com/office/drawing/2014/main" id="{C05D0CD4-DB14-E3B0-45F6-A761F03AAE0B}"/>
+              </a:ext>
+            </a:extLst>
+          </p:cNvPr>
+          <p:cNvSpPr/>
+          <p:nvPr/>
+        </p:nvSpPr>
+        <p:spPr>
+          <a:xfrm>
+            <a:off x="3505200" y="838200"/>
+            <a:ext cx="3331882" cy="1519153"/>
+          </a:xfrm>
+          <a:prstGeom prst="roundRect">
+            <a:avLst>
+              <a:gd name="adj" fmla="val 9409"/>
+            </a:avLst>
+          </a:prstGeom>
+          <a:noFill/>
+        </p:spPr>
+        <p:style>
+          <a:lnRef idx="2">
+            <a:schemeClr val="accent1"/>
+          </a:lnRef>
+          <a:fillRef idx="1">
+            <a:schemeClr val="lt1"/>
+          </a:fillRef>
+          <a:effectRef idx="0">
+            <a:schemeClr val="accent1"/>
+          </a:effectRef>
+          <a:fontRef idx="minor">
+            <a:schemeClr val="dk1"/>
+          </a:fontRef>
+        </p:style>
+        <p:txBody>
+          <a:bodyPr rtlCol="0" anchor="t"/>
+          <a:lstStyle/>
+          <a:p>
+            <a:pPr algn="ctr"/>
+            <a:r>
+              <a:rPr lang="en-US" sz="1600" b="1" dirty="0">
+                <a:latin typeface="Calibri" panose="020F0502020204030204" pitchFamily="34" charset="0"/>
+                <a:ea typeface="Calibri" panose="020F0502020204030204" pitchFamily="34" charset="0"/>
+                <a:cs typeface="Calibri" panose="020F0502020204030204" pitchFamily="34" charset="0"/>
+              </a:rPr>
+              <a:t>Continuous Integration</a:t>
+            </a:r>
+          </a:p>
+        </p:txBody>
+      </p:sp>
+      <p:sp>
+        <p:nvSpPr>
+          <p:cNvPr id="30" name="Rectangle: Rounded Corners 29">
+            <a:extLst>
+              <a:ext uri="{FF2B5EF4-FFF2-40B4-BE49-F238E27FC236}">
+                <a16:creationId xmlns:a16="http://schemas.microsoft.com/office/drawing/2014/main" id="{02AD8ADB-14CD-711A-6C9F-6B3A01E84F77}"/>
+              </a:ext>
+            </a:extLst>
+          </p:cNvPr>
+          <p:cNvSpPr/>
+          <p:nvPr/>
+        </p:nvSpPr>
+        <p:spPr>
+          <a:xfrm>
+            <a:off x="3984892" y="4427364"/>
+            <a:ext cx="3127484" cy="2327684"/>
+          </a:xfrm>
+          <a:prstGeom prst="roundRect">
+            <a:avLst>
+              <a:gd name="adj" fmla="val 3124"/>
+            </a:avLst>
+          </a:prstGeom>
+          <a:noFill/>
+        </p:spPr>
+        <p:style>
+          <a:lnRef idx="2">
+            <a:schemeClr val="accent1"/>
+          </a:lnRef>
+          <a:fillRef idx="1">
+            <a:schemeClr val="lt1"/>
+          </a:fillRef>
+          <a:effectRef idx="0">
+            <a:schemeClr val="accent1"/>
+          </a:effectRef>
+          <a:fontRef idx="minor">
+            <a:schemeClr val="dk1"/>
+          </a:fontRef>
+        </p:style>
+        <p:txBody>
+          <a:bodyPr rtlCol="0" anchor="t"/>
+          <a:lstStyle/>
+          <a:p>
+            <a:pPr algn="ctr"/>
+            <a:r>
+              <a:rPr lang="en-US" sz="1600" b="1" dirty="0">
+                <a:latin typeface="Calibri" panose="020F0502020204030204" pitchFamily="34" charset="0"/>
+                <a:ea typeface="Calibri" panose="020F0502020204030204" pitchFamily="34" charset="0"/>
+                <a:cs typeface="Calibri" panose="020F0502020204030204" pitchFamily="34" charset="0"/>
+              </a:rPr>
+              <a:t>User Management</a:t>
+            </a:r>
+          </a:p>
+        </p:txBody>
+      </p:sp>
+      <p:cxnSp>
+        <p:nvCxnSpPr>
+          <p:cNvPr id="32" name="Straight Arrow Connector 31">
+            <a:extLst>
+              <a:ext uri="{FF2B5EF4-FFF2-40B4-BE49-F238E27FC236}">
+                <a16:creationId xmlns:a16="http://schemas.microsoft.com/office/drawing/2014/main" id="{51B7A95B-81D7-073F-B7BE-B7D766A0FEA2}"/>
+              </a:ext>
+            </a:extLst>
+          </p:cNvPr>
+          <p:cNvCxnSpPr>
+            <a:cxnSpLocks/>
+            <a:stCxn id="1070" idx="3"/>
+            <a:endCxn id="1066" idx="1"/>
+          </p:cNvCxnSpPr>
+          <p:nvPr/>
+        </p:nvCxnSpPr>
+        <p:spPr>
+          <a:xfrm>
+            <a:off x="6541977" y="3463020"/>
+            <a:ext cx="289639" cy="3466"/>
+          </a:xfrm>
+          <a:prstGeom prst="straightConnector1">
+            <a:avLst/>
+          </a:prstGeom>
+          <a:ln>
+            <a:tailEnd type="triangle"/>
+          </a:ln>
+        </p:spPr>
+        <p:style>
+          <a:lnRef idx="2">
+            <a:schemeClr val="accent1"/>
+          </a:lnRef>
+          <a:fillRef idx="0">
+            <a:schemeClr val="accent1"/>
+          </a:fillRef>
+          <a:effectRef idx="1">
+            <a:schemeClr val="accent1"/>
+          </a:effectRef>
+          <a:fontRef idx="minor">
+            <a:schemeClr val="tx1"/>
+          </a:fontRef>
+        </p:style>
+      </p:cxnSp>
+      <p:cxnSp>
+        <p:nvCxnSpPr>
+          <p:cNvPr id="38" name="Straight Arrow Connector 37">
+            <a:extLst>
+              <a:ext uri="{FF2B5EF4-FFF2-40B4-BE49-F238E27FC236}">
+                <a16:creationId xmlns:a16="http://schemas.microsoft.com/office/drawing/2014/main" id="{E857AD5D-E6CC-CEA9-6D9A-21975AFE97F6}"/>
+              </a:ext>
+            </a:extLst>
+          </p:cNvPr>
+          <p:cNvCxnSpPr>
+            <a:cxnSpLocks/>
+            <a:stCxn id="1066" idx="3"/>
+            <a:endCxn id="1064" idx="1"/>
+          </p:cNvCxnSpPr>
+          <p:nvPr/>
+        </p:nvCxnSpPr>
+        <p:spPr>
+          <a:xfrm>
+            <a:off x="7364007" y="3466486"/>
+            <a:ext cx="349438" cy="6143"/>
+          </a:xfrm>
+          <a:prstGeom prst="straightConnector1">
+            <a:avLst/>
+          </a:prstGeom>
+          <a:ln>
+            <a:tailEnd type="triangle"/>
+          </a:ln>
+        </p:spPr>
+        <p:style>
+          <a:lnRef idx="2">
+            <a:schemeClr val="accent1"/>
+          </a:lnRef>
+          <a:fillRef idx="0">
+            <a:schemeClr val="accent1"/>
+          </a:fillRef>
+          <a:effectRef idx="1">
+            <a:schemeClr val="accent1"/>
+          </a:effectRef>
+          <a:fontRef idx="minor">
+            <a:schemeClr val="tx1"/>
+          </a:fontRef>
+        </p:style>
+      </p:cxnSp>
+      <p:pic>
+        <p:nvPicPr>
+          <p:cNvPr id="46" name="Picture 32">
+            <a:extLst>
+              <a:ext uri="{FF2B5EF4-FFF2-40B4-BE49-F238E27FC236}">
+                <a16:creationId xmlns:a16="http://schemas.microsoft.com/office/drawing/2014/main" id="{5297EF34-E4E6-8BE4-49E1-55F84701D07C}"/>
+              </a:ext>
+            </a:extLst>
+          </p:cNvPr>
+          <p:cNvPicPr>
+            <a:picLocks noChangeAspect="1" noChangeArrowheads="1"/>
+          </p:cNvPicPr>
+          <p:nvPr/>
+        </p:nvPicPr>
+        <p:blipFill>
+          <a:blip r:embed="rId16">
+            <a:extLst>
+              <a:ext uri="{28A0092B-C50C-407E-A947-70E740481C1C}">
+                <a14:useLocalDpi xmlns:a14="http://schemas.microsoft.com/office/drawing/2010/main" val="0"/>
+              </a:ext>
+            </a:extLst>
+          </a:blip>
+          <a:srcRect/>
+          <a:stretch>
+            <a:fillRect/>
+          </a:stretch>
+        </p:blipFill>
+        <p:spPr bwMode="auto">
+          <a:xfrm>
+            <a:off x="8780581" y="4863444"/>
+            <a:ext cx="683786" cy="683786"/>
+          </a:xfrm>
+          <a:prstGeom prst="rect">
+            <a:avLst/>
+          </a:prstGeom>
+          <a:noFill/>
+          <a:extLst>
+            <a:ext uri="{909E8E84-426E-40DD-AFC4-6F175D3DCCD1}">
+              <a14:hiddenFill xmlns:a14="http://schemas.microsoft.com/office/drawing/2010/main">
+                <a:solidFill>
+                  <a:srgbClr val="FFFFFF"/>
+                </a:solidFill>
+              </a14:hiddenFill>
+            </a:ext>
+          </a:extLst>
+        </p:spPr>
+      </p:pic>
+      <p:sp>
+        <p:nvSpPr>
+          <p:cNvPr id="47" name="TextBox 46">
+            <a:extLst>
+              <a:ext uri="{FF2B5EF4-FFF2-40B4-BE49-F238E27FC236}">
+                <a16:creationId xmlns:a16="http://schemas.microsoft.com/office/drawing/2014/main" id="{FECB2264-BC7C-88CE-4950-82AB3238D503}"/>
+              </a:ext>
+            </a:extLst>
+          </p:cNvPr>
+          <p:cNvSpPr txBox="1"/>
+          <p:nvPr/>
+        </p:nvSpPr>
+        <p:spPr>
+          <a:xfrm>
+            <a:off x="8678210" y="5432179"/>
+            <a:ext cx="907542" cy="523220"/>
+          </a:xfrm>
+          <a:prstGeom prst="rect">
+            <a:avLst/>
+          </a:prstGeom>
+          <a:noFill/>
+        </p:spPr>
+        <p:txBody>
+          <a:bodyPr wrap="square" rtlCol="0">
+            <a:spAutoFit/>
+          </a:bodyPr>
+          <a:lstStyle/>
+          <a:p>
+            <a:pPr algn="ctr"/>
+            <a:r>
+              <a:rPr lang="en-US" sz="1400" dirty="0">
+                <a:latin typeface="Calibri" panose="020F0502020204030204" pitchFamily="34" charset="0"/>
+                <a:ea typeface="Calibri" panose="020F0502020204030204" pitchFamily="34" charset="0"/>
+                <a:cs typeface="Calibri" panose="020F0502020204030204" pitchFamily="34" charset="0"/>
+              </a:rPr>
+              <a:t>Power</a:t>
+            </a:r>
+          </a:p>
+          <a:p>
+            <a:pPr algn="ctr"/>
+            <a:r>
+              <a:rPr lang="en-US" sz="1400" dirty="0">
+                <a:latin typeface="Calibri" panose="020F0502020204030204" pitchFamily="34" charset="0"/>
+                <a:ea typeface="Calibri" panose="020F0502020204030204" pitchFamily="34" charset="0"/>
+                <a:cs typeface="Calibri" panose="020F0502020204030204" pitchFamily="34" charset="0"/>
+              </a:rPr>
+              <a:t>Shell</a:t>
+            </a:r>
+          </a:p>
+        </p:txBody>
+      </p:sp>
+      <p:cxnSp>
+        <p:nvCxnSpPr>
+          <p:cNvPr id="51" name="Straight Arrow Connector 50">
+            <a:extLst>
+              <a:ext uri="{FF2B5EF4-FFF2-40B4-BE49-F238E27FC236}">
+                <a16:creationId xmlns:a16="http://schemas.microsoft.com/office/drawing/2014/main" id="{CE8C71A4-1848-F92C-C302-206B06A10C75}"/>
+              </a:ext>
+            </a:extLst>
+          </p:cNvPr>
+          <p:cNvCxnSpPr>
+            <a:cxnSpLocks/>
+            <a:stCxn id="1116" idx="1"/>
+            <a:endCxn id="46" idx="3"/>
+          </p:cNvCxnSpPr>
+          <p:nvPr/>
+        </p:nvCxnSpPr>
+        <p:spPr>
+          <a:xfrm flipH="1">
+            <a:off x="9464367" y="5198227"/>
+            <a:ext cx="660711" cy="7110"/>
+          </a:xfrm>
+          <a:prstGeom prst="straightConnector1">
+            <a:avLst/>
+          </a:prstGeom>
+          <a:ln>
+            <a:tailEnd type="triangle"/>
+          </a:ln>
+        </p:spPr>
+        <p:style>
+          <a:lnRef idx="2">
+            <a:schemeClr val="accent1"/>
+          </a:lnRef>
+          <a:fillRef idx="0">
+            <a:schemeClr val="accent1"/>
+          </a:fillRef>
+          <a:effectRef idx="1">
+            <a:schemeClr val="accent1"/>
+          </a:effectRef>
+          <a:fontRef idx="minor">
+            <a:schemeClr val="tx1"/>
+          </a:fontRef>
+        </p:style>
+      </p:cxnSp>
+      <p:cxnSp>
+        <p:nvCxnSpPr>
+          <p:cNvPr id="2" name="Straight Arrow Connector 1">
+            <a:extLst>
+              <a:ext uri="{FF2B5EF4-FFF2-40B4-BE49-F238E27FC236}">
+                <a16:creationId xmlns:a16="http://schemas.microsoft.com/office/drawing/2014/main" id="{9E080E3A-6903-0A09-D550-6A796242293E}"/>
+              </a:ext>
+            </a:extLst>
+          </p:cNvPr>
+          <p:cNvCxnSpPr>
+            <a:cxnSpLocks/>
+            <a:stCxn id="1114" idx="2"/>
+          </p:cNvCxnSpPr>
+          <p:nvPr/>
+        </p:nvCxnSpPr>
+        <p:spPr>
+          <a:xfrm rot="5400000">
+            <a:off x="7294096" y="5638354"/>
+            <a:ext cx="539390" cy="902829"/>
+          </a:xfrm>
+          <a:prstGeom prst="bentConnector2">
+            <a:avLst/>
+          </a:prstGeom>
+          <a:ln>
+            <a:headEnd type="triangle"/>
+            <a:tailEnd type="triangle"/>
+          </a:ln>
+        </p:spPr>
+        <p:style>
+          <a:lnRef idx="2">
+            <a:schemeClr val="accent1"/>
+          </a:lnRef>
+          <a:fillRef idx="0">
+            <a:schemeClr val="accent1"/>
+          </a:fillRef>
+          <a:effectRef idx="1">
+            <a:schemeClr val="accent1"/>
+          </a:effectRef>
+          <a:fontRef idx="minor">
+            <a:schemeClr val="tx1"/>
+          </a:fontRef>
+        </p:style>
+      </p:cxnSp>
+      <p:sp>
+        <p:nvSpPr>
+          <p:cNvPr id="3" name="Rectangle 2">
+            <a:extLst>
+              <a:ext uri="{FF2B5EF4-FFF2-40B4-BE49-F238E27FC236}">
+                <a16:creationId xmlns:a16="http://schemas.microsoft.com/office/drawing/2014/main" id="{61B1418D-E4CE-4DCC-6A46-EF32BA8EF975}"/>
+              </a:ext>
+            </a:extLst>
+          </p:cNvPr>
+          <p:cNvSpPr/>
+          <p:nvPr/>
+        </p:nvSpPr>
+        <p:spPr>
+          <a:xfrm rot="19567716">
+            <a:off x="8558258" y="1003473"/>
+            <a:ext cx="3807581" cy="923330"/>
+          </a:xfrm>
+          <a:prstGeom prst="rect">
+            <a:avLst/>
+          </a:prstGeom>
+          <a:noFill/>
+        </p:spPr>
+        <p:txBody>
+          <a:bodyPr wrap="none" lIns="91440" tIns="45720" rIns="91440" bIns="45720">
+            <a:spAutoFit/>
+          </a:bodyPr>
+          <a:lstStyle/>
+          <a:p>
+            <a:pPr algn="ctr"/>
+            <a:r>
+              <a:rPr lang="en-US" sz="5400" b="0" cap="none" spc="0" dirty="0">
+                <a:ln w="0"/>
+                <a:gradFill>
+                  <a:gsLst>
+                    <a:gs pos="0">
+                      <a:schemeClr val="accent5">
+                        <a:lumMod val="50000"/>
+                      </a:schemeClr>
+                    </a:gs>
+                    <a:gs pos="50000">
+                      <a:schemeClr val="accent5"/>
+                    </a:gs>
+                    <a:gs pos="100000">
+                      <a:schemeClr val="accent5">
+                        <a:lumMod val="60000"/>
+                        <a:lumOff val="40000"/>
+                      </a:schemeClr>
+                    </a:gs>
+                  </a:gsLst>
+                  <a:lin ang="5400000"/>
+                </a:gradFill>
+                <a:effectLst>
+                  <a:reflection blurRad="6350" stA="53000" endA="300" endPos="35500" dir="5400000" sy="-90000" algn="bl" rotWithShape="0"/>
+                </a:effectLst>
+              </a:rPr>
+              <a:t>Superseded</a:t>
+            </a:r>
+          </a:p>
+        </p:txBody>
+      </p:sp>
+    </p:spTree>
+    <p:extLst>
+      <p:ext uri="{BB962C8B-B14F-4D97-AF65-F5344CB8AC3E}">
+        <p14:creationId xmlns:p14="http://schemas.microsoft.com/office/powerpoint/2010/main" val="1863836544"/>
       </p:ext>
     </p:extLst>
   </p:cSld>

--- a/SolutionArchitecture.pptx
+++ b/SolutionArchitecture.pptx
@@ -199,7 +199,7 @@
           <a:p>
             <a:fld id="{3D8E887A-6233-4CAB-94B9-3010756F85B5}" type="datetimeFigureOut">
               <a:rPr lang="en-US" smtClean="0"/>
-              <a:t>5/29/2025</a:t>
+              <a:t>6/5/2025</a:t>
             </a:fld>
             <a:endParaRPr lang="en-US"/>
           </a:p>
@@ -697,7 +697,7 @@
           <a:p>
             <a:fld id="{BAD81560-E736-4A3E-98FC-5A2607D45314}" type="datetimeFigureOut">
               <a:rPr lang="en-US" smtClean="0"/>
-              <a:t>5/29/2025</a:t>
+              <a:t>6/5/2025</a:t>
             </a:fld>
             <a:endParaRPr lang="en-US"/>
           </a:p>
@@ -895,7 +895,7 @@
           <a:p>
             <a:fld id="{BAD81560-E736-4A3E-98FC-5A2607D45314}" type="datetimeFigureOut">
               <a:rPr lang="en-US" smtClean="0"/>
-              <a:t>5/29/2025</a:t>
+              <a:t>6/5/2025</a:t>
             </a:fld>
             <a:endParaRPr lang="en-US"/>
           </a:p>
@@ -1103,7 +1103,7 @@
           <a:p>
             <a:fld id="{BAD81560-E736-4A3E-98FC-5A2607D45314}" type="datetimeFigureOut">
               <a:rPr lang="en-US" smtClean="0"/>
-              <a:t>5/29/2025</a:t>
+              <a:t>6/5/2025</a:t>
             </a:fld>
             <a:endParaRPr lang="en-US"/>
           </a:p>
@@ -1301,7 +1301,7 @@
           <a:p>
             <a:fld id="{BAD81560-E736-4A3E-98FC-5A2607D45314}" type="datetimeFigureOut">
               <a:rPr lang="en-US" smtClean="0"/>
-              <a:t>5/29/2025</a:t>
+              <a:t>6/5/2025</a:t>
             </a:fld>
             <a:endParaRPr lang="en-US"/>
           </a:p>
@@ -1576,7 +1576,7 @@
           <a:p>
             <a:fld id="{BAD81560-E736-4A3E-98FC-5A2607D45314}" type="datetimeFigureOut">
               <a:rPr lang="en-US" smtClean="0"/>
-              <a:t>5/29/2025</a:t>
+              <a:t>6/5/2025</a:t>
             </a:fld>
             <a:endParaRPr lang="en-US"/>
           </a:p>
@@ -1841,7 +1841,7 @@
           <a:p>
             <a:fld id="{BAD81560-E736-4A3E-98FC-5A2607D45314}" type="datetimeFigureOut">
               <a:rPr lang="en-US" smtClean="0"/>
-              <a:t>5/29/2025</a:t>
+              <a:t>6/5/2025</a:t>
             </a:fld>
             <a:endParaRPr lang="en-US"/>
           </a:p>
@@ -2253,7 +2253,7 @@
           <a:p>
             <a:fld id="{BAD81560-E736-4A3E-98FC-5A2607D45314}" type="datetimeFigureOut">
               <a:rPr lang="en-US" smtClean="0"/>
-              <a:t>5/29/2025</a:t>
+              <a:t>6/5/2025</a:t>
             </a:fld>
             <a:endParaRPr lang="en-US"/>
           </a:p>
@@ -2394,7 +2394,7 @@
           <a:p>
             <a:fld id="{BAD81560-E736-4A3E-98FC-5A2607D45314}" type="datetimeFigureOut">
               <a:rPr lang="en-US" smtClean="0"/>
-              <a:t>5/29/2025</a:t>
+              <a:t>6/5/2025</a:t>
             </a:fld>
             <a:endParaRPr lang="en-US"/>
           </a:p>
@@ -2507,7 +2507,7 @@
           <a:p>
             <a:fld id="{BAD81560-E736-4A3E-98FC-5A2607D45314}" type="datetimeFigureOut">
               <a:rPr lang="en-US" smtClean="0"/>
-              <a:t>5/29/2025</a:t>
+              <a:t>6/5/2025</a:t>
             </a:fld>
             <a:endParaRPr lang="en-US"/>
           </a:p>
@@ -2818,7 +2818,7 @@
           <a:p>
             <a:fld id="{BAD81560-E736-4A3E-98FC-5A2607D45314}" type="datetimeFigureOut">
               <a:rPr lang="en-US" smtClean="0"/>
-              <a:t>5/29/2025</a:t>
+              <a:t>6/5/2025</a:t>
             </a:fld>
             <a:endParaRPr lang="en-US"/>
           </a:p>
@@ -3106,7 +3106,7 @@
           <a:p>
             <a:fld id="{BAD81560-E736-4A3E-98FC-5A2607D45314}" type="datetimeFigureOut">
               <a:rPr lang="en-US" smtClean="0"/>
-              <a:t>5/29/2025</a:t>
+              <a:t>6/5/2025</a:t>
             </a:fld>
             <a:endParaRPr lang="en-US"/>
           </a:p>
@@ -3347,7 +3347,7 @@
           <a:p>
             <a:fld id="{BAD81560-E736-4A3E-98FC-5A2607D45314}" type="datetimeFigureOut">
               <a:rPr lang="en-US" smtClean="0"/>
-              <a:t>5/29/2025</a:t>
+              <a:t>6/5/2025</a:t>
             </a:fld>
             <a:endParaRPr lang="en-US"/>
           </a:p>
@@ -14235,6 +14235,192 @@
           </a:p>
         </p:txBody>
       </p:sp>
+      <p:sp>
+        <p:nvSpPr>
+          <p:cNvPr id="21" name="TextBox 20">
+            <a:extLst>
+              <a:ext uri="{FF2B5EF4-FFF2-40B4-BE49-F238E27FC236}">
+                <a16:creationId xmlns:a16="http://schemas.microsoft.com/office/drawing/2014/main" id="{2CD68F72-269D-0E09-A15D-D94F36E44CA5}"/>
+              </a:ext>
+            </a:extLst>
+          </p:cNvPr>
+          <p:cNvSpPr txBox="1"/>
+          <p:nvPr/>
+        </p:nvSpPr>
+        <p:spPr>
+          <a:xfrm>
+            <a:off x="1164537" y="3933445"/>
+            <a:ext cx="528958" cy="246221"/>
+          </a:xfrm>
+          <a:prstGeom prst="rect">
+            <a:avLst/>
+          </a:prstGeom>
+          <a:noFill/>
+        </p:spPr>
+        <p:txBody>
+          <a:bodyPr wrap="square" lIns="0" rIns="0" rtlCol="0">
+            <a:spAutoFit/>
+          </a:bodyPr>
+          <a:lstStyle>
+            <a:defPPr>
+              <a:defRPr lang="en-US"/>
+            </a:defPPr>
+            <a:lvl1pPr algn="ctr">
+              <a:defRPr sz="1000">
+                <a:latin typeface="Calibri" panose="020F0502020204030204" pitchFamily="34" charset="0"/>
+                <a:ea typeface="Calibri" panose="020F0502020204030204" pitchFamily="34" charset="0"/>
+                <a:cs typeface="Calibri" panose="020F0502020204030204" pitchFamily="34" charset="0"/>
+              </a:defRPr>
+            </a:lvl1pPr>
+          </a:lstStyle>
+          <a:p>
+            <a:r>
+              <a:rPr lang="en-US" dirty="0"/>
+              <a:t>AWS CLI</a:t>
+            </a:r>
+          </a:p>
+        </p:txBody>
+      </p:sp>
+      <p:pic>
+        <p:nvPicPr>
+          <p:cNvPr id="22" name="Picture 4" descr="Download HD Cube - Aws Cli Logo Transparent PNG Image - NicePNG.com">
+            <a:extLst>
+              <a:ext uri="{FF2B5EF4-FFF2-40B4-BE49-F238E27FC236}">
+                <a16:creationId xmlns:a16="http://schemas.microsoft.com/office/drawing/2014/main" id="{5DCE2325-59C0-658D-591D-C42292D9F152}"/>
+              </a:ext>
+            </a:extLst>
+          </p:cNvPr>
+          <p:cNvPicPr>
+            <a:picLocks noChangeAspect="1" noChangeArrowheads="1"/>
+          </p:cNvPicPr>
+          <p:nvPr/>
+        </p:nvPicPr>
+        <p:blipFill>
+          <a:blip r:embed="rId34">
+            <a:extLst>
+              <a:ext uri="{28A0092B-C50C-407E-A947-70E740481C1C}">
+                <a14:useLocalDpi xmlns:a14="http://schemas.microsoft.com/office/drawing/2010/main" val="0"/>
+              </a:ext>
+            </a:extLst>
+          </a:blip>
+          <a:srcRect/>
+          <a:stretch>
+            <a:fillRect/>
+          </a:stretch>
+        </p:blipFill>
+        <p:spPr bwMode="auto">
+          <a:xfrm>
+            <a:off x="1239528" y="3604795"/>
+            <a:ext cx="352751" cy="364708"/>
+          </a:xfrm>
+          <a:prstGeom prst="rect">
+            <a:avLst/>
+          </a:prstGeom>
+          <a:noFill/>
+          <a:extLst>
+            <a:ext uri="{909E8E84-426E-40DD-AFC4-6F175D3DCCD1}">
+              <a14:hiddenFill xmlns:a14="http://schemas.microsoft.com/office/drawing/2010/main">
+                <a:solidFill>
+                  <a:srgbClr val="FFFFFF"/>
+                </a:solidFill>
+              </a14:hiddenFill>
+            </a:ext>
+          </a:extLst>
+        </p:spPr>
+      </p:pic>
+      <p:sp>
+        <p:nvSpPr>
+          <p:cNvPr id="23" name="TextBox 22">
+            <a:extLst>
+              <a:ext uri="{FF2B5EF4-FFF2-40B4-BE49-F238E27FC236}">
+                <a16:creationId xmlns:a16="http://schemas.microsoft.com/office/drawing/2014/main" id="{F07B13C6-49EC-053D-DD44-3A72C4966DF5}"/>
+              </a:ext>
+            </a:extLst>
+          </p:cNvPr>
+          <p:cNvSpPr txBox="1"/>
+          <p:nvPr/>
+        </p:nvSpPr>
+        <p:spPr>
+          <a:xfrm>
+            <a:off x="1866716" y="3933444"/>
+            <a:ext cx="528958" cy="400110"/>
+          </a:xfrm>
+          <a:prstGeom prst="rect">
+            <a:avLst/>
+          </a:prstGeom>
+          <a:noFill/>
+        </p:spPr>
+        <p:txBody>
+          <a:bodyPr wrap="square" lIns="0" rIns="0" rtlCol="0">
+            <a:spAutoFit/>
+          </a:bodyPr>
+          <a:lstStyle>
+            <a:defPPr>
+              <a:defRPr lang="en-US"/>
+            </a:defPPr>
+            <a:lvl1pPr algn="ctr">
+              <a:defRPr sz="1000">
+                <a:latin typeface="Calibri" panose="020F0502020204030204" pitchFamily="34" charset="0"/>
+                <a:ea typeface="Calibri" panose="020F0502020204030204" pitchFamily="34" charset="0"/>
+                <a:cs typeface="Calibri" panose="020F0502020204030204" pitchFamily="34" charset="0"/>
+              </a:defRPr>
+            </a:lvl1pPr>
+          </a:lstStyle>
+          <a:p>
+            <a:r>
+              <a:rPr lang="en-US" dirty="0"/>
+              <a:t>Session Manager</a:t>
+            </a:r>
+          </a:p>
+        </p:txBody>
+      </p:sp>
+      <p:pic>
+        <p:nvPicPr>
+          <p:cNvPr id="25" name="Picture 6" descr="Install amazon-ssm-agent on Linux | Snap Store">
+            <a:extLst>
+              <a:ext uri="{FF2B5EF4-FFF2-40B4-BE49-F238E27FC236}">
+                <a16:creationId xmlns:a16="http://schemas.microsoft.com/office/drawing/2014/main" id="{D18BA270-B3A8-13EF-479D-C604F5272822}"/>
+              </a:ext>
+            </a:extLst>
+          </p:cNvPr>
+          <p:cNvPicPr>
+            <a:picLocks noChangeAspect="1" noChangeArrowheads="1"/>
+          </p:cNvPicPr>
+          <p:nvPr/>
+        </p:nvPicPr>
+        <p:blipFill>
+          <a:blip r:embed="rId35">
+            <a:extLst>
+              <a:ext uri="{28A0092B-C50C-407E-A947-70E740481C1C}">
+                <a14:useLocalDpi xmlns:a14="http://schemas.microsoft.com/office/drawing/2010/main" val="0"/>
+              </a:ext>
+            </a:extLst>
+          </a:blip>
+          <a:srcRect/>
+          <a:stretch>
+            <a:fillRect/>
+          </a:stretch>
+        </p:blipFill>
+        <p:spPr bwMode="auto">
+          <a:xfrm>
+            <a:off x="1948877" y="3589157"/>
+            <a:ext cx="364635" cy="380346"/>
+          </a:xfrm>
+          <a:prstGeom prst="rect">
+            <a:avLst/>
+          </a:prstGeom>
+          <a:noFill/>
+          <a:extLst>
+            <a:ext uri="{909E8E84-426E-40DD-AFC4-6F175D3DCCD1}">
+              <a14:hiddenFill xmlns:a14="http://schemas.microsoft.com/office/drawing/2010/main">
+                <a:solidFill>
+                  <a:srgbClr val="FFFFFF"/>
+                </a:solidFill>
+              </a14:hiddenFill>
+            </a:ext>
+          </a:extLst>
+        </p:spPr>
+      </p:pic>
     </p:spTree>
     <p:extLst>
       <p:ext uri="{BB962C8B-B14F-4D97-AF65-F5344CB8AC3E}">
